--- a/Project proposal.pptx
+++ b/Project proposal.pptx
@@ -2,10 +2,11 @@
 <file path=ppt/presentation.xml><?xml version="1.0" encoding="utf-8"?>
 <p:presentation xmlns:a="http://schemas.openxmlformats.org/drawingml/2006/main" xmlns:r="http://schemas.openxmlformats.org/officeDocument/2006/relationships" xmlns:p="http://schemas.openxmlformats.org/presentationml/2006/main" saveSubsetFonts="1">
   <p:sldMasterIdLst>
-    <p:sldMasterId id="2147483648" r:id="rId1"/>
+    <p:sldMasterId id="2147483660" r:id="rId1"/>
   </p:sldMasterIdLst>
   <p:sldIdLst>
     <p:sldId id="256" r:id="rId2"/>
+    <p:sldId id="257" r:id="rId3"/>
   </p:sldIdLst>
   <p:sldSz cx="12192000" cy="6858000"/>
   <p:notesSz cx="6858000" cy="9144000"/>
@@ -13,7 +14,7 @@
     <a:defPPr>
       <a:defRPr lang="en-US"/>
     </a:defPPr>
-    <a:lvl1pPr marL="0" algn="l" defTabSz="914400" rtl="0" eaLnBrk="1" latinLnBrk="0" hangingPunct="1">
+    <a:lvl1pPr marL="0" algn="l" defTabSz="457200" rtl="0" eaLnBrk="1" latinLnBrk="0" hangingPunct="1">
       <a:defRPr sz="1800" kern="1200">
         <a:solidFill>
           <a:schemeClr val="tx1"/>
@@ -23,7 +24,7 @@
         <a:cs typeface="+mn-cs"/>
       </a:defRPr>
     </a:lvl1pPr>
-    <a:lvl2pPr marL="457200" algn="l" defTabSz="914400" rtl="0" eaLnBrk="1" latinLnBrk="0" hangingPunct="1">
+    <a:lvl2pPr marL="457200" algn="l" defTabSz="457200" rtl="0" eaLnBrk="1" latinLnBrk="0" hangingPunct="1">
       <a:defRPr sz="1800" kern="1200">
         <a:solidFill>
           <a:schemeClr val="tx1"/>
@@ -33,7 +34,7 @@
         <a:cs typeface="+mn-cs"/>
       </a:defRPr>
     </a:lvl2pPr>
-    <a:lvl3pPr marL="914400" algn="l" defTabSz="914400" rtl="0" eaLnBrk="1" latinLnBrk="0" hangingPunct="1">
+    <a:lvl3pPr marL="914400" algn="l" defTabSz="457200" rtl="0" eaLnBrk="1" latinLnBrk="0" hangingPunct="1">
       <a:defRPr sz="1800" kern="1200">
         <a:solidFill>
           <a:schemeClr val="tx1"/>
@@ -43,7 +44,7 @@
         <a:cs typeface="+mn-cs"/>
       </a:defRPr>
     </a:lvl3pPr>
-    <a:lvl4pPr marL="1371600" algn="l" defTabSz="914400" rtl="0" eaLnBrk="1" latinLnBrk="0" hangingPunct="1">
+    <a:lvl4pPr marL="1371600" algn="l" defTabSz="457200" rtl="0" eaLnBrk="1" latinLnBrk="0" hangingPunct="1">
       <a:defRPr sz="1800" kern="1200">
         <a:solidFill>
           <a:schemeClr val="tx1"/>
@@ -53,7 +54,7 @@
         <a:cs typeface="+mn-cs"/>
       </a:defRPr>
     </a:lvl4pPr>
-    <a:lvl5pPr marL="1828800" algn="l" defTabSz="914400" rtl="0" eaLnBrk="1" latinLnBrk="0" hangingPunct="1">
+    <a:lvl5pPr marL="1828800" algn="l" defTabSz="457200" rtl="0" eaLnBrk="1" latinLnBrk="0" hangingPunct="1">
       <a:defRPr sz="1800" kern="1200">
         <a:solidFill>
           <a:schemeClr val="tx1"/>
@@ -63,7 +64,7 @@
         <a:cs typeface="+mn-cs"/>
       </a:defRPr>
     </a:lvl5pPr>
-    <a:lvl6pPr marL="2286000" algn="l" defTabSz="914400" rtl="0" eaLnBrk="1" latinLnBrk="0" hangingPunct="1">
+    <a:lvl6pPr marL="2286000" algn="l" defTabSz="457200" rtl="0" eaLnBrk="1" latinLnBrk="0" hangingPunct="1">
       <a:defRPr sz="1800" kern="1200">
         <a:solidFill>
           <a:schemeClr val="tx1"/>
@@ -73,7 +74,7 @@
         <a:cs typeface="+mn-cs"/>
       </a:defRPr>
     </a:lvl6pPr>
-    <a:lvl7pPr marL="2743200" algn="l" defTabSz="914400" rtl="0" eaLnBrk="1" latinLnBrk="0" hangingPunct="1">
+    <a:lvl7pPr marL="2743200" algn="l" defTabSz="457200" rtl="0" eaLnBrk="1" latinLnBrk="0" hangingPunct="1">
       <a:defRPr sz="1800" kern="1200">
         <a:solidFill>
           <a:schemeClr val="tx1"/>
@@ -83,7 +84,7 @@
         <a:cs typeface="+mn-cs"/>
       </a:defRPr>
     </a:lvl7pPr>
-    <a:lvl8pPr marL="3200400" algn="l" defTabSz="914400" rtl="0" eaLnBrk="1" latinLnBrk="0" hangingPunct="1">
+    <a:lvl8pPr marL="3200400" algn="l" defTabSz="457200" rtl="0" eaLnBrk="1" latinLnBrk="0" hangingPunct="1">
       <a:defRPr sz="1800" kern="1200">
         <a:solidFill>
           <a:schemeClr val="tx1"/>
@@ -93,7 +94,7 @@
         <a:cs typeface="+mn-cs"/>
       </a:defRPr>
     </a:lvl8pPr>
-    <a:lvl9pPr marL="3657600" algn="l" defTabSz="914400" rtl="0" eaLnBrk="1" latinLnBrk="0" hangingPunct="1">
+    <a:lvl9pPr marL="3657600" algn="l" defTabSz="457200" rtl="0" eaLnBrk="1" latinLnBrk="0" hangingPunct="1">
       <a:defRPr sz="1800" kern="1200">
         <a:solidFill>
           <a:schemeClr val="tx1"/>
@@ -104,11 +105,16 @@
       </a:defRPr>
     </a:lvl9pPr>
   </p:defaultTextStyle>
+  <p:extLst>
+    <p:ext uri="{EFAFB233-063F-42B5-8137-9DF3F51BA10A}">
+      <p15:sldGuideLst xmlns:p15="http://schemas.microsoft.com/office/powerpoint/2012/main"/>
+    </p:ext>
+  </p:extLst>
 </p:presentation>
 </file>
 
 <file path=ppt/slideLayouts/slideLayout1.xml><?xml version="1.0" encoding="utf-8"?>
-<p:sldLayout xmlns:a="http://schemas.openxmlformats.org/drawingml/2006/main" xmlns:r="http://schemas.openxmlformats.org/officeDocument/2006/relationships" xmlns:p="http://schemas.openxmlformats.org/presentationml/2006/main" type="title" preserve="1">
+<p:sldLayout xmlns:a="http://schemas.openxmlformats.org/drawingml/2006/main" xmlns:r="http://schemas.openxmlformats.org/officeDocument/2006/relationships" xmlns:p="http://schemas.openxmlformats.org/presentationml/2006/main" showMasterSp="0" type="title" preserve="1">
   <p:cSld name="Title Slide">
     <p:spTree>
       <p:nvGrpSpPr>
@@ -124,15 +130,322 @@
           <a:chExt cx="0" cy="0"/>
         </a:xfrm>
       </p:grpSpPr>
-      <p:sp>
-        <p:nvSpPr>
-          <p:cNvPr id="2" name="Title 1">
-            <a:extLst>
-              <a:ext uri="{FF2B5EF4-FFF2-40B4-BE49-F238E27FC236}">
-                <a16:creationId xmlns:a16="http://schemas.microsoft.com/office/drawing/2014/main" id="{410C3718-925B-4C63-A6C5-2113825C5677}"/>
-              </a:ext>
-            </a:extLst>
-          </p:cNvPr>
+      <p:grpSp>
+        <p:nvGrpSpPr>
+          <p:cNvPr id="19" name="Group 18"/>
+          <p:cNvGrpSpPr/>
+          <p:nvPr/>
+        </p:nvGrpSpPr>
+        <p:grpSpPr>
+          <a:xfrm>
+            <a:off x="546100" y="-4763"/>
+            <a:ext cx="5014912" cy="6862763"/>
+            <a:chOff x="2928938" y="-4763"/>
+            <a:chExt cx="5014912" cy="6862763"/>
+          </a:xfrm>
+        </p:grpSpPr>
+        <p:sp>
+          <p:nvSpPr>
+            <p:cNvPr id="22" name="Freeform 6"/>
+            <p:cNvSpPr/>
+            <p:nvPr/>
+          </p:nvSpPr>
+          <p:spPr bwMode="auto">
+            <a:xfrm>
+              <a:off x="3367088" y="-4763"/>
+              <a:ext cx="1063625" cy="2782888"/>
+            </a:xfrm>
+            <a:custGeom>
+              <a:avLst/>
+              <a:gdLst/>
+              <a:ahLst/>
+              <a:cxnLst/>
+              <a:rect l="0" t="0" r="r" b="b"/>
+              <a:pathLst>
+                <a:path w="670" h="1753">
+                  <a:moveTo>
+                    <a:pt x="0" y="1696"/>
+                  </a:moveTo>
+                  <a:lnTo>
+                    <a:pt x="225" y="1753"/>
+                  </a:lnTo>
+                  <a:lnTo>
+                    <a:pt x="670" y="0"/>
+                  </a:lnTo>
+                  <a:lnTo>
+                    <a:pt x="430" y="0"/>
+                  </a:lnTo>
+                  <a:lnTo>
+                    <a:pt x="0" y="1696"/>
+                  </a:lnTo>
+                  <a:close/>
+                </a:path>
+              </a:pathLst>
+            </a:custGeom>
+            <a:solidFill>
+              <a:schemeClr val="accent1"/>
+            </a:solidFill>
+            <a:ln>
+              <a:noFill/>
+            </a:ln>
+          </p:spPr>
+        </p:sp>
+        <p:sp>
+          <p:nvSpPr>
+            <p:cNvPr id="23" name="Freeform 7"/>
+            <p:cNvSpPr/>
+            <p:nvPr/>
+          </p:nvSpPr>
+          <p:spPr bwMode="auto">
+            <a:xfrm>
+              <a:off x="2928938" y="-4763"/>
+              <a:ext cx="1035050" cy="2673350"/>
+            </a:xfrm>
+            <a:custGeom>
+              <a:avLst/>
+              <a:gdLst/>
+              <a:ahLst/>
+              <a:cxnLst/>
+              <a:rect l="0" t="0" r="r" b="b"/>
+              <a:pathLst>
+                <a:path w="652" h="1684">
+                  <a:moveTo>
+                    <a:pt x="225" y="1684"/>
+                  </a:moveTo>
+                  <a:lnTo>
+                    <a:pt x="652" y="0"/>
+                  </a:lnTo>
+                  <a:lnTo>
+                    <a:pt x="411" y="0"/>
+                  </a:lnTo>
+                  <a:lnTo>
+                    <a:pt x="0" y="1627"/>
+                  </a:lnTo>
+                  <a:lnTo>
+                    <a:pt x="219" y="1681"/>
+                  </a:lnTo>
+                  <a:lnTo>
+                    <a:pt x="225" y="1684"/>
+                  </a:lnTo>
+                  <a:close/>
+                </a:path>
+              </a:pathLst>
+            </a:custGeom>
+            <a:solidFill>
+              <a:schemeClr val="tx1">
+                <a:lumMod val="65000"/>
+                <a:lumOff val="35000"/>
+              </a:schemeClr>
+            </a:solidFill>
+            <a:ln>
+              <a:noFill/>
+            </a:ln>
+          </p:spPr>
+        </p:sp>
+        <p:sp>
+          <p:nvSpPr>
+            <p:cNvPr id="24" name="Freeform 9"/>
+            <p:cNvSpPr/>
+            <p:nvPr/>
+          </p:nvSpPr>
+          <p:spPr bwMode="auto">
+            <a:xfrm>
+              <a:off x="2928938" y="2582862"/>
+              <a:ext cx="2693987" cy="4275138"/>
+            </a:xfrm>
+            <a:custGeom>
+              <a:avLst/>
+              <a:gdLst/>
+              <a:ahLst/>
+              <a:cxnLst/>
+              <a:rect l="0" t="0" r="r" b="b"/>
+              <a:pathLst>
+                <a:path w="1697" h="2693">
+                  <a:moveTo>
+                    <a:pt x="0" y="0"/>
+                  </a:moveTo>
+                  <a:lnTo>
+                    <a:pt x="1622" y="2693"/>
+                  </a:lnTo>
+                  <a:lnTo>
+                    <a:pt x="1697" y="2693"/>
+                  </a:lnTo>
+                  <a:lnTo>
+                    <a:pt x="0" y="0"/>
+                  </a:lnTo>
+                  <a:close/>
+                </a:path>
+              </a:pathLst>
+            </a:custGeom>
+            <a:solidFill>
+              <a:schemeClr val="tx1">
+                <a:lumMod val="85000"/>
+                <a:lumOff val="15000"/>
+              </a:schemeClr>
+            </a:solidFill>
+            <a:ln>
+              <a:noFill/>
+            </a:ln>
+          </p:spPr>
+        </p:sp>
+        <p:sp>
+          <p:nvSpPr>
+            <p:cNvPr id="25" name="Freeform 10"/>
+            <p:cNvSpPr/>
+            <p:nvPr/>
+          </p:nvSpPr>
+          <p:spPr bwMode="auto">
+            <a:xfrm>
+              <a:off x="3371850" y="2692400"/>
+              <a:ext cx="3332162" cy="4165600"/>
+            </a:xfrm>
+            <a:custGeom>
+              <a:avLst/>
+              <a:gdLst/>
+              <a:ahLst/>
+              <a:cxnLst/>
+              <a:rect l="0" t="0" r="r" b="b"/>
+              <a:pathLst>
+                <a:path w="2099" h="2624">
+                  <a:moveTo>
+                    <a:pt x="2099" y="2624"/>
+                  </a:moveTo>
+                  <a:lnTo>
+                    <a:pt x="0" y="0"/>
+                  </a:lnTo>
+                  <a:lnTo>
+                    <a:pt x="2021" y="2624"/>
+                  </a:lnTo>
+                  <a:lnTo>
+                    <a:pt x="2099" y="2624"/>
+                  </a:lnTo>
+                  <a:close/>
+                </a:path>
+              </a:pathLst>
+            </a:custGeom>
+            <a:solidFill>
+              <a:schemeClr val="accent1">
+                <a:lumMod val="50000"/>
+              </a:schemeClr>
+            </a:solidFill>
+            <a:ln>
+              <a:noFill/>
+            </a:ln>
+          </p:spPr>
+        </p:sp>
+        <p:sp>
+          <p:nvSpPr>
+            <p:cNvPr id="26" name="Freeform 11"/>
+            <p:cNvSpPr/>
+            <p:nvPr/>
+          </p:nvSpPr>
+          <p:spPr bwMode="auto">
+            <a:xfrm>
+              <a:off x="3367088" y="2687637"/>
+              <a:ext cx="4576762" cy="4170363"/>
+            </a:xfrm>
+            <a:custGeom>
+              <a:avLst/>
+              <a:gdLst/>
+              <a:ahLst/>
+              <a:cxnLst/>
+              <a:rect l="0" t="0" r="r" b="b"/>
+              <a:pathLst>
+                <a:path w="2883" h="2627">
+                  <a:moveTo>
+                    <a:pt x="0" y="0"/>
+                  </a:moveTo>
+                  <a:lnTo>
+                    <a:pt x="3" y="3"/>
+                  </a:lnTo>
+                  <a:lnTo>
+                    <a:pt x="2102" y="2627"/>
+                  </a:lnTo>
+                  <a:lnTo>
+                    <a:pt x="2883" y="2627"/>
+                  </a:lnTo>
+                  <a:lnTo>
+                    <a:pt x="225" y="57"/>
+                  </a:lnTo>
+                  <a:lnTo>
+                    <a:pt x="0" y="0"/>
+                  </a:lnTo>
+                  <a:close/>
+                </a:path>
+              </a:pathLst>
+            </a:custGeom>
+            <a:solidFill>
+              <a:schemeClr val="accent1">
+                <a:lumMod val="75000"/>
+              </a:schemeClr>
+            </a:solidFill>
+            <a:ln>
+              <a:noFill/>
+            </a:ln>
+          </p:spPr>
+        </p:sp>
+        <p:sp>
+          <p:nvSpPr>
+            <p:cNvPr id="27" name="Freeform 12"/>
+            <p:cNvSpPr/>
+            <p:nvPr/>
+          </p:nvSpPr>
+          <p:spPr bwMode="auto">
+            <a:xfrm>
+              <a:off x="2928938" y="2578100"/>
+              <a:ext cx="3584575" cy="4279900"/>
+            </a:xfrm>
+            <a:custGeom>
+              <a:avLst/>
+              <a:gdLst/>
+              <a:ahLst/>
+              <a:cxnLst/>
+              <a:rect l="0" t="0" r="r" b="b"/>
+              <a:pathLst>
+                <a:path w="2258" h="2696">
+                  <a:moveTo>
+                    <a:pt x="2258" y="2696"/>
+                  </a:moveTo>
+                  <a:lnTo>
+                    <a:pt x="264" y="111"/>
+                  </a:lnTo>
+                  <a:lnTo>
+                    <a:pt x="228" y="60"/>
+                  </a:lnTo>
+                  <a:lnTo>
+                    <a:pt x="225" y="57"/>
+                  </a:lnTo>
+                  <a:lnTo>
+                    <a:pt x="0" y="0"/>
+                  </a:lnTo>
+                  <a:lnTo>
+                    <a:pt x="0" y="3"/>
+                  </a:lnTo>
+                  <a:lnTo>
+                    <a:pt x="1697" y="2696"/>
+                  </a:lnTo>
+                  <a:lnTo>
+                    <a:pt x="2258" y="2696"/>
+                  </a:lnTo>
+                  <a:close/>
+                </a:path>
+              </a:pathLst>
+            </a:custGeom>
+            <a:solidFill>
+              <a:schemeClr val="tx1">
+                <a:lumMod val="75000"/>
+                <a:lumOff val="25000"/>
+              </a:schemeClr>
+            </a:solidFill>
+            <a:ln>
+              <a:noFill/>
+            </a:ln>
+          </p:spPr>
+        </p:sp>
+      </p:grpSp>
+      <p:sp>
+        <p:nvSpPr>
+          <p:cNvPr id="2" name="Title 1"/>
           <p:cNvSpPr>
             <a:spLocks noGrp="1"/>
           </p:cNvSpPr>
@@ -142,15 +455,19 @@
         </p:nvSpPr>
         <p:spPr>
           <a:xfrm>
-            <a:off x="1524000" y="1122363"/>
-            <a:ext cx="9144000" cy="2387600"/>
+            <a:off x="2928401" y="1380068"/>
+            <a:ext cx="8574622" cy="2616199"/>
           </a:xfrm>
         </p:spPr>
         <p:txBody>
-          <a:bodyPr anchor="b"/>
+          <a:bodyPr anchor="b">
+            <a:normAutofit/>
+          </a:bodyPr>
           <a:lstStyle>
-            <a:lvl1pPr algn="ctr">
-              <a:defRPr sz="6000"/>
+            <a:lvl1pPr algn="r">
+              <a:defRPr sz="6000">
+                <a:effectLst/>
+              </a:defRPr>
             </a:lvl1pPr>
           </a:lstStyle>
           <a:p>
@@ -158,18 +475,13 @@
               <a:rPr lang="en-US"/>
               <a:t>Click to edit Master title style</a:t>
             </a:r>
-          </a:p>
-        </p:txBody>
-      </p:sp>
-      <p:sp>
-        <p:nvSpPr>
-          <p:cNvPr id="3" name="Subtitle 2">
-            <a:extLst>
-              <a:ext uri="{FF2B5EF4-FFF2-40B4-BE49-F238E27FC236}">
-                <a16:creationId xmlns:a16="http://schemas.microsoft.com/office/drawing/2014/main" id="{BE7A853A-5765-4AAB-A246-49BB1EFDD479}"/>
-              </a:ext>
-            </a:extLst>
-          </p:cNvPr>
+            <a:endParaRPr lang="en-US" dirty="0"/>
+          </a:p>
+        </p:txBody>
+      </p:sp>
+      <p:sp>
+        <p:nvSpPr>
+          <p:cNvPr id="3" name="Subtitle 2"/>
           <p:cNvSpPr>
             <a:spLocks noGrp="1"/>
           </p:cNvSpPr>
@@ -179,48 +491,102 @@
         </p:nvSpPr>
         <p:spPr>
           <a:xfrm>
-            <a:off x="1524000" y="3602038"/>
-            <a:ext cx="9144000" cy="1655762"/>
+            <a:off x="4515377" y="3996267"/>
+            <a:ext cx="6987645" cy="1388534"/>
           </a:xfrm>
         </p:spPr>
         <p:txBody>
-          <a:bodyPr/>
+          <a:bodyPr anchor="t">
+            <a:normAutofit/>
+          </a:bodyPr>
           <a:lstStyle>
-            <a:lvl1pPr marL="0" indent="0" algn="ctr">
-              <a:buNone/>
-              <a:defRPr sz="2400"/>
+            <a:lvl1pPr marL="0" indent="0" algn="r">
+              <a:buNone/>
+              <a:defRPr sz="2100">
+                <a:solidFill>
+                  <a:schemeClr val="tx1"/>
+                </a:solidFill>
+              </a:defRPr>
             </a:lvl1pPr>
             <a:lvl2pPr marL="457200" indent="0" algn="ctr">
               <a:buNone/>
-              <a:defRPr sz="2000"/>
+              <a:defRPr>
+                <a:solidFill>
+                  <a:schemeClr val="tx1">
+                    <a:tint val="75000"/>
+                  </a:schemeClr>
+                </a:solidFill>
+              </a:defRPr>
             </a:lvl2pPr>
             <a:lvl3pPr marL="914400" indent="0" algn="ctr">
               <a:buNone/>
-              <a:defRPr sz="1800"/>
+              <a:defRPr>
+                <a:solidFill>
+                  <a:schemeClr val="tx1">
+                    <a:tint val="75000"/>
+                  </a:schemeClr>
+                </a:solidFill>
+              </a:defRPr>
             </a:lvl3pPr>
             <a:lvl4pPr marL="1371600" indent="0" algn="ctr">
               <a:buNone/>
-              <a:defRPr sz="1600"/>
+              <a:defRPr>
+                <a:solidFill>
+                  <a:schemeClr val="tx1">
+                    <a:tint val="75000"/>
+                  </a:schemeClr>
+                </a:solidFill>
+              </a:defRPr>
             </a:lvl4pPr>
             <a:lvl5pPr marL="1828800" indent="0" algn="ctr">
               <a:buNone/>
-              <a:defRPr sz="1600"/>
+              <a:defRPr>
+                <a:solidFill>
+                  <a:schemeClr val="tx1">
+                    <a:tint val="75000"/>
+                  </a:schemeClr>
+                </a:solidFill>
+              </a:defRPr>
             </a:lvl5pPr>
             <a:lvl6pPr marL="2286000" indent="0" algn="ctr">
               <a:buNone/>
-              <a:defRPr sz="1600"/>
+              <a:defRPr>
+                <a:solidFill>
+                  <a:schemeClr val="tx1">
+                    <a:tint val="75000"/>
+                  </a:schemeClr>
+                </a:solidFill>
+              </a:defRPr>
             </a:lvl6pPr>
             <a:lvl7pPr marL="2743200" indent="0" algn="ctr">
               <a:buNone/>
-              <a:defRPr sz="1600"/>
+              <a:defRPr>
+                <a:solidFill>
+                  <a:schemeClr val="tx1">
+                    <a:tint val="75000"/>
+                  </a:schemeClr>
+                </a:solidFill>
+              </a:defRPr>
             </a:lvl7pPr>
             <a:lvl8pPr marL="3200400" indent="0" algn="ctr">
               <a:buNone/>
-              <a:defRPr sz="1600"/>
+              <a:defRPr>
+                <a:solidFill>
+                  <a:schemeClr val="tx1">
+                    <a:tint val="75000"/>
+                  </a:schemeClr>
+                </a:solidFill>
+              </a:defRPr>
             </a:lvl8pPr>
             <a:lvl9pPr marL="3657600" indent="0" algn="ctr">
               <a:buNone/>
-              <a:defRPr sz="1600"/>
+              <a:defRPr>
+                <a:solidFill>
+                  <a:schemeClr val="tx1">
+                    <a:tint val="75000"/>
+                  </a:schemeClr>
+                </a:solidFill>
+              </a:defRPr>
             </a:lvl9pPr>
           </a:lstStyle>
           <a:p>
@@ -228,18 +594,13 @@
               <a:rPr lang="en-US"/>
               <a:t>Click to edit Master subtitle style</a:t>
             </a:r>
-          </a:p>
-        </p:txBody>
-      </p:sp>
-      <p:sp>
-        <p:nvSpPr>
-          <p:cNvPr id="4" name="Date Placeholder 3">
-            <a:extLst>
-              <a:ext uri="{FF2B5EF4-FFF2-40B4-BE49-F238E27FC236}">
-                <a16:creationId xmlns:a16="http://schemas.microsoft.com/office/drawing/2014/main" id="{DCE0E330-20BB-4BE6-B21D-22DE5086CCA1}"/>
-              </a:ext>
-            </a:extLst>
-          </p:cNvPr>
+            <a:endParaRPr lang="en-US" dirty="0"/>
+          </a:p>
+        </p:txBody>
+      </p:sp>
+      <p:sp>
+        <p:nvSpPr>
+          <p:cNvPr id="4" name="Date Placeholder 3"/>
           <p:cNvSpPr>
             <a:spLocks noGrp="1"/>
           </p:cNvSpPr>
@@ -262,13 +623,7 @@
       </p:sp>
       <p:sp>
         <p:nvSpPr>
-          <p:cNvPr id="5" name="Footer Placeholder 4">
-            <a:extLst>
-              <a:ext uri="{FF2B5EF4-FFF2-40B4-BE49-F238E27FC236}">
-                <a16:creationId xmlns:a16="http://schemas.microsoft.com/office/drawing/2014/main" id="{7FB0D62B-6737-4B02-BD7C-FD4942A0A569}"/>
-              </a:ext>
-            </a:extLst>
-          </p:cNvPr>
+          <p:cNvPr id="5" name="Footer Placeholder 4"/>
           <p:cNvSpPr>
             <a:spLocks noGrp="1"/>
           </p:cNvSpPr>
@@ -276,7 +631,12 @@
             <p:ph type="ftr" sz="quarter" idx="11"/>
           </p:nvPr>
         </p:nvSpPr>
-        <p:spPr/>
+        <p:spPr>
+          <a:xfrm>
+            <a:off x="5332412" y="5883275"/>
+            <a:ext cx="4324044" cy="365125"/>
+          </a:xfrm>
+        </p:spPr>
         <p:txBody>
           <a:bodyPr/>
           <a:lstStyle/>
@@ -287,13 +647,7 @@
       </p:sp>
       <p:sp>
         <p:nvSpPr>
-          <p:cNvPr id="6" name="Slide Number Placeholder 5">
-            <a:extLst>
-              <a:ext uri="{FF2B5EF4-FFF2-40B4-BE49-F238E27FC236}">
-                <a16:creationId xmlns:a16="http://schemas.microsoft.com/office/drawing/2014/main" id="{73CC5020-5AC8-4FD4-B092-284DA75D2E0F}"/>
-              </a:ext>
-            </a:extLst>
-          </p:cNvPr>
+          <p:cNvPr id="6" name="Slide Number Placeholder 5"/>
           <p:cNvSpPr>
             <a:spLocks noGrp="1"/>
           </p:cNvSpPr>
@@ -317,7 +671,7 @@
     </p:spTree>
     <p:extLst>
       <p:ext uri="{BB962C8B-B14F-4D97-AF65-F5344CB8AC3E}">
-        <p14:creationId xmlns:p14="http://schemas.microsoft.com/office/powerpoint/2010/main" val="993800949"/>
+        <p14:creationId xmlns:p14="http://schemas.microsoft.com/office/powerpoint/2010/main" val="1218019333"/>
       </p:ext>
     </p:extLst>
   </p:cSld>
@@ -328,6 +682,2162 @@
 </file>
 
 <file path=ppt/slideLayouts/slideLayout10.xml><?xml version="1.0" encoding="utf-8"?>
+<p:sldLayout xmlns:a="http://schemas.openxmlformats.org/drawingml/2006/main" xmlns:r="http://schemas.openxmlformats.org/officeDocument/2006/relationships" xmlns:p="http://schemas.openxmlformats.org/presentationml/2006/main" preserve="1">
+  <p:cSld name="Panoramic Picture with Caption">
+    <p:spTree>
+      <p:nvGrpSpPr>
+        <p:cNvPr id="1" name=""/>
+        <p:cNvGrpSpPr/>
+        <p:nvPr/>
+      </p:nvGrpSpPr>
+      <p:grpSpPr>
+        <a:xfrm>
+          <a:off x="0" y="0"/>
+          <a:ext cx="0" cy="0"/>
+          <a:chOff x="0" y="0"/>
+          <a:chExt cx="0" cy="0"/>
+        </a:xfrm>
+      </p:grpSpPr>
+      <p:sp>
+        <p:nvSpPr>
+          <p:cNvPr id="2" name="Title 1"/>
+          <p:cNvSpPr>
+            <a:spLocks noGrp="1"/>
+          </p:cNvSpPr>
+          <p:nvPr>
+            <p:ph type="title"/>
+          </p:nvPr>
+        </p:nvSpPr>
+        <p:spPr>
+          <a:xfrm>
+            <a:off x="1484311" y="4732865"/>
+            <a:ext cx="10018711" cy="566738"/>
+          </a:xfrm>
+        </p:spPr>
+        <p:txBody>
+          <a:bodyPr anchor="b">
+            <a:normAutofit/>
+          </a:bodyPr>
+          <a:lstStyle>
+            <a:lvl1pPr algn="ctr">
+              <a:defRPr sz="2400" b="0"/>
+            </a:lvl1pPr>
+          </a:lstStyle>
+          <a:p>
+            <a:r>
+              <a:rPr lang="en-US"/>
+              <a:t>Click to edit Master title style</a:t>
+            </a:r>
+            <a:endParaRPr lang="en-US" dirty="0"/>
+          </a:p>
+        </p:txBody>
+      </p:sp>
+      <p:sp>
+        <p:nvSpPr>
+          <p:cNvPr id="3" name="Picture Placeholder 2"/>
+          <p:cNvSpPr>
+            <a:spLocks noGrp="1" noChangeAspect="1"/>
+          </p:cNvSpPr>
+          <p:nvPr>
+            <p:ph type="pic" idx="1"/>
+          </p:nvPr>
+        </p:nvSpPr>
+        <p:spPr>
+          <a:xfrm>
+            <a:off x="2386012" y="932112"/>
+            <a:ext cx="8225944" cy="3164976"/>
+          </a:xfrm>
+          <a:prstGeom prst="roundRect">
+            <a:avLst>
+              <a:gd name="adj" fmla="val 4380"/>
+            </a:avLst>
+          </a:prstGeom>
+          <a:ln w="38100">
+            <a:gradFill flip="none" rotWithShape="1">
+              <a:gsLst>
+                <a:gs pos="0">
+                  <a:schemeClr val="bg2"/>
+                </a:gs>
+                <a:gs pos="100000">
+                  <a:schemeClr val="bg2">
+                    <a:lumMod val="75000"/>
+                  </a:schemeClr>
+                </a:gs>
+              </a:gsLst>
+              <a:lin ang="5400000" scaled="0"/>
+              <a:tileRect/>
+            </a:gradFill>
+          </a:ln>
+          <a:effectLst>
+            <a:innerShdw blurRad="57150" dist="38100" dir="14460000">
+              <a:srgbClr val="000000">
+                <a:alpha val="70000"/>
+              </a:srgbClr>
+            </a:innerShdw>
+          </a:effectLst>
+        </p:spPr>
+        <p:txBody>
+          <a:bodyPr anchor="t">
+            <a:normAutofit/>
+          </a:bodyPr>
+          <a:lstStyle>
+            <a:lvl1pPr marL="0" indent="0" algn="ctr">
+              <a:buNone/>
+              <a:defRPr sz="1600"/>
+            </a:lvl1pPr>
+            <a:lvl2pPr marL="457200" indent="0">
+              <a:buNone/>
+              <a:defRPr sz="1600"/>
+            </a:lvl2pPr>
+            <a:lvl3pPr marL="914400" indent="0">
+              <a:buNone/>
+              <a:defRPr sz="1600"/>
+            </a:lvl3pPr>
+            <a:lvl4pPr marL="1371600" indent="0">
+              <a:buNone/>
+              <a:defRPr sz="1600"/>
+            </a:lvl4pPr>
+            <a:lvl5pPr marL="1828800" indent="0">
+              <a:buNone/>
+              <a:defRPr sz="1600"/>
+            </a:lvl5pPr>
+            <a:lvl6pPr marL="2286000" indent="0">
+              <a:buNone/>
+              <a:defRPr sz="1600"/>
+            </a:lvl6pPr>
+            <a:lvl7pPr marL="2743200" indent="0">
+              <a:buNone/>
+              <a:defRPr sz="1600"/>
+            </a:lvl7pPr>
+            <a:lvl8pPr marL="3200400" indent="0">
+              <a:buNone/>
+              <a:defRPr sz="1600"/>
+            </a:lvl8pPr>
+            <a:lvl9pPr marL="3657600" indent="0">
+              <a:buNone/>
+              <a:defRPr sz="1600"/>
+            </a:lvl9pPr>
+          </a:lstStyle>
+          <a:p>
+            <a:r>
+              <a:rPr lang="en-US"/>
+              <a:t>Click icon to add picture</a:t>
+            </a:r>
+            <a:endParaRPr lang="en-US" dirty="0"/>
+          </a:p>
+        </p:txBody>
+      </p:sp>
+      <p:sp>
+        <p:nvSpPr>
+          <p:cNvPr id="4" name="Text Placeholder 3"/>
+          <p:cNvSpPr>
+            <a:spLocks noGrp="1"/>
+          </p:cNvSpPr>
+          <p:nvPr>
+            <p:ph type="body" sz="half" idx="2"/>
+          </p:nvPr>
+        </p:nvSpPr>
+        <p:spPr>
+          <a:xfrm>
+            <a:off x="1484311" y="5299603"/>
+            <a:ext cx="10018711" cy="493712"/>
+          </a:xfrm>
+        </p:spPr>
+        <p:txBody>
+          <a:bodyPr>
+            <a:normAutofit/>
+          </a:bodyPr>
+          <a:lstStyle>
+            <a:lvl1pPr marL="0" indent="0" algn="ctr">
+              <a:buNone/>
+              <a:defRPr sz="1400"/>
+            </a:lvl1pPr>
+            <a:lvl2pPr marL="457200" indent="0">
+              <a:buNone/>
+              <a:defRPr sz="1200"/>
+            </a:lvl2pPr>
+            <a:lvl3pPr marL="914400" indent="0">
+              <a:buNone/>
+              <a:defRPr sz="1000"/>
+            </a:lvl3pPr>
+            <a:lvl4pPr marL="1371600" indent="0">
+              <a:buNone/>
+              <a:defRPr sz="900"/>
+            </a:lvl4pPr>
+            <a:lvl5pPr marL="1828800" indent="0">
+              <a:buNone/>
+              <a:defRPr sz="900"/>
+            </a:lvl5pPr>
+            <a:lvl6pPr marL="2286000" indent="0">
+              <a:buNone/>
+              <a:defRPr sz="900"/>
+            </a:lvl6pPr>
+            <a:lvl7pPr marL="2743200" indent="0">
+              <a:buNone/>
+              <a:defRPr sz="900"/>
+            </a:lvl7pPr>
+            <a:lvl8pPr marL="3200400" indent="0">
+              <a:buNone/>
+              <a:defRPr sz="900"/>
+            </a:lvl8pPr>
+            <a:lvl9pPr marL="3657600" indent="0">
+              <a:buNone/>
+              <a:defRPr sz="900"/>
+            </a:lvl9pPr>
+          </a:lstStyle>
+          <a:p>
+            <a:pPr lvl="0"/>
+            <a:r>
+              <a:rPr lang="en-US"/>
+              <a:t>Click to edit Master text styles</a:t>
+            </a:r>
+          </a:p>
+        </p:txBody>
+      </p:sp>
+      <p:sp>
+        <p:nvSpPr>
+          <p:cNvPr id="5" name="Date Placeholder 4"/>
+          <p:cNvSpPr>
+            <a:spLocks noGrp="1"/>
+          </p:cNvSpPr>
+          <p:nvPr>
+            <p:ph type="dt" sz="half" idx="10"/>
+          </p:nvPr>
+        </p:nvSpPr>
+        <p:spPr/>
+        <p:txBody>
+          <a:bodyPr/>
+          <a:lstStyle/>
+          <a:p>
+            <a:fld id="{1365B17E-0D71-42F4-A5A5-57822DB21A5F}" type="datetimeFigureOut">
+              <a:rPr lang="en-US" smtClean="0"/>
+              <a:t>01/24/21</a:t>
+            </a:fld>
+            <a:endParaRPr lang="en-US"/>
+          </a:p>
+        </p:txBody>
+      </p:sp>
+      <p:sp>
+        <p:nvSpPr>
+          <p:cNvPr id="6" name="Footer Placeholder 5"/>
+          <p:cNvSpPr>
+            <a:spLocks noGrp="1"/>
+          </p:cNvSpPr>
+          <p:nvPr>
+            <p:ph type="ftr" sz="quarter" idx="11"/>
+          </p:nvPr>
+        </p:nvSpPr>
+        <p:spPr/>
+        <p:txBody>
+          <a:bodyPr/>
+          <a:lstStyle/>
+          <a:p>
+            <a:endParaRPr lang="en-US"/>
+          </a:p>
+        </p:txBody>
+      </p:sp>
+      <p:sp>
+        <p:nvSpPr>
+          <p:cNvPr id="7" name="Slide Number Placeholder 6"/>
+          <p:cNvSpPr>
+            <a:spLocks noGrp="1"/>
+          </p:cNvSpPr>
+          <p:nvPr>
+            <p:ph type="sldNum" sz="quarter" idx="12"/>
+          </p:nvPr>
+        </p:nvSpPr>
+        <p:spPr/>
+        <p:txBody>
+          <a:bodyPr/>
+          <a:lstStyle/>
+          <a:p>
+            <a:fld id="{1F78DCA9-3D45-478D-B0F3-9FB7A503A177}" type="slidenum">
+              <a:rPr lang="en-US" smtClean="0"/>
+              <a:t>‹#›</a:t>
+            </a:fld>
+            <a:endParaRPr lang="en-US"/>
+          </a:p>
+        </p:txBody>
+      </p:sp>
+    </p:spTree>
+    <p:extLst>
+      <p:ext uri="{BB962C8B-B14F-4D97-AF65-F5344CB8AC3E}">
+        <p14:creationId xmlns:p14="http://schemas.microsoft.com/office/powerpoint/2010/main" val="3516416795"/>
+      </p:ext>
+    </p:extLst>
+  </p:cSld>
+  <p:clrMapOvr>
+    <a:masterClrMapping/>
+  </p:clrMapOvr>
+</p:sldLayout>
+</file>
+
+<file path=ppt/slideLayouts/slideLayout11.xml><?xml version="1.0" encoding="utf-8"?>
+<p:sldLayout xmlns:a="http://schemas.openxmlformats.org/drawingml/2006/main" xmlns:r="http://schemas.openxmlformats.org/officeDocument/2006/relationships" xmlns:p="http://schemas.openxmlformats.org/presentationml/2006/main" preserve="1">
+  <p:cSld name="Title and Caption">
+    <p:spTree>
+      <p:nvGrpSpPr>
+        <p:cNvPr id="1" name=""/>
+        <p:cNvGrpSpPr/>
+        <p:nvPr/>
+      </p:nvGrpSpPr>
+      <p:grpSpPr>
+        <a:xfrm>
+          <a:off x="0" y="0"/>
+          <a:ext cx="0" cy="0"/>
+          <a:chOff x="0" y="0"/>
+          <a:chExt cx="0" cy="0"/>
+        </a:xfrm>
+      </p:grpSpPr>
+      <p:sp>
+        <p:nvSpPr>
+          <p:cNvPr id="2" name="Title 1"/>
+          <p:cNvSpPr>
+            <a:spLocks noGrp="1"/>
+          </p:cNvSpPr>
+          <p:nvPr>
+            <p:ph type="title"/>
+          </p:nvPr>
+        </p:nvSpPr>
+        <p:spPr>
+          <a:xfrm>
+            <a:off x="1484312" y="685800"/>
+            <a:ext cx="10018711" cy="3048000"/>
+          </a:xfrm>
+        </p:spPr>
+        <p:txBody>
+          <a:bodyPr anchor="ctr">
+            <a:normAutofit/>
+          </a:bodyPr>
+          <a:lstStyle>
+            <a:lvl1pPr algn="ctr">
+              <a:defRPr sz="3200" b="0" cap="none"/>
+            </a:lvl1pPr>
+          </a:lstStyle>
+          <a:p>
+            <a:r>
+              <a:rPr lang="en-US"/>
+              <a:t>Click to edit Master title style</a:t>
+            </a:r>
+            <a:endParaRPr lang="en-US" dirty="0"/>
+          </a:p>
+        </p:txBody>
+      </p:sp>
+      <p:sp>
+        <p:nvSpPr>
+          <p:cNvPr id="3" name="Text Placeholder 2"/>
+          <p:cNvSpPr>
+            <a:spLocks noGrp="1"/>
+          </p:cNvSpPr>
+          <p:nvPr>
+            <p:ph type="body" idx="1"/>
+          </p:nvPr>
+        </p:nvSpPr>
+        <p:spPr>
+          <a:xfrm>
+            <a:off x="1484312" y="4343400"/>
+            <a:ext cx="10018713" cy="1447800"/>
+          </a:xfrm>
+        </p:spPr>
+        <p:txBody>
+          <a:bodyPr anchor="ctr">
+            <a:normAutofit/>
+          </a:bodyPr>
+          <a:lstStyle>
+            <a:lvl1pPr marL="0" indent="0" algn="ctr">
+              <a:buNone/>
+              <a:defRPr sz="2000">
+                <a:solidFill>
+                  <a:schemeClr val="tx1"/>
+                </a:solidFill>
+              </a:defRPr>
+            </a:lvl1pPr>
+            <a:lvl2pPr marL="457200" indent="0">
+              <a:buNone/>
+              <a:defRPr sz="1800">
+                <a:solidFill>
+                  <a:schemeClr val="tx1">
+                    <a:tint val="75000"/>
+                  </a:schemeClr>
+                </a:solidFill>
+              </a:defRPr>
+            </a:lvl2pPr>
+            <a:lvl3pPr marL="914400" indent="0">
+              <a:buNone/>
+              <a:defRPr sz="1600">
+                <a:solidFill>
+                  <a:schemeClr val="tx1">
+                    <a:tint val="75000"/>
+                  </a:schemeClr>
+                </a:solidFill>
+              </a:defRPr>
+            </a:lvl3pPr>
+            <a:lvl4pPr marL="1371600" indent="0">
+              <a:buNone/>
+              <a:defRPr sz="1400">
+                <a:solidFill>
+                  <a:schemeClr val="tx1">
+                    <a:tint val="75000"/>
+                  </a:schemeClr>
+                </a:solidFill>
+              </a:defRPr>
+            </a:lvl4pPr>
+            <a:lvl5pPr marL="1828800" indent="0">
+              <a:buNone/>
+              <a:defRPr sz="1400">
+                <a:solidFill>
+                  <a:schemeClr val="tx1">
+                    <a:tint val="75000"/>
+                  </a:schemeClr>
+                </a:solidFill>
+              </a:defRPr>
+            </a:lvl5pPr>
+            <a:lvl6pPr marL="2286000" indent="0">
+              <a:buNone/>
+              <a:defRPr sz="1400">
+                <a:solidFill>
+                  <a:schemeClr val="tx1">
+                    <a:tint val="75000"/>
+                  </a:schemeClr>
+                </a:solidFill>
+              </a:defRPr>
+            </a:lvl6pPr>
+            <a:lvl7pPr marL="2743200" indent="0">
+              <a:buNone/>
+              <a:defRPr sz="1400">
+                <a:solidFill>
+                  <a:schemeClr val="tx1">
+                    <a:tint val="75000"/>
+                  </a:schemeClr>
+                </a:solidFill>
+              </a:defRPr>
+            </a:lvl7pPr>
+            <a:lvl8pPr marL="3200400" indent="0">
+              <a:buNone/>
+              <a:defRPr sz="1400">
+                <a:solidFill>
+                  <a:schemeClr val="tx1">
+                    <a:tint val="75000"/>
+                  </a:schemeClr>
+                </a:solidFill>
+              </a:defRPr>
+            </a:lvl8pPr>
+            <a:lvl9pPr marL="3657600" indent="0">
+              <a:buNone/>
+              <a:defRPr sz="1400">
+                <a:solidFill>
+                  <a:schemeClr val="tx1">
+                    <a:tint val="75000"/>
+                  </a:schemeClr>
+                </a:solidFill>
+              </a:defRPr>
+            </a:lvl9pPr>
+          </a:lstStyle>
+          <a:p>
+            <a:pPr lvl="0"/>
+            <a:r>
+              <a:rPr lang="en-US"/>
+              <a:t>Click to edit Master text styles</a:t>
+            </a:r>
+          </a:p>
+        </p:txBody>
+      </p:sp>
+      <p:sp>
+        <p:nvSpPr>
+          <p:cNvPr id="4" name="Date Placeholder 3"/>
+          <p:cNvSpPr>
+            <a:spLocks noGrp="1"/>
+          </p:cNvSpPr>
+          <p:nvPr>
+            <p:ph type="dt" sz="half" idx="10"/>
+          </p:nvPr>
+        </p:nvSpPr>
+        <p:spPr/>
+        <p:txBody>
+          <a:bodyPr/>
+          <a:lstStyle/>
+          <a:p>
+            <a:fld id="{1365B17E-0D71-42F4-A5A5-57822DB21A5F}" type="datetimeFigureOut">
+              <a:rPr lang="en-US" smtClean="0"/>
+              <a:t>01/24/21</a:t>
+            </a:fld>
+            <a:endParaRPr lang="en-US"/>
+          </a:p>
+        </p:txBody>
+      </p:sp>
+      <p:sp>
+        <p:nvSpPr>
+          <p:cNvPr id="5" name="Footer Placeholder 4"/>
+          <p:cNvSpPr>
+            <a:spLocks noGrp="1"/>
+          </p:cNvSpPr>
+          <p:nvPr>
+            <p:ph type="ftr" sz="quarter" idx="11"/>
+          </p:nvPr>
+        </p:nvSpPr>
+        <p:spPr/>
+        <p:txBody>
+          <a:bodyPr/>
+          <a:lstStyle/>
+          <a:p>
+            <a:endParaRPr lang="en-US"/>
+          </a:p>
+        </p:txBody>
+      </p:sp>
+      <p:sp>
+        <p:nvSpPr>
+          <p:cNvPr id="6" name="Slide Number Placeholder 5"/>
+          <p:cNvSpPr>
+            <a:spLocks noGrp="1"/>
+          </p:cNvSpPr>
+          <p:nvPr>
+            <p:ph type="sldNum" sz="quarter" idx="12"/>
+          </p:nvPr>
+        </p:nvSpPr>
+        <p:spPr/>
+        <p:txBody>
+          <a:bodyPr/>
+          <a:lstStyle/>
+          <a:p>
+            <a:fld id="{1F78DCA9-3D45-478D-B0F3-9FB7A503A177}" type="slidenum">
+              <a:rPr lang="en-US" smtClean="0"/>
+              <a:t>‹#›</a:t>
+            </a:fld>
+            <a:endParaRPr lang="en-US"/>
+          </a:p>
+        </p:txBody>
+      </p:sp>
+    </p:spTree>
+    <p:extLst>
+      <p:ext uri="{BB962C8B-B14F-4D97-AF65-F5344CB8AC3E}">
+        <p14:creationId xmlns:p14="http://schemas.microsoft.com/office/powerpoint/2010/main" val="1302475659"/>
+      </p:ext>
+    </p:extLst>
+  </p:cSld>
+  <p:clrMapOvr>
+    <a:masterClrMapping/>
+  </p:clrMapOvr>
+</p:sldLayout>
+</file>
+
+<file path=ppt/slideLayouts/slideLayout12.xml><?xml version="1.0" encoding="utf-8"?>
+<p:sldLayout xmlns:a="http://schemas.openxmlformats.org/drawingml/2006/main" xmlns:r="http://schemas.openxmlformats.org/officeDocument/2006/relationships" xmlns:p="http://schemas.openxmlformats.org/presentationml/2006/main" preserve="1">
+  <p:cSld name="Quote with Caption">
+    <p:spTree>
+      <p:nvGrpSpPr>
+        <p:cNvPr id="1" name=""/>
+        <p:cNvGrpSpPr/>
+        <p:nvPr/>
+      </p:nvGrpSpPr>
+      <p:grpSpPr>
+        <a:xfrm>
+          <a:off x="0" y="0"/>
+          <a:ext cx="0" cy="0"/>
+          <a:chOff x="0" y="0"/>
+          <a:chExt cx="0" cy="0"/>
+        </a:xfrm>
+      </p:grpSpPr>
+      <p:sp>
+        <p:nvSpPr>
+          <p:cNvPr id="14" name="TextBox 13"/>
+          <p:cNvSpPr txBox="1"/>
+          <p:nvPr/>
+        </p:nvSpPr>
+        <p:spPr>
+          <a:xfrm>
+            <a:off x="1598612" y="863023"/>
+            <a:ext cx="609600" cy="584776"/>
+          </a:xfrm>
+          <a:prstGeom prst="rect">
+            <a:avLst/>
+          </a:prstGeom>
+        </p:spPr>
+        <p:txBody>
+          <a:bodyPr vert="horz" lIns="91440" tIns="45720" rIns="91440" bIns="45720" rtlCol="0" anchor="ctr">
+            <a:noAutofit/>
+          </a:bodyPr>
+          <a:lstStyle>
+            <a:lvl1pPr>
+              <a:spcBef>
+                <a:spcPct val="0"/>
+              </a:spcBef>
+              <a:buNone/>
+              <a:defRPr sz="3200" b="0" cap="all">
+                <a:ln w="3175" cmpd="sng">
+                  <a:noFill/>
+                </a:ln>
+                <a:effectLst>
+                  <a:glow rad="38100">
+                    <a:schemeClr val="bg1">
+                      <a:lumMod val="65000"/>
+                      <a:lumOff val="35000"/>
+                      <a:alpha val="40000"/>
+                    </a:schemeClr>
+                  </a:glow>
+                  <a:outerShdw blurRad="28575" dist="38100" dir="14040000" algn="tl" rotWithShape="0">
+                    <a:srgbClr val="000000">
+                      <a:alpha val="25000"/>
+                    </a:srgbClr>
+                  </a:outerShdw>
+                </a:effectLst>
+              </a:defRPr>
+            </a:lvl1pPr>
+            <a:lvl2pPr>
+              <a:defRPr>
+                <a:solidFill>
+                  <a:schemeClr val="tx2"/>
+                </a:solidFill>
+              </a:defRPr>
+            </a:lvl2pPr>
+            <a:lvl3pPr>
+              <a:defRPr>
+                <a:solidFill>
+                  <a:schemeClr val="tx2"/>
+                </a:solidFill>
+              </a:defRPr>
+            </a:lvl3pPr>
+            <a:lvl4pPr>
+              <a:defRPr>
+                <a:solidFill>
+                  <a:schemeClr val="tx2"/>
+                </a:solidFill>
+              </a:defRPr>
+            </a:lvl4pPr>
+            <a:lvl5pPr>
+              <a:defRPr>
+                <a:solidFill>
+                  <a:schemeClr val="tx2"/>
+                </a:solidFill>
+              </a:defRPr>
+            </a:lvl5pPr>
+            <a:lvl6pPr>
+              <a:defRPr>
+                <a:solidFill>
+                  <a:schemeClr val="tx2"/>
+                </a:solidFill>
+              </a:defRPr>
+            </a:lvl6pPr>
+            <a:lvl7pPr>
+              <a:defRPr>
+                <a:solidFill>
+                  <a:schemeClr val="tx2"/>
+                </a:solidFill>
+              </a:defRPr>
+            </a:lvl7pPr>
+            <a:lvl8pPr>
+              <a:defRPr>
+                <a:solidFill>
+                  <a:schemeClr val="tx2"/>
+                </a:solidFill>
+              </a:defRPr>
+            </a:lvl8pPr>
+            <a:lvl9pPr>
+              <a:defRPr>
+                <a:solidFill>
+                  <a:schemeClr val="tx2"/>
+                </a:solidFill>
+              </a:defRPr>
+            </a:lvl9pPr>
+          </a:lstStyle>
+          <a:p>
+            <a:pPr lvl="0"/>
+            <a:r>
+              <a:rPr lang="en-US" sz="8000" dirty="0">
+                <a:solidFill>
+                  <a:schemeClr val="tx1"/>
+                </a:solidFill>
+                <a:effectLst/>
+              </a:rPr>
+              <a:t>“</a:t>
+            </a:r>
+          </a:p>
+        </p:txBody>
+      </p:sp>
+      <p:sp>
+        <p:nvSpPr>
+          <p:cNvPr id="15" name="TextBox 14"/>
+          <p:cNvSpPr txBox="1"/>
+          <p:nvPr/>
+        </p:nvSpPr>
+        <p:spPr>
+          <a:xfrm>
+            <a:off x="10893425" y="2819399"/>
+            <a:ext cx="609600" cy="584776"/>
+          </a:xfrm>
+          <a:prstGeom prst="rect">
+            <a:avLst/>
+          </a:prstGeom>
+        </p:spPr>
+        <p:txBody>
+          <a:bodyPr vert="horz" lIns="91440" tIns="45720" rIns="91440" bIns="45720" rtlCol="0" anchor="ctr">
+            <a:noAutofit/>
+          </a:bodyPr>
+          <a:lstStyle>
+            <a:lvl1pPr>
+              <a:spcBef>
+                <a:spcPct val="0"/>
+              </a:spcBef>
+              <a:buNone/>
+              <a:defRPr sz="3200" b="0" cap="all">
+                <a:ln w="3175" cmpd="sng">
+                  <a:noFill/>
+                </a:ln>
+                <a:effectLst>
+                  <a:glow rad="38100">
+                    <a:schemeClr val="bg1">
+                      <a:lumMod val="65000"/>
+                      <a:lumOff val="35000"/>
+                      <a:alpha val="40000"/>
+                    </a:schemeClr>
+                  </a:glow>
+                  <a:outerShdw blurRad="28575" dist="38100" dir="14040000" algn="tl" rotWithShape="0">
+                    <a:srgbClr val="000000">
+                      <a:alpha val="25000"/>
+                    </a:srgbClr>
+                  </a:outerShdw>
+                </a:effectLst>
+              </a:defRPr>
+            </a:lvl1pPr>
+            <a:lvl2pPr>
+              <a:defRPr>
+                <a:solidFill>
+                  <a:schemeClr val="tx2"/>
+                </a:solidFill>
+              </a:defRPr>
+            </a:lvl2pPr>
+            <a:lvl3pPr>
+              <a:defRPr>
+                <a:solidFill>
+                  <a:schemeClr val="tx2"/>
+                </a:solidFill>
+              </a:defRPr>
+            </a:lvl3pPr>
+            <a:lvl4pPr>
+              <a:defRPr>
+                <a:solidFill>
+                  <a:schemeClr val="tx2"/>
+                </a:solidFill>
+              </a:defRPr>
+            </a:lvl4pPr>
+            <a:lvl5pPr>
+              <a:defRPr>
+                <a:solidFill>
+                  <a:schemeClr val="tx2"/>
+                </a:solidFill>
+              </a:defRPr>
+            </a:lvl5pPr>
+            <a:lvl6pPr>
+              <a:defRPr>
+                <a:solidFill>
+                  <a:schemeClr val="tx2"/>
+                </a:solidFill>
+              </a:defRPr>
+            </a:lvl6pPr>
+            <a:lvl7pPr>
+              <a:defRPr>
+                <a:solidFill>
+                  <a:schemeClr val="tx2"/>
+                </a:solidFill>
+              </a:defRPr>
+            </a:lvl7pPr>
+            <a:lvl8pPr>
+              <a:defRPr>
+                <a:solidFill>
+                  <a:schemeClr val="tx2"/>
+                </a:solidFill>
+              </a:defRPr>
+            </a:lvl8pPr>
+            <a:lvl9pPr>
+              <a:defRPr>
+                <a:solidFill>
+                  <a:schemeClr val="tx2"/>
+                </a:solidFill>
+              </a:defRPr>
+            </a:lvl9pPr>
+          </a:lstStyle>
+          <a:p>
+            <a:pPr lvl="0" algn="r"/>
+            <a:r>
+              <a:rPr lang="en-US" sz="8000" dirty="0">
+                <a:solidFill>
+                  <a:schemeClr val="tx1"/>
+                </a:solidFill>
+                <a:effectLst/>
+              </a:rPr>
+              <a:t>”</a:t>
+            </a:r>
+          </a:p>
+        </p:txBody>
+      </p:sp>
+      <p:sp>
+        <p:nvSpPr>
+          <p:cNvPr id="2" name="Title 1"/>
+          <p:cNvSpPr>
+            <a:spLocks noGrp="1"/>
+          </p:cNvSpPr>
+          <p:nvPr>
+            <p:ph type="title"/>
+          </p:nvPr>
+        </p:nvSpPr>
+        <p:spPr>
+          <a:xfrm>
+            <a:off x="2208212" y="685800"/>
+            <a:ext cx="8990012" cy="2743199"/>
+          </a:xfrm>
+        </p:spPr>
+        <p:txBody>
+          <a:bodyPr anchor="ctr">
+            <a:normAutofit/>
+          </a:bodyPr>
+          <a:lstStyle>
+            <a:lvl1pPr algn="ctr">
+              <a:defRPr sz="3200" b="0" cap="none">
+                <a:solidFill>
+                  <a:schemeClr val="tx1"/>
+                </a:solidFill>
+              </a:defRPr>
+            </a:lvl1pPr>
+          </a:lstStyle>
+          <a:p>
+            <a:r>
+              <a:rPr lang="en-US"/>
+              <a:t>Click to edit Master title style</a:t>
+            </a:r>
+            <a:endParaRPr lang="en-US" dirty="0"/>
+          </a:p>
+        </p:txBody>
+      </p:sp>
+      <p:sp>
+        <p:nvSpPr>
+          <p:cNvPr id="10" name="Text Placeholder 9"/>
+          <p:cNvSpPr>
+            <a:spLocks noGrp="1"/>
+          </p:cNvSpPr>
+          <p:nvPr>
+            <p:ph type="body" sz="quarter" idx="13"/>
+          </p:nvPr>
+        </p:nvSpPr>
+        <p:spPr>
+          <a:xfrm>
+            <a:off x="2436811" y="3428999"/>
+            <a:ext cx="8532815" cy="381000"/>
+          </a:xfrm>
+        </p:spPr>
+        <p:txBody>
+          <a:bodyPr anchor="ctr">
+            <a:normAutofit/>
+          </a:bodyPr>
+          <a:lstStyle>
+            <a:lvl1pPr marL="0" indent="0">
+              <a:buFontTx/>
+              <a:buNone/>
+              <a:defRPr sz="1800"/>
+            </a:lvl1pPr>
+            <a:lvl2pPr marL="457200" indent="0">
+              <a:buFontTx/>
+              <a:buNone/>
+              <a:defRPr/>
+            </a:lvl2pPr>
+            <a:lvl3pPr marL="914400" indent="0">
+              <a:buFontTx/>
+              <a:buNone/>
+              <a:defRPr/>
+            </a:lvl3pPr>
+            <a:lvl4pPr marL="1371600" indent="0">
+              <a:buFontTx/>
+              <a:buNone/>
+              <a:defRPr/>
+            </a:lvl4pPr>
+            <a:lvl5pPr marL="1828800" indent="0">
+              <a:buFontTx/>
+              <a:buNone/>
+              <a:defRPr/>
+            </a:lvl5pPr>
+          </a:lstStyle>
+          <a:p>
+            <a:pPr lvl="0"/>
+            <a:r>
+              <a:rPr lang="en-US"/>
+              <a:t>Click to edit Master text styles</a:t>
+            </a:r>
+          </a:p>
+        </p:txBody>
+      </p:sp>
+      <p:sp>
+        <p:nvSpPr>
+          <p:cNvPr id="3" name="Text Placeholder 2"/>
+          <p:cNvSpPr>
+            <a:spLocks noGrp="1"/>
+          </p:cNvSpPr>
+          <p:nvPr>
+            <p:ph type="body" idx="1"/>
+          </p:nvPr>
+        </p:nvSpPr>
+        <p:spPr>
+          <a:xfrm>
+            <a:off x="1484311" y="4343400"/>
+            <a:ext cx="10018711" cy="1447800"/>
+          </a:xfrm>
+        </p:spPr>
+        <p:txBody>
+          <a:bodyPr anchor="ctr">
+            <a:normAutofit/>
+          </a:bodyPr>
+          <a:lstStyle>
+            <a:lvl1pPr marL="0" indent="0" algn="ctr">
+              <a:buNone/>
+              <a:defRPr sz="2000">
+                <a:solidFill>
+                  <a:schemeClr val="tx1"/>
+                </a:solidFill>
+              </a:defRPr>
+            </a:lvl1pPr>
+            <a:lvl2pPr marL="457200" indent="0">
+              <a:buNone/>
+              <a:defRPr sz="1800">
+                <a:solidFill>
+                  <a:schemeClr val="tx1">
+                    <a:tint val="75000"/>
+                  </a:schemeClr>
+                </a:solidFill>
+              </a:defRPr>
+            </a:lvl2pPr>
+            <a:lvl3pPr marL="914400" indent="0">
+              <a:buNone/>
+              <a:defRPr sz="1600">
+                <a:solidFill>
+                  <a:schemeClr val="tx1">
+                    <a:tint val="75000"/>
+                  </a:schemeClr>
+                </a:solidFill>
+              </a:defRPr>
+            </a:lvl3pPr>
+            <a:lvl4pPr marL="1371600" indent="0">
+              <a:buNone/>
+              <a:defRPr sz="1400">
+                <a:solidFill>
+                  <a:schemeClr val="tx1">
+                    <a:tint val="75000"/>
+                  </a:schemeClr>
+                </a:solidFill>
+              </a:defRPr>
+            </a:lvl4pPr>
+            <a:lvl5pPr marL="1828800" indent="0">
+              <a:buNone/>
+              <a:defRPr sz="1400">
+                <a:solidFill>
+                  <a:schemeClr val="tx1">
+                    <a:tint val="75000"/>
+                  </a:schemeClr>
+                </a:solidFill>
+              </a:defRPr>
+            </a:lvl5pPr>
+            <a:lvl6pPr marL="2286000" indent="0">
+              <a:buNone/>
+              <a:defRPr sz="1400">
+                <a:solidFill>
+                  <a:schemeClr val="tx1">
+                    <a:tint val="75000"/>
+                  </a:schemeClr>
+                </a:solidFill>
+              </a:defRPr>
+            </a:lvl6pPr>
+            <a:lvl7pPr marL="2743200" indent="0">
+              <a:buNone/>
+              <a:defRPr sz="1400">
+                <a:solidFill>
+                  <a:schemeClr val="tx1">
+                    <a:tint val="75000"/>
+                  </a:schemeClr>
+                </a:solidFill>
+              </a:defRPr>
+            </a:lvl7pPr>
+            <a:lvl8pPr marL="3200400" indent="0">
+              <a:buNone/>
+              <a:defRPr sz="1400">
+                <a:solidFill>
+                  <a:schemeClr val="tx1">
+                    <a:tint val="75000"/>
+                  </a:schemeClr>
+                </a:solidFill>
+              </a:defRPr>
+            </a:lvl8pPr>
+            <a:lvl9pPr marL="3657600" indent="0">
+              <a:buNone/>
+              <a:defRPr sz="1400">
+                <a:solidFill>
+                  <a:schemeClr val="tx1">
+                    <a:tint val="75000"/>
+                  </a:schemeClr>
+                </a:solidFill>
+              </a:defRPr>
+            </a:lvl9pPr>
+          </a:lstStyle>
+          <a:p>
+            <a:pPr lvl="0"/>
+            <a:r>
+              <a:rPr lang="en-US"/>
+              <a:t>Click to edit Master text styles</a:t>
+            </a:r>
+          </a:p>
+        </p:txBody>
+      </p:sp>
+      <p:sp>
+        <p:nvSpPr>
+          <p:cNvPr id="4" name="Date Placeholder 3"/>
+          <p:cNvSpPr>
+            <a:spLocks noGrp="1"/>
+          </p:cNvSpPr>
+          <p:nvPr>
+            <p:ph type="dt" sz="half" idx="10"/>
+          </p:nvPr>
+        </p:nvSpPr>
+        <p:spPr/>
+        <p:txBody>
+          <a:bodyPr/>
+          <a:lstStyle/>
+          <a:p>
+            <a:fld id="{1365B17E-0D71-42F4-A5A5-57822DB21A5F}" type="datetimeFigureOut">
+              <a:rPr lang="en-US" smtClean="0"/>
+              <a:t>01/24/21</a:t>
+            </a:fld>
+            <a:endParaRPr lang="en-US"/>
+          </a:p>
+        </p:txBody>
+      </p:sp>
+      <p:sp>
+        <p:nvSpPr>
+          <p:cNvPr id="5" name="Footer Placeholder 4"/>
+          <p:cNvSpPr>
+            <a:spLocks noGrp="1"/>
+          </p:cNvSpPr>
+          <p:nvPr>
+            <p:ph type="ftr" sz="quarter" idx="11"/>
+          </p:nvPr>
+        </p:nvSpPr>
+        <p:spPr/>
+        <p:txBody>
+          <a:bodyPr/>
+          <a:lstStyle/>
+          <a:p>
+            <a:endParaRPr lang="en-US"/>
+          </a:p>
+        </p:txBody>
+      </p:sp>
+      <p:sp>
+        <p:nvSpPr>
+          <p:cNvPr id="6" name="Slide Number Placeholder 5"/>
+          <p:cNvSpPr>
+            <a:spLocks noGrp="1"/>
+          </p:cNvSpPr>
+          <p:nvPr>
+            <p:ph type="sldNum" sz="quarter" idx="12"/>
+          </p:nvPr>
+        </p:nvSpPr>
+        <p:spPr/>
+        <p:txBody>
+          <a:bodyPr/>
+          <a:lstStyle/>
+          <a:p>
+            <a:fld id="{1F78DCA9-3D45-478D-B0F3-9FB7A503A177}" type="slidenum">
+              <a:rPr lang="en-US" smtClean="0"/>
+              <a:t>‹#›</a:t>
+            </a:fld>
+            <a:endParaRPr lang="en-US"/>
+          </a:p>
+        </p:txBody>
+      </p:sp>
+    </p:spTree>
+    <p:extLst>
+      <p:ext uri="{BB962C8B-B14F-4D97-AF65-F5344CB8AC3E}">
+        <p14:creationId xmlns:p14="http://schemas.microsoft.com/office/powerpoint/2010/main" val="439616308"/>
+      </p:ext>
+    </p:extLst>
+  </p:cSld>
+  <p:clrMapOvr>
+    <a:masterClrMapping/>
+  </p:clrMapOvr>
+</p:sldLayout>
+</file>
+
+<file path=ppt/slideLayouts/slideLayout13.xml><?xml version="1.0" encoding="utf-8"?>
+<p:sldLayout xmlns:a="http://schemas.openxmlformats.org/drawingml/2006/main" xmlns:r="http://schemas.openxmlformats.org/officeDocument/2006/relationships" xmlns:p="http://schemas.openxmlformats.org/presentationml/2006/main" preserve="1">
+  <p:cSld name="Name Card">
+    <p:spTree>
+      <p:nvGrpSpPr>
+        <p:cNvPr id="1" name=""/>
+        <p:cNvGrpSpPr/>
+        <p:nvPr/>
+      </p:nvGrpSpPr>
+      <p:grpSpPr>
+        <a:xfrm>
+          <a:off x="0" y="0"/>
+          <a:ext cx="0" cy="0"/>
+          <a:chOff x="0" y="0"/>
+          <a:chExt cx="0" cy="0"/>
+        </a:xfrm>
+      </p:grpSpPr>
+      <p:sp>
+        <p:nvSpPr>
+          <p:cNvPr id="2" name="Title 1"/>
+          <p:cNvSpPr>
+            <a:spLocks noGrp="1"/>
+          </p:cNvSpPr>
+          <p:nvPr>
+            <p:ph type="title"/>
+          </p:nvPr>
+        </p:nvSpPr>
+        <p:spPr>
+          <a:xfrm>
+            <a:off x="1484313" y="3308581"/>
+            <a:ext cx="10018709" cy="1468800"/>
+          </a:xfrm>
+        </p:spPr>
+        <p:txBody>
+          <a:bodyPr anchor="b">
+            <a:normAutofit/>
+          </a:bodyPr>
+          <a:lstStyle>
+            <a:lvl1pPr algn="r">
+              <a:defRPr sz="3200" b="0" cap="none"/>
+            </a:lvl1pPr>
+          </a:lstStyle>
+          <a:p>
+            <a:r>
+              <a:rPr lang="en-US"/>
+              <a:t>Click to edit Master title style</a:t>
+            </a:r>
+            <a:endParaRPr lang="en-US" dirty="0"/>
+          </a:p>
+        </p:txBody>
+      </p:sp>
+      <p:sp>
+        <p:nvSpPr>
+          <p:cNvPr id="3" name="Text Placeholder 2"/>
+          <p:cNvSpPr>
+            <a:spLocks noGrp="1"/>
+          </p:cNvSpPr>
+          <p:nvPr>
+            <p:ph type="body" idx="1"/>
+          </p:nvPr>
+        </p:nvSpPr>
+        <p:spPr>
+          <a:xfrm>
+            <a:off x="1484312" y="4777381"/>
+            <a:ext cx="10018710" cy="860400"/>
+          </a:xfrm>
+        </p:spPr>
+        <p:txBody>
+          <a:bodyPr anchor="t">
+            <a:normAutofit/>
+          </a:bodyPr>
+          <a:lstStyle>
+            <a:lvl1pPr marL="0" indent="0" algn="r">
+              <a:buNone/>
+              <a:defRPr sz="2000">
+                <a:solidFill>
+                  <a:schemeClr val="tx1"/>
+                </a:solidFill>
+              </a:defRPr>
+            </a:lvl1pPr>
+            <a:lvl2pPr marL="457200" indent="0">
+              <a:buNone/>
+              <a:defRPr sz="1800">
+                <a:solidFill>
+                  <a:schemeClr val="tx1">
+                    <a:tint val="75000"/>
+                  </a:schemeClr>
+                </a:solidFill>
+              </a:defRPr>
+            </a:lvl2pPr>
+            <a:lvl3pPr marL="914400" indent="0">
+              <a:buNone/>
+              <a:defRPr sz="1600">
+                <a:solidFill>
+                  <a:schemeClr val="tx1">
+                    <a:tint val="75000"/>
+                  </a:schemeClr>
+                </a:solidFill>
+              </a:defRPr>
+            </a:lvl3pPr>
+            <a:lvl4pPr marL="1371600" indent="0">
+              <a:buNone/>
+              <a:defRPr sz="1400">
+                <a:solidFill>
+                  <a:schemeClr val="tx1">
+                    <a:tint val="75000"/>
+                  </a:schemeClr>
+                </a:solidFill>
+              </a:defRPr>
+            </a:lvl4pPr>
+            <a:lvl5pPr marL="1828800" indent="0">
+              <a:buNone/>
+              <a:defRPr sz="1400">
+                <a:solidFill>
+                  <a:schemeClr val="tx1">
+                    <a:tint val="75000"/>
+                  </a:schemeClr>
+                </a:solidFill>
+              </a:defRPr>
+            </a:lvl5pPr>
+            <a:lvl6pPr marL="2286000" indent="0">
+              <a:buNone/>
+              <a:defRPr sz="1400">
+                <a:solidFill>
+                  <a:schemeClr val="tx1">
+                    <a:tint val="75000"/>
+                  </a:schemeClr>
+                </a:solidFill>
+              </a:defRPr>
+            </a:lvl6pPr>
+            <a:lvl7pPr marL="2743200" indent="0">
+              <a:buNone/>
+              <a:defRPr sz="1400">
+                <a:solidFill>
+                  <a:schemeClr val="tx1">
+                    <a:tint val="75000"/>
+                  </a:schemeClr>
+                </a:solidFill>
+              </a:defRPr>
+            </a:lvl7pPr>
+            <a:lvl8pPr marL="3200400" indent="0">
+              <a:buNone/>
+              <a:defRPr sz="1400">
+                <a:solidFill>
+                  <a:schemeClr val="tx1">
+                    <a:tint val="75000"/>
+                  </a:schemeClr>
+                </a:solidFill>
+              </a:defRPr>
+            </a:lvl8pPr>
+            <a:lvl9pPr marL="3657600" indent="0">
+              <a:buNone/>
+              <a:defRPr sz="1400">
+                <a:solidFill>
+                  <a:schemeClr val="tx1">
+                    <a:tint val="75000"/>
+                  </a:schemeClr>
+                </a:solidFill>
+              </a:defRPr>
+            </a:lvl9pPr>
+          </a:lstStyle>
+          <a:p>
+            <a:pPr lvl="0"/>
+            <a:r>
+              <a:rPr lang="en-US"/>
+              <a:t>Click to edit Master text styles</a:t>
+            </a:r>
+          </a:p>
+        </p:txBody>
+      </p:sp>
+      <p:sp>
+        <p:nvSpPr>
+          <p:cNvPr id="4" name="Date Placeholder 3"/>
+          <p:cNvSpPr>
+            <a:spLocks noGrp="1"/>
+          </p:cNvSpPr>
+          <p:nvPr>
+            <p:ph type="dt" sz="half" idx="10"/>
+          </p:nvPr>
+        </p:nvSpPr>
+        <p:spPr/>
+        <p:txBody>
+          <a:bodyPr/>
+          <a:lstStyle/>
+          <a:p>
+            <a:fld id="{1365B17E-0D71-42F4-A5A5-57822DB21A5F}" type="datetimeFigureOut">
+              <a:rPr lang="en-US" smtClean="0"/>
+              <a:t>01/24/21</a:t>
+            </a:fld>
+            <a:endParaRPr lang="en-US"/>
+          </a:p>
+        </p:txBody>
+      </p:sp>
+      <p:sp>
+        <p:nvSpPr>
+          <p:cNvPr id="5" name="Footer Placeholder 4"/>
+          <p:cNvSpPr>
+            <a:spLocks noGrp="1"/>
+          </p:cNvSpPr>
+          <p:nvPr>
+            <p:ph type="ftr" sz="quarter" idx="11"/>
+          </p:nvPr>
+        </p:nvSpPr>
+        <p:spPr/>
+        <p:txBody>
+          <a:bodyPr/>
+          <a:lstStyle/>
+          <a:p>
+            <a:endParaRPr lang="en-US"/>
+          </a:p>
+        </p:txBody>
+      </p:sp>
+      <p:sp>
+        <p:nvSpPr>
+          <p:cNvPr id="6" name="Slide Number Placeholder 5"/>
+          <p:cNvSpPr>
+            <a:spLocks noGrp="1"/>
+          </p:cNvSpPr>
+          <p:nvPr>
+            <p:ph type="sldNum" sz="quarter" idx="12"/>
+          </p:nvPr>
+        </p:nvSpPr>
+        <p:spPr/>
+        <p:txBody>
+          <a:bodyPr/>
+          <a:lstStyle/>
+          <a:p>
+            <a:fld id="{1F78DCA9-3D45-478D-B0F3-9FB7A503A177}" type="slidenum">
+              <a:rPr lang="en-US" smtClean="0"/>
+              <a:t>‹#›</a:t>
+            </a:fld>
+            <a:endParaRPr lang="en-US"/>
+          </a:p>
+        </p:txBody>
+      </p:sp>
+    </p:spTree>
+    <p:extLst>
+      <p:ext uri="{BB962C8B-B14F-4D97-AF65-F5344CB8AC3E}">
+        <p14:creationId xmlns:p14="http://schemas.microsoft.com/office/powerpoint/2010/main" val="4087695178"/>
+      </p:ext>
+    </p:extLst>
+  </p:cSld>
+  <p:clrMapOvr>
+    <a:masterClrMapping/>
+  </p:clrMapOvr>
+</p:sldLayout>
+</file>
+
+<file path=ppt/slideLayouts/slideLayout14.xml><?xml version="1.0" encoding="utf-8"?>
+<p:sldLayout xmlns:a="http://schemas.openxmlformats.org/drawingml/2006/main" xmlns:r="http://schemas.openxmlformats.org/officeDocument/2006/relationships" xmlns:p="http://schemas.openxmlformats.org/presentationml/2006/main" preserve="1">
+  <p:cSld name="Quote Name Card">
+    <p:spTree>
+      <p:nvGrpSpPr>
+        <p:cNvPr id="1" name=""/>
+        <p:cNvGrpSpPr/>
+        <p:nvPr/>
+      </p:nvGrpSpPr>
+      <p:grpSpPr>
+        <a:xfrm>
+          <a:off x="0" y="0"/>
+          <a:ext cx="0" cy="0"/>
+          <a:chOff x="0" y="0"/>
+          <a:chExt cx="0" cy="0"/>
+        </a:xfrm>
+      </p:grpSpPr>
+      <p:sp>
+        <p:nvSpPr>
+          <p:cNvPr id="14" name="TextBox 13"/>
+          <p:cNvSpPr txBox="1"/>
+          <p:nvPr/>
+        </p:nvSpPr>
+        <p:spPr>
+          <a:xfrm>
+            <a:off x="1598612" y="863023"/>
+            <a:ext cx="609600" cy="584776"/>
+          </a:xfrm>
+          <a:prstGeom prst="rect">
+            <a:avLst/>
+          </a:prstGeom>
+        </p:spPr>
+        <p:txBody>
+          <a:bodyPr vert="horz" lIns="91440" tIns="45720" rIns="91440" bIns="45720" rtlCol="0" anchor="ctr">
+            <a:noAutofit/>
+          </a:bodyPr>
+          <a:lstStyle>
+            <a:lvl1pPr>
+              <a:spcBef>
+                <a:spcPct val="0"/>
+              </a:spcBef>
+              <a:buNone/>
+              <a:defRPr sz="3200" b="0" cap="all">
+                <a:ln w="3175" cmpd="sng">
+                  <a:noFill/>
+                </a:ln>
+                <a:effectLst>
+                  <a:glow rad="38100">
+                    <a:schemeClr val="bg1">
+                      <a:lumMod val="65000"/>
+                      <a:lumOff val="35000"/>
+                      <a:alpha val="40000"/>
+                    </a:schemeClr>
+                  </a:glow>
+                  <a:outerShdw blurRad="28575" dist="38100" dir="14040000" algn="tl" rotWithShape="0">
+                    <a:srgbClr val="000000">
+                      <a:alpha val="25000"/>
+                    </a:srgbClr>
+                  </a:outerShdw>
+                </a:effectLst>
+              </a:defRPr>
+            </a:lvl1pPr>
+            <a:lvl2pPr>
+              <a:defRPr>
+                <a:solidFill>
+                  <a:schemeClr val="tx2"/>
+                </a:solidFill>
+              </a:defRPr>
+            </a:lvl2pPr>
+            <a:lvl3pPr>
+              <a:defRPr>
+                <a:solidFill>
+                  <a:schemeClr val="tx2"/>
+                </a:solidFill>
+              </a:defRPr>
+            </a:lvl3pPr>
+            <a:lvl4pPr>
+              <a:defRPr>
+                <a:solidFill>
+                  <a:schemeClr val="tx2"/>
+                </a:solidFill>
+              </a:defRPr>
+            </a:lvl4pPr>
+            <a:lvl5pPr>
+              <a:defRPr>
+                <a:solidFill>
+                  <a:schemeClr val="tx2"/>
+                </a:solidFill>
+              </a:defRPr>
+            </a:lvl5pPr>
+            <a:lvl6pPr>
+              <a:defRPr>
+                <a:solidFill>
+                  <a:schemeClr val="tx2"/>
+                </a:solidFill>
+              </a:defRPr>
+            </a:lvl6pPr>
+            <a:lvl7pPr>
+              <a:defRPr>
+                <a:solidFill>
+                  <a:schemeClr val="tx2"/>
+                </a:solidFill>
+              </a:defRPr>
+            </a:lvl7pPr>
+            <a:lvl8pPr>
+              <a:defRPr>
+                <a:solidFill>
+                  <a:schemeClr val="tx2"/>
+                </a:solidFill>
+              </a:defRPr>
+            </a:lvl8pPr>
+            <a:lvl9pPr>
+              <a:defRPr>
+                <a:solidFill>
+                  <a:schemeClr val="tx2"/>
+                </a:solidFill>
+              </a:defRPr>
+            </a:lvl9pPr>
+          </a:lstStyle>
+          <a:p>
+            <a:pPr lvl="0"/>
+            <a:r>
+              <a:rPr lang="en-US" sz="8000" dirty="0">
+                <a:solidFill>
+                  <a:schemeClr val="tx1"/>
+                </a:solidFill>
+                <a:effectLst/>
+              </a:rPr>
+              <a:t>“</a:t>
+            </a:r>
+          </a:p>
+        </p:txBody>
+      </p:sp>
+      <p:sp>
+        <p:nvSpPr>
+          <p:cNvPr id="15" name="TextBox 14"/>
+          <p:cNvSpPr txBox="1"/>
+          <p:nvPr/>
+        </p:nvSpPr>
+        <p:spPr>
+          <a:xfrm>
+            <a:off x="10893425" y="2819399"/>
+            <a:ext cx="609600" cy="584776"/>
+          </a:xfrm>
+          <a:prstGeom prst="rect">
+            <a:avLst/>
+          </a:prstGeom>
+        </p:spPr>
+        <p:txBody>
+          <a:bodyPr vert="horz" lIns="91440" tIns="45720" rIns="91440" bIns="45720" rtlCol="0" anchor="ctr">
+            <a:noAutofit/>
+          </a:bodyPr>
+          <a:lstStyle>
+            <a:lvl1pPr>
+              <a:spcBef>
+                <a:spcPct val="0"/>
+              </a:spcBef>
+              <a:buNone/>
+              <a:defRPr sz="3200" b="0" cap="all">
+                <a:ln w="3175" cmpd="sng">
+                  <a:noFill/>
+                </a:ln>
+                <a:effectLst>
+                  <a:glow rad="38100">
+                    <a:schemeClr val="bg1">
+                      <a:lumMod val="65000"/>
+                      <a:lumOff val="35000"/>
+                      <a:alpha val="40000"/>
+                    </a:schemeClr>
+                  </a:glow>
+                  <a:outerShdw blurRad="28575" dist="38100" dir="14040000" algn="tl" rotWithShape="0">
+                    <a:srgbClr val="000000">
+                      <a:alpha val="25000"/>
+                    </a:srgbClr>
+                  </a:outerShdw>
+                </a:effectLst>
+              </a:defRPr>
+            </a:lvl1pPr>
+            <a:lvl2pPr>
+              <a:defRPr>
+                <a:solidFill>
+                  <a:schemeClr val="tx2"/>
+                </a:solidFill>
+              </a:defRPr>
+            </a:lvl2pPr>
+            <a:lvl3pPr>
+              <a:defRPr>
+                <a:solidFill>
+                  <a:schemeClr val="tx2"/>
+                </a:solidFill>
+              </a:defRPr>
+            </a:lvl3pPr>
+            <a:lvl4pPr>
+              <a:defRPr>
+                <a:solidFill>
+                  <a:schemeClr val="tx2"/>
+                </a:solidFill>
+              </a:defRPr>
+            </a:lvl4pPr>
+            <a:lvl5pPr>
+              <a:defRPr>
+                <a:solidFill>
+                  <a:schemeClr val="tx2"/>
+                </a:solidFill>
+              </a:defRPr>
+            </a:lvl5pPr>
+            <a:lvl6pPr>
+              <a:defRPr>
+                <a:solidFill>
+                  <a:schemeClr val="tx2"/>
+                </a:solidFill>
+              </a:defRPr>
+            </a:lvl6pPr>
+            <a:lvl7pPr>
+              <a:defRPr>
+                <a:solidFill>
+                  <a:schemeClr val="tx2"/>
+                </a:solidFill>
+              </a:defRPr>
+            </a:lvl7pPr>
+            <a:lvl8pPr>
+              <a:defRPr>
+                <a:solidFill>
+                  <a:schemeClr val="tx2"/>
+                </a:solidFill>
+              </a:defRPr>
+            </a:lvl8pPr>
+            <a:lvl9pPr>
+              <a:defRPr>
+                <a:solidFill>
+                  <a:schemeClr val="tx2"/>
+                </a:solidFill>
+              </a:defRPr>
+            </a:lvl9pPr>
+          </a:lstStyle>
+          <a:p>
+            <a:pPr lvl="0" algn="r"/>
+            <a:r>
+              <a:rPr lang="en-US" sz="8000" dirty="0">
+                <a:solidFill>
+                  <a:schemeClr val="tx1"/>
+                </a:solidFill>
+                <a:effectLst/>
+              </a:rPr>
+              <a:t>”</a:t>
+            </a:r>
+          </a:p>
+        </p:txBody>
+      </p:sp>
+      <p:sp>
+        <p:nvSpPr>
+          <p:cNvPr id="2" name="Title 1"/>
+          <p:cNvSpPr>
+            <a:spLocks noGrp="1"/>
+          </p:cNvSpPr>
+          <p:nvPr>
+            <p:ph type="title"/>
+          </p:nvPr>
+        </p:nvSpPr>
+        <p:spPr>
+          <a:xfrm>
+            <a:off x="2208212" y="685800"/>
+            <a:ext cx="8990012" cy="2743199"/>
+          </a:xfrm>
+        </p:spPr>
+        <p:txBody>
+          <a:bodyPr anchor="ctr">
+            <a:normAutofit/>
+          </a:bodyPr>
+          <a:lstStyle>
+            <a:lvl1pPr algn="ctr">
+              <a:defRPr sz="3200" b="0" cap="none">
+                <a:solidFill>
+                  <a:schemeClr val="tx1"/>
+                </a:solidFill>
+              </a:defRPr>
+            </a:lvl1pPr>
+          </a:lstStyle>
+          <a:p>
+            <a:r>
+              <a:rPr lang="en-US"/>
+              <a:t>Click to edit Master title style</a:t>
+            </a:r>
+            <a:endParaRPr lang="en-US" dirty="0"/>
+          </a:p>
+        </p:txBody>
+      </p:sp>
+      <p:sp>
+        <p:nvSpPr>
+          <p:cNvPr id="10" name="Text Placeholder 9"/>
+          <p:cNvSpPr>
+            <a:spLocks noGrp="1"/>
+          </p:cNvSpPr>
+          <p:nvPr>
+            <p:ph type="body" sz="quarter" idx="13"/>
+          </p:nvPr>
+        </p:nvSpPr>
+        <p:spPr>
+          <a:xfrm>
+            <a:off x="1484313" y="3886200"/>
+            <a:ext cx="10018710" cy="889000"/>
+          </a:xfrm>
+        </p:spPr>
+        <p:txBody>
+          <a:bodyPr vert="horz" lIns="91440" tIns="45720" rIns="91440" bIns="45720" rtlCol="0" anchor="b">
+            <a:normAutofit/>
+          </a:bodyPr>
+          <a:lstStyle>
+            <a:lvl1pPr algn="r">
+              <a:buNone/>
+              <a:defRPr lang="en-US" sz="2400" b="0" cap="none" dirty="0">
+                <a:ln w="3175" cmpd="sng">
+                  <a:noFill/>
+                </a:ln>
+                <a:solidFill>
+                  <a:schemeClr val="tx1"/>
+                </a:solidFill>
+                <a:effectLst/>
+              </a:defRPr>
+            </a:lvl1pPr>
+          </a:lstStyle>
+          <a:p>
+            <a:pPr marL="0" lvl="0">
+              <a:spcBef>
+                <a:spcPct val="0"/>
+              </a:spcBef>
+              <a:buNone/>
+            </a:pPr>
+            <a:r>
+              <a:rPr lang="en-US"/>
+              <a:t>Click to edit Master text styles</a:t>
+            </a:r>
+          </a:p>
+        </p:txBody>
+      </p:sp>
+      <p:sp>
+        <p:nvSpPr>
+          <p:cNvPr id="3" name="Text Placeholder 2"/>
+          <p:cNvSpPr>
+            <a:spLocks noGrp="1"/>
+          </p:cNvSpPr>
+          <p:nvPr>
+            <p:ph type="body" idx="1"/>
+          </p:nvPr>
+        </p:nvSpPr>
+        <p:spPr>
+          <a:xfrm>
+            <a:off x="1484312" y="4775200"/>
+            <a:ext cx="10018710" cy="1016000"/>
+          </a:xfrm>
+        </p:spPr>
+        <p:txBody>
+          <a:bodyPr anchor="t">
+            <a:normAutofit/>
+          </a:bodyPr>
+          <a:lstStyle>
+            <a:lvl1pPr marL="0" indent="0" algn="r">
+              <a:buNone/>
+              <a:defRPr sz="1800">
+                <a:solidFill>
+                  <a:schemeClr val="tx1"/>
+                </a:solidFill>
+              </a:defRPr>
+            </a:lvl1pPr>
+            <a:lvl2pPr marL="457200" indent="0">
+              <a:buNone/>
+              <a:defRPr sz="1800">
+                <a:solidFill>
+                  <a:schemeClr val="tx1">
+                    <a:tint val="75000"/>
+                  </a:schemeClr>
+                </a:solidFill>
+              </a:defRPr>
+            </a:lvl2pPr>
+            <a:lvl3pPr marL="914400" indent="0">
+              <a:buNone/>
+              <a:defRPr sz="1600">
+                <a:solidFill>
+                  <a:schemeClr val="tx1">
+                    <a:tint val="75000"/>
+                  </a:schemeClr>
+                </a:solidFill>
+              </a:defRPr>
+            </a:lvl3pPr>
+            <a:lvl4pPr marL="1371600" indent="0">
+              <a:buNone/>
+              <a:defRPr sz="1400">
+                <a:solidFill>
+                  <a:schemeClr val="tx1">
+                    <a:tint val="75000"/>
+                  </a:schemeClr>
+                </a:solidFill>
+              </a:defRPr>
+            </a:lvl4pPr>
+            <a:lvl5pPr marL="1828800" indent="0">
+              <a:buNone/>
+              <a:defRPr sz="1400">
+                <a:solidFill>
+                  <a:schemeClr val="tx1">
+                    <a:tint val="75000"/>
+                  </a:schemeClr>
+                </a:solidFill>
+              </a:defRPr>
+            </a:lvl5pPr>
+            <a:lvl6pPr marL="2286000" indent="0">
+              <a:buNone/>
+              <a:defRPr sz="1400">
+                <a:solidFill>
+                  <a:schemeClr val="tx1">
+                    <a:tint val="75000"/>
+                  </a:schemeClr>
+                </a:solidFill>
+              </a:defRPr>
+            </a:lvl6pPr>
+            <a:lvl7pPr marL="2743200" indent="0">
+              <a:buNone/>
+              <a:defRPr sz="1400">
+                <a:solidFill>
+                  <a:schemeClr val="tx1">
+                    <a:tint val="75000"/>
+                  </a:schemeClr>
+                </a:solidFill>
+              </a:defRPr>
+            </a:lvl7pPr>
+            <a:lvl8pPr marL="3200400" indent="0">
+              <a:buNone/>
+              <a:defRPr sz="1400">
+                <a:solidFill>
+                  <a:schemeClr val="tx1">
+                    <a:tint val="75000"/>
+                  </a:schemeClr>
+                </a:solidFill>
+              </a:defRPr>
+            </a:lvl8pPr>
+            <a:lvl9pPr marL="3657600" indent="0">
+              <a:buNone/>
+              <a:defRPr sz="1400">
+                <a:solidFill>
+                  <a:schemeClr val="tx1">
+                    <a:tint val="75000"/>
+                  </a:schemeClr>
+                </a:solidFill>
+              </a:defRPr>
+            </a:lvl9pPr>
+          </a:lstStyle>
+          <a:p>
+            <a:pPr lvl="0"/>
+            <a:r>
+              <a:rPr lang="en-US"/>
+              <a:t>Click to edit Master text styles</a:t>
+            </a:r>
+          </a:p>
+        </p:txBody>
+      </p:sp>
+      <p:sp>
+        <p:nvSpPr>
+          <p:cNvPr id="4" name="Date Placeholder 3"/>
+          <p:cNvSpPr>
+            <a:spLocks noGrp="1"/>
+          </p:cNvSpPr>
+          <p:nvPr>
+            <p:ph type="dt" sz="half" idx="10"/>
+          </p:nvPr>
+        </p:nvSpPr>
+        <p:spPr/>
+        <p:txBody>
+          <a:bodyPr/>
+          <a:lstStyle/>
+          <a:p>
+            <a:fld id="{1365B17E-0D71-42F4-A5A5-57822DB21A5F}" type="datetimeFigureOut">
+              <a:rPr lang="en-US" smtClean="0"/>
+              <a:t>01/24/21</a:t>
+            </a:fld>
+            <a:endParaRPr lang="en-US"/>
+          </a:p>
+        </p:txBody>
+      </p:sp>
+      <p:sp>
+        <p:nvSpPr>
+          <p:cNvPr id="5" name="Footer Placeholder 4"/>
+          <p:cNvSpPr>
+            <a:spLocks noGrp="1"/>
+          </p:cNvSpPr>
+          <p:nvPr>
+            <p:ph type="ftr" sz="quarter" idx="11"/>
+          </p:nvPr>
+        </p:nvSpPr>
+        <p:spPr/>
+        <p:txBody>
+          <a:bodyPr/>
+          <a:lstStyle/>
+          <a:p>
+            <a:endParaRPr lang="en-US"/>
+          </a:p>
+        </p:txBody>
+      </p:sp>
+      <p:sp>
+        <p:nvSpPr>
+          <p:cNvPr id="6" name="Slide Number Placeholder 5"/>
+          <p:cNvSpPr>
+            <a:spLocks noGrp="1"/>
+          </p:cNvSpPr>
+          <p:nvPr>
+            <p:ph type="sldNum" sz="quarter" idx="12"/>
+          </p:nvPr>
+        </p:nvSpPr>
+        <p:spPr/>
+        <p:txBody>
+          <a:bodyPr/>
+          <a:lstStyle/>
+          <a:p>
+            <a:fld id="{1F78DCA9-3D45-478D-B0F3-9FB7A503A177}" type="slidenum">
+              <a:rPr lang="en-US" smtClean="0"/>
+              <a:t>‹#›</a:t>
+            </a:fld>
+            <a:endParaRPr lang="en-US"/>
+          </a:p>
+        </p:txBody>
+      </p:sp>
+    </p:spTree>
+    <p:extLst>
+      <p:ext uri="{BB962C8B-B14F-4D97-AF65-F5344CB8AC3E}">
+        <p14:creationId xmlns:p14="http://schemas.microsoft.com/office/powerpoint/2010/main" val="1387506143"/>
+      </p:ext>
+    </p:extLst>
+  </p:cSld>
+  <p:clrMapOvr>
+    <a:masterClrMapping/>
+  </p:clrMapOvr>
+</p:sldLayout>
+</file>
+
+<file path=ppt/slideLayouts/slideLayout15.xml><?xml version="1.0" encoding="utf-8"?>
+<p:sldLayout xmlns:a="http://schemas.openxmlformats.org/drawingml/2006/main" xmlns:r="http://schemas.openxmlformats.org/officeDocument/2006/relationships" xmlns:p="http://schemas.openxmlformats.org/presentationml/2006/main" preserve="1">
+  <p:cSld name="True or False">
+    <p:spTree>
+      <p:nvGrpSpPr>
+        <p:cNvPr id="1" name=""/>
+        <p:cNvGrpSpPr/>
+        <p:nvPr/>
+      </p:nvGrpSpPr>
+      <p:grpSpPr>
+        <a:xfrm>
+          <a:off x="0" y="0"/>
+          <a:ext cx="0" cy="0"/>
+          <a:chOff x="0" y="0"/>
+          <a:chExt cx="0" cy="0"/>
+        </a:xfrm>
+      </p:grpSpPr>
+      <p:sp>
+        <p:nvSpPr>
+          <p:cNvPr id="2" name="Title 1"/>
+          <p:cNvSpPr>
+            <a:spLocks noGrp="1"/>
+          </p:cNvSpPr>
+          <p:nvPr>
+            <p:ph type="title"/>
+          </p:nvPr>
+        </p:nvSpPr>
+        <p:spPr>
+          <a:xfrm>
+            <a:off x="1484313" y="685800"/>
+            <a:ext cx="10018712" cy="2727325"/>
+          </a:xfrm>
+        </p:spPr>
+        <p:txBody>
+          <a:bodyPr vert="horz" lIns="91440" tIns="45720" rIns="91440" bIns="45720" rtlCol="0" anchor="ctr">
+            <a:normAutofit/>
+          </a:bodyPr>
+          <a:lstStyle>
+            <a:lvl1pPr>
+              <a:defRPr lang="en-US" b="0" dirty="0"/>
+            </a:lvl1pPr>
+          </a:lstStyle>
+          <a:p>
+            <a:pPr marL="0" lvl="0"/>
+            <a:r>
+              <a:rPr lang="en-US"/>
+              <a:t>Click to edit Master title style</a:t>
+            </a:r>
+            <a:endParaRPr lang="en-US" dirty="0"/>
+          </a:p>
+        </p:txBody>
+      </p:sp>
+      <p:sp>
+        <p:nvSpPr>
+          <p:cNvPr id="10" name="Text Placeholder 9"/>
+          <p:cNvSpPr>
+            <a:spLocks noGrp="1"/>
+          </p:cNvSpPr>
+          <p:nvPr>
+            <p:ph type="body" sz="quarter" idx="13"/>
+          </p:nvPr>
+        </p:nvSpPr>
+        <p:spPr>
+          <a:xfrm>
+            <a:off x="1484312" y="3505200"/>
+            <a:ext cx="10018713" cy="838200"/>
+          </a:xfrm>
+        </p:spPr>
+        <p:txBody>
+          <a:bodyPr vert="horz" lIns="91440" tIns="45720" rIns="91440" bIns="45720" rtlCol="0" anchor="b">
+            <a:normAutofit/>
+          </a:bodyPr>
+          <a:lstStyle>
+            <a:lvl1pPr>
+              <a:buNone/>
+              <a:defRPr lang="en-US" sz="2800" b="0" cap="none" dirty="0">
+                <a:ln w="3175" cmpd="sng">
+                  <a:noFill/>
+                </a:ln>
+                <a:solidFill>
+                  <a:schemeClr val="tx1"/>
+                </a:solidFill>
+                <a:effectLst/>
+              </a:defRPr>
+            </a:lvl1pPr>
+          </a:lstStyle>
+          <a:p>
+            <a:pPr marL="0" lvl="0">
+              <a:spcBef>
+                <a:spcPct val="0"/>
+              </a:spcBef>
+              <a:buNone/>
+            </a:pPr>
+            <a:r>
+              <a:rPr lang="en-US"/>
+              <a:t>Click to edit Master text styles</a:t>
+            </a:r>
+          </a:p>
+        </p:txBody>
+      </p:sp>
+      <p:sp>
+        <p:nvSpPr>
+          <p:cNvPr id="3" name="Text Placeholder 2"/>
+          <p:cNvSpPr>
+            <a:spLocks noGrp="1"/>
+          </p:cNvSpPr>
+          <p:nvPr>
+            <p:ph type="body" idx="1"/>
+          </p:nvPr>
+        </p:nvSpPr>
+        <p:spPr>
+          <a:xfrm>
+            <a:off x="1484311" y="4343400"/>
+            <a:ext cx="10018713" cy="1447800"/>
+          </a:xfrm>
+        </p:spPr>
+        <p:txBody>
+          <a:bodyPr anchor="t">
+            <a:normAutofit/>
+          </a:bodyPr>
+          <a:lstStyle>
+            <a:lvl1pPr marL="0" indent="0" algn="l">
+              <a:buNone/>
+              <a:defRPr sz="1800">
+                <a:solidFill>
+                  <a:schemeClr val="tx1"/>
+                </a:solidFill>
+              </a:defRPr>
+            </a:lvl1pPr>
+            <a:lvl2pPr marL="457200" indent="0">
+              <a:buNone/>
+              <a:defRPr sz="1800">
+                <a:solidFill>
+                  <a:schemeClr val="tx1">
+                    <a:tint val="75000"/>
+                  </a:schemeClr>
+                </a:solidFill>
+              </a:defRPr>
+            </a:lvl2pPr>
+            <a:lvl3pPr marL="914400" indent="0">
+              <a:buNone/>
+              <a:defRPr sz="1600">
+                <a:solidFill>
+                  <a:schemeClr val="tx1">
+                    <a:tint val="75000"/>
+                  </a:schemeClr>
+                </a:solidFill>
+              </a:defRPr>
+            </a:lvl3pPr>
+            <a:lvl4pPr marL="1371600" indent="0">
+              <a:buNone/>
+              <a:defRPr sz="1400">
+                <a:solidFill>
+                  <a:schemeClr val="tx1">
+                    <a:tint val="75000"/>
+                  </a:schemeClr>
+                </a:solidFill>
+              </a:defRPr>
+            </a:lvl4pPr>
+            <a:lvl5pPr marL="1828800" indent="0">
+              <a:buNone/>
+              <a:defRPr sz="1400">
+                <a:solidFill>
+                  <a:schemeClr val="tx1">
+                    <a:tint val="75000"/>
+                  </a:schemeClr>
+                </a:solidFill>
+              </a:defRPr>
+            </a:lvl5pPr>
+            <a:lvl6pPr marL="2286000" indent="0">
+              <a:buNone/>
+              <a:defRPr sz="1400">
+                <a:solidFill>
+                  <a:schemeClr val="tx1">
+                    <a:tint val="75000"/>
+                  </a:schemeClr>
+                </a:solidFill>
+              </a:defRPr>
+            </a:lvl6pPr>
+            <a:lvl7pPr marL="2743200" indent="0">
+              <a:buNone/>
+              <a:defRPr sz="1400">
+                <a:solidFill>
+                  <a:schemeClr val="tx1">
+                    <a:tint val="75000"/>
+                  </a:schemeClr>
+                </a:solidFill>
+              </a:defRPr>
+            </a:lvl7pPr>
+            <a:lvl8pPr marL="3200400" indent="0">
+              <a:buNone/>
+              <a:defRPr sz="1400">
+                <a:solidFill>
+                  <a:schemeClr val="tx1">
+                    <a:tint val="75000"/>
+                  </a:schemeClr>
+                </a:solidFill>
+              </a:defRPr>
+            </a:lvl8pPr>
+            <a:lvl9pPr marL="3657600" indent="0">
+              <a:buNone/>
+              <a:defRPr sz="1400">
+                <a:solidFill>
+                  <a:schemeClr val="tx1">
+                    <a:tint val="75000"/>
+                  </a:schemeClr>
+                </a:solidFill>
+              </a:defRPr>
+            </a:lvl9pPr>
+          </a:lstStyle>
+          <a:p>
+            <a:pPr lvl="0"/>
+            <a:r>
+              <a:rPr lang="en-US"/>
+              <a:t>Click to edit Master text styles</a:t>
+            </a:r>
+          </a:p>
+        </p:txBody>
+      </p:sp>
+      <p:sp>
+        <p:nvSpPr>
+          <p:cNvPr id="4" name="Date Placeholder 3"/>
+          <p:cNvSpPr>
+            <a:spLocks noGrp="1"/>
+          </p:cNvSpPr>
+          <p:nvPr>
+            <p:ph type="dt" sz="half" idx="10"/>
+          </p:nvPr>
+        </p:nvSpPr>
+        <p:spPr/>
+        <p:txBody>
+          <a:bodyPr/>
+          <a:lstStyle/>
+          <a:p>
+            <a:fld id="{1365B17E-0D71-42F4-A5A5-57822DB21A5F}" type="datetimeFigureOut">
+              <a:rPr lang="en-US" smtClean="0"/>
+              <a:t>01/24/21</a:t>
+            </a:fld>
+            <a:endParaRPr lang="en-US"/>
+          </a:p>
+        </p:txBody>
+      </p:sp>
+      <p:sp>
+        <p:nvSpPr>
+          <p:cNvPr id="5" name="Footer Placeholder 4"/>
+          <p:cNvSpPr>
+            <a:spLocks noGrp="1"/>
+          </p:cNvSpPr>
+          <p:nvPr>
+            <p:ph type="ftr" sz="quarter" idx="11"/>
+          </p:nvPr>
+        </p:nvSpPr>
+        <p:spPr/>
+        <p:txBody>
+          <a:bodyPr/>
+          <a:lstStyle/>
+          <a:p>
+            <a:endParaRPr lang="en-US"/>
+          </a:p>
+        </p:txBody>
+      </p:sp>
+      <p:sp>
+        <p:nvSpPr>
+          <p:cNvPr id="6" name="Slide Number Placeholder 5"/>
+          <p:cNvSpPr>
+            <a:spLocks noGrp="1"/>
+          </p:cNvSpPr>
+          <p:nvPr>
+            <p:ph type="sldNum" sz="quarter" idx="12"/>
+          </p:nvPr>
+        </p:nvSpPr>
+        <p:spPr/>
+        <p:txBody>
+          <a:bodyPr/>
+          <a:lstStyle/>
+          <a:p>
+            <a:fld id="{1F78DCA9-3D45-478D-B0F3-9FB7A503A177}" type="slidenum">
+              <a:rPr lang="en-US" smtClean="0"/>
+              <a:t>‹#›</a:t>
+            </a:fld>
+            <a:endParaRPr lang="en-US"/>
+          </a:p>
+        </p:txBody>
+      </p:sp>
+    </p:spTree>
+    <p:extLst>
+      <p:ext uri="{BB962C8B-B14F-4D97-AF65-F5344CB8AC3E}">
+        <p14:creationId xmlns:p14="http://schemas.microsoft.com/office/powerpoint/2010/main" val="34556638"/>
+      </p:ext>
+    </p:extLst>
+  </p:cSld>
+  <p:clrMapOvr>
+    <a:masterClrMapping/>
+  </p:clrMapOvr>
+</p:sldLayout>
+</file>
+
+<file path=ppt/slideLayouts/slideLayout16.xml><?xml version="1.0" encoding="utf-8"?>
 <p:sldLayout xmlns:a="http://schemas.openxmlformats.org/drawingml/2006/main" xmlns:r="http://schemas.openxmlformats.org/officeDocument/2006/relationships" xmlns:p="http://schemas.openxmlformats.org/presentationml/2006/main" type="vertTx" preserve="1">
   <p:cSld name="Title and Vertical Text">
     <p:spTree>
@@ -346,13 +2856,7 @@
       </p:grpSpPr>
       <p:sp>
         <p:nvSpPr>
-          <p:cNvPr id="2" name="Title 1">
-            <a:extLst>
-              <a:ext uri="{FF2B5EF4-FFF2-40B4-BE49-F238E27FC236}">
-                <a16:creationId xmlns:a16="http://schemas.microsoft.com/office/drawing/2014/main" id="{18AC9938-3B35-4A45-A536-997AA730EDB1}"/>
-              </a:ext>
-            </a:extLst>
-          </p:cNvPr>
+          <p:cNvPr id="2" name="Title 1"/>
           <p:cNvSpPr>
             <a:spLocks noGrp="1"/>
           </p:cNvSpPr>
@@ -363,36 +2867,35 @@
         <p:spPr/>
         <p:txBody>
           <a:bodyPr/>
+          <a:lstStyle>
+            <a:lvl1pPr algn="ctr">
+              <a:defRPr/>
+            </a:lvl1pPr>
+          </a:lstStyle>
+          <a:p>
+            <a:r>
+              <a:rPr lang="en-US"/>
+              <a:t>Click to edit Master title style</a:t>
+            </a:r>
+            <a:endParaRPr lang="en-US" dirty="0"/>
+          </a:p>
+        </p:txBody>
+      </p:sp>
+      <p:sp>
+        <p:nvSpPr>
+          <p:cNvPr id="3" name="Vertical Text Placeholder 2"/>
+          <p:cNvSpPr>
+            <a:spLocks noGrp="1"/>
+          </p:cNvSpPr>
+          <p:nvPr>
+            <p:ph type="body" orient="vert" idx="1"/>
+          </p:nvPr>
+        </p:nvSpPr>
+        <p:spPr/>
+        <p:txBody>
+          <a:bodyPr vert="eaVert" anchor="t"/>
           <a:lstStyle/>
           <a:p>
-            <a:r>
-              <a:rPr lang="en-US"/>
-              <a:t>Click to edit Master title style</a:t>
-            </a:r>
-          </a:p>
-        </p:txBody>
-      </p:sp>
-      <p:sp>
-        <p:nvSpPr>
-          <p:cNvPr id="3" name="Vertical Text Placeholder 2">
-            <a:extLst>
-              <a:ext uri="{FF2B5EF4-FFF2-40B4-BE49-F238E27FC236}">
-                <a16:creationId xmlns:a16="http://schemas.microsoft.com/office/drawing/2014/main" id="{D8B5AFCB-2A61-43B4-B3A2-0298BB241760}"/>
-              </a:ext>
-            </a:extLst>
-          </p:cNvPr>
-          <p:cNvSpPr>
-            <a:spLocks noGrp="1"/>
-          </p:cNvSpPr>
-          <p:nvPr>
-            <p:ph type="body" orient="vert" idx="1"/>
-          </p:nvPr>
-        </p:nvSpPr>
-        <p:spPr/>
-        <p:txBody>
-          <a:bodyPr vert="eaVert"/>
-          <a:lstStyle/>
-          <a:p>
             <a:pPr lvl="0"/>
             <a:r>
               <a:rPr lang="en-US"/>
@@ -426,18 +2929,13 @@
               <a:rPr lang="en-US"/>
               <a:t>Fifth level</a:t>
             </a:r>
-          </a:p>
-        </p:txBody>
-      </p:sp>
-      <p:sp>
-        <p:nvSpPr>
-          <p:cNvPr id="4" name="Date Placeholder 3">
-            <a:extLst>
-              <a:ext uri="{FF2B5EF4-FFF2-40B4-BE49-F238E27FC236}">
-                <a16:creationId xmlns:a16="http://schemas.microsoft.com/office/drawing/2014/main" id="{D66A62BE-CB45-4245-90FB-966DB874A5EF}"/>
-              </a:ext>
-            </a:extLst>
-          </p:cNvPr>
+            <a:endParaRPr lang="en-US" dirty="0"/>
+          </a:p>
+        </p:txBody>
+      </p:sp>
+      <p:sp>
+        <p:nvSpPr>
+          <p:cNvPr id="4" name="Date Placeholder 3"/>
           <p:cNvSpPr>
             <a:spLocks noGrp="1"/>
           </p:cNvSpPr>
@@ -460,13 +2958,7 @@
       </p:sp>
       <p:sp>
         <p:nvSpPr>
-          <p:cNvPr id="5" name="Footer Placeholder 4">
-            <a:extLst>
-              <a:ext uri="{FF2B5EF4-FFF2-40B4-BE49-F238E27FC236}">
-                <a16:creationId xmlns:a16="http://schemas.microsoft.com/office/drawing/2014/main" id="{0452C057-3212-4B32-8921-530447E6FFD0}"/>
-              </a:ext>
-            </a:extLst>
-          </p:cNvPr>
+          <p:cNvPr id="5" name="Footer Placeholder 4"/>
           <p:cNvSpPr>
             <a:spLocks noGrp="1"/>
           </p:cNvSpPr>
@@ -485,13 +2977,7 @@
       </p:sp>
       <p:sp>
         <p:nvSpPr>
-          <p:cNvPr id="6" name="Slide Number Placeholder 5">
-            <a:extLst>
-              <a:ext uri="{FF2B5EF4-FFF2-40B4-BE49-F238E27FC236}">
-                <a16:creationId xmlns:a16="http://schemas.microsoft.com/office/drawing/2014/main" id="{B110071F-2BFD-485D-BBD7-90D375ED3AAF}"/>
-              </a:ext>
-            </a:extLst>
-          </p:cNvPr>
+          <p:cNvPr id="6" name="Slide Number Placeholder 5"/>
           <p:cNvSpPr>
             <a:spLocks noGrp="1"/>
           </p:cNvSpPr>
@@ -515,7 +3001,7 @@
     </p:spTree>
     <p:extLst>
       <p:ext uri="{BB962C8B-B14F-4D97-AF65-F5344CB8AC3E}">
-        <p14:creationId xmlns:p14="http://schemas.microsoft.com/office/powerpoint/2010/main" val="2801612434"/>
+        <p14:creationId xmlns:p14="http://schemas.microsoft.com/office/powerpoint/2010/main" val="1359076217"/>
       </p:ext>
     </p:extLst>
   </p:cSld>
@@ -525,7 +3011,7 @@
 </p:sldLayout>
 </file>
 
-<file path=ppt/slideLayouts/slideLayout11.xml><?xml version="1.0" encoding="utf-8"?>
+<file path=ppt/slideLayouts/slideLayout17.xml><?xml version="1.0" encoding="utf-8"?>
 <p:sldLayout xmlns:a="http://schemas.openxmlformats.org/drawingml/2006/main" xmlns:r="http://schemas.openxmlformats.org/officeDocument/2006/relationships" xmlns:p="http://schemas.openxmlformats.org/presentationml/2006/main" type="vertTitleAndTx" preserve="1">
   <p:cSld name="Vertical Title and Text">
     <p:spTree>
@@ -544,13 +3030,7 @@
       </p:grpSpPr>
       <p:sp>
         <p:nvSpPr>
-          <p:cNvPr id="2" name="Vertical Title 1">
-            <a:extLst>
-              <a:ext uri="{FF2B5EF4-FFF2-40B4-BE49-F238E27FC236}">
-                <a16:creationId xmlns:a16="http://schemas.microsoft.com/office/drawing/2014/main" id="{DBEA17A7-4C10-4AF6-A378-EEBA20C2A874}"/>
-              </a:ext>
-            </a:extLst>
-          </p:cNvPr>
+          <p:cNvPr id="2" name="Vertical Title 1"/>
           <p:cNvSpPr>
             <a:spLocks noGrp="1"/>
           </p:cNvSpPr>
@@ -560,8 +3040,8 @@
         </p:nvSpPr>
         <p:spPr>
           <a:xfrm>
-            <a:off x="8724900" y="365125"/>
-            <a:ext cx="2628900" cy="5811838"/>
+            <a:off x="9732655" y="685800"/>
+            <a:ext cx="1770369" cy="5105400"/>
           </a:xfrm>
         </p:spPr>
         <p:txBody>
@@ -572,18 +3052,13 @@
               <a:rPr lang="en-US"/>
               <a:t>Click to edit Master title style</a:t>
             </a:r>
-          </a:p>
-        </p:txBody>
-      </p:sp>
-      <p:sp>
-        <p:nvSpPr>
-          <p:cNvPr id="3" name="Vertical Text Placeholder 2">
-            <a:extLst>
-              <a:ext uri="{FF2B5EF4-FFF2-40B4-BE49-F238E27FC236}">
-                <a16:creationId xmlns:a16="http://schemas.microsoft.com/office/drawing/2014/main" id="{0F45322C-1DCD-4E97-8B3E-B887A615DE88}"/>
-              </a:ext>
-            </a:extLst>
-          </p:cNvPr>
+            <a:endParaRPr lang="en-US" dirty="0"/>
+          </a:p>
+        </p:txBody>
+      </p:sp>
+      <p:sp>
+        <p:nvSpPr>
+          <p:cNvPr id="3" name="Vertical Text Placeholder 2"/>
           <p:cNvSpPr>
             <a:spLocks noGrp="1"/>
           </p:cNvSpPr>
@@ -593,12 +3068,12 @@
         </p:nvSpPr>
         <p:spPr>
           <a:xfrm>
-            <a:off x="838200" y="365125"/>
-            <a:ext cx="7734300" cy="5811838"/>
+            <a:off x="1484312" y="685800"/>
+            <a:ext cx="8019742" cy="5105400"/>
           </a:xfrm>
         </p:spPr>
         <p:txBody>
-          <a:bodyPr vert="eaVert"/>
+          <a:bodyPr vert="eaVert" anchor="t"/>
           <a:lstStyle/>
           <a:p>
             <a:pPr lvl="0"/>
@@ -634,18 +3109,13 @@
               <a:rPr lang="en-US"/>
               <a:t>Fifth level</a:t>
             </a:r>
-          </a:p>
-        </p:txBody>
-      </p:sp>
-      <p:sp>
-        <p:nvSpPr>
-          <p:cNvPr id="4" name="Date Placeholder 3">
-            <a:extLst>
-              <a:ext uri="{FF2B5EF4-FFF2-40B4-BE49-F238E27FC236}">
-                <a16:creationId xmlns:a16="http://schemas.microsoft.com/office/drawing/2014/main" id="{EC0EED13-2D40-4CA8-A444-9D04A1EA0798}"/>
-              </a:ext>
-            </a:extLst>
-          </p:cNvPr>
+            <a:endParaRPr lang="en-US" dirty="0"/>
+          </a:p>
+        </p:txBody>
+      </p:sp>
+      <p:sp>
+        <p:nvSpPr>
+          <p:cNvPr id="4" name="Date Placeholder 3"/>
           <p:cNvSpPr>
             <a:spLocks noGrp="1"/>
           </p:cNvSpPr>
@@ -668,13 +3138,7 @@
       </p:sp>
       <p:sp>
         <p:nvSpPr>
-          <p:cNvPr id="5" name="Footer Placeholder 4">
-            <a:extLst>
-              <a:ext uri="{FF2B5EF4-FFF2-40B4-BE49-F238E27FC236}">
-                <a16:creationId xmlns:a16="http://schemas.microsoft.com/office/drawing/2014/main" id="{CBBD6788-D5EA-449A-B8CB-4BFEFF70ADAD}"/>
-              </a:ext>
-            </a:extLst>
-          </p:cNvPr>
+          <p:cNvPr id="5" name="Footer Placeholder 4"/>
           <p:cNvSpPr>
             <a:spLocks noGrp="1"/>
           </p:cNvSpPr>
@@ -693,13 +3157,7 @@
       </p:sp>
       <p:sp>
         <p:nvSpPr>
-          <p:cNvPr id="6" name="Slide Number Placeholder 5">
-            <a:extLst>
-              <a:ext uri="{FF2B5EF4-FFF2-40B4-BE49-F238E27FC236}">
-                <a16:creationId xmlns:a16="http://schemas.microsoft.com/office/drawing/2014/main" id="{F0A87035-87DC-4442-8112-F9A767C86430}"/>
-              </a:ext>
-            </a:extLst>
-          </p:cNvPr>
+          <p:cNvPr id="6" name="Slide Number Placeholder 5"/>
           <p:cNvSpPr>
             <a:spLocks noGrp="1"/>
           </p:cNvSpPr>
@@ -723,7 +3181,7 @@
     </p:spTree>
     <p:extLst>
       <p:ext uri="{BB962C8B-B14F-4D97-AF65-F5344CB8AC3E}">
-        <p14:creationId xmlns:p14="http://schemas.microsoft.com/office/powerpoint/2010/main" val="392607045"/>
+        <p14:creationId xmlns:p14="http://schemas.microsoft.com/office/powerpoint/2010/main" val="1952620182"/>
       </p:ext>
     </p:extLst>
   </p:cSld>
@@ -752,13 +3210,7 @@
       </p:grpSpPr>
       <p:sp>
         <p:nvSpPr>
-          <p:cNvPr id="2" name="Title 1">
-            <a:extLst>
-              <a:ext uri="{FF2B5EF4-FFF2-40B4-BE49-F238E27FC236}">
-                <a16:creationId xmlns:a16="http://schemas.microsoft.com/office/drawing/2014/main" id="{56D01102-30DC-4229-87A5-AA4669DB7F39}"/>
-              </a:ext>
-            </a:extLst>
-          </p:cNvPr>
+          <p:cNvPr id="2" name="Title 1"/>
           <p:cNvSpPr>
             <a:spLocks noGrp="1"/>
           </p:cNvSpPr>
@@ -775,18 +3227,13 @@
               <a:rPr lang="en-US"/>
               <a:t>Click to edit Master title style</a:t>
             </a:r>
-          </a:p>
-        </p:txBody>
-      </p:sp>
-      <p:sp>
-        <p:nvSpPr>
-          <p:cNvPr id="3" name="Content Placeholder 2">
-            <a:extLst>
-              <a:ext uri="{FF2B5EF4-FFF2-40B4-BE49-F238E27FC236}">
-                <a16:creationId xmlns:a16="http://schemas.microsoft.com/office/drawing/2014/main" id="{C3B1043A-CC87-448E-A7E4-92BE7306EEA7}"/>
-              </a:ext>
-            </a:extLst>
-          </p:cNvPr>
+            <a:endParaRPr lang="en-US" dirty="0"/>
+          </a:p>
+        </p:txBody>
+      </p:sp>
+      <p:sp>
+        <p:nvSpPr>
+          <p:cNvPr id="3" name="Content Placeholder 2"/>
           <p:cNvSpPr>
             <a:spLocks noGrp="1"/>
           </p:cNvSpPr>
@@ -796,7 +3243,7 @@
         </p:nvSpPr>
         <p:spPr/>
         <p:txBody>
-          <a:bodyPr/>
+          <a:bodyPr anchor="ctr"/>
           <a:lstStyle/>
           <a:p>
             <a:pPr lvl="0"/>
@@ -832,18 +3279,13 @@
               <a:rPr lang="en-US"/>
               <a:t>Fifth level</a:t>
             </a:r>
-          </a:p>
-        </p:txBody>
-      </p:sp>
-      <p:sp>
-        <p:nvSpPr>
-          <p:cNvPr id="4" name="Date Placeholder 3">
-            <a:extLst>
-              <a:ext uri="{FF2B5EF4-FFF2-40B4-BE49-F238E27FC236}">
-                <a16:creationId xmlns:a16="http://schemas.microsoft.com/office/drawing/2014/main" id="{5784BAC3-7267-4E97-A656-84A89A43E9FE}"/>
-              </a:ext>
-            </a:extLst>
-          </p:cNvPr>
+            <a:endParaRPr lang="en-US" dirty="0"/>
+          </a:p>
+        </p:txBody>
+      </p:sp>
+      <p:sp>
+        <p:nvSpPr>
+          <p:cNvPr id="4" name="Date Placeholder 3"/>
           <p:cNvSpPr>
             <a:spLocks noGrp="1"/>
           </p:cNvSpPr>
@@ -866,13 +3308,7 @@
       </p:sp>
       <p:sp>
         <p:nvSpPr>
-          <p:cNvPr id="5" name="Footer Placeholder 4">
-            <a:extLst>
-              <a:ext uri="{FF2B5EF4-FFF2-40B4-BE49-F238E27FC236}">
-                <a16:creationId xmlns:a16="http://schemas.microsoft.com/office/drawing/2014/main" id="{8EB6BF0E-742B-4429-A71A-BB0B16CC6009}"/>
-              </a:ext>
-            </a:extLst>
-          </p:cNvPr>
+          <p:cNvPr id="5" name="Footer Placeholder 4"/>
           <p:cNvSpPr>
             <a:spLocks noGrp="1"/>
           </p:cNvSpPr>
@@ -891,13 +3327,7 @@
       </p:sp>
       <p:sp>
         <p:nvSpPr>
-          <p:cNvPr id="6" name="Slide Number Placeholder 5">
-            <a:extLst>
-              <a:ext uri="{FF2B5EF4-FFF2-40B4-BE49-F238E27FC236}">
-                <a16:creationId xmlns:a16="http://schemas.microsoft.com/office/drawing/2014/main" id="{536AB995-7DC7-4E4E-8294-C2569C3FA11B}"/>
-              </a:ext>
-            </a:extLst>
-          </p:cNvPr>
+          <p:cNvPr id="6" name="Slide Number Placeholder 5"/>
           <p:cNvSpPr>
             <a:spLocks noGrp="1"/>
           </p:cNvSpPr>
@@ -905,7 +3335,12 @@
             <p:ph type="sldNum" sz="quarter" idx="12"/>
           </p:nvPr>
         </p:nvSpPr>
-        <p:spPr/>
+        <p:spPr>
+          <a:xfrm>
+            <a:off x="10951856" y="5867131"/>
+            <a:ext cx="551167" cy="365125"/>
+          </a:xfrm>
+        </p:spPr>
         <p:txBody>
           <a:bodyPr/>
           <a:lstStyle/>
@@ -921,7 +3356,7 @@
     </p:spTree>
     <p:extLst>
       <p:ext uri="{BB962C8B-B14F-4D97-AF65-F5344CB8AC3E}">
-        <p14:creationId xmlns:p14="http://schemas.microsoft.com/office/powerpoint/2010/main" val="2485791741"/>
+        <p14:creationId xmlns:p14="http://schemas.microsoft.com/office/powerpoint/2010/main" val="24447830"/>
       </p:ext>
     </p:extLst>
   </p:cSld>
@@ -950,13 +3385,7 @@
       </p:grpSpPr>
       <p:sp>
         <p:nvSpPr>
-          <p:cNvPr id="2" name="Title 1">
-            <a:extLst>
-              <a:ext uri="{FF2B5EF4-FFF2-40B4-BE49-F238E27FC236}">
-                <a16:creationId xmlns:a16="http://schemas.microsoft.com/office/drawing/2014/main" id="{B3C76E4F-F697-4926-A2E2-812C4F09DD6D}"/>
-              </a:ext>
-            </a:extLst>
-          </p:cNvPr>
+          <p:cNvPr id="2" name="Title 1"/>
           <p:cNvSpPr>
             <a:spLocks noGrp="1"/>
           </p:cNvSpPr>
@@ -966,15 +3395,15 @@
         </p:nvSpPr>
         <p:spPr>
           <a:xfrm>
-            <a:off x="831850" y="1709738"/>
-            <a:ext cx="10515600" cy="2852737"/>
+            <a:off x="2572279" y="2666999"/>
+            <a:ext cx="8930747" cy="2110382"/>
           </a:xfrm>
         </p:spPr>
         <p:txBody>
           <a:bodyPr anchor="b"/>
           <a:lstStyle>
-            <a:lvl1pPr>
-              <a:defRPr sz="6000"/>
+            <a:lvl1pPr algn="r">
+              <a:defRPr sz="4000" b="0" cap="none"/>
             </a:lvl1pPr>
           </a:lstStyle>
           <a:p>
@@ -982,18 +3411,13 @@
               <a:rPr lang="en-US"/>
               <a:t>Click to edit Master title style</a:t>
             </a:r>
-          </a:p>
-        </p:txBody>
-      </p:sp>
-      <p:sp>
-        <p:nvSpPr>
-          <p:cNvPr id="3" name="Text Placeholder 2">
-            <a:extLst>
-              <a:ext uri="{FF2B5EF4-FFF2-40B4-BE49-F238E27FC236}">
-                <a16:creationId xmlns:a16="http://schemas.microsoft.com/office/drawing/2014/main" id="{6B5E49B9-2CFA-43A7-A0B8-0B3FCC9785B5}"/>
-              </a:ext>
-            </a:extLst>
-          </p:cNvPr>
+            <a:endParaRPr lang="en-US" dirty="0"/>
+          </a:p>
+        </p:txBody>
+      </p:sp>
+      <p:sp>
+        <p:nvSpPr>
+          <p:cNvPr id="3" name="Text Placeholder 2"/>
           <p:cNvSpPr>
             <a:spLocks noGrp="1"/>
           </p:cNvSpPr>
@@ -1003,102 +3427,102 @@
         </p:nvSpPr>
         <p:spPr>
           <a:xfrm>
-            <a:off x="831850" y="4589463"/>
-            <a:ext cx="10515600" cy="1500187"/>
+            <a:off x="2572278" y="4777381"/>
+            <a:ext cx="8930748" cy="860400"/>
           </a:xfrm>
         </p:spPr>
         <p:txBody>
-          <a:bodyPr/>
+          <a:bodyPr anchor="t">
+            <a:normAutofit/>
+          </a:bodyPr>
           <a:lstStyle>
-            <a:lvl1pPr marL="0" indent="0">
-              <a:buNone/>
-              <a:defRPr sz="2400">
+            <a:lvl1pPr marL="0" indent="0" algn="r">
+              <a:buNone/>
+              <a:defRPr sz="2000">
+                <a:solidFill>
+                  <a:schemeClr val="tx1"/>
+                </a:solidFill>
+              </a:defRPr>
+            </a:lvl1pPr>
+            <a:lvl2pPr marL="457200" indent="0">
+              <a:buNone/>
+              <a:defRPr sz="1800">
                 <a:solidFill>
                   <a:schemeClr val="tx1">
                     <a:tint val="75000"/>
                   </a:schemeClr>
                 </a:solidFill>
               </a:defRPr>
-            </a:lvl1pPr>
-            <a:lvl2pPr marL="457200" indent="0">
-              <a:buNone/>
-              <a:defRPr sz="2000">
+            </a:lvl2pPr>
+            <a:lvl3pPr marL="914400" indent="0">
+              <a:buNone/>
+              <a:defRPr sz="1600">
                 <a:solidFill>
                   <a:schemeClr val="tx1">
                     <a:tint val="75000"/>
                   </a:schemeClr>
                 </a:solidFill>
               </a:defRPr>
-            </a:lvl2pPr>
-            <a:lvl3pPr marL="914400" indent="0">
-              <a:buNone/>
-              <a:defRPr sz="1800">
+            </a:lvl3pPr>
+            <a:lvl4pPr marL="1371600" indent="0">
+              <a:buNone/>
+              <a:defRPr sz="1400">
                 <a:solidFill>
                   <a:schemeClr val="tx1">
                     <a:tint val="75000"/>
                   </a:schemeClr>
                 </a:solidFill>
               </a:defRPr>
-            </a:lvl3pPr>
-            <a:lvl4pPr marL="1371600" indent="0">
-              <a:buNone/>
-              <a:defRPr sz="1600">
+            </a:lvl4pPr>
+            <a:lvl5pPr marL="1828800" indent="0">
+              <a:buNone/>
+              <a:defRPr sz="1400">
                 <a:solidFill>
                   <a:schemeClr val="tx1">
                     <a:tint val="75000"/>
                   </a:schemeClr>
                 </a:solidFill>
               </a:defRPr>
-            </a:lvl4pPr>
-            <a:lvl5pPr marL="1828800" indent="0">
-              <a:buNone/>
-              <a:defRPr sz="1600">
+            </a:lvl5pPr>
+            <a:lvl6pPr marL="2286000" indent="0">
+              <a:buNone/>
+              <a:defRPr sz="1400">
                 <a:solidFill>
                   <a:schemeClr val="tx1">
                     <a:tint val="75000"/>
                   </a:schemeClr>
                 </a:solidFill>
               </a:defRPr>
-            </a:lvl5pPr>
-            <a:lvl6pPr marL="2286000" indent="0">
-              <a:buNone/>
-              <a:defRPr sz="1600">
+            </a:lvl6pPr>
+            <a:lvl7pPr marL="2743200" indent="0">
+              <a:buNone/>
+              <a:defRPr sz="1400">
                 <a:solidFill>
                   <a:schemeClr val="tx1">
                     <a:tint val="75000"/>
                   </a:schemeClr>
                 </a:solidFill>
               </a:defRPr>
-            </a:lvl6pPr>
-            <a:lvl7pPr marL="2743200" indent="0">
-              <a:buNone/>
-              <a:defRPr sz="1600">
+            </a:lvl7pPr>
+            <a:lvl8pPr marL="3200400" indent="0">
+              <a:buNone/>
+              <a:defRPr sz="1400">
                 <a:solidFill>
                   <a:schemeClr val="tx1">
                     <a:tint val="75000"/>
                   </a:schemeClr>
                 </a:solidFill>
               </a:defRPr>
-            </a:lvl7pPr>
-            <a:lvl8pPr marL="3200400" indent="0">
-              <a:buNone/>
-              <a:defRPr sz="1600">
+            </a:lvl8pPr>
+            <a:lvl9pPr marL="3657600" indent="0">
+              <a:buNone/>
+              <a:defRPr sz="1400">
                 <a:solidFill>
                   <a:schemeClr val="tx1">
                     <a:tint val="75000"/>
                   </a:schemeClr>
                 </a:solidFill>
               </a:defRPr>
-            </a:lvl8pPr>
-            <a:lvl9pPr marL="3657600" indent="0">
-              <a:buNone/>
-              <a:defRPr sz="1600">
-                <a:solidFill>
-                  <a:schemeClr val="tx1">
-                    <a:tint val="75000"/>
-                  </a:schemeClr>
-                </a:solidFill>
-              </a:defRPr>
             </a:lvl9pPr>
           </a:lstStyle>
           <a:p>
@@ -1112,13 +3536,7 @@
       </p:sp>
       <p:sp>
         <p:nvSpPr>
-          <p:cNvPr id="4" name="Date Placeholder 3">
-            <a:extLst>
-              <a:ext uri="{FF2B5EF4-FFF2-40B4-BE49-F238E27FC236}">
-                <a16:creationId xmlns:a16="http://schemas.microsoft.com/office/drawing/2014/main" id="{A4672DF8-5CE5-4432-A8CE-0DD057A1A822}"/>
-              </a:ext>
-            </a:extLst>
-          </p:cNvPr>
+          <p:cNvPr id="4" name="Date Placeholder 3"/>
           <p:cNvSpPr>
             <a:spLocks noGrp="1"/>
           </p:cNvSpPr>
@@ -1141,13 +3559,7 @@
       </p:sp>
       <p:sp>
         <p:nvSpPr>
-          <p:cNvPr id="5" name="Footer Placeholder 4">
-            <a:extLst>
-              <a:ext uri="{FF2B5EF4-FFF2-40B4-BE49-F238E27FC236}">
-                <a16:creationId xmlns:a16="http://schemas.microsoft.com/office/drawing/2014/main" id="{23CCB53A-47EB-484C-BCBA-8FDA4828EE19}"/>
-              </a:ext>
-            </a:extLst>
-          </p:cNvPr>
+          <p:cNvPr id="5" name="Footer Placeholder 4"/>
           <p:cNvSpPr>
             <a:spLocks noGrp="1"/>
           </p:cNvSpPr>
@@ -1166,13 +3578,7 @@
       </p:sp>
       <p:sp>
         <p:nvSpPr>
-          <p:cNvPr id="6" name="Slide Number Placeholder 5">
-            <a:extLst>
-              <a:ext uri="{FF2B5EF4-FFF2-40B4-BE49-F238E27FC236}">
-                <a16:creationId xmlns:a16="http://schemas.microsoft.com/office/drawing/2014/main" id="{0A6B1F79-45B9-4D5E-98F2-D3E5E2C784B0}"/>
-              </a:ext>
-            </a:extLst>
-          </p:cNvPr>
+          <p:cNvPr id="6" name="Slide Number Placeholder 5"/>
           <p:cNvSpPr>
             <a:spLocks noGrp="1"/>
           </p:cNvSpPr>
@@ -1196,7 +3602,7 @@
     </p:spTree>
     <p:extLst>
       <p:ext uri="{BB962C8B-B14F-4D97-AF65-F5344CB8AC3E}">
-        <p14:creationId xmlns:p14="http://schemas.microsoft.com/office/powerpoint/2010/main" val="3272892237"/>
+        <p14:creationId xmlns:p14="http://schemas.microsoft.com/office/powerpoint/2010/main" val="3382164049"/>
       </p:ext>
     </p:extLst>
   </p:cSld>
@@ -1225,13 +3631,7 @@
       </p:grpSpPr>
       <p:sp>
         <p:nvSpPr>
-          <p:cNvPr id="2" name="Title 1">
-            <a:extLst>
-              <a:ext uri="{FF2B5EF4-FFF2-40B4-BE49-F238E27FC236}">
-                <a16:creationId xmlns:a16="http://schemas.microsoft.com/office/drawing/2014/main" id="{3DC9DAB8-1101-4891-A3BB-2191BF61D96E}"/>
-              </a:ext>
-            </a:extLst>
-          </p:cNvPr>
+          <p:cNvPr id="2" name="Title 1"/>
           <p:cNvSpPr>
             <a:spLocks noGrp="1"/>
           </p:cNvSpPr>
@@ -1239,7 +3639,12 @@
             <p:ph type="title"/>
           </p:nvPr>
         </p:nvSpPr>
-        <p:spPr/>
+        <p:spPr>
+          <a:xfrm>
+            <a:off x="1484311" y="685800"/>
+            <a:ext cx="10018713" cy="1752599"/>
+          </a:xfrm>
+        </p:spPr>
         <p:txBody>
           <a:bodyPr/>
           <a:lstStyle/>
@@ -1248,18 +3653,13 @@
               <a:rPr lang="en-US"/>
               <a:t>Click to edit Master title style</a:t>
             </a:r>
-          </a:p>
-        </p:txBody>
-      </p:sp>
-      <p:sp>
-        <p:nvSpPr>
-          <p:cNvPr id="3" name="Content Placeholder 2">
-            <a:extLst>
-              <a:ext uri="{FF2B5EF4-FFF2-40B4-BE49-F238E27FC236}">
-                <a16:creationId xmlns:a16="http://schemas.microsoft.com/office/drawing/2014/main" id="{C37EC48A-C372-4A4B-BD3E-A98D1EDCCCAE}"/>
-              </a:ext>
-            </a:extLst>
-          </p:cNvPr>
+            <a:endParaRPr lang="en-US" dirty="0"/>
+          </a:p>
+        </p:txBody>
+      </p:sp>
+      <p:sp>
+        <p:nvSpPr>
+          <p:cNvPr id="3" name="Content Placeholder 2"/>
           <p:cNvSpPr>
             <a:spLocks noGrp="1"/>
           </p:cNvSpPr>
@@ -1269,13 +3669,43 @@
         </p:nvSpPr>
         <p:spPr>
           <a:xfrm>
-            <a:off x="838200" y="1825625"/>
-            <a:ext cx="5181600" cy="4351338"/>
+            <a:off x="1484312" y="2666999"/>
+            <a:ext cx="4895055" cy="3124201"/>
           </a:xfrm>
         </p:spPr>
         <p:txBody>
-          <a:bodyPr/>
-          <a:lstStyle/>
+          <a:bodyPr>
+            <a:normAutofit/>
+          </a:bodyPr>
+          <a:lstStyle>
+            <a:lvl1pPr>
+              <a:defRPr sz="1800"/>
+            </a:lvl1pPr>
+            <a:lvl2pPr>
+              <a:defRPr sz="1600"/>
+            </a:lvl2pPr>
+            <a:lvl3pPr>
+              <a:defRPr sz="1400"/>
+            </a:lvl3pPr>
+            <a:lvl4pPr>
+              <a:defRPr sz="1200"/>
+            </a:lvl4pPr>
+            <a:lvl5pPr>
+              <a:defRPr sz="1200"/>
+            </a:lvl5pPr>
+            <a:lvl6pPr>
+              <a:defRPr sz="1200"/>
+            </a:lvl6pPr>
+            <a:lvl7pPr>
+              <a:defRPr sz="1200"/>
+            </a:lvl7pPr>
+            <a:lvl8pPr>
+              <a:defRPr sz="1200"/>
+            </a:lvl8pPr>
+            <a:lvl9pPr>
+              <a:defRPr sz="1200"/>
+            </a:lvl9pPr>
+          </a:lstStyle>
           <a:p>
             <a:pPr lvl="0"/>
             <a:r>
@@ -1310,18 +3740,13 @@
               <a:rPr lang="en-US"/>
               <a:t>Fifth level</a:t>
             </a:r>
-          </a:p>
-        </p:txBody>
-      </p:sp>
-      <p:sp>
-        <p:nvSpPr>
-          <p:cNvPr id="4" name="Content Placeholder 3">
-            <a:extLst>
-              <a:ext uri="{FF2B5EF4-FFF2-40B4-BE49-F238E27FC236}">
-                <a16:creationId xmlns:a16="http://schemas.microsoft.com/office/drawing/2014/main" id="{ED9CF01F-5EA4-43EA-B1DE-73D60E3F79AF}"/>
-              </a:ext>
-            </a:extLst>
-          </p:cNvPr>
+            <a:endParaRPr lang="en-US" dirty="0"/>
+          </a:p>
+        </p:txBody>
+      </p:sp>
+      <p:sp>
+        <p:nvSpPr>
+          <p:cNvPr id="4" name="Content Placeholder 3"/>
           <p:cNvSpPr>
             <a:spLocks noGrp="1"/>
           </p:cNvSpPr>
@@ -1331,13 +3756,43 @@
         </p:nvSpPr>
         <p:spPr>
           <a:xfrm>
-            <a:off x="6172200" y="1825625"/>
-            <a:ext cx="5181600" cy="4351338"/>
+            <a:off x="6607967" y="2667000"/>
+            <a:ext cx="4895056" cy="3124200"/>
           </a:xfrm>
         </p:spPr>
         <p:txBody>
-          <a:bodyPr/>
-          <a:lstStyle/>
+          <a:bodyPr>
+            <a:normAutofit/>
+          </a:bodyPr>
+          <a:lstStyle>
+            <a:lvl1pPr>
+              <a:defRPr sz="1800"/>
+            </a:lvl1pPr>
+            <a:lvl2pPr>
+              <a:defRPr sz="1600"/>
+            </a:lvl2pPr>
+            <a:lvl3pPr>
+              <a:defRPr sz="1400"/>
+            </a:lvl3pPr>
+            <a:lvl4pPr>
+              <a:defRPr sz="1200"/>
+            </a:lvl4pPr>
+            <a:lvl5pPr>
+              <a:defRPr sz="1200"/>
+            </a:lvl5pPr>
+            <a:lvl6pPr>
+              <a:defRPr sz="1200"/>
+            </a:lvl6pPr>
+            <a:lvl7pPr>
+              <a:defRPr sz="1200"/>
+            </a:lvl7pPr>
+            <a:lvl8pPr>
+              <a:defRPr sz="1200"/>
+            </a:lvl8pPr>
+            <a:lvl9pPr>
+              <a:defRPr sz="1200"/>
+            </a:lvl9pPr>
+          </a:lstStyle>
           <a:p>
             <a:pPr lvl="0"/>
             <a:r>
@@ -1372,18 +3827,13 @@
               <a:rPr lang="en-US"/>
               <a:t>Fifth level</a:t>
             </a:r>
-          </a:p>
-        </p:txBody>
-      </p:sp>
-      <p:sp>
-        <p:nvSpPr>
-          <p:cNvPr id="5" name="Date Placeholder 4">
-            <a:extLst>
-              <a:ext uri="{FF2B5EF4-FFF2-40B4-BE49-F238E27FC236}">
-                <a16:creationId xmlns:a16="http://schemas.microsoft.com/office/drawing/2014/main" id="{8F4B071C-A631-4177-9CE1-6B1CB1AA8762}"/>
-              </a:ext>
-            </a:extLst>
-          </p:cNvPr>
+            <a:endParaRPr lang="en-US" dirty="0"/>
+          </a:p>
+        </p:txBody>
+      </p:sp>
+      <p:sp>
+        <p:nvSpPr>
+          <p:cNvPr id="5" name="Date Placeholder 4"/>
           <p:cNvSpPr>
             <a:spLocks noGrp="1"/>
           </p:cNvSpPr>
@@ -1406,13 +3856,7 @@
       </p:sp>
       <p:sp>
         <p:nvSpPr>
-          <p:cNvPr id="6" name="Footer Placeholder 5">
-            <a:extLst>
-              <a:ext uri="{FF2B5EF4-FFF2-40B4-BE49-F238E27FC236}">
-                <a16:creationId xmlns:a16="http://schemas.microsoft.com/office/drawing/2014/main" id="{7BE7698A-1C20-4639-A2A1-9A0E22879207}"/>
-              </a:ext>
-            </a:extLst>
-          </p:cNvPr>
+          <p:cNvPr id="6" name="Footer Placeholder 5"/>
           <p:cNvSpPr>
             <a:spLocks noGrp="1"/>
           </p:cNvSpPr>
@@ -1431,13 +3875,7 @@
       </p:sp>
       <p:sp>
         <p:nvSpPr>
-          <p:cNvPr id="7" name="Slide Number Placeholder 6">
-            <a:extLst>
-              <a:ext uri="{FF2B5EF4-FFF2-40B4-BE49-F238E27FC236}">
-                <a16:creationId xmlns:a16="http://schemas.microsoft.com/office/drawing/2014/main" id="{C14D5ED3-BA4A-47EB-92A4-68DDAB784375}"/>
-              </a:ext>
-            </a:extLst>
-          </p:cNvPr>
+          <p:cNvPr id="7" name="Slide Number Placeholder 6"/>
           <p:cNvSpPr>
             <a:spLocks noGrp="1"/>
           </p:cNvSpPr>
@@ -1461,7 +3899,7 @@
     </p:spTree>
     <p:extLst>
       <p:ext uri="{BB962C8B-B14F-4D97-AF65-F5344CB8AC3E}">
-        <p14:creationId xmlns:p14="http://schemas.microsoft.com/office/powerpoint/2010/main" val="2323290947"/>
+        <p14:creationId xmlns:p14="http://schemas.microsoft.com/office/powerpoint/2010/main" val="3263680534"/>
       </p:ext>
     </p:extLst>
   </p:cSld>
@@ -1490,65 +3928,61 @@
       </p:grpSpPr>
       <p:sp>
         <p:nvSpPr>
-          <p:cNvPr id="2" name="Title 1">
-            <a:extLst>
-              <a:ext uri="{FF2B5EF4-FFF2-40B4-BE49-F238E27FC236}">
-                <a16:creationId xmlns:a16="http://schemas.microsoft.com/office/drawing/2014/main" id="{A2E0CE4C-8717-4302-B921-5AFF1F0F8D8D}"/>
-              </a:ext>
-            </a:extLst>
-          </p:cNvPr>
+          <p:cNvPr id="2" name="Title 1"/>
           <p:cNvSpPr>
             <a:spLocks noGrp="1"/>
           </p:cNvSpPr>
           <p:nvPr>
             <p:ph type="title"/>
+          </p:nvPr>
+        </p:nvSpPr>
+        <p:spPr/>
+        <p:txBody>
+          <a:bodyPr/>
+          <a:lstStyle>
+            <a:lvl1pPr>
+              <a:defRPr/>
+            </a:lvl1pPr>
+          </a:lstStyle>
+          <a:p>
+            <a:r>
+              <a:rPr lang="en-US"/>
+              <a:t>Click to edit Master title style</a:t>
+            </a:r>
+            <a:endParaRPr lang="en-US" dirty="0"/>
+          </a:p>
+        </p:txBody>
+      </p:sp>
+      <p:sp>
+        <p:nvSpPr>
+          <p:cNvPr id="3" name="Text Placeholder 2"/>
+          <p:cNvSpPr>
+            <a:spLocks noGrp="1"/>
+          </p:cNvSpPr>
+          <p:nvPr>
+            <p:ph type="body" idx="1"/>
           </p:nvPr>
         </p:nvSpPr>
         <p:spPr>
           <a:xfrm>
-            <a:off x="839788" y="365125"/>
-            <a:ext cx="10515600" cy="1325563"/>
+            <a:off x="1772179" y="2658533"/>
+            <a:ext cx="4607188" cy="576262"/>
           </a:xfrm>
         </p:spPr>
         <p:txBody>
-          <a:bodyPr/>
-          <a:lstStyle/>
-          <a:p>
-            <a:r>
-              <a:rPr lang="en-US"/>
-              <a:t>Click to edit Master title style</a:t>
-            </a:r>
-          </a:p>
-        </p:txBody>
-      </p:sp>
-      <p:sp>
-        <p:nvSpPr>
-          <p:cNvPr id="3" name="Text Placeholder 2">
-            <a:extLst>
-              <a:ext uri="{FF2B5EF4-FFF2-40B4-BE49-F238E27FC236}">
-                <a16:creationId xmlns:a16="http://schemas.microsoft.com/office/drawing/2014/main" id="{9FA2E8E2-806F-4755-BC15-98EC46E1E0C5}"/>
-              </a:ext>
-            </a:extLst>
-          </p:cNvPr>
-          <p:cNvSpPr>
-            <a:spLocks noGrp="1"/>
-          </p:cNvSpPr>
-          <p:nvPr>
-            <p:ph type="body" idx="1"/>
-          </p:nvPr>
-        </p:nvSpPr>
-        <p:spPr>
-          <a:xfrm>
-            <a:off x="839788" y="1681163"/>
-            <a:ext cx="5157787" cy="823912"/>
-          </a:xfrm>
-        </p:spPr>
-        <p:txBody>
-          <a:bodyPr anchor="b"/>
+          <a:bodyPr anchor="b">
+            <a:noAutofit/>
+          </a:bodyPr>
           <a:lstStyle>
             <a:lvl1pPr marL="0" indent="0">
               <a:buNone/>
-              <a:defRPr sz="2400" b="1"/>
+              <a:defRPr sz="2800" b="0">
+                <a:solidFill>
+                  <a:schemeClr val="accent1">
+                    <a:lumMod val="75000"/>
+                  </a:schemeClr>
+                </a:solidFill>
+              </a:defRPr>
             </a:lvl1pPr>
             <a:lvl2pPr marL="457200" indent="0">
               <a:buNone/>
@@ -1594,13 +4028,7 @@
       </p:sp>
       <p:sp>
         <p:nvSpPr>
-          <p:cNvPr id="4" name="Content Placeholder 3">
-            <a:extLst>
-              <a:ext uri="{FF2B5EF4-FFF2-40B4-BE49-F238E27FC236}">
-                <a16:creationId xmlns:a16="http://schemas.microsoft.com/office/drawing/2014/main" id="{FACABD0F-9E95-43F1-A328-6C52D82D9850}"/>
-              </a:ext>
-            </a:extLst>
-          </p:cNvPr>
+          <p:cNvPr id="4" name="Content Placeholder 3"/>
           <p:cNvSpPr>
             <a:spLocks noGrp="1"/>
           </p:cNvSpPr>
@@ -1610,13 +4038,43 @@
         </p:nvSpPr>
         <p:spPr>
           <a:xfrm>
-            <a:off x="839788" y="2505075"/>
-            <a:ext cx="5157787" cy="3684588"/>
+            <a:off x="1484311" y="3335337"/>
+            <a:ext cx="4895056" cy="2455862"/>
           </a:xfrm>
         </p:spPr>
         <p:txBody>
-          <a:bodyPr/>
-          <a:lstStyle/>
+          <a:bodyPr anchor="t">
+            <a:normAutofit/>
+          </a:bodyPr>
+          <a:lstStyle>
+            <a:lvl1pPr>
+              <a:defRPr sz="1800"/>
+            </a:lvl1pPr>
+            <a:lvl2pPr>
+              <a:defRPr sz="1600"/>
+            </a:lvl2pPr>
+            <a:lvl3pPr>
+              <a:defRPr sz="1400"/>
+            </a:lvl3pPr>
+            <a:lvl4pPr>
+              <a:defRPr sz="1200"/>
+            </a:lvl4pPr>
+            <a:lvl5pPr>
+              <a:defRPr sz="1200"/>
+            </a:lvl5pPr>
+            <a:lvl6pPr>
+              <a:defRPr sz="1200"/>
+            </a:lvl6pPr>
+            <a:lvl7pPr>
+              <a:defRPr sz="1200"/>
+            </a:lvl7pPr>
+            <a:lvl8pPr>
+              <a:defRPr sz="1200"/>
+            </a:lvl8pPr>
+            <a:lvl9pPr>
+              <a:defRPr sz="1200"/>
+            </a:lvl9pPr>
+          </a:lstStyle>
           <a:p>
             <a:pPr lvl="0"/>
             <a:r>
@@ -1651,18 +4109,13 @@
               <a:rPr lang="en-US"/>
               <a:t>Fifth level</a:t>
             </a:r>
-          </a:p>
-        </p:txBody>
-      </p:sp>
-      <p:sp>
-        <p:nvSpPr>
-          <p:cNvPr id="5" name="Text Placeholder 4">
-            <a:extLst>
-              <a:ext uri="{FF2B5EF4-FFF2-40B4-BE49-F238E27FC236}">
-                <a16:creationId xmlns:a16="http://schemas.microsoft.com/office/drawing/2014/main" id="{447C073F-5D14-48D9-9EB1-6CA081CB33D5}"/>
-              </a:ext>
-            </a:extLst>
-          </p:cNvPr>
+            <a:endParaRPr lang="en-US" dirty="0"/>
+          </a:p>
+        </p:txBody>
+      </p:sp>
+      <p:sp>
+        <p:nvSpPr>
+          <p:cNvPr id="5" name="Text Placeholder 4"/>
           <p:cNvSpPr>
             <a:spLocks noGrp="1"/>
           </p:cNvSpPr>
@@ -1672,16 +4125,24 @@
         </p:nvSpPr>
         <p:spPr>
           <a:xfrm>
-            <a:off x="6172200" y="1681163"/>
-            <a:ext cx="5183188" cy="823912"/>
+            <a:off x="6880487" y="2667000"/>
+            <a:ext cx="4622537" cy="576262"/>
           </a:xfrm>
         </p:spPr>
         <p:txBody>
-          <a:bodyPr anchor="b"/>
+          <a:bodyPr anchor="b">
+            <a:noAutofit/>
+          </a:bodyPr>
           <a:lstStyle>
             <a:lvl1pPr marL="0" indent="0">
               <a:buNone/>
-              <a:defRPr sz="2400" b="1"/>
+              <a:defRPr sz="2800" b="0">
+                <a:solidFill>
+                  <a:schemeClr val="accent1">
+                    <a:lumMod val="75000"/>
+                  </a:schemeClr>
+                </a:solidFill>
+              </a:defRPr>
             </a:lvl1pPr>
             <a:lvl2pPr marL="457200" indent="0">
               <a:buNone/>
@@ -1727,13 +4188,7 @@
       </p:sp>
       <p:sp>
         <p:nvSpPr>
-          <p:cNvPr id="6" name="Content Placeholder 5">
-            <a:extLst>
-              <a:ext uri="{FF2B5EF4-FFF2-40B4-BE49-F238E27FC236}">
-                <a16:creationId xmlns:a16="http://schemas.microsoft.com/office/drawing/2014/main" id="{0A25D8C2-8441-4071-9A2E-D86A2411D2A1}"/>
-              </a:ext>
-            </a:extLst>
-          </p:cNvPr>
+          <p:cNvPr id="6" name="Content Placeholder 5"/>
           <p:cNvSpPr>
             <a:spLocks noGrp="1"/>
           </p:cNvSpPr>
@@ -1743,13 +4198,43 @@
         </p:nvSpPr>
         <p:spPr>
           <a:xfrm>
-            <a:off x="6172200" y="2505075"/>
-            <a:ext cx="5183188" cy="3684588"/>
+            <a:off x="6607967" y="3335337"/>
+            <a:ext cx="4895056" cy="2455862"/>
           </a:xfrm>
         </p:spPr>
         <p:txBody>
-          <a:bodyPr/>
-          <a:lstStyle/>
+          <a:bodyPr anchor="t">
+            <a:normAutofit/>
+          </a:bodyPr>
+          <a:lstStyle>
+            <a:lvl1pPr>
+              <a:defRPr sz="1800"/>
+            </a:lvl1pPr>
+            <a:lvl2pPr>
+              <a:defRPr sz="1600"/>
+            </a:lvl2pPr>
+            <a:lvl3pPr>
+              <a:defRPr sz="1400"/>
+            </a:lvl3pPr>
+            <a:lvl4pPr>
+              <a:defRPr sz="1200"/>
+            </a:lvl4pPr>
+            <a:lvl5pPr>
+              <a:defRPr sz="1200"/>
+            </a:lvl5pPr>
+            <a:lvl6pPr>
+              <a:defRPr sz="1200"/>
+            </a:lvl6pPr>
+            <a:lvl7pPr>
+              <a:defRPr sz="1200"/>
+            </a:lvl7pPr>
+            <a:lvl8pPr>
+              <a:defRPr sz="1200"/>
+            </a:lvl8pPr>
+            <a:lvl9pPr>
+              <a:defRPr sz="1200"/>
+            </a:lvl9pPr>
+          </a:lstStyle>
           <a:p>
             <a:pPr lvl="0"/>
             <a:r>
@@ -1784,18 +4269,13 @@
               <a:rPr lang="en-US"/>
               <a:t>Fifth level</a:t>
             </a:r>
-          </a:p>
-        </p:txBody>
-      </p:sp>
-      <p:sp>
-        <p:nvSpPr>
-          <p:cNvPr id="7" name="Date Placeholder 6">
-            <a:extLst>
-              <a:ext uri="{FF2B5EF4-FFF2-40B4-BE49-F238E27FC236}">
-                <a16:creationId xmlns:a16="http://schemas.microsoft.com/office/drawing/2014/main" id="{CF0BB4BA-DEC6-470D-9DE4-679C9DA28F80}"/>
-              </a:ext>
-            </a:extLst>
-          </p:cNvPr>
+            <a:endParaRPr lang="en-US" dirty="0"/>
+          </a:p>
+        </p:txBody>
+      </p:sp>
+      <p:sp>
+        <p:nvSpPr>
+          <p:cNvPr id="7" name="Date Placeholder 6"/>
           <p:cNvSpPr>
             <a:spLocks noGrp="1"/>
           </p:cNvSpPr>
@@ -1818,13 +4298,7 @@
       </p:sp>
       <p:sp>
         <p:nvSpPr>
-          <p:cNvPr id="8" name="Footer Placeholder 7">
-            <a:extLst>
-              <a:ext uri="{FF2B5EF4-FFF2-40B4-BE49-F238E27FC236}">
-                <a16:creationId xmlns:a16="http://schemas.microsoft.com/office/drawing/2014/main" id="{81B24AD3-A913-49F2-B57C-D7F392D81F27}"/>
-              </a:ext>
-            </a:extLst>
-          </p:cNvPr>
+          <p:cNvPr id="8" name="Footer Placeholder 7"/>
           <p:cNvSpPr>
             <a:spLocks noGrp="1"/>
           </p:cNvSpPr>
@@ -1843,13 +4317,7 @@
       </p:sp>
       <p:sp>
         <p:nvSpPr>
-          <p:cNvPr id="9" name="Slide Number Placeholder 8">
-            <a:extLst>
-              <a:ext uri="{FF2B5EF4-FFF2-40B4-BE49-F238E27FC236}">
-                <a16:creationId xmlns:a16="http://schemas.microsoft.com/office/drawing/2014/main" id="{ADD67F6D-E039-429D-AA6A-1E4944192261}"/>
-              </a:ext>
-            </a:extLst>
-          </p:cNvPr>
+          <p:cNvPr id="9" name="Slide Number Placeholder 8"/>
           <p:cNvSpPr>
             <a:spLocks noGrp="1"/>
           </p:cNvSpPr>
@@ -1873,7 +4341,7 @@
     </p:spTree>
     <p:extLst>
       <p:ext uri="{BB962C8B-B14F-4D97-AF65-F5344CB8AC3E}">
-        <p14:creationId xmlns:p14="http://schemas.microsoft.com/office/powerpoint/2010/main" val="2464543049"/>
+        <p14:creationId xmlns:p14="http://schemas.microsoft.com/office/powerpoint/2010/main" val="770922131"/>
       </p:ext>
     </p:extLst>
   </p:cSld>
@@ -1902,13 +4370,7 @@
       </p:grpSpPr>
       <p:sp>
         <p:nvSpPr>
-          <p:cNvPr id="2" name="Title 1">
-            <a:extLst>
-              <a:ext uri="{FF2B5EF4-FFF2-40B4-BE49-F238E27FC236}">
-                <a16:creationId xmlns:a16="http://schemas.microsoft.com/office/drawing/2014/main" id="{9FE607FA-DE82-447E-8A4C-514CEF99518B}"/>
-              </a:ext>
-            </a:extLst>
-          </p:cNvPr>
+          <p:cNvPr id="2" name="Title 1"/>
           <p:cNvSpPr>
             <a:spLocks noGrp="1"/>
           </p:cNvSpPr>
@@ -1925,18 +4387,13 @@
               <a:rPr lang="en-US"/>
               <a:t>Click to edit Master title style</a:t>
             </a:r>
-          </a:p>
-        </p:txBody>
-      </p:sp>
-      <p:sp>
-        <p:nvSpPr>
-          <p:cNvPr id="3" name="Date Placeholder 2">
-            <a:extLst>
-              <a:ext uri="{FF2B5EF4-FFF2-40B4-BE49-F238E27FC236}">
-                <a16:creationId xmlns:a16="http://schemas.microsoft.com/office/drawing/2014/main" id="{03A42431-5893-4148-9337-BFFB599A0CB7}"/>
-              </a:ext>
-            </a:extLst>
-          </p:cNvPr>
+            <a:endParaRPr lang="en-US" dirty="0"/>
+          </a:p>
+        </p:txBody>
+      </p:sp>
+      <p:sp>
+        <p:nvSpPr>
+          <p:cNvPr id="3" name="Date Placeholder 2"/>
           <p:cNvSpPr>
             <a:spLocks noGrp="1"/>
           </p:cNvSpPr>
@@ -1959,13 +4416,7 @@
       </p:sp>
       <p:sp>
         <p:nvSpPr>
-          <p:cNvPr id="4" name="Footer Placeholder 3">
-            <a:extLst>
-              <a:ext uri="{FF2B5EF4-FFF2-40B4-BE49-F238E27FC236}">
-                <a16:creationId xmlns:a16="http://schemas.microsoft.com/office/drawing/2014/main" id="{2E48112F-D01D-4979-AE72-002C4A973482}"/>
-              </a:ext>
-            </a:extLst>
-          </p:cNvPr>
+          <p:cNvPr id="4" name="Footer Placeholder 3"/>
           <p:cNvSpPr>
             <a:spLocks noGrp="1"/>
           </p:cNvSpPr>
@@ -1984,13 +4435,7 @@
       </p:sp>
       <p:sp>
         <p:nvSpPr>
-          <p:cNvPr id="5" name="Slide Number Placeholder 4">
-            <a:extLst>
-              <a:ext uri="{FF2B5EF4-FFF2-40B4-BE49-F238E27FC236}">
-                <a16:creationId xmlns:a16="http://schemas.microsoft.com/office/drawing/2014/main" id="{FC0FD39B-DAEC-42E0-8D92-5684A033D7B2}"/>
-              </a:ext>
-            </a:extLst>
-          </p:cNvPr>
+          <p:cNvPr id="5" name="Slide Number Placeholder 4"/>
           <p:cNvSpPr>
             <a:spLocks noGrp="1"/>
           </p:cNvSpPr>
@@ -2014,7 +4459,7 @@
     </p:spTree>
     <p:extLst>
       <p:ext uri="{BB962C8B-B14F-4D97-AF65-F5344CB8AC3E}">
-        <p14:creationId xmlns:p14="http://schemas.microsoft.com/office/powerpoint/2010/main" val="767738329"/>
+        <p14:creationId xmlns:p14="http://schemas.microsoft.com/office/powerpoint/2010/main" val="1846976029"/>
       </p:ext>
     </p:extLst>
   </p:cSld>
@@ -2043,13 +4488,7 @@
       </p:grpSpPr>
       <p:sp>
         <p:nvSpPr>
-          <p:cNvPr id="2" name="Date Placeholder 1">
-            <a:extLst>
-              <a:ext uri="{FF2B5EF4-FFF2-40B4-BE49-F238E27FC236}">
-                <a16:creationId xmlns:a16="http://schemas.microsoft.com/office/drawing/2014/main" id="{2C71F863-32A4-4053-8B74-F8B24F692E02}"/>
-              </a:ext>
-            </a:extLst>
-          </p:cNvPr>
+          <p:cNvPr id="2" name="Date Placeholder 1"/>
           <p:cNvSpPr>
             <a:spLocks noGrp="1"/>
           </p:cNvSpPr>
@@ -2072,13 +4511,7 @@
       </p:sp>
       <p:sp>
         <p:nvSpPr>
-          <p:cNvPr id="3" name="Footer Placeholder 2">
-            <a:extLst>
-              <a:ext uri="{FF2B5EF4-FFF2-40B4-BE49-F238E27FC236}">
-                <a16:creationId xmlns:a16="http://schemas.microsoft.com/office/drawing/2014/main" id="{73BDF7FD-3D9B-491E-BB84-7E1962C0367D}"/>
-              </a:ext>
-            </a:extLst>
-          </p:cNvPr>
+          <p:cNvPr id="3" name="Footer Placeholder 2"/>
           <p:cNvSpPr>
             <a:spLocks noGrp="1"/>
           </p:cNvSpPr>
@@ -2097,13 +4530,7 @@
       </p:sp>
       <p:sp>
         <p:nvSpPr>
-          <p:cNvPr id="4" name="Slide Number Placeholder 3">
-            <a:extLst>
-              <a:ext uri="{FF2B5EF4-FFF2-40B4-BE49-F238E27FC236}">
-                <a16:creationId xmlns:a16="http://schemas.microsoft.com/office/drawing/2014/main" id="{32646D2C-BEE8-4E13-8BCA-7D037DE94BFC}"/>
-              </a:ext>
-            </a:extLst>
-          </p:cNvPr>
+          <p:cNvPr id="4" name="Slide Number Placeholder 3"/>
           <p:cNvSpPr>
             <a:spLocks noGrp="1"/>
           </p:cNvSpPr>
@@ -2127,7 +4554,7 @@
     </p:spTree>
     <p:extLst>
       <p:ext uri="{BB962C8B-B14F-4D97-AF65-F5344CB8AC3E}">
-        <p14:creationId xmlns:p14="http://schemas.microsoft.com/office/powerpoint/2010/main" val="4072831754"/>
+        <p14:creationId xmlns:p14="http://schemas.microsoft.com/office/powerpoint/2010/main" val="1956182293"/>
       </p:ext>
     </p:extLst>
   </p:cSld>
@@ -2156,13 +4583,7 @@
       </p:grpSpPr>
       <p:sp>
         <p:nvSpPr>
-          <p:cNvPr id="2" name="Title 1">
-            <a:extLst>
-              <a:ext uri="{FF2B5EF4-FFF2-40B4-BE49-F238E27FC236}">
-                <a16:creationId xmlns:a16="http://schemas.microsoft.com/office/drawing/2014/main" id="{033C0CFB-FFC4-48F6-9019-5E4B821BFF25}"/>
-              </a:ext>
-            </a:extLst>
-          </p:cNvPr>
+          <p:cNvPr id="2" name="Title 1"/>
           <p:cNvSpPr>
             <a:spLocks noGrp="1"/>
           </p:cNvSpPr>
@@ -2172,175 +4593,171 @@
         </p:nvSpPr>
         <p:spPr>
           <a:xfrm>
-            <a:off x="839788" y="457200"/>
-            <a:ext cx="3932237" cy="1600200"/>
+            <a:off x="1484312" y="1600200"/>
+            <a:ext cx="3549121" cy="1371600"/>
           </a:xfrm>
         </p:spPr>
         <p:txBody>
-          <a:bodyPr anchor="b"/>
+          <a:bodyPr anchor="b">
+            <a:normAutofit/>
+          </a:bodyPr>
+          <a:lstStyle>
+            <a:lvl1pPr algn="ctr">
+              <a:defRPr sz="2400" b="0"/>
+            </a:lvl1pPr>
+          </a:lstStyle>
+          <a:p>
+            <a:r>
+              <a:rPr lang="en-US"/>
+              <a:t>Click to edit Master title style</a:t>
+            </a:r>
+            <a:endParaRPr lang="en-US" dirty="0"/>
+          </a:p>
+        </p:txBody>
+      </p:sp>
+      <p:sp>
+        <p:nvSpPr>
+          <p:cNvPr id="3" name="Content Placeholder 2"/>
+          <p:cNvSpPr>
+            <a:spLocks noGrp="1"/>
+          </p:cNvSpPr>
+          <p:nvPr>
+            <p:ph idx="1"/>
+          </p:nvPr>
+        </p:nvSpPr>
+        <p:spPr>
+          <a:xfrm>
+            <a:off x="5262033" y="685799"/>
+            <a:ext cx="6240990" cy="5105401"/>
+          </a:xfrm>
+        </p:spPr>
+        <p:txBody>
+          <a:bodyPr anchor="ctr">
+            <a:normAutofit/>
+          </a:bodyPr>
           <a:lstStyle>
             <a:lvl1pPr>
-              <a:defRPr sz="3200"/>
+              <a:defRPr sz="2000"/>
             </a:lvl1pPr>
+            <a:lvl2pPr>
+              <a:defRPr sz="1800"/>
+            </a:lvl2pPr>
+            <a:lvl3pPr>
+              <a:defRPr sz="1600"/>
+            </a:lvl3pPr>
+            <a:lvl4pPr>
+              <a:defRPr sz="1400"/>
+            </a:lvl4pPr>
+            <a:lvl5pPr>
+              <a:defRPr sz="1400"/>
+            </a:lvl5pPr>
+            <a:lvl6pPr>
+              <a:defRPr sz="1400"/>
+            </a:lvl6pPr>
+            <a:lvl7pPr>
+              <a:defRPr sz="1400"/>
+            </a:lvl7pPr>
+            <a:lvl8pPr>
+              <a:defRPr sz="1400"/>
+            </a:lvl8pPr>
+            <a:lvl9pPr>
+              <a:defRPr sz="1400"/>
+            </a:lvl9pPr>
           </a:lstStyle>
           <a:p>
-            <a:r>
-              <a:rPr lang="en-US"/>
-              <a:t>Click to edit Master title style</a:t>
-            </a:r>
-          </a:p>
-        </p:txBody>
-      </p:sp>
-      <p:sp>
-        <p:nvSpPr>
-          <p:cNvPr id="3" name="Content Placeholder 2">
-            <a:extLst>
-              <a:ext uri="{FF2B5EF4-FFF2-40B4-BE49-F238E27FC236}">
-                <a16:creationId xmlns:a16="http://schemas.microsoft.com/office/drawing/2014/main" id="{BE5A0508-D273-4325-94C6-E0CDE71AF405}"/>
-              </a:ext>
-            </a:extLst>
-          </p:cNvPr>
-          <p:cNvSpPr>
-            <a:spLocks noGrp="1"/>
-          </p:cNvSpPr>
-          <p:nvPr>
-            <p:ph idx="1"/>
+            <a:pPr lvl="0"/>
+            <a:r>
+              <a:rPr lang="en-US"/>
+              <a:t>Click to edit Master text styles</a:t>
+            </a:r>
+          </a:p>
+          <a:p>
+            <a:pPr lvl="1"/>
+            <a:r>
+              <a:rPr lang="en-US"/>
+              <a:t>Second level</a:t>
+            </a:r>
+          </a:p>
+          <a:p>
+            <a:pPr lvl="2"/>
+            <a:r>
+              <a:rPr lang="en-US"/>
+              <a:t>Third level</a:t>
+            </a:r>
+          </a:p>
+          <a:p>
+            <a:pPr lvl="3"/>
+            <a:r>
+              <a:rPr lang="en-US"/>
+              <a:t>Fourth level</a:t>
+            </a:r>
+          </a:p>
+          <a:p>
+            <a:pPr lvl="4"/>
+            <a:r>
+              <a:rPr lang="en-US"/>
+              <a:t>Fifth level</a:t>
+            </a:r>
+            <a:endParaRPr lang="en-US" dirty="0"/>
+          </a:p>
+        </p:txBody>
+      </p:sp>
+      <p:sp>
+        <p:nvSpPr>
+          <p:cNvPr id="4" name="Text Placeholder 3"/>
+          <p:cNvSpPr>
+            <a:spLocks noGrp="1"/>
+          </p:cNvSpPr>
+          <p:nvPr>
+            <p:ph type="body" sz="half" idx="2"/>
           </p:nvPr>
         </p:nvSpPr>
         <p:spPr>
           <a:xfrm>
-            <a:off x="5183188" y="987425"/>
-            <a:ext cx="6172200" cy="4873625"/>
+            <a:off x="1484312" y="2971800"/>
+            <a:ext cx="3549121" cy="1828800"/>
           </a:xfrm>
         </p:spPr>
         <p:txBody>
-          <a:bodyPr/>
+          <a:bodyPr>
+            <a:normAutofit/>
+          </a:bodyPr>
           <a:lstStyle>
-            <a:lvl1pPr>
-              <a:defRPr sz="3200"/>
-            </a:lvl1pPr>
-            <a:lvl2pPr>
-              <a:defRPr sz="2800"/>
-            </a:lvl2pPr>
-            <a:lvl3pPr>
-              <a:defRPr sz="2400"/>
-            </a:lvl3pPr>
-            <a:lvl4pPr>
-              <a:defRPr sz="2000"/>
-            </a:lvl4pPr>
-            <a:lvl5pPr>
-              <a:defRPr sz="2000"/>
-            </a:lvl5pPr>
-            <a:lvl6pPr>
-              <a:defRPr sz="2000"/>
-            </a:lvl6pPr>
-            <a:lvl7pPr>
-              <a:defRPr sz="2000"/>
-            </a:lvl7pPr>
-            <a:lvl8pPr>
-              <a:defRPr sz="2000"/>
-            </a:lvl8pPr>
-            <a:lvl9pPr>
-              <a:defRPr sz="2000"/>
-            </a:lvl9pPr>
-          </a:lstStyle>
-          <a:p>
-            <a:pPr lvl="0"/>
-            <a:r>
-              <a:rPr lang="en-US"/>
-              <a:t>Click to edit Master text styles</a:t>
-            </a:r>
-          </a:p>
-          <a:p>
-            <a:pPr lvl="1"/>
-            <a:r>
-              <a:rPr lang="en-US"/>
-              <a:t>Second level</a:t>
-            </a:r>
-          </a:p>
-          <a:p>
-            <a:pPr lvl="2"/>
-            <a:r>
-              <a:rPr lang="en-US"/>
-              <a:t>Third level</a:t>
-            </a:r>
-          </a:p>
-          <a:p>
-            <a:pPr lvl="3"/>
-            <a:r>
-              <a:rPr lang="en-US"/>
-              <a:t>Fourth level</a:t>
-            </a:r>
-          </a:p>
-          <a:p>
-            <a:pPr lvl="4"/>
-            <a:r>
-              <a:rPr lang="en-US"/>
-              <a:t>Fifth level</a:t>
-            </a:r>
-          </a:p>
-        </p:txBody>
-      </p:sp>
-      <p:sp>
-        <p:nvSpPr>
-          <p:cNvPr id="4" name="Text Placeholder 3">
-            <a:extLst>
-              <a:ext uri="{FF2B5EF4-FFF2-40B4-BE49-F238E27FC236}">
-                <a16:creationId xmlns:a16="http://schemas.microsoft.com/office/drawing/2014/main" id="{27E7235C-1ACE-42D3-9ADA-7706391E4541}"/>
-              </a:ext>
-            </a:extLst>
-          </p:cNvPr>
-          <p:cNvSpPr>
-            <a:spLocks noGrp="1"/>
-          </p:cNvSpPr>
-          <p:nvPr>
-            <p:ph type="body" sz="half" idx="2"/>
-          </p:nvPr>
-        </p:nvSpPr>
-        <p:spPr>
-          <a:xfrm>
-            <a:off x="839788" y="2057400"/>
-            <a:ext cx="3932237" cy="3811588"/>
-          </a:xfrm>
-        </p:spPr>
-        <p:txBody>
-          <a:bodyPr/>
-          <a:lstStyle>
-            <a:lvl1pPr marL="0" indent="0">
+            <a:lvl1pPr marL="0" indent="0" algn="ctr">
               <a:buNone/>
               <a:defRPr sz="1600"/>
             </a:lvl1pPr>
             <a:lvl2pPr marL="457200" indent="0">
               <a:buNone/>
-              <a:defRPr sz="1400"/>
+              <a:defRPr sz="1200"/>
             </a:lvl2pPr>
             <a:lvl3pPr marL="914400" indent="0">
               <a:buNone/>
-              <a:defRPr sz="1200"/>
+              <a:defRPr sz="1000"/>
             </a:lvl3pPr>
             <a:lvl4pPr marL="1371600" indent="0">
               <a:buNone/>
-              <a:defRPr sz="1000"/>
+              <a:defRPr sz="900"/>
             </a:lvl4pPr>
             <a:lvl5pPr marL="1828800" indent="0">
               <a:buNone/>
-              <a:defRPr sz="1000"/>
+              <a:defRPr sz="900"/>
             </a:lvl5pPr>
             <a:lvl6pPr marL="2286000" indent="0">
               <a:buNone/>
-              <a:defRPr sz="1000"/>
+              <a:defRPr sz="900"/>
             </a:lvl6pPr>
             <a:lvl7pPr marL="2743200" indent="0">
               <a:buNone/>
-              <a:defRPr sz="1000"/>
+              <a:defRPr sz="900"/>
             </a:lvl7pPr>
             <a:lvl8pPr marL="3200400" indent="0">
               <a:buNone/>
-              <a:defRPr sz="1000"/>
+              <a:defRPr sz="900"/>
             </a:lvl8pPr>
             <a:lvl9pPr marL="3657600" indent="0">
               <a:buNone/>
-              <a:defRPr sz="1000"/>
+              <a:defRPr sz="900"/>
             </a:lvl9pPr>
           </a:lstStyle>
           <a:p>
@@ -2354,13 +4771,7 @@
       </p:sp>
       <p:sp>
         <p:nvSpPr>
-          <p:cNvPr id="5" name="Date Placeholder 4">
-            <a:extLst>
-              <a:ext uri="{FF2B5EF4-FFF2-40B4-BE49-F238E27FC236}">
-                <a16:creationId xmlns:a16="http://schemas.microsoft.com/office/drawing/2014/main" id="{B2446578-736B-4160-A60E-180E05150AB3}"/>
-              </a:ext>
-            </a:extLst>
-          </p:cNvPr>
+          <p:cNvPr id="5" name="Date Placeholder 4"/>
           <p:cNvSpPr>
             <a:spLocks noGrp="1"/>
           </p:cNvSpPr>
@@ -2383,13 +4794,7 @@
       </p:sp>
       <p:sp>
         <p:nvSpPr>
-          <p:cNvPr id="6" name="Footer Placeholder 5">
-            <a:extLst>
-              <a:ext uri="{FF2B5EF4-FFF2-40B4-BE49-F238E27FC236}">
-                <a16:creationId xmlns:a16="http://schemas.microsoft.com/office/drawing/2014/main" id="{805DDE74-33C7-40DC-B6E2-EBEA1699E5D0}"/>
-              </a:ext>
-            </a:extLst>
-          </p:cNvPr>
+          <p:cNvPr id="6" name="Footer Placeholder 5"/>
           <p:cNvSpPr>
             <a:spLocks noGrp="1"/>
           </p:cNvSpPr>
@@ -2408,13 +4813,7 @@
       </p:sp>
       <p:sp>
         <p:nvSpPr>
-          <p:cNvPr id="7" name="Slide Number Placeholder 6">
-            <a:extLst>
-              <a:ext uri="{FF2B5EF4-FFF2-40B4-BE49-F238E27FC236}">
-                <a16:creationId xmlns:a16="http://schemas.microsoft.com/office/drawing/2014/main" id="{543E0798-5F65-48AD-85E4-09E80A5DB8FE}"/>
-              </a:ext>
-            </a:extLst>
-          </p:cNvPr>
+          <p:cNvPr id="7" name="Slide Number Placeholder 6"/>
           <p:cNvSpPr>
             <a:spLocks noGrp="1"/>
           </p:cNvSpPr>
@@ -2438,7 +4837,7 @@
     </p:spTree>
     <p:extLst>
       <p:ext uri="{BB962C8B-B14F-4D97-AF65-F5344CB8AC3E}">
-        <p14:creationId xmlns:p14="http://schemas.microsoft.com/office/powerpoint/2010/main" val="1577593533"/>
+        <p14:creationId xmlns:p14="http://schemas.microsoft.com/office/powerpoint/2010/main" val="687578743"/>
       </p:ext>
     </p:extLst>
   </p:cSld>
@@ -2467,13 +4866,7 @@
       </p:grpSpPr>
       <p:sp>
         <p:nvSpPr>
-          <p:cNvPr id="2" name="Title 1">
-            <a:extLst>
-              <a:ext uri="{FF2B5EF4-FFF2-40B4-BE49-F238E27FC236}">
-                <a16:creationId xmlns:a16="http://schemas.microsoft.com/office/drawing/2014/main" id="{A82B4E92-40FF-4380-9ED0-A62886DB9DF4}"/>
-              </a:ext>
-            </a:extLst>
-          </p:cNvPr>
+          <p:cNvPr id="2" name="Title 1"/>
           <p:cNvSpPr>
             <a:spLocks noGrp="1"/>
           </p:cNvSpPr>
@@ -2483,15 +4876,17 @@
         </p:nvSpPr>
         <p:spPr>
           <a:xfrm>
-            <a:off x="839788" y="457200"/>
-            <a:ext cx="3932237" cy="1600200"/>
+            <a:off x="1482724" y="1752599"/>
+            <a:ext cx="5426158" cy="1371600"/>
           </a:xfrm>
         </p:spPr>
         <p:txBody>
-          <a:bodyPr anchor="b"/>
+          <a:bodyPr anchor="b">
+            <a:normAutofit/>
+          </a:bodyPr>
           <a:lstStyle>
-            <a:lvl1pPr>
-              <a:defRPr sz="3200"/>
+            <a:lvl1pPr algn="ctr">
+              <a:defRPr sz="2800" b="0"/>
             </a:lvl1pPr>
           </a:lstStyle>
           <a:p>
@@ -2499,20 +4894,15 @@
               <a:rPr lang="en-US"/>
               <a:t>Click to edit Master title style</a:t>
             </a:r>
-          </a:p>
-        </p:txBody>
-      </p:sp>
-      <p:sp>
-        <p:nvSpPr>
-          <p:cNvPr id="3" name="Picture Placeholder 2">
-            <a:extLst>
-              <a:ext uri="{FF2B5EF4-FFF2-40B4-BE49-F238E27FC236}">
-                <a16:creationId xmlns:a16="http://schemas.microsoft.com/office/drawing/2014/main" id="{4A22E951-6A44-4BEE-B199-1EE1070EC11D}"/>
-              </a:ext>
-            </a:extLst>
-          </p:cNvPr>
-          <p:cNvSpPr>
-            <a:spLocks noGrp="1"/>
+            <a:endParaRPr lang="en-US" dirty="0"/>
+          </a:p>
+        </p:txBody>
+      </p:sp>
+      <p:sp>
+        <p:nvSpPr>
+          <p:cNvPr id="14" name="Picture Placeholder 2"/>
+          <p:cNvSpPr>
+            <a:spLocks noGrp="1" noChangeAspect="1"/>
           </p:cNvSpPr>
           <p:nvPr>
             <p:ph type="pic" idx="1"/>
@@ -2520,118 +4910,148 @@
         </p:nvSpPr>
         <p:spPr>
           <a:xfrm>
-            <a:off x="5183188" y="987425"/>
-            <a:ext cx="6172200" cy="4873625"/>
+            <a:off x="7594682" y="914400"/>
+            <a:ext cx="3280974" cy="4572000"/>
           </a:xfrm>
+          <a:prstGeom prst="roundRect">
+            <a:avLst>
+              <a:gd name="adj" fmla="val 4280"/>
+            </a:avLst>
+          </a:prstGeom>
+          <a:ln w="38100">
+            <a:gradFill flip="none" rotWithShape="1">
+              <a:gsLst>
+                <a:gs pos="0">
+                  <a:schemeClr val="bg2"/>
+                </a:gs>
+                <a:gs pos="100000">
+                  <a:schemeClr val="bg2">
+                    <a:lumMod val="75000"/>
+                  </a:schemeClr>
+                </a:gs>
+              </a:gsLst>
+              <a:lin ang="5400000" scaled="0"/>
+              <a:tileRect/>
+            </a:gradFill>
+          </a:ln>
+          <a:effectLst>
+            <a:innerShdw blurRad="57150" dist="38100" dir="14460000">
+              <a:srgbClr val="000000">
+                <a:alpha val="70000"/>
+              </a:srgbClr>
+            </a:innerShdw>
+          </a:effectLst>
         </p:spPr>
         <p:txBody>
-          <a:bodyPr/>
+          <a:bodyPr anchor="t">
+            <a:normAutofit/>
+          </a:bodyPr>
           <a:lstStyle>
-            <a:lvl1pPr marL="0" indent="0">
-              <a:buNone/>
-              <a:defRPr sz="3200"/>
-            </a:lvl1pPr>
-            <a:lvl2pPr marL="457200" indent="0">
-              <a:buNone/>
-              <a:defRPr sz="2800"/>
-            </a:lvl2pPr>
-            <a:lvl3pPr marL="914400" indent="0">
-              <a:buNone/>
-              <a:defRPr sz="2400"/>
-            </a:lvl3pPr>
-            <a:lvl4pPr marL="1371600" indent="0">
-              <a:buNone/>
-              <a:defRPr sz="2000"/>
-            </a:lvl4pPr>
-            <a:lvl5pPr marL="1828800" indent="0">
-              <a:buNone/>
-              <a:defRPr sz="2000"/>
-            </a:lvl5pPr>
-            <a:lvl6pPr marL="2286000" indent="0">
-              <a:buNone/>
-              <a:defRPr sz="2000"/>
-            </a:lvl6pPr>
-            <a:lvl7pPr marL="2743200" indent="0">
-              <a:buNone/>
-              <a:defRPr sz="2000"/>
-            </a:lvl7pPr>
-            <a:lvl8pPr marL="3200400" indent="0">
-              <a:buNone/>
-              <a:defRPr sz="2000"/>
-            </a:lvl8pPr>
-            <a:lvl9pPr marL="3657600" indent="0">
-              <a:buNone/>
-              <a:defRPr sz="2000"/>
-            </a:lvl9pPr>
-          </a:lstStyle>
-          <a:p>
-            <a:endParaRPr lang="en-US"/>
-          </a:p>
-        </p:txBody>
-      </p:sp>
-      <p:sp>
-        <p:nvSpPr>
-          <p:cNvPr id="4" name="Text Placeholder 3">
-            <a:extLst>
-              <a:ext uri="{FF2B5EF4-FFF2-40B4-BE49-F238E27FC236}">
-                <a16:creationId xmlns:a16="http://schemas.microsoft.com/office/drawing/2014/main" id="{40A80BEE-C20B-4C67-B834-2BF399519796}"/>
-              </a:ext>
-            </a:extLst>
-          </p:cNvPr>
-          <p:cNvSpPr>
-            <a:spLocks noGrp="1"/>
-          </p:cNvSpPr>
-          <p:nvPr>
-            <p:ph type="body" sz="half" idx="2"/>
-          </p:nvPr>
-        </p:nvSpPr>
-        <p:spPr>
-          <a:xfrm>
-            <a:off x="839788" y="2057400"/>
-            <a:ext cx="3932237" cy="3811588"/>
-          </a:xfrm>
-        </p:spPr>
-        <p:txBody>
-          <a:bodyPr/>
-          <a:lstStyle>
-            <a:lvl1pPr marL="0" indent="0">
+            <a:lvl1pPr marL="0" indent="0" algn="ctr">
               <a:buNone/>
               <a:defRPr sz="1600"/>
             </a:lvl1pPr>
             <a:lvl2pPr marL="457200" indent="0">
               <a:buNone/>
-              <a:defRPr sz="1400"/>
+              <a:defRPr sz="1600"/>
             </a:lvl2pPr>
             <a:lvl3pPr marL="914400" indent="0">
               <a:buNone/>
-              <a:defRPr sz="1200"/>
+              <a:defRPr sz="1600"/>
             </a:lvl3pPr>
             <a:lvl4pPr marL="1371600" indent="0">
               <a:buNone/>
-              <a:defRPr sz="1000"/>
+              <a:defRPr sz="1600"/>
             </a:lvl4pPr>
             <a:lvl5pPr marL="1828800" indent="0">
               <a:buNone/>
-              <a:defRPr sz="1000"/>
+              <a:defRPr sz="1600"/>
             </a:lvl5pPr>
             <a:lvl6pPr marL="2286000" indent="0">
               <a:buNone/>
-              <a:defRPr sz="1000"/>
+              <a:defRPr sz="1600"/>
             </a:lvl6pPr>
             <a:lvl7pPr marL="2743200" indent="0">
               <a:buNone/>
-              <a:defRPr sz="1000"/>
+              <a:defRPr sz="1600"/>
             </a:lvl7pPr>
             <a:lvl8pPr marL="3200400" indent="0">
               <a:buNone/>
-              <a:defRPr sz="1000"/>
+              <a:defRPr sz="1600"/>
             </a:lvl8pPr>
             <a:lvl9pPr marL="3657600" indent="0">
               <a:buNone/>
-              <a:defRPr sz="1000"/>
+              <a:defRPr sz="1600"/>
             </a:lvl9pPr>
           </a:lstStyle>
           <a:p>
+            <a:r>
+              <a:rPr lang="en-US"/>
+              <a:t>Click icon to add picture</a:t>
+            </a:r>
+            <a:endParaRPr lang="en-US" dirty="0"/>
+          </a:p>
+        </p:txBody>
+      </p:sp>
+      <p:sp>
+        <p:nvSpPr>
+          <p:cNvPr id="4" name="Text Placeholder 3"/>
+          <p:cNvSpPr>
+            <a:spLocks noGrp="1"/>
+          </p:cNvSpPr>
+          <p:nvPr>
+            <p:ph type="body" sz="half" idx="2"/>
+          </p:nvPr>
+        </p:nvSpPr>
+        <p:spPr>
+          <a:xfrm>
+            <a:off x="1482724" y="3124199"/>
+            <a:ext cx="5426158" cy="1828800"/>
+          </a:xfrm>
+        </p:spPr>
+        <p:txBody>
+          <a:bodyPr>
+            <a:normAutofit/>
+          </a:bodyPr>
+          <a:lstStyle>
+            <a:lvl1pPr marL="0" indent="0" algn="ctr">
+              <a:buNone/>
+              <a:defRPr sz="1800"/>
+            </a:lvl1pPr>
+            <a:lvl2pPr marL="457200" indent="0">
+              <a:buNone/>
+              <a:defRPr sz="1200"/>
+            </a:lvl2pPr>
+            <a:lvl3pPr marL="914400" indent="0">
+              <a:buNone/>
+              <a:defRPr sz="1000"/>
+            </a:lvl3pPr>
+            <a:lvl4pPr marL="1371600" indent="0">
+              <a:buNone/>
+              <a:defRPr sz="900"/>
+            </a:lvl4pPr>
+            <a:lvl5pPr marL="1828800" indent="0">
+              <a:buNone/>
+              <a:defRPr sz="900"/>
+            </a:lvl5pPr>
+            <a:lvl6pPr marL="2286000" indent="0">
+              <a:buNone/>
+              <a:defRPr sz="900"/>
+            </a:lvl6pPr>
+            <a:lvl7pPr marL="2743200" indent="0">
+              <a:buNone/>
+              <a:defRPr sz="900"/>
+            </a:lvl7pPr>
+            <a:lvl8pPr marL="3200400" indent="0">
+              <a:buNone/>
+              <a:defRPr sz="900"/>
+            </a:lvl8pPr>
+            <a:lvl9pPr marL="3657600" indent="0">
+              <a:buNone/>
+              <a:defRPr sz="900"/>
+            </a:lvl9pPr>
+          </a:lstStyle>
+          <a:p>
             <a:pPr lvl="0"/>
             <a:r>
               <a:rPr lang="en-US"/>
@@ -2642,13 +5062,7 @@
       </p:sp>
       <p:sp>
         <p:nvSpPr>
-          <p:cNvPr id="5" name="Date Placeholder 4">
-            <a:extLst>
-              <a:ext uri="{FF2B5EF4-FFF2-40B4-BE49-F238E27FC236}">
-                <a16:creationId xmlns:a16="http://schemas.microsoft.com/office/drawing/2014/main" id="{14E06042-2D94-41DB-B430-184BE4B69F4A}"/>
-              </a:ext>
-            </a:extLst>
-          </p:cNvPr>
+          <p:cNvPr id="5" name="Date Placeholder 4"/>
           <p:cNvSpPr>
             <a:spLocks noGrp="1"/>
           </p:cNvSpPr>
@@ -2671,13 +5085,7 @@
       </p:sp>
       <p:sp>
         <p:nvSpPr>
-          <p:cNvPr id="6" name="Footer Placeholder 5">
-            <a:extLst>
-              <a:ext uri="{FF2B5EF4-FFF2-40B4-BE49-F238E27FC236}">
-                <a16:creationId xmlns:a16="http://schemas.microsoft.com/office/drawing/2014/main" id="{2CA755E0-7FE9-4D2E-8D62-1103AAC37A2D}"/>
-              </a:ext>
-            </a:extLst>
-          </p:cNvPr>
+          <p:cNvPr id="6" name="Footer Placeholder 5"/>
           <p:cNvSpPr>
             <a:spLocks noGrp="1"/>
           </p:cNvSpPr>
@@ -2696,13 +5104,7 @@
       </p:sp>
       <p:sp>
         <p:nvSpPr>
-          <p:cNvPr id="7" name="Slide Number Placeholder 6">
-            <a:extLst>
-              <a:ext uri="{FF2B5EF4-FFF2-40B4-BE49-F238E27FC236}">
-                <a16:creationId xmlns:a16="http://schemas.microsoft.com/office/drawing/2014/main" id="{7F0761BE-3142-493A-91C0-4D9EDF30A1F9}"/>
-              </a:ext>
-            </a:extLst>
-          </p:cNvPr>
+          <p:cNvPr id="7" name="Slide Number Placeholder 6"/>
           <p:cNvSpPr>
             <a:spLocks noGrp="1"/>
           </p:cNvSpPr>
@@ -2726,7 +5128,7 @@
     </p:spTree>
     <p:extLst>
       <p:ext uri="{BB962C8B-B14F-4D97-AF65-F5344CB8AC3E}">
-        <p14:creationId xmlns:p14="http://schemas.microsoft.com/office/powerpoint/2010/main" val="1913600257"/>
+        <p14:creationId xmlns:p14="http://schemas.microsoft.com/office/powerpoint/2010/main" val="3817855854"/>
       </p:ext>
     </p:extLst>
   </p:cSld>
@@ -2740,8 +5142,8 @@
 <p:sldMaster xmlns:a="http://schemas.openxmlformats.org/drawingml/2006/main" xmlns:r="http://schemas.openxmlformats.org/officeDocument/2006/relationships" xmlns:p="http://schemas.openxmlformats.org/presentationml/2006/main">
   <p:cSld>
     <p:bg>
-      <p:bgRef idx="1001">
-        <a:schemeClr val="bg1"/>
+      <p:bgRef idx="1003">
+        <a:schemeClr val="bg2"/>
       </p:bgRef>
     </p:bg>
     <p:spTree>
@@ -2758,15 +5160,325 @@
           <a:chExt cx="0" cy="0"/>
         </a:xfrm>
       </p:grpSpPr>
-      <p:sp>
-        <p:nvSpPr>
-          <p:cNvPr id="2" name="Title Placeholder 1">
-            <a:extLst>
-              <a:ext uri="{FF2B5EF4-FFF2-40B4-BE49-F238E27FC236}">
-                <a16:creationId xmlns:a16="http://schemas.microsoft.com/office/drawing/2014/main" id="{77609C76-3DF9-4DEC-B7C0-5C5B61058A07}"/>
-              </a:ext>
-            </a:extLst>
-          </p:cNvPr>
+      <p:grpSp>
+        <p:nvGrpSpPr>
+          <p:cNvPr id="7" name="Group 6"/>
+          <p:cNvGrpSpPr/>
+          <p:nvPr/>
+        </p:nvGrpSpPr>
+        <p:grpSpPr>
+          <a:xfrm>
+            <a:off x="150812" y="0"/>
+            <a:ext cx="2436813" cy="6858001"/>
+            <a:chOff x="1320800" y="0"/>
+            <a:chExt cx="2436813" cy="6858001"/>
+          </a:xfrm>
+        </p:grpSpPr>
+        <p:sp>
+          <p:nvSpPr>
+            <p:cNvPr id="8" name="Freeform 6"/>
+            <p:cNvSpPr/>
+            <p:nvPr/>
+          </p:nvSpPr>
+          <p:spPr bwMode="auto">
+            <a:xfrm>
+              <a:off x="1627188" y="0"/>
+              <a:ext cx="1122363" cy="5329238"/>
+            </a:xfrm>
+            <a:custGeom>
+              <a:avLst/>
+              <a:gdLst/>
+              <a:ahLst/>
+              <a:cxnLst/>
+              <a:rect l="0" t="0" r="r" b="b"/>
+              <a:pathLst>
+                <a:path w="707" h="3357">
+                  <a:moveTo>
+                    <a:pt x="0" y="3330"/>
+                  </a:moveTo>
+                  <a:lnTo>
+                    <a:pt x="156" y="3357"/>
+                  </a:lnTo>
+                  <a:lnTo>
+                    <a:pt x="707" y="0"/>
+                  </a:lnTo>
+                  <a:lnTo>
+                    <a:pt x="547" y="0"/>
+                  </a:lnTo>
+                  <a:lnTo>
+                    <a:pt x="0" y="3330"/>
+                  </a:lnTo>
+                  <a:close/>
+                </a:path>
+              </a:pathLst>
+            </a:custGeom>
+            <a:solidFill>
+              <a:schemeClr val="accent1"/>
+            </a:solidFill>
+            <a:ln>
+              <a:noFill/>
+            </a:ln>
+          </p:spPr>
+        </p:sp>
+        <p:sp>
+          <p:nvSpPr>
+            <p:cNvPr id="9" name="Freeform 7"/>
+            <p:cNvSpPr/>
+            <p:nvPr/>
+          </p:nvSpPr>
+          <p:spPr bwMode="auto">
+            <a:xfrm>
+              <a:off x="1320800" y="0"/>
+              <a:ext cx="1117600" cy="5276850"/>
+            </a:xfrm>
+            <a:custGeom>
+              <a:avLst/>
+              <a:gdLst/>
+              <a:ahLst/>
+              <a:cxnLst/>
+              <a:rect l="0" t="0" r="r" b="b"/>
+              <a:pathLst>
+                <a:path w="704" h="3324">
+                  <a:moveTo>
+                    <a:pt x="704" y="0"/>
+                  </a:moveTo>
+                  <a:lnTo>
+                    <a:pt x="545" y="0"/>
+                  </a:lnTo>
+                  <a:lnTo>
+                    <a:pt x="0" y="3300"/>
+                  </a:lnTo>
+                  <a:lnTo>
+                    <a:pt x="157" y="3324"/>
+                  </a:lnTo>
+                  <a:lnTo>
+                    <a:pt x="704" y="0"/>
+                  </a:lnTo>
+                  <a:close/>
+                </a:path>
+              </a:pathLst>
+            </a:custGeom>
+            <a:solidFill>
+              <a:schemeClr val="tx1">
+                <a:lumMod val="65000"/>
+                <a:lumOff val="35000"/>
+              </a:schemeClr>
+            </a:solidFill>
+            <a:ln>
+              <a:noFill/>
+            </a:ln>
+          </p:spPr>
+        </p:sp>
+        <p:sp>
+          <p:nvSpPr>
+            <p:cNvPr id="10" name="Freeform 8"/>
+            <p:cNvSpPr/>
+            <p:nvPr/>
+          </p:nvSpPr>
+          <p:spPr bwMode="auto">
+            <a:xfrm>
+              <a:off x="1320800" y="5238750"/>
+              <a:ext cx="1228725" cy="1619250"/>
+            </a:xfrm>
+            <a:custGeom>
+              <a:avLst/>
+              <a:gdLst/>
+              <a:ahLst/>
+              <a:cxnLst/>
+              <a:rect l="0" t="0" r="r" b="b"/>
+              <a:pathLst>
+                <a:path w="774" h="1020">
+                  <a:moveTo>
+                    <a:pt x="0" y="0"/>
+                  </a:moveTo>
+                  <a:lnTo>
+                    <a:pt x="740" y="1020"/>
+                  </a:lnTo>
+                  <a:lnTo>
+                    <a:pt x="774" y="1020"/>
+                  </a:lnTo>
+                  <a:lnTo>
+                    <a:pt x="0" y="0"/>
+                  </a:lnTo>
+                  <a:close/>
+                </a:path>
+              </a:pathLst>
+            </a:custGeom>
+            <a:solidFill>
+              <a:schemeClr val="tx1">
+                <a:lumMod val="85000"/>
+                <a:lumOff val="15000"/>
+              </a:schemeClr>
+            </a:solidFill>
+            <a:ln>
+              <a:noFill/>
+            </a:ln>
+          </p:spPr>
+        </p:sp>
+        <p:sp>
+          <p:nvSpPr>
+            <p:cNvPr id="11" name="Freeform 9"/>
+            <p:cNvSpPr/>
+            <p:nvPr/>
+          </p:nvSpPr>
+          <p:spPr bwMode="auto">
+            <a:xfrm>
+              <a:off x="1627188" y="5291138"/>
+              <a:ext cx="1495425" cy="1566863"/>
+            </a:xfrm>
+            <a:custGeom>
+              <a:avLst/>
+              <a:gdLst/>
+              <a:ahLst/>
+              <a:cxnLst/>
+              <a:rect l="0" t="0" r="r" b="b"/>
+              <a:pathLst>
+                <a:path w="942" h="987">
+                  <a:moveTo>
+                    <a:pt x="0" y="0"/>
+                  </a:moveTo>
+                  <a:lnTo>
+                    <a:pt x="909" y="987"/>
+                  </a:lnTo>
+                  <a:lnTo>
+                    <a:pt x="942" y="987"/>
+                  </a:lnTo>
+                  <a:lnTo>
+                    <a:pt x="0" y="0"/>
+                  </a:lnTo>
+                  <a:close/>
+                </a:path>
+              </a:pathLst>
+            </a:custGeom>
+            <a:solidFill>
+              <a:schemeClr val="accent1">
+                <a:lumMod val="50000"/>
+              </a:schemeClr>
+            </a:solidFill>
+            <a:ln>
+              <a:noFill/>
+            </a:ln>
+          </p:spPr>
+        </p:sp>
+        <p:sp>
+          <p:nvSpPr>
+            <p:cNvPr id="12" name="Freeform 10"/>
+            <p:cNvSpPr/>
+            <p:nvPr/>
+          </p:nvSpPr>
+          <p:spPr bwMode="auto">
+            <a:xfrm>
+              <a:off x="1627188" y="5286375"/>
+              <a:ext cx="2130425" cy="1571625"/>
+            </a:xfrm>
+            <a:custGeom>
+              <a:avLst/>
+              <a:gdLst/>
+              <a:ahLst/>
+              <a:cxnLst/>
+              <a:rect l="0" t="0" r="r" b="b"/>
+              <a:pathLst>
+                <a:path w="1342" h="990">
+                  <a:moveTo>
+                    <a:pt x="0" y="3"/>
+                  </a:moveTo>
+                  <a:lnTo>
+                    <a:pt x="942" y="990"/>
+                  </a:lnTo>
+                  <a:lnTo>
+                    <a:pt x="1342" y="990"/>
+                  </a:lnTo>
+                  <a:lnTo>
+                    <a:pt x="156" y="27"/>
+                  </a:lnTo>
+                  <a:lnTo>
+                    <a:pt x="0" y="0"/>
+                  </a:lnTo>
+                  <a:lnTo>
+                    <a:pt x="0" y="3"/>
+                  </a:lnTo>
+                  <a:close/>
+                </a:path>
+              </a:pathLst>
+            </a:custGeom>
+            <a:solidFill>
+              <a:schemeClr val="accent1">
+                <a:lumMod val="75000"/>
+              </a:schemeClr>
+            </a:solidFill>
+            <a:ln>
+              <a:noFill/>
+            </a:ln>
+          </p:spPr>
+        </p:sp>
+        <p:sp>
+          <p:nvSpPr>
+            <p:cNvPr id="13" name="Freeform 11"/>
+            <p:cNvSpPr/>
+            <p:nvPr/>
+          </p:nvSpPr>
+          <p:spPr bwMode="auto">
+            <a:xfrm>
+              <a:off x="1320800" y="5238750"/>
+              <a:ext cx="1695450" cy="1619250"/>
+            </a:xfrm>
+            <a:custGeom>
+              <a:avLst/>
+              <a:gdLst/>
+              <a:ahLst/>
+              <a:cxnLst/>
+              <a:rect l="0" t="0" r="r" b="b"/>
+              <a:pathLst>
+                <a:path w="1068" h="1020">
+                  <a:moveTo>
+                    <a:pt x="1068" y="1020"/>
+                  </a:moveTo>
+                  <a:lnTo>
+                    <a:pt x="184" y="60"/>
+                  </a:lnTo>
+                  <a:lnTo>
+                    <a:pt x="154" y="27"/>
+                  </a:lnTo>
+                  <a:lnTo>
+                    <a:pt x="157" y="27"/>
+                  </a:lnTo>
+                  <a:lnTo>
+                    <a:pt x="157" y="24"/>
+                  </a:lnTo>
+                  <a:lnTo>
+                    <a:pt x="154" y="24"/>
+                  </a:lnTo>
+                  <a:lnTo>
+                    <a:pt x="0" y="0"/>
+                  </a:lnTo>
+                  <a:lnTo>
+                    <a:pt x="0" y="0"/>
+                  </a:lnTo>
+                  <a:lnTo>
+                    <a:pt x="774" y="1020"/>
+                  </a:lnTo>
+                  <a:lnTo>
+                    <a:pt x="1068" y="1020"/>
+                  </a:lnTo>
+                  <a:close/>
+                </a:path>
+              </a:pathLst>
+            </a:custGeom>
+            <a:solidFill>
+              <a:schemeClr val="tx1">
+                <a:lumMod val="75000"/>
+                <a:lumOff val="25000"/>
+              </a:schemeClr>
+            </a:solidFill>
+            <a:ln>
+              <a:noFill/>
+            </a:ln>
+          </p:spPr>
+        </p:sp>
+      </p:grpSp>
+      <p:sp>
+        <p:nvSpPr>
+          <p:cNvPr id="2" name="Title Placeholder 1"/>
           <p:cNvSpPr>
             <a:spLocks noGrp="1"/>
           </p:cNvSpPr>
@@ -2776,8 +5488,42 @@
         </p:nvSpPr>
         <p:spPr>
           <a:xfrm>
-            <a:off x="838200" y="365125"/>
-            <a:ext cx="10515600" cy="1325563"/>
+            <a:off x="1484311" y="685800"/>
+            <a:ext cx="10018713" cy="1752599"/>
+          </a:xfrm>
+          <a:prstGeom prst="rect">
+            <a:avLst/>
+          </a:prstGeom>
+          <a:effectLst/>
+        </p:spPr>
+        <p:txBody>
+          <a:bodyPr vert="horz" lIns="91440" tIns="45720" rIns="91440" bIns="45720" rtlCol="0" anchor="ctr">
+            <a:normAutofit/>
+          </a:bodyPr>
+          <a:lstStyle/>
+          <a:p>
+            <a:r>
+              <a:rPr lang="en-US"/>
+              <a:t>Click to edit Master title style</a:t>
+            </a:r>
+            <a:endParaRPr lang="en-US" dirty="0"/>
+          </a:p>
+        </p:txBody>
+      </p:sp>
+      <p:sp>
+        <p:nvSpPr>
+          <p:cNvPr id="3" name="Text Placeholder 2"/>
+          <p:cNvSpPr>
+            <a:spLocks noGrp="1"/>
+          </p:cNvSpPr>
+          <p:nvPr>
+            <p:ph type="body" idx="1"/>
+          </p:nvPr>
+        </p:nvSpPr>
+        <p:spPr>
+          <a:xfrm>
+            <a:off x="1484310" y="2666999"/>
+            <a:ext cx="10018713" cy="3124201"/>
           </a:xfrm>
           <a:prstGeom prst="rect">
             <a:avLst/>
@@ -2789,100 +5535,98 @@
           </a:bodyPr>
           <a:lstStyle/>
           <a:p>
-            <a:r>
-              <a:rPr lang="en-US"/>
-              <a:t>Click to edit Master title style</a:t>
-            </a:r>
-          </a:p>
-        </p:txBody>
-      </p:sp>
-      <p:sp>
-        <p:nvSpPr>
-          <p:cNvPr id="3" name="Text Placeholder 2">
-            <a:extLst>
-              <a:ext uri="{FF2B5EF4-FFF2-40B4-BE49-F238E27FC236}">
-                <a16:creationId xmlns:a16="http://schemas.microsoft.com/office/drawing/2014/main" id="{7DDE574C-D473-45B3-B2FC-0124663BF7C1}"/>
-              </a:ext>
-            </a:extLst>
-          </p:cNvPr>
-          <p:cNvSpPr>
-            <a:spLocks noGrp="1"/>
-          </p:cNvSpPr>
-          <p:nvPr>
-            <p:ph type="body" idx="1"/>
+            <a:pPr lvl="0"/>
+            <a:r>
+              <a:rPr lang="en-US"/>
+              <a:t>Click to edit Master text styles</a:t>
+            </a:r>
+          </a:p>
+          <a:p>
+            <a:pPr lvl="1"/>
+            <a:r>
+              <a:rPr lang="en-US"/>
+              <a:t>Second level</a:t>
+            </a:r>
+          </a:p>
+          <a:p>
+            <a:pPr lvl="2"/>
+            <a:r>
+              <a:rPr lang="en-US"/>
+              <a:t>Third level</a:t>
+            </a:r>
+          </a:p>
+          <a:p>
+            <a:pPr lvl="3"/>
+            <a:r>
+              <a:rPr lang="en-US"/>
+              <a:t>Fourth level</a:t>
+            </a:r>
+          </a:p>
+          <a:p>
+            <a:pPr lvl="4"/>
+            <a:r>
+              <a:rPr lang="en-US"/>
+              <a:t>Fifth level</a:t>
+            </a:r>
+            <a:endParaRPr lang="en-US" dirty="0"/>
+          </a:p>
+        </p:txBody>
+      </p:sp>
+      <p:sp>
+        <p:nvSpPr>
+          <p:cNvPr id="4" name="Date Placeholder 3"/>
+          <p:cNvSpPr>
+            <a:spLocks noGrp="1"/>
+          </p:cNvSpPr>
+          <p:nvPr>
+            <p:ph type="dt" sz="half" idx="2"/>
           </p:nvPr>
         </p:nvSpPr>
         <p:spPr>
           <a:xfrm>
-            <a:off x="838200" y="1825625"/>
-            <a:ext cx="10515600" cy="4351338"/>
+            <a:off x="9732656" y="5883275"/>
+            <a:ext cx="1143000" cy="365125"/>
           </a:xfrm>
           <a:prstGeom prst="rect">
             <a:avLst/>
           </a:prstGeom>
         </p:spPr>
         <p:txBody>
-          <a:bodyPr vert="horz" lIns="91440" tIns="45720" rIns="91440" bIns="45720" rtlCol="0">
-            <a:normAutofit/>
-          </a:bodyPr>
-          <a:lstStyle/>
-          <a:p>
-            <a:pPr lvl="0"/>
-            <a:r>
-              <a:rPr lang="en-US"/>
-              <a:t>Click to edit Master text styles</a:t>
-            </a:r>
-          </a:p>
-          <a:p>
-            <a:pPr lvl="1"/>
-            <a:r>
-              <a:rPr lang="en-US"/>
-              <a:t>Second level</a:t>
-            </a:r>
-          </a:p>
-          <a:p>
-            <a:pPr lvl="2"/>
-            <a:r>
-              <a:rPr lang="en-US"/>
-              <a:t>Third level</a:t>
-            </a:r>
-          </a:p>
-          <a:p>
-            <a:pPr lvl="3"/>
-            <a:r>
-              <a:rPr lang="en-US"/>
-              <a:t>Fourth level</a:t>
-            </a:r>
-          </a:p>
-          <a:p>
-            <a:pPr lvl="4"/>
-            <a:r>
-              <a:rPr lang="en-US"/>
-              <a:t>Fifth level</a:t>
-            </a:r>
-          </a:p>
-        </p:txBody>
-      </p:sp>
-      <p:sp>
-        <p:nvSpPr>
-          <p:cNvPr id="4" name="Date Placeholder 3">
-            <a:extLst>
-              <a:ext uri="{FF2B5EF4-FFF2-40B4-BE49-F238E27FC236}">
-                <a16:creationId xmlns:a16="http://schemas.microsoft.com/office/drawing/2014/main" id="{A37C4F63-4AC9-4FE1-B60F-481A50E91451}"/>
-              </a:ext>
-            </a:extLst>
-          </p:cNvPr>
-          <p:cNvSpPr>
-            <a:spLocks noGrp="1"/>
-          </p:cNvSpPr>
-          <p:nvPr>
-            <p:ph type="dt" sz="half" idx="2"/>
+          <a:bodyPr vert="horz" lIns="91440" tIns="45720" rIns="91440" bIns="45720" rtlCol="0" anchor="ctr"/>
+          <a:lstStyle>
+            <a:lvl1pPr algn="r">
+              <a:defRPr sz="1000" b="0" i="0">
+                <a:solidFill>
+                  <a:schemeClr val="tx1"/>
+                </a:solidFill>
+                <a:effectLst/>
+                <a:latin typeface="+mn-lt"/>
+              </a:defRPr>
+            </a:lvl1pPr>
+          </a:lstStyle>
+          <a:p>
+            <a:fld id="{1365B17E-0D71-42F4-A5A5-57822DB21A5F}" type="datetimeFigureOut">
+              <a:rPr lang="en-US" smtClean="0"/>
+              <a:t>01/24/21</a:t>
+            </a:fld>
+            <a:endParaRPr lang="en-US"/>
+          </a:p>
+        </p:txBody>
+      </p:sp>
+      <p:sp>
+        <p:nvSpPr>
+          <p:cNvPr id="5" name="Footer Placeholder 4"/>
+          <p:cNvSpPr>
+            <a:spLocks noGrp="1"/>
+          </p:cNvSpPr>
+          <p:nvPr>
+            <p:ph type="ftr" sz="quarter" idx="3"/>
           </p:nvPr>
         </p:nvSpPr>
         <p:spPr>
           <a:xfrm>
-            <a:off x="838200" y="6356350"/>
-            <a:ext cx="2743200" cy="365125"/>
+            <a:off x="2572279" y="5883275"/>
+            <a:ext cx="7084177" cy="365125"/>
           </a:xfrm>
           <a:prstGeom prst="rect">
             <a:avLst/>
@@ -2892,44 +5636,34 @@
           <a:bodyPr vert="horz" lIns="91440" tIns="45720" rIns="91440" bIns="45720" rtlCol="0" anchor="ctr"/>
           <a:lstStyle>
             <a:lvl1pPr algn="l">
-              <a:defRPr sz="1200">
-                <a:solidFill>
-                  <a:schemeClr val="tx1">
-                    <a:tint val="75000"/>
-                  </a:schemeClr>
-                </a:solidFill>
+              <a:defRPr sz="1000" b="0" i="0">
+                <a:solidFill>
+                  <a:schemeClr val="tx1"/>
+                </a:solidFill>
+                <a:effectLst/>
+                <a:latin typeface="+mn-lt"/>
               </a:defRPr>
             </a:lvl1pPr>
           </a:lstStyle>
           <a:p>
-            <a:fld id="{1365B17E-0D71-42F4-A5A5-57822DB21A5F}" type="datetimeFigureOut">
-              <a:rPr lang="en-US" smtClean="0"/>
-              <a:t>01/24/21</a:t>
-            </a:fld>
             <a:endParaRPr lang="en-US"/>
           </a:p>
         </p:txBody>
       </p:sp>
       <p:sp>
         <p:nvSpPr>
-          <p:cNvPr id="5" name="Footer Placeholder 4">
-            <a:extLst>
-              <a:ext uri="{FF2B5EF4-FFF2-40B4-BE49-F238E27FC236}">
-                <a16:creationId xmlns:a16="http://schemas.microsoft.com/office/drawing/2014/main" id="{91D5B41F-64A7-43B6-BC6D-7FC81C731C2D}"/>
-              </a:ext>
-            </a:extLst>
-          </p:cNvPr>
-          <p:cNvSpPr>
-            <a:spLocks noGrp="1"/>
-          </p:cNvSpPr>
-          <p:nvPr>
-            <p:ph type="ftr" sz="quarter" idx="3"/>
+          <p:cNvPr id="6" name="Slide Number Placeholder 5"/>
+          <p:cNvSpPr>
+            <a:spLocks noGrp="1"/>
+          </p:cNvSpPr>
+          <p:nvPr>
+            <p:ph type="sldNum" sz="quarter" idx="4"/>
           </p:nvPr>
         </p:nvSpPr>
         <p:spPr>
           <a:xfrm>
-            <a:off x="4038600" y="6356350"/>
-            <a:ext cx="4114800" cy="365125"/>
+            <a:off x="10951856" y="5883275"/>
+            <a:ext cx="551167" cy="365125"/>
           </a:xfrm>
           <a:prstGeom prst="rect">
             <a:avLst/>
@@ -2938,56 +5672,13 @@
         <p:txBody>
           <a:bodyPr vert="horz" lIns="91440" tIns="45720" rIns="91440" bIns="45720" rtlCol="0" anchor="ctr"/>
           <a:lstStyle>
-            <a:lvl1pPr algn="ctr">
-              <a:defRPr sz="1200">
-                <a:solidFill>
-                  <a:schemeClr val="tx1">
-                    <a:tint val="75000"/>
-                  </a:schemeClr>
-                </a:solidFill>
-              </a:defRPr>
-            </a:lvl1pPr>
-          </a:lstStyle>
-          <a:p>
-            <a:endParaRPr lang="en-US"/>
-          </a:p>
-        </p:txBody>
-      </p:sp>
-      <p:sp>
-        <p:nvSpPr>
-          <p:cNvPr id="6" name="Slide Number Placeholder 5">
-            <a:extLst>
-              <a:ext uri="{FF2B5EF4-FFF2-40B4-BE49-F238E27FC236}">
-                <a16:creationId xmlns:a16="http://schemas.microsoft.com/office/drawing/2014/main" id="{5C135EBF-A5E9-4DF5-85AE-C565EAB4CF6E}"/>
-              </a:ext>
-            </a:extLst>
-          </p:cNvPr>
-          <p:cNvSpPr>
-            <a:spLocks noGrp="1"/>
-          </p:cNvSpPr>
-          <p:nvPr>
-            <p:ph type="sldNum" sz="quarter" idx="4"/>
-          </p:nvPr>
-        </p:nvSpPr>
-        <p:spPr>
-          <a:xfrm>
-            <a:off x="8610600" y="6356350"/>
-            <a:ext cx="2743200" cy="365125"/>
-          </a:xfrm>
-          <a:prstGeom prst="rect">
-            <a:avLst/>
-          </a:prstGeom>
-        </p:spPr>
-        <p:txBody>
-          <a:bodyPr vert="horz" lIns="91440" tIns="45720" rIns="91440" bIns="45720" rtlCol="0" anchor="ctr"/>
-          <a:lstStyle>
             <a:lvl1pPr algn="r">
-              <a:defRPr sz="1200">
-                <a:solidFill>
-                  <a:schemeClr val="tx1">
-                    <a:tint val="75000"/>
-                  </a:schemeClr>
-                </a:solidFill>
+              <a:defRPr sz="1000" b="0" i="0">
+                <a:solidFill>
+                  <a:schemeClr val="tx1"/>
+                </a:solidFill>
+                <a:effectLst/>
+                <a:latin typeface="+mn-lt"/>
               </a:defRPr>
             </a:lvl1pPr>
           </a:lstStyle>
@@ -3003,202 +5694,328 @@
     </p:spTree>
     <p:extLst>
       <p:ext uri="{BB962C8B-B14F-4D97-AF65-F5344CB8AC3E}">
-        <p14:creationId xmlns:p14="http://schemas.microsoft.com/office/powerpoint/2010/main" val="792000092"/>
+        <p14:creationId xmlns:p14="http://schemas.microsoft.com/office/powerpoint/2010/main" val="3772917927"/>
       </p:ext>
     </p:extLst>
   </p:cSld>
   <p:clrMap bg1="lt1" tx1="dk1" bg2="lt2" tx2="dk2" accent1="accent1" accent2="accent2" accent3="accent3" accent4="accent4" accent5="accent5" accent6="accent6" hlink="hlink" folHlink="folHlink"/>
   <p:sldLayoutIdLst>
-    <p:sldLayoutId id="2147483649" r:id="rId1"/>
-    <p:sldLayoutId id="2147483650" r:id="rId2"/>
-    <p:sldLayoutId id="2147483651" r:id="rId3"/>
-    <p:sldLayoutId id="2147483652" r:id="rId4"/>
-    <p:sldLayoutId id="2147483653" r:id="rId5"/>
-    <p:sldLayoutId id="2147483654" r:id="rId6"/>
-    <p:sldLayoutId id="2147483655" r:id="rId7"/>
-    <p:sldLayoutId id="2147483656" r:id="rId8"/>
-    <p:sldLayoutId id="2147483657" r:id="rId9"/>
-    <p:sldLayoutId id="2147483658" r:id="rId10"/>
-    <p:sldLayoutId id="2147483659" r:id="rId11"/>
+    <p:sldLayoutId id="2147483661" r:id="rId1"/>
+    <p:sldLayoutId id="2147483662" r:id="rId2"/>
+    <p:sldLayoutId id="2147483663" r:id="rId3"/>
+    <p:sldLayoutId id="2147483664" r:id="rId4"/>
+    <p:sldLayoutId id="2147483665" r:id="rId5"/>
+    <p:sldLayoutId id="2147483666" r:id="rId6"/>
+    <p:sldLayoutId id="2147483667" r:id="rId7"/>
+    <p:sldLayoutId id="2147483668" r:id="rId8"/>
+    <p:sldLayoutId id="2147483669" r:id="rId9"/>
+    <p:sldLayoutId id="2147483670" r:id="rId10"/>
+    <p:sldLayoutId id="2147483671" r:id="rId11"/>
+    <p:sldLayoutId id="2147483672" r:id="rId12"/>
+    <p:sldLayoutId id="2147483673" r:id="rId13"/>
+    <p:sldLayoutId id="2147483674" r:id="rId14"/>
+    <p:sldLayoutId id="2147483675" r:id="rId15"/>
+    <p:sldLayoutId id="2147483676" r:id="rId16"/>
+    <p:sldLayoutId id="2147483677" r:id="rId17"/>
   </p:sldLayoutIdLst>
   <p:txStyles>
     <p:titleStyle>
-      <a:lvl1pPr algn="l" defTabSz="914400" rtl="0" eaLnBrk="1" latinLnBrk="0" hangingPunct="1">
-        <a:lnSpc>
-          <a:spcPct val="90000"/>
-        </a:lnSpc>
+      <a:lvl1pPr algn="ctr" defTabSz="457200" rtl="0" eaLnBrk="1" latinLnBrk="0" hangingPunct="1">
         <a:spcBef>
           <a:spcPct val="0"/>
         </a:spcBef>
         <a:buNone/>
-        <a:defRPr sz="4400" kern="1200">
+        <a:defRPr sz="4000" kern="1200" cap="none">
+          <a:ln w="3175" cmpd="sng">
+            <a:noFill/>
+          </a:ln>
           <a:solidFill>
             <a:schemeClr val="tx1"/>
           </a:solidFill>
+          <a:effectLst/>
           <a:latin typeface="+mj-lt"/>
           <a:ea typeface="+mj-ea"/>
           <a:cs typeface="+mj-cs"/>
         </a:defRPr>
       </a:lvl1pPr>
+      <a:lvl2pPr eaLnBrk="1" hangingPunct="1">
+        <a:defRPr>
+          <a:solidFill>
+            <a:schemeClr val="tx2"/>
+          </a:solidFill>
+        </a:defRPr>
+      </a:lvl2pPr>
+      <a:lvl3pPr eaLnBrk="1" hangingPunct="1">
+        <a:defRPr>
+          <a:solidFill>
+            <a:schemeClr val="tx2"/>
+          </a:solidFill>
+        </a:defRPr>
+      </a:lvl3pPr>
+      <a:lvl4pPr eaLnBrk="1" hangingPunct="1">
+        <a:defRPr>
+          <a:solidFill>
+            <a:schemeClr val="tx2"/>
+          </a:solidFill>
+        </a:defRPr>
+      </a:lvl4pPr>
+      <a:lvl5pPr eaLnBrk="1" hangingPunct="1">
+        <a:defRPr>
+          <a:solidFill>
+            <a:schemeClr val="tx2"/>
+          </a:solidFill>
+        </a:defRPr>
+      </a:lvl5pPr>
+      <a:lvl6pPr eaLnBrk="1" hangingPunct="1">
+        <a:defRPr>
+          <a:solidFill>
+            <a:schemeClr val="tx2"/>
+          </a:solidFill>
+        </a:defRPr>
+      </a:lvl6pPr>
+      <a:lvl7pPr eaLnBrk="1" hangingPunct="1">
+        <a:defRPr>
+          <a:solidFill>
+            <a:schemeClr val="tx2"/>
+          </a:solidFill>
+        </a:defRPr>
+      </a:lvl7pPr>
+      <a:lvl8pPr eaLnBrk="1" hangingPunct="1">
+        <a:defRPr>
+          <a:solidFill>
+            <a:schemeClr val="tx2"/>
+          </a:solidFill>
+        </a:defRPr>
+      </a:lvl8pPr>
+      <a:lvl9pPr eaLnBrk="1" hangingPunct="1">
+        <a:defRPr>
+          <a:solidFill>
+            <a:schemeClr val="tx2"/>
+          </a:solidFill>
+        </a:defRPr>
+      </a:lvl9pPr>
     </p:titleStyle>
     <p:bodyStyle>
-      <a:lvl1pPr marL="228600" indent="-228600" algn="l" defTabSz="914400" rtl="0" eaLnBrk="1" latinLnBrk="0" hangingPunct="1">
-        <a:lnSpc>
-          <a:spcPct val="90000"/>
-        </a:lnSpc>
+      <a:lvl1pPr marL="285750" indent="-285750" algn="l" defTabSz="457200" rtl="0" eaLnBrk="1" latinLnBrk="0" hangingPunct="1">
         <a:spcBef>
-          <a:spcPts val="1000"/>
+          <a:spcPct val="20000"/>
         </a:spcBef>
-        <a:buFont typeface="Arial" panose="020B0604020202020204" pitchFamily="34" charset="0"/>
+        <a:spcAft>
+          <a:spcPts val="600"/>
+        </a:spcAft>
+        <a:buClr>
+          <a:schemeClr val="accent1">
+            <a:lumMod val="75000"/>
+          </a:schemeClr>
+        </a:buClr>
+        <a:buSzPct val="145000"/>
+        <a:buFont typeface="Arial"/>
         <a:buChar char="•"/>
-        <a:defRPr sz="2800" kern="1200">
+        <a:defRPr sz="2400" kern="1200" cap="none">
           <a:solidFill>
             <a:schemeClr val="tx1"/>
           </a:solidFill>
+          <a:effectLst/>
           <a:latin typeface="+mn-lt"/>
           <a:ea typeface="+mn-ea"/>
           <a:cs typeface="+mn-cs"/>
         </a:defRPr>
       </a:lvl1pPr>
-      <a:lvl2pPr marL="685800" indent="-228600" algn="l" defTabSz="914400" rtl="0" eaLnBrk="1" latinLnBrk="0" hangingPunct="1">
-        <a:lnSpc>
-          <a:spcPct val="90000"/>
-        </a:lnSpc>
+      <a:lvl2pPr marL="742950" indent="-285750" algn="l" defTabSz="457200" rtl="0" eaLnBrk="1" latinLnBrk="0" hangingPunct="1">
         <a:spcBef>
-          <a:spcPts val="500"/>
+          <a:spcPct val="20000"/>
         </a:spcBef>
-        <a:buFont typeface="Arial" panose="020B0604020202020204" pitchFamily="34" charset="0"/>
+        <a:spcAft>
+          <a:spcPts val="600"/>
+        </a:spcAft>
+        <a:buClr>
+          <a:schemeClr val="accent1">
+            <a:lumMod val="75000"/>
+          </a:schemeClr>
+        </a:buClr>
+        <a:buSzPct val="145000"/>
+        <a:buFont typeface="Arial"/>
         <a:buChar char="•"/>
-        <a:defRPr sz="2400" kern="1200">
+        <a:defRPr sz="2000" kern="1200" cap="none">
           <a:solidFill>
             <a:schemeClr val="tx1"/>
           </a:solidFill>
+          <a:effectLst/>
           <a:latin typeface="+mn-lt"/>
           <a:ea typeface="+mn-ea"/>
           <a:cs typeface="+mn-cs"/>
         </a:defRPr>
       </a:lvl2pPr>
-      <a:lvl3pPr marL="1143000" indent="-228600" algn="l" defTabSz="914400" rtl="0" eaLnBrk="1" latinLnBrk="0" hangingPunct="1">
-        <a:lnSpc>
-          <a:spcPct val="90000"/>
-        </a:lnSpc>
+      <a:lvl3pPr marL="1200150" indent="-285750" algn="l" defTabSz="457200" rtl="0" eaLnBrk="1" latinLnBrk="0" hangingPunct="1">
         <a:spcBef>
-          <a:spcPts val="500"/>
+          <a:spcPct val="20000"/>
         </a:spcBef>
-        <a:buFont typeface="Arial" panose="020B0604020202020204" pitchFamily="34" charset="0"/>
+        <a:spcAft>
+          <a:spcPts val="600"/>
+        </a:spcAft>
+        <a:buClr>
+          <a:schemeClr val="accent1">
+            <a:lumMod val="75000"/>
+          </a:schemeClr>
+        </a:buClr>
+        <a:buSzPct val="145000"/>
+        <a:buFont typeface="Arial"/>
         <a:buChar char="•"/>
-        <a:defRPr sz="2000" kern="1200">
+        <a:defRPr sz="1800" kern="1200" cap="none">
           <a:solidFill>
             <a:schemeClr val="tx1"/>
           </a:solidFill>
+          <a:effectLst/>
           <a:latin typeface="+mn-lt"/>
           <a:ea typeface="+mn-ea"/>
           <a:cs typeface="+mn-cs"/>
         </a:defRPr>
       </a:lvl3pPr>
-      <a:lvl4pPr marL="1600200" indent="-228600" algn="l" defTabSz="914400" rtl="0" eaLnBrk="1" latinLnBrk="0" hangingPunct="1">
-        <a:lnSpc>
-          <a:spcPct val="90000"/>
-        </a:lnSpc>
+      <a:lvl4pPr marL="1543050" indent="-171450" algn="l" defTabSz="457200" rtl="0" eaLnBrk="1" latinLnBrk="0" hangingPunct="1">
         <a:spcBef>
-          <a:spcPts val="500"/>
+          <a:spcPct val="20000"/>
         </a:spcBef>
-        <a:buFont typeface="Arial" panose="020B0604020202020204" pitchFamily="34" charset="0"/>
+        <a:spcAft>
+          <a:spcPts val="600"/>
+        </a:spcAft>
+        <a:buClr>
+          <a:schemeClr val="accent1">
+            <a:lumMod val="75000"/>
+          </a:schemeClr>
+        </a:buClr>
+        <a:buSzPct val="145000"/>
+        <a:buFont typeface="Arial"/>
         <a:buChar char="•"/>
-        <a:defRPr sz="1800" kern="1200">
+        <a:defRPr sz="1600" kern="1200" cap="none">
           <a:solidFill>
             <a:schemeClr val="tx1"/>
           </a:solidFill>
+          <a:effectLst/>
           <a:latin typeface="+mn-lt"/>
           <a:ea typeface="+mn-ea"/>
           <a:cs typeface="+mn-cs"/>
         </a:defRPr>
       </a:lvl4pPr>
-      <a:lvl5pPr marL="2057400" indent="-228600" algn="l" defTabSz="914400" rtl="0" eaLnBrk="1" latinLnBrk="0" hangingPunct="1">
-        <a:lnSpc>
-          <a:spcPct val="90000"/>
-        </a:lnSpc>
+      <a:lvl5pPr marL="2000250" indent="-171450" algn="l" defTabSz="457200" rtl="0" eaLnBrk="1" latinLnBrk="0" hangingPunct="1">
         <a:spcBef>
-          <a:spcPts val="500"/>
+          <a:spcPct val="20000"/>
         </a:spcBef>
-        <a:buFont typeface="Arial" panose="020B0604020202020204" pitchFamily="34" charset="0"/>
+        <a:spcAft>
+          <a:spcPts val="600"/>
+        </a:spcAft>
+        <a:buClr>
+          <a:schemeClr val="accent1">
+            <a:lumMod val="75000"/>
+          </a:schemeClr>
+        </a:buClr>
+        <a:buSzPct val="145000"/>
+        <a:buFont typeface="Arial"/>
         <a:buChar char="•"/>
-        <a:defRPr sz="1800" kern="1200">
+        <a:defRPr sz="1400" kern="1200" cap="none">
           <a:solidFill>
             <a:schemeClr val="tx1"/>
           </a:solidFill>
+          <a:effectLst/>
           <a:latin typeface="+mn-lt"/>
           <a:ea typeface="+mn-ea"/>
           <a:cs typeface="+mn-cs"/>
         </a:defRPr>
       </a:lvl5pPr>
-      <a:lvl6pPr marL="2514600" indent="-228600" algn="l" defTabSz="914400" rtl="0" eaLnBrk="1" latinLnBrk="0" hangingPunct="1">
-        <a:lnSpc>
-          <a:spcPct val="90000"/>
-        </a:lnSpc>
+      <a:lvl6pPr marL="2514600" indent="-228600" algn="l" defTabSz="457200" rtl="0" eaLnBrk="1" latinLnBrk="0" hangingPunct="1">
         <a:spcBef>
-          <a:spcPts val="500"/>
+          <a:spcPct val="20000"/>
         </a:spcBef>
-        <a:buFont typeface="Arial" panose="020B0604020202020204" pitchFamily="34" charset="0"/>
+        <a:spcAft>
+          <a:spcPts val="600"/>
+        </a:spcAft>
+        <a:buClr>
+          <a:schemeClr val="accent1">
+            <a:lumMod val="75000"/>
+          </a:schemeClr>
+        </a:buClr>
+        <a:buSzPct val="145000"/>
+        <a:buFont typeface="Arial"/>
         <a:buChar char="•"/>
-        <a:defRPr sz="1800" kern="1200">
+        <a:defRPr sz="1400" kern="1200" cap="none">
           <a:solidFill>
             <a:schemeClr val="tx1"/>
           </a:solidFill>
+          <a:effectLst/>
           <a:latin typeface="+mn-lt"/>
           <a:ea typeface="+mn-ea"/>
           <a:cs typeface="+mn-cs"/>
         </a:defRPr>
       </a:lvl6pPr>
-      <a:lvl7pPr marL="2971800" indent="-228600" algn="l" defTabSz="914400" rtl="0" eaLnBrk="1" latinLnBrk="0" hangingPunct="1">
-        <a:lnSpc>
-          <a:spcPct val="90000"/>
-        </a:lnSpc>
+      <a:lvl7pPr marL="2971800" indent="-228600" algn="l" defTabSz="457200" rtl="0" eaLnBrk="1" latinLnBrk="0" hangingPunct="1">
         <a:spcBef>
-          <a:spcPts val="500"/>
+          <a:spcPct val="20000"/>
         </a:spcBef>
-        <a:buFont typeface="Arial" panose="020B0604020202020204" pitchFamily="34" charset="0"/>
+        <a:spcAft>
+          <a:spcPts val="600"/>
+        </a:spcAft>
+        <a:buClr>
+          <a:schemeClr val="accent1">
+            <a:lumMod val="75000"/>
+          </a:schemeClr>
+        </a:buClr>
+        <a:buSzPct val="145000"/>
+        <a:buFont typeface="Arial"/>
         <a:buChar char="•"/>
-        <a:defRPr sz="1800" kern="1200">
+        <a:defRPr sz="1400" kern="1200" cap="none">
           <a:solidFill>
             <a:schemeClr val="tx1"/>
           </a:solidFill>
+          <a:effectLst/>
           <a:latin typeface="+mn-lt"/>
           <a:ea typeface="+mn-ea"/>
           <a:cs typeface="+mn-cs"/>
         </a:defRPr>
       </a:lvl7pPr>
-      <a:lvl8pPr marL="3429000" indent="-228600" algn="l" defTabSz="914400" rtl="0" eaLnBrk="1" latinLnBrk="0" hangingPunct="1">
-        <a:lnSpc>
-          <a:spcPct val="90000"/>
-        </a:lnSpc>
+      <a:lvl8pPr marL="3429000" indent="-228600" algn="l" defTabSz="457200" rtl="0" eaLnBrk="1" latinLnBrk="0" hangingPunct="1">
         <a:spcBef>
-          <a:spcPts val="500"/>
+          <a:spcPct val="20000"/>
         </a:spcBef>
-        <a:buFont typeface="Arial" panose="020B0604020202020204" pitchFamily="34" charset="0"/>
+        <a:spcAft>
+          <a:spcPts val="600"/>
+        </a:spcAft>
+        <a:buClr>
+          <a:schemeClr val="accent1">
+            <a:lumMod val="75000"/>
+          </a:schemeClr>
+        </a:buClr>
+        <a:buSzPct val="145000"/>
+        <a:buFont typeface="Arial"/>
         <a:buChar char="•"/>
-        <a:defRPr sz="1800" kern="1200">
+        <a:defRPr sz="1400" kern="1200" cap="none">
           <a:solidFill>
             <a:schemeClr val="tx1"/>
           </a:solidFill>
+          <a:effectLst/>
           <a:latin typeface="+mn-lt"/>
           <a:ea typeface="+mn-ea"/>
           <a:cs typeface="+mn-cs"/>
         </a:defRPr>
       </a:lvl8pPr>
-      <a:lvl9pPr marL="3886200" indent="-228600" algn="l" defTabSz="914400" rtl="0" eaLnBrk="1" latinLnBrk="0" hangingPunct="1">
-        <a:lnSpc>
-          <a:spcPct val="90000"/>
-        </a:lnSpc>
+      <a:lvl9pPr marL="3886200" indent="-228600" algn="l" defTabSz="457200" rtl="0" eaLnBrk="1" latinLnBrk="0" hangingPunct="1">
         <a:spcBef>
-          <a:spcPts val="500"/>
+          <a:spcPct val="20000"/>
         </a:spcBef>
-        <a:buFont typeface="Arial" panose="020B0604020202020204" pitchFamily="34" charset="0"/>
+        <a:spcAft>
+          <a:spcPts val="600"/>
+        </a:spcAft>
+        <a:buClr>
+          <a:schemeClr val="accent1">
+            <a:lumMod val="75000"/>
+          </a:schemeClr>
+        </a:buClr>
+        <a:buSzPct val="145000"/>
+        <a:buFont typeface="Arial"/>
         <a:buChar char="•"/>
-        <a:defRPr sz="1800" kern="1200">
+        <a:defRPr sz="1400" kern="1200" cap="none">
           <a:solidFill>
             <a:schemeClr val="tx1"/>
           </a:solidFill>
+          <a:effectLst/>
           <a:latin typeface="+mn-lt"/>
           <a:ea typeface="+mn-ea"/>
           <a:cs typeface="+mn-cs"/>
@@ -3209,7 +6026,7 @@
       <a:defPPr>
         <a:defRPr lang="en-US"/>
       </a:defPPr>
-      <a:lvl1pPr marL="0" algn="l" defTabSz="914400" rtl="0" eaLnBrk="1" latinLnBrk="0" hangingPunct="1">
+      <a:lvl1pPr marL="0" algn="l" defTabSz="457200" rtl="0" eaLnBrk="1" latinLnBrk="0" hangingPunct="1">
         <a:defRPr sz="1800" kern="1200">
           <a:solidFill>
             <a:schemeClr val="tx1"/>
@@ -3219,7 +6036,7 @@
           <a:cs typeface="+mn-cs"/>
         </a:defRPr>
       </a:lvl1pPr>
-      <a:lvl2pPr marL="457200" algn="l" defTabSz="914400" rtl="0" eaLnBrk="1" latinLnBrk="0" hangingPunct="1">
+      <a:lvl2pPr marL="457200" algn="l" defTabSz="457200" rtl="0" eaLnBrk="1" latinLnBrk="0" hangingPunct="1">
         <a:defRPr sz="1800" kern="1200">
           <a:solidFill>
             <a:schemeClr val="tx1"/>
@@ -3229,7 +6046,7 @@
           <a:cs typeface="+mn-cs"/>
         </a:defRPr>
       </a:lvl2pPr>
-      <a:lvl3pPr marL="914400" algn="l" defTabSz="914400" rtl="0" eaLnBrk="1" latinLnBrk="0" hangingPunct="1">
+      <a:lvl3pPr marL="914400" algn="l" defTabSz="457200" rtl="0" eaLnBrk="1" latinLnBrk="0" hangingPunct="1">
         <a:defRPr sz="1800" kern="1200">
           <a:solidFill>
             <a:schemeClr val="tx1"/>
@@ -3239,7 +6056,7 @@
           <a:cs typeface="+mn-cs"/>
         </a:defRPr>
       </a:lvl3pPr>
-      <a:lvl4pPr marL="1371600" algn="l" defTabSz="914400" rtl="0" eaLnBrk="1" latinLnBrk="0" hangingPunct="1">
+      <a:lvl4pPr marL="1371600" algn="l" defTabSz="457200" rtl="0" eaLnBrk="1" latinLnBrk="0" hangingPunct="1">
         <a:defRPr sz="1800" kern="1200">
           <a:solidFill>
             <a:schemeClr val="tx1"/>
@@ -3249,7 +6066,7 @@
           <a:cs typeface="+mn-cs"/>
         </a:defRPr>
       </a:lvl4pPr>
-      <a:lvl5pPr marL="1828800" algn="l" defTabSz="914400" rtl="0" eaLnBrk="1" latinLnBrk="0" hangingPunct="1">
+      <a:lvl5pPr marL="1828800" algn="l" defTabSz="457200" rtl="0" eaLnBrk="1" latinLnBrk="0" hangingPunct="1">
         <a:defRPr sz="1800" kern="1200">
           <a:solidFill>
             <a:schemeClr val="tx1"/>
@@ -3259,7 +6076,7 @@
           <a:cs typeface="+mn-cs"/>
         </a:defRPr>
       </a:lvl5pPr>
-      <a:lvl6pPr marL="2286000" algn="l" defTabSz="914400" rtl="0" eaLnBrk="1" latinLnBrk="0" hangingPunct="1">
+      <a:lvl6pPr marL="2286000" algn="l" defTabSz="457200" rtl="0" eaLnBrk="1" latinLnBrk="0" hangingPunct="1">
         <a:defRPr sz="1800" kern="1200">
           <a:solidFill>
             <a:schemeClr val="tx1"/>
@@ -3269,7 +6086,7 @@
           <a:cs typeface="+mn-cs"/>
         </a:defRPr>
       </a:lvl6pPr>
-      <a:lvl7pPr marL="2743200" algn="l" defTabSz="914400" rtl="0" eaLnBrk="1" latinLnBrk="0" hangingPunct="1">
+      <a:lvl7pPr marL="2743200" algn="l" defTabSz="457200" rtl="0" eaLnBrk="1" latinLnBrk="0" hangingPunct="1">
         <a:defRPr sz="1800" kern="1200">
           <a:solidFill>
             <a:schemeClr val="tx1"/>
@@ -3279,7 +6096,7 @@
           <a:cs typeface="+mn-cs"/>
         </a:defRPr>
       </a:lvl7pPr>
-      <a:lvl8pPr marL="3200400" algn="l" defTabSz="914400" rtl="0" eaLnBrk="1" latinLnBrk="0" hangingPunct="1">
+      <a:lvl8pPr marL="3200400" algn="l" defTabSz="457200" rtl="0" eaLnBrk="1" latinLnBrk="0" hangingPunct="1">
         <a:defRPr sz="1800" kern="1200">
           <a:solidFill>
             <a:schemeClr val="tx1"/>
@@ -3289,7 +6106,7 @@
           <a:cs typeface="+mn-cs"/>
         </a:defRPr>
       </a:lvl8pPr>
-      <a:lvl9pPr marL="3657600" algn="l" defTabSz="914400" rtl="0" eaLnBrk="1" latinLnBrk="0" hangingPunct="1">
+      <a:lvl9pPr marL="3657600" algn="l" defTabSz="457200" rtl="0" eaLnBrk="1" latinLnBrk="0" hangingPunct="1">
         <a:defRPr sz="1800" kern="1200">
           <a:solidFill>
             <a:schemeClr val="tx1"/>
@@ -3337,12 +6154,20 @@
             <p:ph type="ctrTitle"/>
           </p:nvPr>
         </p:nvSpPr>
-        <p:spPr/>
+        <p:spPr>
+          <a:xfrm>
+            <a:off x="2525086" y="1380068"/>
+            <a:ext cx="8977937" cy="2616199"/>
+          </a:xfrm>
+        </p:spPr>
         <p:txBody>
           <a:bodyPr/>
           <a:lstStyle/>
           <a:p>
-            <a:endParaRPr lang="en-US"/>
+            <a:r>
+              <a:rPr lang="en-US" dirty="0"/>
+              <a:t>Hiking trails &amp; Weather App</a:t>
+            </a:r>
           </a:p>
         </p:txBody>
       </p:sp>
@@ -3367,7 +6192,24 @@
           <a:bodyPr/>
           <a:lstStyle/>
           <a:p>
-            <a:endParaRPr lang="en-US"/>
+            <a:pPr marL="342900" indent="-342900">
+              <a:buFontTx/>
+              <a:buChar char="-"/>
+            </a:pPr>
+            <a:r>
+              <a:rPr lang="en-US" dirty="0"/>
+              <a:t>Swetha</a:t>
+            </a:r>
+          </a:p>
+          <a:p>
+            <a:pPr marL="342900" indent="-342900">
+              <a:buFontTx/>
+              <a:buChar char="-"/>
+            </a:pPr>
+            <a:r>
+              <a:rPr lang="en-US" dirty="0"/>
+              <a:t>Harsha Ramayanam</a:t>
+            </a:r>
           </a:p>
         </p:txBody>
       </p:sp>
@@ -3384,10 +6226,90 @@
 </p:sld>
 </file>
 
+<file path=ppt/slides/slide2.xml><?xml version="1.0" encoding="utf-8"?>
+<p:sld xmlns:a="http://schemas.openxmlformats.org/drawingml/2006/main" xmlns:r="http://schemas.openxmlformats.org/officeDocument/2006/relationships" xmlns:p="http://schemas.openxmlformats.org/presentationml/2006/main">
+  <p:cSld>
+    <p:spTree>
+      <p:nvGrpSpPr>
+        <p:cNvPr id="1" name=""/>
+        <p:cNvGrpSpPr/>
+        <p:nvPr/>
+      </p:nvGrpSpPr>
+      <p:grpSpPr>
+        <a:xfrm>
+          <a:off x="0" y="0"/>
+          <a:ext cx="0" cy="0"/>
+          <a:chOff x="0" y="0"/>
+          <a:chExt cx="0" cy="0"/>
+        </a:xfrm>
+      </p:grpSpPr>
+      <p:sp>
+        <p:nvSpPr>
+          <p:cNvPr id="2" name="Title 1">
+            <a:extLst>
+              <a:ext uri="{FF2B5EF4-FFF2-40B4-BE49-F238E27FC236}">
+                <a16:creationId xmlns:a16="http://schemas.microsoft.com/office/drawing/2014/main" id="{FDD98724-8245-4585-8990-B0A40F719568}"/>
+              </a:ext>
+            </a:extLst>
+          </p:cNvPr>
+          <p:cNvSpPr>
+            <a:spLocks noGrp="1"/>
+          </p:cNvSpPr>
+          <p:nvPr>
+            <p:ph type="title"/>
+          </p:nvPr>
+        </p:nvSpPr>
+        <p:spPr/>
+        <p:txBody>
+          <a:bodyPr/>
+          <a:lstStyle/>
+          <a:p>
+            <a:endParaRPr lang="en-US"/>
+          </a:p>
+        </p:txBody>
+      </p:sp>
+      <p:sp>
+        <p:nvSpPr>
+          <p:cNvPr id="3" name="Content Placeholder 2">
+            <a:extLst>
+              <a:ext uri="{FF2B5EF4-FFF2-40B4-BE49-F238E27FC236}">
+                <a16:creationId xmlns:a16="http://schemas.microsoft.com/office/drawing/2014/main" id="{17329C71-751C-422F-AF3D-F2C35B08239C}"/>
+              </a:ext>
+            </a:extLst>
+          </p:cNvPr>
+          <p:cNvSpPr>
+            <a:spLocks noGrp="1"/>
+          </p:cNvSpPr>
+          <p:nvPr>
+            <p:ph idx="1"/>
+          </p:nvPr>
+        </p:nvSpPr>
+        <p:spPr/>
+        <p:txBody>
+          <a:bodyPr/>
+          <a:lstStyle/>
+          <a:p>
+            <a:endParaRPr lang="en-US"/>
+          </a:p>
+        </p:txBody>
+      </p:sp>
+    </p:spTree>
+    <p:extLst>
+      <p:ext uri="{BB962C8B-B14F-4D97-AF65-F5344CB8AC3E}">
+        <p14:creationId xmlns:p14="http://schemas.microsoft.com/office/powerpoint/2010/main" val="1055927143"/>
+      </p:ext>
+    </p:extLst>
+  </p:cSld>
+  <p:clrMapOvr>
+    <a:masterClrMapping/>
+  </p:clrMapOvr>
+</p:sld>
+</file>
+
 <file path=ppt/theme/theme1.xml><?xml version="1.0" encoding="utf-8"?>
-<a:theme xmlns:a="http://schemas.openxmlformats.org/drawingml/2006/main" name="Office Theme">
+<a:theme xmlns:a="http://schemas.openxmlformats.org/drawingml/2006/main" name="Parallax">
   <a:themeElements>
-    <a:clrScheme name="Office">
+    <a:clrScheme name="Parallax">
       <a:dk1>
         <a:sysClr val="windowText" lastClr="000000"/>
       </a:dk1>
@@ -3395,100 +6317,48 @@
         <a:sysClr val="window" lastClr="FFFFFF"/>
       </a:lt1>
       <a:dk2>
-        <a:srgbClr val="44546A"/>
+        <a:srgbClr val="212121"/>
       </a:dk2>
       <a:lt2>
-        <a:srgbClr val="E7E6E6"/>
+        <a:srgbClr val="CDD0D1"/>
       </a:lt2>
       <a:accent1>
-        <a:srgbClr val="4472C4"/>
+        <a:srgbClr val="30ACEC"/>
       </a:accent1>
       <a:accent2>
-        <a:srgbClr val="ED7D31"/>
+        <a:srgbClr val="80C34F"/>
       </a:accent2>
       <a:accent3>
-        <a:srgbClr val="A5A5A5"/>
+        <a:srgbClr val="E29D3E"/>
       </a:accent3>
       <a:accent4>
-        <a:srgbClr val="FFC000"/>
+        <a:srgbClr val="D64A3B"/>
       </a:accent4>
       <a:accent5>
-        <a:srgbClr val="5B9BD5"/>
+        <a:srgbClr val="D64787"/>
       </a:accent5>
       <a:accent6>
-        <a:srgbClr val="70AD47"/>
+        <a:srgbClr val="A666E1"/>
       </a:accent6>
       <a:hlink>
-        <a:srgbClr val="0563C1"/>
+        <a:srgbClr val="3085ED"/>
       </a:hlink>
       <a:folHlink>
-        <a:srgbClr val="954F72"/>
+        <a:srgbClr val="82B6F4"/>
       </a:folHlink>
     </a:clrScheme>
-    <a:fontScheme name="Office">
+    <a:fontScheme name="Parallax">
       <a:majorFont>
-        <a:latin typeface="Calibri Light" panose="020F0302020204030204"/>
+        <a:latin typeface="Corbel" panose="020B0503020204020204"/>
         <a:ea typeface=""/>
         <a:cs typeface=""/>
-        <a:font script="Jpan" typeface="游ゴシック Light"/>
-        <a:font script="Hang" typeface="맑은 고딕"/>
-        <a:font script="Hans" typeface="等线 Light"/>
+        <a:font script="Jpan" typeface="HGｺﾞｼｯｸM"/>
+        <a:font script="Hang" typeface="HY엽서L"/>
+        <a:font script="Hans" typeface="华文楷体"/>
         <a:font script="Hant" typeface="新細明體"/>
-        <a:font script="Arab" typeface="Times New Roman"/>
-        <a:font script="Hebr" typeface="Times New Roman"/>
-        <a:font script="Thai" typeface="Angsana New"/>
-        <a:font script="Ethi" typeface="Nyala"/>
-        <a:font script="Beng" typeface="Vrinda"/>
-        <a:font script="Gujr" typeface="Shruti"/>
-        <a:font script="Khmr" typeface="MoolBoran"/>
-        <a:font script="Knda" typeface="Tunga"/>
-        <a:font script="Guru" typeface="Raavi"/>
-        <a:font script="Cans" typeface="Euphemia"/>
-        <a:font script="Cher" typeface="Plantagenet Cherokee"/>
-        <a:font script="Yiii" typeface="Microsoft Yi Baiti"/>
-        <a:font script="Tibt" typeface="Microsoft Himalaya"/>
-        <a:font script="Thaa" typeface="MV Boli"/>
-        <a:font script="Deva" typeface="Mangal"/>
-        <a:font script="Telu" typeface="Gautami"/>
-        <a:font script="Taml" typeface="Latha"/>
-        <a:font script="Syrc" typeface="Estrangelo Edessa"/>
-        <a:font script="Orya" typeface="Kalinga"/>
-        <a:font script="Mlym" typeface="Kartika"/>
-        <a:font script="Laoo" typeface="DokChampa"/>
-        <a:font script="Sinh" typeface="Iskoola Pota"/>
-        <a:font script="Mong" typeface="Mongolian Baiti"/>
-        <a:font script="Viet" typeface="Times New Roman"/>
-        <a:font script="Uigh" typeface="Microsoft Uighur"/>
-        <a:font script="Geor" typeface="Sylfaen"/>
-        <a:font script="Armn" typeface="Arial"/>
-        <a:font script="Bugi" typeface="Leelawadee UI"/>
-        <a:font script="Bopo" typeface="Microsoft JhengHei"/>
-        <a:font script="Java" typeface="Javanese Text"/>
-        <a:font script="Lisu" typeface="Segoe UI"/>
-        <a:font script="Mymr" typeface="Myanmar Text"/>
-        <a:font script="Nkoo" typeface="Ebrima"/>
-        <a:font script="Olck" typeface="Nirmala UI"/>
-        <a:font script="Osma" typeface="Ebrima"/>
-        <a:font script="Phag" typeface="Phagspa"/>
-        <a:font script="Syrn" typeface="Estrangelo Edessa"/>
-        <a:font script="Syrj" typeface="Estrangelo Edessa"/>
-        <a:font script="Syre" typeface="Estrangelo Edessa"/>
-        <a:font script="Sora" typeface="Nirmala UI"/>
-        <a:font script="Tale" typeface="Microsoft Tai Le"/>
-        <a:font script="Talu" typeface="Microsoft New Tai Lue"/>
-        <a:font script="Tfng" typeface="Ebrima"/>
-      </a:majorFont>
-      <a:minorFont>
-        <a:latin typeface="Calibri" panose="020F0502020204030204"/>
-        <a:ea typeface=""/>
-        <a:cs typeface=""/>
-        <a:font script="Jpan" typeface="游ゴシック"/>
-        <a:font script="Hang" typeface="맑은 고딕"/>
-        <a:font script="Hans" typeface="等线"/>
-        <a:font script="Hant" typeface="新細明體"/>
-        <a:font script="Arab" typeface="Arial"/>
-        <a:font script="Hebr" typeface="Arial"/>
-        <a:font script="Thai" typeface="Cordia New"/>
+        <a:font script="Arab" typeface="Tahoma"/>
+        <a:font script="Hebr" typeface="Miriam"/>
+        <a:font script="Thai" typeface="DilleniaUPC"/>
         <a:font script="Ethi" typeface="Nyala"/>
         <a:font script="Beng" typeface="Vrinda"/>
         <a:font script="Gujr" typeface="Shruti"/>
@@ -3512,26 +6382,44 @@
         <a:font script="Viet" typeface="Arial"/>
         <a:font script="Uigh" typeface="Microsoft Uighur"/>
         <a:font script="Geor" typeface="Sylfaen"/>
-        <a:font script="Armn" typeface="Arial"/>
-        <a:font script="Bugi" typeface="Leelawadee UI"/>
-        <a:font script="Bopo" typeface="Microsoft JhengHei"/>
-        <a:font script="Java" typeface="Javanese Text"/>
-        <a:font script="Lisu" typeface="Segoe UI"/>
-        <a:font script="Mymr" typeface="Myanmar Text"/>
-        <a:font script="Nkoo" typeface="Ebrima"/>
-        <a:font script="Olck" typeface="Nirmala UI"/>
-        <a:font script="Osma" typeface="Ebrima"/>
-        <a:font script="Phag" typeface="Phagspa"/>
-        <a:font script="Syrn" typeface="Estrangelo Edessa"/>
-        <a:font script="Syrj" typeface="Estrangelo Edessa"/>
-        <a:font script="Syre" typeface="Estrangelo Edessa"/>
-        <a:font script="Sora" typeface="Nirmala UI"/>
-        <a:font script="Tale" typeface="Microsoft Tai Le"/>
-        <a:font script="Talu" typeface="Microsoft New Tai Lue"/>
-        <a:font script="Tfng" typeface="Ebrima"/>
+      </a:majorFont>
+      <a:minorFont>
+        <a:latin typeface="Corbel" panose="020B0503020204020204"/>
+        <a:ea typeface=""/>
+        <a:cs typeface=""/>
+        <a:font script="Jpan" typeface="HGｺﾞｼｯｸM"/>
+        <a:font script="Hang" typeface="HY엽서L"/>
+        <a:font script="Hans" typeface="华文楷体"/>
+        <a:font script="Hant" typeface="新細明體"/>
+        <a:font script="Arab" typeface="Tahoma"/>
+        <a:font script="Hebr" typeface="Miriam"/>
+        <a:font script="Thai" typeface="DilleniaUPC"/>
+        <a:font script="Ethi" typeface="Nyala"/>
+        <a:font script="Beng" typeface="Vrinda"/>
+        <a:font script="Gujr" typeface="Shruti"/>
+        <a:font script="Khmr" typeface="DaunPenh"/>
+        <a:font script="Knda" typeface="Tunga"/>
+        <a:font script="Guru" typeface="Raavi"/>
+        <a:font script="Cans" typeface="Euphemia"/>
+        <a:font script="Cher" typeface="Plantagenet Cherokee"/>
+        <a:font script="Yiii" typeface="Microsoft Yi Baiti"/>
+        <a:font script="Tibt" typeface="Microsoft Himalaya"/>
+        <a:font script="Thaa" typeface="MV Boli"/>
+        <a:font script="Deva" typeface="Mangal"/>
+        <a:font script="Telu" typeface="Gautami"/>
+        <a:font script="Taml" typeface="Latha"/>
+        <a:font script="Syrc" typeface="Estrangelo Edessa"/>
+        <a:font script="Orya" typeface="Kalinga"/>
+        <a:font script="Mlym" typeface="Kartika"/>
+        <a:font script="Laoo" typeface="DokChampa"/>
+        <a:font script="Sinh" typeface="Iskoola Pota"/>
+        <a:font script="Mong" typeface="Mongolian Baiti"/>
+        <a:font script="Viet" typeface="Arial"/>
+        <a:font script="Uigh" typeface="Microsoft Uighur"/>
+        <a:font script="Geor" typeface="Sylfaen"/>
       </a:minorFont>
     </a:fontScheme>
-    <a:fmtScheme name="Office">
+    <a:fmtScheme name="Parallax">
       <a:fillStyleLst>
         <a:solidFill>
           <a:schemeClr val="phClr"/>
@@ -3540,23 +6428,13 @@
           <a:gsLst>
             <a:gs pos="0">
               <a:schemeClr val="phClr">
-                <a:lumMod val="110000"/>
-                <a:satMod val="105000"/>
-                <a:tint val="67000"/>
-              </a:schemeClr>
-            </a:gs>
-            <a:gs pos="50000">
-              <a:schemeClr val="phClr">
-                <a:lumMod val="105000"/>
-                <a:satMod val="103000"/>
-                <a:tint val="73000"/>
+                <a:tint val="60000"/>
+                <a:lumMod val="104000"/>
               </a:schemeClr>
             </a:gs>
             <a:gs pos="100000">
               <a:schemeClr val="phClr">
-                <a:lumMod val="105000"/>
-                <a:satMod val="109000"/>
-                <a:tint val="81000"/>
+                <a:tint val="84000"/>
               </a:schemeClr>
             </a:gs>
           </a:gsLst>
@@ -3566,50 +6444,42 @@
           <a:gsLst>
             <a:gs pos="0">
               <a:schemeClr val="phClr">
-                <a:satMod val="103000"/>
+                <a:tint val="96000"/>
                 <a:lumMod val="102000"/>
-                <a:tint val="94000"/>
-              </a:schemeClr>
-            </a:gs>
-            <a:gs pos="50000">
-              <a:schemeClr val="phClr">
-                <a:satMod val="110000"/>
-                <a:lumMod val="100000"/>
-                <a:shade val="100000"/>
               </a:schemeClr>
             </a:gs>
             <a:gs pos="100000">
               <a:schemeClr val="phClr">
-                <a:lumMod val="99000"/>
-                <a:satMod val="120000"/>
-                <a:shade val="78000"/>
+                <a:shade val="88000"/>
+                <a:lumMod val="94000"/>
               </a:schemeClr>
             </a:gs>
           </a:gsLst>
-          <a:lin ang="5400000" scaled="0"/>
+          <a:path path="circle">
+            <a:fillToRect l="50000" t="100000" r="100000" b="50000"/>
+          </a:path>
         </a:gradFill>
       </a:fillStyleLst>
       <a:lnStyleLst>
-        <a:ln w="6350" cap="flat" cmpd="sng" algn="ctr">
+        <a:ln w="9525" cap="rnd" cmpd="sng" algn="ctr">
+          <a:solidFill>
+            <a:schemeClr val="phClr">
+              <a:tint val="60000"/>
+            </a:schemeClr>
+          </a:solidFill>
+          <a:prstDash val="solid"/>
+        </a:ln>
+        <a:ln w="15875" cap="rnd" cmpd="sng" algn="ctr">
           <a:solidFill>
             <a:schemeClr val="phClr"/>
           </a:solidFill>
           <a:prstDash val="solid"/>
-          <a:miter lim="800000"/>
         </a:ln>
-        <a:ln w="12700" cap="flat" cmpd="sng" algn="ctr">
+        <a:ln w="22225" cap="rnd" cmpd="sng" algn="ctr">
           <a:solidFill>
             <a:schemeClr val="phClr"/>
           </a:solidFill>
           <a:prstDash val="solid"/>
-          <a:miter lim="800000"/>
-        </a:ln>
-        <a:ln w="19050" cap="flat" cmpd="sng" algn="ctr">
-          <a:solidFill>
-            <a:schemeClr val="phClr"/>
-          </a:solidFill>
-          <a:prstDash val="solid"/>
-          <a:miter lim="800000"/>
         </a:ln>
       </a:lnStyleLst>
       <a:effectStyleLst>
@@ -3617,55 +6487,68 @@
           <a:effectLst/>
         </a:effectStyle>
         <a:effectStyle>
-          <a:effectLst/>
+          <a:effectLst>
+            <a:reflection blurRad="12700" stA="26000" endPos="32000" dist="12700" dir="5400000" sy="-100000" rotWithShape="0"/>
+          </a:effectLst>
         </a:effectStyle>
         <a:effectStyle>
           <a:effectLst>
-            <a:outerShdw blurRad="57150" dist="19050" dir="5400000" algn="ctr" rotWithShape="0">
+            <a:outerShdw blurRad="38100" dist="25400" dir="5400000" rotWithShape="0">
               <a:srgbClr val="000000">
-                <a:alpha val="63000"/>
+                <a:alpha val="64000"/>
               </a:srgbClr>
             </a:outerShdw>
           </a:effectLst>
+          <a:scene3d>
+            <a:camera prst="orthographicFront">
+              <a:rot lat="0" lon="0" rev="0"/>
+            </a:camera>
+            <a:lightRig rig="threePt" dir="tl">
+              <a:rot lat="0" lon="0" rev="1200000"/>
+            </a:lightRig>
+          </a:scene3d>
+          <a:sp3d>
+            <a:bevelT w="25400" h="12700"/>
+          </a:sp3d>
         </a:effectStyle>
       </a:effectStyleLst>
       <a:bgFillStyleLst>
         <a:solidFill>
           <a:schemeClr val="phClr"/>
         </a:solidFill>
-        <a:solidFill>
-          <a:schemeClr val="phClr">
-            <a:tint val="95000"/>
-            <a:satMod val="170000"/>
-          </a:schemeClr>
-        </a:solidFill>
         <a:gradFill rotWithShape="1">
           <a:gsLst>
             <a:gs pos="0">
               <a:schemeClr val="phClr">
-                <a:tint val="93000"/>
-                <a:satMod val="150000"/>
-                <a:shade val="98000"/>
-                <a:lumMod val="102000"/>
-              </a:schemeClr>
-            </a:gs>
-            <a:gs pos="50000">
-              <a:schemeClr val="phClr">
-                <a:tint val="98000"/>
-                <a:satMod val="130000"/>
-                <a:shade val="90000"/>
-                <a:lumMod val="103000"/>
+                <a:tint val="90000"/>
+                <a:lumMod val="110000"/>
               </a:schemeClr>
             </a:gs>
             <a:gs pos="100000">
               <a:schemeClr val="phClr">
-                <a:shade val="63000"/>
-                <a:satMod val="120000"/>
+                <a:shade val="64000"/>
+                <a:lumMod val="98000"/>
               </a:schemeClr>
             </a:gs>
           </a:gsLst>
           <a:lin ang="5400000" scaled="0"/>
         </a:gradFill>
+        <a:blipFill rotWithShape="1">
+          <a:blip xmlns:r="http://schemas.openxmlformats.org/officeDocument/2006/relationships" r:embed="rId1">
+            <a:duotone>
+              <a:schemeClr val="phClr">
+                <a:shade val="76000"/>
+                <a:satMod val="180000"/>
+              </a:schemeClr>
+              <a:schemeClr val="phClr">
+                <a:tint val="80000"/>
+                <a:satMod val="120000"/>
+                <a:lumMod val="180000"/>
+              </a:schemeClr>
+            </a:duotone>
+          </a:blip>
+          <a:stretch/>
+        </a:blipFill>
       </a:bgFillStyleLst>
     </a:fmtScheme>
   </a:themeElements>
@@ -3673,7 +6556,7 @@
   <a:extraClrSchemeLst/>
   <a:extLst>
     <a:ext uri="{05A4C25C-085E-4340-85A3-A5531E510DB2}">
-      <thm15:themeFamily xmlns:thm15="http://schemas.microsoft.com/office/thememl/2012/main" name="Office Theme" id="{62F939B6-93AF-4DB8-9C6B-D6C7DFDC589F}" vid="{4A3C46E8-61CC-4603-A589-7422A47A8E4A}"/>
+      <thm15:themeFamily xmlns:thm15="http://schemas.microsoft.com/office/thememl/2012/main" name="Parallax" id="{3388167B-A2EB-4685-9635-1831D9AEF8C4}" vid="{4F7A876A-7598-49CA-AFC8-8EDA2551E4A7}"/>
     </a:ext>
   </a:extLst>
 </a:theme>

--- a/Project proposal.pptx
+++ b/Project proposal.pptx
@@ -61,7 +61,7 @@
       </p:grpSpPr>
       <p:sp>
         <p:nvSpPr>
-          <p:cNvPr id="40" name="PlaceHolder 1"/>
+          <p:cNvPr id="37" name="PlaceHolder 1"/>
           <p:cNvSpPr>
             <a:spLocks noGrp="1"/>
           </p:cNvSpPr>
@@ -71,8 +71,8 @@
         </p:nvSpPr>
         <p:spPr>
           <a:xfrm>
-            <a:off x="1484280" y="685800"/>
-            <a:ext cx="10018440" cy="1752120"/>
+            <a:off x="609480" y="273600"/>
+            <a:ext cx="10972440" cy="1144800"/>
           </a:xfrm>
           <a:prstGeom prst="rect">
             <a:avLst/>
@@ -81,18 +81,16 @@
         <p:txBody>
           <a:bodyPr lIns="0" rIns="0" tIns="0" bIns="0" anchor="ctr"/>
           <a:p>
-            <a:endParaRPr b="0" lang="en-US" sz="1800" spc="-1" strike="noStrike">
-              <a:solidFill>
-                <a:srgbClr val="000000"/>
-              </a:solidFill>
-              <a:latin typeface="Corbel"/>
-            </a:endParaRPr>
-          </a:p>
-        </p:txBody>
-      </p:sp>
-      <p:sp>
-        <p:nvSpPr>
-          <p:cNvPr id="41" name="PlaceHolder 2"/>
+            <a:pPr algn="ctr"/>
+            <a:endParaRPr b="0" lang="en-US" sz="4400" spc="-1" strike="noStrike">
+              <a:latin typeface="Arial"/>
+            </a:endParaRPr>
+          </a:p>
+        </p:txBody>
+      </p:sp>
+      <p:sp>
+        <p:nvSpPr>
+          <p:cNvPr id="38" name="PlaceHolder 2"/>
           <p:cNvSpPr>
             <a:spLocks noGrp="1"/>
           </p:cNvSpPr>
@@ -102,8 +100,8 @@
         </p:nvSpPr>
         <p:spPr>
           <a:xfrm>
-            <a:off x="1484280" y="2666880"/>
-            <a:ext cx="10018440" cy="1489680"/>
+            <a:off x="609480" y="1604520"/>
+            <a:ext cx="10972440" cy="1896840"/>
           </a:xfrm>
           <a:prstGeom prst="rect">
             <a:avLst/>
@@ -114,18 +112,15 @@
             <a:normAutofit/>
           </a:bodyPr>
           <a:p>
-            <a:endParaRPr b="0" lang="en-US" sz="2400" spc="-1" strike="noStrike">
-              <a:solidFill>
-                <a:srgbClr val="000000"/>
-              </a:solidFill>
-              <a:latin typeface="Corbel"/>
-            </a:endParaRPr>
-          </a:p>
-        </p:txBody>
-      </p:sp>
-      <p:sp>
-        <p:nvSpPr>
-          <p:cNvPr id="42" name="PlaceHolder 3"/>
+            <a:endParaRPr b="0" lang="en-US" sz="3200" spc="-1" strike="noStrike">
+              <a:latin typeface="Arial"/>
+            </a:endParaRPr>
+          </a:p>
+        </p:txBody>
+      </p:sp>
+      <p:sp>
+        <p:nvSpPr>
+          <p:cNvPr id="39" name="PlaceHolder 3"/>
           <p:cNvSpPr>
             <a:spLocks noGrp="1"/>
           </p:cNvSpPr>
@@ -135,8 +130,8 @@
         </p:nvSpPr>
         <p:spPr>
           <a:xfrm>
-            <a:off x="1484280" y="4298400"/>
-            <a:ext cx="10018440" cy="1489680"/>
+            <a:off x="609480" y="3682080"/>
+            <a:ext cx="10972440" cy="1896840"/>
           </a:xfrm>
           <a:prstGeom prst="rect">
             <a:avLst/>
@@ -147,11 +142,8 @@
             <a:normAutofit/>
           </a:bodyPr>
           <a:p>
-            <a:endParaRPr b="0" lang="en-US" sz="2400" spc="-1" strike="noStrike">
-              <a:solidFill>
-                <a:srgbClr val="000000"/>
-              </a:solidFill>
-              <a:latin typeface="Corbel"/>
+            <a:endParaRPr b="0" lang="en-US" sz="3200" spc="-1" strike="noStrike">
+              <a:latin typeface="Arial"/>
             </a:endParaRPr>
           </a:p>
         </p:txBody>
@@ -180,7 +172,7 @@
       </p:grpSpPr>
       <p:sp>
         <p:nvSpPr>
-          <p:cNvPr id="43" name="PlaceHolder 1"/>
+          <p:cNvPr id="40" name="PlaceHolder 1"/>
           <p:cNvSpPr>
             <a:spLocks noGrp="1"/>
           </p:cNvSpPr>
@@ -190,8 +182,8 @@
         </p:nvSpPr>
         <p:spPr>
           <a:xfrm>
-            <a:off x="1484280" y="685800"/>
-            <a:ext cx="10018440" cy="1752120"/>
+            <a:off x="609480" y="273600"/>
+            <a:ext cx="10972440" cy="1144800"/>
           </a:xfrm>
           <a:prstGeom prst="rect">
             <a:avLst/>
@@ -200,18 +192,16 @@
         <p:txBody>
           <a:bodyPr lIns="0" rIns="0" tIns="0" bIns="0" anchor="ctr"/>
           <a:p>
-            <a:endParaRPr b="0" lang="en-US" sz="1800" spc="-1" strike="noStrike">
-              <a:solidFill>
-                <a:srgbClr val="000000"/>
-              </a:solidFill>
-              <a:latin typeface="Corbel"/>
-            </a:endParaRPr>
-          </a:p>
-        </p:txBody>
-      </p:sp>
-      <p:sp>
-        <p:nvSpPr>
-          <p:cNvPr id="44" name="PlaceHolder 2"/>
+            <a:pPr algn="ctr"/>
+            <a:endParaRPr b="0" lang="en-US" sz="4400" spc="-1" strike="noStrike">
+              <a:latin typeface="Arial"/>
+            </a:endParaRPr>
+          </a:p>
+        </p:txBody>
+      </p:sp>
+      <p:sp>
+        <p:nvSpPr>
+          <p:cNvPr id="41" name="PlaceHolder 2"/>
           <p:cNvSpPr>
             <a:spLocks noGrp="1"/>
           </p:cNvSpPr>
@@ -221,8 +211,8 @@
         </p:nvSpPr>
         <p:spPr>
           <a:xfrm>
-            <a:off x="1484280" y="2666880"/>
-            <a:ext cx="4888800" cy="1489680"/>
+            <a:off x="609480" y="1604520"/>
+            <a:ext cx="5354280" cy="1896840"/>
           </a:xfrm>
           <a:prstGeom prst="rect">
             <a:avLst/>
@@ -233,18 +223,15 @@
             <a:normAutofit/>
           </a:bodyPr>
           <a:p>
-            <a:endParaRPr b="0" lang="en-US" sz="2400" spc="-1" strike="noStrike">
-              <a:solidFill>
-                <a:srgbClr val="000000"/>
-              </a:solidFill>
-              <a:latin typeface="Corbel"/>
-            </a:endParaRPr>
-          </a:p>
-        </p:txBody>
-      </p:sp>
-      <p:sp>
-        <p:nvSpPr>
-          <p:cNvPr id="45" name="PlaceHolder 3"/>
+            <a:endParaRPr b="0" lang="en-US" sz="3200" spc="-1" strike="noStrike">
+              <a:latin typeface="Arial"/>
+            </a:endParaRPr>
+          </a:p>
+        </p:txBody>
+      </p:sp>
+      <p:sp>
+        <p:nvSpPr>
+          <p:cNvPr id="42" name="PlaceHolder 3"/>
           <p:cNvSpPr>
             <a:spLocks noGrp="1"/>
           </p:cNvSpPr>
@@ -254,8 +241,8 @@
         </p:nvSpPr>
         <p:spPr>
           <a:xfrm>
-            <a:off x="6617880" y="2666880"/>
-            <a:ext cx="4888800" cy="1489680"/>
+            <a:off x="6231960" y="1604520"/>
+            <a:ext cx="5354280" cy="1896840"/>
           </a:xfrm>
           <a:prstGeom prst="rect">
             <a:avLst/>
@@ -266,18 +253,15 @@
             <a:normAutofit/>
           </a:bodyPr>
           <a:p>
-            <a:endParaRPr b="0" lang="en-US" sz="2400" spc="-1" strike="noStrike">
-              <a:solidFill>
-                <a:srgbClr val="000000"/>
-              </a:solidFill>
-              <a:latin typeface="Corbel"/>
-            </a:endParaRPr>
-          </a:p>
-        </p:txBody>
-      </p:sp>
-      <p:sp>
-        <p:nvSpPr>
-          <p:cNvPr id="46" name="PlaceHolder 4"/>
+            <a:endParaRPr b="0" lang="en-US" sz="3200" spc="-1" strike="noStrike">
+              <a:latin typeface="Arial"/>
+            </a:endParaRPr>
+          </a:p>
+        </p:txBody>
+      </p:sp>
+      <p:sp>
+        <p:nvSpPr>
+          <p:cNvPr id="43" name="PlaceHolder 4"/>
           <p:cNvSpPr>
             <a:spLocks noGrp="1"/>
           </p:cNvSpPr>
@@ -287,8 +271,8 @@
         </p:nvSpPr>
         <p:spPr>
           <a:xfrm>
-            <a:off x="1484280" y="4298400"/>
-            <a:ext cx="4888800" cy="1489680"/>
+            <a:off x="609480" y="3682080"/>
+            <a:ext cx="5354280" cy="1896840"/>
           </a:xfrm>
           <a:prstGeom prst="rect">
             <a:avLst/>
@@ -299,18 +283,15 @@
             <a:normAutofit/>
           </a:bodyPr>
           <a:p>
-            <a:endParaRPr b="0" lang="en-US" sz="2400" spc="-1" strike="noStrike">
-              <a:solidFill>
-                <a:srgbClr val="000000"/>
-              </a:solidFill>
-              <a:latin typeface="Corbel"/>
-            </a:endParaRPr>
-          </a:p>
-        </p:txBody>
-      </p:sp>
-      <p:sp>
-        <p:nvSpPr>
-          <p:cNvPr id="47" name="PlaceHolder 5"/>
+            <a:endParaRPr b="0" lang="en-US" sz="3200" spc="-1" strike="noStrike">
+              <a:latin typeface="Arial"/>
+            </a:endParaRPr>
+          </a:p>
+        </p:txBody>
+      </p:sp>
+      <p:sp>
+        <p:nvSpPr>
+          <p:cNvPr id="44" name="PlaceHolder 5"/>
           <p:cNvSpPr>
             <a:spLocks noGrp="1"/>
           </p:cNvSpPr>
@@ -320,8 +301,8 @@
         </p:nvSpPr>
         <p:spPr>
           <a:xfrm>
-            <a:off x="6617880" y="4298400"/>
-            <a:ext cx="4888800" cy="1489680"/>
+            <a:off x="6231960" y="3682080"/>
+            <a:ext cx="5354280" cy="1896840"/>
           </a:xfrm>
           <a:prstGeom prst="rect">
             <a:avLst/>
@@ -332,11 +313,8 @@
             <a:normAutofit/>
           </a:bodyPr>
           <a:p>
-            <a:endParaRPr b="0" lang="en-US" sz="2400" spc="-1" strike="noStrike">
-              <a:solidFill>
-                <a:srgbClr val="000000"/>
-              </a:solidFill>
-              <a:latin typeface="Corbel"/>
+            <a:endParaRPr b="0" lang="en-US" sz="3200" spc="-1" strike="noStrike">
+              <a:latin typeface="Arial"/>
             </a:endParaRPr>
           </a:p>
         </p:txBody>
@@ -365,7 +343,7 @@
       </p:grpSpPr>
       <p:sp>
         <p:nvSpPr>
-          <p:cNvPr id="48" name="PlaceHolder 1"/>
+          <p:cNvPr id="45" name="PlaceHolder 1"/>
           <p:cNvSpPr>
             <a:spLocks noGrp="1"/>
           </p:cNvSpPr>
@@ -375,8 +353,8 @@
         </p:nvSpPr>
         <p:spPr>
           <a:xfrm>
-            <a:off x="1484280" y="685800"/>
-            <a:ext cx="10018440" cy="1752120"/>
+            <a:off x="609480" y="273600"/>
+            <a:ext cx="10972440" cy="1144800"/>
           </a:xfrm>
           <a:prstGeom prst="rect">
             <a:avLst/>
@@ -385,18 +363,16 @@
         <p:txBody>
           <a:bodyPr lIns="0" rIns="0" tIns="0" bIns="0" anchor="ctr"/>
           <a:p>
-            <a:endParaRPr b="0" lang="en-US" sz="1800" spc="-1" strike="noStrike">
-              <a:solidFill>
-                <a:srgbClr val="000000"/>
-              </a:solidFill>
-              <a:latin typeface="Corbel"/>
-            </a:endParaRPr>
-          </a:p>
-        </p:txBody>
-      </p:sp>
-      <p:sp>
-        <p:nvSpPr>
-          <p:cNvPr id="49" name="PlaceHolder 2"/>
+            <a:pPr algn="ctr"/>
+            <a:endParaRPr b="0" lang="en-US" sz="4400" spc="-1" strike="noStrike">
+              <a:latin typeface="Arial"/>
+            </a:endParaRPr>
+          </a:p>
+        </p:txBody>
+      </p:sp>
+      <p:sp>
+        <p:nvSpPr>
+          <p:cNvPr id="46" name="PlaceHolder 2"/>
           <p:cNvSpPr>
             <a:spLocks noGrp="1"/>
           </p:cNvSpPr>
@@ -406,8 +382,8 @@
         </p:nvSpPr>
         <p:spPr>
           <a:xfrm>
-            <a:off x="1484280" y="2666880"/>
-            <a:ext cx="3225600" cy="1489680"/>
+            <a:off x="609480" y="1604520"/>
+            <a:ext cx="3533040" cy="1896840"/>
           </a:xfrm>
           <a:prstGeom prst="rect">
             <a:avLst/>
@@ -418,18 +394,15 @@
             <a:normAutofit/>
           </a:bodyPr>
           <a:p>
-            <a:endParaRPr b="0" lang="en-US" sz="2400" spc="-1" strike="noStrike">
-              <a:solidFill>
-                <a:srgbClr val="000000"/>
-              </a:solidFill>
-              <a:latin typeface="Corbel"/>
-            </a:endParaRPr>
-          </a:p>
-        </p:txBody>
-      </p:sp>
-      <p:sp>
-        <p:nvSpPr>
-          <p:cNvPr id="50" name="PlaceHolder 3"/>
+            <a:endParaRPr b="0" lang="en-US" sz="3200" spc="-1" strike="noStrike">
+              <a:latin typeface="Arial"/>
+            </a:endParaRPr>
+          </a:p>
+        </p:txBody>
+      </p:sp>
+      <p:sp>
+        <p:nvSpPr>
+          <p:cNvPr id="47" name="PlaceHolder 3"/>
           <p:cNvSpPr>
             <a:spLocks noGrp="1"/>
           </p:cNvSpPr>
@@ -439,8 +412,8 @@
         </p:nvSpPr>
         <p:spPr>
           <a:xfrm>
-            <a:off x="4871520" y="2666880"/>
-            <a:ext cx="3225600" cy="1489680"/>
+            <a:off x="4319640" y="1604520"/>
+            <a:ext cx="3533040" cy="1896840"/>
           </a:xfrm>
           <a:prstGeom prst="rect">
             <a:avLst/>
@@ -451,18 +424,15 @@
             <a:normAutofit/>
           </a:bodyPr>
           <a:p>
-            <a:endParaRPr b="0" lang="en-US" sz="2400" spc="-1" strike="noStrike">
-              <a:solidFill>
-                <a:srgbClr val="000000"/>
-              </a:solidFill>
-              <a:latin typeface="Corbel"/>
-            </a:endParaRPr>
-          </a:p>
-        </p:txBody>
-      </p:sp>
-      <p:sp>
-        <p:nvSpPr>
-          <p:cNvPr id="51" name="PlaceHolder 4"/>
+            <a:endParaRPr b="0" lang="en-US" sz="3200" spc="-1" strike="noStrike">
+              <a:latin typeface="Arial"/>
+            </a:endParaRPr>
+          </a:p>
+        </p:txBody>
+      </p:sp>
+      <p:sp>
+        <p:nvSpPr>
+          <p:cNvPr id="48" name="PlaceHolder 4"/>
           <p:cNvSpPr>
             <a:spLocks noGrp="1"/>
           </p:cNvSpPr>
@@ -472,8 +442,8 @@
         </p:nvSpPr>
         <p:spPr>
           <a:xfrm>
-            <a:off x="8258760" y="2666880"/>
-            <a:ext cx="3225600" cy="1489680"/>
+            <a:off x="8029800" y="1604520"/>
+            <a:ext cx="3533040" cy="1896840"/>
           </a:xfrm>
           <a:prstGeom prst="rect">
             <a:avLst/>
@@ -484,18 +454,15 @@
             <a:normAutofit/>
           </a:bodyPr>
           <a:p>
-            <a:endParaRPr b="0" lang="en-US" sz="2400" spc="-1" strike="noStrike">
-              <a:solidFill>
-                <a:srgbClr val="000000"/>
-              </a:solidFill>
-              <a:latin typeface="Corbel"/>
-            </a:endParaRPr>
-          </a:p>
-        </p:txBody>
-      </p:sp>
-      <p:sp>
-        <p:nvSpPr>
-          <p:cNvPr id="52" name="PlaceHolder 5"/>
+            <a:endParaRPr b="0" lang="en-US" sz="3200" spc="-1" strike="noStrike">
+              <a:latin typeface="Arial"/>
+            </a:endParaRPr>
+          </a:p>
+        </p:txBody>
+      </p:sp>
+      <p:sp>
+        <p:nvSpPr>
+          <p:cNvPr id="49" name="PlaceHolder 5"/>
           <p:cNvSpPr>
             <a:spLocks noGrp="1"/>
           </p:cNvSpPr>
@@ -505,8 +472,8 @@
         </p:nvSpPr>
         <p:spPr>
           <a:xfrm>
-            <a:off x="1484280" y="4298400"/>
-            <a:ext cx="3225600" cy="1489680"/>
+            <a:off x="609480" y="3682080"/>
+            <a:ext cx="3533040" cy="1896840"/>
           </a:xfrm>
           <a:prstGeom prst="rect">
             <a:avLst/>
@@ -517,18 +484,15 @@
             <a:normAutofit/>
           </a:bodyPr>
           <a:p>
-            <a:endParaRPr b="0" lang="en-US" sz="2400" spc="-1" strike="noStrike">
-              <a:solidFill>
-                <a:srgbClr val="000000"/>
-              </a:solidFill>
-              <a:latin typeface="Corbel"/>
-            </a:endParaRPr>
-          </a:p>
-        </p:txBody>
-      </p:sp>
-      <p:sp>
-        <p:nvSpPr>
-          <p:cNvPr id="53" name="PlaceHolder 6"/>
+            <a:endParaRPr b="0" lang="en-US" sz="3200" spc="-1" strike="noStrike">
+              <a:latin typeface="Arial"/>
+            </a:endParaRPr>
+          </a:p>
+        </p:txBody>
+      </p:sp>
+      <p:sp>
+        <p:nvSpPr>
+          <p:cNvPr id="50" name="PlaceHolder 6"/>
           <p:cNvSpPr>
             <a:spLocks noGrp="1"/>
           </p:cNvSpPr>
@@ -538,8 +502,8 @@
         </p:nvSpPr>
         <p:spPr>
           <a:xfrm>
-            <a:off x="4871520" y="4298400"/>
-            <a:ext cx="3225600" cy="1489680"/>
+            <a:off x="4319640" y="3682080"/>
+            <a:ext cx="3533040" cy="1896840"/>
           </a:xfrm>
           <a:prstGeom prst="rect">
             <a:avLst/>
@@ -550,18 +514,15 @@
             <a:normAutofit/>
           </a:bodyPr>
           <a:p>
-            <a:endParaRPr b="0" lang="en-US" sz="2400" spc="-1" strike="noStrike">
-              <a:solidFill>
-                <a:srgbClr val="000000"/>
-              </a:solidFill>
-              <a:latin typeface="Corbel"/>
-            </a:endParaRPr>
-          </a:p>
-        </p:txBody>
-      </p:sp>
-      <p:sp>
-        <p:nvSpPr>
-          <p:cNvPr id="54" name="PlaceHolder 7"/>
+            <a:endParaRPr b="0" lang="en-US" sz="3200" spc="-1" strike="noStrike">
+              <a:latin typeface="Arial"/>
+            </a:endParaRPr>
+          </a:p>
+        </p:txBody>
+      </p:sp>
+      <p:sp>
+        <p:nvSpPr>
+          <p:cNvPr id="51" name="PlaceHolder 7"/>
           <p:cNvSpPr>
             <a:spLocks noGrp="1"/>
           </p:cNvSpPr>
@@ -571,8 +532,8 @@
         </p:nvSpPr>
         <p:spPr>
           <a:xfrm>
-            <a:off x="8258760" y="4298400"/>
-            <a:ext cx="3225600" cy="1489680"/>
+            <a:off x="8029800" y="3682080"/>
+            <a:ext cx="3533040" cy="1896840"/>
           </a:xfrm>
           <a:prstGeom prst="rect">
             <a:avLst/>
@@ -583,11 +544,8 @@
             <a:normAutofit/>
           </a:bodyPr>
           <a:p>
-            <a:endParaRPr b="0" lang="en-US" sz="2400" spc="-1" strike="noStrike">
-              <a:solidFill>
-                <a:srgbClr val="000000"/>
-              </a:solidFill>
-              <a:latin typeface="Corbel"/>
+            <a:endParaRPr b="0" lang="en-US" sz="3200" spc="-1" strike="noStrike">
+              <a:latin typeface="Arial"/>
             </a:endParaRPr>
           </a:p>
         </p:txBody>
@@ -638,7 +596,7 @@
       </p:grpSpPr>
       <p:sp>
         <p:nvSpPr>
-          <p:cNvPr id="67" name="PlaceHolder 1"/>
+          <p:cNvPr id="61" name="PlaceHolder 1"/>
           <p:cNvSpPr>
             <a:spLocks noGrp="1"/>
           </p:cNvSpPr>
@@ -648,8 +606,8 @@
         </p:nvSpPr>
         <p:spPr>
           <a:xfrm>
-            <a:off x="1484280" y="685800"/>
-            <a:ext cx="10018440" cy="1752120"/>
+            <a:off x="609480" y="273600"/>
+            <a:ext cx="10972440" cy="1144800"/>
           </a:xfrm>
           <a:prstGeom prst="rect">
             <a:avLst/>
@@ -658,18 +616,16 @@
         <p:txBody>
           <a:bodyPr lIns="0" rIns="0" tIns="0" bIns="0" anchor="ctr"/>
           <a:p>
-            <a:endParaRPr b="0" lang="en-US" sz="1800" spc="-1" strike="noStrike">
-              <a:solidFill>
-                <a:srgbClr val="000000"/>
-              </a:solidFill>
-              <a:latin typeface="Corbel"/>
-            </a:endParaRPr>
-          </a:p>
-        </p:txBody>
-      </p:sp>
-      <p:sp>
-        <p:nvSpPr>
-          <p:cNvPr id="68" name="PlaceHolder 2"/>
+            <a:pPr algn="ctr"/>
+            <a:endParaRPr b="0" lang="en-US" sz="4400" spc="-1" strike="noStrike">
+              <a:latin typeface="Arial"/>
+            </a:endParaRPr>
+          </a:p>
+        </p:txBody>
+      </p:sp>
+      <p:sp>
+        <p:nvSpPr>
+          <p:cNvPr id="62" name="PlaceHolder 2"/>
           <p:cNvSpPr>
             <a:spLocks noGrp="1"/>
           </p:cNvSpPr>
@@ -679,8 +635,8 @@
         </p:nvSpPr>
         <p:spPr>
           <a:xfrm>
-            <a:off x="1484280" y="2666880"/>
-            <a:ext cx="10018440" cy="3123720"/>
+            <a:off x="609480" y="1604520"/>
+            <a:ext cx="10972440" cy="3977280"/>
           </a:xfrm>
           <a:prstGeom prst="rect">
             <a:avLst/>
@@ -720,7 +676,7 @@
       </p:grpSpPr>
       <p:sp>
         <p:nvSpPr>
-          <p:cNvPr id="69" name="PlaceHolder 1"/>
+          <p:cNvPr id="63" name="PlaceHolder 1"/>
           <p:cNvSpPr>
             <a:spLocks noGrp="1"/>
           </p:cNvSpPr>
@@ -730,8 +686,8 @@
         </p:nvSpPr>
         <p:spPr>
           <a:xfrm>
-            <a:off x="1484280" y="685800"/>
-            <a:ext cx="10018440" cy="1752120"/>
+            <a:off x="609480" y="273600"/>
+            <a:ext cx="10972440" cy="1144800"/>
           </a:xfrm>
           <a:prstGeom prst="rect">
             <a:avLst/>
@@ -740,18 +696,16 @@
         <p:txBody>
           <a:bodyPr lIns="0" rIns="0" tIns="0" bIns="0" anchor="ctr"/>
           <a:p>
-            <a:endParaRPr b="0" lang="en-US" sz="1800" spc="-1" strike="noStrike">
-              <a:solidFill>
-                <a:srgbClr val="000000"/>
-              </a:solidFill>
-              <a:latin typeface="Corbel"/>
-            </a:endParaRPr>
-          </a:p>
-        </p:txBody>
-      </p:sp>
-      <p:sp>
-        <p:nvSpPr>
-          <p:cNvPr id="70" name="PlaceHolder 2"/>
+            <a:pPr algn="ctr"/>
+            <a:endParaRPr b="0" lang="en-US" sz="4400" spc="-1" strike="noStrike">
+              <a:latin typeface="Arial"/>
+            </a:endParaRPr>
+          </a:p>
+        </p:txBody>
+      </p:sp>
+      <p:sp>
+        <p:nvSpPr>
+          <p:cNvPr id="64" name="PlaceHolder 2"/>
           <p:cNvSpPr>
             <a:spLocks noGrp="1"/>
           </p:cNvSpPr>
@@ -761,8 +715,8 @@
         </p:nvSpPr>
         <p:spPr>
           <a:xfrm>
-            <a:off x="1484280" y="2666880"/>
-            <a:ext cx="10018440" cy="3123720"/>
+            <a:off x="609480" y="1604520"/>
+            <a:ext cx="10972440" cy="3977280"/>
           </a:xfrm>
           <a:prstGeom prst="rect">
             <a:avLst/>
@@ -773,11 +727,8 @@
             <a:normAutofit/>
           </a:bodyPr>
           <a:p>
-            <a:endParaRPr b="0" lang="en-US" sz="2400" spc="-1" strike="noStrike">
-              <a:solidFill>
-                <a:srgbClr val="000000"/>
-              </a:solidFill>
-              <a:latin typeface="Corbel"/>
+            <a:endParaRPr b="0" lang="en-US" sz="3200" spc="-1" strike="noStrike">
+              <a:latin typeface="Arial"/>
             </a:endParaRPr>
           </a:p>
         </p:txBody>
@@ -806,7 +757,7 @@
       </p:grpSpPr>
       <p:sp>
         <p:nvSpPr>
-          <p:cNvPr id="71" name="PlaceHolder 1"/>
+          <p:cNvPr id="65" name="PlaceHolder 1"/>
           <p:cNvSpPr>
             <a:spLocks noGrp="1"/>
           </p:cNvSpPr>
@@ -816,8 +767,8 @@
         </p:nvSpPr>
         <p:spPr>
           <a:xfrm>
-            <a:off x="1484280" y="685800"/>
-            <a:ext cx="10018440" cy="1752120"/>
+            <a:off x="609480" y="273600"/>
+            <a:ext cx="10972440" cy="1144800"/>
           </a:xfrm>
           <a:prstGeom prst="rect">
             <a:avLst/>
@@ -826,18 +777,16 @@
         <p:txBody>
           <a:bodyPr lIns="0" rIns="0" tIns="0" bIns="0" anchor="ctr"/>
           <a:p>
-            <a:endParaRPr b="0" lang="en-US" sz="1800" spc="-1" strike="noStrike">
-              <a:solidFill>
-                <a:srgbClr val="000000"/>
-              </a:solidFill>
-              <a:latin typeface="Corbel"/>
-            </a:endParaRPr>
-          </a:p>
-        </p:txBody>
-      </p:sp>
-      <p:sp>
-        <p:nvSpPr>
-          <p:cNvPr id="72" name="PlaceHolder 2"/>
+            <a:pPr algn="ctr"/>
+            <a:endParaRPr b="0" lang="en-US" sz="4400" spc="-1" strike="noStrike">
+              <a:latin typeface="Arial"/>
+            </a:endParaRPr>
+          </a:p>
+        </p:txBody>
+      </p:sp>
+      <p:sp>
+        <p:nvSpPr>
+          <p:cNvPr id="66" name="PlaceHolder 2"/>
           <p:cNvSpPr>
             <a:spLocks noGrp="1"/>
           </p:cNvSpPr>
@@ -847,8 +796,8 @@
         </p:nvSpPr>
         <p:spPr>
           <a:xfrm>
-            <a:off x="1484280" y="2666880"/>
-            <a:ext cx="4888800" cy="3123720"/>
+            <a:off x="609480" y="1604520"/>
+            <a:ext cx="5354280" cy="3977280"/>
           </a:xfrm>
           <a:prstGeom prst="rect">
             <a:avLst/>
@@ -859,18 +808,15 @@
             <a:normAutofit/>
           </a:bodyPr>
           <a:p>
-            <a:endParaRPr b="0" lang="en-US" sz="2400" spc="-1" strike="noStrike">
-              <a:solidFill>
-                <a:srgbClr val="000000"/>
-              </a:solidFill>
-              <a:latin typeface="Corbel"/>
-            </a:endParaRPr>
-          </a:p>
-        </p:txBody>
-      </p:sp>
-      <p:sp>
-        <p:nvSpPr>
-          <p:cNvPr id="73" name="PlaceHolder 3"/>
+            <a:endParaRPr b="0" lang="en-US" sz="3200" spc="-1" strike="noStrike">
+              <a:latin typeface="Arial"/>
+            </a:endParaRPr>
+          </a:p>
+        </p:txBody>
+      </p:sp>
+      <p:sp>
+        <p:nvSpPr>
+          <p:cNvPr id="67" name="PlaceHolder 3"/>
           <p:cNvSpPr>
             <a:spLocks noGrp="1"/>
           </p:cNvSpPr>
@@ -880,8 +826,8 @@
         </p:nvSpPr>
         <p:spPr>
           <a:xfrm>
-            <a:off x="6617880" y="2666880"/>
-            <a:ext cx="4888800" cy="3123720"/>
+            <a:off x="6231960" y="1604520"/>
+            <a:ext cx="5354280" cy="3977280"/>
           </a:xfrm>
           <a:prstGeom prst="rect">
             <a:avLst/>
@@ -892,11 +838,8 @@
             <a:normAutofit/>
           </a:bodyPr>
           <a:p>
-            <a:endParaRPr b="0" lang="en-US" sz="2400" spc="-1" strike="noStrike">
-              <a:solidFill>
-                <a:srgbClr val="000000"/>
-              </a:solidFill>
-              <a:latin typeface="Corbel"/>
+            <a:endParaRPr b="0" lang="en-US" sz="3200" spc="-1" strike="noStrike">
+              <a:latin typeface="Arial"/>
             </a:endParaRPr>
           </a:p>
         </p:txBody>
@@ -925,7 +868,7 @@
       </p:grpSpPr>
       <p:sp>
         <p:nvSpPr>
-          <p:cNvPr id="74" name="PlaceHolder 1"/>
+          <p:cNvPr id="68" name="PlaceHolder 1"/>
           <p:cNvSpPr>
             <a:spLocks noGrp="1"/>
           </p:cNvSpPr>
@@ -935,8 +878,8 @@
         </p:nvSpPr>
         <p:spPr>
           <a:xfrm>
-            <a:off x="1484280" y="685800"/>
-            <a:ext cx="10018440" cy="1752120"/>
+            <a:off x="609480" y="273600"/>
+            <a:ext cx="10972440" cy="1144800"/>
           </a:xfrm>
           <a:prstGeom prst="rect">
             <a:avLst/>
@@ -945,11 +888,9 @@
         <p:txBody>
           <a:bodyPr lIns="0" rIns="0" tIns="0" bIns="0" anchor="ctr"/>
           <a:p>
-            <a:endParaRPr b="0" lang="en-US" sz="1800" spc="-1" strike="noStrike">
-              <a:solidFill>
-                <a:srgbClr val="000000"/>
-              </a:solidFill>
-              <a:latin typeface="Corbel"/>
+            <a:pPr algn="ctr"/>
+            <a:endParaRPr b="0" lang="en-US" sz="4400" spc="-1" strike="noStrike">
+              <a:latin typeface="Arial"/>
             </a:endParaRPr>
           </a:p>
         </p:txBody>
@@ -978,7 +919,7 @@
       </p:grpSpPr>
       <p:sp>
         <p:nvSpPr>
-          <p:cNvPr id="75" name="PlaceHolder 1"/>
+          <p:cNvPr id="69" name="PlaceHolder 1"/>
           <p:cNvSpPr>
             <a:spLocks noGrp="1"/>
           </p:cNvSpPr>
@@ -988,8 +929,8 @@
         </p:nvSpPr>
         <p:spPr>
           <a:xfrm>
-            <a:off x="1484280" y="685800"/>
-            <a:ext cx="10018440" cy="8123040"/>
+            <a:off x="609480" y="273600"/>
+            <a:ext cx="10972440" cy="5307840"/>
           </a:xfrm>
           <a:prstGeom prst="rect">
             <a:avLst/>
@@ -1029,7 +970,7 @@
       </p:grpSpPr>
       <p:sp>
         <p:nvSpPr>
-          <p:cNvPr id="76" name="PlaceHolder 1"/>
+          <p:cNvPr id="70" name="PlaceHolder 1"/>
           <p:cNvSpPr>
             <a:spLocks noGrp="1"/>
           </p:cNvSpPr>
@@ -1039,8 +980,8 @@
         </p:nvSpPr>
         <p:spPr>
           <a:xfrm>
-            <a:off x="1484280" y="685800"/>
-            <a:ext cx="10018440" cy="1752120"/>
+            <a:off x="609480" y="273600"/>
+            <a:ext cx="10972440" cy="1144800"/>
           </a:xfrm>
           <a:prstGeom prst="rect">
             <a:avLst/>
@@ -1049,18 +990,16 @@
         <p:txBody>
           <a:bodyPr lIns="0" rIns="0" tIns="0" bIns="0" anchor="ctr"/>
           <a:p>
-            <a:endParaRPr b="0" lang="en-US" sz="1800" spc="-1" strike="noStrike">
-              <a:solidFill>
-                <a:srgbClr val="000000"/>
-              </a:solidFill>
-              <a:latin typeface="Corbel"/>
-            </a:endParaRPr>
-          </a:p>
-        </p:txBody>
-      </p:sp>
-      <p:sp>
-        <p:nvSpPr>
-          <p:cNvPr id="77" name="PlaceHolder 2"/>
+            <a:pPr algn="ctr"/>
+            <a:endParaRPr b="0" lang="en-US" sz="4400" spc="-1" strike="noStrike">
+              <a:latin typeface="Arial"/>
+            </a:endParaRPr>
+          </a:p>
+        </p:txBody>
+      </p:sp>
+      <p:sp>
+        <p:nvSpPr>
+          <p:cNvPr id="71" name="PlaceHolder 2"/>
           <p:cNvSpPr>
             <a:spLocks noGrp="1"/>
           </p:cNvSpPr>
@@ -1070,8 +1009,8 @@
         </p:nvSpPr>
         <p:spPr>
           <a:xfrm>
-            <a:off x="1484280" y="2666880"/>
-            <a:ext cx="4888800" cy="1489680"/>
+            <a:off x="609480" y="1604520"/>
+            <a:ext cx="5354280" cy="1896840"/>
           </a:xfrm>
           <a:prstGeom prst="rect">
             <a:avLst/>
@@ -1082,18 +1021,15 @@
             <a:normAutofit/>
           </a:bodyPr>
           <a:p>
-            <a:endParaRPr b="0" lang="en-US" sz="2400" spc="-1" strike="noStrike">
-              <a:solidFill>
-                <a:srgbClr val="000000"/>
-              </a:solidFill>
-              <a:latin typeface="Corbel"/>
-            </a:endParaRPr>
-          </a:p>
-        </p:txBody>
-      </p:sp>
-      <p:sp>
-        <p:nvSpPr>
-          <p:cNvPr id="78" name="PlaceHolder 3"/>
+            <a:endParaRPr b="0" lang="en-US" sz="3200" spc="-1" strike="noStrike">
+              <a:latin typeface="Arial"/>
+            </a:endParaRPr>
+          </a:p>
+        </p:txBody>
+      </p:sp>
+      <p:sp>
+        <p:nvSpPr>
+          <p:cNvPr id="72" name="PlaceHolder 3"/>
           <p:cNvSpPr>
             <a:spLocks noGrp="1"/>
           </p:cNvSpPr>
@@ -1103,8 +1039,8 @@
         </p:nvSpPr>
         <p:spPr>
           <a:xfrm>
-            <a:off x="6617880" y="2666880"/>
-            <a:ext cx="4888800" cy="3123720"/>
+            <a:off x="6231960" y="1604520"/>
+            <a:ext cx="5354280" cy="3977280"/>
           </a:xfrm>
           <a:prstGeom prst="rect">
             <a:avLst/>
@@ -1115,18 +1051,15 @@
             <a:normAutofit/>
           </a:bodyPr>
           <a:p>
-            <a:endParaRPr b="0" lang="en-US" sz="2400" spc="-1" strike="noStrike">
-              <a:solidFill>
-                <a:srgbClr val="000000"/>
-              </a:solidFill>
-              <a:latin typeface="Corbel"/>
-            </a:endParaRPr>
-          </a:p>
-        </p:txBody>
-      </p:sp>
-      <p:sp>
-        <p:nvSpPr>
-          <p:cNvPr id="79" name="PlaceHolder 4"/>
+            <a:endParaRPr b="0" lang="en-US" sz="3200" spc="-1" strike="noStrike">
+              <a:latin typeface="Arial"/>
+            </a:endParaRPr>
+          </a:p>
+        </p:txBody>
+      </p:sp>
+      <p:sp>
+        <p:nvSpPr>
+          <p:cNvPr id="73" name="PlaceHolder 4"/>
           <p:cNvSpPr>
             <a:spLocks noGrp="1"/>
           </p:cNvSpPr>
@@ -1136,8 +1069,8 @@
         </p:nvSpPr>
         <p:spPr>
           <a:xfrm>
-            <a:off x="1484280" y="4298400"/>
-            <a:ext cx="4888800" cy="1489680"/>
+            <a:off x="609480" y="3682080"/>
+            <a:ext cx="5354280" cy="1896840"/>
           </a:xfrm>
           <a:prstGeom prst="rect">
             <a:avLst/>
@@ -1148,11 +1081,8 @@
             <a:normAutofit/>
           </a:bodyPr>
           <a:p>
-            <a:endParaRPr b="0" lang="en-US" sz="2400" spc="-1" strike="noStrike">
-              <a:solidFill>
-                <a:srgbClr val="000000"/>
-              </a:solidFill>
-              <a:latin typeface="Corbel"/>
+            <a:endParaRPr b="0" lang="en-US" sz="3200" spc="-1" strike="noStrike">
+              <a:latin typeface="Arial"/>
             </a:endParaRPr>
           </a:p>
         </p:txBody>
@@ -1181,7 +1111,7 @@
       </p:grpSpPr>
       <p:sp>
         <p:nvSpPr>
-          <p:cNvPr id="19" name="PlaceHolder 1"/>
+          <p:cNvPr id="16" name="PlaceHolder 1"/>
           <p:cNvSpPr>
             <a:spLocks noGrp="1"/>
           </p:cNvSpPr>
@@ -1191,8 +1121,8 @@
         </p:nvSpPr>
         <p:spPr>
           <a:xfrm>
-            <a:off x="1484280" y="685800"/>
-            <a:ext cx="10018440" cy="1752120"/>
+            <a:off x="609480" y="273600"/>
+            <a:ext cx="10972440" cy="1144800"/>
           </a:xfrm>
           <a:prstGeom prst="rect">
             <a:avLst/>
@@ -1201,18 +1131,16 @@
         <p:txBody>
           <a:bodyPr lIns="0" rIns="0" tIns="0" bIns="0" anchor="ctr"/>
           <a:p>
-            <a:endParaRPr b="0" lang="en-US" sz="1800" spc="-1" strike="noStrike">
-              <a:solidFill>
-                <a:srgbClr val="000000"/>
-              </a:solidFill>
-              <a:latin typeface="Corbel"/>
-            </a:endParaRPr>
-          </a:p>
-        </p:txBody>
-      </p:sp>
-      <p:sp>
-        <p:nvSpPr>
-          <p:cNvPr id="20" name="PlaceHolder 2"/>
+            <a:pPr algn="ctr"/>
+            <a:endParaRPr b="0" lang="en-US" sz="4400" spc="-1" strike="noStrike">
+              <a:latin typeface="Arial"/>
+            </a:endParaRPr>
+          </a:p>
+        </p:txBody>
+      </p:sp>
+      <p:sp>
+        <p:nvSpPr>
+          <p:cNvPr id="17" name="PlaceHolder 2"/>
           <p:cNvSpPr>
             <a:spLocks noGrp="1"/>
           </p:cNvSpPr>
@@ -1222,8 +1150,8 @@
         </p:nvSpPr>
         <p:spPr>
           <a:xfrm>
-            <a:off x="1484280" y="2666880"/>
-            <a:ext cx="10018440" cy="3123720"/>
+            <a:off x="609480" y="1604520"/>
+            <a:ext cx="10972440" cy="3977280"/>
           </a:xfrm>
           <a:prstGeom prst="rect">
             <a:avLst/>
@@ -1263,7 +1191,7 @@
       </p:grpSpPr>
       <p:sp>
         <p:nvSpPr>
-          <p:cNvPr id="80" name="PlaceHolder 1"/>
+          <p:cNvPr id="74" name="PlaceHolder 1"/>
           <p:cNvSpPr>
             <a:spLocks noGrp="1"/>
           </p:cNvSpPr>
@@ -1273,8 +1201,8 @@
         </p:nvSpPr>
         <p:spPr>
           <a:xfrm>
-            <a:off x="1484280" y="685800"/>
-            <a:ext cx="10018440" cy="1752120"/>
+            <a:off x="609480" y="273600"/>
+            <a:ext cx="10972440" cy="1144800"/>
           </a:xfrm>
           <a:prstGeom prst="rect">
             <a:avLst/>
@@ -1283,18 +1211,16 @@
         <p:txBody>
           <a:bodyPr lIns="0" rIns="0" tIns="0" bIns="0" anchor="ctr"/>
           <a:p>
-            <a:endParaRPr b="0" lang="en-US" sz="1800" spc="-1" strike="noStrike">
-              <a:solidFill>
-                <a:srgbClr val="000000"/>
-              </a:solidFill>
-              <a:latin typeface="Corbel"/>
-            </a:endParaRPr>
-          </a:p>
-        </p:txBody>
-      </p:sp>
-      <p:sp>
-        <p:nvSpPr>
-          <p:cNvPr id="81" name="PlaceHolder 2"/>
+            <a:pPr algn="ctr"/>
+            <a:endParaRPr b="0" lang="en-US" sz="4400" spc="-1" strike="noStrike">
+              <a:latin typeface="Arial"/>
+            </a:endParaRPr>
+          </a:p>
+        </p:txBody>
+      </p:sp>
+      <p:sp>
+        <p:nvSpPr>
+          <p:cNvPr id="75" name="PlaceHolder 2"/>
           <p:cNvSpPr>
             <a:spLocks noGrp="1"/>
           </p:cNvSpPr>
@@ -1304,8 +1230,8 @@
         </p:nvSpPr>
         <p:spPr>
           <a:xfrm>
-            <a:off x="1484280" y="2666880"/>
-            <a:ext cx="4888800" cy="3123720"/>
+            <a:off x="609480" y="1604520"/>
+            <a:ext cx="5354280" cy="3977280"/>
           </a:xfrm>
           <a:prstGeom prst="rect">
             <a:avLst/>
@@ -1316,18 +1242,15 @@
             <a:normAutofit/>
           </a:bodyPr>
           <a:p>
-            <a:endParaRPr b="0" lang="en-US" sz="2400" spc="-1" strike="noStrike">
-              <a:solidFill>
-                <a:srgbClr val="000000"/>
-              </a:solidFill>
-              <a:latin typeface="Corbel"/>
-            </a:endParaRPr>
-          </a:p>
-        </p:txBody>
-      </p:sp>
-      <p:sp>
-        <p:nvSpPr>
-          <p:cNvPr id="82" name="PlaceHolder 3"/>
+            <a:endParaRPr b="0" lang="en-US" sz="3200" spc="-1" strike="noStrike">
+              <a:latin typeface="Arial"/>
+            </a:endParaRPr>
+          </a:p>
+        </p:txBody>
+      </p:sp>
+      <p:sp>
+        <p:nvSpPr>
+          <p:cNvPr id="76" name="PlaceHolder 3"/>
           <p:cNvSpPr>
             <a:spLocks noGrp="1"/>
           </p:cNvSpPr>
@@ -1337,8 +1260,8 @@
         </p:nvSpPr>
         <p:spPr>
           <a:xfrm>
-            <a:off x="6617880" y="2666880"/>
-            <a:ext cx="4888800" cy="1489680"/>
+            <a:off x="6231960" y="1604520"/>
+            <a:ext cx="5354280" cy="1896840"/>
           </a:xfrm>
           <a:prstGeom prst="rect">
             <a:avLst/>
@@ -1349,18 +1272,15 @@
             <a:normAutofit/>
           </a:bodyPr>
           <a:p>
-            <a:endParaRPr b="0" lang="en-US" sz="2400" spc="-1" strike="noStrike">
-              <a:solidFill>
-                <a:srgbClr val="000000"/>
-              </a:solidFill>
-              <a:latin typeface="Corbel"/>
-            </a:endParaRPr>
-          </a:p>
-        </p:txBody>
-      </p:sp>
-      <p:sp>
-        <p:nvSpPr>
-          <p:cNvPr id="83" name="PlaceHolder 4"/>
+            <a:endParaRPr b="0" lang="en-US" sz="3200" spc="-1" strike="noStrike">
+              <a:latin typeface="Arial"/>
+            </a:endParaRPr>
+          </a:p>
+        </p:txBody>
+      </p:sp>
+      <p:sp>
+        <p:nvSpPr>
+          <p:cNvPr id="77" name="PlaceHolder 4"/>
           <p:cNvSpPr>
             <a:spLocks noGrp="1"/>
           </p:cNvSpPr>
@@ -1370,8 +1290,8 @@
         </p:nvSpPr>
         <p:spPr>
           <a:xfrm>
-            <a:off x="6617880" y="4298400"/>
-            <a:ext cx="4888800" cy="1489680"/>
+            <a:off x="6231960" y="3682080"/>
+            <a:ext cx="5354280" cy="1896840"/>
           </a:xfrm>
           <a:prstGeom prst="rect">
             <a:avLst/>
@@ -1382,11 +1302,8 @@
             <a:normAutofit/>
           </a:bodyPr>
           <a:p>
-            <a:endParaRPr b="0" lang="en-US" sz="2400" spc="-1" strike="noStrike">
-              <a:solidFill>
-                <a:srgbClr val="000000"/>
-              </a:solidFill>
-              <a:latin typeface="Corbel"/>
+            <a:endParaRPr b="0" lang="en-US" sz="3200" spc="-1" strike="noStrike">
+              <a:latin typeface="Arial"/>
             </a:endParaRPr>
           </a:p>
         </p:txBody>
@@ -1415,7 +1332,7 @@
       </p:grpSpPr>
       <p:sp>
         <p:nvSpPr>
-          <p:cNvPr id="84" name="PlaceHolder 1"/>
+          <p:cNvPr id="78" name="PlaceHolder 1"/>
           <p:cNvSpPr>
             <a:spLocks noGrp="1"/>
           </p:cNvSpPr>
@@ -1425,8 +1342,8 @@
         </p:nvSpPr>
         <p:spPr>
           <a:xfrm>
-            <a:off x="1484280" y="685800"/>
-            <a:ext cx="10018440" cy="1752120"/>
+            <a:off x="609480" y="273600"/>
+            <a:ext cx="10972440" cy="1144800"/>
           </a:xfrm>
           <a:prstGeom prst="rect">
             <a:avLst/>
@@ -1435,18 +1352,16 @@
         <p:txBody>
           <a:bodyPr lIns="0" rIns="0" tIns="0" bIns="0" anchor="ctr"/>
           <a:p>
-            <a:endParaRPr b="0" lang="en-US" sz="1800" spc="-1" strike="noStrike">
-              <a:solidFill>
-                <a:srgbClr val="000000"/>
-              </a:solidFill>
-              <a:latin typeface="Corbel"/>
-            </a:endParaRPr>
-          </a:p>
-        </p:txBody>
-      </p:sp>
-      <p:sp>
-        <p:nvSpPr>
-          <p:cNvPr id="85" name="PlaceHolder 2"/>
+            <a:pPr algn="ctr"/>
+            <a:endParaRPr b="0" lang="en-US" sz="4400" spc="-1" strike="noStrike">
+              <a:latin typeface="Arial"/>
+            </a:endParaRPr>
+          </a:p>
+        </p:txBody>
+      </p:sp>
+      <p:sp>
+        <p:nvSpPr>
+          <p:cNvPr id="79" name="PlaceHolder 2"/>
           <p:cNvSpPr>
             <a:spLocks noGrp="1"/>
           </p:cNvSpPr>
@@ -1456,8 +1371,8 @@
         </p:nvSpPr>
         <p:spPr>
           <a:xfrm>
-            <a:off x="1484280" y="2666880"/>
-            <a:ext cx="4888800" cy="1489680"/>
+            <a:off x="609480" y="1604520"/>
+            <a:ext cx="5354280" cy="1896840"/>
           </a:xfrm>
           <a:prstGeom prst="rect">
             <a:avLst/>
@@ -1468,18 +1383,15 @@
             <a:normAutofit/>
           </a:bodyPr>
           <a:p>
-            <a:endParaRPr b="0" lang="en-US" sz="2400" spc="-1" strike="noStrike">
-              <a:solidFill>
-                <a:srgbClr val="000000"/>
-              </a:solidFill>
-              <a:latin typeface="Corbel"/>
-            </a:endParaRPr>
-          </a:p>
-        </p:txBody>
-      </p:sp>
-      <p:sp>
-        <p:nvSpPr>
-          <p:cNvPr id="86" name="PlaceHolder 3"/>
+            <a:endParaRPr b="0" lang="en-US" sz="3200" spc="-1" strike="noStrike">
+              <a:latin typeface="Arial"/>
+            </a:endParaRPr>
+          </a:p>
+        </p:txBody>
+      </p:sp>
+      <p:sp>
+        <p:nvSpPr>
+          <p:cNvPr id="80" name="PlaceHolder 3"/>
           <p:cNvSpPr>
             <a:spLocks noGrp="1"/>
           </p:cNvSpPr>
@@ -1489,8 +1401,8 @@
         </p:nvSpPr>
         <p:spPr>
           <a:xfrm>
-            <a:off x="6617880" y="2666880"/>
-            <a:ext cx="4888800" cy="1489680"/>
+            <a:off x="6231960" y="1604520"/>
+            <a:ext cx="5354280" cy="1896840"/>
           </a:xfrm>
           <a:prstGeom prst="rect">
             <a:avLst/>
@@ -1501,18 +1413,15 @@
             <a:normAutofit/>
           </a:bodyPr>
           <a:p>
-            <a:endParaRPr b="0" lang="en-US" sz="2400" spc="-1" strike="noStrike">
-              <a:solidFill>
-                <a:srgbClr val="000000"/>
-              </a:solidFill>
-              <a:latin typeface="Corbel"/>
-            </a:endParaRPr>
-          </a:p>
-        </p:txBody>
-      </p:sp>
-      <p:sp>
-        <p:nvSpPr>
-          <p:cNvPr id="87" name="PlaceHolder 4"/>
+            <a:endParaRPr b="0" lang="en-US" sz="3200" spc="-1" strike="noStrike">
+              <a:latin typeface="Arial"/>
+            </a:endParaRPr>
+          </a:p>
+        </p:txBody>
+      </p:sp>
+      <p:sp>
+        <p:nvSpPr>
+          <p:cNvPr id="81" name="PlaceHolder 4"/>
           <p:cNvSpPr>
             <a:spLocks noGrp="1"/>
           </p:cNvSpPr>
@@ -1522,8 +1431,8 @@
         </p:nvSpPr>
         <p:spPr>
           <a:xfrm>
-            <a:off x="1484280" y="4298400"/>
-            <a:ext cx="10018440" cy="1489680"/>
+            <a:off x="609480" y="3682080"/>
+            <a:ext cx="10972440" cy="1896840"/>
           </a:xfrm>
           <a:prstGeom prst="rect">
             <a:avLst/>
@@ -1534,11 +1443,8 @@
             <a:normAutofit/>
           </a:bodyPr>
           <a:p>
-            <a:endParaRPr b="0" lang="en-US" sz="2400" spc="-1" strike="noStrike">
-              <a:solidFill>
-                <a:srgbClr val="000000"/>
-              </a:solidFill>
-              <a:latin typeface="Corbel"/>
+            <a:endParaRPr b="0" lang="en-US" sz="3200" spc="-1" strike="noStrike">
+              <a:latin typeface="Arial"/>
             </a:endParaRPr>
           </a:p>
         </p:txBody>
@@ -1567,7 +1473,7 @@
       </p:grpSpPr>
       <p:sp>
         <p:nvSpPr>
-          <p:cNvPr id="88" name="PlaceHolder 1"/>
+          <p:cNvPr id="82" name="PlaceHolder 1"/>
           <p:cNvSpPr>
             <a:spLocks noGrp="1"/>
           </p:cNvSpPr>
@@ -1577,8 +1483,8 @@
         </p:nvSpPr>
         <p:spPr>
           <a:xfrm>
-            <a:off x="1484280" y="685800"/>
-            <a:ext cx="10018440" cy="1752120"/>
+            <a:off x="609480" y="273600"/>
+            <a:ext cx="10972440" cy="1144800"/>
           </a:xfrm>
           <a:prstGeom prst="rect">
             <a:avLst/>
@@ -1587,18 +1493,16 @@
         <p:txBody>
           <a:bodyPr lIns="0" rIns="0" tIns="0" bIns="0" anchor="ctr"/>
           <a:p>
-            <a:endParaRPr b="0" lang="en-US" sz="1800" spc="-1" strike="noStrike">
-              <a:solidFill>
-                <a:srgbClr val="000000"/>
-              </a:solidFill>
-              <a:latin typeface="Corbel"/>
-            </a:endParaRPr>
-          </a:p>
-        </p:txBody>
-      </p:sp>
-      <p:sp>
-        <p:nvSpPr>
-          <p:cNvPr id="89" name="PlaceHolder 2"/>
+            <a:pPr algn="ctr"/>
+            <a:endParaRPr b="0" lang="en-US" sz="4400" spc="-1" strike="noStrike">
+              <a:latin typeface="Arial"/>
+            </a:endParaRPr>
+          </a:p>
+        </p:txBody>
+      </p:sp>
+      <p:sp>
+        <p:nvSpPr>
+          <p:cNvPr id="83" name="PlaceHolder 2"/>
           <p:cNvSpPr>
             <a:spLocks noGrp="1"/>
           </p:cNvSpPr>
@@ -1608,8 +1512,8 @@
         </p:nvSpPr>
         <p:spPr>
           <a:xfrm>
-            <a:off x="1484280" y="2666880"/>
-            <a:ext cx="10018440" cy="1489680"/>
+            <a:off x="609480" y="1604520"/>
+            <a:ext cx="10972440" cy="1896840"/>
           </a:xfrm>
           <a:prstGeom prst="rect">
             <a:avLst/>
@@ -1620,18 +1524,15 @@
             <a:normAutofit/>
           </a:bodyPr>
           <a:p>
-            <a:endParaRPr b="0" lang="en-US" sz="2400" spc="-1" strike="noStrike">
-              <a:solidFill>
-                <a:srgbClr val="000000"/>
-              </a:solidFill>
-              <a:latin typeface="Corbel"/>
-            </a:endParaRPr>
-          </a:p>
-        </p:txBody>
-      </p:sp>
-      <p:sp>
-        <p:nvSpPr>
-          <p:cNvPr id="90" name="PlaceHolder 3"/>
+            <a:endParaRPr b="0" lang="en-US" sz="3200" spc="-1" strike="noStrike">
+              <a:latin typeface="Arial"/>
+            </a:endParaRPr>
+          </a:p>
+        </p:txBody>
+      </p:sp>
+      <p:sp>
+        <p:nvSpPr>
+          <p:cNvPr id="84" name="PlaceHolder 3"/>
           <p:cNvSpPr>
             <a:spLocks noGrp="1"/>
           </p:cNvSpPr>
@@ -1641,8 +1542,8 @@
         </p:nvSpPr>
         <p:spPr>
           <a:xfrm>
-            <a:off x="1484280" y="4298400"/>
-            <a:ext cx="10018440" cy="1489680"/>
+            <a:off x="609480" y="3682080"/>
+            <a:ext cx="10972440" cy="1896840"/>
           </a:xfrm>
           <a:prstGeom prst="rect">
             <a:avLst/>
@@ -1653,11 +1554,8 @@
             <a:normAutofit/>
           </a:bodyPr>
           <a:p>
-            <a:endParaRPr b="0" lang="en-US" sz="2400" spc="-1" strike="noStrike">
-              <a:solidFill>
-                <a:srgbClr val="000000"/>
-              </a:solidFill>
-              <a:latin typeface="Corbel"/>
+            <a:endParaRPr b="0" lang="en-US" sz="3200" spc="-1" strike="noStrike">
+              <a:latin typeface="Arial"/>
             </a:endParaRPr>
           </a:p>
         </p:txBody>
@@ -1686,7 +1584,7 @@
       </p:grpSpPr>
       <p:sp>
         <p:nvSpPr>
-          <p:cNvPr id="91" name="PlaceHolder 1"/>
+          <p:cNvPr id="85" name="PlaceHolder 1"/>
           <p:cNvSpPr>
             <a:spLocks noGrp="1"/>
           </p:cNvSpPr>
@@ -1696,8 +1594,8 @@
         </p:nvSpPr>
         <p:spPr>
           <a:xfrm>
-            <a:off x="1484280" y="685800"/>
-            <a:ext cx="10018440" cy="1752120"/>
+            <a:off x="609480" y="273600"/>
+            <a:ext cx="10972440" cy="1144800"/>
           </a:xfrm>
           <a:prstGeom prst="rect">
             <a:avLst/>
@@ -1706,18 +1604,16 @@
         <p:txBody>
           <a:bodyPr lIns="0" rIns="0" tIns="0" bIns="0" anchor="ctr"/>
           <a:p>
-            <a:endParaRPr b="0" lang="en-US" sz="1800" spc="-1" strike="noStrike">
-              <a:solidFill>
-                <a:srgbClr val="000000"/>
-              </a:solidFill>
-              <a:latin typeface="Corbel"/>
-            </a:endParaRPr>
-          </a:p>
-        </p:txBody>
-      </p:sp>
-      <p:sp>
-        <p:nvSpPr>
-          <p:cNvPr id="92" name="PlaceHolder 2"/>
+            <a:pPr algn="ctr"/>
+            <a:endParaRPr b="0" lang="en-US" sz="4400" spc="-1" strike="noStrike">
+              <a:latin typeface="Arial"/>
+            </a:endParaRPr>
+          </a:p>
+        </p:txBody>
+      </p:sp>
+      <p:sp>
+        <p:nvSpPr>
+          <p:cNvPr id="86" name="PlaceHolder 2"/>
           <p:cNvSpPr>
             <a:spLocks noGrp="1"/>
           </p:cNvSpPr>
@@ -1727,8 +1623,8 @@
         </p:nvSpPr>
         <p:spPr>
           <a:xfrm>
-            <a:off x="1484280" y="2666880"/>
-            <a:ext cx="4888800" cy="1489680"/>
+            <a:off x="609480" y="1604520"/>
+            <a:ext cx="5354280" cy="1896840"/>
           </a:xfrm>
           <a:prstGeom prst="rect">
             <a:avLst/>
@@ -1739,18 +1635,15 @@
             <a:normAutofit/>
           </a:bodyPr>
           <a:p>
-            <a:endParaRPr b="0" lang="en-US" sz="2400" spc="-1" strike="noStrike">
-              <a:solidFill>
-                <a:srgbClr val="000000"/>
-              </a:solidFill>
-              <a:latin typeface="Corbel"/>
-            </a:endParaRPr>
-          </a:p>
-        </p:txBody>
-      </p:sp>
-      <p:sp>
-        <p:nvSpPr>
-          <p:cNvPr id="93" name="PlaceHolder 3"/>
+            <a:endParaRPr b="0" lang="en-US" sz="3200" spc="-1" strike="noStrike">
+              <a:latin typeface="Arial"/>
+            </a:endParaRPr>
+          </a:p>
+        </p:txBody>
+      </p:sp>
+      <p:sp>
+        <p:nvSpPr>
+          <p:cNvPr id="87" name="PlaceHolder 3"/>
           <p:cNvSpPr>
             <a:spLocks noGrp="1"/>
           </p:cNvSpPr>
@@ -1760,8 +1653,8 @@
         </p:nvSpPr>
         <p:spPr>
           <a:xfrm>
-            <a:off x="6617880" y="2666880"/>
-            <a:ext cx="4888800" cy="1489680"/>
+            <a:off x="6231960" y="1604520"/>
+            <a:ext cx="5354280" cy="1896840"/>
           </a:xfrm>
           <a:prstGeom prst="rect">
             <a:avLst/>
@@ -1772,18 +1665,15 @@
             <a:normAutofit/>
           </a:bodyPr>
           <a:p>
-            <a:endParaRPr b="0" lang="en-US" sz="2400" spc="-1" strike="noStrike">
-              <a:solidFill>
-                <a:srgbClr val="000000"/>
-              </a:solidFill>
-              <a:latin typeface="Corbel"/>
-            </a:endParaRPr>
-          </a:p>
-        </p:txBody>
-      </p:sp>
-      <p:sp>
-        <p:nvSpPr>
-          <p:cNvPr id="94" name="PlaceHolder 4"/>
+            <a:endParaRPr b="0" lang="en-US" sz="3200" spc="-1" strike="noStrike">
+              <a:latin typeface="Arial"/>
+            </a:endParaRPr>
+          </a:p>
+        </p:txBody>
+      </p:sp>
+      <p:sp>
+        <p:nvSpPr>
+          <p:cNvPr id="88" name="PlaceHolder 4"/>
           <p:cNvSpPr>
             <a:spLocks noGrp="1"/>
           </p:cNvSpPr>
@@ -1793,8 +1683,8 @@
         </p:nvSpPr>
         <p:spPr>
           <a:xfrm>
-            <a:off x="1484280" y="4298400"/>
-            <a:ext cx="4888800" cy="1489680"/>
+            <a:off x="609480" y="3682080"/>
+            <a:ext cx="5354280" cy="1896840"/>
           </a:xfrm>
           <a:prstGeom prst="rect">
             <a:avLst/>
@@ -1805,18 +1695,15 @@
             <a:normAutofit/>
           </a:bodyPr>
           <a:p>
-            <a:endParaRPr b="0" lang="en-US" sz="2400" spc="-1" strike="noStrike">
-              <a:solidFill>
-                <a:srgbClr val="000000"/>
-              </a:solidFill>
-              <a:latin typeface="Corbel"/>
-            </a:endParaRPr>
-          </a:p>
-        </p:txBody>
-      </p:sp>
-      <p:sp>
-        <p:nvSpPr>
-          <p:cNvPr id="95" name="PlaceHolder 5"/>
+            <a:endParaRPr b="0" lang="en-US" sz="3200" spc="-1" strike="noStrike">
+              <a:latin typeface="Arial"/>
+            </a:endParaRPr>
+          </a:p>
+        </p:txBody>
+      </p:sp>
+      <p:sp>
+        <p:nvSpPr>
+          <p:cNvPr id="89" name="PlaceHolder 5"/>
           <p:cNvSpPr>
             <a:spLocks noGrp="1"/>
           </p:cNvSpPr>
@@ -1826,8 +1713,8 @@
         </p:nvSpPr>
         <p:spPr>
           <a:xfrm>
-            <a:off x="6617880" y="4298400"/>
-            <a:ext cx="4888800" cy="1489680"/>
+            <a:off x="6231960" y="3682080"/>
+            <a:ext cx="5354280" cy="1896840"/>
           </a:xfrm>
           <a:prstGeom prst="rect">
             <a:avLst/>
@@ -1838,11 +1725,8 @@
             <a:normAutofit/>
           </a:bodyPr>
           <a:p>
-            <a:endParaRPr b="0" lang="en-US" sz="2400" spc="-1" strike="noStrike">
-              <a:solidFill>
-                <a:srgbClr val="000000"/>
-              </a:solidFill>
-              <a:latin typeface="Corbel"/>
+            <a:endParaRPr b="0" lang="en-US" sz="3200" spc="-1" strike="noStrike">
+              <a:latin typeface="Arial"/>
             </a:endParaRPr>
           </a:p>
         </p:txBody>
@@ -1871,7 +1755,7 @@
       </p:grpSpPr>
       <p:sp>
         <p:nvSpPr>
-          <p:cNvPr id="96" name="PlaceHolder 1"/>
+          <p:cNvPr id="90" name="PlaceHolder 1"/>
           <p:cNvSpPr>
             <a:spLocks noGrp="1"/>
           </p:cNvSpPr>
@@ -1881,8 +1765,8 @@
         </p:nvSpPr>
         <p:spPr>
           <a:xfrm>
-            <a:off x="1484280" y="685800"/>
-            <a:ext cx="10018440" cy="1752120"/>
+            <a:off x="609480" y="273600"/>
+            <a:ext cx="10972440" cy="1144800"/>
           </a:xfrm>
           <a:prstGeom prst="rect">
             <a:avLst/>
@@ -1891,18 +1775,16 @@
         <p:txBody>
           <a:bodyPr lIns="0" rIns="0" tIns="0" bIns="0" anchor="ctr"/>
           <a:p>
-            <a:endParaRPr b="0" lang="en-US" sz="1800" spc="-1" strike="noStrike">
-              <a:solidFill>
-                <a:srgbClr val="000000"/>
-              </a:solidFill>
-              <a:latin typeface="Corbel"/>
-            </a:endParaRPr>
-          </a:p>
-        </p:txBody>
-      </p:sp>
-      <p:sp>
-        <p:nvSpPr>
-          <p:cNvPr id="97" name="PlaceHolder 2"/>
+            <a:pPr algn="ctr"/>
+            <a:endParaRPr b="0" lang="en-US" sz="4400" spc="-1" strike="noStrike">
+              <a:latin typeface="Arial"/>
+            </a:endParaRPr>
+          </a:p>
+        </p:txBody>
+      </p:sp>
+      <p:sp>
+        <p:nvSpPr>
+          <p:cNvPr id="91" name="PlaceHolder 2"/>
           <p:cNvSpPr>
             <a:spLocks noGrp="1"/>
           </p:cNvSpPr>
@@ -1912,8 +1794,8 @@
         </p:nvSpPr>
         <p:spPr>
           <a:xfrm>
-            <a:off x="1484280" y="2666880"/>
-            <a:ext cx="3225600" cy="1489680"/>
+            <a:off x="609480" y="1604520"/>
+            <a:ext cx="3533040" cy="1896840"/>
           </a:xfrm>
           <a:prstGeom prst="rect">
             <a:avLst/>
@@ -1924,18 +1806,15 @@
             <a:normAutofit/>
           </a:bodyPr>
           <a:p>
-            <a:endParaRPr b="0" lang="en-US" sz="2400" spc="-1" strike="noStrike">
-              <a:solidFill>
-                <a:srgbClr val="000000"/>
-              </a:solidFill>
-              <a:latin typeface="Corbel"/>
-            </a:endParaRPr>
-          </a:p>
-        </p:txBody>
-      </p:sp>
-      <p:sp>
-        <p:nvSpPr>
-          <p:cNvPr id="98" name="PlaceHolder 3"/>
+            <a:endParaRPr b="0" lang="en-US" sz="3200" spc="-1" strike="noStrike">
+              <a:latin typeface="Arial"/>
+            </a:endParaRPr>
+          </a:p>
+        </p:txBody>
+      </p:sp>
+      <p:sp>
+        <p:nvSpPr>
+          <p:cNvPr id="92" name="PlaceHolder 3"/>
           <p:cNvSpPr>
             <a:spLocks noGrp="1"/>
           </p:cNvSpPr>
@@ -1945,8 +1824,8 @@
         </p:nvSpPr>
         <p:spPr>
           <a:xfrm>
-            <a:off x="4871520" y="2666880"/>
-            <a:ext cx="3225600" cy="1489680"/>
+            <a:off x="4319640" y="1604520"/>
+            <a:ext cx="3533040" cy="1896840"/>
           </a:xfrm>
           <a:prstGeom prst="rect">
             <a:avLst/>
@@ -1957,18 +1836,15 @@
             <a:normAutofit/>
           </a:bodyPr>
           <a:p>
-            <a:endParaRPr b="0" lang="en-US" sz="2400" spc="-1" strike="noStrike">
-              <a:solidFill>
-                <a:srgbClr val="000000"/>
-              </a:solidFill>
-              <a:latin typeface="Corbel"/>
-            </a:endParaRPr>
-          </a:p>
-        </p:txBody>
-      </p:sp>
-      <p:sp>
-        <p:nvSpPr>
-          <p:cNvPr id="99" name="PlaceHolder 4"/>
+            <a:endParaRPr b="0" lang="en-US" sz="3200" spc="-1" strike="noStrike">
+              <a:latin typeface="Arial"/>
+            </a:endParaRPr>
+          </a:p>
+        </p:txBody>
+      </p:sp>
+      <p:sp>
+        <p:nvSpPr>
+          <p:cNvPr id="93" name="PlaceHolder 4"/>
           <p:cNvSpPr>
             <a:spLocks noGrp="1"/>
           </p:cNvSpPr>
@@ -1978,8 +1854,8 @@
         </p:nvSpPr>
         <p:spPr>
           <a:xfrm>
-            <a:off x="8258760" y="2666880"/>
-            <a:ext cx="3225600" cy="1489680"/>
+            <a:off x="8029800" y="1604520"/>
+            <a:ext cx="3533040" cy="1896840"/>
           </a:xfrm>
           <a:prstGeom prst="rect">
             <a:avLst/>
@@ -1990,18 +1866,15 @@
             <a:normAutofit/>
           </a:bodyPr>
           <a:p>
-            <a:endParaRPr b="0" lang="en-US" sz="2400" spc="-1" strike="noStrike">
-              <a:solidFill>
-                <a:srgbClr val="000000"/>
-              </a:solidFill>
-              <a:latin typeface="Corbel"/>
-            </a:endParaRPr>
-          </a:p>
-        </p:txBody>
-      </p:sp>
-      <p:sp>
-        <p:nvSpPr>
-          <p:cNvPr id="100" name="PlaceHolder 5"/>
+            <a:endParaRPr b="0" lang="en-US" sz="3200" spc="-1" strike="noStrike">
+              <a:latin typeface="Arial"/>
+            </a:endParaRPr>
+          </a:p>
+        </p:txBody>
+      </p:sp>
+      <p:sp>
+        <p:nvSpPr>
+          <p:cNvPr id="94" name="PlaceHolder 5"/>
           <p:cNvSpPr>
             <a:spLocks noGrp="1"/>
           </p:cNvSpPr>
@@ -2011,8 +1884,8 @@
         </p:nvSpPr>
         <p:spPr>
           <a:xfrm>
-            <a:off x="1484280" y="4298400"/>
-            <a:ext cx="3225600" cy="1489680"/>
+            <a:off x="609480" y="3682080"/>
+            <a:ext cx="3533040" cy="1896840"/>
           </a:xfrm>
           <a:prstGeom prst="rect">
             <a:avLst/>
@@ -2023,18 +1896,15 @@
             <a:normAutofit/>
           </a:bodyPr>
           <a:p>
-            <a:endParaRPr b="0" lang="en-US" sz="2400" spc="-1" strike="noStrike">
-              <a:solidFill>
-                <a:srgbClr val="000000"/>
-              </a:solidFill>
-              <a:latin typeface="Corbel"/>
-            </a:endParaRPr>
-          </a:p>
-        </p:txBody>
-      </p:sp>
-      <p:sp>
-        <p:nvSpPr>
-          <p:cNvPr id="101" name="PlaceHolder 6"/>
+            <a:endParaRPr b="0" lang="en-US" sz="3200" spc="-1" strike="noStrike">
+              <a:latin typeface="Arial"/>
+            </a:endParaRPr>
+          </a:p>
+        </p:txBody>
+      </p:sp>
+      <p:sp>
+        <p:nvSpPr>
+          <p:cNvPr id="95" name="PlaceHolder 6"/>
           <p:cNvSpPr>
             <a:spLocks noGrp="1"/>
           </p:cNvSpPr>
@@ -2044,8 +1914,8 @@
         </p:nvSpPr>
         <p:spPr>
           <a:xfrm>
-            <a:off x="4871520" y="4298400"/>
-            <a:ext cx="3225600" cy="1489680"/>
+            <a:off x="4319640" y="3682080"/>
+            <a:ext cx="3533040" cy="1896840"/>
           </a:xfrm>
           <a:prstGeom prst="rect">
             <a:avLst/>
@@ -2056,18 +1926,15 @@
             <a:normAutofit/>
           </a:bodyPr>
           <a:p>
-            <a:endParaRPr b="0" lang="en-US" sz="2400" spc="-1" strike="noStrike">
-              <a:solidFill>
-                <a:srgbClr val="000000"/>
-              </a:solidFill>
-              <a:latin typeface="Corbel"/>
-            </a:endParaRPr>
-          </a:p>
-        </p:txBody>
-      </p:sp>
-      <p:sp>
-        <p:nvSpPr>
-          <p:cNvPr id="102" name="PlaceHolder 7"/>
+            <a:endParaRPr b="0" lang="en-US" sz="3200" spc="-1" strike="noStrike">
+              <a:latin typeface="Arial"/>
+            </a:endParaRPr>
+          </a:p>
+        </p:txBody>
+      </p:sp>
+      <p:sp>
+        <p:nvSpPr>
+          <p:cNvPr id="96" name="PlaceHolder 7"/>
           <p:cNvSpPr>
             <a:spLocks noGrp="1"/>
           </p:cNvSpPr>
@@ -2077,8 +1944,8 @@
         </p:nvSpPr>
         <p:spPr>
           <a:xfrm>
-            <a:off x="8258760" y="4298400"/>
-            <a:ext cx="3225600" cy="1489680"/>
+            <a:off x="8029800" y="3682080"/>
+            <a:ext cx="3533040" cy="1896840"/>
           </a:xfrm>
           <a:prstGeom prst="rect">
             <a:avLst/>
@@ -2089,11 +1956,8 @@
             <a:normAutofit/>
           </a:bodyPr>
           <a:p>
-            <a:endParaRPr b="0" lang="en-US" sz="2400" spc="-1" strike="noStrike">
-              <a:solidFill>
-                <a:srgbClr val="000000"/>
-              </a:solidFill>
-              <a:latin typeface="Corbel"/>
+            <a:endParaRPr b="0" lang="en-US" sz="3200" spc="-1" strike="noStrike">
+              <a:latin typeface="Arial"/>
             </a:endParaRPr>
           </a:p>
         </p:txBody>
@@ -2122,7 +1986,7 @@
       </p:grpSpPr>
       <p:sp>
         <p:nvSpPr>
-          <p:cNvPr id="21" name="PlaceHolder 1"/>
+          <p:cNvPr id="18" name="PlaceHolder 1"/>
           <p:cNvSpPr>
             <a:spLocks noGrp="1"/>
           </p:cNvSpPr>
@@ -2132,8 +1996,8 @@
         </p:nvSpPr>
         <p:spPr>
           <a:xfrm>
-            <a:off x="1484280" y="685800"/>
-            <a:ext cx="10018440" cy="1752120"/>
+            <a:off x="609480" y="273600"/>
+            <a:ext cx="10972440" cy="1144800"/>
           </a:xfrm>
           <a:prstGeom prst="rect">
             <a:avLst/>
@@ -2142,18 +2006,16 @@
         <p:txBody>
           <a:bodyPr lIns="0" rIns="0" tIns="0" bIns="0" anchor="ctr"/>
           <a:p>
-            <a:endParaRPr b="0" lang="en-US" sz="1800" spc="-1" strike="noStrike">
-              <a:solidFill>
-                <a:srgbClr val="000000"/>
-              </a:solidFill>
-              <a:latin typeface="Corbel"/>
-            </a:endParaRPr>
-          </a:p>
-        </p:txBody>
-      </p:sp>
-      <p:sp>
-        <p:nvSpPr>
-          <p:cNvPr id="22" name="PlaceHolder 2"/>
+            <a:pPr algn="ctr"/>
+            <a:endParaRPr b="0" lang="en-US" sz="4400" spc="-1" strike="noStrike">
+              <a:latin typeface="Arial"/>
+            </a:endParaRPr>
+          </a:p>
+        </p:txBody>
+      </p:sp>
+      <p:sp>
+        <p:nvSpPr>
+          <p:cNvPr id="19" name="PlaceHolder 2"/>
           <p:cNvSpPr>
             <a:spLocks noGrp="1"/>
           </p:cNvSpPr>
@@ -2163,8 +2025,8 @@
         </p:nvSpPr>
         <p:spPr>
           <a:xfrm>
-            <a:off x="1484280" y="2666880"/>
-            <a:ext cx="10018440" cy="3123720"/>
+            <a:off x="609480" y="1604520"/>
+            <a:ext cx="10972440" cy="3977280"/>
           </a:xfrm>
           <a:prstGeom prst="rect">
             <a:avLst/>
@@ -2175,11 +2037,8 @@
             <a:normAutofit/>
           </a:bodyPr>
           <a:p>
-            <a:endParaRPr b="0" lang="en-US" sz="2400" spc="-1" strike="noStrike">
-              <a:solidFill>
-                <a:srgbClr val="000000"/>
-              </a:solidFill>
-              <a:latin typeface="Corbel"/>
+            <a:endParaRPr b="0" lang="en-US" sz="3200" spc="-1" strike="noStrike">
+              <a:latin typeface="Arial"/>
             </a:endParaRPr>
           </a:p>
         </p:txBody>
@@ -2208,7 +2067,7 @@
       </p:grpSpPr>
       <p:sp>
         <p:nvSpPr>
-          <p:cNvPr id="23" name="PlaceHolder 1"/>
+          <p:cNvPr id="20" name="PlaceHolder 1"/>
           <p:cNvSpPr>
             <a:spLocks noGrp="1"/>
           </p:cNvSpPr>
@@ -2218,8 +2077,8 @@
         </p:nvSpPr>
         <p:spPr>
           <a:xfrm>
-            <a:off x="1484280" y="685800"/>
-            <a:ext cx="10018440" cy="1752120"/>
+            <a:off x="609480" y="273600"/>
+            <a:ext cx="10972440" cy="1144800"/>
           </a:xfrm>
           <a:prstGeom prst="rect">
             <a:avLst/>
@@ -2228,18 +2087,16 @@
         <p:txBody>
           <a:bodyPr lIns="0" rIns="0" tIns="0" bIns="0" anchor="ctr"/>
           <a:p>
-            <a:endParaRPr b="0" lang="en-US" sz="1800" spc="-1" strike="noStrike">
-              <a:solidFill>
-                <a:srgbClr val="000000"/>
-              </a:solidFill>
-              <a:latin typeface="Corbel"/>
-            </a:endParaRPr>
-          </a:p>
-        </p:txBody>
-      </p:sp>
-      <p:sp>
-        <p:nvSpPr>
-          <p:cNvPr id="24" name="PlaceHolder 2"/>
+            <a:pPr algn="ctr"/>
+            <a:endParaRPr b="0" lang="en-US" sz="4400" spc="-1" strike="noStrike">
+              <a:latin typeface="Arial"/>
+            </a:endParaRPr>
+          </a:p>
+        </p:txBody>
+      </p:sp>
+      <p:sp>
+        <p:nvSpPr>
+          <p:cNvPr id="21" name="PlaceHolder 2"/>
           <p:cNvSpPr>
             <a:spLocks noGrp="1"/>
           </p:cNvSpPr>
@@ -2249,8 +2106,8 @@
         </p:nvSpPr>
         <p:spPr>
           <a:xfrm>
-            <a:off x="1484280" y="2666880"/>
-            <a:ext cx="4888800" cy="3123720"/>
+            <a:off x="609480" y="1604520"/>
+            <a:ext cx="5354280" cy="3977280"/>
           </a:xfrm>
           <a:prstGeom prst="rect">
             <a:avLst/>
@@ -2261,18 +2118,15 @@
             <a:normAutofit/>
           </a:bodyPr>
           <a:p>
-            <a:endParaRPr b="0" lang="en-US" sz="2400" spc="-1" strike="noStrike">
-              <a:solidFill>
-                <a:srgbClr val="000000"/>
-              </a:solidFill>
-              <a:latin typeface="Corbel"/>
-            </a:endParaRPr>
-          </a:p>
-        </p:txBody>
-      </p:sp>
-      <p:sp>
-        <p:nvSpPr>
-          <p:cNvPr id="25" name="PlaceHolder 3"/>
+            <a:endParaRPr b="0" lang="en-US" sz="3200" spc="-1" strike="noStrike">
+              <a:latin typeface="Arial"/>
+            </a:endParaRPr>
+          </a:p>
+        </p:txBody>
+      </p:sp>
+      <p:sp>
+        <p:nvSpPr>
+          <p:cNvPr id="22" name="PlaceHolder 3"/>
           <p:cNvSpPr>
             <a:spLocks noGrp="1"/>
           </p:cNvSpPr>
@@ -2282,8 +2136,8 @@
         </p:nvSpPr>
         <p:spPr>
           <a:xfrm>
-            <a:off x="6617880" y="2666880"/>
-            <a:ext cx="4888800" cy="3123720"/>
+            <a:off x="6231960" y="1604520"/>
+            <a:ext cx="5354280" cy="3977280"/>
           </a:xfrm>
           <a:prstGeom prst="rect">
             <a:avLst/>
@@ -2294,11 +2148,8 @@
             <a:normAutofit/>
           </a:bodyPr>
           <a:p>
-            <a:endParaRPr b="0" lang="en-US" sz="2400" spc="-1" strike="noStrike">
-              <a:solidFill>
-                <a:srgbClr val="000000"/>
-              </a:solidFill>
-              <a:latin typeface="Corbel"/>
+            <a:endParaRPr b="0" lang="en-US" sz="3200" spc="-1" strike="noStrike">
+              <a:latin typeface="Arial"/>
             </a:endParaRPr>
           </a:p>
         </p:txBody>
@@ -2327,7 +2178,7 @@
       </p:grpSpPr>
       <p:sp>
         <p:nvSpPr>
-          <p:cNvPr id="26" name="PlaceHolder 1"/>
+          <p:cNvPr id="23" name="PlaceHolder 1"/>
           <p:cNvSpPr>
             <a:spLocks noGrp="1"/>
           </p:cNvSpPr>
@@ -2337,8 +2188,8 @@
         </p:nvSpPr>
         <p:spPr>
           <a:xfrm>
-            <a:off x="1484280" y="685800"/>
-            <a:ext cx="10018440" cy="1752120"/>
+            <a:off x="609480" y="273600"/>
+            <a:ext cx="10972440" cy="1144800"/>
           </a:xfrm>
           <a:prstGeom prst="rect">
             <a:avLst/>
@@ -2347,11 +2198,9 @@
         <p:txBody>
           <a:bodyPr lIns="0" rIns="0" tIns="0" bIns="0" anchor="ctr"/>
           <a:p>
-            <a:endParaRPr b="0" lang="en-US" sz="1800" spc="-1" strike="noStrike">
-              <a:solidFill>
-                <a:srgbClr val="000000"/>
-              </a:solidFill>
-              <a:latin typeface="Corbel"/>
+            <a:pPr algn="ctr"/>
+            <a:endParaRPr b="0" lang="en-US" sz="4400" spc="-1" strike="noStrike">
+              <a:latin typeface="Arial"/>
             </a:endParaRPr>
           </a:p>
         </p:txBody>
@@ -2380,7 +2229,7 @@
       </p:grpSpPr>
       <p:sp>
         <p:nvSpPr>
-          <p:cNvPr id="27" name="PlaceHolder 1"/>
+          <p:cNvPr id="24" name="PlaceHolder 1"/>
           <p:cNvSpPr>
             <a:spLocks noGrp="1"/>
           </p:cNvSpPr>
@@ -2390,8 +2239,8 @@
         </p:nvSpPr>
         <p:spPr>
           <a:xfrm>
-            <a:off x="1484280" y="685800"/>
-            <a:ext cx="10018440" cy="8123040"/>
+            <a:off x="609480" y="273600"/>
+            <a:ext cx="10972440" cy="5307840"/>
           </a:xfrm>
           <a:prstGeom prst="rect">
             <a:avLst/>
@@ -2431,7 +2280,7 @@
       </p:grpSpPr>
       <p:sp>
         <p:nvSpPr>
-          <p:cNvPr id="28" name="PlaceHolder 1"/>
+          <p:cNvPr id="25" name="PlaceHolder 1"/>
           <p:cNvSpPr>
             <a:spLocks noGrp="1"/>
           </p:cNvSpPr>
@@ -2441,8 +2290,8 @@
         </p:nvSpPr>
         <p:spPr>
           <a:xfrm>
-            <a:off x="1484280" y="685800"/>
-            <a:ext cx="10018440" cy="1752120"/>
+            <a:off x="609480" y="273600"/>
+            <a:ext cx="10972440" cy="1144800"/>
           </a:xfrm>
           <a:prstGeom prst="rect">
             <a:avLst/>
@@ -2451,18 +2300,16 @@
         <p:txBody>
           <a:bodyPr lIns="0" rIns="0" tIns="0" bIns="0" anchor="ctr"/>
           <a:p>
-            <a:endParaRPr b="0" lang="en-US" sz="1800" spc="-1" strike="noStrike">
-              <a:solidFill>
-                <a:srgbClr val="000000"/>
-              </a:solidFill>
-              <a:latin typeface="Corbel"/>
-            </a:endParaRPr>
-          </a:p>
-        </p:txBody>
-      </p:sp>
-      <p:sp>
-        <p:nvSpPr>
-          <p:cNvPr id="29" name="PlaceHolder 2"/>
+            <a:pPr algn="ctr"/>
+            <a:endParaRPr b="0" lang="en-US" sz="4400" spc="-1" strike="noStrike">
+              <a:latin typeface="Arial"/>
+            </a:endParaRPr>
+          </a:p>
+        </p:txBody>
+      </p:sp>
+      <p:sp>
+        <p:nvSpPr>
+          <p:cNvPr id="26" name="PlaceHolder 2"/>
           <p:cNvSpPr>
             <a:spLocks noGrp="1"/>
           </p:cNvSpPr>
@@ -2472,8 +2319,8 @@
         </p:nvSpPr>
         <p:spPr>
           <a:xfrm>
-            <a:off x="1484280" y="2666880"/>
-            <a:ext cx="4888800" cy="1489680"/>
+            <a:off x="609480" y="1604520"/>
+            <a:ext cx="5354280" cy="1896840"/>
           </a:xfrm>
           <a:prstGeom prst="rect">
             <a:avLst/>
@@ -2484,18 +2331,15 @@
             <a:normAutofit/>
           </a:bodyPr>
           <a:p>
-            <a:endParaRPr b="0" lang="en-US" sz="2400" spc="-1" strike="noStrike">
-              <a:solidFill>
-                <a:srgbClr val="000000"/>
-              </a:solidFill>
-              <a:latin typeface="Corbel"/>
-            </a:endParaRPr>
-          </a:p>
-        </p:txBody>
-      </p:sp>
-      <p:sp>
-        <p:nvSpPr>
-          <p:cNvPr id="30" name="PlaceHolder 3"/>
+            <a:endParaRPr b="0" lang="en-US" sz="3200" spc="-1" strike="noStrike">
+              <a:latin typeface="Arial"/>
+            </a:endParaRPr>
+          </a:p>
+        </p:txBody>
+      </p:sp>
+      <p:sp>
+        <p:nvSpPr>
+          <p:cNvPr id="27" name="PlaceHolder 3"/>
           <p:cNvSpPr>
             <a:spLocks noGrp="1"/>
           </p:cNvSpPr>
@@ -2505,8 +2349,8 @@
         </p:nvSpPr>
         <p:spPr>
           <a:xfrm>
-            <a:off x="6617880" y="2666880"/>
-            <a:ext cx="4888800" cy="3123720"/>
+            <a:off x="6231960" y="1604520"/>
+            <a:ext cx="5354280" cy="3977280"/>
           </a:xfrm>
           <a:prstGeom prst="rect">
             <a:avLst/>
@@ -2517,18 +2361,15 @@
             <a:normAutofit/>
           </a:bodyPr>
           <a:p>
-            <a:endParaRPr b="0" lang="en-US" sz="2400" spc="-1" strike="noStrike">
-              <a:solidFill>
-                <a:srgbClr val="000000"/>
-              </a:solidFill>
-              <a:latin typeface="Corbel"/>
-            </a:endParaRPr>
-          </a:p>
-        </p:txBody>
-      </p:sp>
-      <p:sp>
-        <p:nvSpPr>
-          <p:cNvPr id="31" name="PlaceHolder 4"/>
+            <a:endParaRPr b="0" lang="en-US" sz="3200" spc="-1" strike="noStrike">
+              <a:latin typeface="Arial"/>
+            </a:endParaRPr>
+          </a:p>
+        </p:txBody>
+      </p:sp>
+      <p:sp>
+        <p:nvSpPr>
+          <p:cNvPr id="28" name="PlaceHolder 4"/>
           <p:cNvSpPr>
             <a:spLocks noGrp="1"/>
           </p:cNvSpPr>
@@ -2538,8 +2379,8 @@
         </p:nvSpPr>
         <p:spPr>
           <a:xfrm>
-            <a:off x="1484280" y="4298400"/>
-            <a:ext cx="4888800" cy="1489680"/>
+            <a:off x="609480" y="3682080"/>
+            <a:ext cx="5354280" cy="1896840"/>
           </a:xfrm>
           <a:prstGeom prst="rect">
             <a:avLst/>
@@ -2550,11 +2391,8 @@
             <a:normAutofit/>
           </a:bodyPr>
           <a:p>
-            <a:endParaRPr b="0" lang="en-US" sz="2400" spc="-1" strike="noStrike">
-              <a:solidFill>
-                <a:srgbClr val="000000"/>
-              </a:solidFill>
-              <a:latin typeface="Corbel"/>
+            <a:endParaRPr b="0" lang="en-US" sz="3200" spc="-1" strike="noStrike">
+              <a:latin typeface="Arial"/>
             </a:endParaRPr>
           </a:p>
         </p:txBody>
@@ -2583,7 +2421,7 @@
       </p:grpSpPr>
       <p:sp>
         <p:nvSpPr>
-          <p:cNvPr id="32" name="PlaceHolder 1"/>
+          <p:cNvPr id="29" name="PlaceHolder 1"/>
           <p:cNvSpPr>
             <a:spLocks noGrp="1"/>
           </p:cNvSpPr>
@@ -2593,8 +2431,8 @@
         </p:nvSpPr>
         <p:spPr>
           <a:xfrm>
-            <a:off x="1484280" y="685800"/>
-            <a:ext cx="10018440" cy="1752120"/>
+            <a:off x="609480" y="273600"/>
+            <a:ext cx="10972440" cy="1144800"/>
           </a:xfrm>
           <a:prstGeom prst="rect">
             <a:avLst/>
@@ -2603,18 +2441,16 @@
         <p:txBody>
           <a:bodyPr lIns="0" rIns="0" tIns="0" bIns="0" anchor="ctr"/>
           <a:p>
-            <a:endParaRPr b="0" lang="en-US" sz="1800" spc="-1" strike="noStrike">
-              <a:solidFill>
-                <a:srgbClr val="000000"/>
-              </a:solidFill>
-              <a:latin typeface="Corbel"/>
-            </a:endParaRPr>
-          </a:p>
-        </p:txBody>
-      </p:sp>
-      <p:sp>
-        <p:nvSpPr>
-          <p:cNvPr id="33" name="PlaceHolder 2"/>
+            <a:pPr algn="ctr"/>
+            <a:endParaRPr b="0" lang="en-US" sz="4400" spc="-1" strike="noStrike">
+              <a:latin typeface="Arial"/>
+            </a:endParaRPr>
+          </a:p>
+        </p:txBody>
+      </p:sp>
+      <p:sp>
+        <p:nvSpPr>
+          <p:cNvPr id="30" name="PlaceHolder 2"/>
           <p:cNvSpPr>
             <a:spLocks noGrp="1"/>
           </p:cNvSpPr>
@@ -2624,8 +2460,8 @@
         </p:nvSpPr>
         <p:spPr>
           <a:xfrm>
-            <a:off x="1484280" y="2666880"/>
-            <a:ext cx="4888800" cy="3123720"/>
+            <a:off x="609480" y="1604520"/>
+            <a:ext cx="5354280" cy="3977280"/>
           </a:xfrm>
           <a:prstGeom prst="rect">
             <a:avLst/>
@@ -2636,18 +2472,15 @@
             <a:normAutofit/>
           </a:bodyPr>
           <a:p>
-            <a:endParaRPr b="0" lang="en-US" sz="2400" spc="-1" strike="noStrike">
-              <a:solidFill>
-                <a:srgbClr val="000000"/>
-              </a:solidFill>
-              <a:latin typeface="Corbel"/>
-            </a:endParaRPr>
-          </a:p>
-        </p:txBody>
-      </p:sp>
-      <p:sp>
-        <p:nvSpPr>
-          <p:cNvPr id="34" name="PlaceHolder 3"/>
+            <a:endParaRPr b="0" lang="en-US" sz="3200" spc="-1" strike="noStrike">
+              <a:latin typeface="Arial"/>
+            </a:endParaRPr>
+          </a:p>
+        </p:txBody>
+      </p:sp>
+      <p:sp>
+        <p:nvSpPr>
+          <p:cNvPr id="31" name="PlaceHolder 3"/>
           <p:cNvSpPr>
             <a:spLocks noGrp="1"/>
           </p:cNvSpPr>
@@ -2657,8 +2490,8 @@
         </p:nvSpPr>
         <p:spPr>
           <a:xfrm>
-            <a:off x="6617880" y="2666880"/>
-            <a:ext cx="4888800" cy="1489680"/>
+            <a:off x="6231960" y="1604520"/>
+            <a:ext cx="5354280" cy="1896840"/>
           </a:xfrm>
           <a:prstGeom prst="rect">
             <a:avLst/>
@@ -2669,18 +2502,15 @@
             <a:normAutofit/>
           </a:bodyPr>
           <a:p>
-            <a:endParaRPr b="0" lang="en-US" sz="2400" spc="-1" strike="noStrike">
-              <a:solidFill>
-                <a:srgbClr val="000000"/>
-              </a:solidFill>
-              <a:latin typeface="Corbel"/>
-            </a:endParaRPr>
-          </a:p>
-        </p:txBody>
-      </p:sp>
-      <p:sp>
-        <p:nvSpPr>
-          <p:cNvPr id="35" name="PlaceHolder 4"/>
+            <a:endParaRPr b="0" lang="en-US" sz="3200" spc="-1" strike="noStrike">
+              <a:latin typeface="Arial"/>
+            </a:endParaRPr>
+          </a:p>
+        </p:txBody>
+      </p:sp>
+      <p:sp>
+        <p:nvSpPr>
+          <p:cNvPr id="32" name="PlaceHolder 4"/>
           <p:cNvSpPr>
             <a:spLocks noGrp="1"/>
           </p:cNvSpPr>
@@ -2690,8 +2520,8 @@
         </p:nvSpPr>
         <p:spPr>
           <a:xfrm>
-            <a:off x="6617880" y="4298400"/>
-            <a:ext cx="4888800" cy="1489680"/>
+            <a:off x="6231960" y="3682080"/>
+            <a:ext cx="5354280" cy="1896840"/>
           </a:xfrm>
           <a:prstGeom prst="rect">
             <a:avLst/>
@@ -2702,11 +2532,8 @@
             <a:normAutofit/>
           </a:bodyPr>
           <a:p>
-            <a:endParaRPr b="0" lang="en-US" sz="2400" spc="-1" strike="noStrike">
-              <a:solidFill>
-                <a:srgbClr val="000000"/>
-              </a:solidFill>
-              <a:latin typeface="Corbel"/>
+            <a:endParaRPr b="0" lang="en-US" sz="3200" spc="-1" strike="noStrike">
+              <a:latin typeface="Arial"/>
             </a:endParaRPr>
           </a:p>
         </p:txBody>
@@ -2735,7 +2562,7 @@
       </p:grpSpPr>
       <p:sp>
         <p:nvSpPr>
-          <p:cNvPr id="36" name="PlaceHolder 1"/>
+          <p:cNvPr id="33" name="PlaceHolder 1"/>
           <p:cNvSpPr>
             <a:spLocks noGrp="1"/>
           </p:cNvSpPr>
@@ -2745,8 +2572,8 @@
         </p:nvSpPr>
         <p:spPr>
           <a:xfrm>
-            <a:off x="1484280" y="685800"/>
-            <a:ext cx="10018440" cy="1752120"/>
+            <a:off x="609480" y="273600"/>
+            <a:ext cx="10972440" cy="1144800"/>
           </a:xfrm>
           <a:prstGeom prst="rect">
             <a:avLst/>
@@ -2755,18 +2582,16 @@
         <p:txBody>
           <a:bodyPr lIns="0" rIns="0" tIns="0" bIns="0" anchor="ctr"/>
           <a:p>
-            <a:endParaRPr b="0" lang="en-US" sz="1800" spc="-1" strike="noStrike">
-              <a:solidFill>
-                <a:srgbClr val="000000"/>
-              </a:solidFill>
-              <a:latin typeface="Corbel"/>
-            </a:endParaRPr>
-          </a:p>
-        </p:txBody>
-      </p:sp>
-      <p:sp>
-        <p:nvSpPr>
-          <p:cNvPr id="37" name="PlaceHolder 2"/>
+            <a:pPr algn="ctr"/>
+            <a:endParaRPr b="0" lang="en-US" sz="4400" spc="-1" strike="noStrike">
+              <a:latin typeface="Arial"/>
+            </a:endParaRPr>
+          </a:p>
+        </p:txBody>
+      </p:sp>
+      <p:sp>
+        <p:nvSpPr>
+          <p:cNvPr id="34" name="PlaceHolder 2"/>
           <p:cNvSpPr>
             <a:spLocks noGrp="1"/>
           </p:cNvSpPr>
@@ -2776,8 +2601,8 @@
         </p:nvSpPr>
         <p:spPr>
           <a:xfrm>
-            <a:off x="1484280" y="2666880"/>
-            <a:ext cx="4888800" cy="1489680"/>
+            <a:off x="609480" y="1604520"/>
+            <a:ext cx="5354280" cy="1896840"/>
           </a:xfrm>
           <a:prstGeom prst="rect">
             <a:avLst/>
@@ -2788,18 +2613,15 @@
             <a:normAutofit/>
           </a:bodyPr>
           <a:p>
-            <a:endParaRPr b="0" lang="en-US" sz="2400" spc="-1" strike="noStrike">
-              <a:solidFill>
-                <a:srgbClr val="000000"/>
-              </a:solidFill>
-              <a:latin typeface="Corbel"/>
-            </a:endParaRPr>
-          </a:p>
-        </p:txBody>
-      </p:sp>
-      <p:sp>
-        <p:nvSpPr>
-          <p:cNvPr id="38" name="PlaceHolder 3"/>
+            <a:endParaRPr b="0" lang="en-US" sz="3200" spc="-1" strike="noStrike">
+              <a:latin typeface="Arial"/>
+            </a:endParaRPr>
+          </a:p>
+        </p:txBody>
+      </p:sp>
+      <p:sp>
+        <p:nvSpPr>
+          <p:cNvPr id="35" name="PlaceHolder 3"/>
           <p:cNvSpPr>
             <a:spLocks noGrp="1"/>
           </p:cNvSpPr>
@@ -2809,8 +2631,8 @@
         </p:nvSpPr>
         <p:spPr>
           <a:xfrm>
-            <a:off x="6617880" y="2666880"/>
-            <a:ext cx="4888800" cy="1489680"/>
+            <a:off x="6231960" y="1604520"/>
+            <a:ext cx="5354280" cy="1896840"/>
           </a:xfrm>
           <a:prstGeom prst="rect">
             <a:avLst/>
@@ -2821,18 +2643,15 @@
             <a:normAutofit/>
           </a:bodyPr>
           <a:p>
-            <a:endParaRPr b="0" lang="en-US" sz="2400" spc="-1" strike="noStrike">
-              <a:solidFill>
-                <a:srgbClr val="000000"/>
-              </a:solidFill>
-              <a:latin typeface="Corbel"/>
-            </a:endParaRPr>
-          </a:p>
-        </p:txBody>
-      </p:sp>
-      <p:sp>
-        <p:nvSpPr>
-          <p:cNvPr id="39" name="PlaceHolder 4"/>
+            <a:endParaRPr b="0" lang="en-US" sz="3200" spc="-1" strike="noStrike">
+              <a:latin typeface="Arial"/>
+            </a:endParaRPr>
+          </a:p>
+        </p:txBody>
+      </p:sp>
+      <p:sp>
+        <p:nvSpPr>
+          <p:cNvPr id="36" name="PlaceHolder 4"/>
           <p:cNvSpPr>
             <a:spLocks noGrp="1"/>
           </p:cNvSpPr>
@@ -2842,8 +2661,8 @@
         </p:nvSpPr>
         <p:spPr>
           <a:xfrm>
-            <a:off x="1484280" y="4298400"/>
-            <a:ext cx="10018440" cy="1489680"/>
+            <a:off x="609480" y="3682080"/>
+            <a:ext cx="10972440" cy="1896840"/>
           </a:xfrm>
           <a:prstGeom prst="rect">
             <a:avLst/>
@@ -2854,11 +2673,8 @@
             <a:normAutofit/>
           </a:bodyPr>
           <a:p>
-            <a:endParaRPr b="0" lang="en-US" sz="2400" spc="-1" strike="noStrike">
-              <a:solidFill>
-                <a:srgbClr val="000000"/>
-              </a:solidFill>
-              <a:latin typeface="Corbel"/>
+            <a:endParaRPr b="0" lang="en-US" sz="3200" spc="-1" strike="noStrike">
+              <a:latin typeface="Arial"/>
             </a:endParaRPr>
           </a:p>
         </p:txBody>
@@ -2904,9 +2720,9 @@
         <p:grpSpPr>
           <a:xfrm>
             <a:off x="150840" y="0"/>
-            <a:ext cx="2436480" cy="6857640"/>
+            <a:ext cx="2436120" cy="6857280"/>
             <a:chOff x="150840" y="0"/>
-            <a:chExt cx="2436480" cy="6857640"/>
+            <a:chExt cx="2436120" cy="6857280"/>
           </a:xfrm>
         </p:grpSpPr>
         <p:sp>
@@ -2918,7 +2734,7 @@
           <p:spPr>
             <a:xfrm>
               <a:off x="457200" y="0"/>
-              <a:ext cx="1122120" cy="5328720"/>
+              <a:ext cx="1121760" cy="5328360"/>
             </a:xfrm>
             <a:custGeom>
               <a:avLst/>
@@ -2969,7 +2785,7 @@
           <p:spPr>
             <a:xfrm>
               <a:off x="150840" y="0"/>
-              <a:ext cx="1117080" cy="5276520"/>
+              <a:ext cx="1116720" cy="5276160"/>
             </a:xfrm>
             <a:custGeom>
               <a:avLst/>
@@ -3023,7 +2839,7 @@
           <p:spPr>
             <a:xfrm>
               <a:off x="150840" y="5238720"/>
-              <a:ext cx="1228320" cy="1618920"/>
+              <a:ext cx="1227960" cy="1618560"/>
             </a:xfrm>
             <a:custGeom>
               <a:avLst/>
@@ -3074,7 +2890,7 @@
           <p:spPr>
             <a:xfrm>
               <a:off x="457200" y="5291280"/>
-              <a:ext cx="1495080" cy="1566360"/>
+              <a:ext cx="1494720" cy="1566000"/>
             </a:xfrm>
             <a:custGeom>
               <a:avLst/>
@@ -3124,7 +2940,7 @@
           <p:spPr>
             <a:xfrm>
               <a:off x="457200" y="5286240"/>
-              <a:ext cx="2130120" cy="1571400"/>
+              <a:ext cx="2129760" cy="1571040"/>
             </a:xfrm>
             <a:custGeom>
               <a:avLst/>
@@ -3180,7 +2996,7 @@
           <p:spPr>
             <a:xfrm>
               <a:off x="150840" y="5238720"/>
-              <a:ext cx="1695240" cy="1618920"/>
+              <a:ext cx="1694880" cy="1618560"/>
             </a:xfrm>
             <a:custGeom>
               <a:avLst/>
@@ -3250,9 +3066,9 @@
         <p:grpSpPr>
           <a:xfrm>
             <a:off x="546120" y="-4680"/>
-            <a:ext cx="5014440" cy="6862320"/>
+            <a:ext cx="5014080" cy="6861960"/>
             <a:chOff x="546120" y="-4680"/>
-            <a:chExt cx="5014440" cy="6862320"/>
+            <a:chExt cx="5014080" cy="6861960"/>
           </a:xfrm>
         </p:grpSpPr>
         <p:sp>
@@ -3264,7 +3080,7 @@
           <p:spPr>
             <a:xfrm>
               <a:off x="984240" y="-4680"/>
-              <a:ext cx="1063440" cy="2782440"/>
+              <a:ext cx="1063080" cy="2782080"/>
             </a:xfrm>
             <a:custGeom>
               <a:avLst/>
@@ -3315,7 +3131,7 @@
           <p:spPr>
             <a:xfrm>
               <a:off x="546120" y="-4680"/>
-              <a:ext cx="1034640" cy="2673000"/>
+              <a:ext cx="1034280" cy="2672640"/>
             </a:xfrm>
             <a:custGeom>
               <a:avLst/>
@@ -3372,7 +3188,7 @@
           <p:spPr>
             <a:xfrm>
               <a:off x="546120" y="2583000"/>
-              <a:ext cx="2693520" cy="4274640"/>
+              <a:ext cx="2693160" cy="4274280"/>
             </a:xfrm>
             <a:custGeom>
               <a:avLst/>
@@ -3423,7 +3239,7 @@
           <p:spPr>
             <a:xfrm>
               <a:off x="988920" y="2692440"/>
-              <a:ext cx="3331800" cy="4165200"/>
+              <a:ext cx="3331440" cy="4164840"/>
             </a:xfrm>
             <a:custGeom>
               <a:avLst/>
@@ -3473,7 +3289,7 @@
           <p:spPr>
             <a:xfrm>
               <a:off x="984240" y="2687760"/>
-              <a:ext cx="4576320" cy="4169880"/>
+              <a:ext cx="4575960" cy="4169520"/>
             </a:xfrm>
             <a:custGeom>
               <a:avLst/>
@@ -3529,7 +3345,7 @@
           <p:spPr>
             <a:xfrm>
               <a:off x="546120" y="2577960"/>
-              <a:ext cx="3584160" cy="4279680"/>
+              <a:ext cx="3583800" cy="4279320"/>
             </a:xfrm>
             <a:custGeom>
               <a:avLst/>
@@ -3596,37 +3412,24 @@
         </p:nvSpPr>
         <p:spPr>
           <a:xfrm>
-            <a:off x="2928240" y="1380240"/>
-            <a:ext cx="8574120" cy="2615760"/>
-          </a:xfrm>
-          <a:prstGeom prst="rect">
-            <a:avLst/>
-          </a:prstGeom>
-        </p:spPr>
-        <p:txBody>
-          <a:bodyPr anchor="b">
-            <a:normAutofit/>
-          </a:bodyPr>
-          <a:p>
-            <a:pPr algn="r">
-              <a:lnSpc>
-                <a:spcPct val="100000"/>
-              </a:lnSpc>
-            </a:pPr>
-            <a:r>
-              <a:rPr b="0" lang="en-US" sz="6000" spc="-1" strike="noStrike">
-                <a:solidFill>
-                  <a:srgbClr val="000000"/>
-                </a:solidFill>
-                <a:latin typeface="Corbel"/>
-              </a:rPr>
-              <a:t>Click to edit Master title style</a:t>
-            </a:r>
-            <a:endParaRPr b="0" lang="en-US" sz="6000" spc="-1" strike="noStrike">
-              <a:solidFill>
-                <a:srgbClr val="000000"/>
-              </a:solidFill>
-              <a:latin typeface="Corbel"/>
+            <a:off x="1484280" y="685800"/>
+            <a:ext cx="10018080" cy="1751760"/>
+          </a:xfrm>
+          <a:prstGeom prst="rect">
+            <a:avLst/>
+          </a:prstGeom>
+        </p:spPr>
+        <p:txBody>
+          <a:bodyPr lIns="0" rIns="0" tIns="0" bIns="0" anchor="ctr"/>
+          <a:p>
+            <a:r>
+              <a:rPr b="0" lang="en-US" sz="1800" spc="-1" strike="noStrike">
+                <a:latin typeface="Arial"/>
+              </a:rPr>
+              <a:t>Click to edit the title text format</a:t>
+            </a:r>
+            <a:endParaRPr b="0" lang="en-US" sz="1800" spc="-1" strike="noStrike">
+              <a:latin typeface="Arial"/>
             </a:endParaRPr>
           </a:p>
         </p:txBody>
@@ -3634,118 +3437,6 @@
       <p:sp>
         <p:nvSpPr>
           <p:cNvPr id="15" name="PlaceHolder 16"/>
-          <p:cNvSpPr>
-            <a:spLocks noGrp="1"/>
-          </p:cNvSpPr>
-          <p:nvPr>
-            <p:ph type="dt"/>
-          </p:nvPr>
-        </p:nvSpPr>
-        <p:spPr>
-          <a:xfrm>
-            <a:off x="9732600" y="5883120"/>
-            <a:ext cx="1142640" cy="364680"/>
-          </a:xfrm>
-          <a:prstGeom prst="rect">
-            <a:avLst/>
-          </a:prstGeom>
-        </p:spPr>
-        <p:txBody>
-          <a:bodyPr anchor="ctr"/>
-          <a:p>
-            <a:pPr algn="r">
-              <a:lnSpc>
-                <a:spcPct val="100000"/>
-              </a:lnSpc>
-            </a:pPr>
-            <a:fld id="{5D14BED4-8AF1-476F-AC56-15AC1CA8242C}" type="datetime">
-              <a:rPr b="0" lang="en-US" sz="1000" spc="-1" strike="noStrike">
-                <a:solidFill>
-                  <a:srgbClr val="000000"/>
-                </a:solidFill>
-                <a:latin typeface="Corbel"/>
-              </a:rPr>
-              <a:t>1/28/21</a:t>
-            </a:fld>
-            <a:endParaRPr b="0" lang="en-US" sz="1000" spc="-1" strike="noStrike">
-              <a:latin typeface="Times New Roman"/>
-            </a:endParaRPr>
-          </a:p>
-        </p:txBody>
-      </p:sp>
-      <p:sp>
-        <p:nvSpPr>
-          <p:cNvPr id="16" name="PlaceHolder 17"/>
-          <p:cNvSpPr>
-            <a:spLocks noGrp="1"/>
-          </p:cNvSpPr>
-          <p:nvPr>
-            <p:ph type="ftr"/>
-          </p:nvPr>
-        </p:nvSpPr>
-        <p:spPr>
-          <a:xfrm>
-            <a:off x="5332320" y="5883120"/>
-            <a:ext cx="4323600" cy="364680"/>
-          </a:xfrm>
-          <a:prstGeom prst="rect">
-            <a:avLst/>
-          </a:prstGeom>
-        </p:spPr>
-        <p:txBody>
-          <a:bodyPr anchor="ctr"/>
-          <a:p>
-            <a:endParaRPr b="0" lang="en-US" sz="2400" spc="-1" strike="noStrike">
-              <a:latin typeface="Times New Roman"/>
-            </a:endParaRPr>
-          </a:p>
-        </p:txBody>
-      </p:sp>
-      <p:sp>
-        <p:nvSpPr>
-          <p:cNvPr id="17" name="PlaceHolder 18"/>
-          <p:cNvSpPr>
-            <a:spLocks noGrp="1"/>
-          </p:cNvSpPr>
-          <p:nvPr>
-            <p:ph type="sldNum"/>
-          </p:nvPr>
-        </p:nvSpPr>
-        <p:spPr>
-          <a:xfrm>
-            <a:off x="10951920" y="5883120"/>
-            <a:ext cx="550800" cy="364680"/>
-          </a:xfrm>
-          <a:prstGeom prst="rect">
-            <a:avLst/>
-          </a:prstGeom>
-        </p:spPr>
-        <p:txBody>
-          <a:bodyPr anchor="ctr"/>
-          <a:p>
-            <a:pPr algn="r">
-              <a:lnSpc>
-                <a:spcPct val="100000"/>
-              </a:lnSpc>
-            </a:pPr>
-            <a:fld id="{63E426B3-A228-4AFC-A684-F07617415597}" type="slidenum">
-              <a:rPr b="0" lang="en-US" sz="1000" spc="-1" strike="noStrike">
-                <a:solidFill>
-                  <a:srgbClr val="000000"/>
-                </a:solidFill>
-                <a:latin typeface="Corbel"/>
-              </a:rPr>
-              <a:t>&lt;number&gt;</a:t>
-            </a:fld>
-            <a:endParaRPr b="0" lang="en-US" sz="1000" spc="-1" strike="noStrike">
-              <a:latin typeface="Times New Roman"/>
-            </a:endParaRPr>
-          </a:p>
-        </p:txBody>
-      </p:sp>
-      <p:sp>
-        <p:nvSpPr>
-          <p:cNvPr id="18" name="PlaceHolder 19"/>
           <p:cNvSpPr>
             <a:spLocks noGrp="1"/>
           </p:cNvSpPr>
@@ -3779,19 +3470,13 @@
               <a:buChar char=""/>
             </a:pPr>
             <a:r>
-              <a:rPr b="0" lang="en-US" sz="2400" spc="-1" strike="noStrike">
-                <a:solidFill>
-                  <a:srgbClr val="000000"/>
-                </a:solidFill>
-                <a:latin typeface="Corbel"/>
+              <a:rPr b="0" lang="en-US" sz="3200" spc="-1" strike="noStrike">
+                <a:latin typeface="Arial"/>
               </a:rPr>
               <a:t>Click to edit the outline text format</a:t>
             </a:r>
-            <a:endParaRPr b="0" lang="en-US" sz="2400" spc="-1" strike="noStrike">
-              <a:solidFill>
-                <a:srgbClr val="000000"/>
-              </a:solidFill>
-              <a:latin typeface="Corbel"/>
+            <a:endParaRPr b="0" lang="en-US" sz="3200" spc="-1" strike="noStrike">
+              <a:latin typeface="Arial"/>
             </a:endParaRPr>
           </a:p>
           <a:p>
@@ -3807,19 +3492,13 @@
               <a:buChar char=""/>
             </a:pPr>
             <a:r>
-              <a:rPr b="0" lang="en-US" sz="1800" spc="-1" strike="noStrike">
-                <a:solidFill>
-                  <a:srgbClr val="000000"/>
-                </a:solidFill>
-                <a:latin typeface="Corbel"/>
+              <a:rPr b="0" lang="en-US" sz="2800" spc="-1" strike="noStrike">
+                <a:latin typeface="Arial"/>
               </a:rPr>
               <a:t>Second Outline Level</a:t>
             </a:r>
-            <a:endParaRPr b="0" lang="en-US" sz="1800" spc="-1" strike="noStrike">
-              <a:solidFill>
-                <a:srgbClr val="000000"/>
-              </a:solidFill>
-              <a:latin typeface="Corbel"/>
+            <a:endParaRPr b="0" lang="en-US" sz="2800" spc="-1" strike="noStrike">
+              <a:latin typeface="Arial"/>
             </a:endParaRPr>
           </a:p>
           <a:p>
@@ -3835,19 +3514,13 @@
               <a:buChar char=""/>
             </a:pPr>
             <a:r>
-              <a:rPr b="0" lang="en-US" sz="1600" spc="-1" strike="noStrike">
-                <a:solidFill>
-                  <a:srgbClr val="000000"/>
-                </a:solidFill>
-                <a:latin typeface="Corbel"/>
+              <a:rPr b="0" lang="en-US" sz="2400" spc="-1" strike="noStrike">
+                <a:latin typeface="Arial"/>
               </a:rPr>
               <a:t>Third Outline Level</a:t>
             </a:r>
-            <a:endParaRPr b="0" lang="en-US" sz="1600" spc="-1" strike="noStrike">
-              <a:solidFill>
-                <a:srgbClr val="000000"/>
-              </a:solidFill>
-              <a:latin typeface="Corbel"/>
+            <a:endParaRPr b="0" lang="en-US" sz="2400" spc="-1" strike="noStrike">
+              <a:latin typeface="Arial"/>
             </a:endParaRPr>
           </a:p>
           <a:p>
@@ -3863,19 +3536,13 @@
               <a:buChar char=""/>
             </a:pPr>
             <a:r>
-              <a:rPr b="0" lang="en-US" sz="1400" spc="-1" strike="noStrike">
-                <a:solidFill>
-                  <a:srgbClr val="000000"/>
-                </a:solidFill>
-                <a:latin typeface="Corbel"/>
+              <a:rPr b="0" lang="en-US" sz="2000" spc="-1" strike="noStrike">
+                <a:latin typeface="Arial"/>
               </a:rPr>
               <a:t>Fourth Outline Level</a:t>
             </a:r>
-            <a:endParaRPr b="0" lang="en-US" sz="1400" spc="-1" strike="noStrike">
-              <a:solidFill>
-                <a:srgbClr val="000000"/>
-              </a:solidFill>
-              <a:latin typeface="Corbel"/>
+            <a:endParaRPr b="0" lang="en-US" sz="2000" spc="-1" strike="noStrike">
+              <a:latin typeface="Arial"/>
             </a:endParaRPr>
           </a:p>
           <a:p>
@@ -3892,18 +3559,12 @@
             </a:pPr>
             <a:r>
               <a:rPr b="0" lang="en-US" sz="2000" spc="-1" strike="noStrike">
-                <a:solidFill>
-                  <a:srgbClr val="000000"/>
-                </a:solidFill>
-                <a:latin typeface="Corbel"/>
+                <a:latin typeface="Arial"/>
               </a:rPr>
               <a:t>Fifth Outline Level</a:t>
             </a:r>
             <a:endParaRPr b="0" lang="en-US" sz="2000" spc="-1" strike="noStrike">
-              <a:solidFill>
-                <a:srgbClr val="000000"/>
-              </a:solidFill>
-              <a:latin typeface="Corbel"/>
+              <a:latin typeface="Arial"/>
             </a:endParaRPr>
           </a:p>
           <a:p>
@@ -3920,18 +3581,12 @@
             </a:pPr>
             <a:r>
               <a:rPr b="0" lang="en-US" sz="2000" spc="-1" strike="noStrike">
-                <a:solidFill>
-                  <a:srgbClr val="000000"/>
-                </a:solidFill>
-                <a:latin typeface="Corbel"/>
+                <a:latin typeface="Arial"/>
               </a:rPr>
               <a:t>Sixth Outline Level</a:t>
             </a:r>
             <a:endParaRPr b="0" lang="en-US" sz="2000" spc="-1" strike="noStrike">
-              <a:solidFill>
-                <a:srgbClr val="000000"/>
-              </a:solidFill>
-              <a:latin typeface="Corbel"/>
+              <a:latin typeface="Arial"/>
             </a:endParaRPr>
           </a:p>
           <a:p>
@@ -3948,18 +3603,12 @@
             </a:pPr>
             <a:r>
               <a:rPr b="0" lang="en-US" sz="2000" spc="-1" strike="noStrike">
-                <a:solidFill>
-                  <a:srgbClr val="000000"/>
-                </a:solidFill>
-                <a:latin typeface="Corbel"/>
+                <a:latin typeface="Arial"/>
               </a:rPr>
               <a:t>Seventh Outline Level</a:t>
             </a:r>
             <a:endParaRPr b="0" lang="en-US" sz="2000" spc="-1" strike="noStrike">
-              <a:solidFill>
-                <a:srgbClr val="000000"/>
-              </a:solidFill>
-              <a:latin typeface="Corbel"/>
+              <a:latin typeface="Arial"/>
             </a:endParaRPr>
           </a:p>
         </p:txBody>
@@ -4013,28 +3662,28 @@
       </p:grpSpPr>
       <p:grpSp>
         <p:nvGrpSpPr>
-          <p:cNvPr id="55" name="Group 1"/>
+          <p:cNvPr id="52" name="Group 1"/>
           <p:cNvGrpSpPr/>
           <p:nvPr/>
         </p:nvGrpSpPr>
         <p:grpSpPr>
           <a:xfrm>
             <a:off x="150840" y="0"/>
-            <a:ext cx="2436480" cy="6857640"/>
+            <a:ext cx="2436120" cy="6857280"/>
             <a:chOff x="150840" y="0"/>
-            <a:chExt cx="2436480" cy="6857640"/>
+            <a:chExt cx="2436120" cy="6857280"/>
           </a:xfrm>
         </p:grpSpPr>
         <p:sp>
           <p:nvSpPr>
-            <p:cNvPr id="56" name="CustomShape 2"/>
+            <p:cNvPr id="53" name="CustomShape 2"/>
             <p:cNvSpPr/>
             <p:nvPr/>
           </p:nvSpPr>
           <p:spPr>
             <a:xfrm>
               <a:off x="457200" y="0"/>
-              <a:ext cx="1122120" cy="5328720"/>
+              <a:ext cx="1121760" cy="5328360"/>
             </a:xfrm>
             <a:custGeom>
               <a:avLst/>
@@ -4078,14 +3727,14 @@
         </p:sp>
         <p:sp>
           <p:nvSpPr>
-            <p:cNvPr id="57" name="CustomShape 3"/>
+            <p:cNvPr id="54" name="CustomShape 3"/>
             <p:cNvSpPr/>
             <p:nvPr/>
           </p:nvSpPr>
           <p:spPr>
             <a:xfrm>
               <a:off x="150840" y="0"/>
-              <a:ext cx="1117080" cy="5276520"/>
+              <a:ext cx="1116720" cy="5276160"/>
             </a:xfrm>
             <a:custGeom>
               <a:avLst/>
@@ -4132,14 +3781,14 @@
         </p:sp>
         <p:sp>
           <p:nvSpPr>
-            <p:cNvPr id="58" name="CustomShape 4"/>
+            <p:cNvPr id="55" name="CustomShape 4"/>
             <p:cNvSpPr/>
             <p:nvPr/>
           </p:nvSpPr>
           <p:spPr>
             <a:xfrm>
               <a:off x="150840" y="5238720"/>
-              <a:ext cx="1228320" cy="1618920"/>
+              <a:ext cx="1227960" cy="1618560"/>
             </a:xfrm>
             <a:custGeom>
               <a:avLst/>
@@ -4183,14 +3832,14 @@
         </p:sp>
         <p:sp>
           <p:nvSpPr>
-            <p:cNvPr id="59" name="CustomShape 5"/>
+            <p:cNvPr id="56" name="CustomShape 5"/>
             <p:cNvSpPr/>
             <p:nvPr/>
           </p:nvSpPr>
           <p:spPr>
             <a:xfrm>
               <a:off x="457200" y="5291280"/>
-              <a:ext cx="1495080" cy="1566360"/>
+              <a:ext cx="1494720" cy="1566000"/>
             </a:xfrm>
             <a:custGeom>
               <a:avLst/>
@@ -4233,14 +3882,14 @@
         </p:sp>
         <p:sp>
           <p:nvSpPr>
-            <p:cNvPr id="60" name="CustomShape 6"/>
+            <p:cNvPr id="57" name="CustomShape 6"/>
             <p:cNvSpPr/>
             <p:nvPr/>
           </p:nvSpPr>
           <p:spPr>
             <a:xfrm>
               <a:off x="457200" y="5286240"/>
-              <a:ext cx="2130120" cy="1571400"/>
+              <a:ext cx="2129760" cy="1571040"/>
             </a:xfrm>
             <a:custGeom>
               <a:avLst/>
@@ -4289,14 +3938,14 @@
         </p:sp>
         <p:sp>
           <p:nvSpPr>
-            <p:cNvPr id="61" name="CustomShape 7"/>
+            <p:cNvPr id="58" name="CustomShape 7"/>
             <p:cNvSpPr/>
             <p:nvPr/>
           </p:nvSpPr>
           <p:spPr>
             <a:xfrm>
               <a:off x="150840" y="5238720"/>
-              <a:ext cx="1695240" cy="1618920"/>
+              <a:ext cx="1694880" cy="1618560"/>
             </a:xfrm>
             <a:custGeom>
               <a:avLst/>
@@ -4359,7 +4008,7 @@
       </p:grpSp>
       <p:sp>
         <p:nvSpPr>
-          <p:cNvPr id="62" name="PlaceHolder 8"/>
+          <p:cNvPr id="59" name="PlaceHolder 8"/>
           <p:cNvSpPr>
             <a:spLocks noGrp="1"/>
           </p:cNvSpPr>
@@ -4369,340 +4018,204 @@
         </p:nvSpPr>
         <p:spPr>
           <a:xfrm>
-            <a:off x="1484280" y="685800"/>
-            <a:ext cx="10018440" cy="1752120"/>
-          </a:xfrm>
-          <a:prstGeom prst="rect">
-            <a:avLst/>
-          </a:prstGeom>
-        </p:spPr>
-        <p:txBody>
-          <a:bodyPr anchor="ctr"/>
-          <a:p>
-            <a:pPr algn="ctr">
-              <a:lnSpc>
-                <a:spcPct val="100000"/>
-              </a:lnSpc>
+            <a:off x="609480" y="273600"/>
+            <a:ext cx="10972440" cy="1144800"/>
+          </a:xfrm>
+          <a:prstGeom prst="rect">
+            <a:avLst/>
+          </a:prstGeom>
+        </p:spPr>
+        <p:txBody>
+          <a:bodyPr lIns="0" rIns="0" tIns="0" bIns="0" anchor="ctr"/>
+          <a:p>
+            <a:pPr algn="ctr"/>
+            <a:r>
+              <a:rPr b="0" lang="en-US" sz="4400" spc="-1" strike="noStrike">
+                <a:latin typeface="Arial"/>
+              </a:rPr>
+              <a:t>Click to edit the title text format</a:t>
+            </a:r>
+            <a:endParaRPr b="0" lang="en-US" sz="4400" spc="-1" strike="noStrike">
+              <a:latin typeface="Arial"/>
+            </a:endParaRPr>
+          </a:p>
+        </p:txBody>
+      </p:sp>
+      <p:sp>
+        <p:nvSpPr>
+          <p:cNvPr id="60" name="PlaceHolder 9"/>
+          <p:cNvSpPr>
+            <a:spLocks noGrp="1"/>
+          </p:cNvSpPr>
+          <p:nvPr>
+            <p:ph type="body"/>
+          </p:nvPr>
+        </p:nvSpPr>
+        <p:spPr>
+          <a:xfrm>
+            <a:off x="609480" y="1604520"/>
+            <a:ext cx="10972440" cy="3977280"/>
+          </a:xfrm>
+          <a:prstGeom prst="rect">
+            <a:avLst/>
+          </a:prstGeom>
+        </p:spPr>
+        <p:txBody>
+          <a:bodyPr lIns="0" rIns="0" tIns="0" bIns="0">
+            <a:normAutofit/>
+          </a:bodyPr>
+          <a:p>
+            <a:pPr marL="432000" indent="-324000">
+              <a:spcBef>
+                <a:spcPts val="1417"/>
+              </a:spcBef>
+              <a:buClr>
+                <a:srgbClr val="000000"/>
+              </a:buClr>
+              <a:buSzPct val="45000"/>
+              <a:buFont typeface="Wingdings" charset="2"/>
+              <a:buChar char=""/>
             </a:pPr>
             <a:r>
-              <a:rPr b="0" lang="en-US" sz="4000" spc="-1" strike="noStrike">
-                <a:solidFill>
-                  <a:srgbClr val="000000"/>
-                </a:solidFill>
-                <a:latin typeface="Corbel"/>
-              </a:rPr>
-              <a:t>Click to edit Master title style</a:t>
-            </a:r>
-            <a:endParaRPr b="0" lang="en-US" sz="4000" spc="-1" strike="noStrike">
-              <a:solidFill>
+              <a:rPr b="0" lang="en-US" sz="3200" spc="-1" strike="noStrike">
+                <a:latin typeface="Arial"/>
+              </a:rPr>
+              <a:t>Click to edit the outline text format</a:t>
+            </a:r>
+            <a:endParaRPr b="0" lang="en-US" sz="3200" spc="-1" strike="noStrike">
+              <a:latin typeface="Arial"/>
+            </a:endParaRPr>
+          </a:p>
+          <a:p>
+            <a:pPr lvl="1" marL="864000" indent="-324000">
+              <a:spcBef>
+                <a:spcPts val="1134"/>
+              </a:spcBef>
+              <a:buClr>
                 <a:srgbClr val="000000"/>
-              </a:solidFill>
-              <a:latin typeface="Corbel"/>
-            </a:endParaRPr>
-          </a:p>
-        </p:txBody>
-      </p:sp>
-      <p:sp>
-        <p:nvSpPr>
-          <p:cNvPr id="63" name="PlaceHolder 9"/>
-          <p:cNvSpPr>
-            <a:spLocks noGrp="1"/>
-          </p:cNvSpPr>
-          <p:nvPr>
-            <p:ph type="body"/>
-          </p:nvPr>
-        </p:nvSpPr>
-        <p:spPr>
-          <a:xfrm>
-            <a:off x="1484280" y="2666880"/>
-            <a:ext cx="10018440" cy="3123720"/>
-          </a:xfrm>
-          <a:prstGeom prst="rect">
-            <a:avLst/>
-          </a:prstGeom>
-        </p:spPr>
-        <p:txBody>
-          <a:bodyPr anchor="ctr"/>
-          <a:p>
-            <a:pPr marL="285840" indent="-285480">
-              <a:lnSpc>
-                <a:spcPct val="100000"/>
-              </a:lnSpc>
+              </a:buClr>
+              <a:buSzPct val="75000"/>
+              <a:buFont typeface="Symbol" charset="2"/>
+              <a:buChar char=""/>
+            </a:pPr>
+            <a:r>
+              <a:rPr b="0" lang="en-US" sz="2800" spc="-1" strike="noStrike">
+                <a:latin typeface="Arial"/>
+              </a:rPr>
+              <a:t>Second Outline Level</a:t>
+            </a:r>
+            <a:endParaRPr b="0" lang="en-US" sz="2800" spc="-1" strike="noStrike">
+              <a:latin typeface="Arial"/>
+            </a:endParaRPr>
+          </a:p>
+          <a:p>
+            <a:pPr lvl="2" marL="1296000" indent="-288000">
               <a:spcBef>
-                <a:spcPts val="479"/>
+                <a:spcPts val="850"/>
               </a:spcBef>
-              <a:spcAft>
-                <a:spcPts val="601"/>
-              </a:spcAft>
               <a:buClr>
-                <a:srgbClr val="1287c3"/>
+                <a:srgbClr val="000000"/>
               </a:buClr>
-              <a:buSzPct val="145000"/>
-              <a:buFont typeface="Arial"/>
-              <a:buChar char="•"/>
+              <a:buSzPct val="45000"/>
+              <a:buFont typeface="Wingdings" charset="2"/>
+              <a:buChar char=""/>
             </a:pPr>
             <a:r>
               <a:rPr b="0" lang="en-US" sz="2400" spc="-1" strike="noStrike">
-                <a:solidFill>
-                  <a:srgbClr val="000000"/>
-                </a:solidFill>
-                <a:latin typeface="Corbel"/>
-              </a:rPr>
-              <a:t>Click to edit Master text styles</a:t>
+                <a:latin typeface="Arial"/>
+              </a:rPr>
+              <a:t>Third Outline Level</a:t>
             </a:r>
             <a:endParaRPr b="0" lang="en-US" sz="2400" spc="-1" strike="noStrike">
-              <a:solidFill>
+              <a:latin typeface="Arial"/>
+            </a:endParaRPr>
+          </a:p>
+          <a:p>
+            <a:pPr lvl="3" marL="1728000" indent="-216000">
+              <a:spcBef>
+                <a:spcPts val="567"/>
+              </a:spcBef>
+              <a:buClr>
                 <a:srgbClr val="000000"/>
-              </a:solidFill>
-              <a:latin typeface="Corbel"/>
-            </a:endParaRPr>
-          </a:p>
-          <a:p>
-            <a:pPr lvl="1" marL="743040" indent="-285480">
-              <a:lnSpc>
-                <a:spcPct val="100000"/>
-              </a:lnSpc>
+              </a:buClr>
+              <a:buSzPct val="75000"/>
+              <a:buFont typeface="Symbol" charset="2"/>
+              <a:buChar char=""/>
+            </a:pPr>
+            <a:r>
+              <a:rPr b="0" lang="en-US" sz="2000" spc="-1" strike="noStrike">
+                <a:latin typeface="Arial"/>
+              </a:rPr>
+              <a:t>Fourth Outline Level</a:t>
+            </a:r>
+            <a:endParaRPr b="0" lang="en-US" sz="2000" spc="-1" strike="noStrike">
+              <a:latin typeface="Arial"/>
+            </a:endParaRPr>
+          </a:p>
+          <a:p>
+            <a:pPr lvl="4" marL="2160000" indent="-216000">
               <a:spcBef>
-                <a:spcPts val="400"/>
+                <a:spcPts val="283"/>
               </a:spcBef>
-              <a:spcAft>
-                <a:spcPts val="601"/>
-              </a:spcAft>
               <a:buClr>
-                <a:srgbClr val="1287c3"/>
+                <a:srgbClr val="000000"/>
               </a:buClr>
-              <a:buSzPct val="145000"/>
-              <a:buFont typeface="Arial"/>
-              <a:buChar char="•"/>
+              <a:buSzPct val="45000"/>
+              <a:buFont typeface="Wingdings" charset="2"/>
+              <a:buChar char=""/>
             </a:pPr>
             <a:r>
               <a:rPr b="0" lang="en-US" sz="2000" spc="-1" strike="noStrike">
-                <a:solidFill>
-                  <a:srgbClr val="000000"/>
-                </a:solidFill>
-                <a:latin typeface="Corbel"/>
-              </a:rPr>
-              <a:t>Second level</a:t>
+                <a:latin typeface="Arial"/>
+              </a:rPr>
+              <a:t>Fifth Outline Level</a:t>
             </a:r>
             <a:endParaRPr b="0" lang="en-US" sz="2000" spc="-1" strike="noStrike">
-              <a:solidFill>
+              <a:latin typeface="Arial"/>
+            </a:endParaRPr>
+          </a:p>
+          <a:p>
+            <a:pPr lvl="5" marL="2592000" indent="-216000">
+              <a:spcBef>
+                <a:spcPts val="283"/>
+              </a:spcBef>
+              <a:buClr>
                 <a:srgbClr val="000000"/>
-              </a:solidFill>
-              <a:latin typeface="Corbel"/>
-            </a:endParaRPr>
-          </a:p>
-          <a:p>
-            <a:pPr lvl="2" marL="1200240" indent="-285480">
-              <a:lnSpc>
-                <a:spcPct val="100000"/>
-              </a:lnSpc>
+              </a:buClr>
+              <a:buSzPct val="45000"/>
+              <a:buFont typeface="Wingdings" charset="2"/>
+              <a:buChar char=""/>
+            </a:pPr>
+            <a:r>
+              <a:rPr b="0" lang="en-US" sz="2000" spc="-1" strike="noStrike">
+                <a:latin typeface="Arial"/>
+              </a:rPr>
+              <a:t>Sixth Outline Level</a:t>
+            </a:r>
+            <a:endParaRPr b="0" lang="en-US" sz="2000" spc="-1" strike="noStrike">
+              <a:latin typeface="Arial"/>
+            </a:endParaRPr>
+          </a:p>
+          <a:p>
+            <a:pPr lvl="6" marL="3024000" indent="-216000">
               <a:spcBef>
-                <a:spcPts val="360"/>
+                <a:spcPts val="283"/>
               </a:spcBef>
-              <a:spcAft>
-                <a:spcPts val="601"/>
-              </a:spcAft>
               <a:buClr>
-                <a:srgbClr val="1287c3"/>
+                <a:srgbClr val="000000"/>
               </a:buClr>
-              <a:buSzPct val="145000"/>
-              <a:buFont typeface="Arial"/>
-              <a:buChar char="•"/>
+              <a:buSzPct val="45000"/>
+              <a:buFont typeface="Wingdings" charset="2"/>
+              <a:buChar char=""/>
             </a:pPr>
             <a:r>
-              <a:rPr b="0" lang="en-US" sz="1800" spc="-1" strike="noStrike">
-                <a:solidFill>
-                  <a:srgbClr val="000000"/>
-                </a:solidFill>
-                <a:latin typeface="Corbel"/>
-              </a:rPr>
-              <a:t>Third level</a:t>
-            </a:r>
-            <a:endParaRPr b="0" lang="en-US" sz="1800" spc="-1" strike="noStrike">
-              <a:solidFill>
-                <a:srgbClr val="000000"/>
-              </a:solidFill>
-              <a:latin typeface="Corbel"/>
-            </a:endParaRPr>
-          </a:p>
-          <a:p>
-            <a:pPr lvl="3" marL="1542960" indent="-171000">
-              <a:lnSpc>
-                <a:spcPct val="100000"/>
-              </a:lnSpc>
-              <a:spcBef>
-                <a:spcPts val="320"/>
-              </a:spcBef>
-              <a:spcAft>
-                <a:spcPts val="601"/>
-              </a:spcAft>
-              <a:buClr>
-                <a:srgbClr val="1287c3"/>
-              </a:buClr>
-              <a:buSzPct val="145000"/>
-              <a:buFont typeface="Arial"/>
-              <a:buChar char="•"/>
-            </a:pPr>
-            <a:r>
-              <a:rPr b="0" lang="en-US" sz="1600" spc="-1" strike="noStrike">
-                <a:solidFill>
-                  <a:srgbClr val="000000"/>
-                </a:solidFill>
-                <a:latin typeface="Corbel"/>
-              </a:rPr>
-              <a:t>Fourth level</a:t>
-            </a:r>
-            <a:endParaRPr b="0" lang="en-US" sz="1600" spc="-1" strike="noStrike">
-              <a:solidFill>
-                <a:srgbClr val="000000"/>
-              </a:solidFill>
-              <a:latin typeface="Corbel"/>
-            </a:endParaRPr>
-          </a:p>
-          <a:p>
-            <a:pPr lvl="4" marL="2000160" indent="-171000">
-              <a:lnSpc>
-                <a:spcPct val="100000"/>
-              </a:lnSpc>
-              <a:spcBef>
-                <a:spcPts val="281"/>
-              </a:spcBef>
-              <a:spcAft>
-                <a:spcPts val="601"/>
-              </a:spcAft>
-              <a:buClr>
-                <a:srgbClr val="1287c3"/>
-              </a:buClr>
-              <a:buSzPct val="145000"/>
-              <a:buFont typeface="Arial"/>
-              <a:buChar char="•"/>
-            </a:pPr>
-            <a:r>
-              <a:rPr b="0" lang="en-US" sz="1400" spc="-1" strike="noStrike">
-                <a:solidFill>
-                  <a:srgbClr val="000000"/>
-                </a:solidFill>
-                <a:latin typeface="Corbel"/>
-              </a:rPr>
-              <a:t>Fifth level</a:t>
-            </a:r>
-            <a:endParaRPr b="0" lang="en-US" sz="1400" spc="-1" strike="noStrike">
-              <a:solidFill>
-                <a:srgbClr val="000000"/>
-              </a:solidFill>
-              <a:latin typeface="Corbel"/>
-            </a:endParaRPr>
-          </a:p>
-        </p:txBody>
-      </p:sp>
-      <p:sp>
-        <p:nvSpPr>
-          <p:cNvPr id="64" name="PlaceHolder 10"/>
-          <p:cNvSpPr>
-            <a:spLocks noGrp="1"/>
-          </p:cNvSpPr>
-          <p:nvPr>
-            <p:ph type="dt"/>
-          </p:nvPr>
-        </p:nvSpPr>
-        <p:spPr>
-          <a:xfrm>
-            <a:off x="9732600" y="5883120"/>
-            <a:ext cx="1142640" cy="364680"/>
-          </a:xfrm>
-          <a:prstGeom prst="rect">
-            <a:avLst/>
-          </a:prstGeom>
-        </p:spPr>
-        <p:txBody>
-          <a:bodyPr anchor="ctr"/>
-          <a:p>
-            <a:pPr algn="r">
-              <a:lnSpc>
-                <a:spcPct val="100000"/>
-              </a:lnSpc>
-            </a:pPr>
-            <a:fld id="{E4D051D6-2FFE-4153-9999-6ACD15A09372}" type="datetime">
-              <a:rPr b="0" lang="en-US" sz="1000" spc="-1" strike="noStrike">
-                <a:solidFill>
-                  <a:srgbClr val="000000"/>
-                </a:solidFill>
-                <a:latin typeface="Corbel"/>
-              </a:rPr>
-              <a:t>1/28/21</a:t>
-            </a:fld>
-            <a:endParaRPr b="0" lang="en-US" sz="1000" spc="-1" strike="noStrike">
-              <a:latin typeface="Times New Roman"/>
-            </a:endParaRPr>
-          </a:p>
-        </p:txBody>
-      </p:sp>
-      <p:sp>
-        <p:nvSpPr>
-          <p:cNvPr id="65" name="PlaceHolder 11"/>
-          <p:cNvSpPr>
-            <a:spLocks noGrp="1"/>
-          </p:cNvSpPr>
-          <p:nvPr>
-            <p:ph type="ftr"/>
-          </p:nvPr>
-        </p:nvSpPr>
-        <p:spPr>
-          <a:xfrm>
-            <a:off x="2572200" y="5883120"/>
-            <a:ext cx="7083720" cy="364680"/>
-          </a:xfrm>
-          <a:prstGeom prst="rect">
-            <a:avLst/>
-          </a:prstGeom>
-        </p:spPr>
-        <p:txBody>
-          <a:bodyPr anchor="ctr"/>
-          <a:p>
-            <a:endParaRPr b="0" lang="en-US" sz="2400" spc="-1" strike="noStrike">
-              <a:latin typeface="Times New Roman"/>
-            </a:endParaRPr>
-          </a:p>
-        </p:txBody>
-      </p:sp>
-      <p:sp>
-        <p:nvSpPr>
-          <p:cNvPr id="66" name="PlaceHolder 12"/>
-          <p:cNvSpPr>
-            <a:spLocks noGrp="1"/>
-          </p:cNvSpPr>
-          <p:nvPr>
-            <p:ph type="sldNum"/>
-          </p:nvPr>
-        </p:nvSpPr>
-        <p:spPr>
-          <a:xfrm>
-            <a:off x="10951920" y="5867280"/>
-            <a:ext cx="550800" cy="364680"/>
-          </a:xfrm>
-          <a:prstGeom prst="rect">
-            <a:avLst/>
-          </a:prstGeom>
-        </p:spPr>
-        <p:txBody>
-          <a:bodyPr anchor="ctr"/>
-          <a:p>
-            <a:pPr algn="r">
-              <a:lnSpc>
-                <a:spcPct val="100000"/>
-              </a:lnSpc>
-            </a:pPr>
-            <a:fld id="{99DCDA3C-CFF6-4F9E-A236-5B3782A69609}" type="slidenum">
-              <a:rPr b="0" lang="en-US" sz="1000" spc="-1" strike="noStrike">
-                <a:solidFill>
-                  <a:srgbClr val="000000"/>
-                </a:solidFill>
-                <a:latin typeface="Corbel"/>
-              </a:rPr>
-              <a:t>1</a:t>
-            </a:fld>
-            <a:endParaRPr b="0" lang="en-US" sz="1000" spc="-1" strike="noStrike">
-              <a:latin typeface="Times New Roman"/>
+              <a:rPr b="0" lang="en-US" sz="2000" spc="-1" strike="noStrike">
+                <a:latin typeface="Arial"/>
+              </a:rPr>
+              <a:t>Seventh Outline Level</a:t>
+            </a:r>
+            <a:endParaRPr b="0" lang="en-US" sz="2000" spc="-1" strike="noStrike">
+              <a:latin typeface="Arial"/>
             </a:endParaRPr>
           </a:p>
         </p:txBody>
@@ -4746,14 +4259,14 @@
       </p:grpSpPr>
       <p:sp>
         <p:nvSpPr>
-          <p:cNvPr id="103" name="TextShape 1"/>
-          <p:cNvSpPr txBox="1"/>
+          <p:cNvPr id="97" name="CustomShape 1"/>
+          <p:cNvSpPr/>
           <p:nvPr/>
         </p:nvSpPr>
         <p:spPr>
           <a:xfrm>
             <a:off x="2525040" y="1380240"/>
-            <a:ext cx="8977680" cy="2615760"/>
+            <a:ext cx="8977320" cy="2615400"/>
           </a:xfrm>
           <a:prstGeom prst="rect">
             <a:avLst/>
@@ -4763,8 +4276,14 @@
             <a:noFill/>
           </a:ln>
         </p:spPr>
-        <p:txBody>
-          <a:bodyPr anchor="b"/>
+        <p:style>
+          <a:lnRef idx="0"/>
+          <a:fillRef idx="0"/>
+          <a:effectRef idx="0"/>
+          <a:fontRef idx="minor"/>
+        </p:style>
+        <p:txBody>
+          <a:bodyPr lIns="90000" rIns="90000" tIns="45000" bIns="45000" anchor="b"/>
           <a:p>
             <a:pPr algn="r">
               <a:lnSpc>
@@ -4781,24 +4300,21 @@
               <a:t>Hiking trails &amp; Weather App</a:t>
             </a:r>
             <a:endParaRPr b="0" lang="en-US" sz="6000" spc="-1" strike="noStrike">
-              <a:solidFill>
-                <a:srgbClr val="000000"/>
-              </a:solidFill>
-              <a:latin typeface="Corbel"/>
-            </a:endParaRPr>
-          </a:p>
-        </p:txBody>
-      </p:sp>
-      <p:sp>
-        <p:nvSpPr>
-          <p:cNvPr id="104" name="TextShape 2"/>
-          <p:cNvSpPr txBox="1"/>
+              <a:latin typeface="Arial"/>
+            </a:endParaRPr>
+          </a:p>
+        </p:txBody>
+      </p:sp>
+      <p:sp>
+        <p:nvSpPr>
+          <p:cNvPr id="98" name="CustomShape 2"/>
+          <p:cNvSpPr/>
           <p:nvPr/>
         </p:nvSpPr>
         <p:spPr>
           <a:xfrm>
             <a:off x="4515480" y="3996360"/>
-            <a:ext cx="6987240" cy="1388160"/>
+            <a:ext cx="6986880" cy="1387800"/>
           </a:xfrm>
           <a:prstGeom prst="rect">
             <a:avLst/>
@@ -4808,10 +4324,16 @@
             <a:noFill/>
           </a:ln>
         </p:spPr>
-        <p:txBody>
-          <a:bodyPr/>
-          <a:p>
-            <a:pPr marL="343080" indent="-342720" algn="r">
+        <p:style>
+          <a:lnRef idx="0"/>
+          <a:fillRef idx="0"/>
+          <a:effectRef idx="0"/>
+          <a:fontRef idx="minor"/>
+        </p:style>
+        <p:txBody>
+          <a:bodyPr lIns="90000" rIns="90000" tIns="45000" bIns="45000"/>
+          <a:p>
+            <a:pPr marL="343080" indent="-342360" algn="r">
               <a:lnSpc>
                 <a:spcPct val="100000"/>
               </a:lnSpc>
@@ -4842,7 +4364,7 @@
             </a:endParaRPr>
           </a:p>
           <a:p>
-            <a:pPr marL="343080" indent="-342720" algn="r">
+            <a:pPr marL="343080" indent="-342360" algn="r">
               <a:lnSpc>
                 <a:spcPct val="100000"/>
               </a:lnSpc>
@@ -4925,14 +4447,14 @@
       </p:grpSpPr>
       <p:sp>
         <p:nvSpPr>
-          <p:cNvPr id="105" name="TextShape 1"/>
-          <p:cNvSpPr txBox="1"/>
+          <p:cNvPr id="99" name="CustomShape 1"/>
+          <p:cNvSpPr/>
           <p:nvPr/>
         </p:nvSpPr>
         <p:spPr>
           <a:xfrm>
             <a:off x="1484280" y="685800"/>
-            <a:ext cx="10018440" cy="1752120"/>
+            <a:ext cx="10018080" cy="1751760"/>
           </a:xfrm>
           <a:prstGeom prst="rect">
             <a:avLst/>
@@ -4942,8 +4464,14 @@
             <a:noFill/>
           </a:ln>
         </p:spPr>
-        <p:txBody>
-          <a:bodyPr anchor="ctr"/>
+        <p:style>
+          <a:lnRef idx="0"/>
+          <a:fillRef idx="0"/>
+          <a:effectRef idx="0"/>
+          <a:fontRef idx="minor"/>
+        </p:style>
+        <p:txBody>
+          <a:bodyPr lIns="90000" rIns="90000" tIns="45000" bIns="45000" anchor="ctr"/>
           <a:p>
             <a:pPr algn="ctr">
               <a:lnSpc>
@@ -4960,24 +4488,21 @@
               <a:t>App Details</a:t>
             </a:r>
             <a:endParaRPr b="0" lang="en-US" sz="4000" spc="-1" strike="noStrike">
-              <a:solidFill>
-                <a:srgbClr val="000000"/>
-              </a:solidFill>
-              <a:latin typeface="Corbel"/>
-            </a:endParaRPr>
-          </a:p>
-        </p:txBody>
-      </p:sp>
-      <p:sp>
-        <p:nvSpPr>
-          <p:cNvPr id="106" name="TextShape 2"/>
-          <p:cNvSpPr txBox="1"/>
+              <a:latin typeface="Arial"/>
+            </a:endParaRPr>
+          </a:p>
+        </p:txBody>
+      </p:sp>
+      <p:sp>
+        <p:nvSpPr>
+          <p:cNvPr id="100" name="CustomShape 2"/>
+          <p:cNvSpPr/>
           <p:nvPr/>
         </p:nvSpPr>
         <p:spPr>
           <a:xfrm>
             <a:off x="1484280" y="2666880"/>
-            <a:ext cx="10018440" cy="3123720"/>
+            <a:ext cx="10018080" cy="3123360"/>
           </a:xfrm>
           <a:prstGeom prst="rect">
             <a:avLst/>
@@ -4987,10 +4512,16 @@
             <a:noFill/>
           </a:ln>
         </p:spPr>
-        <p:txBody>
-          <a:bodyPr anchor="ctr"/>
-          <a:p>
-            <a:pPr marL="285840" indent="-285480">
+        <p:style>
+          <a:lnRef idx="0"/>
+          <a:fillRef idx="0"/>
+          <a:effectRef idx="0"/>
+          <a:fontRef idx="minor"/>
+        </p:style>
+        <p:txBody>
+          <a:bodyPr lIns="90000" rIns="90000" tIns="45000" bIns="45000" anchor="ctr"/>
+          <a:p>
+            <a:pPr marL="285840" indent="-285120">
               <a:lnSpc>
                 <a:spcPct val="100000"/>
               </a:lnSpc>
@@ -5017,14 +4548,11 @@
               <a:t>Weather and hike tails web application</a:t>
             </a:r>
             <a:endParaRPr b="0" lang="en-US" sz="2400" spc="-1" strike="noStrike">
-              <a:solidFill>
-                <a:srgbClr val="000000"/>
-              </a:solidFill>
-              <a:latin typeface="Corbel"/>
-            </a:endParaRPr>
-          </a:p>
-          <a:p>
-            <a:pPr marL="285840" indent="-285480">
+              <a:latin typeface="Arial"/>
+            </a:endParaRPr>
+          </a:p>
+          <a:p>
+            <a:pPr marL="285840" indent="-285120">
               <a:lnSpc>
                 <a:spcPct val="100000"/>
               </a:lnSpc>
@@ -5051,14 +4579,11 @@
               <a:t>Check weather and go for hike. All information In one place.</a:t>
             </a:r>
             <a:endParaRPr b="0" lang="en-US" sz="2400" spc="-1" strike="noStrike">
-              <a:solidFill>
-                <a:srgbClr val="000000"/>
-              </a:solidFill>
-              <a:latin typeface="Corbel"/>
-            </a:endParaRPr>
-          </a:p>
-          <a:p>
-            <a:pPr marL="285840" indent="-285480">
+              <a:latin typeface="Arial"/>
+            </a:endParaRPr>
+          </a:p>
+          <a:p>
+            <a:pPr marL="285840" indent="-285120">
               <a:lnSpc>
                 <a:spcPct val="100000"/>
               </a:lnSpc>
@@ -5085,10 +4610,7 @@
               <a:t> </a:t>
             </a:r>
             <a:endParaRPr b="0" lang="en-US" sz="2400" spc="-1" strike="noStrike">
-              <a:solidFill>
-                <a:srgbClr val="000000"/>
-              </a:solidFill>
-              <a:latin typeface="Corbel"/>
+              <a:latin typeface="Arial"/>
             </a:endParaRPr>
           </a:p>
         </p:txBody>
@@ -5144,14 +4666,14 @@
       </p:grpSpPr>
       <p:sp>
         <p:nvSpPr>
-          <p:cNvPr id="107" name="TextShape 1"/>
-          <p:cNvSpPr txBox="1"/>
+          <p:cNvPr id="101" name="CustomShape 1"/>
+          <p:cNvSpPr/>
           <p:nvPr/>
         </p:nvSpPr>
         <p:spPr>
           <a:xfrm>
             <a:off x="1484280" y="457200"/>
-            <a:ext cx="10018440" cy="1752120"/>
+            <a:ext cx="10018080" cy="1751760"/>
           </a:xfrm>
           <a:prstGeom prst="rect">
             <a:avLst/>
@@ -5161,8 +4683,14 @@
             <a:noFill/>
           </a:ln>
         </p:spPr>
-        <p:txBody>
-          <a:bodyPr anchor="ctr"/>
+        <p:style>
+          <a:lnRef idx="0"/>
+          <a:fillRef idx="0"/>
+          <a:effectRef idx="0"/>
+          <a:fontRef idx="minor"/>
+        </p:style>
+        <p:txBody>
+          <a:bodyPr lIns="90000" rIns="90000" tIns="45000" bIns="45000" anchor="ctr"/>
           <a:p>
             <a:pPr algn="ctr">
               <a:lnSpc>
@@ -5179,24 +4707,21 @@
               <a:t>App Features</a:t>
             </a:r>
             <a:endParaRPr b="0" lang="en-US" sz="4000" spc="-1" strike="noStrike">
-              <a:solidFill>
-                <a:srgbClr val="000000"/>
-              </a:solidFill>
-              <a:latin typeface="Corbel"/>
-            </a:endParaRPr>
-          </a:p>
-        </p:txBody>
-      </p:sp>
-      <p:sp>
-        <p:nvSpPr>
-          <p:cNvPr id="108" name="TextShape 2"/>
-          <p:cNvSpPr txBox="1"/>
+              <a:latin typeface="Arial"/>
+            </a:endParaRPr>
+          </a:p>
+        </p:txBody>
+      </p:sp>
+      <p:sp>
+        <p:nvSpPr>
+          <p:cNvPr id="102" name="CustomShape 2"/>
+          <p:cNvSpPr/>
           <p:nvPr/>
         </p:nvSpPr>
         <p:spPr>
           <a:xfrm>
             <a:off x="1594440" y="2377440"/>
-            <a:ext cx="10018440" cy="3657600"/>
+            <a:ext cx="10018080" cy="3657240"/>
           </a:xfrm>
           <a:prstGeom prst="rect">
             <a:avLst/>
@@ -5206,10 +4731,16 @@
             <a:noFill/>
           </a:ln>
         </p:spPr>
-        <p:txBody>
-          <a:bodyPr anchor="ctr"/>
-          <a:p>
-            <a:pPr marL="285840" indent="-285480">
+        <p:style>
+          <a:lnRef idx="0"/>
+          <a:fillRef idx="0"/>
+          <a:effectRef idx="0"/>
+          <a:fontRef idx="minor"/>
+        </p:style>
+        <p:txBody>
+          <a:bodyPr lIns="90000" rIns="90000" tIns="45000" bIns="45000" anchor="ctr"/>
+          <a:p>
+            <a:pPr marL="285840" indent="-285120">
               <a:lnSpc>
                 <a:spcPct val="100000"/>
               </a:lnSpc>
@@ -5236,14 +4767,11 @@
               <a:t>Home page with links </a:t>
             </a:r>
             <a:endParaRPr b="0" lang="en-US" sz="2400" spc="-1" strike="noStrike">
-              <a:solidFill>
-                <a:srgbClr val="000000"/>
-              </a:solidFill>
-              <a:latin typeface="Corbel"/>
-            </a:endParaRPr>
-          </a:p>
-          <a:p>
-            <a:pPr marL="285840" indent="-285480">
+              <a:latin typeface="Arial"/>
+            </a:endParaRPr>
+          </a:p>
+          <a:p>
+            <a:pPr marL="285840" indent="-285120">
               <a:lnSpc>
                 <a:spcPct val="100000"/>
               </a:lnSpc>
@@ -5270,14 +4798,11 @@
               <a:t>Link to weather page, link to hike trails page</a:t>
             </a:r>
             <a:endParaRPr b="0" lang="en-US" sz="2400" spc="-1" strike="noStrike">
-              <a:solidFill>
-                <a:srgbClr val="000000"/>
-              </a:solidFill>
-              <a:latin typeface="Corbel"/>
-            </a:endParaRPr>
-          </a:p>
-          <a:p>
-            <a:pPr marL="285840" indent="-285480">
+              <a:latin typeface="Arial"/>
+            </a:endParaRPr>
+          </a:p>
+          <a:p>
+            <a:pPr marL="285840" indent="-285120">
               <a:lnSpc>
                 <a:spcPct val="100000"/>
               </a:lnSpc>
@@ -5304,14 +4829,11 @@
               <a:t>Link to jump from one page to other page</a:t>
             </a:r>
             <a:endParaRPr b="0" lang="en-US" sz="2400" spc="-1" strike="noStrike">
-              <a:solidFill>
-                <a:srgbClr val="000000"/>
-              </a:solidFill>
-              <a:latin typeface="Corbel"/>
-            </a:endParaRPr>
-          </a:p>
-          <a:p>
-            <a:pPr marL="285840" indent="-285480">
+              <a:latin typeface="Arial"/>
+            </a:endParaRPr>
+          </a:p>
+          <a:p>
+            <a:pPr marL="285840" indent="-285120">
               <a:lnSpc>
                 <a:spcPct val="100000"/>
               </a:lnSpc>
@@ -5338,14 +4860,11 @@
               <a:t>Search box to search weather of particular place </a:t>
             </a:r>
             <a:endParaRPr b="0" lang="en-US" sz="2400" spc="-1" strike="noStrike">
-              <a:solidFill>
-                <a:srgbClr val="000000"/>
-              </a:solidFill>
-              <a:latin typeface="Corbel"/>
-            </a:endParaRPr>
-          </a:p>
-          <a:p>
-            <a:pPr marL="285840" indent="-285480">
+              <a:latin typeface="Arial"/>
+            </a:endParaRPr>
+          </a:p>
+          <a:p>
+            <a:pPr marL="285840" indent="-285120">
               <a:lnSpc>
                 <a:spcPct val="100000"/>
               </a:lnSpc>
@@ -5372,10 +4891,7 @@
               <a:t>Search box to search hike trail</a:t>
             </a:r>
             <a:endParaRPr b="0" lang="en-US" sz="2400" spc="-1" strike="noStrike">
-              <a:solidFill>
-                <a:srgbClr val="000000"/>
-              </a:solidFill>
-              <a:latin typeface="Corbel"/>
+              <a:latin typeface="Arial"/>
             </a:endParaRPr>
           </a:p>
         </p:txBody>
@@ -5431,14 +4947,14 @@
       </p:grpSpPr>
       <p:sp>
         <p:nvSpPr>
-          <p:cNvPr id="109" name="TextShape 1"/>
-          <p:cNvSpPr txBox="1"/>
+          <p:cNvPr id="103" name="CustomShape 1"/>
+          <p:cNvSpPr/>
           <p:nvPr/>
         </p:nvSpPr>
         <p:spPr>
           <a:xfrm>
             <a:off x="1484280" y="457200"/>
-            <a:ext cx="10018440" cy="1752120"/>
+            <a:ext cx="10018080" cy="1751760"/>
           </a:xfrm>
           <a:prstGeom prst="rect">
             <a:avLst/>
@@ -5448,8 +4964,14 @@
             <a:noFill/>
           </a:ln>
         </p:spPr>
-        <p:txBody>
-          <a:bodyPr anchor="ctr"/>
+        <p:style>
+          <a:lnRef idx="0"/>
+          <a:fillRef idx="0"/>
+          <a:effectRef idx="0"/>
+          <a:fontRef idx="minor"/>
+        </p:style>
+        <p:txBody>
+          <a:bodyPr lIns="90000" rIns="90000" tIns="45000" bIns="45000" anchor="ctr"/>
           <a:p>
             <a:pPr algn="ctr">
               <a:lnSpc>
@@ -5466,24 +4988,21 @@
               <a:t>Frameworks/Libraries</a:t>
             </a:r>
             <a:endParaRPr b="0" lang="en-US" sz="4000" spc="-1" strike="noStrike">
-              <a:solidFill>
-                <a:srgbClr val="000000"/>
-              </a:solidFill>
-              <a:latin typeface="Corbel"/>
-            </a:endParaRPr>
-          </a:p>
-        </p:txBody>
-      </p:sp>
-      <p:sp>
-        <p:nvSpPr>
-          <p:cNvPr id="110" name="TextShape 2"/>
-          <p:cNvSpPr txBox="1"/>
+              <a:latin typeface="Arial"/>
+            </a:endParaRPr>
+          </a:p>
+        </p:txBody>
+      </p:sp>
+      <p:sp>
+        <p:nvSpPr>
+          <p:cNvPr id="104" name="CustomShape 2"/>
+          <p:cNvSpPr/>
           <p:nvPr/>
         </p:nvSpPr>
         <p:spPr>
           <a:xfrm>
             <a:off x="1594440" y="2377440"/>
-            <a:ext cx="10018440" cy="3657600"/>
+            <a:ext cx="10018080" cy="3657240"/>
           </a:xfrm>
           <a:prstGeom prst="rect">
             <a:avLst/>
@@ -5493,10 +5012,16 @@
             <a:noFill/>
           </a:ln>
         </p:spPr>
-        <p:txBody>
-          <a:bodyPr anchor="ctr"/>
-          <a:p>
-            <a:pPr marL="285840" indent="-285480">
+        <p:style>
+          <a:lnRef idx="0"/>
+          <a:fillRef idx="0"/>
+          <a:effectRef idx="0"/>
+          <a:fontRef idx="minor"/>
+        </p:style>
+        <p:txBody>
+          <a:bodyPr lIns="90000" rIns="90000" tIns="45000" bIns="45000" anchor="ctr"/>
+          <a:p>
+            <a:pPr marL="285840" indent="-285120">
               <a:lnSpc>
                 <a:spcPct val="100000"/>
               </a:lnSpc>
@@ -5523,14 +5048,11 @@
               <a:t>React Framework</a:t>
             </a:r>
             <a:endParaRPr b="0" lang="en-US" sz="2400" spc="-1" strike="noStrike">
-              <a:solidFill>
-                <a:srgbClr val="000000"/>
-              </a:solidFill>
-              <a:latin typeface="Corbel"/>
-            </a:endParaRPr>
-          </a:p>
-          <a:p>
-            <a:pPr marL="285840" indent="-285480">
+              <a:latin typeface="Arial"/>
+            </a:endParaRPr>
+          </a:p>
+          <a:p>
+            <a:pPr marL="285840" indent="-285120">
               <a:lnSpc>
                 <a:spcPct val="100000"/>
               </a:lnSpc>
@@ -5557,14 +5079,11 @@
               <a:t>FetchAPI library</a:t>
             </a:r>
             <a:endParaRPr b="0" lang="en-US" sz="2400" spc="-1" strike="noStrike">
-              <a:solidFill>
-                <a:srgbClr val="000000"/>
-              </a:solidFill>
-              <a:latin typeface="Corbel"/>
-            </a:endParaRPr>
-          </a:p>
-          <a:p>
-            <a:pPr marL="285840" indent="-285480">
+              <a:latin typeface="Arial"/>
+            </a:endParaRPr>
+          </a:p>
+          <a:p>
+            <a:pPr marL="285840" indent="-285120">
               <a:lnSpc>
                 <a:spcPct val="100000"/>
               </a:lnSpc>
@@ -5591,10 +5110,7 @@
               <a:t>Languages: HTML, CSS, JAVASCRIPT</a:t>
             </a:r>
             <a:endParaRPr b="0" lang="en-US" sz="2400" spc="-1" strike="noStrike">
-              <a:solidFill>
-                <a:srgbClr val="000000"/>
-              </a:solidFill>
-              <a:latin typeface="Corbel"/>
+              <a:latin typeface="Arial"/>
             </a:endParaRPr>
           </a:p>
         </p:txBody>
@@ -5650,14 +5166,14 @@
       </p:grpSpPr>
       <p:sp>
         <p:nvSpPr>
-          <p:cNvPr id="111" name="TextShape 1"/>
-          <p:cNvSpPr txBox="1"/>
+          <p:cNvPr id="105" name="CustomShape 1"/>
+          <p:cNvSpPr/>
           <p:nvPr/>
         </p:nvSpPr>
         <p:spPr>
           <a:xfrm>
             <a:off x="1503000" y="259560"/>
-            <a:ext cx="10018440" cy="1752120"/>
+            <a:ext cx="10018080" cy="1751760"/>
           </a:xfrm>
           <a:prstGeom prst="rect">
             <a:avLst/>
@@ -5667,8 +5183,14 @@
             <a:noFill/>
           </a:ln>
         </p:spPr>
-        <p:txBody>
-          <a:bodyPr anchor="ctr"/>
+        <p:style>
+          <a:lnRef idx="0"/>
+          <a:fillRef idx="0"/>
+          <a:effectRef idx="0"/>
+          <a:fontRef idx="minor"/>
+        </p:style>
+        <p:txBody>
+          <a:bodyPr lIns="90000" rIns="90000" tIns="45000" bIns="45000" anchor="ctr"/>
           <a:p>
             <a:pPr algn="ctr">
               <a:lnSpc>
@@ -5685,24 +5207,21 @@
               <a:t>API’s</a:t>
             </a:r>
             <a:endParaRPr b="0" lang="en-US" sz="4000" spc="-1" strike="noStrike">
-              <a:solidFill>
-                <a:srgbClr val="000000"/>
-              </a:solidFill>
-              <a:latin typeface="Corbel"/>
-            </a:endParaRPr>
-          </a:p>
-        </p:txBody>
-      </p:sp>
-      <p:sp>
-        <p:nvSpPr>
-          <p:cNvPr id="112" name="TextShape 2"/>
-          <p:cNvSpPr txBox="1"/>
+              <a:latin typeface="Arial"/>
+            </a:endParaRPr>
+          </a:p>
+        </p:txBody>
+      </p:sp>
+      <p:sp>
+        <p:nvSpPr>
+          <p:cNvPr id="106" name="CustomShape 2"/>
+          <p:cNvSpPr/>
           <p:nvPr/>
         </p:nvSpPr>
         <p:spPr>
           <a:xfrm>
             <a:off x="1371600" y="2103120"/>
-            <a:ext cx="10018440" cy="4023360"/>
+            <a:ext cx="10018080" cy="4023000"/>
           </a:xfrm>
           <a:prstGeom prst="rect">
             <a:avLst/>
@@ -5712,10 +5231,16 @@
             <a:noFill/>
           </a:ln>
         </p:spPr>
-        <p:txBody>
-          <a:bodyPr anchor="ctr"/>
-          <a:p>
-            <a:pPr marL="285840" indent="-285480">
+        <p:style>
+          <a:lnRef idx="0"/>
+          <a:fillRef idx="0"/>
+          <a:effectRef idx="0"/>
+          <a:fontRef idx="minor"/>
+        </p:style>
+        <p:txBody>
+          <a:bodyPr lIns="90000" rIns="90000" tIns="45000" bIns="45000" anchor="ctr"/>
+          <a:p>
+            <a:pPr marL="285840" indent="-285120">
               <a:lnSpc>
                 <a:spcPct val="100000"/>
               </a:lnSpc>
@@ -5742,14 +5267,14 @@
               <a:t>Weather API:</a:t>
             </a:r>
             <a:endParaRPr b="0" lang="en-US" sz="2400" spc="-1" strike="noStrike">
-              <a:solidFill>
-                <a:srgbClr val="000000"/>
-              </a:solidFill>
-              <a:latin typeface="Corbel"/>
-            </a:endParaRPr>
-          </a:p>
-          <a:p>
-            <a:pPr lvl="1" marL="864000" indent="-324000">
+              <a:latin typeface="Arial"/>
+            </a:endParaRPr>
+          </a:p>
+          <a:p>
+            <a:pPr lvl="1" marL="864000" indent="-323640">
+              <a:lnSpc>
+                <a:spcPct val="100000"/>
+              </a:lnSpc>
               <a:spcBef>
                 <a:spcPts val="1134"/>
               </a:spcBef>
@@ -5770,14 +5295,14 @@
               <a:t>1) WeatherAPI.com</a:t>
             </a:r>
             <a:endParaRPr b="0" lang="en-US" sz="1800" spc="-1" strike="noStrike">
-              <a:solidFill>
-                <a:srgbClr val="000000"/>
-              </a:solidFill>
-              <a:latin typeface="Corbel"/>
-            </a:endParaRPr>
-          </a:p>
-          <a:p>
-            <a:pPr lvl="2" marL="1296000" indent="-288000">
+              <a:latin typeface="Arial"/>
+            </a:endParaRPr>
+          </a:p>
+          <a:p>
+            <a:pPr lvl="2" marL="1296000" indent="-287640">
+              <a:lnSpc>
+                <a:spcPct val="100000"/>
+              </a:lnSpc>
               <a:spcBef>
                 <a:spcPts val="850"/>
               </a:spcBef>
@@ -5807,14 +5332,14 @@
               <a:t>:  1000000 / month quotaHard Limit</a:t>
             </a:r>
             <a:endParaRPr b="0" lang="en-US" sz="1600" spc="-1" strike="noStrike">
-              <a:solidFill>
-                <a:srgbClr val="000000"/>
-              </a:solidFill>
-              <a:latin typeface="Corbel"/>
-            </a:endParaRPr>
-          </a:p>
-          <a:p>
-            <a:pPr lvl="2" marL="1296000" indent="-288000">
+              <a:latin typeface="Arial"/>
+            </a:endParaRPr>
+          </a:p>
+          <a:p>
+            <a:pPr lvl="2" marL="1296000" indent="-287640">
+              <a:lnSpc>
+                <a:spcPct val="100000"/>
+              </a:lnSpc>
               <a:spcBef>
                 <a:spcPts val="850"/>
               </a:spcBef>
@@ -5844,14 +5369,14 @@
               <a:t>: FetchAPI</a:t>
             </a:r>
             <a:endParaRPr b="0" lang="en-US" sz="1600" spc="-1" strike="noStrike">
-              <a:solidFill>
-                <a:srgbClr val="000000"/>
-              </a:solidFill>
-              <a:latin typeface="Corbel"/>
-            </a:endParaRPr>
-          </a:p>
-          <a:p>
-            <a:pPr lvl="2" marL="1296000" indent="-288000">
+              <a:latin typeface="Arial"/>
+            </a:endParaRPr>
+          </a:p>
+          <a:p>
+            <a:pPr lvl="2" marL="1296000" indent="-287640">
+              <a:lnSpc>
+                <a:spcPct val="100000"/>
+              </a:lnSpc>
               <a:spcBef>
                 <a:spcPts val="850"/>
               </a:spcBef>
@@ -5880,26 +5405,17 @@
                 <a:latin typeface="Corbel"/>
                 <a:ea typeface="Noto Sans CJK SC"/>
               </a:rPr>
-              <a:t>: </a:t>
-            </a:r>
-            <a:r>
-              <a:rPr b="0" lang="en-US" sz="1600" spc="-1" strike="noStrike">
-                <a:solidFill>
-                  <a:srgbClr val="000000"/>
-                </a:solidFill>
-                <a:latin typeface="Corbel"/>
-              </a:rPr>
-              <a:t>Free public API accessible via authentication key</a:t>
+              <a:t>: Free public API accessible via authentication key</a:t>
             </a:r>
             <a:endParaRPr b="0" lang="en-US" sz="1600" spc="-1" strike="noStrike">
-              <a:solidFill>
-                <a:srgbClr val="000000"/>
-              </a:solidFill>
-              <a:latin typeface="Corbel"/>
-            </a:endParaRPr>
-          </a:p>
-          <a:p>
-            <a:pPr lvl="2" marL="1296000" indent="-288000">
+              <a:latin typeface="Arial"/>
+            </a:endParaRPr>
+          </a:p>
+          <a:p>
+            <a:pPr lvl="2" marL="1296000" indent="-287640">
+              <a:lnSpc>
+                <a:spcPct val="100000"/>
+              </a:lnSpc>
               <a:spcBef>
                 <a:spcPts val="850"/>
               </a:spcBef>
@@ -5916,6 +5432,7 @@
                   <a:srgbClr val="000000"/>
                 </a:solidFill>
                 <a:latin typeface="Corbel"/>
+                <a:ea typeface="Noto Sans CJK SC"/>
               </a:rPr>
               <a:t>Information </a:t>
             </a:r>
@@ -5925,18 +5442,19 @@
                   <a:srgbClr val="000000"/>
                 </a:solidFill>
                 <a:latin typeface="Corbel"/>
+                <a:ea typeface="Noto Sans CJK SC"/>
               </a:rPr>
               <a:t>: Access to Search API, Sports API, Last 7 Days History, Hourly Weather, 3 Day Forecast, Realtime Weather, Astronomy API,Time Zone API features.</a:t>
             </a:r>
             <a:endParaRPr b="0" lang="en-US" sz="1600" spc="-1" strike="noStrike">
-              <a:solidFill>
-                <a:srgbClr val="000000"/>
-              </a:solidFill>
-              <a:latin typeface="Corbel"/>
-            </a:endParaRPr>
-          </a:p>
-          <a:p>
-            <a:pPr lvl="2" marL="1296000" indent="-288000">
+              <a:latin typeface="Arial"/>
+            </a:endParaRPr>
+          </a:p>
+          <a:p>
+            <a:pPr lvl="2" marL="1296000" indent="-287640">
+              <a:lnSpc>
+                <a:spcPct val="100000"/>
+              </a:lnSpc>
               <a:spcBef>
                 <a:spcPts val="850"/>
               </a:spcBef>
@@ -5953,6 +5471,7 @@
                   <a:srgbClr val="000000"/>
                 </a:solidFill>
                 <a:latin typeface="Corbel"/>
+                <a:ea typeface="Noto Sans CJK SC"/>
               </a:rPr>
               <a:t>Popularity</a:t>
             </a:r>
@@ -5962,6 +5481,7 @@
                   <a:srgbClr val="000000"/>
                 </a:solidFill>
                 <a:latin typeface="Corbel"/>
+                <a:ea typeface="Noto Sans CJK SC"/>
               </a:rPr>
               <a:t>: 9.8/10,</a:t>
             </a:r>
@@ -5971,6 +5491,7 @@
                   <a:srgbClr val="000000"/>
                 </a:solidFill>
                 <a:latin typeface="Corbel"/>
+                <a:ea typeface="Noto Sans CJK SC"/>
               </a:rPr>
               <a:t> Latency</a:t>
             </a:r>
@@ -5980,6 +5501,7 @@
                   <a:srgbClr val="000000"/>
                 </a:solidFill>
                 <a:latin typeface="Corbel"/>
+                <a:ea typeface="Noto Sans CJK SC"/>
               </a:rPr>
               <a:t>: 101ms,</a:t>
             </a:r>
@@ -5989,6 +5511,7 @@
                   <a:srgbClr val="000000"/>
                 </a:solidFill>
                 <a:latin typeface="Corbel"/>
+                <a:ea typeface="Noto Sans CJK SC"/>
               </a:rPr>
               <a:t> Service Level</a:t>
             </a:r>
@@ -5998,14 +5521,12 @@
                   <a:srgbClr val="000000"/>
                 </a:solidFill>
                 <a:latin typeface="Corbel"/>
+                <a:ea typeface="Noto Sans CJK SC"/>
               </a:rPr>
               <a:t>: 100%</a:t>
             </a:r>
             <a:endParaRPr b="0" lang="en-US" sz="1600" spc="-1" strike="noStrike">
-              <a:solidFill>
-                <a:srgbClr val="000000"/>
-              </a:solidFill>
-              <a:latin typeface="Corbel"/>
+              <a:latin typeface="Arial"/>
             </a:endParaRPr>
           </a:p>
         </p:txBody>
@@ -6061,14 +5582,14 @@
       </p:grpSpPr>
       <p:sp>
         <p:nvSpPr>
-          <p:cNvPr id="113" name="TextShape 1"/>
-          <p:cNvSpPr txBox="1"/>
+          <p:cNvPr id="107" name="CustomShape 1"/>
+          <p:cNvSpPr/>
           <p:nvPr/>
         </p:nvSpPr>
         <p:spPr>
           <a:xfrm>
             <a:off x="1503000" y="259560"/>
-            <a:ext cx="10018440" cy="1294920"/>
+            <a:ext cx="10018080" cy="1294560"/>
           </a:xfrm>
           <a:prstGeom prst="rect">
             <a:avLst/>
@@ -6078,8 +5599,14 @@
             <a:noFill/>
           </a:ln>
         </p:spPr>
-        <p:txBody>
-          <a:bodyPr anchor="ctr"/>
+        <p:style>
+          <a:lnRef idx="0"/>
+          <a:fillRef idx="0"/>
+          <a:effectRef idx="0"/>
+          <a:fontRef idx="minor"/>
+        </p:style>
+        <p:txBody>
+          <a:bodyPr lIns="90000" rIns="90000" tIns="45000" bIns="45000" anchor="ctr"/>
           <a:p>
             <a:pPr algn="ctr">
               <a:lnSpc>
@@ -6096,24 +5623,21 @@
               <a:t>API’s</a:t>
             </a:r>
             <a:endParaRPr b="0" lang="en-US" sz="4000" spc="-1" strike="noStrike">
-              <a:solidFill>
-                <a:srgbClr val="000000"/>
-              </a:solidFill>
-              <a:latin typeface="Corbel"/>
-            </a:endParaRPr>
-          </a:p>
-        </p:txBody>
-      </p:sp>
-      <p:sp>
-        <p:nvSpPr>
-          <p:cNvPr id="114" name="TextShape 2"/>
-          <p:cNvSpPr txBox="1"/>
+              <a:latin typeface="Arial"/>
+            </a:endParaRPr>
+          </a:p>
+        </p:txBody>
+      </p:sp>
+      <p:sp>
+        <p:nvSpPr>
+          <p:cNvPr id="108" name="CustomShape 2"/>
+          <p:cNvSpPr/>
           <p:nvPr/>
         </p:nvSpPr>
         <p:spPr>
           <a:xfrm>
             <a:off x="1371600" y="1554480"/>
-            <a:ext cx="10018440" cy="4572000"/>
+            <a:ext cx="10018080" cy="4571640"/>
           </a:xfrm>
           <a:prstGeom prst="rect">
             <a:avLst/>
@@ -6123,10 +5647,16 @@
             <a:noFill/>
           </a:ln>
         </p:spPr>
-        <p:txBody>
-          <a:bodyPr anchor="ctr"/>
-          <a:p>
-            <a:pPr marL="285840" indent="-285480">
+        <p:style>
+          <a:lnRef idx="0"/>
+          <a:fillRef idx="0"/>
+          <a:effectRef idx="0"/>
+          <a:fontRef idx="minor"/>
+        </p:style>
+        <p:txBody>
+          <a:bodyPr lIns="90000" rIns="90000" tIns="45000" bIns="45000" anchor="ctr"/>
+          <a:p>
+            <a:pPr marL="285840" indent="-285120">
               <a:lnSpc>
                 <a:spcPct val="100000"/>
               </a:lnSpc>
@@ -6153,14 +5683,14 @@
               <a:t>Weather API:</a:t>
             </a:r>
             <a:endParaRPr b="0" lang="en-US" sz="2400" spc="-1" strike="noStrike">
-              <a:solidFill>
-                <a:srgbClr val="000000"/>
-              </a:solidFill>
-              <a:latin typeface="Corbel"/>
-            </a:endParaRPr>
-          </a:p>
-          <a:p>
-            <a:pPr lvl="1" marL="864000" indent="-324000">
+              <a:latin typeface="Arial"/>
+            </a:endParaRPr>
+          </a:p>
+          <a:p>
+            <a:pPr lvl="1" marL="864000" indent="-323640">
+              <a:lnSpc>
+                <a:spcPct val="100000"/>
+              </a:lnSpc>
               <a:spcBef>
                 <a:spcPts val="1134"/>
               </a:spcBef>
@@ -6168,7 +5698,7 @@
                 <a:srgbClr val="000000"/>
               </a:buClr>
               <a:buSzPct val="75000"/>
-              <a:buFont typeface="Symbol" charset="2"/>
+              <a:buFont typeface="Symbol"/>
               <a:buChar char=""/>
             </a:pPr>
             <a:r>
@@ -6181,14 +5711,14 @@
               <a:t>2) ClimaCell</a:t>
             </a:r>
             <a:endParaRPr b="0" lang="en-US" sz="1800" spc="-1" strike="noStrike">
-              <a:solidFill>
-                <a:srgbClr val="000000"/>
-              </a:solidFill>
-              <a:latin typeface="Corbel"/>
-            </a:endParaRPr>
-          </a:p>
-          <a:p>
-            <a:pPr lvl="2" marL="1296000" indent="-288000">
+              <a:latin typeface="Arial"/>
+            </a:endParaRPr>
+          </a:p>
+          <a:p>
+            <a:pPr lvl="2" marL="1296000" indent="-287640">
+              <a:lnSpc>
+                <a:spcPct val="100000"/>
+              </a:lnSpc>
               <a:spcBef>
                 <a:spcPts val="850"/>
               </a:spcBef>
@@ -6218,14 +5748,14 @@
               <a:t>:  100 / day quota Hard Limit</a:t>
             </a:r>
             <a:endParaRPr b="0" lang="en-US" sz="1600" spc="-1" strike="noStrike">
-              <a:solidFill>
-                <a:srgbClr val="000000"/>
-              </a:solidFill>
-              <a:latin typeface="Corbel"/>
-            </a:endParaRPr>
-          </a:p>
-          <a:p>
-            <a:pPr lvl="2" marL="1296000" indent="-288000">
+              <a:latin typeface="Arial"/>
+            </a:endParaRPr>
+          </a:p>
+          <a:p>
+            <a:pPr lvl="2" marL="1296000" indent="-287640">
+              <a:lnSpc>
+                <a:spcPct val="100000"/>
+              </a:lnSpc>
               <a:spcBef>
                 <a:spcPts val="850"/>
               </a:spcBef>
@@ -6255,14 +5785,14 @@
               <a:t>: FetchAPI</a:t>
             </a:r>
             <a:endParaRPr b="0" lang="en-US" sz="1600" spc="-1" strike="noStrike">
-              <a:solidFill>
-                <a:srgbClr val="000000"/>
-              </a:solidFill>
-              <a:latin typeface="Corbel"/>
-            </a:endParaRPr>
-          </a:p>
-          <a:p>
-            <a:pPr lvl="2" marL="1296000" indent="-288000">
+              <a:latin typeface="Arial"/>
+            </a:endParaRPr>
+          </a:p>
+          <a:p>
+            <a:pPr lvl="2" marL="1296000" indent="-287640">
+              <a:lnSpc>
+                <a:spcPct val="100000"/>
+              </a:lnSpc>
               <a:spcBef>
                 <a:spcPts val="850"/>
               </a:spcBef>
@@ -6292,14 +5822,14 @@
               <a:t>: Free public API accessible via authentication key</a:t>
             </a:r>
             <a:endParaRPr b="0" lang="en-US" sz="1600" spc="-1" strike="noStrike">
-              <a:solidFill>
-                <a:srgbClr val="000000"/>
-              </a:solidFill>
-              <a:latin typeface="Corbel"/>
-            </a:endParaRPr>
-          </a:p>
-          <a:p>
-            <a:pPr lvl="2" marL="1296000" indent="-288000">
+              <a:latin typeface="Arial"/>
+            </a:endParaRPr>
+          </a:p>
+          <a:p>
+            <a:pPr lvl="2" marL="1296000" indent="-287640">
+              <a:lnSpc>
+                <a:spcPct val="100000"/>
+              </a:lnSpc>
               <a:spcBef>
                 <a:spcPts val="850"/>
               </a:spcBef>
@@ -6329,14 +5859,14 @@
               <a:t>: Access to  Short Term Forecast (Nowcast), Hourly Forecast and Realtime features.</a:t>
             </a:r>
             <a:endParaRPr b="0" lang="en-US" sz="1600" spc="-1" strike="noStrike">
-              <a:solidFill>
-                <a:srgbClr val="000000"/>
-              </a:solidFill>
-              <a:latin typeface="Corbel"/>
-            </a:endParaRPr>
-          </a:p>
-          <a:p>
-            <a:pPr lvl="2" marL="1296000" indent="-288000">
+              <a:latin typeface="Arial"/>
+            </a:endParaRPr>
+          </a:p>
+          <a:p>
+            <a:pPr lvl="2" marL="1296000" indent="-287640">
+              <a:lnSpc>
+                <a:spcPct val="100000"/>
+              </a:lnSpc>
               <a:spcBef>
                 <a:spcPts val="850"/>
               </a:spcBef>
@@ -6402,29 +5932,20 @@
               <a:t>: 100%</a:t>
             </a:r>
             <a:endParaRPr b="0" lang="en-US" sz="1600" spc="-1" strike="noStrike">
-              <a:solidFill>
-                <a:srgbClr val="000000"/>
-              </a:solidFill>
-              <a:latin typeface="Corbel"/>
-            </a:endParaRPr>
-          </a:p>
-          <a:p>
-            <a:pPr lvl="2" marL="1296000" indent="-288000">
+              <a:latin typeface="Arial"/>
+            </a:endParaRPr>
+          </a:p>
+          <a:p>
+            <a:pPr>
+              <a:lnSpc>
+                <a:spcPct val="100000"/>
+              </a:lnSpc>
               <a:spcBef>
                 <a:spcPts val="850"/>
               </a:spcBef>
-              <a:buClr>
-                <a:srgbClr val="000000"/>
-              </a:buClr>
-              <a:buSzPct val="45000"/>
-              <a:buFont typeface="Wingdings" charset="2"/>
-              <a:buChar char=""/>
             </a:pPr>
             <a:endParaRPr b="0" lang="en-US" sz="1600" spc="-1" strike="noStrike">
-              <a:solidFill>
-                <a:srgbClr val="000000"/>
-              </a:solidFill>
-              <a:latin typeface="Corbel"/>
+              <a:latin typeface="Arial"/>
             </a:endParaRPr>
           </a:p>
         </p:txBody>
@@ -6480,14 +6001,14 @@
       </p:grpSpPr>
       <p:sp>
         <p:nvSpPr>
-          <p:cNvPr id="115" name="TextShape 1"/>
-          <p:cNvSpPr txBox="1"/>
+          <p:cNvPr id="109" name="CustomShape 1"/>
+          <p:cNvSpPr/>
           <p:nvPr/>
         </p:nvSpPr>
         <p:spPr>
           <a:xfrm>
             <a:off x="1503000" y="259560"/>
-            <a:ext cx="10018440" cy="1294920"/>
+            <a:ext cx="10018080" cy="1294560"/>
           </a:xfrm>
           <a:prstGeom prst="rect">
             <a:avLst/>
@@ -6497,8 +6018,14 @@
             <a:noFill/>
           </a:ln>
         </p:spPr>
-        <p:txBody>
-          <a:bodyPr anchor="ctr"/>
+        <p:style>
+          <a:lnRef idx="0"/>
+          <a:fillRef idx="0"/>
+          <a:effectRef idx="0"/>
+          <a:fontRef idx="minor"/>
+        </p:style>
+        <p:txBody>
+          <a:bodyPr lIns="90000" rIns="90000" tIns="45000" bIns="45000" anchor="ctr"/>
           <a:p>
             <a:pPr algn="ctr">
               <a:lnSpc>
@@ -6515,24 +6042,21 @@
               <a:t>API’s</a:t>
             </a:r>
             <a:endParaRPr b="0" lang="en-US" sz="4000" spc="-1" strike="noStrike">
-              <a:solidFill>
-                <a:srgbClr val="000000"/>
-              </a:solidFill>
-              <a:latin typeface="Corbel"/>
-            </a:endParaRPr>
-          </a:p>
-        </p:txBody>
-      </p:sp>
-      <p:sp>
-        <p:nvSpPr>
-          <p:cNvPr id="116" name="TextShape 2"/>
-          <p:cNvSpPr txBox="1"/>
+              <a:latin typeface="Arial"/>
+            </a:endParaRPr>
+          </a:p>
+        </p:txBody>
+      </p:sp>
+      <p:sp>
+        <p:nvSpPr>
+          <p:cNvPr id="110" name="CustomShape 2"/>
+          <p:cNvSpPr/>
           <p:nvPr/>
         </p:nvSpPr>
         <p:spPr>
           <a:xfrm>
             <a:off x="1554480" y="1737360"/>
-            <a:ext cx="10018440" cy="4572000"/>
+            <a:ext cx="10018080" cy="4571640"/>
           </a:xfrm>
           <a:prstGeom prst="rect">
             <a:avLst/>
@@ -6542,10 +6066,16 @@
             <a:noFill/>
           </a:ln>
         </p:spPr>
-        <p:txBody>
-          <a:bodyPr anchor="ctr"/>
-          <a:p>
-            <a:pPr marL="285840" indent="-285480">
+        <p:style>
+          <a:lnRef idx="0"/>
+          <a:fillRef idx="0"/>
+          <a:effectRef idx="0"/>
+          <a:fontRef idx="minor"/>
+        </p:style>
+        <p:txBody>
+          <a:bodyPr lIns="90000" rIns="90000" tIns="45000" bIns="45000" anchor="ctr"/>
+          <a:p>
+            <a:pPr marL="285840" indent="-285120">
               <a:lnSpc>
                 <a:spcPct val="100000"/>
               </a:lnSpc>
@@ -6572,14 +6102,14 @@
               <a:t>Weather API:</a:t>
             </a:r>
             <a:endParaRPr b="0" lang="en-US" sz="2400" spc="-1" strike="noStrike">
-              <a:solidFill>
-                <a:srgbClr val="000000"/>
-              </a:solidFill>
-              <a:latin typeface="Corbel"/>
-            </a:endParaRPr>
-          </a:p>
-          <a:p>
-            <a:pPr lvl="1" marL="864000" indent="-324000">
+              <a:latin typeface="Arial"/>
+            </a:endParaRPr>
+          </a:p>
+          <a:p>
+            <a:pPr lvl="1" marL="864000" indent="-323640">
+              <a:lnSpc>
+                <a:spcPct val="100000"/>
+              </a:lnSpc>
               <a:spcBef>
                 <a:spcPts val="1134"/>
               </a:spcBef>
@@ -6587,7 +6117,7 @@
                 <a:srgbClr val="000000"/>
               </a:buClr>
               <a:buSzPct val="75000"/>
-              <a:buFont typeface="Symbol" charset="2"/>
+              <a:buFont typeface="Symbol"/>
               <a:buChar char=""/>
             </a:pPr>
             <a:r>
@@ -6600,14 +6130,14 @@
               <a:t>3) OpenWeatherMap</a:t>
             </a:r>
             <a:endParaRPr b="0" lang="en-US" sz="1800" spc="-1" strike="noStrike">
-              <a:solidFill>
-                <a:srgbClr val="000000"/>
-              </a:solidFill>
-              <a:latin typeface="Corbel"/>
-            </a:endParaRPr>
-          </a:p>
-          <a:p>
-            <a:pPr lvl="2" marL="1296000" indent="-288000">
+              <a:latin typeface="Arial"/>
+            </a:endParaRPr>
+          </a:p>
+          <a:p>
+            <a:pPr lvl="2" marL="1296000" indent="-287640">
+              <a:lnSpc>
+                <a:spcPct val="100000"/>
+              </a:lnSpc>
               <a:spcBef>
                 <a:spcPts val="850"/>
               </a:spcBef>
@@ -6637,14 +6167,14 @@
               <a:t>: 500 / month quota Hard Limit</a:t>
             </a:r>
             <a:endParaRPr b="0" lang="en-US" sz="1600" spc="-1" strike="noStrike">
-              <a:solidFill>
-                <a:srgbClr val="000000"/>
-              </a:solidFill>
-              <a:latin typeface="Corbel"/>
-            </a:endParaRPr>
-          </a:p>
-          <a:p>
-            <a:pPr lvl="2" marL="1296000" indent="-288000">
+              <a:latin typeface="Arial"/>
+            </a:endParaRPr>
+          </a:p>
+          <a:p>
+            <a:pPr lvl="2" marL="1296000" indent="-287640">
+              <a:lnSpc>
+                <a:spcPct val="100000"/>
+              </a:lnSpc>
               <a:spcBef>
                 <a:spcPts val="850"/>
               </a:spcBef>
@@ -6674,14 +6204,14 @@
               <a:t>: FetchAPI</a:t>
             </a:r>
             <a:endParaRPr b="0" lang="en-US" sz="1600" spc="-1" strike="noStrike">
-              <a:solidFill>
-                <a:srgbClr val="000000"/>
-              </a:solidFill>
-              <a:latin typeface="Corbel"/>
-            </a:endParaRPr>
-          </a:p>
-          <a:p>
-            <a:pPr lvl="2" marL="1296000" indent="-288000">
+              <a:latin typeface="Arial"/>
+            </a:endParaRPr>
+          </a:p>
+          <a:p>
+            <a:pPr lvl="2" marL="1296000" indent="-287640">
+              <a:lnSpc>
+                <a:spcPct val="100000"/>
+              </a:lnSpc>
               <a:spcBef>
                 <a:spcPts val="850"/>
               </a:spcBef>
@@ -6711,14 +6241,14 @@
               <a:t>: Free public API accessible via authentication key</a:t>
             </a:r>
             <a:endParaRPr b="0" lang="en-US" sz="1600" spc="-1" strike="noStrike">
-              <a:solidFill>
-                <a:srgbClr val="000000"/>
-              </a:solidFill>
-              <a:latin typeface="Corbel"/>
-            </a:endParaRPr>
-          </a:p>
-          <a:p>
-            <a:pPr lvl="2" marL="1296000" indent="-288000">
+              <a:latin typeface="Arial"/>
+            </a:endParaRPr>
+          </a:p>
+          <a:p>
+            <a:pPr lvl="2" marL="1296000" indent="-287640">
+              <a:lnSpc>
+                <a:spcPct val="100000"/>
+              </a:lnSpc>
               <a:spcBef>
                 <a:spcPts val="850"/>
               </a:spcBef>
@@ -6748,14 +6278,14 @@
               <a:t>: Access to search Weather API, Historical Weather Data (5 Days), 5 days/3 hour forecast API, Current Weather API features.</a:t>
             </a:r>
             <a:endParaRPr b="0" lang="en-US" sz="1600" spc="-1" strike="noStrike">
-              <a:solidFill>
-                <a:srgbClr val="000000"/>
-              </a:solidFill>
-              <a:latin typeface="Corbel"/>
-            </a:endParaRPr>
-          </a:p>
-          <a:p>
-            <a:pPr lvl="2" marL="1296000" indent="-288000">
+              <a:latin typeface="Arial"/>
+            </a:endParaRPr>
+          </a:p>
+          <a:p>
+            <a:pPr lvl="2" marL="1296000" indent="-287640">
+              <a:lnSpc>
+                <a:spcPct val="100000"/>
+              </a:lnSpc>
               <a:spcBef>
                 <a:spcPts val="850"/>
               </a:spcBef>
@@ -6821,29 +6351,20 @@
               <a:t>: 98%</a:t>
             </a:r>
             <a:endParaRPr b="0" lang="en-US" sz="1600" spc="-1" strike="noStrike">
-              <a:solidFill>
-                <a:srgbClr val="000000"/>
-              </a:solidFill>
-              <a:latin typeface="Corbel"/>
-            </a:endParaRPr>
-          </a:p>
-          <a:p>
-            <a:pPr lvl="2" marL="1296000" indent="-288000">
+              <a:latin typeface="Arial"/>
+            </a:endParaRPr>
+          </a:p>
+          <a:p>
+            <a:pPr>
+              <a:lnSpc>
+                <a:spcPct val="100000"/>
+              </a:lnSpc>
               <a:spcBef>
                 <a:spcPts val="850"/>
               </a:spcBef>
-              <a:buClr>
-                <a:srgbClr val="000000"/>
-              </a:buClr>
-              <a:buSzPct val="45000"/>
-              <a:buFont typeface="Wingdings" charset="2"/>
-              <a:buChar char=""/>
             </a:pPr>
             <a:endParaRPr b="0" lang="en-US" sz="1600" spc="-1" strike="noStrike">
-              <a:solidFill>
-                <a:srgbClr val="000000"/>
-              </a:solidFill>
-              <a:latin typeface="Corbel"/>
+              <a:latin typeface="Arial"/>
             </a:endParaRPr>
           </a:p>
         </p:txBody>
@@ -6899,14 +6420,14 @@
       </p:grpSpPr>
       <p:sp>
         <p:nvSpPr>
-          <p:cNvPr id="117" name="TextShape 1"/>
-          <p:cNvSpPr txBox="1"/>
+          <p:cNvPr id="111" name="CustomShape 1"/>
+          <p:cNvSpPr/>
           <p:nvPr/>
         </p:nvSpPr>
         <p:spPr>
           <a:xfrm>
             <a:off x="1503000" y="259560"/>
-            <a:ext cx="10018440" cy="1294920"/>
+            <a:ext cx="10018080" cy="1294560"/>
           </a:xfrm>
           <a:prstGeom prst="rect">
             <a:avLst/>
@@ -6916,8 +6437,14 @@
             <a:noFill/>
           </a:ln>
         </p:spPr>
-        <p:txBody>
-          <a:bodyPr anchor="ctr"/>
+        <p:style>
+          <a:lnRef idx="0"/>
+          <a:fillRef idx="0"/>
+          <a:effectRef idx="0"/>
+          <a:fontRef idx="minor"/>
+        </p:style>
+        <p:txBody>
+          <a:bodyPr lIns="90000" rIns="90000" tIns="45000" bIns="45000" anchor="ctr"/>
           <a:p>
             <a:pPr algn="ctr">
               <a:lnSpc>
@@ -6934,24 +6461,21 @@
               <a:t>API’s</a:t>
             </a:r>
             <a:endParaRPr b="0" lang="en-US" sz="4000" spc="-1" strike="noStrike">
-              <a:solidFill>
-                <a:srgbClr val="000000"/>
-              </a:solidFill>
-              <a:latin typeface="Corbel"/>
-            </a:endParaRPr>
-          </a:p>
-        </p:txBody>
-      </p:sp>
-      <p:sp>
-        <p:nvSpPr>
-          <p:cNvPr id="118" name="TextShape 2"/>
-          <p:cNvSpPr txBox="1"/>
+              <a:latin typeface="Arial"/>
+            </a:endParaRPr>
+          </a:p>
+        </p:txBody>
+      </p:sp>
+      <p:sp>
+        <p:nvSpPr>
+          <p:cNvPr id="112" name="CustomShape 2"/>
+          <p:cNvSpPr/>
           <p:nvPr/>
         </p:nvSpPr>
         <p:spPr>
           <a:xfrm>
             <a:off x="1554480" y="1737360"/>
-            <a:ext cx="10018440" cy="4572000"/>
+            <a:ext cx="10018080" cy="4571640"/>
           </a:xfrm>
           <a:prstGeom prst="rect">
             <a:avLst/>
@@ -6961,10 +6485,16 @@
             <a:noFill/>
           </a:ln>
         </p:spPr>
-        <p:txBody>
-          <a:bodyPr anchor="ctr"/>
-          <a:p>
-            <a:pPr marL="285840" indent="-285480">
+        <p:style>
+          <a:lnRef idx="0"/>
+          <a:fillRef idx="0"/>
+          <a:effectRef idx="0"/>
+          <a:fontRef idx="minor"/>
+        </p:style>
+        <p:txBody>
+          <a:bodyPr lIns="90000" rIns="90000" tIns="45000" bIns="45000" anchor="ctr"/>
+          <a:p>
+            <a:pPr marL="285840" indent="-285120">
               <a:lnSpc>
                 <a:spcPct val="100000"/>
               </a:lnSpc>
@@ -6991,14 +6521,14 @@
               <a:t>Hike trail API:</a:t>
             </a:r>
             <a:endParaRPr b="0" lang="en-US" sz="2400" spc="-1" strike="noStrike">
-              <a:solidFill>
-                <a:srgbClr val="000000"/>
-              </a:solidFill>
-              <a:latin typeface="Corbel"/>
-            </a:endParaRPr>
-          </a:p>
-          <a:p>
-            <a:pPr lvl="1" marL="864000" indent="-324000">
+              <a:latin typeface="Arial"/>
+            </a:endParaRPr>
+          </a:p>
+          <a:p>
+            <a:pPr lvl="1" marL="864000" indent="-323640">
+              <a:lnSpc>
+                <a:spcPct val="100000"/>
+              </a:lnSpc>
               <a:spcBef>
                 <a:spcPts val="1134"/>
               </a:spcBef>
@@ -7006,7 +6536,7 @@
                 <a:srgbClr val="000000"/>
               </a:buClr>
               <a:buSzPct val="75000"/>
-              <a:buFont typeface="Symbol" charset="2"/>
+              <a:buFont typeface="Symbol"/>
               <a:buChar char=""/>
             </a:pPr>
             <a:r>
@@ -7019,14 +6549,14 @@
               <a:t>1) </a:t>
             </a:r>
             <a:endParaRPr b="0" lang="en-US" sz="1800" spc="-1" strike="noStrike">
-              <a:solidFill>
-                <a:srgbClr val="000000"/>
-              </a:solidFill>
-              <a:latin typeface="Corbel"/>
-            </a:endParaRPr>
-          </a:p>
-          <a:p>
-            <a:pPr lvl="2" marL="1296000" indent="-288000">
+              <a:latin typeface="Arial"/>
+            </a:endParaRPr>
+          </a:p>
+          <a:p>
+            <a:pPr lvl="2" marL="1296000" indent="-287640">
+              <a:lnSpc>
+                <a:spcPct val="100000"/>
+              </a:lnSpc>
               <a:spcBef>
                 <a:spcPts val="850"/>
               </a:spcBef>
@@ -7056,14 +6586,14 @@
               <a:t>: </a:t>
             </a:r>
             <a:endParaRPr b="0" lang="en-US" sz="1600" spc="-1" strike="noStrike">
-              <a:solidFill>
-                <a:srgbClr val="000000"/>
-              </a:solidFill>
-              <a:latin typeface="Corbel"/>
-            </a:endParaRPr>
-          </a:p>
-          <a:p>
-            <a:pPr lvl="2" marL="1296000" indent="-288000">
+              <a:latin typeface="Arial"/>
+            </a:endParaRPr>
+          </a:p>
+          <a:p>
+            <a:pPr lvl="2" marL="1296000" indent="-287640">
+              <a:lnSpc>
+                <a:spcPct val="100000"/>
+              </a:lnSpc>
               <a:spcBef>
                 <a:spcPts val="850"/>
               </a:spcBef>
@@ -7093,14 +6623,14 @@
               <a:t>: FetchAPI</a:t>
             </a:r>
             <a:endParaRPr b="0" lang="en-US" sz="1600" spc="-1" strike="noStrike">
-              <a:solidFill>
-                <a:srgbClr val="000000"/>
-              </a:solidFill>
-              <a:latin typeface="Corbel"/>
-            </a:endParaRPr>
-          </a:p>
-          <a:p>
-            <a:pPr lvl="2" marL="1296000" indent="-288000">
+              <a:latin typeface="Arial"/>
+            </a:endParaRPr>
+          </a:p>
+          <a:p>
+            <a:pPr lvl="2" marL="1296000" indent="-287640">
+              <a:lnSpc>
+                <a:spcPct val="100000"/>
+              </a:lnSpc>
               <a:spcBef>
                 <a:spcPts val="850"/>
               </a:spcBef>
@@ -7130,14 +6660,14 @@
               <a:t>: Free public API accessible via authentication key</a:t>
             </a:r>
             <a:endParaRPr b="0" lang="en-US" sz="1600" spc="-1" strike="noStrike">
-              <a:solidFill>
-                <a:srgbClr val="000000"/>
-              </a:solidFill>
-              <a:latin typeface="Corbel"/>
-            </a:endParaRPr>
-          </a:p>
-          <a:p>
-            <a:pPr lvl="2" marL="1296000" indent="-288000">
+              <a:latin typeface="Arial"/>
+            </a:endParaRPr>
+          </a:p>
+          <a:p>
+            <a:pPr lvl="2" marL="1296000" indent="-287640">
+              <a:lnSpc>
+                <a:spcPct val="100000"/>
+              </a:lnSpc>
               <a:spcBef>
                 <a:spcPts val="850"/>
               </a:spcBef>
@@ -7167,14 +6697,14 @@
               <a:t>: </a:t>
             </a:r>
             <a:endParaRPr b="0" lang="en-US" sz="1600" spc="-1" strike="noStrike">
-              <a:solidFill>
-                <a:srgbClr val="000000"/>
-              </a:solidFill>
-              <a:latin typeface="Corbel"/>
-            </a:endParaRPr>
-          </a:p>
-          <a:p>
-            <a:pPr lvl="2" marL="1296000" indent="-288000">
+              <a:latin typeface="Arial"/>
+            </a:endParaRPr>
+          </a:p>
+          <a:p>
+            <a:pPr lvl="2" marL="1296000" indent="-287640">
+              <a:lnSpc>
+                <a:spcPct val="100000"/>
+              </a:lnSpc>
               <a:spcBef>
                 <a:spcPts val="850"/>
               </a:spcBef>
@@ -7240,29 +6770,20 @@
               <a:t>:</a:t>
             </a:r>
             <a:endParaRPr b="0" lang="en-US" sz="1600" spc="-1" strike="noStrike">
-              <a:solidFill>
-                <a:srgbClr val="000000"/>
-              </a:solidFill>
-              <a:latin typeface="Corbel"/>
-            </a:endParaRPr>
-          </a:p>
-          <a:p>
-            <a:pPr lvl="2" marL="1296000" indent="-288000">
+              <a:latin typeface="Arial"/>
+            </a:endParaRPr>
+          </a:p>
+          <a:p>
+            <a:pPr>
+              <a:lnSpc>
+                <a:spcPct val="100000"/>
+              </a:lnSpc>
               <a:spcBef>
                 <a:spcPts val="850"/>
               </a:spcBef>
-              <a:buClr>
-                <a:srgbClr val="000000"/>
-              </a:buClr>
-              <a:buSzPct val="45000"/>
-              <a:buFont typeface="Wingdings" charset="2"/>
-              <a:buChar char=""/>
             </a:pPr>
             <a:endParaRPr b="0" lang="en-US" sz="1600" spc="-1" strike="noStrike">
-              <a:solidFill>
-                <a:srgbClr val="000000"/>
-              </a:solidFill>
-              <a:latin typeface="Corbel"/>
+              <a:latin typeface="Arial"/>
             </a:endParaRPr>
           </a:p>
         </p:txBody>

--- a/Project proposal.pptx
+++ b/Project proposal.pptx
@@ -1,27 +1,127 @@
 
 <file path=ppt/presentation.xml><?xml version="1.0" encoding="utf-8"?>
-<p:presentation xmlns:a="http://schemas.openxmlformats.org/drawingml/2006/main" xmlns:p="http://schemas.openxmlformats.org/presentationml/2006/main" xmlns:r="http://schemas.openxmlformats.org/officeDocument/2006/relationships" xmlns:p14="http://schemas.microsoft.com/office/powerpoint/2010/main" xmlns:p15="http://schemas.microsoft.com/office/powerpoint/2012/main" xmlns:mc="http://schemas.openxmlformats.org/markup-compatibility/2006">
+<p:presentation xmlns:a="http://schemas.openxmlformats.org/drawingml/2006/main" xmlns:r="http://schemas.openxmlformats.org/officeDocument/2006/relationships" xmlns:p="http://schemas.openxmlformats.org/presentationml/2006/main">
   <p:sldMasterIdLst>
-    <p:sldMasterId id="2147483648" r:id="rId2"/>
-    <p:sldMasterId id="2147483661" r:id="rId3"/>
+    <p:sldMasterId id="2147483648" r:id="rId1"/>
+    <p:sldMasterId id="2147483661" r:id="rId2"/>
   </p:sldMasterIdLst>
   <p:sldIdLst>
-    <p:sldId id="256" r:id="rId4"/>
-    <p:sldId id="257" r:id="rId5"/>
-    <p:sldId id="258" r:id="rId6"/>
+    <p:sldId id="256" r:id="rId3"/>
+    <p:sldId id="257" r:id="rId4"/>
+    <p:sldId id="258" r:id="rId5"/>
+    <p:sldId id="268" r:id="rId6"/>
     <p:sldId id="259" r:id="rId7"/>
     <p:sldId id="260" r:id="rId8"/>
     <p:sldId id="261" r:id="rId9"/>
     <p:sldId id="262" r:id="rId10"/>
     <p:sldId id="263" r:id="rId11"/>
+    <p:sldId id="264" r:id="rId12"/>
+    <p:sldId id="265" r:id="rId13"/>
+    <p:sldId id="266" r:id="rId14"/>
+    <p:sldId id="267" r:id="rId15"/>
   </p:sldIdLst>
   <p:sldSz cx="12192000" cy="6858000"/>
   <p:notesSz cx="7772400" cy="10058400"/>
+  <p:defaultTextStyle>
+    <a:defPPr>
+      <a:defRPr lang="en-US"/>
+    </a:defPPr>
+    <a:lvl1pPr marL="0" algn="l" defTabSz="914400" rtl="0" eaLnBrk="1" latinLnBrk="0" hangingPunct="1">
+      <a:defRPr sz="1800" kern="1200">
+        <a:solidFill>
+          <a:schemeClr val="tx1"/>
+        </a:solidFill>
+        <a:latin typeface="+mn-lt"/>
+        <a:ea typeface="+mn-ea"/>
+        <a:cs typeface="+mn-cs"/>
+      </a:defRPr>
+    </a:lvl1pPr>
+    <a:lvl2pPr marL="457200" algn="l" defTabSz="914400" rtl="0" eaLnBrk="1" latinLnBrk="0" hangingPunct="1">
+      <a:defRPr sz="1800" kern="1200">
+        <a:solidFill>
+          <a:schemeClr val="tx1"/>
+        </a:solidFill>
+        <a:latin typeface="+mn-lt"/>
+        <a:ea typeface="+mn-ea"/>
+        <a:cs typeface="+mn-cs"/>
+      </a:defRPr>
+    </a:lvl2pPr>
+    <a:lvl3pPr marL="914400" algn="l" defTabSz="914400" rtl="0" eaLnBrk="1" latinLnBrk="0" hangingPunct="1">
+      <a:defRPr sz="1800" kern="1200">
+        <a:solidFill>
+          <a:schemeClr val="tx1"/>
+        </a:solidFill>
+        <a:latin typeface="+mn-lt"/>
+        <a:ea typeface="+mn-ea"/>
+        <a:cs typeface="+mn-cs"/>
+      </a:defRPr>
+    </a:lvl3pPr>
+    <a:lvl4pPr marL="1371600" algn="l" defTabSz="914400" rtl="0" eaLnBrk="1" latinLnBrk="0" hangingPunct="1">
+      <a:defRPr sz="1800" kern="1200">
+        <a:solidFill>
+          <a:schemeClr val="tx1"/>
+        </a:solidFill>
+        <a:latin typeface="+mn-lt"/>
+        <a:ea typeface="+mn-ea"/>
+        <a:cs typeface="+mn-cs"/>
+      </a:defRPr>
+    </a:lvl4pPr>
+    <a:lvl5pPr marL="1828800" algn="l" defTabSz="914400" rtl="0" eaLnBrk="1" latinLnBrk="0" hangingPunct="1">
+      <a:defRPr sz="1800" kern="1200">
+        <a:solidFill>
+          <a:schemeClr val="tx1"/>
+        </a:solidFill>
+        <a:latin typeface="+mn-lt"/>
+        <a:ea typeface="+mn-ea"/>
+        <a:cs typeface="+mn-cs"/>
+      </a:defRPr>
+    </a:lvl5pPr>
+    <a:lvl6pPr marL="2286000" algn="l" defTabSz="914400" rtl="0" eaLnBrk="1" latinLnBrk="0" hangingPunct="1">
+      <a:defRPr sz="1800" kern="1200">
+        <a:solidFill>
+          <a:schemeClr val="tx1"/>
+        </a:solidFill>
+        <a:latin typeface="+mn-lt"/>
+        <a:ea typeface="+mn-ea"/>
+        <a:cs typeface="+mn-cs"/>
+      </a:defRPr>
+    </a:lvl6pPr>
+    <a:lvl7pPr marL="2743200" algn="l" defTabSz="914400" rtl="0" eaLnBrk="1" latinLnBrk="0" hangingPunct="1">
+      <a:defRPr sz="1800" kern="1200">
+        <a:solidFill>
+          <a:schemeClr val="tx1"/>
+        </a:solidFill>
+        <a:latin typeface="+mn-lt"/>
+        <a:ea typeface="+mn-ea"/>
+        <a:cs typeface="+mn-cs"/>
+      </a:defRPr>
+    </a:lvl7pPr>
+    <a:lvl8pPr marL="3200400" algn="l" defTabSz="914400" rtl="0" eaLnBrk="1" latinLnBrk="0" hangingPunct="1">
+      <a:defRPr sz="1800" kern="1200">
+        <a:solidFill>
+          <a:schemeClr val="tx1"/>
+        </a:solidFill>
+        <a:latin typeface="+mn-lt"/>
+        <a:ea typeface="+mn-ea"/>
+        <a:cs typeface="+mn-cs"/>
+      </a:defRPr>
+    </a:lvl8pPr>
+    <a:lvl9pPr marL="3657600" algn="l" defTabSz="914400" rtl="0" eaLnBrk="1" latinLnBrk="0" hangingPunct="1">
+      <a:defRPr sz="1800" kern="1200">
+        <a:solidFill>
+          <a:schemeClr val="tx1"/>
+        </a:solidFill>
+        <a:latin typeface="+mn-lt"/>
+        <a:ea typeface="+mn-ea"/>
+        <a:cs typeface="+mn-cs"/>
+      </a:defRPr>
+    </a:lvl9pPr>
+  </p:defaultTextStyle>
 </p:presentation>
 </file>
 
 <file path=ppt/slideLayouts/slideLayout1.xml><?xml version="1.0" encoding="utf-8"?>
-<p:sldLayout xmlns:a="http://schemas.openxmlformats.org/drawingml/2006/main" xmlns:p="http://schemas.openxmlformats.org/presentationml/2006/main" xmlns:r="http://schemas.openxmlformats.org/officeDocument/2006/relationships" xmlns:p14="http://schemas.microsoft.com/office/powerpoint/2010/main" xmlns:p15="http://schemas.microsoft.com/office/powerpoint/2012/main" xmlns:mc="http://schemas.openxmlformats.org/markup-compatibility/2006" type="blank" preserve="1">
+<p:sldLayout xmlns:a="http://schemas.openxmlformats.org/drawingml/2006/main" xmlns:r="http://schemas.openxmlformats.org/officeDocument/2006/relationships" xmlns:p="http://schemas.openxmlformats.org/presentationml/2006/main" type="blank" preserve="1">
   <p:cSld name="Blank Slide">
     <p:spTree>
       <p:nvGrpSpPr>
@@ -39,11 +139,14 @@
       </p:grpSpPr>
     </p:spTree>
   </p:cSld>
+  <p:clrMapOvr>
+    <a:masterClrMapping/>
+  </p:clrMapOvr>
 </p:sldLayout>
 </file>
 
 <file path=ppt/slideLayouts/slideLayout10.xml><?xml version="1.0" encoding="utf-8"?>
-<p:sldLayout xmlns:a="http://schemas.openxmlformats.org/drawingml/2006/main" xmlns:p="http://schemas.openxmlformats.org/presentationml/2006/main" xmlns:r="http://schemas.openxmlformats.org/officeDocument/2006/relationships" xmlns:p14="http://schemas.microsoft.com/office/powerpoint/2010/main" xmlns:p15="http://schemas.microsoft.com/office/powerpoint/2012/main" xmlns:mc="http://schemas.openxmlformats.org/markup-compatibility/2006" type="objOverTx" preserve="1">
+<p:sldLayout xmlns:a="http://schemas.openxmlformats.org/drawingml/2006/main" xmlns:r="http://schemas.openxmlformats.org/officeDocument/2006/relationships" xmlns:p="http://schemas.openxmlformats.org/presentationml/2006/main" type="objOverTx" preserve="1">
   <p:cSld name="Title, Content over Content">
     <p:spTree>
       <p:nvGrpSpPr>
@@ -79,10 +182,11 @@
           </a:prstGeom>
         </p:spPr>
         <p:txBody>
-          <a:bodyPr lIns="0" rIns="0" tIns="0" bIns="0" anchor="ctr"/>
+          <a:bodyPr lIns="0" tIns="0" rIns="0" bIns="0" anchor="ctr"/>
+          <a:lstStyle/>
           <a:p>
             <a:pPr algn="ctr"/>
-            <a:endParaRPr b="0" lang="en-US" sz="4400" spc="-1" strike="noStrike">
+            <a:endParaRPr lang="en-US" sz="4400" b="0" strike="noStrike" spc="-1">
               <a:latin typeface="Arial"/>
             </a:endParaRPr>
           </a:p>
@@ -108,11 +212,12 @@
           </a:prstGeom>
         </p:spPr>
         <p:txBody>
-          <a:bodyPr lIns="0" rIns="0" tIns="0" bIns="0">
+          <a:bodyPr lIns="0" tIns="0" rIns="0" bIns="0">
             <a:normAutofit/>
           </a:bodyPr>
-          <a:p>
-            <a:endParaRPr b="0" lang="en-US" sz="3200" spc="-1" strike="noStrike">
+          <a:lstStyle/>
+          <a:p>
+            <a:endParaRPr lang="en-US" sz="3200" b="0" strike="noStrike" spc="-1">
               <a:latin typeface="Arial"/>
             </a:endParaRPr>
           </a:p>
@@ -138,11 +243,12 @@
           </a:prstGeom>
         </p:spPr>
         <p:txBody>
-          <a:bodyPr lIns="0" rIns="0" tIns="0" bIns="0">
+          <a:bodyPr lIns="0" tIns="0" rIns="0" bIns="0">
             <a:normAutofit/>
           </a:bodyPr>
-          <a:p>
-            <a:endParaRPr b="0" lang="en-US" sz="3200" spc="-1" strike="noStrike">
+          <a:lstStyle/>
+          <a:p>
+            <a:endParaRPr lang="en-US" sz="3200" b="0" strike="noStrike" spc="-1">
               <a:latin typeface="Arial"/>
             </a:endParaRPr>
           </a:p>
@@ -150,11 +256,14 @@
       </p:sp>
     </p:spTree>
   </p:cSld>
+  <p:clrMapOvr>
+    <a:masterClrMapping/>
+  </p:clrMapOvr>
 </p:sldLayout>
 </file>
 
 <file path=ppt/slideLayouts/slideLayout11.xml><?xml version="1.0" encoding="utf-8"?>
-<p:sldLayout xmlns:a="http://schemas.openxmlformats.org/drawingml/2006/main" xmlns:p="http://schemas.openxmlformats.org/presentationml/2006/main" xmlns:r="http://schemas.openxmlformats.org/officeDocument/2006/relationships" xmlns:p14="http://schemas.microsoft.com/office/powerpoint/2010/main" xmlns:p15="http://schemas.microsoft.com/office/powerpoint/2012/main" xmlns:mc="http://schemas.openxmlformats.org/markup-compatibility/2006" type="fourObj" preserve="1">
+<p:sldLayout xmlns:a="http://schemas.openxmlformats.org/drawingml/2006/main" xmlns:r="http://schemas.openxmlformats.org/officeDocument/2006/relationships" xmlns:p="http://schemas.openxmlformats.org/presentationml/2006/main" type="fourObj" preserve="1">
   <p:cSld name="Title, 4 Content">
     <p:spTree>
       <p:nvGrpSpPr>
@@ -190,10 +299,11 @@
           </a:prstGeom>
         </p:spPr>
         <p:txBody>
-          <a:bodyPr lIns="0" rIns="0" tIns="0" bIns="0" anchor="ctr"/>
+          <a:bodyPr lIns="0" tIns="0" rIns="0" bIns="0" anchor="ctr"/>
+          <a:lstStyle/>
           <a:p>
             <a:pPr algn="ctr"/>
-            <a:endParaRPr b="0" lang="en-US" sz="4400" spc="-1" strike="noStrike">
+            <a:endParaRPr lang="en-US" sz="4400" b="0" strike="noStrike" spc="-1">
               <a:latin typeface="Arial"/>
             </a:endParaRPr>
           </a:p>
@@ -219,11 +329,12 @@
           </a:prstGeom>
         </p:spPr>
         <p:txBody>
-          <a:bodyPr lIns="0" rIns="0" tIns="0" bIns="0">
+          <a:bodyPr lIns="0" tIns="0" rIns="0" bIns="0">
             <a:normAutofit/>
           </a:bodyPr>
-          <a:p>
-            <a:endParaRPr b="0" lang="en-US" sz="3200" spc="-1" strike="noStrike">
+          <a:lstStyle/>
+          <a:p>
+            <a:endParaRPr lang="en-US" sz="3200" b="0" strike="noStrike" spc="-1">
               <a:latin typeface="Arial"/>
             </a:endParaRPr>
           </a:p>
@@ -249,11 +360,12 @@
           </a:prstGeom>
         </p:spPr>
         <p:txBody>
-          <a:bodyPr lIns="0" rIns="0" tIns="0" bIns="0">
+          <a:bodyPr lIns="0" tIns="0" rIns="0" bIns="0">
             <a:normAutofit/>
           </a:bodyPr>
-          <a:p>
-            <a:endParaRPr b="0" lang="en-US" sz="3200" spc="-1" strike="noStrike">
+          <a:lstStyle/>
+          <a:p>
+            <a:endParaRPr lang="en-US" sz="3200" b="0" strike="noStrike" spc="-1">
               <a:latin typeface="Arial"/>
             </a:endParaRPr>
           </a:p>
@@ -279,11 +391,12 @@
           </a:prstGeom>
         </p:spPr>
         <p:txBody>
-          <a:bodyPr lIns="0" rIns="0" tIns="0" bIns="0">
+          <a:bodyPr lIns="0" tIns="0" rIns="0" bIns="0">
             <a:normAutofit/>
           </a:bodyPr>
-          <a:p>
-            <a:endParaRPr b="0" lang="en-US" sz="3200" spc="-1" strike="noStrike">
+          <a:lstStyle/>
+          <a:p>
+            <a:endParaRPr lang="en-US" sz="3200" b="0" strike="noStrike" spc="-1">
               <a:latin typeface="Arial"/>
             </a:endParaRPr>
           </a:p>
@@ -309,11 +422,12 @@
           </a:prstGeom>
         </p:spPr>
         <p:txBody>
-          <a:bodyPr lIns="0" rIns="0" tIns="0" bIns="0">
+          <a:bodyPr lIns="0" tIns="0" rIns="0" bIns="0">
             <a:normAutofit/>
           </a:bodyPr>
-          <a:p>
-            <a:endParaRPr b="0" lang="en-US" sz="3200" spc="-1" strike="noStrike">
+          <a:lstStyle/>
+          <a:p>
+            <a:endParaRPr lang="en-US" sz="3200" b="0" strike="noStrike" spc="-1">
               <a:latin typeface="Arial"/>
             </a:endParaRPr>
           </a:p>
@@ -321,11 +435,14 @@
       </p:sp>
     </p:spTree>
   </p:cSld>
+  <p:clrMapOvr>
+    <a:masterClrMapping/>
+  </p:clrMapOvr>
 </p:sldLayout>
 </file>
 
 <file path=ppt/slideLayouts/slideLayout12.xml><?xml version="1.0" encoding="utf-8"?>
-<p:sldLayout xmlns:a="http://schemas.openxmlformats.org/drawingml/2006/main" xmlns:p="http://schemas.openxmlformats.org/presentationml/2006/main" xmlns:r="http://schemas.openxmlformats.org/officeDocument/2006/relationships" xmlns:p14="http://schemas.microsoft.com/office/powerpoint/2010/main" xmlns:p15="http://schemas.microsoft.com/office/powerpoint/2012/main" xmlns:mc="http://schemas.openxmlformats.org/markup-compatibility/2006" type="blank" preserve="1">
+<p:sldLayout xmlns:a="http://schemas.openxmlformats.org/drawingml/2006/main" xmlns:r="http://schemas.openxmlformats.org/officeDocument/2006/relationships" xmlns:p="http://schemas.openxmlformats.org/presentationml/2006/main" type="blank" preserve="1">
   <p:cSld name="Title, 6 Content">
     <p:spTree>
       <p:nvGrpSpPr>
@@ -361,10 +478,11 @@
           </a:prstGeom>
         </p:spPr>
         <p:txBody>
-          <a:bodyPr lIns="0" rIns="0" tIns="0" bIns="0" anchor="ctr"/>
+          <a:bodyPr lIns="0" tIns="0" rIns="0" bIns="0" anchor="ctr"/>
+          <a:lstStyle/>
           <a:p>
             <a:pPr algn="ctr"/>
-            <a:endParaRPr b="0" lang="en-US" sz="4400" spc="-1" strike="noStrike">
+            <a:endParaRPr lang="en-US" sz="4400" b="0" strike="noStrike" spc="-1">
               <a:latin typeface="Arial"/>
             </a:endParaRPr>
           </a:p>
@@ -390,11 +508,12 @@
           </a:prstGeom>
         </p:spPr>
         <p:txBody>
-          <a:bodyPr lIns="0" rIns="0" tIns="0" bIns="0">
+          <a:bodyPr lIns="0" tIns="0" rIns="0" bIns="0">
             <a:normAutofit/>
           </a:bodyPr>
-          <a:p>
-            <a:endParaRPr b="0" lang="en-US" sz="3200" spc="-1" strike="noStrike">
+          <a:lstStyle/>
+          <a:p>
+            <a:endParaRPr lang="en-US" sz="3200" b="0" strike="noStrike" spc="-1">
               <a:latin typeface="Arial"/>
             </a:endParaRPr>
           </a:p>
@@ -420,11 +539,12 @@
           </a:prstGeom>
         </p:spPr>
         <p:txBody>
-          <a:bodyPr lIns="0" rIns="0" tIns="0" bIns="0">
+          <a:bodyPr lIns="0" tIns="0" rIns="0" bIns="0">
             <a:normAutofit/>
           </a:bodyPr>
-          <a:p>
-            <a:endParaRPr b="0" lang="en-US" sz="3200" spc="-1" strike="noStrike">
+          <a:lstStyle/>
+          <a:p>
+            <a:endParaRPr lang="en-US" sz="3200" b="0" strike="noStrike" spc="-1">
               <a:latin typeface="Arial"/>
             </a:endParaRPr>
           </a:p>
@@ -450,11 +570,12 @@
           </a:prstGeom>
         </p:spPr>
         <p:txBody>
-          <a:bodyPr lIns="0" rIns="0" tIns="0" bIns="0">
+          <a:bodyPr lIns="0" tIns="0" rIns="0" bIns="0">
             <a:normAutofit/>
           </a:bodyPr>
-          <a:p>
-            <a:endParaRPr b="0" lang="en-US" sz="3200" spc="-1" strike="noStrike">
+          <a:lstStyle/>
+          <a:p>
+            <a:endParaRPr lang="en-US" sz="3200" b="0" strike="noStrike" spc="-1">
               <a:latin typeface="Arial"/>
             </a:endParaRPr>
           </a:p>
@@ -480,11 +601,12 @@
           </a:prstGeom>
         </p:spPr>
         <p:txBody>
-          <a:bodyPr lIns="0" rIns="0" tIns="0" bIns="0">
+          <a:bodyPr lIns="0" tIns="0" rIns="0" bIns="0">
             <a:normAutofit/>
           </a:bodyPr>
-          <a:p>
-            <a:endParaRPr b="0" lang="en-US" sz="3200" spc="-1" strike="noStrike">
+          <a:lstStyle/>
+          <a:p>
+            <a:endParaRPr lang="en-US" sz="3200" b="0" strike="noStrike" spc="-1">
               <a:latin typeface="Arial"/>
             </a:endParaRPr>
           </a:p>
@@ -510,11 +632,12 @@
           </a:prstGeom>
         </p:spPr>
         <p:txBody>
-          <a:bodyPr lIns="0" rIns="0" tIns="0" bIns="0">
+          <a:bodyPr lIns="0" tIns="0" rIns="0" bIns="0">
             <a:normAutofit/>
           </a:bodyPr>
-          <a:p>
-            <a:endParaRPr b="0" lang="en-US" sz="3200" spc="-1" strike="noStrike">
+          <a:lstStyle/>
+          <a:p>
+            <a:endParaRPr lang="en-US" sz="3200" b="0" strike="noStrike" spc="-1">
               <a:latin typeface="Arial"/>
             </a:endParaRPr>
           </a:p>
@@ -540,11 +663,12 @@
           </a:prstGeom>
         </p:spPr>
         <p:txBody>
-          <a:bodyPr lIns="0" rIns="0" tIns="0" bIns="0">
+          <a:bodyPr lIns="0" tIns="0" rIns="0" bIns="0">
             <a:normAutofit/>
           </a:bodyPr>
-          <a:p>
-            <a:endParaRPr b="0" lang="en-US" sz="3200" spc="-1" strike="noStrike">
+          <a:lstStyle/>
+          <a:p>
+            <a:endParaRPr lang="en-US" sz="3200" b="0" strike="noStrike" spc="-1">
               <a:latin typeface="Arial"/>
             </a:endParaRPr>
           </a:p>
@@ -552,11 +676,14 @@
       </p:sp>
     </p:spTree>
   </p:cSld>
+  <p:clrMapOvr>
+    <a:masterClrMapping/>
+  </p:clrMapOvr>
 </p:sldLayout>
 </file>
 
 <file path=ppt/slideLayouts/slideLayout13.xml><?xml version="1.0" encoding="utf-8"?>
-<p:sldLayout xmlns:a="http://schemas.openxmlformats.org/drawingml/2006/main" xmlns:p="http://schemas.openxmlformats.org/presentationml/2006/main" xmlns:r="http://schemas.openxmlformats.org/officeDocument/2006/relationships" xmlns:p14="http://schemas.microsoft.com/office/powerpoint/2010/main" xmlns:p15="http://schemas.microsoft.com/office/powerpoint/2012/main" xmlns:mc="http://schemas.openxmlformats.org/markup-compatibility/2006" type="blank" preserve="1">
+<p:sldLayout xmlns:a="http://schemas.openxmlformats.org/drawingml/2006/main" xmlns:r="http://schemas.openxmlformats.org/officeDocument/2006/relationships" xmlns:p="http://schemas.openxmlformats.org/presentationml/2006/main" type="blank" preserve="1">
   <p:cSld name="Blank Slide">
     <p:spTree>
       <p:nvGrpSpPr>
@@ -574,11 +701,14 @@
       </p:grpSpPr>
     </p:spTree>
   </p:cSld>
+  <p:clrMapOvr>
+    <a:masterClrMapping/>
+  </p:clrMapOvr>
 </p:sldLayout>
 </file>
 
 <file path=ppt/slideLayouts/slideLayout14.xml><?xml version="1.0" encoding="utf-8"?>
-<p:sldLayout xmlns:a="http://schemas.openxmlformats.org/drawingml/2006/main" xmlns:p="http://schemas.openxmlformats.org/presentationml/2006/main" xmlns:r="http://schemas.openxmlformats.org/officeDocument/2006/relationships" xmlns:p14="http://schemas.microsoft.com/office/powerpoint/2010/main" xmlns:p15="http://schemas.microsoft.com/office/powerpoint/2012/main" xmlns:mc="http://schemas.openxmlformats.org/markup-compatibility/2006" type="tx" preserve="1">
+<p:sldLayout xmlns:a="http://schemas.openxmlformats.org/drawingml/2006/main" xmlns:r="http://schemas.openxmlformats.org/officeDocument/2006/relationships" xmlns:p="http://schemas.openxmlformats.org/presentationml/2006/main" type="tx" preserve="1">
   <p:cSld name="Title Slide">
     <p:spTree>
       <p:nvGrpSpPr>
@@ -614,10 +744,11 @@
           </a:prstGeom>
         </p:spPr>
         <p:txBody>
-          <a:bodyPr lIns="0" rIns="0" tIns="0" bIns="0" anchor="ctr"/>
+          <a:bodyPr lIns="0" tIns="0" rIns="0" bIns="0" anchor="ctr"/>
+          <a:lstStyle/>
           <a:p>
             <a:pPr algn="ctr"/>
-            <a:endParaRPr b="0" lang="en-US" sz="4400" spc="-1" strike="noStrike">
+            <a:endParaRPr lang="en-US" sz="4400" b="0" strike="noStrike" spc="-1">
               <a:latin typeface="Arial"/>
             </a:endParaRPr>
           </a:p>
@@ -643,10 +774,11 @@
           </a:prstGeom>
         </p:spPr>
         <p:txBody>
-          <a:bodyPr lIns="0" rIns="0" tIns="0" bIns="0" anchor="ctr"/>
+          <a:bodyPr lIns="0" tIns="0" rIns="0" bIns="0" anchor="ctr"/>
+          <a:lstStyle/>
           <a:p>
             <a:pPr algn="ctr"/>
-            <a:endParaRPr b="0" lang="en-US" sz="3200" spc="-1" strike="noStrike">
+            <a:endParaRPr lang="en-US" sz="3200" b="0" strike="noStrike" spc="-1">
               <a:latin typeface="Arial"/>
             </a:endParaRPr>
           </a:p>
@@ -654,11 +786,14 @@
       </p:sp>
     </p:spTree>
   </p:cSld>
+  <p:clrMapOvr>
+    <a:masterClrMapping/>
+  </p:clrMapOvr>
 </p:sldLayout>
 </file>
 
 <file path=ppt/slideLayouts/slideLayout15.xml><?xml version="1.0" encoding="utf-8"?>
-<p:sldLayout xmlns:a="http://schemas.openxmlformats.org/drawingml/2006/main" xmlns:p="http://schemas.openxmlformats.org/presentationml/2006/main" xmlns:r="http://schemas.openxmlformats.org/officeDocument/2006/relationships" xmlns:p14="http://schemas.microsoft.com/office/powerpoint/2010/main" xmlns:p15="http://schemas.microsoft.com/office/powerpoint/2012/main" xmlns:mc="http://schemas.openxmlformats.org/markup-compatibility/2006" type="obj" preserve="1">
+<p:sldLayout xmlns:a="http://schemas.openxmlformats.org/drawingml/2006/main" xmlns:r="http://schemas.openxmlformats.org/officeDocument/2006/relationships" xmlns:p="http://schemas.openxmlformats.org/presentationml/2006/main" type="obj" preserve="1">
   <p:cSld name="Title, Content">
     <p:spTree>
       <p:nvGrpSpPr>
@@ -694,10 +829,11 @@
           </a:prstGeom>
         </p:spPr>
         <p:txBody>
-          <a:bodyPr lIns="0" rIns="0" tIns="0" bIns="0" anchor="ctr"/>
+          <a:bodyPr lIns="0" tIns="0" rIns="0" bIns="0" anchor="ctr"/>
+          <a:lstStyle/>
           <a:p>
             <a:pPr algn="ctr"/>
-            <a:endParaRPr b="0" lang="en-US" sz="4400" spc="-1" strike="noStrike">
+            <a:endParaRPr lang="en-US" sz="4400" b="0" strike="noStrike" spc="-1">
               <a:latin typeface="Arial"/>
             </a:endParaRPr>
           </a:p>
@@ -723,11 +859,12 @@
           </a:prstGeom>
         </p:spPr>
         <p:txBody>
-          <a:bodyPr lIns="0" rIns="0" tIns="0" bIns="0">
+          <a:bodyPr lIns="0" tIns="0" rIns="0" bIns="0">
             <a:normAutofit/>
           </a:bodyPr>
-          <a:p>
-            <a:endParaRPr b="0" lang="en-US" sz="3200" spc="-1" strike="noStrike">
+          <a:lstStyle/>
+          <a:p>
+            <a:endParaRPr lang="en-US" sz="3200" b="0" strike="noStrike" spc="-1">
               <a:latin typeface="Arial"/>
             </a:endParaRPr>
           </a:p>
@@ -735,11 +872,14 @@
       </p:sp>
     </p:spTree>
   </p:cSld>
+  <p:clrMapOvr>
+    <a:masterClrMapping/>
+  </p:clrMapOvr>
 </p:sldLayout>
 </file>
 
 <file path=ppt/slideLayouts/slideLayout16.xml><?xml version="1.0" encoding="utf-8"?>
-<p:sldLayout xmlns:a="http://schemas.openxmlformats.org/drawingml/2006/main" xmlns:p="http://schemas.openxmlformats.org/presentationml/2006/main" xmlns:r="http://schemas.openxmlformats.org/officeDocument/2006/relationships" xmlns:p14="http://schemas.microsoft.com/office/powerpoint/2010/main" xmlns:p15="http://schemas.microsoft.com/office/powerpoint/2012/main" xmlns:mc="http://schemas.openxmlformats.org/markup-compatibility/2006" type="twoObj" preserve="1">
+<p:sldLayout xmlns:a="http://schemas.openxmlformats.org/drawingml/2006/main" xmlns:r="http://schemas.openxmlformats.org/officeDocument/2006/relationships" xmlns:p="http://schemas.openxmlformats.org/presentationml/2006/main" type="twoObj" preserve="1">
   <p:cSld name="Title, 2 Content">
     <p:spTree>
       <p:nvGrpSpPr>
@@ -775,10 +915,11 @@
           </a:prstGeom>
         </p:spPr>
         <p:txBody>
-          <a:bodyPr lIns="0" rIns="0" tIns="0" bIns="0" anchor="ctr"/>
+          <a:bodyPr lIns="0" tIns="0" rIns="0" bIns="0" anchor="ctr"/>
+          <a:lstStyle/>
           <a:p>
             <a:pPr algn="ctr"/>
-            <a:endParaRPr b="0" lang="en-US" sz="4400" spc="-1" strike="noStrike">
+            <a:endParaRPr lang="en-US" sz="4400" b="0" strike="noStrike" spc="-1">
               <a:latin typeface="Arial"/>
             </a:endParaRPr>
           </a:p>
@@ -804,11 +945,12 @@
           </a:prstGeom>
         </p:spPr>
         <p:txBody>
-          <a:bodyPr lIns="0" rIns="0" tIns="0" bIns="0">
+          <a:bodyPr lIns="0" tIns="0" rIns="0" bIns="0">
             <a:normAutofit/>
           </a:bodyPr>
-          <a:p>
-            <a:endParaRPr b="0" lang="en-US" sz="3200" spc="-1" strike="noStrike">
+          <a:lstStyle/>
+          <a:p>
+            <a:endParaRPr lang="en-US" sz="3200" b="0" strike="noStrike" spc="-1">
               <a:latin typeface="Arial"/>
             </a:endParaRPr>
           </a:p>
@@ -834,11 +976,12 @@
           </a:prstGeom>
         </p:spPr>
         <p:txBody>
-          <a:bodyPr lIns="0" rIns="0" tIns="0" bIns="0">
+          <a:bodyPr lIns="0" tIns="0" rIns="0" bIns="0">
             <a:normAutofit/>
           </a:bodyPr>
-          <a:p>
-            <a:endParaRPr b="0" lang="en-US" sz="3200" spc="-1" strike="noStrike">
+          <a:lstStyle/>
+          <a:p>
+            <a:endParaRPr lang="en-US" sz="3200" b="0" strike="noStrike" spc="-1">
               <a:latin typeface="Arial"/>
             </a:endParaRPr>
           </a:p>
@@ -846,11 +989,14 @@
       </p:sp>
     </p:spTree>
   </p:cSld>
+  <p:clrMapOvr>
+    <a:masterClrMapping/>
+  </p:clrMapOvr>
 </p:sldLayout>
 </file>
 
 <file path=ppt/slideLayouts/slideLayout17.xml><?xml version="1.0" encoding="utf-8"?>
-<p:sldLayout xmlns:a="http://schemas.openxmlformats.org/drawingml/2006/main" xmlns:p="http://schemas.openxmlformats.org/presentationml/2006/main" xmlns:r="http://schemas.openxmlformats.org/officeDocument/2006/relationships" xmlns:p14="http://schemas.microsoft.com/office/powerpoint/2010/main" xmlns:p15="http://schemas.microsoft.com/office/powerpoint/2012/main" xmlns:mc="http://schemas.openxmlformats.org/markup-compatibility/2006" type="titleOnly" preserve="1">
+<p:sldLayout xmlns:a="http://schemas.openxmlformats.org/drawingml/2006/main" xmlns:r="http://schemas.openxmlformats.org/officeDocument/2006/relationships" xmlns:p="http://schemas.openxmlformats.org/presentationml/2006/main" type="titleOnly" preserve="1">
   <p:cSld name="Title Only">
     <p:spTree>
       <p:nvGrpSpPr>
@@ -886,10 +1032,11 @@
           </a:prstGeom>
         </p:spPr>
         <p:txBody>
-          <a:bodyPr lIns="0" rIns="0" tIns="0" bIns="0" anchor="ctr"/>
+          <a:bodyPr lIns="0" tIns="0" rIns="0" bIns="0" anchor="ctr"/>
+          <a:lstStyle/>
           <a:p>
             <a:pPr algn="ctr"/>
-            <a:endParaRPr b="0" lang="en-US" sz="4400" spc="-1" strike="noStrike">
+            <a:endParaRPr lang="en-US" sz="4400" b="0" strike="noStrike" spc="-1">
               <a:latin typeface="Arial"/>
             </a:endParaRPr>
           </a:p>
@@ -897,11 +1044,14 @@
       </p:sp>
     </p:spTree>
   </p:cSld>
+  <p:clrMapOvr>
+    <a:masterClrMapping/>
+  </p:clrMapOvr>
 </p:sldLayout>
 </file>
 
 <file path=ppt/slideLayouts/slideLayout18.xml><?xml version="1.0" encoding="utf-8"?>
-<p:sldLayout xmlns:a="http://schemas.openxmlformats.org/drawingml/2006/main" xmlns:p="http://schemas.openxmlformats.org/presentationml/2006/main" xmlns:r="http://schemas.openxmlformats.org/officeDocument/2006/relationships" xmlns:p14="http://schemas.microsoft.com/office/powerpoint/2010/main" xmlns:p15="http://schemas.microsoft.com/office/powerpoint/2012/main" xmlns:mc="http://schemas.openxmlformats.org/markup-compatibility/2006" type="objOnly" preserve="1">
+<p:sldLayout xmlns:a="http://schemas.openxmlformats.org/drawingml/2006/main" xmlns:r="http://schemas.openxmlformats.org/officeDocument/2006/relationships" xmlns:p="http://schemas.openxmlformats.org/presentationml/2006/main" type="objOnly" preserve="1">
   <p:cSld name="Centered Text">
     <p:spTree>
       <p:nvGrpSpPr>
@@ -937,10 +1087,11 @@
           </a:prstGeom>
         </p:spPr>
         <p:txBody>
-          <a:bodyPr lIns="0" rIns="0" tIns="0" bIns="0" anchor="ctr"/>
+          <a:bodyPr lIns="0" tIns="0" rIns="0" bIns="0" anchor="ctr"/>
+          <a:lstStyle/>
           <a:p>
             <a:pPr algn="ctr"/>
-            <a:endParaRPr b="0" lang="en-US" sz="3200" spc="-1" strike="noStrike">
+            <a:endParaRPr lang="en-US" sz="3200" b="0" strike="noStrike" spc="-1">
               <a:latin typeface="Arial"/>
             </a:endParaRPr>
           </a:p>
@@ -948,11 +1099,14 @@
       </p:sp>
     </p:spTree>
   </p:cSld>
+  <p:clrMapOvr>
+    <a:masterClrMapping/>
+  </p:clrMapOvr>
 </p:sldLayout>
 </file>
 
 <file path=ppt/slideLayouts/slideLayout19.xml><?xml version="1.0" encoding="utf-8"?>
-<p:sldLayout xmlns:a="http://schemas.openxmlformats.org/drawingml/2006/main" xmlns:p="http://schemas.openxmlformats.org/presentationml/2006/main" xmlns:r="http://schemas.openxmlformats.org/officeDocument/2006/relationships" xmlns:p14="http://schemas.microsoft.com/office/powerpoint/2010/main" xmlns:p15="http://schemas.microsoft.com/office/powerpoint/2012/main" xmlns:mc="http://schemas.openxmlformats.org/markup-compatibility/2006" type="twoObjAndObj" preserve="1">
+<p:sldLayout xmlns:a="http://schemas.openxmlformats.org/drawingml/2006/main" xmlns:r="http://schemas.openxmlformats.org/officeDocument/2006/relationships" xmlns:p="http://schemas.openxmlformats.org/presentationml/2006/main" type="twoObjAndObj" preserve="1">
   <p:cSld name="Title, 2 Content and Content">
     <p:spTree>
       <p:nvGrpSpPr>
@@ -988,10 +1142,11 @@
           </a:prstGeom>
         </p:spPr>
         <p:txBody>
-          <a:bodyPr lIns="0" rIns="0" tIns="0" bIns="0" anchor="ctr"/>
+          <a:bodyPr lIns="0" tIns="0" rIns="0" bIns="0" anchor="ctr"/>
+          <a:lstStyle/>
           <a:p>
             <a:pPr algn="ctr"/>
-            <a:endParaRPr b="0" lang="en-US" sz="4400" spc="-1" strike="noStrike">
+            <a:endParaRPr lang="en-US" sz="4400" b="0" strike="noStrike" spc="-1">
               <a:latin typeface="Arial"/>
             </a:endParaRPr>
           </a:p>
@@ -1017,11 +1172,12 @@
           </a:prstGeom>
         </p:spPr>
         <p:txBody>
-          <a:bodyPr lIns="0" rIns="0" tIns="0" bIns="0">
+          <a:bodyPr lIns="0" tIns="0" rIns="0" bIns="0">
             <a:normAutofit/>
           </a:bodyPr>
-          <a:p>
-            <a:endParaRPr b="0" lang="en-US" sz="3200" spc="-1" strike="noStrike">
+          <a:lstStyle/>
+          <a:p>
+            <a:endParaRPr lang="en-US" sz="3200" b="0" strike="noStrike" spc="-1">
               <a:latin typeface="Arial"/>
             </a:endParaRPr>
           </a:p>
@@ -1047,11 +1203,12 @@
           </a:prstGeom>
         </p:spPr>
         <p:txBody>
-          <a:bodyPr lIns="0" rIns="0" tIns="0" bIns="0">
+          <a:bodyPr lIns="0" tIns="0" rIns="0" bIns="0">
             <a:normAutofit/>
           </a:bodyPr>
-          <a:p>
-            <a:endParaRPr b="0" lang="en-US" sz="3200" spc="-1" strike="noStrike">
+          <a:lstStyle/>
+          <a:p>
+            <a:endParaRPr lang="en-US" sz="3200" b="0" strike="noStrike" spc="-1">
               <a:latin typeface="Arial"/>
             </a:endParaRPr>
           </a:p>
@@ -1077,11 +1234,12 @@
           </a:prstGeom>
         </p:spPr>
         <p:txBody>
-          <a:bodyPr lIns="0" rIns="0" tIns="0" bIns="0">
+          <a:bodyPr lIns="0" tIns="0" rIns="0" bIns="0">
             <a:normAutofit/>
           </a:bodyPr>
-          <a:p>
-            <a:endParaRPr b="0" lang="en-US" sz="3200" spc="-1" strike="noStrike">
+          <a:lstStyle/>
+          <a:p>
+            <a:endParaRPr lang="en-US" sz="3200" b="0" strike="noStrike" spc="-1">
               <a:latin typeface="Arial"/>
             </a:endParaRPr>
           </a:p>
@@ -1089,11 +1247,14 @@
       </p:sp>
     </p:spTree>
   </p:cSld>
+  <p:clrMapOvr>
+    <a:masterClrMapping/>
+  </p:clrMapOvr>
 </p:sldLayout>
 </file>
 
 <file path=ppt/slideLayouts/slideLayout2.xml><?xml version="1.0" encoding="utf-8"?>
-<p:sldLayout xmlns:a="http://schemas.openxmlformats.org/drawingml/2006/main" xmlns:p="http://schemas.openxmlformats.org/presentationml/2006/main" xmlns:r="http://schemas.openxmlformats.org/officeDocument/2006/relationships" xmlns:p14="http://schemas.microsoft.com/office/powerpoint/2010/main" xmlns:p15="http://schemas.microsoft.com/office/powerpoint/2012/main" xmlns:mc="http://schemas.openxmlformats.org/markup-compatibility/2006" type="tx" preserve="1">
+<p:sldLayout xmlns:a="http://schemas.openxmlformats.org/drawingml/2006/main" xmlns:r="http://schemas.openxmlformats.org/officeDocument/2006/relationships" xmlns:p="http://schemas.openxmlformats.org/presentationml/2006/main" type="tx" preserve="1">
   <p:cSld name="Title Slide">
     <p:spTree>
       <p:nvGrpSpPr>
@@ -1129,10 +1290,11 @@
           </a:prstGeom>
         </p:spPr>
         <p:txBody>
-          <a:bodyPr lIns="0" rIns="0" tIns="0" bIns="0" anchor="ctr"/>
+          <a:bodyPr lIns="0" tIns="0" rIns="0" bIns="0" anchor="ctr"/>
+          <a:lstStyle/>
           <a:p>
             <a:pPr algn="ctr"/>
-            <a:endParaRPr b="0" lang="en-US" sz="4400" spc="-1" strike="noStrike">
+            <a:endParaRPr lang="en-US" sz="4400" b="0" strike="noStrike" spc="-1">
               <a:latin typeface="Arial"/>
             </a:endParaRPr>
           </a:p>
@@ -1158,10 +1320,11 @@
           </a:prstGeom>
         </p:spPr>
         <p:txBody>
-          <a:bodyPr lIns="0" rIns="0" tIns="0" bIns="0" anchor="ctr"/>
+          <a:bodyPr lIns="0" tIns="0" rIns="0" bIns="0" anchor="ctr"/>
+          <a:lstStyle/>
           <a:p>
             <a:pPr algn="ctr"/>
-            <a:endParaRPr b="0" lang="en-US" sz="3200" spc="-1" strike="noStrike">
+            <a:endParaRPr lang="en-US" sz="3200" b="0" strike="noStrike" spc="-1">
               <a:latin typeface="Arial"/>
             </a:endParaRPr>
           </a:p>
@@ -1169,11 +1332,14 @@
       </p:sp>
     </p:spTree>
   </p:cSld>
+  <p:clrMapOvr>
+    <a:masterClrMapping/>
+  </p:clrMapOvr>
 </p:sldLayout>
 </file>
 
 <file path=ppt/slideLayouts/slideLayout20.xml><?xml version="1.0" encoding="utf-8"?>
-<p:sldLayout xmlns:a="http://schemas.openxmlformats.org/drawingml/2006/main" xmlns:p="http://schemas.openxmlformats.org/presentationml/2006/main" xmlns:r="http://schemas.openxmlformats.org/officeDocument/2006/relationships" xmlns:p14="http://schemas.microsoft.com/office/powerpoint/2010/main" xmlns:p15="http://schemas.microsoft.com/office/powerpoint/2012/main" xmlns:mc="http://schemas.openxmlformats.org/markup-compatibility/2006" type="objAndTwoObj" preserve="1">
+<p:sldLayout xmlns:a="http://schemas.openxmlformats.org/drawingml/2006/main" xmlns:r="http://schemas.openxmlformats.org/officeDocument/2006/relationships" xmlns:p="http://schemas.openxmlformats.org/presentationml/2006/main" type="objAndTwoObj" preserve="1">
   <p:cSld name="Title Content and 2 Content">
     <p:spTree>
       <p:nvGrpSpPr>
@@ -1209,10 +1375,11 @@
           </a:prstGeom>
         </p:spPr>
         <p:txBody>
-          <a:bodyPr lIns="0" rIns="0" tIns="0" bIns="0" anchor="ctr"/>
+          <a:bodyPr lIns="0" tIns="0" rIns="0" bIns="0" anchor="ctr"/>
+          <a:lstStyle/>
           <a:p>
             <a:pPr algn="ctr"/>
-            <a:endParaRPr b="0" lang="en-US" sz="4400" spc="-1" strike="noStrike">
+            <a:endParaRPr lang="en-US" sz="4400" b="0" strike="noStrike" spc="-1">
               <a:latin typeface="Arial"/>
             </a:endParaRPr>
           </a:p>
@@ -1238,11 +1405,12 @@
           </a:prstGeom>
         </p:spPr>
         <p:txBody>
-          <a:bodyPr lIns="0" rIns="0" tIns="0" bIns="0">
+          <a:bodyPr lIns="0" tIns="0" rIns="0" bIns="0">
             <a:normAutofit/>
           </a:bodyPr>
-          <a:p>
-            <a:endParaRPr b="0" lang="en-US" sz="3200" spc="-1" strike="noStrike">
+          <a:lstStyle/>
+          <a:p>
+            <a:endParaRPr lang="en-US" sz="3200" b="0" strike="noStrike" spc="-1">
               <a:latin typeface="Arial"/>
             </a:endParaRPr>
           </a:p>
@@ -1268,11 +1436,12 @@
           </a:prstGeom>
         </p:spPr>
         <p:txBody>
-          <a:bodyPr lIns="0" rIns="0" tIns="0" bIns="0">
+          <a:bodyPr lIns="0" tIns="0" rIns="0" bIns="0">
             <a:normAutofit/>
           </a:bodyPr>
-          <a:p>
-            <a:endParaRPr b="0" lang="en-US" sz="3200" spc="-1" strike="noStrike">
+          <a:lstStyle/>
+          <a:p>
+            <a:endParaRPr lang="en-US" sz="3200" b="0" strike="noStrike" spc="-1">
               <a:latin typeface="Arial"/>
             </a:endParaRPr>
           </a:p>
@@ -1298,11 +1467,12 @@
           </a:prstGeom>
         </p:spPr>
         <p:txBody>
-          <a:bodyPr lIns="0" rIns="0" tIns="0" bIns="0">
+          <a:bodyPr lIns="0" tIns="0" rIns="0" bIns="0">
             <a:normAutofit/>
           </a:bodyPr>
-          <a:p>
-            <a:endParaRPr b="0" lang="en-US" sz="3200" spc="-1" strike="noStrike">
+          <a:lstStyle/>
+          <a:p>
+            <a:endParaRPr lang="en-US" sz="3200" b="0" strike="noStrike" spc="-1">
               <a:latin typeface="Arial"/>
             </a:endParaRPr>
           </a:p>
@@ -1310,11 +1480,14 @@
       </p:sp>
     </p:spTree>
   </p:cSld>
+  <p:clrMapOvr>
+    <a:masterClrMapping/>
+  </p:clrMapOvr>
 </p:sldLayout>
 </file>
 
 <file path=ppt/slideLayouts/slideLayout21.xml><?xml version="1.0" encoding="utf-8"?>
-<p:sldLayout xmlns:a="http://schemas.openxmlformats.org/drawingml/2006/main" xmlns:p="http://schemas.openxmlformats.org/presentationml/2006/main" xmlns:r="http://schemas.openxmlformats.org/officeDocument/2006/relationships" xmlns:p14="http://schemas.microsoft.com/office/powerpoint/2010/main" xmlns:p15="http://schemas.microsoft.com/office/powerpoint/2012/main" xmlns:mc="http://schemas.openxmlformats.org/markup-compatibility/2006" type="twoObjOverTx" preserve="1">
+<p:sldLayout xmlns:a="http://schemas.openxmlformats.org/drawingml/2006/main" xmlns:r="http://schemas.openxmlformats.org/officeDocument/2006/relationships" xmlns:p="http://schemas.openxmlformats.org/presentationml/2006/main" type="twoObjOverTx" preserve="1">
   <p:cSld name="Title, 2 Content over Content">
     <p:spTree>
       <p:nvGrpSpPr>
@@ -1350,10 +1523,11 @@
           </a:prstGeom>
         </p:spPr>
         <p:txBody>
-          <a:bodyPr lIns="0" rIns="0" tIns="0" bIns="0" anchor="ctr"/>
+          <a:bodyPr lIns="0" tIns="0" rIns="0" bIns="0" anchor="ctr"/>
+          <a:lstStyle/>
           <a:p>
             <a:pPr algn="ctr"/>
-            <a:endParaRPr b="0" lang="en-US" sz="4400" spc="-1" strike="noStrike">
+            <a:endParaRPr lang="en-US" sz="4400" b="0" strike="noStrike" spc="-1">
               <a:latin typeface="Arial"/>
             </a:endParaRPr>
           </a:p>
@@ -1379,11 +1553,12 @@
           </a:prstGeom>
         </p:spPr>
         <p:txBody>
-          <a:bodyPr lIns="0" rIns="0" tIns="0" bIns="0">
+          <a:bodyPr lIns="0" tIns="0" rIns="0" bIns="0">
             <a:normAutofit/>
           </a:bodyPr>
-          <a:p>
-            <a:endParaRPr b="0" lang="en-US" sz="3200" spc="-1" strike="noStrike">
+          <a:lstStyle/>
+          <a:p>
+            <a:endParaRPr lang="en-US" sz="3200" b="0" strike="noStrike" spc="-1">
               <a:latin typeface="Arial"/>
             </a:endParaRPr>
           </a:p>
@@ -1409,11 +1584,12 @@
           </a:prstGeom>
         </p:spPr>
         <p:txBody>
-          <a:bodyPr lIns="0" rIns="0" tIns="0" bIns="0">
+          <a:bodyPr lIns="0" tIns="0" rIns="0" bIns="0">
             <a:normAutofit/>
           </a:bodyPr>
-          <a:p>
-            <a:endParaRPr b="0" lang="en-US" sz="3200" spc="-1" strike="noStrike">
+          <a:lstStyle/>
+          <a:p>
+            <a:endParaRPr lang="en-US" sz="3200" b="0" strike="noStrike" spc="-1">
               <a:latin typeface="Arial"/>
             </a:endParaRPr>
           </a:p>
@@ -1439,11 +1615,12 @@
           </a:prstGeom>
         </p:spPr>
         <p:txBody>
-          <a:bodyPr lIns="0" rIns="0" tIns="0" bIns="0">
+          <a:bodyPr lIns="0" tIns="0" rIns="0" bIns="0">
             <a:normAutofit/>
           </a:bodyPr>
-          <a:p>
-            <a:endParaRPr b="0" lang="en-US" sz="3200" spc="-1" strike="noStrike">
+          <a:lstStyle/>
+          <a:p>
+            <a:endParaRPr lang="en-US" sz="3200" b="0" strike="noStrike" spc="-1">
               <a:latin typeface="Arial"/>
             </a:endParaRPr>
           </a:p>
@@ -1451,11 +1628,14 @@
       </p:sp>
     </p:spTree>
   </p:cSld>
+  <p:clrMapOvr>
+    <a:masterClrMapping/>
+  </p:clrMapOvr>
 </p:sldLayout>
 </file>
 
 <file path=ppt/slideLayouts/slideLayout22.xml><?xml version="1.0" encoding="utf-8"?>
-<p:sldLayout xmlns:a="http://schemas.openxmlformats.org/drawingml/2006/main" xmlns:p="http://schemas.openxmlformats.org/presentationml/2006/main" xmlns:r="http://schemas.openxmlformats.org/officeDocument/2006/relationships" xmlns:p14="http://schemas.microsoft.com/office/powerpoint/2010/main" xmlns:p15="http://schemas.microsoft.com/office/powerpoint/2012/main" xmlns:mc="http://schemas.openxmlformats.org/markup-compatibility/2006" type="objOverTx" preserve="1">
+<p:sldLayout xmlns:a="http://schemas.openxmlformats.org/drawingml/2006/main" xmlns:r="http://schemas.openxmlformats.org/officeDocument/2006/relationships" xmlns:p="http://schemas.openxmlformats.org/presentationml/2006/main" type="objOverTx" preserve="1">
   <p:cSld name="Title, Content over Content">
     <p:spTree>
       <p:nvGrpSpPr>
@@ -1491,10 +1671,11 @@
           </a:prstGeom>
         </p:spPr>
         <p:txBody>
-          <a:bodyPr lIns="0" rIns="0" tIns="0" bIns="0" anchor="ctr"/>
+          <a:bodyPr lIns="0" tIns="0" rIns="0" bIns="0" anchor="ctr"/>
+          <a:lstStyle/>
           <a:p>
             <a:pPr algn="ctr"/>
-            <a:endParaRPr b="0" lang="en-US" sz="4400" spc="-1" strike="noStrike">
+            <a:endParaRPr lang="en-US" sz="4400" b="0" strike="noStrike" spc="-1">
               <a:latin typeface="Arial"/>
             </a:endParaRPr>
           </a:p>
@@ -1520,11 +1701,12 @@
           </a:prstGeom>
         </p:spPr>
         <p:txBody>
-          <a:bodyPr lIns="0" rIns="0" tIns="0" bIns="0">
+          <a:bodyPr lIns="0" tIns="0" rIns="0" bIns="0">
             <a:normAutofit/>
           </a:bodyPr>
-          <a:p>
-            <a:endParaRPr b="0" lang="en-US" sz="3200" spc="-1" strike="noStrike">
+          <a:lstStyle/>
+          <a:p>
+            <a:endParaRPr lang="en-US" sz="3200" b="0" strike="noStrike" spc="-1">
               <a:latin typeface="Arial"/>
             </a:endParaRPr>
           </a:p>
@@ -1550,11 +1732,12 @@
           </a:prstGeom>
         </p:spPr>
         <p:txBody>
-          <a:bodyPr lIns="0" rIns="0" tIns="0" bIns="0">
+          <a:bodyPr lIns="0" tIns="0" rIns="0" bIns="0">
             <a:normAutofit/>
           </a:bodyPr>
-          <a:p>
-            <a:endParaRPr b="0" lang="en-US" sz="3200" spc="-1" strike="noStrike">
+          <a:lstStyle/>
+          <a:p>
+            <a:endParaRPr lang="en-US" sz="3200" b="0" strike="noStrike" spc="-1">
               <a:latin typeface="Arial"/>
             </a:endParaRPr>
           </a:p>
@@ -1562,11 +1745,14 @@
       </p:sp>
     </p:spTree>
   </p:cSld>
+  <p:clrMapOvr>
+    <a:masterClrMapping/>
+  </p:clrMapOvr>
 </p:sldLayout>
 </file>
 
 <file path=ppt/slideLayouts/slideLayout23.xml><?xml version="1.0" encoding="utf-8"?>
-<p:sldLayout xmlns:a="http://schemas.openxmlformats.org/drawingml/2006/main" xmlns:p="http://schemas.openxmlformats.org/presentationml/2006/main" xmlns:r="http://schemas.openxmlformats.org/officeDocument/2006/relationships" xmlns:p14="http://schemas.microsoft.com/office/powerpoint/2010/main" xmlns:p15="http://schemas.microsoft.com/office/powerpoint/2012/main" xmlns:mc="http://schemas.openxmlformats.org/markup-compatibility/2006" type="fourObj" preserve="1">
+<p:sldLayout xmlns:a="http://schemas.openxmlformats.org/drawingml/2006/main" xmlns:r="http://schemas.openxmlformats.org/officeDocument/2006/relationships" xmlns:p="http://schemas.openxmlformats.org/presentationml/2006/main" type="fourObj" preserve="1">
   <p:cSld name="Title, 4 Content">
     <p:spTree>
       <p:nvGrpSpPr>
@@ -1602,10 +1788,11 @@
           </a:prstGeom>
         </p:spPr>
         <p:txBody>
-          <a:bodyPr lIns="0" rIns="0" tIns="0" bIns="0" anchor="ctr"/>
+          <a:bodyPr lIns="0" tIns="0" rIns="0" bIns="0" anchor="ctr"/>
+          <a:lstStyle/>
           <a:p>
             <a:pPr algn="ctr"/>
-            <a:endParaRPr b="0" lang="en-US" sz="4400" spc="-1" strike="noStrike">
+            <a:endParaRPr lang="en-US" sz="4400" b="0" strike="noStrike" spc="-1">
               <a:latin typeface="Arial"/>
             </a:endParaRPr>
           </a:p>
@@ -1631,11 +1818,12 @@
           </a:prstGeom>
         </p:spPr>
         <p:txBody>
-          <a:bodyPr lIns="0" rIns="0" tIns="0" bIns="0">
+          <a:bodyPr lIns="0" tIns="0" rIns="0" bIns="0">
             <a:normAutofit/>
           </a:bodyPr>
-          <a:p>
-            <a:endParaRPr b="0" lang="en-US" sz="3200" spc="-1" strike="noStrike">
+          <a:lstStyle/>
+          <a:p>
+            <a:endParaRPr lang="en-US" sz="3200" b="0" strike="noStrike" spc="-1">
               <a:latin typeface="Arial"/>
             </a:endParaRPr>
           </a:p>
@@ -1661,11 +1849,12 @@
           </a:prstGeom>
         </p:spPr>
         <p:txBody>
-          <a:bodyPr lIns="0" rIns="0" tIns="0" bIns="0">
+          <a:bodyPr lIns="0" tIns="0" rIns="0" bIns="0">
             <a:normAutofit/>
           </a:bodyPr>
-          <a:p>
-            <a:endParaRPr b="0" lang="en-US" sz="3200" spc="-1" strike="noStrike">
+          <a:lstStyle/>
+          <a:p>
+            <a:endParaRPr lang="en-US" sz="3200" b="0" strike="noStrike" spc="-1">
               <a:latin typeface="Arial"/>
             </a:endParaRPr>
           </a:p>
@@ -1691,11 +1880,12 @@
           </a:prstGeom>
         </p:spPr>
         <p:txBody>
-          <a:bodyPr lIns="0" rIns="0" tIns="0" bIns="0">
+          <a:bodyPr lIns="0" tIns="0" rIns="0" bIns="0">
             <a:normAutofit/>
           </a:bodyPr>
-          <a:p>
-            <a:endParaRPr b="0" lang="en-US" sz="3200" spc="-1" strike="noStrike">
+          <a:lstStyle/>
+          <a:p>
+            <a:endParaRPr lang="en-US" sz="3200" b="0" strike="noStrike" spc="-1">
               <a:latin typeface="Arial"/>
             </a:endParaRPr>
           </a:p>
@@ -1721,11 +1911,12 @@
           </a:prstGeom>
         </p:spPr>
         <p:txBody>
-          <a:bodyPr lIns="0" rIns="0" tIns="0" bIns="0">
+          <a:bodyPr lIns="0" tIns="0" rIns="0" bIns="0">
             <a:normAutofit/>
           </a:bodyPr>
-          <a:p>
-            <a:endParaRPr b="0" lang="en-US" sz="3200" spc="-1" strike="noStrike">
+          <a:lstStyle/>
+          <a:p>
+            <a:endParaRPr lang="en-US" sz="3200" b="0" strike="noStrike" spc="-1">
               <a:latin typeface="Arial"/>
             </a:endParaRPr>
           </a:p>
@@ -1733,11 +1924,14 @@
       </p:sp>
     </p:spTree>
   </p:cSld>
+  <p:clrMapOvr>
+    <a:masterClrMapping/>
+  </p:clrMapOvr>
 </p:sldLayout>
 </file>
 
 <file path=ppt/slideLayouts/slideLayout24.xml><?xml version="1.0" encoding="utf-8"?>
-<p:sldLayout xmlns:a="http://schemas.openxmlformats.org/drawingml/2006/main" xmlns:p="http://schemas.openxmlformats.org/presentationml/2006/main" xmlns:r="http://schemas.openxmlformats.org/officeDocument/2006/relationships" xmlns:p14="http://schemas.microsoft.com/office/powerpoint/2010/main" xmlns:p15="http://schemas.microsoft.com/office/powerpoint/2012/main" xmlns:mc="http://schemas.openxmlformats.org/markup-compatibility/2006" type="blank" preserve="1">
+<p:sldLayout xmlns:a="http://schemas.openxmlformats.org/drawingml/2006/main" xmlns:r="http://schemas.openxmlformats.org/officeDocument/2006/relationships" xmlns:p="http://schemas.openxmlformats.org/presentationml/2006/main" type="blank" preserve="1">
   <p:cSld name="Title, 6 Content">
     <p:spTree>
       <p:nvGrpSpPr>
@@ -1773,10 +1967,11 @@
           </a:prstGeom>
         </p:spPr>
         <p:txBody>
-          <a:bodyPr lIns="0" rIns="0" tIns="0" bIns="0" anchor="ctr"/>
+          <a:bodyPr lIns="0" tIns="0" rIns="0" bIns="0" anchor="ctr"/>
+          <a:lstStyle/>
           <a:p>
             <a:pPr algn="ctr"/>
-            <a:endParaRPr b="0" lang="en-US" sz="4400" spc="-1" strike="noStrike">
+            <a:endParaRPr lang="en-US" sz="4400" b="0" strike="noStrike" spc="-1">
               <a:latin typeface="Arial"/>
             </a:endParaRPr>
           </a:p>
@@ -1802,11 +1997,12 @@
           </a:prstGeom>
         </p:spPr>
         <p:txBody>
-          <a:bodyPr lIns="0" rIns="0" tIns="0" bIns="0">
+          <a:bodyPr lIns="0" tIns="0" rIns="0" bIns="0">
             <a:normAutofit/>
           </a:bodyPr>
-          <a:p>
-            <a:endParaRPr b="0" lang="en-US" sz="3200" spc="-1" strike="noStrike">
+          <a:lstStyle/>
+          <a:p>
+            <a:endParaRPr lang="en-US" sz="3200" b="0" strike="noStrike" spc="-1">
               <a:latin typeface="Arial"/>
             </a:endParaRPr>
           </a:p>
@@ -1832,11 +2028,12 @@
           </a:prstGeom>
         </p:spPr>
         <p:txBody>
-          <a:bodyPr lIns="0" rIns="0" tIns="0" bIns="0">
+          <a:bodyPr lIns="0" tIns="0" rIns="0" bIns="0">
             <a:normAutofit/>
           </a:bodyPr>
-          <a:p>
-            <a:endParaRPr b="0" lang="en-US" sz="3200" spc="-1" strike="noStrike">
+          <a:lstStyle/>
+          <a:p>
+            <a:endParaRPr lang="en-US" sz="3200" b="0" strike="noStrike" spc="-1">
               <a:latin typeface="Arial"/>
             </a:endParaRPr>
           </a:p>
@@ -1862,11 +2059,12 @@
           </a:prstGeom>
         </p:spPr>
         <p:txBody>
-          <a:bodyPr lIns="0" rIns="0" tIns="0" bIns="0">
+          <a:bodyPr lIns="0" tIns="0" rIns="0" bIns="0">
             <a:normAutofit/>
           </a:bodyPr>
-          <a:p>
-            <a:endParaRPr b="0" lang="en-US" sz="3200" spc="-1" strike="noStrike">
+          <a:lstStyle/>
+          <a:p>
+            <a:endParaRPr lang="en-US" sz="3200" b="0" strike="noStrike" spc="-1">
               <a:latin typeface="Arial"/>
             </a:endParaRPr>
           </a:p>
@@ -1892,11 +2090,12 @@
           </a:prstGeom>
         </p:spPr>
         <p:txBody>
-          <a:bodyPr lIns="0" rIns="0" tIns="0" bIns="0">
+          <a:bodyPr lIns="0" tIns="0" rIns="0" bIns="0">
             <a:normAutofit/>
           </a:bodyPr>
-          <a:p>
-            <a:endParaRPr b="0" lang="en-US" sz="3200" spc="-1" strike="noStrike">
+          <a:lstStyle/>
+          <a:p>
+            <a:endParaRPr lang="en-US" sz="3200" b="0" strike="noStrike" spc="-1">
               <a:latin typeface="Arial"/>
             </a:endParaRPr>
           </a:p>
@@ -1922,11 +2121,12 @@
           </a:prstGeom>
         </p:spPr>
         <p:txBody>
-          <a:bodyPr lIns="0" rIns="0" tIns="0" bIns="0">
+          <a:bodyPr lIns="0" tIns="0" rIns="0" bIns="0">
             <a:normAutofit/>
           </a:bodyPr>
-          <a:p>
-            <a:endParaRPr b="0" lang="en-US" sz="3200" spc="-1" strike="noStrike">
+          <a:lstStyle/>
+          <a:p>
+            <a:endParaRPr lang="en-US" sz="3200" b="0" strike="noStrike" spc="-1">
               <a:latin typeface="Arial"/>
             </a:endParaRPr>
           </a:p>
@@ -1952,11 +2152,12 @@
           </a:prstGeom>
         </p:spPr>
         <p:txBody>
-          <a:bodyPr lIns="0" rIns="0" tIns="0" bIns="0">
+          <a:bodyPr lIns="0" tIns="0" rIns="0" bIns="0">
             <a:normAutofit/>
           </a:bodyPr>
-          <a:p>
-            <a:endParaRPr b="0" lang="en-US" sz="3200" spc="-1" strike="noStrike">
+          <a:lstStyle/>
+          <a:p>
+            <a:endParaRPr lang="en-US" sz="3200" b="0" strike="noStrike" spc="-1">
               <a:latin typeface="Arial"/>
             </a:endParaRPr>
           </a:p>
@@ -1964,11 +2165,14 @@
       </p:sp>
     </p:spTree>
   </p:cSld>
+  <p:clrMapOvr>
+    <a:masterClrMapping/>
+  </p:clrMapOvr>
 </p:sldLayout>
 </file>
 
 <file path=ppt/slideLayouts/slideLayout3.xml><?xml version="1.0" encoding="utf-8"?>
-<p:sldLayout xmlns:a="http://schemas.openxmlformats.org/drawingml/2006/main" xmlns:p="http://schemas.openxmlformats.org/presentationml/2006/main" xmlns:r="http://schemas.openxmlformats.org/officeDocument/2006/relationships" xmlns:p14="http://schemas.microsoft.com/office/powerpoint/2010/main" xmlns:p15="http://schemas.microsoft.com/office/powerpoint/2012/main" xmlns:mc="http://schemas.openxmlformats.org/markup-compatibility/2006" type="obj" preserve="1">
+<p:sldLayout xmlns:a="http://schemas.openxmlformats.org/drawingml/2006/main" xmlns:r="http://schemas.openxmlformats.org/officeDocument/2006/relationships" xmlns:p="http://schemas.openxmlformats.org/presentationml/2006/main" type="obj" preserve="1">
   <p:cSld name="Title, Content">
     <p:spTree>
       <p:nvGrpSpPr>
@@ -2004,10 +2208,11 @@
           </a:prstGeom>
         </p:spPr>
         <p:txBody>
-          <a:bodyPr lIns="0" rIns="0" tIns="0" bIns="0" anchor="ctr"/>
+          <a:bodyPr lIns="0" tIns="0" rIns="0" bIns="0" anchor="ctr"/>
+          <a:lstStyle/>
           <a:p>
             <a:pPr algn="ctr"/>
-            <a:endParaRPr b="0" lang="en-US" sz="4400" spc="-1" strike="noStrike">
+            <a:endParaRPr lang="en-US" sz="4400" b="0" strike="noStrike" spc="-1">
               <a:latin typeface="Arial"/>
             </a:endParaRPr>
           </a:p>
@@ -2033,11 +2238,12 @@
           </a:prstGeom>
         </p:spPr>
         <p:txBody>
-          <a:bodyPr lIns="0" rIns="0" tIns="0" bIns="0">
+          <a:bodyPr lIns="0" tIns="0" rIns="0" bIns="0">
             <a:normAutofit/>
           </a:bodyPr>
-          <a:p>
-            <a:endParaRPr b="0" lang="en-US" sz="3200" spc="-1" strike="noStrike">
+          <a:lstStyle/>
+          <a:p>
+            <a:endParaRPr lang="en-US" sz="3200" b="0" strike="noStrike" spc="-1">
               <a:latin typeface="Arial"/>
             </a:endParaRPr>
           </a:p>
@@ -2045,11 +2251,14 @@
       </p:sp>
     </p:spTree>
   </p:cSld>
+  <p:clrMapOvr>
+    <a:masterClrMapping/>
+  </p:clrMapOvr>
 </p:sldLayout>
 </file>
 
 <file path=ppt/slideLayouts/slideLayout4.xml><?xml version="1.0" encoding="utf-8"?>
-<p:sldLayout xmlns:a="http://schemas.openxmlformats.org/drawingml/2006/main" xmlns:p="http://schemas.openxmlformats.org/presentationml/2006/main" xmlns:r="http://schemas.openxmlformats.org/officeDocument/2006/relationships" xmlns:p14="http://schemas.microsoft.com/office/powerpoint/2010/main" xmlns:p15="http://schemas.microsoft.com/office/powerpoint/2012/main" xmlns:mc="http://schemas.openxmlformats.org/markup-compatibility/2006" type="twoObj" preserve="1">
+<p:sldLayout xmlns:a="http://schemas.openxmlformats.org/drawingml/2006/main" xmlns:r="http://schemas.openxmlformats.org/officeDocument/2006/relationships" xmlns:p="http://schemas.openxmlformats.org/presentationml/2006/main" type="twoObj" preserve="1">
   <p:cSld name="Title, 2 Content">
     <p:spTree>
       <p:nvGrpSpPr>
@@ -2085,10 +2294,11 @@
           </a:prstGeom>
         </p:spPr>
         <p:txBody>
-          <a:bodyPr lIns="0" rIns="0" tIns="0" bIns="0" anchor="ctr"/>
+          <a:bodyPr lIns="0" tIns="0" rIns="0" bIns="0" anchor="ctr"/>
+          <a:lstStyle/>
           <a:p>
             <a:pPr algn="ctr"/>
-            <a:endParaRPr b="0" lang="en-US" sz="4400" spc="-1" strike="noStrike">
+            <a:endParaRPr lang="en-US" sz="4400" b="0" strike="noStrike" spc="-1">
               <a:latin typeface="Arial"/>
             </a:endParaRPr>
           </a:p>
@@ -2114,11 +2324,12 @@
           </a:prstGeom>
         </p:spPr>
         <p:txBody>
-          <a:bodyPr lIns="0" rIns="0" tIns="0" bIns="0">
+          <a:bodyPr lIns="0" tIns="0" rIns="0" bIns="0">
             <a:normAutofit/>
           </a:bodyPr>
-          <a:p>
-            <a:endParaRPr b="0" lang="en-US" sz="3200" spc="-1" strike="noStrike">
+          <a:lstStyle/>
+          <a:p>
+            <a:endParaRPr lang="en-US" sz="3200" b="0" strike="noStrike" spc="-1">
               <a:latin typeface="Arial"/>
             </a:endParaRPr>
           </a:p>
@@ -2144,11 +2355,12 @@
           </a:prstGeom>
         </p:spPr>
         <p:txBody>
-          <a:bodyPr lIns="0" rIns="0" tIns="0" bIns="0">
+          <a:bodyPr lIns="0" tIns="0" rIns="0" bIns="0">
             <a:normAutofit/>
           </a:bodyPr>
-          <a:p>
-            <a:endParaRPr b="0" lang="en-US" sz="3200" spc="-1" strike="noStrike">
+          <a:lstStyle/>
+          <a:p>
+            <a:endParaRPr lang="en-US" sz="3200" b="0" strike="noStrike" spc="-1">
               <a:latin typeface="Arial"/>
             </a:endParaRPr>
           </a:p>
@@ -2156,11 +2368,14 @@
       </p:sp>
     </p:spTree>
   </p:cSld>
+  <p:clrMapOvr>
+    <a:masterClrMapping/>
+  </p:clrMapOvr>
 </p:sldLayout>
 </file>
 
 <file path=ppt/slideLayouts/slideLayout5.xml><?xml version="1.0" encoding="utf-8"?>
-<p:sldLayout xmlns:a="http://schemas.openxmlformats.org/drawingml/2006/main" xmlns:p="http://schemas.openxmlformats.org/presentationml/2006/main" xmlns:r="http://schemas.openxmlformats.org/officeDocument/2006/relationships" xmlns:p14="http://schemas.microsoft.com/office/powerpoint/2010/main" xmlns:p15="http://schemas.microsoft.com/office/powerpoint/2012/main" xmlns:mc="http://schemas.openxmlformats.org/markup-compatibility/2006" type="titleOnly" preserve="1">
+<p:sldLayout xmlns:a="http://schemas.openxmlformats.org/drawingml/2006/main" xmlns:r="http://schemas.openxmlformats.org/officeDocument/2006/relationships" xmlns:p="http://schemas.openxmlformats.org/presentationml/2006/main" type="titleOnly" preserve="1">
   <p:cSld name="Title Only">
     <p:spTree>
       <p:nvGrpSpPr>
@@ -2196,10 +2411,11 @@
           </a:prstGeom>
         </p:spPr>
         <p:txBody>
-          <a:bodyPr lIns="0" rIns="0" tIns="0" bIns="0" anchor="ctr"/>
+          <a:bodyPr lIns="0" tIns="0" rIns="0" bIns="0" anchor="ctr"/>
+          <a:lstStyle/>
           <a:p>
             <a:pPr algn="ctr"/>
-            <a:endParaRPr b="0" lang="en-US" sz="4400" spc="-1" strike="noStrike">
+            <a:endParaRPr lang="en-US" sz="4400" b="0" strike="noStrike" spc="-1">
               <a:latin typeface="Arial"/>
             </a:endParaRPr>
           </a:p>
@@ -2207,11 +2423,14 @@
       </p:sp>
     </p:spTree>
   </p:cSld>
+  <p:clrMapOvr>
+    <a:masterClrMapping/>
+  </p:clrMapOvr>
 </p:sldLayout>
 </file>
 
 <file path=ppt/slideLayouts/slideLayout6.xml><?xml version="1.0" encoding="utf-8"?>
-<p:sldLayout xmlns:a="http://schemas.openxmlformats.org/drawingml/2006/main" xmlns:p="http://schemas.openxmlformats.org/presentationml/2006/main" xmlns:r="http://schemas.openxmlformats.org/officeDocument/2006/relationships" xmlns:p14="http://schemas.microsoft.com/office/powerpoint/2010/main" xmlns:p15="http://schemas.microsoft.com/office/powerpoint/2012/main" xmlns:mc="http://schemas.openxmlformats.org/markup-compatibility/2006" type="objOnly" preserve="1">
+<p:sldLayout xmlns:a="http://schemas.openxmlformats.org/drawingml/2006/main" xmlns:r="http://schemas.openxmlformats.org/officeDocument/2006/relationships" xmlns:p="http://schemas.openxmlformats.org/presentationml/2006/main" type="objOnly" preserve="1">
   <p:cSld name="Centered Text">
     <p:spTree>
       <p:nvGrpSpPr>
@@ -2247,10 +2466,11 @@
           </a:prstGeom>
         </p:spPr>
         <p:txBody>
-          <a:bodyPr lIns="0" rIns="0" tIns="0" bIns="0" anchor="ctr"/>
+          <a:bodyPr lIns="0" tIns="0" rIns="0" bIns="0" anchor="ctr"/>
+          <a:lstStyle/>
           <a:p>
             <a:pPr algn="ctr"/>
-            <a:endParaRPr b="0" lang="en-US" sz="3200" spc="-1" strike="noStrike">
+            <a:endParaRPr lang="en-US" sz="3200" b="0" strike="noStrike" spc="-1">
               <a:latin typeface="Arial"/>
             </a:endParaRPr>
           </a:p>
@@ -2258,11 +2478,14 @@
       </p:sp>
     </p:spTree>
   </p:cSld>
+  <p:clrMapOvr>
+    <a:masterClrMapping/>
+  </p:clrMapOvr>
 </p:sldLayout>
 </file>
 
 <file path=ppt/slideLayouts/slideLayout7.xml><?xml version="1.0" encoding="utf-8"?>
-<p:sldLayout xmlns:a="http://schemas.openxmlformats.org/drawingml/2006/main" xmlns:p="http://schemas.openxmlformats.org/presentationml/2006/main" xmlns:r="http://schemas.openxmlformats.org/officeDocument/2006/relationships" xmlns:p14="http://schemas.microsoft.com/office/powerpoint/2010/main" xmlns:p15="http://schemas.microsoft.com/office/powerpoint/2012/main" xmlns:mc="http://schemas.openxmlformats.org/markup-compatibility/2006" type="twoObjAndObj" preserve="1">
+<p:sldLayout xmlns:a="http://schemas.openxmlformats.org/drawingml/2006/main" xmlns:r="http://schemas.openxmlformats.org/officeDocument/2006/relationships" xmlns:p="http://schemas.openxmlformats.org/presentationml/2006/main" type="twoObjAndObj" preserve="1">
   <p:cSld name="Title, 2 Content and Content">
     <p:spTree>
       <p:nvGrpSpPr>
@@ -2298,10 +2521,11 @@
           </a:prstGeom>
         </p:spPr>
         <p:txBody>
-          <a:bodyPr lIns="0" rIns="0" tIns="0" bIns="0" anchor="ctr"/>
+          <a:bodyPr lIns="0" tIns="0" rIns="0" bIns="0" anchor="ctr"/>
+          <a:lstStyle/>
           <a:p>
             <a:pPr algn="ctr"/>
-            <a:endParaRPr b="0" lang="en-US" sz="4400" spc="-1" strike="noStrike">
+            <a:endParaRPr lang="en-US" sz="4400" b="0" strike="noStrike" spc="-1">
               <a:latin typeface="Arial"/>
             </a:endParaRPr>
           </a:p>
@@ -2327,11 +2551,12 @@
           </a:prstGeom>
         </p:spPr>
         <p:txBody>
-          <a:bodyPr lIns="0" rIns="0" tIns="0" bIns="0">
+          <a:bodyPr lIns="0" tIns="0" rIns="0" bIns="0">
             <a:normAutofit/>
           </a:bodyPr>
-          <a:p>
-            <a:endParaRPr b="0" lang="en-US" sz="3200" spc="-1" strike="noStrike">
+          <a:lstStyle/>
+          <a:p>
+            <a:endParaRPr lang="en-US" sz="3200" b="0" strike="noStrike" spc="-1">
               <a:latin typeface="Arial"/>
             </a:endParaRPr>
           </a:p>
@@ -2357,11 +2582,12 @@
           </a:prstGeom>
         </p:spPr>
         <p:txBody>
-          <a:bodyPr lIns="0" rIns="0" tIns="0" bIns="0">
+          <a:bodyPr lIns="0" tIns="0" rIns="0" bIns="0">
             <a:normAutofit/>
           </a:bodyPr>
-          <a:p>
-            <a:endParaRPr b="0" lang="en-US" sz="3200" spc="-1" strike="noStrike">
+          <a:lstStyle/>
+          <a:p>
+            <a:endParaRPr lang="en-US" sz="3200" b="0" strike="noStrike" spc="-1">
               <a:latin typeface="Arial"/>
             </a:endParaRPr>
           </a:p>
@@ -2387,11 +2613,12 @@
           </a:prstGeom>
         </p:spPr>
         <p:txBody>
-          <a:bodyPr lIns="0" rIns="0" tIns="0" bIns="0">
+          <a:bodyPr lIns="0" tIns="0" rIns="0" bIns="0">
             <a:normAutofit/>
           </a:bodyPr>
-          <a:p>
-            <a:endParaRPr b="0" lang="en-US" sz="3200" spc="-1" strike="noStrike">
+          <a:lstStyle/>
+          <a:p>
+            <a:endParaRPr lang="en-US" sz="3200" b="0" strike="noStrike" spc="-1">
               <a:latin typeface="Arial"/>
             </a:endParaRPr>
           </a:p>
@@ -2399,11 +2626,14 @@
       </p:sp>
     </p:spTree>
   </p:cSld>
+  <p:clrMapOvr>
+    <a:masterClrMapping/>
+  </p:clrMapOvr>
 </p:sldLayout>
 </file>
 
 <file path=ppt/slideLayouts/slideLayout8.xml><?xml version="1.0" encoding="utf-8"?>
-<p:sldLayout xmlns:a="http://schemas.openxmlformats.org/drawingml/2006/main" xmlns:p="http://schemas.openxmlformats.org/presentationml/2006/main" xmlns:r="http://schemas.openxmlformats.org/officeDocument/2006/relationships" xmlns:p14="http://schemas.microsoft.com/office/powerpoint/2010/main" xmlns:p15="http://schemas.microsoft.com/office/powerpoint/2012/main" xmlns:mc="http://schemas.openxmlformats.org/markup-compatibility/2006" type="objAndTwoObj" preserve="1">
+<p:sldLayout xmlns:a="http://schemas.openxmlformats.org/drawingml/2006/main" xmlns:r="http://schemas.openxmlformats.org/officeDocument/2006/relationships" xmlns:p="http://schemas.openxmlformats.org/presentationml/2006/main" type="objAndTwoObj" preserve="1">
   <p:cSld name="Title Content and 2 Content">
     <p:spTree>
       <p:nvGrpSpPr>
@@ -2439,10 +2669,11 @@
           </a:prstGeom>
         </p:spPr>
         <p:txBody>
-          <a:bodyPr lIns="0" rIns="0" tIns="0" bIns="0" anchor="ctr"/>
+          <a:bodyPr lIns="0" tIns="0" rIns="0" bIns="0" anchor="ctr"/>
+          <a:lstStyle/>
           <a:p>
             <a:pPr algn="ctr"/>
-            <a:endParaRPr b="0" lang="en-US" sz="4400" spc="-1" strike="noStrike">
+            <a:endParaRPr lang="en-US" sz="4400" b="0" strike="noStrike" spc="-1">
               <a:latin typeface="Arial"/>
             </a:endParaRPr>
           </a:p>
@@ -2468,11 +2699,12 @@
           </a:prstGeom>
         </p:spPr>
         <p:txBody>
-          <a:bodyPr lIns="0" rIns="0" tIns="0" bIns="0">
+          <a:bodyPr lIns="0" tIns="0" rIns="0" bIns="0">
             <a:normAutofit/>
           </a:bodyPr>
-          <a:p>
-            <a:endParaRPr b="0" lang="en-US" sz="3200" spc="-1" strike="noStrike">
+          <a:lstStyle/>
+          <a:p>
+            <a:endParaRPr lang="en-US" sz="3200" b="0" strike="noStrike" spc="-1">
               <a:latin typeface="Arial"/>
             </a:endParaRPr>
           </a:p>
@@ -2498,11 +2730,12 @@
           </a:prstGeom>
         </p:spPr>
         <p:txBody>
-          <a:bodyPr lIns="0" rIns="0" tIns="0" bIns="0">
+          <a:bodyPr lIns="0" tIns="0" rIns="0" bIns="0">
             <a:normAutofit/>
           </a:bodyPr>
-          <a:p>
-            <a:endParaRPr b="0" lang="en-US" sz="3200" spc="-1" strike="noStrike">
+          <a:lstStyle/>
+          <a:p>
+            <a:endParaRPr lang="en-US" sz="3200" b="0" strike="noStrike" spc="-1">
               <a:latin typeface="Arial"/>
             </a:endParaRPr>
           </a:p>
@@ -2528,11 +2761,12 @@
           </a:prstGeom>
         </p:spPr>
         <p:txBody>
-          <a:bodyPr lIns="0" rIns="0" tIns="0" bIns="0">
+          <a:bodyPr lIns="0" tIns="0" rIns="0" bIns="0">
             <a:normAutofit/>
           </a:bodyPr>
-          <a:p>
-            <a:endParaRPr b="0" lang="en-US" sz="3200" spc="-1" strike="noStrike">
+          <a:lstStyle/>
+          <a:p>
+            <a:endParaRPr lang="en-US" sz="3200" b="0" strike="noStrike" spc="-1">
               <a:latin typeface="Arial"/>
             </a:endParaRPr>
           </a:p>
@@ -2540,11 +2774,14 @@
       </p:sp>
     </p:spTree>
   </p:cSld>
+  <p:clrMapOvr>
+    <a:masterClrMapping/>
+  </p:clrMapOvr>
 </p:sldLayout>
 </file>
 
 <file path=ppt/slideLayouts/slideLayout9.xml><?xml version="1.0" encoding="utf-8"?>
-<p:sldLayout xmlns:a="http://schemas.openxmlformats.org/drawingml/2006/main" xmlns:p="http://schemas.openxmlformats.org/presentationml/2006/main" xmlns:r="http://schemas.openxmlformats.org/officeDocument/2006/relationships" xmlns:p14="http://schemas.microsoft.com/office/powerpoint/2010/main" xmlns:p15="http://schemas.microsoft.com/office/powerpoint/2012/main" xmlns:mc="http://schemas.openxmlformats.org/markup-compatibility/2006" type="twoObjOverTx" preserve="1">
+<p:sldLayout xmlns:a="http://schemas.openxmlformats.org/drawingml/2006/main" xmlns:r="http://schemas.openxmlformats.org/officeDocument/2006/relationships" xmlns:p="http://schemas.openxmlformats.org/presentationml/2006/main" type="twoObjOverTx" preserve="1">
   <p:cSld name="Title, 2 Content over Content">
     <p:spTree>
       <p:nvGrpSpPr>
@@ -2580,10 +2817,11 @@
           </a:prstGeom>
         </p:spPr>
         <p:txBody>
-          <a:bodyPr lIns="0" rIns="0" tIns="0" bIns="0" anchor="ctr"/>
+          <a:bodyPr lIns="0" tIns="0" rIns="0" bIns="0" anchor="ctr"/>
+          <a:lstStyle/>
           <a:p>
             <a:pPr algn="ctr"/>
-            <a:endParaRPr b="0" lang="en-US" sz="4400" spc="-1" strike="noStrike">
+            <a:endParaRPr lang="en-US" sz="4400" b="0" strike="noStrike" spc="-1">
               <a:latin typeface="Arial"/>
             </a:endParaRPr>
           </a:p>
@@ -2609,11 +2847,12 @@
           </a:prstGeom>
         </p:spPr>
         <p:txBody>
-          <a:bodyPr lIns="0" rIns="0" tIns="0" bIns="0">
+          <a:bodyPr lIns="0" tIns="0" rIns="0" bIns="0">
             <a:normAutofit/>
           </a:bodyPr>
-          <a:p>
-            <a:endParaRPr b="0" lang="en-US" sz="3200" spc="-1" strike="noStrike">
+          <a:lstStyle/>
+          <a:p>
+            <a:endParaRPr lang="en-US" sz="3200" b="0" strike="noStrike" spc="-1">
               <a:latin typeface="Arial"/>
             </a:endParaRPr>
           </a:p>
@@ -2639,11 +2878,12 @@
           </a:prstGeom>
         </p:spPr>
         <p:txBody>
-          <a:bodyPr lIns="0" rIns="0" tIns="0" bIns="0">
+          <a:bodyPr lIns="0" tIns="0" rIns="0" bIns="0">
             <a:normAutofit/>
           </a:bodyPr>
-          <a:p>
-            <a:endParaRPr b="0" lang="en-US" sz="3200" spc="-1" strike="noStrike">
+          <a:lstStyle/>
+          <a:p>
+            <a:endParaRPr lang="en-US" sz="3200" b="0" strike="noStrike" spc="-1">
               <a:latin typeface="Arial"/>
             </a:endParaRPr>
           </a:p>
@@ -2669,11 +2909,12 @@
           </a:prstGeom>
         </p:spPr>
         <p:txBody>
-          <a:bodyPr lIns="0" rIns="0" tIns="0" bIns="0">
+          <a:bodyPr lIns="0" tIns="0" rIns="0" bIns="0">
             <a:normAutofit/>
           </a:bodyPr>
-          <a:p>
-            <a:endParaRPr b="0" lang="en-US" sz="3200" spc="-1" strike="noStrike">
+          <a:lstStyle/>
+          <a:p>
+            <a:endParaRPr lang="en-US" sz="3200" b="0" strike="noStrike" spc="-1">
               <a:latin typeface="Arial"/>
             </a:endParaRPr>
           </a:p>
@@ -2681,20 +2922,24 @@
       </p:sp>
     </p:spTree>
   </p:cSld>
+  <p:clrMapOvr>
+    <a:masterClrMapping/>
+  </p:clrMapOvr>
 </p:sldLayout>
 </file>
 
 <file path=ppt/slideMasters/slideMaster1.xml><?xml version="1.0" encoding="utf-8"?>
-<p:sldMaster xmlns:a="http://schemas.openxmlformats.org/drawingml/2006/main" xmlns:p="http://schemas.openxmlformats.org/presentationml/2006/main" xmlns:r="http://schemas.openxmlformats.org/officeDocument/2006/relationships" xmlns:p14="http://schemas.microsoft.com/office/powerpoint/2010/main" xmlns:p15="http://schemas.microsoft.com/office/powerpoint/2012/main" xmlns:mc="http://schemas.openxmlformats.org/markup-compatibility/2006">
+<p:sldMaster xmlns:a="http://schemas.openxmlformats.org/drawingml/2006/main" xmlns:r="http://schemas.openxmlformats.org/officeDocument/2006/relationships" xmlns:p="http://schemas.openxmlformats.org/presentationml/2006/main">
   <p:cSld>
     <p:bg>
       <p:bgPr>
         <a:blipFill rotWithShape="0">
-          <a:blip r:embed="rId2"/>
+          <a:blip r:embed="rId14"/>
           <a:stretch>
             <a:fillRect/>
           </a:stretch>
         </a:blipFill>
+        <a:effectLst/>
       </p:bgPr>
     </p:bg>
     <p:spTree>
@@ -2713,7 +2958,7 @@
       </p:grpSpPr>
       <p:grpSp>
         <p:nvGrpSpPr>
-          <p:cNvPr id="0" name="Group 1"/>
+          <p:cNvPr id="16" name="Group 1"/>
           <p:cNvGrpSpPr/>
           <p:nvPr/>
         </p:nvGrpSpPr>
@@ -2727,7 +2972,7 @@
         </p:grpSpPr>
         <p:sp>
           <p:nvSpPr>
-            <p:cNvPr id="1" name="CustomShape 2"/>
+            <p:cNvPr id="17" name="CustomShape 2"/>
             <p:cNvSpPr/>
             <p:nvPr/>
           </p:nvSpPr>
@@ -2740,6 +2985,7 @@
               <a:avLst/>
               <a:gdLst/>
               <a:ahLst/>
+              <a:cxnLst/>
               <a:rect l="l" t="t" r="r" b="b"/>
               <a:pathLst>
                 <a:path w="707" h="3357">
@@ -2770,9 +3016,15 @@
             </a:ln>
           </p:spPr>
           <p:style>
-            <a:lnRef idx="0"/>
-            <a:fillRef idx="0"/>
-            <a:effectRef idx="0"/>
+            <a:lnRef idx="0">
+              <a:scrgbClr r="0" g="0" b="0"/>
+            </a:lnRef>
+            <a:fillRef idx="0">
+              <a:scrgbClr r="0" g="0" b="0"/>
+            </a:fillRef>
+            <a:effectRef idx="0">
+              <a:scrgbClr r="0" g="0" b="0"/>
+            </a:effectRef>
             <a:fontRef idx="minor"/>
           </p:style>
         </p:sp>
@@ -2791,6 +3043,7 @@
               <a:avLst/>
               <a:gdLst/>
               <a:ahLst/>
+              <a:cxnLst/>
               <a:rect l="l" t="t" r="r" b="b"/>
               <a:pathLst>
                 <a:path w="704" h="3324">
@@ -2824,9 +3077,15 @@
             </a:ln>
           </p:spPr>
           <p:style>
-            <a:lnRef idx="0"/>
-            <a:fillRef idx="0"/>
-            <a:effectRef idx="0"/>
+            <a:lnRef idx="0">
+              <a:scrgbClr r="0" g="0" b="0"/>
+            </a:lnRef>
+            <a:fillRef idx="0">
+              <a:scrgbClr r="0" g="0" b="0"/>
+            </a:fillRef>
+            <a:effectRef idx="0">
+              <a:scrgbClr r="0" g="0" b="0"/>
+            </a:effectRef>
             <a:fontRef idx="minor"/>
           </p:style>
         </p:sp>
@@ -2845,6 +3104,7 @@
               <a:avLst/>
               <a:gdLst/>
               <a:ahLst/>
+              <a:cxnLst/>
               <a:rect l="l" t="t" r="r" b="b"/>
               <a:pathLst>
                 <a:path w="774" h="1020">
@@ -2875,9 +3135,15 @@
             </a:ln>
           </p:spPr>
           <p:style>
-            <a:lnRef idx="0"/>
-            <a:fillRef idx="0"/>
-            <a:effectRef idx="0"/>
+            <a:lnRef idx="0">
+              <a:scrgbClr r="0" g="0" b="0"/>
+            </a:lnRef>
+            <a:fillRef idx="0">
+              <a:scrgbClr r="0" g="0" b="0"/>
+            </a:fillRef>
+            <a:effectRef idx="0">
+              <a:scrgbClr r="0" g="0" b="0"/>
+            </a:effectRef>
             <a:fontRef idx="minor"/>
           </p:style>
         </p:sp>
@@ -2896,6 +3162,7 @@
               <a:avLst/>
               <a:gdLst/>
               <a:ahLst/>
+              <a:cxnLst/>
               <a:rect l="l" t="t" r="r" b="b"/>
               <a:pathLst>
                 <a:path w="942" h="987">
@@ -2925,9 +3192,15 @@
             </a:ln>
           </p:spPr>
           <p:style>
-            <a:lnRef idx="0"/>
-            <a:fillRef idx="0"/>
-            <a:effectRef idx="0"/>
+            <a:lnRef idx="0">
+              <a:scrgbClr r="0" g="0" b="0"/>
+            </a:lnRef>
+            <a:fillRef idx="0">
+              <a:scrgbClr r="0" g="0" b="0"/>
+            </a:fillRef>
+            <a:effectRef idx="0">
+              <a:scrgbClr r="0" g="0" b="0"/>
+            </a:effectRef>
             <a:fontRef idx="minor"/>
           </p:style>
         </p:sp>
@@ -2946,6 +3219,7 @@
               <a:avLst/>
               <a:gdLst/>
               <a:ahLst/>
+              <a:cxnLst/>
               <a:rect l="l" t="t" r="r" b="b"/>
               <a:pathLst>
                 <a:path w="1342" h="990">
@@ -2981,9 +3255,15 @@
             </a:ln>
           </p:spPr>
           <p:style>
-            <a:lnRef idx="0"/>
-            <a:fillRef idx="0"/>
-            <a:effectRef idx="0"/>
+            <a:lnRef idx="0">
+              <a:scrgbClr r="0" g="0" b="0"/>
+            </a:lnRef>
+            <a:fillRef idx="0">
+              <a:scrgbClr r="0" g="0" b="0"/>
+            </a:fillRef>
+            <a:effectRef idx="0">
+              <a:scrgbClr r="0" g="0" b="0"/>
+            </a:effectRef>
             <a:fontRef idx="minor"/>
           </p:style>
         </p:sp>
@@ -3002,6 +3282,7 @@
               <a:avLst/>
               <a:gdLst/>
               <a:ahLst/>
+              <a:cxnLst/>
               <a:rect l="l" t="t" r="r" b="b"/>
               <a:pathLst>
                 <a:path w="1068" h="1020">
@@ -3050,9 +3331,15 @@
             </a:ln>
           </p:spPr>
           <p:style>
-            <a:lnRef idx="0"/>
-            <a:fillRef idx="0"/>
-            <a:effectRef idx="0"/>
+            <a:lnRef idx="0">
+              <a:scrgbClr r="0" g="0" b="0"/>
+            </a:lnRef>
+            <a:fillRef idx="0">
+              <a:scrgbClr r="0" g="0" b="0"/>
+            </a:fillRef>
+            <a:effectRef idx="0">
+              <a:scrgbClr r="0" g="0" b="0"/>
+            </a:effectRef>
             <a:fontRef idx="minor"/>
           </p:style>
         </p:sp>
@@ -3086,6 +3373,7 @@
               <a:avLst/>
               <a:gdLst/>
               <a:ahLst/>
+              <a:cxnLst/>
               <a:rect l="l" t="t" r="r" b="b"/>
               <a:pathLst>
                 <a:path w="670" h="1753">
@@ -3116,9 +3404,15 @@
             </a:ln>
           </p:spPr>
           <p:style>
-            <a:lnRef idx="0"/>
-            <a:fillRef idx="0"/>
-            <a:effectRef idx="0"/>
+            <a:lnRef idx="0">
+              <a:scrgbClr r="0" g="0" b="0"/>
+            </a:lnRef>
+            <a:fillRef idx="0">
+              <a:scrgbClr r="0" g="0" b="0"/>
+            </a:fillRef>
+            <a:effectRef idx="0">
+              <a:scrgbClr r="0" g="0" b="0"/>
+            </a:effectRef>
             <a:fontRef idx="minor"/>
           </p:style>
         </p:sp>
@@ -3137,6 +3431,7 @@
               <a:avLst/>
               <a:gdLst/>
               <a:ahLst/>
+              <a:cxnLst/>
               <a:rect l="l" t="t" r="r" b="b"/>
               <a:pathLst>
                 <a:path w="652" h="1684">
@@ -3173,9 +3468,15 @@
             </a:ln>
           </p:spPr>
           <p:style>
-            <a:lnRef idx="0"/>
-            <a:fillRef idx="0"/>
-            <a:effectRef idx="0"/>
+            <a:lnRef idx="0">
+              <a:scrgbClr r="0" g="0" b="0"/>
+            </a:lnRef>
+            <a:fillRef idx="0">
+              <a:scrgbClr r="0" g="0" b="0"/>
+            </a:fillRef>
+            <a:effectRef idx="0">
+              <a:scrgbClr r="0" g="0" b="0"/>
+            </a:effectRef>
             <a:fontRef idx="minor"/>
           </p:style>
         </p:sp>
@@ -3194,6 +3495,7 @@
               <a:avLst/>
               <a:gdLst/>
               <a:ahLst/>
+              <a:cxnLst/>
               <a:rect l="l" t="t" r="r" b="b"/>
               <a:pathLst>
                 <a:path w="1697" h="2693">
@@ -3224,9 +3526,15 @@
             </a:ln>
           </p:spPr>
           <p:style>
-            <a:lnRef idx="0"/>
-            <a:fillRef idx="0"/>
-            <a:effectRef idx="0"/>
+            <a:lnRef idx="0">
+              <a:scrgbClr r="0" g="0" b="0"/>
+            </a:lnRef>
+            <a:fillRef idx="0">
+              <a:scrgbClr r="0" g="0" b="0"/>
+            </a:fillRef>
+            <a:effectRef idx="0">
+              <a:scrgbClr r="0" g="0" b="0"/>
+            </a:effectRef>
             <a:fontRef idx="minor"/>
           </p:style>
         </p:sp>
@@ -3245,6 +3553,7 @@
               <a:avLst/>
               <a:gdLst/>
               <a:ahLst/>
+              <a:cxnLst/>
               <a:rect l="l" t="t" r="r" b="b"/>
               <a:pathLst>
                 <a:path w="2099" h="2624">
@@ -3274,9 +3583,15 @@
             </a:ln>
           </p:spPr>
           <p:style>
-            <a:lnRef idx="0"/>
-            <a:fillRef idx="0"/>
-            <a:effectRef idx="0"/>
+            <a:lnRef idx="0">
+              <a:scrgbClr r="0" g="0" b="0"/>
+            </a:lnRef>
+            <a:fillRef idx="0">
+              <a:scrgbClr r="0" g="0" b="0"/>
+            </a:fillRef>
+            <a:effectRef idx="0">
+              <a:scrgbClr r="0" g="0" b="0"/>
+            </a:effectRef>
             <a:fontRef idx="minor"/>
           </p:style>
         </p:sp>
@@ -3295,6 +3610,7 @@
               <a:avLst/>
               <a:gdLst/>
               <a:ahLst/>
+              <a:cxnLst/>
               <a:rect l="l" t="t" r="r" b="b"/>
               <a:pathLst>
                 <a:path w="2883" h="2627">
@@ -3330,9 +3646,15 @@
             </a:ln>
           </p:spPr>
           <p:style>
-            <a:lnRef idx="0"/>
-            <a:fillRef idx="0"/>
-            <a:effectRef idx="0"/>
+            <a:lnRef idx="0">
+              <a:scrgbClr r="0" g="0" b="0"/>
+            </a:lnRef>
+            <a:fillRef idx="0">
+              <a:scrgbClr r="0" g="0" b="0"/>
+            </a:fillRef>
+            <a:effectRef idx="0">
+              <a:scrgbClr r="0" g="0" b="0"/>
+            </a:effectRef>
             <a:fontRef idx="minor"/>
           </p:style>
         </p:sp>
@@ -3351,6 +3673,7 @@
               <a:avLst/>
               <a:gdLst/>
               <a:ahLst/>
+              <a:cxnLst/>
               <a:rect l="l" t="t" r="r" b="b"/>
               <a:pathLst>
                 <a:path w="2258" h="2696">
@@ -3393,9 +3716,15 @@
             </a:ln>
           </p:spPr>
           <p:style>
-            <a:lnRef idx="0"/>
-            <a:fillRef idx="0"/>
-            <a:effectRef idx="0"/>
+            <a:lnRef idx="0">
+              <a:scrgbClr r="0" g="0" b="0"/>
+            </a:lnRef>
+            <a:fillRef idx="0">
+              <a:scrgbClr r="0" g="0" b="0"/>
+            </a:fillRef>
+            <a:effectRef idx="0">
+              <a:scrgbClr r="0" g="0" b="0"/>
+            </a:effectRef>
             <a:fontRef idx="minor"/>
           </p:style>
         </p:sp>
@@ -3420,17 +3749,15 @@
           </a:prstGeom>
         </p:spPr>
         <p:txBody>
-          <a:bodyPr lIns="0" rIns="0" tIns="0" bIns="0" anchor="ctr"/>
-          <a:p>
-            <a:r>
-              <a:rPr b="0" lang="en-US" sz="1800" spc="-1" strike="noStrike">
+          <a:bodyPr lIns="0" tIns="0" rIns="0" bIns="0" anchor="ctr"/>
+          <a:lstStyle/>
+          <a:p>
+            <a:r>
+              <a:rPr lang="en-US" sz="1800" b="0" strike="noStrike" spc="-1">
                 <a:latin typeface="Arial"/>
               </a:rPr>
               <a:t>Click to edit the title text format</a:t>
             </a:r>
-            <a:endParaRPr b="0" lang="en-US" sz="1800" spc="-1" strike="noStrike">
-              <a:latin typeface="Arial"/>
-            </a:endParaRPr>
           </a:p>
         </p:txBody>
       </p:sp>
@@ -3454,9 +3781,10 @@
           </a:prstGeom>
         </p:spPr>
         <p:txBody>
-          <a:bodyPr lIns="0" rIns="0" tIns="0" bIns="0">
+          <a:bodyPr lIns="0" tIns="0" rIns="0" bIns="0">
             <a:normAutofit/>
           </a:bodyPr>
+          <a:lstStyle/>
           <a:p>
             <a:pPr marL="432000" indent="-324000">
               <a:spcBef>
@@ -3470,17 +3798,14 @@
               <a:buChar char=""/>
             </a:pPr>
             <a:r>
-              <a:rPr b="0" lang="en-US" sz="3200" spc="-1" strike="noStrike">
+              <a:rPr lang="en-US" sz="3200" b="0" strike="noStrike" spc="-1">
                 <a:latin typeface="Arial"/>
               </a:rPr>
               <a:t>Click to edit the outline text format</a:t>
             </a:r>
-            <a:endParaRPr b="0" lang="en-US" sz="3200" spc="-1" strike="noStrike">
-              <a:latin typeface="Arial"/>
-            </a:endParaRPr>
-          </a:p>
-          <a:p>
-            <a:pPr lvl="1" marL="864000" indent="-324000">
+          </a:p>
+          <a:p>
+            <a:pPr marL="864000" lvl="1" indent="-324000">
               <a:spcBef>
                 <a:spcPts val="1134"/>
               </a:spcBef>
@@ -3492,17 +3817,14 @@
               <a:buChar char=""/>
             </a:pPr>
             <a:r>
-              <a:rPr b="0" lang="en-US" sz="2800" spc="-1" strike="noStrike">
+              <a:rPr lang="en-US" sz="2800" b="0" strike="noStrike" spc="-1">
                 <a:latin typeface="Arial"/>
               </a:rPr>
               <a:t>Second Outline Level</a:t>
             </a:r>
-            <a:endParaRPr b="0" lang="en-US" sz="2800" spc="-1" strike="noStrike">
-              <a:latin typeface="Arial"/>
-            </a:endParaRPr>
-          </a:p>
-          <a:p>
-            <a:pPr lvl="2" marL="1296000" indent="-288000">
+          </a:p>
+          <a:p>
+            <a:pPr marL="1296000" lvl="2" indent="-288000">
               <a:spcBef>
                 <a:spcPts val="850"/>
               </a:spcBef>
@@ -3514,17 +3836,14 @@
               <a:buChar char=""/>
             </a:pPr>
             <a:r>
-              <a:rPr b="0" lang="en-US" sz="2400" spc="-1" strike="noStrike">
+              <a:rPr lang="en-US" sz="2400" b="0" strike="noStrike" spc="-1">
                 <a:latin typeface="Arial"/>
               </a:rPr>
               <a:t>Third Outline Level</a:t>
             </a:r>
-            <a:endParaRPr b="0" lang="en-US" sz="2400" spc="-1" strike="noStrike">
-              <a:latin typeface="Arial"/>
-            </a:endParaRPr>
-          </a:p>
-          <a:p>
-            <a:pPr lvl="3" marL="1728000" indent="-216000">
+          </a:p>
+          <a:p>
+            <a:pPr marL="1728000" lvl="3" indent="-216000">
               <a:spcBef>
                 <a:spcPts val="567"/>
               </a:spcBef>
@@ -3536,17 +3855,14 @@
               <a:buChar char=""/>
             </a:pPr>
             <a:r>
-              <a:rPr b="0" lang="en-US" sz="2000" spc="-1" strike="noStrike">
+              <a:rPr lang="en-US" sz="2000" b="0" strike="noStrike" spc="-1">
                 <a:latin typeface="Arial"/>
               </a:rPr>
               <a:t>Fourth Outline Level</a:t>
             </a:r>
-            <a:endParaRPr b="0" lang="en-US" sz="2000" spc="-1" strike="noStrike">
-              <a:latin typeface="Arial"/>
-            </a:endParaRPr>
-          </a:p>
-          <a:p>
-            <a:pPr lvl="4" marL="2160000" indent="-216000">
+          </a:p>
+          <a:p>
+            <a:pPr marL="2160000" lvl="4" indent="-216000">
               <a:spcBef>
                 <a:spcPts val="283"/>
               </a:spcBef>
@@ -3558,17 +3874,14 @@
               <a:buChar char=""/>
             </a:pPr>
             <a:r>
-              <a:rPr b="0" lang="en-US" sz="2000" spc="-1" strike="noStrike">
+              <a:rPr lang="en-US" sz="2000" b="0" strike="noStrike" spc="-1">
                 <a:latin typeface="Arial"/>
               </a:rPr>
               <a:t>Fifth Outline Level</a:t>
             </a:r>
-            <a:endParaRPr b="0" lang="en-US" sz="2000" spc="-1" strike="noStrike">
-              <a:latin typeface="Arial"/>
-            </a:endParaRPr>
-          </a:p>
-          <a:p>
-            <a:pPr lvl="5" marL="2592000" indent="-216000">
+          </a:p>
+          <a:p>
+            <a:pPr marL="2592000" lvl="5" indent="-216000">
               <a:spcBef>
                 <a:spcPts val="283"/>
               </a:spcBef>
@@ -3580,17 +3893,14 @@
               <a:buChar char=""/>
             </a:pPr>
             <a:r>
-              <a:rPr b="0" lang="en-US" sz="2000" spc="-1" strike="noStrike">
+              <a:rPr lang="en-US" sz="2000" b="0" strike="noStrike" spc="-1">
                 <a:latin typeface="Arial"/>
               </a:rPr>
               <a:t>Sixth Outline Level</a:t>
             </a:r>
-            <a:endParaRPr b="0" lang="en-US" sz="2000" spc="-1" strike="noStrike">
-              <a:latin typeface="Arial"/>
-            </a:endParaRPr>
-          </a:p>
-          <a:p>
-            <a:pPr lvl="6" marL="3024000" indent="-216000">
+          </a:p>
+          <a:p>
+            <a:pPr marL="3024000" lvl="6" indent="-216000">
               <a:spcBef>
                 <a:spcPts val="283"/>
               </a:spcBef>
@@ -3602,48 +3912,326 @@
               <a:buChar char=""/>
             </a:pPr>
             <a:r>
-              <a:rPr b="0" lang="en-US" sz="2000" spc="-1" strike="noStrike">
+              <a:rPr lang="en-US" sz="2000" b="0" strike="noStrike" spc="-1">
                 <a:latin typeface="Arial"/>
               </a:rPr>
               <a:t>Seventh Outline Level</a:t>
             </a:r>
-            <a:endParaRPr b="0" lang="en-US" sz="2000" spc="-1" strike="noStrike">
-              <a:latin typeface="Arial"/>
-            </a:endParaRPr>
           </a:p>
         </p:txBody>
       </p:sp>
     </p:spTree>
   </p:cSld>
-  <p:clrMap bg1="lt1" bg2="lt2" tx1="dk1" tx2="dk2" accent1="accent1" accent2="accent2" accent3="accent3" accent4="accent4" accent5="accent5" accent6="accent6" hlink="hlink" folHlink="folHlink"/>
+  <p:clrMap bg1="lt1" tx1="dk1" bg2="lt2" tx2="dk2" accent1="accent1" accent2="accent2" accent3="accent3" accent4="accent4" accent5="accent5" accent6="accent6" hlink="hlink" folHlink="folHlink"/>
   <p:sldLayoutIdLst>
-    <p:sldLayoutId id="2147483649" r:id="rId3"/>
-    <p:sldLayoutId id="2147483650" r:id="rId4"/>
-    <p:sldLayoutId id="2147483651" r:id="rId5"/>
-    <p:sldLayoutId id="2147483652" r:id="rId6"/>
-    <p:sldLayoutId id="2147483653" r:id="rId7"/>
-    <p:sldLayoutId id="2147483654" r:id="rId8"/>
-    <p:sldLayoutId id="2147483655" r:id="rId9"/>
-    <p:sldLayoutId id="2147483656" r:id="rId10"/>
-    <p:sldLayoutId id="2147483657" r:id="rId11"/>
-    <p:sldLayoutId id="2147483658" r:id="rId12"/>
-    <p:sldLayoutId id="2147483659" r:id="rId13"/>
-    <p:sldLayoutId id="2147483660" r:id="rId14"/>
+    <p:sldLayoutId id="2147483649" r:id="rId1"/>
+    <p:sldLayoutId id="2147483650" r:id="rId2"/>
+    <p:sldLayoutId id="2147483651" r:id="rId3"/>
+    <p:sldLayoutId id="2147483652" r:id="rId4"/>
+    <p:sldLayoutId id="2147483653" r:id="rId5"/>
+    <p:sldLayoutId id="2147483654" r:id="rId6"/>
+    <p:sldLayoutId id="2147483655" r:id="rId7"/>
+    <p:sldLayoutId id="2147483656" r:id="rId8"/>
+    <p:sldLayoutId id="2147483657" r:id="rId9"/>
+    <p:sldLayoutId id="2147483658" r:id="rId10"/>
+    <p:sldLayoutId id="2147483659" r:id="rId11"/>
+    <p:sldLayoutId id="2147483660" r:id="rId12"/>
   </p:sldLayoutIdLst>
+  <p:txStyles>
+    <p:titleStyle>
+      <a:lvl1pPr algn="l" defTabSz="914400" rtl="0" eaLnBrk="1" latinLnBrk="0" hangingPunct="1">
+        <a:lnSpc>
+          <a:spcPct val="90000"/>
+        </a:lnSpc>
+        <a:spcBef>
+          <a:spcPct val="0"/>
+        </a:spcBef>
+        <a:buNone/>
+        <a:defRPr sz="4400" kern="1200">
+          <a:solidFill>
+            <a:schemeClr val="tx1"/>
+          </a:solidFill>
+          <a:latin typeface="+mj-lt"/>
+          <a:ea typeface="+mj-ea"/>
+          <a:cs typeface="+mj-cs"/>
+        </a:defRPr>
+      </a:lvl1pPr>
+    </p:titleStyle>
+    <p:bodyStyle>
+      <a:lvl1pPr marL="228600" indent="-228600" algn="l" defTabSz="914400" rtl="0" eaLnBrk="1" latinLnBrk="0" hangingPunct="1">
+        <a:lnSpc>
+          <a:spcPct val="90000"/>
+        </a:lnSpc>
+        <a:spcBef>
+          <a:spcPts val="1000"/>
+        </a:spcBef>
+        <a:buFont typeface="Arial" panose="020B0604020202020204" pitchFamily="34" charset="0"/>
+        <a:buChar char="•"/>
+        <a:defRPr sz="2800" kern="1200">
+          <a:solidFill>
+            <a:schemeClr val="tx1"/>
+          </a:solidFill>
+          <a:latin typeface="+mn-lt"/>
+          <a:ea typeface="+mn-ea"/>
+          <a:cs typeface="+mn-cs"/>
+        </a:defRPr>
+      </a:lvl1pPr>
+      <a:lvl2pPr marL="685800" indent="-228600" algn="l" defTabSz="914400" rtl="0" eaLnBrk="1" latinLnBrk="0" hangingPunct="1">
+        <a:lnSpc>
+          <a:spcPct val="90000"/>
+        </a:lnSpc>
+        <a:spcBef>
+          <a:spcPts val="500"/>
+        </a:spcBef>
+        <a:buFont typeface="Arial" panose="020B0604020202020204" pitchFamily="34" charset="0"/>
+        <a:buChar char="•"/>
+        <a:defRPr sz="2400" kern="1200">
+          <a:solidFill>
+            <a:schemeClr val="tx1"/>
+          </a:solidFill>
+          <a:latin typeface="+mn-lt"/>
+          <a:ea typeface="+mn-ea"/>
+          <a:cs typeface="+mn-cs"/>
+        </a:defRPr>
+      </a:lvl2pPr>
+      <a:lvl3pPr marL="1143000" indent="-228600" algn="l" defTabSz="914400" rtl="0" eaLnBrk="1" latinLnBrk="0" hangingPunct="1">
+        <a:lnSpc>
+          <a:spcPct val="90000"/>
+        </a:lnSpc>
+        <a:spcBef>
+          <a:spcPts val="500"/>
+        </a:spcBef>
+        <a:buFont typeface="Arial" panose="020B0604020202020204" pitchFamily="34" charset="0"/>
+        <a:buChar char="•"/>
+        <a:defRPr sz="2000" kern="1200">
+          <a:solidFill>
+            <a:schemeClr val="tx1"/>
+          </a:solidFill>
+          <a:latin typeface="+mn-lt"/>
+          <a:ea typeface="+mn-ea"/>
+          <a:cs typeface="+mn-cs"/>
+        </a:defRPr>
+      </a:lvl3pPr>
+      <a:lvl4pPr marL="1600200" indent="-228600" algn="l" defTabSz="914400" rtl="0" eaLnBrk="1" latinLnBrk="0" hangingPunct="1">
+        <a:lnSpc>
+          <a:spcPct val="90000"/>
+        </a:lnSpc>
+        <a:spcBef>
+          <a:spcPts val="500"/>
+        </a:spcBef>
+        <a:buFont typeface="Arial" panose="020B0604020202020204" pitchFamily="34" charset="0"/>
+        <a:buChar char="•"/>
+        <a:defRPr sz="1800" kern="1200">
+          <a:solidFill>
+            <a:schemeClr val="tx1"/>
+          </a:solidFill>
+          <a:latin typeface="+mn-lt"/>
+          <a:ea typeface="+mn-ea"/>
+          <a:cs typeface="+mn-cs"/>
+        </a:defRPr>
+      </a:lvl4pPr>
+      <a:lvl5pPr marL="2057400" indent="-228600" algn="l" defTabSz="914400" rtl="0" eaLnBrk="1" latinLnBrk="0" hangingPunct="1">
+        <a:lnSpc>
+          <a:spcPct val="90000"/>
+        </a:lnSpc>
+        <a:spcBef>
+          <a:spcPts val="500"/>
+        </a:spcBef>
+        <a:buFont typeface="Arial" panose="020B0604020202020204" pitchFamily="34" charset="0"/>
+        <a:buChar char="•"/>
+        <a:defRPr sz="1800" kern="1200">
+          <a:solidFill>
+            <a:schemeClr val="tx1"/>
+          </a:solidFill>
+          <a:latin typeface="+mn-lt"/>
+          <a:ea typeface="+mn-ea"/>
+          <a:cs typeface="+mn-cs"/>
+        </a:defRPr>
+      </a:lvl5pPr>
+      <a:lvl6pPr marL="2514600" indent="-228600" algn="l" defTabSz="914400" rtl="0" eaLnBrk="1" latinLnBrk="0" hangingPunct="1">
+        <a:lnSpc>
+          <a:spcPct val="90000"/>
+        </a:lnSpc>
+        <a:spcBef>
+          <a:spcPts val="500"/>
+        </a:spcBef>
+        <a:buFont typeface="Arial" panose="020B0604020202020204" pitchFamily="34" charset="0"/>
+        <a:buChar char="•"/>
+        <a:defRPr sz="1800" kern="1200">
+          <a:solidFill>
+            <a:schemeClr val="tx1"/>
+          </a:solidFill>
+          <a:latin typeface="+mn-lt"/>
+          <a:ea typeface="+mn-ea"/>
+          <a:cs typeface="+mn-cs"/>
+        </a:defRPr>
+      </a:lvl6pPr>
+      <a:lvl7pPr marL="2971800" indent="-228600" algn="l" defTabSz="914400" rtl="0" eaLnBrk="1" latinLnBrk="0" hangingPunct="1">
+        <a:lnSpc>
+          <a:spcPct val="90000"/>
+        </a:lnSpc>
+        <a:spcBef>
+          <a:spcPts val="500"/>
+        </a:spcBef>
+        <a:buFont typeface="Arial" panose="020B0604020202020204" pitchFamily="34" charset="0"/>
+        <a:buChar char="•"/>
+        <a:defRPr sz="1800" kern="1200">
+          <a:solidFill>
+            <a:schemeClr val="tx1"/>
+          </a:solidFill>
+          <a:latin typeface="+mn-lt"/>
+          <a:ea typeface="+mn-ea"/>
+          <a:cs typeface="+mn-cs"/>
+        </a:defRPr>
+      </a:lvl7pPr>
+      <a:lvl8pPr marL="3429000" indent="-228600" algn="l" defTabSz="914400" rtl="0" eaLnBrk="1" latinLnBrk="0" hangingPunct="1">
+        <a:lnSpc>
+          <a:spcPct val="90000"/>
+        </a:lnSpc>
+        <a:spcBef>
+          <a:spcPts val="500"/>
+        </a:spcBef>
+        <a:buFont typeface="Arial" panose="020B0604020202020204" pitchFamily="34" charset="0"/>
+        <a:buChar char="•"/>
+        <a:defRPr sz="1800" kern="1200">
+          <a:solidFill>
+            <a:schemeClr val="tx1"/>
+          </a:solidFill>
+          <a:latin typeface="+mn-lt"/>
+          <a:ea typeface="+mn-ea"/>
+          <a:cs typeface="+mn-cs"/>
+        </a:defRPr>
+      </a:lvl8pPr>
+      <a:lvl9pPr marL="3886200" indent="-228600" algn="l" defTabSz="914400" rtl="0" eaLnBrk="1" latinLnBrk="0" hangingPunct="1">
+        <a:lnSpc>
+          <a:spcPct val="90000"/>
+        </a:lnSpc>
+        <a:spcBef>
+          <a:spcPts val="500"/>
+        </a:spcBef>
+        <a:buFont typeface="Arial" panose="020B0604020202020204" pitchFamily="34" charset="0"/>
+        <a:buChar char="•"/>
+        <a:defRPr sz="1800" kern="1200">
+          <a:solidFill>
+            <a:schemeClr val="tx1"/>
+          </a:solidFill>
+          <a:latin typeface="+mn-lt"/>
+          <a:ea typeface="+mn-ea"/>
+          <a:cs typeface="+mn-cs"/>
+        </a:defRPr>
+      </a:lvl9pPr>
+    </p:bodyStyle>
+    <p:otherStyle>
+      <a:defPPr>
+        <a:defRPr lang="en-US"/>
+      </a:defPPr>
+      <a:lvl1pPr marL="0" algn="l" defTabSz="914400" rtl="0" eaLnBrk="1" latinLnBrk="0" hangingPunct="1">
+        <a:defRPr sz="1800" kern="1200">
+          <a:solidFill>
+            <a:schemeClr val="tx1"/>
+          </a:solidFill>
+          <a:latin typeface="+mn-lt"/>
+          <a:ea typeface="+mn-ea"/>
+          <a:cs typeface="+mn-cs"/>
+        </a:defRPr>
+      </a:lvl1pPr>
+      <a:lvl2pPr marL="457200" algn="l" defTabSz="914400" rtl="0" eaLnBrk="1" latinLnBrk="0" hangingPunct="1">
+        <a:defRPr sz="1800" kern="1200">
+          <a:solidFill>
+            <a:schemeClr val="tx1"/>
+          </a:solidFill>
+          <a:latin typeface="+mn-lt"/>
+          <a:ea typeface="+mn-ea"/>
+          <a:cs typeface="+mn-cs"/>
+        </a:defRPr>
+      </a:lvl2pPr>
+      <a:lvl3pPr marL="914400" algn="l" defTabSz="914400" rtl="0" eaLnBrk="1" latinLnBrk="0" hangingPunct="1">
+        <a:defRPr sz="1800" kern="1200">
+          <a:solidFill>
+            <a:schemeClr val="tx1"/>
+          </a:solidFill>
+          <a:latin typeface="+mn-lt"/>
+          <a:ea typeface="+mn-ea"/>
+          <a:cs typeface="+mn-cs"/>
+        </a:defRPr>
+      </a:lvl3pPr>
+      <a:lvl4pPr marL="1371600" algn="l" defTabSz="914400" rtl="0" eaLnBrk="1" latinLnBrk="0" hangingPunct="1">
+        <a:defRPr sz="1800" kern="1200">
+          <a:solidFill>
+            <a:schemeClr val="tx1"/>
+          </a:solidFill>
+          <a:latin typeface="+mn-lt"/>
+          <a:ea typeface="+mn-ea"/>
+          <a:cs typeface="+mn-cs"/>
+        </a:defRPr>
+      </a:lvl4pPr>
+      <a:lvl5pPr marL="1828800" algn="l" defTabSz="914400" rtl="0" eaLnBrk="1" latinLnBrk="0" hangingPunct="1">
+        <a:defRPr sz="1800" kern="1200">
+          <a:solidFill>
+            <a:schemeClr val="tx1"/>
+          </a:solidFill>
+          <a:latin typeface="+mn-lt"/>
+          <a:ea typeface="+mn-ea"/>
+          <a:cs typeface="+mn-cs"/>
+        </a:defRPr>
+      </a:lvl5pPr>
+      <a:lvl6pPr marL="2286000" algn="l" defTabSz="914400" rtl="0" eaLnBrk="1" latinLnBrk="0" hangingPunct="1">
+        <a:defRPr sz="1800" kern="1200">
+          <a:solidFill>
+            <a:schemeClr val="tx1"/>
+          </a:solidFill>
+          <a:latin typeface="+mn-lt"/>
+          <a:ea typeface="+mn-ea"/>
+          <a:cs typeface="+mn-cs"/>
+        </a:defRPr>
+      </a:lvl6pPr>
+      <a:lvl7pPr marL="2743200" algn="l" defTabSz="914400" rtl="0" eaLnBrk="1" latinLnBrk="0" hangingPunct="1">
+        <a:defRPr sz="1800" kern="1200">
+          <a:solidFill>
+            <a:schemeClr val="tx1"/>
+          </a:solidFill>
+          <a:latin typeface="+mn-lt"/>
+          <a:ea typeface="+mn-ea"/>
+          <a:cs typeface="+mn-cs"/>
+        </a:defRPr>
+      </a:lvl7pPr>
+      <a:lvl8pPr marL="3200400" algn="l" defTabSz="914400" rtl="0" eaLnBrk="1" latinLnBrk="0" hangingPunct="1">
+        <a:defRPr sz="1800" kern="1200">
+          <a:solidFill>
+            <a:schemeClr val="tx1"/>
+          </a:solidFill>
+          <a:latin typeface="+mn-lt"/>
+          <a:ea typeface="+mn-ea"/>
+          <a:cs typeface="+mn-cs"/>
+        </a:defRPr>
+      </a:lvl8pPr>
+      <a:lvl9pPr marL="3657600" algn="l" defTabSz="914400" rtl="0" eaLnBrk="1" latinLnBrk="0" hangingPunct="1">
+        <a:defRPr sz="1800" kern="1200">
+          <a:solidFill>
+            <a:schemeClr val="tx1"/>
+          </a:solidFill>
+          <a:latin typeface="+mn-lt"/>
+          <a:ea typeface="+mn-ea"/>
+          <a:cs typeface="+mn-cs"/>
+        </a:defRPr>
+      </a:lvl9pPr>
+    </p:otherStyle>
+  </p:txStyles>
 </p:sldMaster>
 </file>
 
 <file path=ppt/slideMasters/slideMaster2.xml><?xml version="1.0" encoding="utf-8"?>
-<p:sldMaster xmlns:a="http://schemas.openxmlformats.org/drawingml/2006/main" xmlns:p="http://schemas.openxmlformats.org/presentationml/2006/main" xmlns:r="http://schemas.openxmlformats.org/officeDocument/2006/relationships" xmlns:p14="http://schemas.microsoft.com/office/powerpoint/2010/main" xmlns:p15="http://schemas.microsoft.com/office/powerpoint/2012/main" xmlns:mc="http://schemas.openxmlformats.org/markup-compatibility/2006">
+<p:sldMaster xmlns:a="http://schemas.openxmlformats.org/drawingml/2006/main" xmlns:r="http://schemas.openxmlformats.org/officeDocument/2006/relationships" xmlns:p="http://schemas.openxmlformats.org/presentationml/2006/main">
   <p:cSld>
     <p:bg>
       <p:bgPr>
         <a:blipFill rotWithShape="0">
-          <a:blip r:embed="rId2"/>
+          <a:blip r:embed="rId14"/>
           <a:stretch>
             <a:fillRect/>
           </a:stretch>
         </a:blipFill>
+        <a:effectLst/>
       </p:bgPr>
     </p:bg>
     <p:spTree>
@@ -3689,6 +4277,7 @@
               <a:avLst/>
               <a:gdLst/>
               <a:ahLst/>
+              <a:cxnLst/>
               <a:rect l="l" t="t" r="r" b="b"/>
               <a:pathLst>
                 <a:path w="707" h="3357">
@@ -3719,9 +4308,15 @@
             </a:ln>
           </p:spPr>
           <p:style>
-            <a:lnRef idx="0"/>
-            <a:fillRef idx="0"/>
-            <a:effectRef idx="0"/>
+            <a:lnRef idx="0">
+              <a:scrgbClr r="0" g="0" b="0"/>
+            </a:lnRef>
+            <a:fillRef idx="0">
+              <a:scrgbClr r="0" g="0" b="0"/>
+            </a:fillRef>
+            <a:effectRef idx="0">
+              <a:scrgbClr r="0" g="0" b="0"/>
+            </a:effectRef>
             <a:fontRef idx="minor"/>
           </p:style>
         </p:sp>
@@ -3740,6 +4335,7 @@
               <a:avLst/>
               <a:gdLst/>
               <a:ahLst/>
+              <a:cxnLst/>
               <a:rect l="l" t="t" r="r" b="b"/>
               <a:pathLst>
                 <a:path w="704" h="3324">
@@ -3773,9 +4369,15 @@
             </a:ln>
           </p:spPr>
           <p:style>
-            <a:lnRef idx="0"/>
-            <a:fillRef idx="0"/>
-            <a:effectRef idx="0"/>
+            <a:lnRef idx="0">
+              <a:scrgbClr r="0" g="0" b="0"/>
+            </a:lnRef>
+            <a:fillRef idx="0">
+              <a:scrgbClr r="0" g="0" b="0"/>
+            </a:fillRef>
+            <a:effectRef idx="0">
+              <a:scrgbClr r="0" g="0" b="0"/>
+            </a:effectRef>
             <a:fontRef idx="minor"/>
           </p:style>
         </p:sp>
@@ -3794,6 +4396,7 @@
               <a:avLst/>
               <a:gdLst/>
               <a:ahLst/>
+              <a:cxnLst/>
               <a:rect l="l" t="t" r="r" b="b"/>
               <a:pathLst>
                 <a:path w="774" h="1020">
@@ -3824,9 +4427,15 @@
             </a:ln>
           </p:spPr>
           <p:style>
-            <a:lnRef idx="0"/>
-            <a:fillRef idx="0"/>
-            <a:effectRef idx="0"/>
+            <a:lnRef idx="0">
+              <a:scrgbClr r="0" g="0" b="0"/>
+            </a:lnRef>
+            <a:fillRef idx="0">
+              <a:scrgbClr r="0" g="0" b="0"/>
+            </a:fillRef>
+            <a:effectRef idx="0">
+              <a:scrgbClr r="0" g="0" b="0"/>
+            </a:effectRef>
             <a:fontRef idx="minor"/>
           </p:style>
         </p:sp>
@@ -3845,6 +4454,7 @@
               <a:avLst/>
               <a:gdLst/>
               <a:ahLst/>
+              <a:cxnLst/>
               <a:rect l="l" t="t" r="r" b="b"/>
               <a:pathLst>
                 <a:path w="942" h="987">
@@ -3874,9 +4484,15 @@
             </a:ln>
           </p:spPr>
           <p:style>
-            <a:lnRef idx="0"/>
-            <a:fillRef idx="0"/>
-            <a:effectRef idx="0"/>
+            <a:lnRef idx="0">
+              <a:scrgbClr r="0" g="0" b="0"/>
+            </a:lnRef>
+            <a:fillRef idx="0">
+              <a:scrgbClr r="0" g="0" b="0"/>
+            </a:fillRef>
+            <a:effectRef idx="0">
+              <a:scrgbClr r="0" g="0" b="0"/>
+            </a:effectRef>
             <a:fontRef idx="minor"/>
           </p:style>
         </p:sp>
@@ -3895,6 +4511,7 @@
               <a:avLst/>
               <a:gdLst/>
               <a:ahLst/>
+              <a:cxnLst/>
               <a:rect l="l" t="t" r="r" b="b"/>
               <a:pathLst>
                 <a:path w="1342" h="990">
@@ -3930,9 +4547,15 @@
             </a:ln>
           </p:spPr>
           <p:style>
-            <a:lnRef idx="0"/>
-            <a:fillRef idx="0"/>
-            <a:effectRef idx="0"/>
+            <a:lnRef idx="0">
+              <a:scrgbClr r="0" g="0" b="0"/>
+            </a:lnRef>
+            <a:fillRef idx="0">
+              <a:scrgbClr r="0" g="0" b="0"/>
+            </a:fillRef>
+            <a:effectRef idx="0">
+              <a:scrgbClr r="0" g="0" b="0"/>
+            </a:effectRef>
             <a:fontRef idx="minor"/>
           </p:style>
         </p:sp>
@@ -3951,6 +4574,7 @@
               <a:avLst/>
               <a:gdLst/>
               <a:ahLst/>
+              <a:cxnLst/>
               <a:rect l="l" t="t" r="r" b="b"/>
               <a:pathLst>
                 <a:path w="1068" h="1020">
@@ -3999,9 +4623,15 @@
             </a:ln>
           </p:spPr>
           <p:style>
-            <a:lnRef idx="0"/>
-            <a:fillRef idx="0"/>
-            <a:effectRef idx="0"/>
+            <a:lnRef idx="0">
+              <a:scrgbClr r="0" g="0" b="0"/>
+            </a:lnRef>
+            <a:fillRef idx="0">
+              <a:scrgbClr r="0" g="0" b="0"/>
+            </a:fillRef>
+            <a:effectRef idx="0">
+              <a:scrgbClr r="0" g="0" b="0"/>
+            </a:effectRef>
             <a:fontRef idx="minor"/>
           </p:style>
         </p:sp>
@@ -4026,18 +4656,16 @@
           </a:prstGeom>
         </p:spPr>
         <p:txBody>
-          <a:bodyPr lIns="0" rIns="0" tIns="0" bIns="0" anchor="ctr"/>
+          <a:bodyPr lIns="0" tIns="0" rIns="0" bIns="0" anchor="ctr"/>
+          <a:lstStyle/>
           <a:p>
             <a:pPr algn="ctr"/>
             <a:r>
-              <a:rPr b="0" lang="en-US" sz="4400" spc="-1" strike="noStrike">
+              <a:rPr lang="en-US" sz="4400" b="0" strike="noStrike" spc="-1">
                 <a:latin typeface="Arial"/>
               </a:rPr>
               <a:t>Click to edit the title text format</a:t>
             </a:r>
-            <a:endParaRPr b="0" lang="en-US" sz="4400" spc="-1" strike="noStrike">
-              <a:latin typeface="Arial"/>
-            </a:endParaRPr>
           </a:p>
         </p:txBody>
       </p:sp>
@@ -4061,9 +4689,10 @@
           </a:prstGeom>
         </p:spPr>
         <p:txBody>
-          <a:bodyPr lIns="0" rIns="0" tIns="0" bIns="0">
+          <a:bodyPr lIns="0" tIns="0" rIns="0" bIns="0">
             <a:normAutofit/>
           </a:bodyPr>
+          <a:lstStyle/>
           <a:p>
             <a:pPr marL="432000" indent="-324000">
               <a:spcBef>
@@ -4077,17 +4706,14 @@
               <a:buChar char=""/>
             </a:pPr>
             <a:r>
-              <a:rPr b="0" lang="en-US" sz="3200" spc="-1" strike="noStrike">
+              <a:rPr lang="en-US" sz="3200" b="0" strike="noStrike" spc="-1">
                 <a:latin typeface="Arial"/>
               </a:rPr>
               <a:t>Click to edit the outline text format</a:t>
             </a:r>
-            <a:endParaRPr b="0" lang="en-US" sz="3200" spc="-1" strike="noStrike">
-              <a:latin typeface="Arial"/>
-            </a:endParaRPr>
-          </a:p>
-          <a:p>
-            <a:pPr lvl="1" marL="864000" indent="-324000">
+          </a:p>
+          <a:p>
+            <a:pPr marL="864000" lvl="1" indent="-324000">
               <a:spcBef>
                 <a:spcPts val="1134"/>
               </a:spcBef>
@@ -4099,17 +4725,14 @@
               <a:buChar char=""/>
             </a:pPr>
             <a:r>
-              <a:rPr b="0" lang="en-US" sz="2800" spc="-1" strike="noStrike">
+              <a:rPr lang="en-US" sz="2800" b="0" strike="noStrike" spc="-1">
                 <a:latin typeface="Arial"/>
               </a:rPr>
               <a:t>Second Outline Level</a:t>
             </a:r>
-            <a:endParaRPr b="0" lang="en-US" sz="2800" spc="-1" strike="noStrike">
-              <a:latin typeface="Arial"/>
-            </a:endParaRPr>
-          </a:p>
-          <a:p>
-            <a:pPr lvl="2" marL="1296000" indent="-288000">
+          </a:p>
+          <a:p>
+            <a:pPr marL="1296000" lvl="2" indent="-288000">
               <a:spcBef>
                 <a:spcPts val="850"/>
               </a:spcBef>
@@ -4121,17 +4744,14 @@
               <a:buChar char=""/>
             </a:pPr>
             <a:r>
-              <a:rPr b="0" lang="en-US" sz="2400" spc="-1" strike="noStrike">
+              <a:rPr lang="en-US" sz="2400" b="0" strike="noStrike" spc="-1">
                 <a:latin typeface="Arial"/>
               </a:rPr>
               <a:t>Third Outline Level</a:t>
             </a:r>
-            <a:endParaRPr b="0" lang="en-US" sz="2400" spc="-1" strike="noStrike">
-              <a:latin typeface="Arial"/>
-            </a:endParaRPr>
-          </a:p>
-          <a:p>
-            <a:pPr lvl="3" marL="1728000" indent="-216000">
+          </a:p>
+          <a:p>
+            <a:pPr marL="1728000" lvl="3" indent="-216000">
               <a:spcBef>
                 <a:spcPts val="567"/>
               </a:spcBef>
@@ -4143,17 +4763,14 @@
               <a:buChar char=""/>
             </a:pPr>
             <a:r>
-              <a:rPr b="0" lang="en-US" sz="2000" spc="-1" strike="noStrike">
+              <a:rPr lang="en-US" sz="2000" b="0" strike="noStrike" spc="-1">
                 <a:latin typeface="Arial"/>
               </a:rPr>
               <a:t>Fourth Outline Level</a:t>
             </a:r>
-            <a:endParaRPr b="0" lang="en-US" sz="2000" spc="-1" strike="noStrike">
-              <a:latin typeface="Arial"/>
-            </a:endParaRPr>
-          </a:p>
-          <a:p>
-            <a:pPr lvl="4" marL="2160000" indent="-216000">
+          </a:p>
+          <a:p>
+            <a:pPr marL="2160000" lvl="4" indent="-216000">
               <a:spcBef>
                 <a:spcPts val="283"/>
               </a:spcBef>
@@ -4165,17 +4782,14 @@
               <a:buChar char=""/>
             </a:pPr>
             <a:r>
-              <a:rPr b="0" lang="en-US" sz="2000" spc="-1" strike="noStrike">
+              <a:rPr lang="en-US" sz="2000" b="0" strike="noStrike" spc="-1">
                 <a:latin typeface="Arial"/>
               </a:rPr>
               <a:t>Fifth Outline Level</a:t>
             </a:r>
-            <a:endParaRPr b="0" lang="en-US" sz="2000" spc="-1" strike="noStrike">
-              <a:latin typeface="Arial"/>
-            </a:endParaRPr>
-          </a:p>
-          <a:p>
-            <a:pPr lvl="5" marL="2592000" indent="-216000">
+          </a:p>
+          <a:p>
+            <a:pPr marL="2592000" lvl="5" indent="-216000">
               <a:spcBef>
                 <a:spcPts val="283"/>
               </a:spcBef>
@@ -4187,17 +4801,14 @@
               <a:buChar char=""/>
             </a:pPr>
             <a:r>
-              <a:rPr b="0" lang="en-US" sz="2000" spc="-1" strike="noStrike">
+              <a:rPr lang="en-US" sz="2000" b="0" strike="noStrike" spc="-1">
                 <a:latin typeface="Arial"/>
               </a:rPr>
               <a:t>Sixth Outline Level</a:t>
             </a:r>
-            <a:endParaRPr b="0" lang="en-US" sz="2000" spc="-1" strike="noStrike">
-              <a:latin typeface="Arial"/>
-            </a:endParaRPr>
-          </a:p>
-          <a:p>
-            <a:pPr lvl="6" marL="3024000" indent="-216000">
+          </a:p>
+          <a:p>
+            <a:pPr marL="3024000" lvl="6" indent="-216000">
               <a:spcBef>
                 <a:spcPts val="283"/>
               </a:spcBef>
@@ -4209,39 +4820,316 @@
               <a:buChar char=""/>
             </a:pPr>
             <a:r>
-              <a:rPr b="0" lang="en-US" sz="2000" spc="-1" strike="noStrike">
+              <a:rPr lang="en-US" sz="2000" b="0" strike="noStrike" spc="-1">
                 <a:latin typeface="Arial"/>
               </a:rPr>
               <a:t>Seventh Outline Level</a:t>
             </a:r>
-            <a:endParaRPr b="0" lang="en-US" sz="2000" spc="-1" strike="noStrike">
-              <a:latin typeface="Arial"/>
-            </a:endParaRPr>
           </a:p>
         </p:txBody>
       </p:sp>
     </p:spTree>
   </p:cSld>
-  <p:clrMap bg1="lt1" bg2="lt2" tx1="dk1" tx2="dk2" accent1="accent1" accent2="accent2" accent3="accent3" accent4="accent4" accent5="accent5" accent6="accent6" hlink="hlink" folHlink="folHlink"/>
+  <p:clrMap bg1="lt1" tx1="dk1" bg2="lt2" tx2="dk2" accent1="accent1" accent2="accent2" accent3="accent3" accent4="accent4" accent5="accent5" accent6="accent6" hlink="hlink" folHlink="folHlink"/>
   <p:sldLayoutIdLst>
-    <p:sldLayoutId id="2147483662" r:id="rId3"/>
-    <p:sldLayoutId id="2147483663" r:id="rId4"/>
-    <p:sldLayoutId id="2147483664" r:id="rId5"/>
-    <p:sldLayoutId id="2147483665" r:id="rId6"/>
-    <p:sldLayoutId id="2147483666" r:id="rId7"/>
-    <p:sldLayoutId id="2147483667" r:id="rId8"/>
-    <p:sldLayoutId id="2147483668" r:id="rId9"/>
-    <p:sldLayoutId id="2147483669" r:id="rId10"/>
-    <p:sldLayoutId id="2147483670" r:id="rId11"/>
-    <p:sldLayoutId id="2147483671" r:id="rId12"/>
-    <p:sldLayoutId id="2147483672" r:id="rId13"/>
-    <p:sldLayoutId id="2147483673" r:id="rId14"/>
+    <p:sldLayoutId id="2147483662" r:id="rId1"/>
+    <p:sldLayoutId id="2147483663" r:id="rId2"/>
+    <p:sldLayoutId id="2147483664" r:id="rId3"/>
+    <p:sldLayoutId id="2147483665" r:id="rId4"/>
+    <p:sldLayoutId id="2147483666" r:id="rId5"/>
+    <p:sldLayoutId id="2147483667" r:id="rId6"/>
+    <p:sldLayoutId id="2147483668" r:id="rId7"/>
+    <p:sldLayoutId id="2147483669" r:id="rId8"/>
+    <p:sldLayoutId id="2147483670" r:id="rId9"/>
+    <p:sldLayoutId id="2147483671" r:id="rId10"/>
+    <p:sldLayoutId id="2147483672" r:id="rId11"/>
+    <p:sldLayoutId id="2147483673" r:id="rId12"/>
   </p:sldLayoutIdLst>
+  <p:txStyles>
+    <p:titleStyle>
+      <a:lvl1pPr algn="l" defTabSz="914400" rtl="0" eaLnBrk="1" latinLnBrk="0" hangingPunct="1">
+        <a:lnSpc>
+          <a:spcPct val="90000"/>
+        </a:lnSpc>
+        <a:spcBef>
+          <a:spcPct val="0"/>
+        </a:spcBef>
+        <a:buNone/>
+        <a:defRPr sz="4400" kern="1200">
+          <a:solidFill>
+            <a:schemeClr val="tx1"/>
+          </a:solidFill>
+          <a:latin typeface="+mj-lt"/>
+          <a:ea typeface="+mj-ea"/>
+          <a:cs typeface="+mj-cs"/>
+        </a:defRPr>
+      </a:lvl1pPr>
+    </p:titleStyle>
+    <p:bodyStyle>
+      <a:lvl1pPr marL="228600" indent="-228600" algn="l" defTabSz="914400" rtl="0" eaLnBrk="1" latinLnBrk="0" hangingPunct="1">
+        <a:lnSpc>
+          <a:spcPct val="90000"/>
+        </a:lnSpc>
+        <a:spcBef>
+          <a:spcPts val="1000"/>
+        </a:spcBef>
+        <a:buFont typeface="Arial" panose="020B0604020202020204" pitchFamily="34" charset="0"/>
+        <a:buChar char="•"/>
+        <a:defRPr sz="2800" kern="1200">
+          <a:solidFill>
+            <a:schemeClr val="tx1"/>
+          </a:solidFill>
+          <a:latin typeface="+mn-lt"/>
+          <a:ea typeface="+mn-ea"/>
+          <a:cs typeface="+mn-cs"/>
+        </a:defRPr>
+      </a:lvl1pPr>
+      <a:lvl2pPr marL="685800" indent="-228600" algn="l" defTabSz="914400" rtl="0" eaLnBrk="1" latinLnBrk="0" hangingPunct="1">
+        <a:lnSpc>
+          <a:spcPct val="90000"/>
+        </a:lnSpc>
+        <a:spcBef>
+          <a:spcPts val="500"/>
+        </a:spcBef>
+        <a:buFont typeface="Arial" panose="020B0604020202020204" pitchFamily="34" charset="0"/>
+        <a:buChar char="•"/>
+        <a:defRPr sz="2400" kern="1200">
+          <a:solidFill>
+            <a:schemeClr val="tx1"/>
+          </a:solidFill>
+          <a:latin typeface="+mn-lt"/>
+          <a:ea typeface="+mn-ea"/>
+          <a:cs typeface="+mn-cs"/>
+        </a:defRPr>
+      </a:lvl2pPr>
+      <a:lvl3pPr marL="1143000" indent="-228600" algn="l" defTabSz="914400" rtl="0" eaLnBrk="1" latinLnBrk="0" hangingPunct="1">
+        <a:lnSpc>
+          <a:spcPct val="90000"/>
+        </a:lnSpc>
+        <a:spcBef>
+          <a:spcPts val="500"/>
+        </a:spcBef>
+        <a:buFont typeface="Arial" panose="020B0604020202020204" pitchFamily="34" charset="0"/>
+        <a:buChar char="•"/>
+        <a:defRPr sz="2000" kern="1200">
+          <a:solidFill>
+            <a:schemeClr val="tx1"/>
+          </a:solidFill>
+          <a:latin typeface="+mn-lt"/>
+          <a:ea typeface="+mn-ea"/>
+          <a:cs typeface="+mn-cs"/>
+        </a:defRPr>
+      </a:lvl3pPr>
+      <a:lvl4pPr marL="1600200" indent="-228600" algn="l" defTabSz="914400" rtl="0" eaLnBrk="1" latinLnBrk="0" hangingPunct="1">
+        <a:lnSpc>
+          <a:spcPct val="90000"/>
+        </a:lnSpc>
+        <a:spcBef>
+          <a:spcPts val="500"/>
+        </a:spcBef>
+        <a:buFont typeface="Arial" panose="020B0604020202020204" pitchFamily="34" charset="0"/>
+        <a:buChar char="•"/>
+        <a:defRPr sz="1800" kern="1200">
+          <a:solidFill>
+            <a:schemeClr val="tx1"/>
+          </a:solidFill>
+          <a:latin typeface="+mn-lt"/>
+          <a:ea typeface="+mn-ea"/>
+          <a:cs typeface="+mn-cs"/>
+        </a:defRPr>
+      </a:lvl4pPr>
+      <a:lvl5pPr marL="2057400" indent="-228600" algn="l" defTabSz="914400" rtl="0" eaLnBrk="1" latinLnBrk="0" hangingPunct="1">
+        <a:lnSpc>
+          <a:spcPct val="90000"/>
+        </a:lnSpc>
+        <a:spcBef>
+          <a:spcPts val="500"/>
+        </a:spcBef>
+        <a:buFont typeface="Arial" panose="020B0604020202020204" pitchFamily="34" charset="0"/>
+        <a:buChar char="•"/>
+        <a:defRPr sz="1800" kern="1200">
+          <a:solidFill>
+            <a:schemeClr val="tx1"/>
+          </a:solidFill>
+          <a:latin typeface="+mn-lt"/>
+          <a:ea typeface="+mn-ea"/>
+          <a:cs typeface="+mn-cs"/>
+        </a:defRPr>
+      </a:lvl5pPr>
+      <a:lvl6pPr marL="2514600" indent="-228600" algn="l" defTabSz="914400" rtl="0" eaLnBrk="1" latinLnBrk="0" hangingPunct="1">
+        <a:lnSpc>
+          <a:spcPct val="90000"/>
+        </a:lnSpc>
+        <a:spcBef>
+          <a:spcPts val="500"/>
+        </a:spcBef>
+        <a:buFont typeface="Arial" panose="020B0604020202020204" pitchFamily="34" charset="0"/>
+        <a:buChar char="•"/>
+        <a:defRPr sz="1800" kern="1200">
+          <a:solidFill>
+            <a:schemeClr val="tx1"/>
+          </a:solidFill>
+          <a:latin typeface="+mn-lt"/>
+          <a:ea typeface="+mn-ea"/>
+          <a:cs typeface="+mn-cs"/>
+        </a:defRPr>
+      </a:lvl6pPr>
+      <a:lvl7pPr marL="2971800" indent="-228600" algn="l" defTabSz="914400" rtl="0" eaLnBrk="1" latinLnBrk="0" hangingPunct="1">
+        <a:lnSpc>
+          <a:spcPct val="90000"/>
+        </a:lnSpc>
+        <a:spcBef>
+          <a:spcPts val="500"/>
+        </a:spcBef>
+        <a:buFont typeface="Arial" panose="020B0604020202020204" pitchFamily="34" charset="0"/>
+        <a:buChar char="•"/>
+        <a:defRPr sz="1800" kern="1200">
+          <a:solidFill>
+            <a:schemeClr val="tx1"/>
+          </a:solidFill>
+          <a:latin typeface="+mn-lt"/>
+          <a:ea typeface="+mn-ea"/>
+          <a:cs typeface="+mn-cs"/>
+        </a:defRPr>
+      </a:lvl7pPr>
+      <a:lvl8pPr marL="3429000" indent="-228600" algn="l" defTabSz="914400" rtl="0" eaLnBrk="1" latinLnBrk="0" hangingPunct="1">
+        <a:lnSpc>
+          <a:spcPct val="90000"/>
+        </a:lnSpc>
+        <a:spcBef>
+          <a:spcPts val="500"/>
+        </a:spcBef>
+        <a:buFont typeface="Arial" panose="020B0604020202020204" pitchFamily="34" charset="0"/>
+        <a:buChar char="•"/>
+        <a:defRPr sz="1800" kern="1200">
+          <a:solidFill>
+            <a:schemeClr val="tx1"/>
+          </a:solidFill>
+          <a:latin typeface="+mn-lt"/>
+          <a:ea typeface="+mn-ea"/>
+          <a:cs typeface="+mn-cs"/>
+        </a:defRPr>
+      </a:lvl8pPr>
+      <a:lvl9pPr marL="3886200" indent="-228600" algn="l" defTabSz="914400" rtl="0" eaLnBrk="1" latinLnBrk="0" hangingPunct="1">
+        <a:lnSpc>
+          <a:spcPct val="90000"/>
+        </a:lnSpc>
+        <a:spcBef>
+          <a:spcPts val="500"/>
+        </a:spcBef>
+        <a:buFont typeface="Arial" panose="020B0604020202020204" pitchFamily="34" charset="0"/>
+        <a:buChar char="•"/>
+        <a:defRPr sz="1800" kern="1200">
+          <a:solidFill>
+            <a:schemeClr val="tx1"/>
+          </a:solidFill>
+          <a:latin typeface="+mn-lt"/>
+          <a:ea typeface="+mn-ea"/>
+          <a:cs typeface="+mn-cs"/>
+        </a:defRPr>
+      </a:lvl9pPr>
+    </p:bodyStyle>
+    <p:otherStyle>
+      <a:defPPr>
+        <a:defRPr lang="en-US"/>
+      </a:defPPr>
+      <a:lvl1pPr marL="0" algn="l" defTabSz="914400" rtl="0" eaLnBrk="1" latinLnBrk="0" hangingPunct="1">
+        <a:defRPr sz="1800" kern="1200">
+          <a:solidFill>
+            <a:schemeClr val="tx1"/>
+          </a:solidFill>
+          <a:latin typeface="+mn-lt"/>
+          <a:ea typeface="+mn-ea"/>
+          <a:cs typeface="+mn-cs"/>
+        </a:defRPr>
+      </a:lvl1pPr>
+      <a:lvl2pPr marL="457200" algn="l" defTabSz="914400" rtl="0" eaLnBrk="1" latinLnBrk="0" hangingPunct="1">
+        <a:defRPr sz="1800" kern="1200">
+          <a:solidFill>
+            <a:schemeClr val="tx1"/>
+          </a:solidFill>
+          <a:latin typeface="+mn-lt"/>
+          <a:ea typeface="+mn-ea"/>
+          <a:cs typeface="+mn-cs"/>
+        </a:defRPr>
+      </a:lvl2pPr>
+      <a:lvl3pPr marL="914400" algn="l" defTabSz="914400" rtl="0" eaLnBrk="1" latinLnBrk="0" hangingPunct="1">
+        <a:defRPr sz="1800" kern="1200">
+          <a:solidFill>
+            <a:schemeClr val="tx1"/>
+          </a:solidFill>
+          <a:latin typeface="+mn-lt"/>
+          <a:ea typeface="+mn-ea"/>
+          <a:cs typeface="+mn-cs"/>
+        </a:defRPr>
+      </a:lvl3pPr>
+      <a:lvl4pPr marL="1371600" algn="l" defTabSz="914400" rtl="0" eaLnBrk="1" latinLnBrk="0" hangingPunct="1">
+        <a:defRPr sz="1800" kern="1200">
+          <a:solidFill>
+            <a:schemeClr val="tx1"/>
+          </a:solidFill>
+          <a:latin typeface="+mn-lt"/>
+          <a:ea typeface="+mn-ea"/>
+          <a:cs typeface="+mn-cs"/>
+        </a:defRPr>
+      </a:lvl4pPr>
+      <a:lvl5pPr marL="1828800" algn="l" defTabSz="914400" rtl="0" eaLnBrk="1" latinLnBrk="0" hangingPunct="1">
+        <a:defRPr sz="1800" kern="1200">
+          <a:solidFill>
+            <a:schemeClr val="tx1"/>
+          </a:solidFill>
+          <a:latin typeface="+mn-lt"/>
+          <a:ea typeface="+mn-ea"/>
+          <a:cs typeface="+mn-cs"/>
+        </a:defRPr>
+      </a:lvl5pPr>
+      <a:lvl6pPr marL="2286000" algn="l" defTabSz="914400" rtl="0" eaLnBrk="1" latinLnBrk="0" hangingPunct="1">
+        <a:defRPr sz="1800" kern="1200">
+          <a:solidFill>
+            <a:schemeClr val="tx1"/>
+          </a:solidFill>
+          <a:latin typeface="+mn-lt"/>
+          <a:ea typeface="+mn-ea"/>
+          <a:cs typeface="+mn-cs"/>
+        </a:defRPr>
+      </a:lvl6pPr>
+      <a:lvl7pPr marL="2743200" algn="l" defTabSz="914400" rtl="0" eaLnBrk="1" latinLnBrk="0" hangingPunct="1">
+        <a:defRPr sz="1800" kern="1200">
+          <a:solidFill>
+            <a:schemeClr val="tx1"/>
+          </a:solidFill>
+          <a:latin typeface="+mn-lt"/>
+          <a:ea typeface="+mn-ea"/>
+          <a:cs typeface="+mn-cs"/>
+        </a:defRPr>
+      </a:lvl7pPr>
+      <a:lvl8pPr marL="3200400" algn="l" defTabSz="914400" rtl="0" eaLnBrk="1" latinLnBrk="0" hangingPunct="1">
+        <a:defRPr sz="1800" kern="1200">
+          <a:solidFill>
+            <a:schemeClr val="tx1"/>
+          </a:solidFill>
+          <a:latin typeface="+mn-lt"/>
+          <a:ea typeface="+mn-ea"/>
+          <a:cs typeface="+mn-cs"/>
+        </a:defRPr>
+      </a:lvl8pPr>
+      <a:lvl9pPr marL="3657600" algn="l" defTabSz="914400" rtl="0" eaLnBrk="1" latinLnBrk="0" hangingPunct="1">
+        <a:defRPr sz="1800" kern="1200">
+          <a:solidFill>
+            <a:schemeClr val="tx1"/>
+          </a:solidFill>
+          <a:latin typeface="+mn-lt"/>
+          <a:ea typeface="+mn-ea"/>
+          <a:cs typeface="+mn-cs"/>
+        </a:defRPr>
+      </a:lvl9pPr>
+    </p:otherStyle>
+  </p:txStyles>
 </p:sldMaster>
 </file>
 
 <file path=ppt/slides/slide1.xml><?xml version="1.0" encoding="utf-8"?>
-<p:sld xmlns:a="http://schemas.openxmlformats.org/drawingml/2006/main" xmlns:p="http://schemas.openxmlformats.org/presentationml/2006/main" xmlns:r="http://schemas.openxmlformats.org/officeDocument/2006/relationships" xmlns:p14="http://schemas.microsoft.com/office/powerpoint/2010/main" xmlns:p15="http://schemas.microsoft.com/office/powerpoint/2012/main" xmlns:mc="http://schemas.openxmlformats.org/markup-compatibility/2006">
+<p:sld xmlns:a="http://schemas.openxmlformats.org/drawingml/2006/main" xmlns:r="http://schemas.openxmlformats.org/officeDocument/2006/relationships" xmlns:p="http://schemas.openxmlformats.org/presentationml/2006/main">
   <p:cSld>
     <p:spTree>
       <p:nvGrpSpPr>
@@ -4265,7 +5153,7 @@
         </p:nvSpPr>
         <p:spPr>
           <a:xfrm>
-            <a:off x="2525040" y="1380240"/>
+            <a:off x="2525040" y="813600"/>
             <a:ext cx="8977320" cy="2615400"/>
           </a:xfrm>
           <a:prstGeom prst="rect">
@@ -4277,13 +5165,20 @@
           </a:ln>
         </p:spPr>
         <p:style>
-          <a:lnRef idx="0"/>
-          <a:fillRef idx="0"/>
-          <a:effectRef idx="0"/>
+          <a:lnRef idx="0">
+            <a:scrgbClr r="0" g="0" b="0"/>
+          </a:lnRef>
+          <a:fillRef idx="0">
+            <a:scrgbClr r="0" g="0" b="0"/>
+          </a:fillRef>
+          <a:effectRef idx="0">
+            <a:scrgbClr r="0" g="0" b="0"/>
+          </a:effectRef>
           <a:fontRef idx="minor"/>
         </p:style>
         <p:txBody>
-          <a:bodyPr lIns="90000" rIns="90000" tIns="45000" bIns="45000" anchor="b"/>
+          <a:bodyPr lIns="90000" tIns="45000" rIns="90000" bIns="45000" anchor="b"/>
+          <a:lstStyle/>
           <a:p>
             <a:pPr algn="r">
               <a:lnSpc>
@@ -4291,7 +5186,7 @@
               </a:lnSpc>
             </a:pPr>
             <a:r>
-              <a:rPr b="0" lang="en-US" sz="6000" spc="-1" strike="noStrike">
+              <a:rPr lang="en-US" sz="6000" b="0" strike="noStrike" spc="-1" dirty="0">
                 <a:solidFill>
                   <a:srgbClr val="000000"/>
                 </a:solidFill>
@@ -4299,7 +5194,7 @@
               </a:rPr>
               <a:t>Hiking trails &amp; Weather App</a:t>
             </a:r>
-            <a:endParaRPr b="0" lang="en-US" sz="6000" spc="-1" strike="noStrike">
+            <a:endParaRPr lang="en-US" sz="6000" b="0" strike="noStrike" spc="-1" dirty="0">
               <a:latin typeface="Arial"/>
             </a:endParaRPr>
           </a:p>
@@ -4313,7 +5208,7 @@
         </p:nvSpPr>
         <p:spPr>
           <a:xfrm>
-            <a:off x="4515480" y="3996360"/>
+            <a:off x="4515480" y="3429000"/>
             <a:ext cx="6986880" cy="1387800"/>
           </a:xfrm>
           <a:prstGeom prst="rect">
@@ -4325,13 +5220,20 @@
           </a:ln>
         </p:spPr>
         <p:style>
-          <a:lnRef idx="0"/>
-          <a:fillRef idx="0"/>
-          <a:effectRef idx="0"/>
+          <a:lnRef idx="0">
+            <a:scrgbClr r="0" g="0" b="0"/>
+          </a:lnRef>
+          <a:fillRef idx="0">
+            <a:scrgbClr r="0" g="0" b="0"/>
+          </a:fillRef>
+          <a:effectRef idx="0">
+            <a:scrgbClr r="0" g="0" b="0"/>
+          </a:effectRef>
           <a:fontRef idx="minor"/>
         </p:style>
         <p:txBody>
-          <a:bodyPr lIns="90000" rIns="90000" tIns="45000" bIns="45000"/>
+          <a:bodyPr lIns="90000" tIns="45000" rIns="90000" bIns="45000"/>
+          <a:lstStyle/>
           <a:p>
             <a:pPr marL="343080" indent="-342360" algn="r">
               <a:lnSpc>
@@ -4344,14 +5246,14 @@
                 <a:spcPts val="601"/>
               </a:spcAft>
               <a:buClr>
-                <a:srgbClr val="1287c3"/>
+                <a:srgbClr val="1287C3"/>
               </a:buClr>
               <a:buSzPct val="145000"/>
               <a:buFont typeface="Arial"/>
               <a:buChar char="-"/>
             </a:pPr>
             <a:r>
-              <a:rPr b="0" lang="en-US" sz="2100" spc="-1" strike="noStrike">
+              <a:rPr lang="en-US" sz="2100" b="0" strike="noStrike" spc="-1" dirty="0">
                 <a:solidFill>
                   <a:srgbClr val="000000"/>
                 </a:solidFill>
@@ -4359,7 +5261,7 @@
               </a:rPr>
               <a:t>Shweta Korulkar</a:t>
             </a:r>
-            <a:endParaRPr b="0" lang="en-US" sz="2100" spc="-1" strike="noStrike">
+            <a:endParaRPr lang="en-US" sz="2100" b="0" strike="noStrike" spc="-1" dirty="0">
               <a:latin typeface="Arial"/>
             </a:endParaRPr>
           </a:p>
@@ -4375,14 +5277,14 @@
                 <a:spcPts val="601"/>
               </a:spcAft>
               <a:buClr>
-                <a:srgbClr val="1287c3"/>
+                <a:srgbClr val="1287C3"/>
               </a:buClr>
               <a:buSzPct val="145000"/>
               <a:buFont typeface="Arial"/>
               <a:buChar char="-"/>
             </a:pPr>
             <a:r>
-              <a:rPr b="0" lang="en-US" sz="2100" spc="-1" strike="noStrike">
+              <a:rPr lang="en-US" sz="2100" b="0" strike="noStrike" spc="-1" dirty="0">
                 <a:solidFill>
                   <a:srgbClr val="000000"/>
                 </a:solidFill>
@@ -4390,7 +5292,7 @@
               </a:rPr>
               <a:t>Harsha Ramayanam</a:t>
             </a:r>
-            <a:endParaRPr b="0" lang="en-US" sz="2100" spc="-1" strike="noStrike">
+            <a:endParaRPr lang="en-US" sz="2100" b="0" strike="noStrike" spc="-1" dirty="0">
               <a:latin typeface="Arial"/>
             </a:endParaRPr>
           </a:p>
@@ -4398,6 +5300,9 @@
       </p:sp>
     </p:spTree>
   </p:cSld>
+  <p:clrMapOvr>
+    <a:masterClrMapping/>
+  </p:clrMapOvr>
   <p:timing>
     <p:tnLst>
       <p:par>
@@ -4406,14 +5311,14 @@
             <p:seq>
               <p:cTn id="2" dur="indefinite" nodeType="mainSeq"/>
               <p:prevCondLst>
-                <p:cond delay="0" evt="onPrev">
+                <p:cond evt="onPrev" delay="0">
                   <p:tgtEl>
                     <p:sldTgt/>
                   </p:tgtEl>
                 </p:cond>
               </p:prevCondLst>
               <p:nextCondLst>
-                <p:cond delay="0" evt="onNext">
+                <p:cond evt="onNext" delay="0">
                   <p:tgtEl>
                     <p:sldTgt/>
                   </p:tgtEl>
@@ -4428,8 +5333,8 @@
 </p:sld>
 </file>
 
-<file path=ppt/slides/slide2.xml><?xml version="1.0" encoding="utf-8"?>
-<p:sld xmlns:a="http://schemas.openxmlformats.org/drawingml/2006/main" xmlns:p="http://schemas.openxmlformats.org/presentationml/2006/main" xmlns:r="http://schemas.openxmlformats.org/officeDocument/2006/relationships" xmlns:p14="http://schemas.microsoft.com/office/powerpoint/2010/main" xmlns:p15="http://schemas.microsoft.com/office/powerpoint/2012/main" xmlns:mc="http://schemas.openxmlformats.org/markup-compatibility/2006">
+<file path=ppt/slides/slide10.xml><?xml version="1.0" encoding="utf-8"?>
+<p:sld xmlns:a="http://schemas.openxmlformats.org/drawingml/2006/main" xmlns:r="http://schemas.openxmlformats.org/officeDocument/2006/relationships" xmlns:p="http://schemas.openxmlformats.org/presentationml/2006/main">
   <p:cSld>
     <p:spTree>
       <p:nvGrpSpPr>
@@ -4447,79 +5352,63 @@
       </p:grpSpPr>
       <p:sp>
         <p:nvSpPr>
-          <p:cNvPr id="99" name="CustomShape 1"/>
-          <p:cNvSpPr/>
-          <p:nvPr/>
+          <p:cNvPr id="2" name="Title 1">
+            <a:extLst>
+              <a:ext uri="{FF2B5EF4-FFF2-40B4-BE49-F238E27FC236}">
+                <a16:creationId xmlns:a16="http://schemas.microsoft.com/office/drawing/2014/main" id="{FC42C3B0-E429-49DF-B651-86EE26265412}"/>
+              </a:ext>
+            </a:extLst>
+          </p:cNvPr>
+          <p:cNvSpPr>
+            <a:spLocks noGrp="1"/>
+          </p:cNvSpPr>
+          <p:nvPr>
+            <p:ph type="title"/>
+          </p:nvPr>
         </p:nvSpPr>
         <p:spPr>
           <a:xfrm>
-            <a:off x="1484280" y="685800"/>
-            <a:ext cx="10018080" cy="1751760"/>
-          </a:xfrm>
-          <a:prstGeom prst="rect">
-            <a:avLst/>
-          </a:prstGeom>
-          <a:noFill/>
-          <a:ln>
-            <a:noFill/>
-          </a:ln>
+            <a:off x="1006944" y="399000"/>
+            <a:ext cx="10972440" cy="1144800"/>
+          </a:xfrm>
         </p:spPr>
-        <p:style>
-          <a:lnRef idx="0"/>
-          <a:fillRef idx="0"/>
-          <a:effectRef idx="0"/>
-          <a:fontRef idx="minor"/>
-        </p:style>
-        <p:txBody>
-          <a:bodyPr lIns="90000" rIns="90000" tIns="45000" bIns="45000" anchor="ctr"/>
-          <a:p>
-            <a:pPr algn="ctr">
-              <a:lnSpc>
-                <a:spcPct val="100000"/>
-              </a:lnSpc>
-            </a:pPr>
-            <a:r>
-              <a:rPr b="0" lang="en-US" sz="4000" spc="-1" strike="noStrike">
-                <a:solidFill>
-                  <a:srgbClr val="000000"/>
-                </a:solidFill>
-                <a:latin typeface="Corbel"/>
-              </a:rPr>
-              <a:t>App Details</a:t>
-            </a:r>
-            <a:endParaRPr b="0" lang="en-US" sz="4000" spc="-1" strike="noStrike">
-              <a:latin typeface="Arial"/>
-            </a:endParaRPr>
-          </a:p>
-        </p:txBody>
-      </p:sp>
-      <p:sp>
-        <p:nvSpPr>
-          <p:cNvPr id="100" name="CustomShape 2"/>
-          <p:cNvSpPr/>
-          <p:nvPr/>
+        <p:txBody>
+          <a:bodyPr/>
+          <a:lstStyle/>
+          <a:p>
+            <a:pPr algn="ctr"/>
+            <a:r>
+              <a:rPr lang="en-US" dirty="0"/>
+              <a:t>HIKE TRAIL API’s</a:t>
+            </a:r>
+          </a:p>
+        </p:txBody>
+      </p:sp>
+      <p:sp>
+        <p:nvSpPr>
+          <p:cNvPr id="3" name="Subtitle 2">
+            <a:extLst>
+              <a:ext uri="{FF2B5EF4-FFF2-40B4-BE49-F238E27FC236}">
+                <a16:creationId xmlns:a16="http://schemas.microsoft.com/office/drawing/2014/main" id="{2C0F801E-7436-44E2-853F-225AC8E78CBC}"/>
+              </a:ext>
+            </a:extLst>
+          </p:cNvPr>
+          <p:cNvSpPr>
+            <a:spLocks noGrp="1"/>
+          </p:cNvSpPr>
+          <p:nvPr>
+            <p:ph type="subTitle"/>
+          </p:nvPr>
         </p:nvSpPr>
         <p:spPr>
           <a:xfrm>
-            <a:off x="1484280" y="2666880"/>
-            <a:ext cx="10018080" cy="3123360"/>
-          </a:xfrm>
-          <a:prstGeom prst="rect">
-            <a:avLst/>
-          </a:prstGeom>
-          <a:noFill/>
-          <a:ln>
-            <a:noFill/>
-          </a:ln>
+            <a:off x="1579299" y="1543800"/>
+            <a:ext cx="10972440" cy="3977280"/>
+          </a:xfrm>
         </p:spPr>
-        <p:style>
-          <a:lnRef idx="0"/>
-          <a:fillRef idx="0"/>
-          <a:effectRef idx="0"/>
-          <a:fontRef idx="minor"/>
-        </p:style>
-        <p:txBody>
-          <a:bodyPr lIns="90000" rIns="90000" tIns="45000" bIns="45000" anchor="ctr"/>
+        <p:txBody>
+          <a:bodyPr/>
+          <a:lstStyle/>
           <a:p>
             <a:pPr marL="285840" indent="-285120">
               <a:lnSpc>
@@ -4532,25 +5421,273 @@
                 <a:spcPts val="601"/>
               </a:spcAft>
               <a:buClr>
-                <a:srgbClr val="1287c3"/>
+                <a:srgbClr val="1287C3"/>
               </a:buClr>
               <a:buSzPct val="145000"/>
               <a:buFont typeface="Arial"/>
               <a:buChar char="•"/>
             </a:pPr>
             <a:r>
-              <a:rPr b="0" lang="en-US" sz="2400" spc="-1" strike="noStrike">
-                <a:solidFill>
-                  <a:srgbClr val="000000"/>
-                </a:solidFill>
-                <a:latin typeface="Corbel"/>
-              </a:rPr>
-              <a:t>Weather and hike tails web application</a:t>
-            </a:r>
-            <a:endParaRPr b="0" lang="en-US" sz="2400" spc="-1" strike="noStrike">
-              <a:latin typeface="Arial"/>
-            </a:endParaRPr>
-          </a:p>
+              <a:rPr lang="en-US" sz="2400" b="0" strike="noStrike" spc="-1" dirty="0">
+                <a:solidFill>
+                  <a:srgbClr val="000000"/>
+                </a:solidFill>
+                <a:latin typeface="Corbel"/>
+              </a:rPr>
+              <a:t>Hike trail API:</a:t>
+            </a:r>
+            <a:endParaRPr lang="en-US" sz="2400" b="0" strike="noStrike" spc="-1" dirty="0">
+              <a:latin typeface="Arial"/>
+            </a:endParaRPr>
+          </a:p>
+          <a:p>
+            <a:pPr marL="864000" lvl="1" indent="-323640">
+              <a:lnSpc>
+                <a:spcPct val="100000"/>
+              </a:lnSpc>
+              <a:spcBef>
+                <a:spcPts val="1134"/>
+              </a:spcBef>
+              <a:buClr>
+                <a:srgbClr val="000000"/>
+              </a:buClr>
+              <a:buSzPct val="75000"/>
+              <a:buFont typeface="Symbol"/>
+              <a:buChar char=""/>
+            </a:pPr>
+            <a:r>
+              <a:rPr lang="en-US" sz="1800" spc="-1" dirty="0">
+                <a:solidFill>
+                  <a:srgbClr val="000000"/>
+                </a:solidFill>
+                <a:latin typeface="Corbel"/>
+              </a:rPr>
+              <a:t>2</a:t>
+            </a:r>
+            <a:r>
+              <a:rPr lang="en-US" sz="1800" b="0" strike="noStrike" spc="-1" dirty="0">
+                <a:solidFill>
+                  <a:srgbClr val="000000"/>
+                </a:solidFill>
+                <a:latin typeface="Corbel"/>
+              </a:rPr>
+              <a:t>)  Hiking Trails</a:t>
+            </a:r>
+            <a:r>
+              <a:rPr lang="en-US" sz="1600" b="0" strike="noStrike" spc="-1" dirty="0">
+                <a:solidFill>
+                  <a:srgbClr val="000000"/>
+                </a:solidFill>
+                <a:latin typeface="Corbel"/>
+              </a:rPr>
+              <a:t> (from data.ny.gov)</a:t>
+            </a:r>
+            <a:endParaRPr lang="en-US" sz="1600" b="0" strike="noStrike" spc="-1" dirty="0">
+              <a:latin typeface="Arial"/>
+            </a:endParaRPr>
+          </a:p>
+          <a:p>
+            <a:pPr marL="1296000" lvl="2" indent="-287640">
+              <a:lnSpc>
+                <a:spcPct val="100000"/>
+              </a:lnSpc>
+              <a:spcBef>
+                <a:spcPts val="850"/>
+              </a:spcBef>
+              <a:buClr>
+                <a:srgbClr val="000000"/>
+              </a:buClr>
+              <a:buSzPct val="45000"/>
+              <a:buFont typeface="Wingdings" charset="2"/>
+              <a:buChar char=""/>
+            </a:pPr>
+            <a:r>
+              <a:rPr lang="en-US" sz="1600" b="1" strike="noStrike" spc="-1" dirty="0">
+                <a:solidFill>
+                  <a:srgbClr val="000000"/>
+                </a:solidFill>
+                <a:latin typeface="Corbel"/>
+              </a:rPr>
+              <a:t>Access Data</a:t>
+            </a:r>
+            <a:r>
+              <a:rPr lang="en-US" sz="1600" b="0" strike="noStrike" spc="-1" dirty="0">
+                <a:solidFill>
+                  <a:srgbClr val="000000"/>
+                </a:solidFill>
+                <a:latin typeface="Corbel"/>
+              </a:rPr>
+              <a:t>: https://gisservices.dec.ny.gov/gis/dil/</a:t>
+            </a:r>
+            <a:endParaRPr lang="en-US" sz="1600" b="0" strike="noStrike" spc="-1" dirty="0">
+              <a:latin typeface="Arial"/>
+            </a:endParaRPr>
+          </a:p>
+          <a:p>
+            <a:pPr marL="1296000" lvl="2" indent="-287640">
+              <a:lnSpc>
+                <a:spcPct val="100000"/>
+              </a:lnSpc>
+              <a:spcBef>
+                <a:spcPts val="850"/>
+              </a:spcBef>
+              <a:buClr>
+                <a:srgbClr val="000000"/>
+              </a:buClr>
+              <a:buSzPct val="45000"/>
+              <a:buFont typeface="Wingdings" charset="2"/>
+              <a:buChar char=""/>
+            </a:pPr>
+            <a:r>
+              <a:rPr lang="en-US" sz="1600" b="1" strike="noStrike" spc="-1" dirty="0">
+                <a:solidFill>
+                  <a:srgbClr val="000000"/>
+                </a:solidFill>
+                <a:latin typeface="Corbel"/>
+              </a:rPr>
+              <a:t>Type</a:t>
+            </a:r>
+            <a:r>
+              <a:rPr lang="en-US" sz="1600" b="0" strike="noStrike" spc="-1" dirty="0">
+                <a:solidFill>
+                  <a:srgbClr val="000000"/>
+                </a:solidFill>
+                <a:latin typeface="Corbel"/>
+              </a:rPr>
+              <a:t>: Free public access dataset</a:t>
+            </a:r>
+            <a:endParaRPr lang="en-US" sz="1600" b="0" strike="noStrike" spc="-1" dirty="0">
+              <a:latin typeface="Arial"/>
+            </a:endParaRPr>
+          </a:p>
+          <a:p>
+            <a:pPr marL="1296000" lvl="2" indent="-287640">
+              <a:lnSpc>
+                <a:spcPct val="100000"/>
+              </a:lnSpc>
+              <a:spcBef>
+                <a:spcPts val="850"/>
+              </a:spcBef>
+              <a:buClr>
+                <a:srgbClr val="000000"/>
+              </a:buClr>
+              <a:buSzPct val="45000"/>
+              <a:buFont typeface="Wingdings" charset="2"/>
+              <a:buChar char=""/>
+            </a:pPr>
+            <a:r>
+              <a:rPr lang="en-US" sz="1600" b="1" strike="noStrike" spc="-1" dirty="0">
+                <a:solidFill>
+                  <a:srgbClr val="000000"/>
+                </a:solidFill>
+                <a:latin typeface="Corbel"/>
+              </a:rPr>
+              <a:t>Information </a:t>
+            </a:r>
+            <a:r>
+              <a:rPr lang="en-US" sz="1600" b="0" strike="noStrike" spc="-1" dirty="0">
+                <a:solidFill>
+                  <a:srgbClr val="000000"/>
+                </a:solidFill>
+                <a:latin typeface="Corbel" panose="020B0503020204020204" pitchFamily="34" charset="0"/>
+              </a:rPr>
+              <a:t>: </a:t>
+            </a:r>
+            <a:r>
+              <a:rPr lang="en-US" sz="1600" b="0" i="0" dirty="0">
+                <a:effectLst/>
+                <a:latin typeface="Corbel" panose="020B0503020204020204" pitchFamily="34" charset="0"/>
+              </a:rPr>
+              <a:t>This data shows the location of transportation corridors on Department of Environmental Conservation state lands that are approved for foot travel.</a:t>
+            </a:r>
+            <a:endParaRPr lang="en-US" dirty="0"/>
+          </a:p>
+        </p:txBody>
+      </p:sp>
+    </p:spTree>
+    <p:extLst>
+      <p:ext uri="{BB962C8B-B14F-4D97-AF65-F5344CB8AC3E}">
+        <p14:creationId xmlns:p14="http://schemas.microsoft.com/office/powerpoint/2010/main" val="1203121763"/>
+      </p:ext>
+    </p:extLst>
+  </p:cSld>
+  <p:clrMapOvr>
+    <a:masterClrMapping/>
+  </p:clrMapOvr>
+</p:sld>
+</file>
+
+<file path=ppt/slides/slide11.xml><?xml version="1.0" encoding="utf-8"?>
+<p:sld xmlns:a="http://schemas.openxmlformats.org/drawingml/2006/main" xmlns:r="http://schemas.openxmlformats.org/officeDocument/2006/relationships" xmlns:p="http://schemas.openxmlformats.org/presentationml/2006/main">
+  <p:cSld>
+    <p:spTree>
+      <p:nvGrpSpPr>
+        <p:cNvPr id="1" name=""/>
+        <p:cNvGrpSpPr/>
+        <p:nvPr/>
+      </p:nvGrpSpPr>
+      <p:grpSpPr>
+        <a:xfrm>
+          <a:off x="0" y="0"/>
+          <a:ext cx="0" cy="0"/>
+          <a:chOff x="0" y="0"/>
+          <a:chExt cx="0" cy="0"/>
+        </a:xfrm>
+      </p:grpSpPr>
+      <p:sp>
+        <p:nvSpPr>
+          <p:cNvPr id="2" name="Title 1">
+            <a:extLst>
+              <a:ext uri="{FF2B5EF4-FFF2-40B4-BE49-F238E27FC236}">
+                <a16:creationId xmlns:a16="http://schemas.microsoft.com/office/drawing/2014/main" id="{B77080D4-5263-46F9-9939-828C7C18E3D1}"/>
+              </a:ext>
+            </a:extLst>
+          </p:cNvPr>
+          <p:cNvSpPr>
+            <a:spLocks noGrp="1"/>
+          </p:cNvSpPr>
+          <p:nvPr>
+            <p:ph type="title"/>
+          </p:nvPr>
+        </p:nvSpPr>
+        <p:spPr/>
+        <p:txBody>
+          <a:bodyPr/>
+          <a:lstStyle/>
+          <a:p>
+            <a:pPr algn="ctr"/>
+            <a:r>
+              <a:rPr lang="en-US" dirty="0"/>
+              <a:t>MAP API’s</a:t>
+            </a:r>
+          </a:p>
+        </p:txBody>
+      </p:sp>
+      <p:sp>
+        <p:nvSpPr>
+          <p:cNvPr id="3" name="Subtitle 2">
+            <a:extLst>
+              <a:ext uri="{FF2B5EF4-FFF2-40B4-BE49-F238E27FC236}">
+                <a16:creationId xmlns:a16="http://schemas.microsoft.com/office/drawing/2014/main" id="{F56DE72D-898F-48FA-A767-69B1ECB6835E}"/>
+              </a:ext>
+            </a:extLst>
+          </p:cNvPr>
+          <p:cNvSpPr>
+            <a:spLocks noGrp="1"/>
+          </p:cNvSpPr>
+          <p:nvPr>
+            <p:ph type="subTitle"/>
+          </p:nvPr>
+        </p:nvSpPr>
+        <p:spPr>
+          <a:xfrm>
+            <a:off x="1598252" y="1418400"/>
+            <a:ext cx="10972440" cy="3977280"/>
+          </a:xfrm>
+        </p:spPr>
+        <p:txBody>
+          <a:bodyPr/>
+          <a:lstStyle/>
           <a:p>
             <a:pPr marL="285840" indent="-285120">
               <a:lnSpc>
@@ -4563,25 +5700,363 @@
                 <a:spcPts val="601"/>
               </a:spcAft>
               <a:buClr>
-                <a:srgbClr val="1287c3"/>
+                <a:srgbClr val="1287C3"/>
               </a:buClr>
               <a:buSzPct val="145000"/>
               <a:buFont typeface="Arial"/>
               <a:buChar char="•"/>
             </a:pPr>
             <a:r>
-              <a:rPr b="0" lang="en-US" sz="2400" spc="-1" strike="noStrike">
-                <a:solidFill>
-                  <a:srgbClr val="000000"/>
-                </a:solidFill>
-                <a:latin typeface="Corbel"/>
-              </a:rPr>
-              <a:t>Check weather and go for hike. All information In one place.</a:t>
-            </a:r>
-            <a:endParaRPr b="0" lang="en-US" sz="2400" spc="-1" strike="noStrike">
-              <a:latin typeface="Arial"/>
-            </a:endParaRPr>
-          </a:p>
+              <a:rPr lang="en-US" sz="2400" b="0" strike="noStrike" spc="-1" dirty="0">
+                <a:solidFill>
+                  <a:srgbClr val="000000"/>
+                </a:solidFill>
+                <a:latin typeface="Corbel"/>
+              </a:rPr>
+              <a:t>Map API:</a:t>
+            </a:r>
+            <a:endParaRPr lang="en-US" sz="2400" b="0" strike="noStrike" spc="-1" dirty="0">
+              <a:latin typeface="Arial"/>
+            </a:endParaRPr>
+          </a:p>
+          <a:p>
+            <a:pPr marL="864000" lvl="1" indent="-323640">
+              <a:lnSpc>
+                <a:spcPct val="100000"/>
+              </a:lnSpc>
+              <a:spcBef>
+                <a:spcPts val="1134"/>
+              </a:spcBef>
+              <a:buClr>
+                <a:srgbClr val="000000"/>
+              </a:buClr>
+              <a:buSzPct val="45000"/>
+              <a:buFont typeface="Wingdings" charset="2"/>
+              <a:buChar char=""/>
+            </a:pPr>
+            <a:r>
+              <a:rPr lang="en-US" sz="1800" b="0" strike="noStrike" spc="-1" dirty="0">
+                <a:solidFill>
+                  <a:srgbClr val="000000"/>
+                </a:solidFill>
+                <a:latin typeface="Corbel"/>
+              </a:rPr>
+              <a:t>1) </a:t>
+            </a:r>
+            <a:r>
+              <a:rPr lang="en-US" sz="1800" b="0" strike="noStrike" spc="-1" dirty="0" err="1">
+                <a:solidFill>
+                  <a:srgbClr val="000000"/>
+                </a:solidFill>
+                <a:latin typeface="Corbel"/>
+              </a:rPr>
+              <a:t>MapTiles</a:t>
+            </a:r>
+            <a:r>
+              <a:rPr lang="en-US" sz="1800" b="0" strike="noStrike" spc="-1" dirty="0">
+                <a:solidFill>
+                  <a:srgbClr val="000000"/>
+                </a:solidFill>
+                <a:latin typeface="Corbel"/>
+              </a:rPr>
+              <a:t> API</a:t>
+            </a:r>
+            <a:endParaRPr lang="en-US" sz="1800" b="0" strike="noStrike" spc="-1" dirty="0">
+              <a:latin typeface="Arial"/>
+            </a:endParaRPr>
+          </a:p>
+          <a:p>
+            <a:pPr marL="1296000" lvl="2" indent="-287640">
+              <a:lnSpc>
+                <a:spcPct val="100000"/>
+              </a:lnSpc>
+              <a:spcBef>
+                <a:spcPts val="850"/>
+              </a:spcBef>
+              <a:buClr>
+                <a:srgbClr val="000000"/>
+              </a:buClr>
+              <a:buSzPct val="45000"/>
+              <a:buFont typeface="Wingdings" charset="2"/>
+              <a:buChar char=""/>
+            </a:pPr>
+            <a:r>
+              <a:rPr lang="en-US" sz="1600" b="1" strike="noStrike" spc="-1" dirty="0">
+                <a:solidFill>
+                  <a:srgbClr val="000000"/>
+                </a:solidFill>
+                <a:latin typeface="Corbel"/>
+              </a:rPr>
+              <a:t>Data Format</a:t>
+            </a:r>
+            <a:r>
+              <a:rPr lang="en-US" sz="1600" b="0" strike="noStrike" spc="-1" dirty="0">
+                <a:solidFill>
+                  <a:srgbClr val="000000"/>
+                </a:solidFill>
+                <a:latin typeface="Corbel"/>
+              </a:rPr>
+              <a:t>: FetchAPI</a:t>
+            </a:r>
+            <a:endParaRPr lang="en-US" sz="1600" b="0" strike="noStrike" spc="-1" dirty="0">
+              <a:latin typeface="Arial"/>
+            </a:endParaRPr>
+          </a:p>
+          <a:p>
+            <a:pPr marL="1296000" lvl="2" indent="-287640">
+              <a:lnSpc>
+                <a:spcPct val="100000"/>
+              </a:lnSpc>
+              <a:spcBef>
+                <a:spcPts val="850"/>
+              </a:spcBef>
+              <a:buClr>
+                <a:srgbClr val="000000"/>
+              </a:buClr>
+              <a:buSzPct val="45000"/>
+              <a:buFont typeface="Wingdings" charset="2"/>
+              <a:buChar char=""/>
+            </a:pPr>
+            <a:r>
+              <a:rPr lang="en-US" sz="1600" b="1" strike="noStrike" spc="-1" dirty="0">
+                <a:solidFill>
+                  <a:srgbClr val="000000"/>
+                </a:solidFill>
+                <a:latin typeface="Corbel"/>
+                <a:ea typeface="Noto Sans CJK SC"/>
+              </a:rPr>
+              <a:t>Type</a:t>
+            </a:r>
+            <a:r>
+              <a:rPr lang="en-US" sz="1600" b="0" strike="noStrike" spc="-1" dirty="0">
+                <a:solidFill>
+                  <a:srgbClr val="000000"/>
+                </a:solidFill>
+                <a:latin typeface="Corbel"/>
+                <a:ea typeface="Noto Sans CJK SC"/>
+              </a:rPr>
+              <a:t>: Free public API accessible via authentication key</a:t>
+            </a:r>
+            <a:endParaRPr lang="en-US" sz="1600" b="0" strike="noStrike" spc="-1" dirty="0">
+              <a:latin typeface="Arial"/>
+            </a:endParaRPr>
+          </a:p>
+          <a:p>
+            <a:pPr marL="1296000" lvl="2" indent="-287640">
+              <a:lnSpc>
+                <a:spcPct val="100000"/>
+              </a:lnSpc>
+              <a:spcBef>
+                <a:spcPts val="850"/>
+              </a:spcBef>
+              <a:buClr>
+                <a:srgbClr val="000000"/>
+              </a:buClr>
+              <a:buSzPct val="45000"/>
+              <a:buFont typeface="Wingdings" charset="2"/>
+              <a:buChar char=""/>
+            </a:pPr>
+            <a:r>
+              <a:rPr lang="en-US" sz="1600" b="1" strike="noStrike" spc="-1" dirty="0">
+                <a:solidFill>
+                  <a:srgbClr val="000000"/>
+                </a:solidFill>
+                <a:latin typeface="Corbel"/>
+                <a:ea typeface="Noto Sans CJK SC"/>
+              </a:rPr>
+              <a:t>Information </a:t>
+            </a:r>
+            <a:r>
+              <a:rPr lang="en-US" sz="1600" b="0" strike="noStrike" spc="-1" dirty="0">
+                <a:solidFill>
+                  <a:srgbClr val="000000"/>
+                </a:solidFill>
+                <a:latin typeface="Corbel"/>
+                <a:ea typeface="Noto Sans CJK SC"/>
+              </a:rPr>
+              <a:t>: </a:t>
+            </a:r>
+            <a:r>
+              <a:rPr lang="en-US" sz="1600" b="0" i="0" dirty="0">
+                <a:effectLst/>
+                <a:latin typeface="Corbel" panose="020B0503020204020204" pitchFamily="34" charset="0"/>
+              </a:rPr>
+              <a:t>Use our Map Tiles with English, French or Spanish labels based on OpenStreetMap data for your online map or your app map or your desktop software application like QGIS et al</a:t>
+            </a:r>
+            <a:r>
+              <a:rPr lang="en-US" sz="1400" b="0" i="0" dirty="0">
+                <a:solidFill>
+                  <a:srgbClr val="4E4E4E"/>
+                </a:solidFill>
+                <a:effectLst/>
+                <a:latin typeface="Lato"/>
+              </a:rPr>
+              <a:t>. </a:t>
+            </a:r>
+          </a:p>
+          <a:p>
+            <a:pPr marL="1296000" lvl="2" indent="-287640">
+              <a:lnSpc>
+                <a:spcPct val="100000"/>
+              </a:lnSpc>
+              <a:spcBef>
+                <a:spcPts val="850"/>
+              </a:spcBef>
+              <a:buClr>
+                <a:srgbClr val="000000"/>
+              </a:buClr>
+              <a:buSzPct val="45000"/>
+              <a:buFont typeface="Wingdings" charset="2"/>
+              <a:buChar char=""/>
+            </a:pPr>
+            <a:r>
+              <a:rPr lang="en-US" sz="1600" b="1" strike="noStrike" spc="-1" dirty="0">
+                <a:solidFill>
+                  <a:srgbClr val="000000"/>
+                </a:solidFill>
+                <a:latin typeface="Corbel"/>
+                <a:ea typeface="Noto Sans CJK SC"/>
+              </a:rPr>
+              <a:t>Popularity</a:t>
+            </a:r>
+            <a:r>
+              <a:rPr lang="en-US" sz="1600" b="0" strike="noStrike" spc="-1" dirty="0">
+                <a:solidFill>
+                  <a:srgbClr val="000000"/>
+                </a:solidFill>
+                <a:latin typeface="Corbel"/>
+                <a:ea typeface="Noto Sans CJK SC"/>
+              </a:rPr>
+              <a:t>: 9.6/10,</a:t>
+            </a:r>
+            <a:r>
+              <a:rPr lang="en-US" sz="1600" b="1" strike="noStrike" spc="-1" dirty="0">
+                <a:solidFill>
+                  <a:srgbClr val="000000"/>
+                </a:solidFill>
+                <a:latin typeface="Corbel"/>
+                <a:ea typeface="Noto Sans CJK SC"/>
+              </a:rPr>
+              <a:t> Latency</a:t>
+            </a:r>
+            <a:r>
+              <a:rPr lang="en-US" sz="1600" b="0" strike="noStrike" spc="-1" dirty="0">
+                <a:solidFill>
+                  <a:srgbClr val="000000"/>
+                </a:solidFill>
+                <a:latin typeface="Corbel"/>
+                <a:ea typeface="Noto Sans CJK SC"/>
+              </a:rPr>
+              <a:t>: 171ms,</a:t>
+            </a:r>
+            <a:r>
+              <a:rPr lang="en-US" sz="1600" b="1" strike="noStrike" spc="-1" dirty="0">
+                <a:solidFill>
+                  <a:srgbClr val="000000"/>
+                </a:solidFill>
+                <a:latin typeface="Corbel"/>
+                <a:ea typeface="Noto Sans CJK SC"/>
+              </a:rPr>
+              <a:t> Service Level</a:t>
+            </a:r>
+            <a:r>
+              <a:rPr lang="en-US" sz="1600" b="0" strike="noStrike" spc="-1" dirty="0">
+                <a:solidFill>
+                  <a:srgbClr val="000000"/>
+                </a:solidFill>
+                <a:latin typeface="Corbel"/>
+                <a:ea typeface="Noto Sans CJK SC"/>
+              </a:rPr>
+              <a:t>: 100%</a:t>
+            </a:r>
+            <a:endParaRPr lang="en-US" dirty="0"/>
+          </a:p>
+        </p:txBody>
+      </p:sp>
+    </p:spTree>
+    <p:extLst>
+      <p:ext uri="{BB962C8B-B14F-4D97-AF65-F5344CB8AC3E}">
+        <p14:creationId xmlns:p14="http://schemas.microsoft.com/office/powerpoint/2010/main" val="80881175"/>
+      </p:ext>
+    </p:extLst>
+  </p:cSld>
+  <p:clrMapOvr>
+    <a:masterClrMapping/>
+  </p:clrMapOvr>
+</p:sld>
+</file>
+
+<file path=ppt/slides/slide12.xml><?xml version="1.0" encoding="utf-8"?>
+<p:sld xmlns:a="http://schemas.openxmlformats.org/drawingml/2006/main" xmlns:r="http://schemas.openxmlformats.org/officeDocument/2006/relationships" xmlns:p="http://schemas.openxmlformats.org/presentationml/2006/main">
+  <p:cSld>
+    <p:spTree>
+      <p:nvGrpSpPr>
+        <p:cNvPr id="1" name=""/>
+        <p:cNvGrpSpPr/>
+        <p:nvPr/>
+      </p:nvGrpSpPr>
+      <p:grpSpPr>
+        <a:xfrm>
+          <a:off x="0" y="0"/>
+          <a:ext cx="0" cy="0"/>
+          <a:chOff x="0" y="0"/>
+          <a:chExt cx="0" cy="0"/>
+        </a:xfrm>
+      </p:grpSpPr>
+      <p:sp>
+        <p:nvSpPr>
+          <p:cNvPr id="2" name="Title 1">
+            <a:extLst>
+              <a:ext uri="{FF2B5EF4-FFF2-40B4-BE49-F238E27FC236}">
+                <a16:creationId xmlns:a16="http://schemas.microsoft.com/office/drawing/2014/main" id="{18583D5A-E3EF-4138-94A4-5EA12952BE68}"/>
+              </a:ext>
+            </a:extLst>
+          </p:cNvPr>
+          <p:cNvSpPr>
+            <a:spLocks noGrp="1"/>
+          </p:cNvSpPr>
+          <p:nvPr>
+            <p:ph type="title"/>
+          </p:nvPr>
+        </p:nvSpPr>
+        <p:spPr/>
+        <p:txBody>
+          <a:bodyPr/>
+          <a:lstStyle/>
+          <a:p>
+            <a:pPr algn="ctr"/>
+            <a:r>
+              <a:rPr lang="en-US" dirty="0"/>
+              <a:t>MAP API’s</a:t>
+            </a:r>
+          </a:p>
+        </p:txBody>
+      </p:sp>
+      <p:sp>
+        <p:nvSpPr>
+          <p:cNvPr id="3" name="Subtitle 2">
+            <a:extLst>
+              <a:ext uri="{FF2B5EF4-FFF2-40B4-BE49-F238E27FC236}">
+                <a16:creationId xmlns:a16="http://schemas.microsoft.com/office/drawing/2014/main" id="{E4F0E45D-D617-4397-B366-A34FF5932003}"/>
+              </a:ext>
+            </a:extLst>
+          </p:cNvPr>
+          <p:cNvSpPr>
+            <a:spLocks noGrp="1"/>
+          </p:cNvSpPr>
+          <p:nvPr>
+            <p:ph type="subTitle"/>
+          </p:nvPr>
+        </p:nvSpPr>
+        <p:spPr>
+          <a:xfrm>
+            <a:off x="1579777" y="1418400"/>
+            <a:ext cx="10972440" cy="3977280"/>
+          </a:xfrm>
+        </p:spPr>
+        <p:txBody>
+          <a:bodyPr/>
+          <a:lstStyle/>
           <a:p>
             <a:pPr marL="285840" indent="-285120">
               <a:lnSpc>
@@ -4594,14 +6069,871 @@
                 <a:spcPts val="601"/>
               </a:spcAft>
               <a:buClr>
-                <a:srgbClr val="1287c3"/>
+                <a:srgbClr val="1287C3"/>
               </a:buClr>
               <a:buSzPct val="145000"/>
               <a:buFont typeface="Arial"/>
               <a:buChar char="•"/>
             </a:pPr>
             <a:r>
-              <a:rPr b="0" lang="en-US" sz="2400" spc="-1" strike="noStrike">
+              <a:rPr lang="en-US" sz="2400" b="0" strike="noStrike" spc="-1" dirty="0">
+                <a:solidFill>
+                  <a:srgbClr val="000000"/>
+                </a:solidFill>
+                <a:latin typeface="Corbel"/>
+              </a:rPr>
+              <a:t>Map API:</a:t>
+            </a:r>
+            <a:endParaRPr lang="en-US" sz="2400" b="0" strike="noStrike" spc="-1" dirty="0">
+              <a:latin typeface="Arial"/>
+            </a:endParaRPr>
+          </a:p>
+          <a:p>
+            <a:pPr marL="864000" lvl="1" indent="-323640">
+              <a:lnSpc>
+                <a:spcPct val="100000"/>
+              </a:lnSpc>
+              <a:spcBef>
+                <a:spcPts val="1134"/>
+              </a:spcBef>
+              <a:buClr>
+                <a:srgbClr val="000000"/>
+              </a:buClr>
+              <a:buSzPct val="45000"/>
+              <a:buFont typeface="Wingdings" charset="2"/>
+              <a:buChar char=""/>
+            </a:pPr>
+            <a:r>
+              <a:rPr lang="en-US" sz="1800" b="0" strike="noStrike" spc="-1" dirty="0">
+                <a:solidFill>
+                  <a:srgbClr val="000000"/>
+                </a:solidFill>
+                <a:latin typeface="Corbel"/>
+              </a:rPr>
+              <a:t>2) Google Maps Geocoding API</a:t>
+            </a:r>
+            <a:endParaRPr lang="en-US" sz="1800" b="0" strike="noStrike" spc="-1" dirty="0">
+              <a:latin typeface="Arial"/>
+            </a:endParaRPr>
+          </a:p>
+          <a:p>
+            <a:pPr marL="1296000" lvl="2" indent="-287640">
+              <a:lnSpc>
+                <a:spcPct val="100000"/>
+              </a:lnSpc>
+              <a:spcBef>
+                <a:spcPts val="850"/>
+              </a:spcBef>
+              <a:buClr>
+                <a:srgbClr val="000000"/>
+              </a:buClr>
+              <a:buSzPct val="45000"/>
+              <a:buFont typeface="Wingdings" charset="2"/>
+              <a:buChar char=""/>
+            </a:pPr>
+            <a:r>
+              <a:rPr lang="en-US" sz="1600" b="1" strike="noStrike" spc="-1" dirty="0">
+                <a:solidFill>
+                  <a:srgbClr val="000000"/>
+                </a:solidFill>
+                <a:latin typeface="Corbel"/>
+              </a:rPr>
+              <a:t>Data Format</a:t>
+            </a:r>
+            <a:r>
+              <a:rPr lang="en-US" sz="1600" b="0" strike="noStrike" spc="-1" dirty="0">
+                <a:solidFill>
+                  <a:srgbClr val="000000"/>
+                </a:solidFill>
+                <a:latin typeface="Corbel"/>
+              </a:rPr>
+              <a:t>: FetchAPI</a:t>
+            </a:r>
+            <a:endParaRPr lang="en-US" sz="1600" b="0" strike="noStrike" spc="-1" dirty="0">
+              <a:latin typeface="Arial"/>
+            </a:endParaRPr>
+          </a:p>
+          <a:p>
+            <a:pPr marL="1296000" lvl="2" indent="-287640">
+              <a:lnSpc>
+                <a:spcPct val="100000"/>
+              </a:lnSpc>
+              <a:spcBef>
+                <a:spcPts val="850"/>
+              </a:spcBef>
+              <a:buClr>
+                <a:srgbClr val="000000"/>
+              </a:buClr>
+              <a:buSzPct val="45000"/>
+              <a:buFont typeface="Wingdings" charset="2"/>
+              <a:buChar char=""/>
+            </a:pPr>
+            <a:r>
+              <a:rPr lang="en-US" sz="1600" b="1" strike="noStrike" spc="-1" dirty="0">
+                <a:solidFill>
+                  <a:srgbClr val="000000"/>
+                </a:solidFill>
+                <a:latin typeface="Corbel"/>
+                <a:ea typeface="Noto Sans CJK SC"/>
+              </a:rPr>
+              <a:t>Type</a:t>
+            </a:r>
+            <a:r>
+              <a:rPr lang="en-US" sz="1600" b="0" strike="noStrike" spc="-1" dirty="0">
+                <a:solidFill>
+                  <a:srgbClr val="000000"/>
+                </a:solidFill>
+                <a:latin typeface="Corbel"/>
+                <a:ea typeface="Noto Sans CJK SC"/>
+              </a:rPr>
+              <a:t>: Free public API accessible via authentication key</a:t>
+            </a:r>
+            <a:endParaRPr lang="en-US" sz="1600" b="0" strike="noStrike" spc="-1" dirty="0">
+              <a:latin typeface="Arial"/>
+            </a:endParaRPr>
+          </a:p>
+          <a:p>
+            <a:pPr marL="1296000" lvl="2" indent="-287640">
+              <a:lnSpc>
+                <a:spcPct val="100000"/>
+              </a:lnSpc>
+              <a:spcBef>
+                <a:spcPts val="850"/>
+              </a:spcBef>
+              <a:buClr>
+                <a:srgbClr val="000000"/>
+              </a:buClr>
+              <a:buSzPct val="45000"/>
+              <a:buFont typeface="Wingdings" charset="2"/>
+              <a:buChar char=""/>
+            </a:pPr>
+            <a:r>
+              <a:rPr lang="en-US" sz="1600" b="1" strike="noStrike" spc="-1" dirty="0">
+                <a:solidFill>
+                  <a:srgbClr val="000000"/>
+                </a:solidFill>
+                <a:latin typeface="Corbel"/>
+                <a:ea typeface="Noto Sans CJK SC"/>
+              </a:rPr>
+              <a:t>Information </a:t>
+            </a:r>
+            <a:r>
+              <a:rPr lang="en-US" sz="1600" b="0" strike="noStrike" spc="-1" dirty="0">
+                <a:solidFill>
+                  <a:srgbClr val="000000"/>
+                </a:solidFill>
+                <a:latin typeface="Corbel"/>
+                <a:ea typeface="Noto Sans CJK SC"/>
+              </a:rPr>
+              <a:t>: </a:t>
+            </a:r>
+            <a:r>
+              <a:rPr lang="en-US" sz="1600" b="0" i="0" dirty="0">
+                <a:effectLst/>
+                <a:latin typeface="Corbel" panose="020B0503020204020204" pitchFamily="34" charset="0"/>
+              </a:rPr>
+              <a:t>Geocoding is the process of converting addresses (like "1600 Amphitheatre Parkway, Mountain     View, CA") into geographic coordinates (like latitude 37.423021 and longitude -122.083739), which you can use          to place markers on a map, or position the map</a:t>
+            </a:r>
+            <a:r>
+              <a:rPr lang="en-US" sz="1400" b="0" i="0" dirty="0">
+                <a:solidFill>
+                  <a:srgbClr val="4E4E4E"/>
+                </a:solidFill>
+                <a:effectLst/>
+                <a:latin typeface="Lato"/>
+              </a:rPr>
+              <a:t>.</a:t>
+            </a:r>
+          </a:p>
+          <a:p>
+            <a:pPr marL="1296000" lvl="2" indent="-287640">
+              <a:lnSpc>
+                <a:spcPct val="100000"/>
+              </a:lnSpc>
+              <a:spcBef>
+                <a:spcPts val="850"/>
+              </a:spcBef>
+              <a:buClr>
+                <a:srgbClr val="000000"/>
+              </a:buClr>
+              <a:buSzPct val="45000"/>
+              <a:buFont typeface="Wingdings" charset="2"/>
+              <a:buChar char=""/>
+            </a:pPr>
+            <a:r>
+              <a:rPr lang="en-US" sz="1600" b="1" strike="noStrike" spc="-1" dirty="0">
+                <a:solidFill>
+                  <a:srgbClr val="000000"/>
+                </a:solidFill>
+                <a:latin typeface="Corbel"/>
+                <a:ea typeface="Noto Sans CJK SC"/>
+              </a:rPr>
+              <a:t>Popularity</a:t>
+            </a:r>
+            <a:r>
+              <a:rPr lang="en-US" sz="1600" b="0" strike="noStrike" spc="-1" dirty="0">
+                <a:solidFill>
+                  <a:srgbClr val="000000"/>
+                </a:solidFill>
+                <a:latin typeface="Corbel"/>
+                <a:ea typeface="Noto Sans CJK SC"/>
+              </a:rPr>
+              <a:t>: 9.5/10,</a:t>
+            </a:r>
+            <a:r>
+              <a:rPr lang="en-US" sz="1600" b="1" strike="noStrike" spc="-1" dirty="0">
+                <a:solidFill>
+                  <a:srgbClr val="000000"/>
+                </a:solidFill>
+                <a:latin typeface="Corbel"/>
+                <a:ea typeface="Noto Sans CJK SC"/>
+              </a:rPr>
+              <a:t> Latency</a:t>
+            </a:r>
+            <a:r>
+              <a:rPr lang="en-US" sz="1600" b="0" strike="noStrike" spc="-1" dirty="0">
+                <a:solidFill>
+                  <a:srgbClr val="000000"/>
+                </a:solidFill>
+                <a:latin typeface="Corbel"/>
+                <a:ea typeface="Noto Sans CJK SC"/>
+              </a:rPr>
+              <a:t>: 132ms,</a:t>
+            </a:r>
+            <a:r>
+              <a:rPr lang="en-US" sz="1600" b="1" strike="noStrike" spc="-1" dirty="0">
+                <a:solidFill>
+                  <a:srgbClr val="000000"/>
+                </a:solidFill>
+                <a:latin typeface="Corbel"/>
+                <a:ea typeface="Noto Sans CJK SC"/>
+              </a:rPr>
+              <a:t> Service Level</a:t>
+            </a:r>
+            <a:r>
+              <a:rPr lang="en-US" sz="1600" b="0" strike="noStrike" spc="-1" dirty="0">
+                <a:solidFill>
+                  <a:srgbClr val="000000"/>
+                </a:solidFill>
+                <a:latin typeface="Corbel"/>
+                <a:ea typeface="Noto Sans CJK SC"/>
+              </a:rPr>
+              <a:t>: 100%</a:t>
+            </a:r>
+            <a:endParaRPr lang="en-US" dirty="0"/>
+          </a:p>
+          <a:p>
+            <a:endParaRPr lang="en-US" dirty="0"/>
+          </a:p>
+        </p:txBody>
+      </p:sp>
+    </p:spTree>
+    <p:extLst>
+      <p:ext uri="{BB962C8B-B14F-4D97-AF65-F5344CB8AC3E}">
+        <p14:creationId xmlns:p14="http://schemas.microsoft.com/office/powerpoint/2010/main" val="2523952342"/>
+      </p:ext>
+    </p:extLst>
+  </p:cSld>
+  <p:clrMapOvr>
+    <a:masterClrMapping/>
+  </p:clrMapOvr>
+</p:sld>
+</file>
+
+<file path=ppt/slides/slide13.xml><?xml version="1.0" encoding="utf-8"?>
+<p:sld xmlns:a="http://schemas.openxmlformats.org/drawingml/2006/main" xmlns:r="http://schemas.openxmlformats.org/officeDocument/2006/relationships" xmlns:p="http://schemas.openxmlformats.org/presentationml/2006/main">
+  <p:cSld>
+    <p:spTree>
+      <p:nvGrpSpPr>
+        <p:cNvPr id="1" name=""/>
+        <p:cNvGrpSpPr/>
+        <p:nvPr/>
+      </p:nvGrpSpPr>
+      <p:grpSpPr>
+        <a:xfrm>
+          <a:off x="0" y="0"/>
+          <a:ext cx="0" cy="0"/>
+          <a:chOff x="0" y="0"/>
+          <a:chExt cx="0" cy="0"/>
+        </a:xfrm>
+      </p:grpSpPr>
+      <p:sp>
+        <p:nvSpPr>
+          <p:cNvPr id="2" name="Title 1">
+            <a:extLst>
+              <a:ext uri="{FF2B5EF4-FFF2-40B4-BE49-F238E27FC236}">
+                <a16:creationId xmlns:a16="http://schemas.microsoft.com/office/drawing/2014/main" id="{84584CDC-F0B4-47FE-A325-0F52EF9D0632}"/>
+              </a:ext>
+            </a:extLst>
+          </p:cNvPr>
+          <p:cNvSpPr>
+            <a:spLocks noGrp="1"/>
+          </p:cNvSpPr>
+          <p:nvPr>
+            <p:ph type="title"/>
+          </p:nvPr>
+        </p:nvSpPr>
+        <p:spPr/>
+        <p:txBody>
+          <a:bodyPr/>
+          <a:lstStyle/>
+          <a:p>
+            <a:pPr algn="ctr"/>
+            <a:r>
+              <a:rPr lang="en-US" dirty="0"/>
+              <a:t>MAP API’s</a:t>
+            </a:r>
+          </a:p>
+        </p:txBody>
+      </p:sp>
+      <p:sp>
+        <p:nvSpPr>
+          <p:cNvPr id="3" name="Subtitle 2">
+            <a:extLst>
+              <a:ext uri="{FF2B5EF4-FFF2-40B4-BE49-F238E27FC236}">
+                <a16:creationId xmlns:a16="http://schemas.microsoft.com/office/drawing/2014/main" id="{6B265DA9-991A-46BE-8951-CA5E22F22561}"/>
+              </a:ext>
+            </a:extLst>
+          </p:cNvPr>
+          <p:cNvSpPr>
+            <a:spLocks noGrp="1"/>
+          </p:cNvSpPr>
+          <p:nvPr>
+            <p:ph type="subTitle"/>
+          </p:nvPr>
+        </p:nvSpPr>
+        <p:spPr>
+          <a:xfrm>
+            <a:off x="1589015" y="1418400"/>
+            <a:ext cx="10972440" cy="3977280"/>
+          </a:xfrm>
+        </p:spPr>
+        <p:txBody>
+          <a:bodyPr/>
+          <a:lstStyle/>
+          <a:p>
+            <a:pPr marL="285840" indent="-285120">
+              <a:lnSpc>
+                <a:spcPct val="100000"/>
+              </a:lnSpc>
+              <a:spcBef>
+                <a:spcPts val="479"/>
+              </a:spcBef>
+              <a:spcAft>
+                <a:spcPts val="601"/>
+              </a:spcAft>
+              <a:buClr>
+                <a:srgbClr val="1287C3"/>
+              </a:buClr>
+              <a:buSzPct val="145000"/>
+              <a:buFont typeface="Arial"/>
+              <a:buChar char="•"/>
+            </a:pPr>
+            <a:r>
+              <a:rPr lang="en-US" sz="2400" b="0" strike="noStrike" spc="-1" dirty="0">
+                <a:solidFill>
+                  <a:srgbClr val="000000"/>
+                </a:solidFill>
+                <a:latin typeface="Corbel"/>
+              </a:rPr>
+              <a:t>Map API:</a:t>
+            </a:r>
+            <a:endParaRPr lang="en-US" sz="2400" b="0" strike="noStrike" spc="-1" dirty="0">
+              <a:latin typeface="Arial"/>
+            </a:endParaRPr>
+          </a:p>
+          <a:p>
+            <a:pPr marL="864000" lvl="1" indent="-323640">
+              <a:lnSpc>
+                <a:spcPct val="100000"/>
+              </a:lnSpc>
+              <a:spcBef>
+                <a:spcPts val="1134"/>
+              </a:spcBef>
+              <a:buClr>
+                <a:srgbClr val="000000"/>
+              </a:buClr>
+              <a:buSzPct val="45000"/>
+              <a:buFont typeface="Wingdings" charset="2"/>
+              <a:buChar char=""/>
+            </a:pPr>
+            <a:r>
+              <a:rPr lang="en-US" sz="1800" b="0" strike="noStrike" spc="-1" dirty="0">
+                <a:solidFill>
+                  <a:srgbClr val="000000"/>
+                </a:solidFill>
+                <a:latin typeface="Corbel"/>
+              </a:rPr>
+              <a:t>1) WeatherAPI.com</a:t>
+            </a:r>
+            <a:endParaRPr lang="en-US" sz="1800" b="0" strike="noStrike" spc="-1" dirty="0">
+              <a:latin typeface="Arial"/>
+            </a:endParaRPr>
+          </a:p>
+          <a:p>
+            <a:pPr marL="1296000" lvl="2" indent="-287640">
+              <a:lnSpc>
+                <a:spcPct val="100000"/>
+              </a:lnSpc>
+              <a:spcBef>
+                <a:spcPts val="850"/>
+              </a:spcBef>
+              <a:buClr>
+                <a:srgbClr val="000000"/>
+              </a:buClr>
+              <a:buSzPct val="45000"/>
+              <a:buFont typeface="Wingdings" charset="2"/>
+              <a:buChar char=""/>
+            </a:pPr>
+            <a:r>
+              <a:rPr lang="en-US" sz="1600" b="1" strike="noStrike" spc="-1" dirty="0">
+                <a:solidFill>
+                  <a:srgbClr val="000000"/>
+                </a:solidFill>
+                <a:latin typeface="Corbel"/>
+              </a:rPr>
+              <a:t>Limit</a:t>
+            </a:r>
+            <a:r>
+              <a:rPr lang="en-US" sz="1600" b="0" strike="noStrike" spc="-1" dirty="0">
+                <a:solidFill>
+                  <a:srgbClr val="000000"/>
+                </a:solidFill>
+                <a:latin typeface="Corbel"/>
+              </a:rPr>
+              <a:t>:  1000000 / month </a:t>
+            </a:r>
+            <a:r>
+              <a:rPr lang="en-US" sz="1600" b="0" strike="noStrike" spc="-1" dirty="0" err="1">
+                <a:solidFill>
+                  <a:srgbClr val="000000"/>
+                </a:solidFill>
+                <a:latin typeface="Corbel"/>
+              </a:rPr>
+              <a:t>quotaHard</a:t>
+            </a:r>
+            <a:r>
+              <a:rPr lang="en-US" sz="1600" b="0" strike="noStrike" spc="-1" dirty="0">
+                <a:solidFill>
+                  <a:srgbClr val="000000"/>
+                </a:solidFill>
+                <a:latin typeface="Corbel"/>
+              </a:rPr>
+              <a:t> Limit</a:t>
+            </a:r>
+            <a:endParaRPr lang="en-US" sz="1600" b="0" strike="noStrike" spc="-1" dirty="0">
+              <a:latin typeface="Arial"/>
+            </a:endParaRPr>
+          </a:p>
+          <a:p>
+            <a:pPr marL="1296000" lvl="2" indent="-287640">
+              <a:lnSpc>
+                <a:spcPct val="100000"/>
+              </a:lnSpc>
+              <a:spcBef>
+                <a:spcPts val="850"/>
+              </a:spcBef>
+              <a:buClr>
+                <a:srgbClr val="000000"/>
+              </a:buClr>
+              <a:buSzPct val="45000"/>
+              <a:buFont typeface="Wingdings" charset="2"/>
+              <a:buChar char=""/>
+            </a:pPr>
+            <a:r>
+              <a:rPr lang="en-US" sz="1600" b="1" strike="noStrike" spc="-1" dirty="0">
+                <a:solidFill>
+                  <a:srgbClr val="000000"/>
+                </a:solidFill>
+                <a:latin typeface="Corbel"/>
+              </a:rPr>
+              <a:t>Data Format</a:t>
+            </a:r>
+            <a:r>
+              <a:rPr lang="en-US" sz="1600" b="0" strike="noStrike" spc="-1" dirty="0">
+                <a:solidFill>
+                  <a:srgbClr val="000000"/>
+                </a:solidFill>
+                <a:latin typeface="Corbel"/>
+              </a:rPr>
+              <a:t>: FetchAPI</a:t>
+            </a:r>
+            <a:endParaRPr lang="en-US" sz="1600" b="0" strike="noStrike" spc="-1" dirty="0">
+              <a:latin typeface="Arial"/>
+            </a:endParaRPr>
+          </a:p>
+          <a:p>
+            <a:pPr marL="1296000" lvl="2" indent="-287640">
+              <a:lnSpc>
+                <a:spcPct val="100000"/>
+              </a:lnSpc>
+              <a:spcBef>
+                <a:spcPts val="850"/>
+              </a:spcBef>
+              <a:buClr>
+                <a:srgbClr val="000000"/>
+              </a:buClr>
+              <a:buSzPct val="45000"/>
+              <a:buFont typeface="Wingdings" charset="2"/>
+              <a:buChar char=""/>
+            </a:pPr>
+            <a:r>
+              <a:rPr lang="en-US" sz="1600" b="1" strike="noStrike" spc="-1" dirty="0">
+                <a:solidFill>
+                  <a:srgbClr val="000000"/>
+                </a:solidFill>
+                <a:latin typeface="Corbel"/>
+                <a:ea typeface="Noto Sans CJK SC"/>
+              </a:rPr>
+              <a:t>Type</a:t>
+            </a:r>
+            <a:r>
+              <a:rPr lang="en-US" sz="1600" b="0" strike="noStrike" spc="-1" dirty="0">
+                <a:solidFill>
+                  <a:srgbClr val="000000"/>
+                </a:solidFill>
+                <a:latin typeface="Corbel"/>
+                <a:ea typeface="Noto Sans CJK SC"/>
+              </a:rPr>
+              <a:t>: Free public API accessible via authentication key</a:t>
+            </a:r>
+            <a:endParaRPr lang="en-US" sz="1600" b="0" strike="noStrike" spc="-1" dirty="0">
+              <a:latin typeface="Arial"/>
+            </a:endParaRPr>
+          </a:p>
+          <a:p>
+            <a:pPr marL="1296000" lvl="2" indent="-287640">
+              <a:lnSpc>
+                <a:spcPct val="100000"/>
+              </a:lnSpc>
+              <a:spcBef>
+                <a:spcPts val="850"/>
+              </a:spcBef>
+              <a:buClr>
+                <a:srgbClr val="000000"/>
+              </a:buClr>
+              <a:buSzPct val="45000"/>
+              <a:buFont typeface="Wingdings" charset="2"/>
+              <a:buChar char=""/>
+            </a:pPr>
+            <a:r>
+              <a:rPr lang="en-US" sz="1600" b="1" strike="noStrike" spc="-1" dirty="0">
+                <a:solidFill>
+                  <a:srgbClr val="000000"/>
+                </a:solidFill>
+                <a:latin typeface="Corbel"/>
+                <a:ea typeface="Noto Sans CJK SC"/>
+              </a:rPr>
+              <a:t>Information </a:t>
+            </a:r>
+            <a:r>
+              <a:rPr lang="en-US" sz="1600" b="0" strike="noStrike" spc="-1" dirty="0">
+                <a:solidFill>
+                  <a:srgbClr val="000000"/>
+                </a:solidFill>
+                <a:latin typeface="Corbel"/>
+                <a:ea typeface="Noto Sans CJK SC"/>
+              </a:rPr>
+              <a:t>: </a:t>
+            </a:r>
+            <a:r>
+              <a:rPr lang="en-US" sz="1600" b="0" i="0" dirty="0">
+                <a:effectLst/>
+                <a:latin typeface="Corbel" panose="020B0503020204020204" pitchFamily="34" charset="0"/>
+              </a:rPr>
+              <a:t>WeatherAPI.com is a powerful fully managed free weather and geolocation API provider that provides extensive APIs that range from the weather forecast, historical weather, IP lookup, and astronomy   through to sports, time zone, and geolocation</a:t>
+            </a:r>
+            <a:r>
+              <a:rPr lang="en-US" sz="1600" b="0" strike="noStrike" spc="-1" dirty="0">
+                <a:latin typeface="Corbel" panose="020B0503020204020204" pitchFamily="34" charset="0"/>
+                <a:ea typeface="Noto Sans CJK SC"/>
+              </a:rPr>
+              <a:t>.</a:t>
+            </a:r>
+            <a:endParaRPr lang="en-US" sz="1600" b="0" strike="noStrike" spc="-1" dirty="0">
+              <a:latin typeface="Corbel" panose="020B0503020204020204" pitchFamily="34" charset="0"/>
+            </a:endParaRPr>
+          </a:p>
+          <a:p>
+            <a:pPr marL="1296000" lvl="2" indent="-287640">
+              <a:lnSpc>
+                <a:spcPct val="100000"/>
+              </a:lnSpc>
+              <a:spcBef>
+                <a:spcPts val="850"/>
+              </a:spcBef>
+              <a:buClr>
+                <a:srgbClr val="000000"/>
+              </a:buClr>
+              <a:buSzPct val="45000"/>
+              <a:buFont typeface="Wingdings" charset="2"/>
+              <a:buChar char=""/>
+            </a:pPr>
+            <a:r>
+              <a:rPr lang="en-US" sz="1600" b="1" strike="noStrike" spc="-1" dirty="0">
+                <a:solidFill>
+                  <a:srgbClr val="000000"/>
+                </a:solidFill>
+                <a:latin typeface="Corbel"/>
+                <a:ea typeface="Noto Sans CJK SC"/>
+              </a:rPr>
+              <a:t>Popularity</a:t>
+            </a:r>
+            <a:r>
+              <a:rPr lang="en-US" sz="1600" b="0" strike="noStrike" spc="-1" dirty="0">
+                <a:solidFill>
+                  <a:srgbClr val="000000"/>
+                </a:solidFill>
+                <a:latin typeface="Corbel"/>
+                <a:ea typeface="Noto Sans CJK SC"/>
+              </a:rPr>
+              <a:t>: 9.8/10,</a:t>
+            </a:r>
+            <a:r>
+              <a:rPr lang="en-US" sz="1600" b="1" strike="noStrike" spc="-1" dirty="0">
+                <a:solidFill>
+                  <a:srgbClr val="000000"/>
+                </a:solidFill>
+                <a:latin typeface="Corbel"/>
+                <a:ea typeface="Noto Sans CJK SC"/>
+              </a:rPr>
+              <a:t> Latency</a:t>
+            </a:r>
+            <a:r>
+              <a:rPr lang="en-US" sz="1600" b="0" strike="noStrike" spc="-1" dirty="0">
+                <a:solidFill>
+                  <a:srgbClr val="000000"/>
+                </a:solidFill>
+                <a:latin typeface="Corbel"/>
+                <a:ea typeface="Noto Sans CJK SC"/>
+              </a:rPr>
+              <a:t>: 106ms,</a:t>
+            </a:r>
+            <a:r>
+              <a:rPr lang="en-US" sz="1600" b="1" strike="noStrike" spc="-1" dirty="0">
+                <a:solidFill>
+                  <a:srgbClr val="000000"/>
+                </a:solidFill>
+                <a:latin typeface="Corbel"/>
+                <a:ea typeface="Noto Sans CJK SC"/>
+              </a:rPr>
+              <a:t> Service Level</a:t>
+            </a:r>
+            <a:r>
+              <a:rPr lang="en-US" sz="1600" b="0" strike="noStrike" spc="-1" dirty="0">
+                <a:solidFill>
+                  <a:srgbClr val="000000"/>
+                </a:solidFill>
+                <a:latin typeface="Corbel"/>
+                <a:ea typeface="Noto Sans CJK SC"/>
+              </a:rPr>
+              <a:t>: 100%</a:t>
+            </a:r>
+            <a:endParaRPr lang="en-US" dirty="0"/>
+          </a:p>
+        </p:txBody>
+      </p:sp>
+    </p:spTree>
+    <p:extLst>
+      <p:ext uri="{BB962C8B-B14F-4D97-AF65-F5344CB8AC3E}">
+        <p14:creationId xmlns:p14="http://schemas.microsoft.com/office/powerpoint/2010/main" val="4039726391"/>
+      </p:ext>
+    </p:extLst>
+  </p:cSld>
+  <p:clrMapOvr>
+    <a:masterClrMapping/>
+  </p:clrMapOvr>
+</p:sld>
+</file>
+
+<file path=ppt/slides/slide2.xml><?xml version="1.0" encoding="utf-8"?>
+<p:sld xmlns:a="http://schemas.openxmlformats.org/drawingml/2006/main" xmlns:r="http://schemas.openxmlformats.org/officeDocument/2006/relationships" xmlns:p="http://schemas.openxmlformats.org/presentationml/2006/main">
+  <p:cSld>
+    <p:spTree>
+      <p:nvGrpSpPr>
+        <p:cNvPr id="1" name=""/>
+        <p:cNvGrpSpPr/>
+        <p:nvPr/>
+      </p:nvGrpSpPr>
+      <p:grpSpPr>
+        <a:xfrm>
+          <a:off x="0" y="0"/>
+          <a:ext cx="0" cy="0"/>
+          <a:chOff x="0" y="0"/>
+          <a:chExt cx="0" cy="0"/>
+        </a:xfrm>
+      </p:grpSpPr>
+      <p:sp>
+        <p:nvSpPr>
+          <p:cNvPr id="99" name="CustomShape 1"/>
+          <p:cNvSpPr/>
+          <p:nvPr/>
+        </p:nvSpPr>
+        <p:spPr>
+          <a:xfrm>
+            <a:off x="1484280" y="685800"/>
+            <a:ext cx="10018080" cy="1751760"/>
+          </a:xfrm>
+          <a:prstGeom prst="rect">
+            <a:avLst/>
+          </a:prstGeom>
+          <a:noFill/>
+          <a:ln>
+            <a:noFill/>
+          </a:ln>
+        </p:spPr>
+        <p:style>
+          <a:lnRef idx="0">
+            <a:scrgbClr r="0" g="0" b="0"/>
+          </a:lnRef>
+          <a:fillRef idx="0">
+            <a:scrgbClr r="0" g="0" b="0"/>
+          </a:fillRef>
+          <a:effectRef idx="0">
+            <a:scrgbClr r="0" g="0" b="0"/>
+          </a:effectRef>
+          <a:fontRef idx="minor"/>
+        </p:style>
+        <p:txBody>
+          <a:bodyPr lIns="90000" tIns="45000" rIns="90000" bIns="45000" anchor="ctr"/>
+          <a:lstStyle/>
+          <a:p>
+            <a:pPr algn="ctr">
+              <a:lnSpc>
+                <a:spcPct val="100000"/>
+              </a:lnSpc>
+            </a:pPr>
+            <a:r>
+              <a:rPr lang="en-US" sz="4000" b="0" strike="noStrike" spc="-1">
+                <a:solidFill>
+                  <a:srgbClr val="000000"/>
+                </a:solidFill>
+                <a:latin typeface="Corbel"/>
+              </a:rPr>
+              <a:t>App Details</a:t>
+            </a:r>
+            <a:endParaRPr lang="en-US" sz="4000" b="0" strike="noStrike" spc="-1">
+              <a:latin typeface="Arial"/>
+            </a:endParaRPr>
+          </a:p>
+        </p:txBody>
+      </p:sp>
+      <p:sp>
+        <p:nvSpPr>
+          <p:cNvPr id="100" name="CustomShape 2"/>
+          <p:cNvSpPr/>
+          <p:nvPr/>
+        </p:nvSpPr>
+        <p:spPr>
+          <a:xfrm>
+            <a:off x="1484280" y="2666880"/>
+            <a:ext cx="10018080" cy="3123360"/>
+          </a:xfrm>
+          <a:prstGeom prst="rect">
+            <a:avLst/>
+          </a:prstGeom>
+          <a:noFill/>
+          <a:ln>
+            <a:noFill/>
+          </a:ln>
+        </p:spPr>
+        <p:style>
+          <a:lnRef idx="0">
+            <a:scrgbClr r="0" g="0" b="0"/>
+          </a:lnRef>
+          <a:fillRef idx="0">
+            <a:scrgbClr r="0" g="0" b="0"/>
+          </a:fillRef>
+          <a:effectRef idx="0">
+            <a:scrgbClr r="0" g="0" b="0"/>
+          </a:effectRef>
+          <a:fontRef idx="minor"/>
+        </p:style>
+        <p:txBody>
+          <a:bodyPr lIns="90000" tIns="45000" rIns="90000" bIns="45000" anchor="ctr"/>
+          <a:lstStyle/>
+          <a:p>
+            <a:pPr marL="285840" indent="-285120">
+              <a:lnSpc>
+                <a:spcPct val="100000"/>
+              </a:lnSpc>
+              <a:spcBef>
+                <a:spcPts val="479"/>
+              </a:spcBef>
+              <a:spcAft>
+                <a:spcPts val="601"/>
+              </a:spcAft>
+              <a:buClr>
+                <a:srgbClr val="1287C3"/>
+              </a:buClr>
+              <a:buSzPct val="145000"/>
+              <a:buFont typeface="Arial"/>
+              <a:buChar char="•"/>
+            </a:pPr>
+            <a:r>
+              <a:rPr lang="en-US" sz="2400" b="0" strike="noStrike" spc="-1" dirty="0">
+                <a:solidFill>
+                  <a:srgbClr val="000000"/>
+                </a:solidFill>
+                <a:latin typeface="Corbel"/>
+              </a:rPr>
+              <a:t>Weather and hike tails web application</a:t>
+            </a:r>
+            <a:endParaRPr lang="en-US" sz="2400" b="0" strike="noStrike" spc="-1" dirty="0">
+              <a:latin typeface="Arial"/>
+            </a:endParaRPr>
+          </a:p>
+          <a:p>
+            <a:pPr marL="285840" indent="-285120">
+              <a:lnSpc>
+                <a:spcPct val="100000"/>
+              </a:lnSpc>
+              <a:spcBef>
+                <a:spcPts val="479"/>
+              </a:spcBef>
+              <a:spcAft>
+                <a:spcPts val="601"/>
+              </a:spcAft>
+              <a:buClr>
+                <a:srgbClr val="1287C3"/>
+              </a:buClr>
+              <a:buSzPct val="145000"/>
+              <a:buFont typeface="Arial"/>
+              <a:buChar char="•"/>
+            </a:pPr>
+            <a:r>
+              <a:rPr lang="en-US" sz="2400" b="0" strike="noStrike" spc="-1" dirty="0">
+                <a:solidFill>
+                  <a:srgbClr val="000000"/>
+                </a:solidFill>
+                <a:latin typeface="Corbel"/>
+              </a:rPr>
+              <a:t>Check weather and go for hike. All information can be navigable.</a:t>
+            </a:r>
+            <a:endParaRPr lang="en-US" sz="2400" b="0" strike="noStrike" spc="-1" dirty="0">
+              <a:latin typeface="Arial"/>
+            </a:endParaRPr>
+          </a:p>
+          <a:p>
+            <a:pPr marL="285840" indent="-285120">
+              <a:lnSpc>
+                <a:spcPct val="100000"/>
+              </a:lnSpc>
+              <a:spcBef>
+                <a:spcPts val="479"/>
+              </a:spcBef>
+              <a:spcAft>
+                <a:spcPts val="601"/>
+              </a:spcAft>
+              <a:buClr>
+                <a:srgbClr val="1287C3"/>
+              </a:buClr>
+              <a:buSzPct val="145000"/>
+              <a:buFont typeface="Arial"/>
+              <a:buChar char="•"/>
+            </a:pPr>
+            <a:r>
+              <a:rPr lang="en-US" sz="2400" b="0" strike="noStrike" spc="-1" dirty="0">
                 <a:solidFill>
                   <a:srgbClr val="000000"/>
                 </a:solidFill>
@@ -4609,7 +6941,16 @@
               </a:rPr>
               <a:t> </a:t>
             </a:r>
-            <a:endParaRPr b="0" lang="en-US" sz="2400" spc="-1" strike="noStrike">
+            <a:r>
+              <a:rPr lang="en-US" sz="2400" spc="-1" dirty="0">
+                <a:solidFill>
+                  <a:srgbClr val="000000"/>
+                </a:solidFill>
+                <a:latin typeface="Corbel"/>
+              </a:rPr>
+              <a:t>Find a map route to hike trail.</a:t>
+            </a:r>
+            <a:endParaRPr lang="en-US" sz="2400" b="0" strike="noStrike" spc="-1" dirty="0">
               <a:latin typeface="Arial"/>
             </a:endParaRPr>
           </a:p>
@@ -4617,22 +6958,25 @@
       </p:sp>
     </p:spTree>
   </p:cSld>
+  <p:clrMapOvr>
+    <a:masterClrMapping/>
+  </p:clrMapOvr>
   <p:timing>
     <p:tnLst>
       <p:par>
-        <p:cTn id="3" dur="indefinite" restart="never" nodeType="tmRoot">
+        <p:cTn id="1" dur="indefinite" restart="never" nodeType="tmRoot">
           <p:childTnLst>
             <p:seq>
-              <p:cTn id="4" dur="indefinite" nodeType="mainSeq"/>
+              <p:cTn id="2" dur="indefinite" nodeType="mainSeq"/>
               <p:prevCondLst>
-                <p:cond delay="0" evt="onPrev">
+                <p:cond evt="onPrev" delay="0">
                   <p:tgtEl>
                     <p:sldTgt/>
                   </p:tgtEl>
                 </p:cond>
               </p:prevCondLst>
               <p:nextCondLst>
-                <p:cond delay="0" evt="onNext">
+                <p:cond evt="onNext" delay="0">
                   <p:tgtEl>
                     <p:sldTgt/>
                   </p:tgtEl>
@@ -4648,7 +6992,7 @@
 </file>
 
 <file path=ppt/slides/slide3.xml><?xml version="1.0" encoding="utf-8"?>
-<p:sld xmlns:a="http://schemas.openxmlformats.org/drawingml/2006/main" xmlns:p="http://schemas.openxmlformats.org/presentationml/2006/main" xmlns:r="http://schemas.openxmlformats.org/officeDocument/2006/relationships" xmlns:p14="http://schemas.microsoft.com/office/powerpoint/2010/main" xmlns:p15="http://schemas.microsoft.com/office/powerpoint/2012/main" xmlns:mc="http://schemas.openxmlformats.org/markup-compatibility/2006">
+<p:sld xmlns:a="http://schemas.openxmlformats.org/drawingml/2006/main" xmlns:r="http://schemas.openxmlformats.org/officeDocument/2006/relationships" xmlns:p="http://schemas.openxmlformats.org/presentationml/2006/main">
   <p:cSld>
     <p:spTree>
       <p:nvGrpSpPr>
@@ -4684,13 +7028,20 @@
           </a:ln>
         </p:spPr>
         <p:style>
-          <a:lnRef idx="0"/>
-          <a:fillRef idx="0"/>
-          <a:effectRef idx="0"/>
+          <a:lnRef idx="0">
+            <a:scrgbClr r="0" g="0" b="0"/>
+          </a:lnRef>
+          <a:fillRef idx="0">
+            <a:scrgbClr r="0" g="0" b="0"/>
+          </a:fillRef>
+          <a:effectRef idx="0">
+            <a:scrgbClr r="0" g="0" b="0"/>
+          </a:effectRef>
           <a:fontRef idx="minor"/>
         </p:style>
         <p:txBody>
-          <a:bodyPr lIns="90000" rIns="90000" tIns="45000" bIns="45000" anchor="ctr"/>
+          <a:bodyPr lIns="90000" tIns="45000" rIns="90000" bIns="45000" anchor="ctr"/>
+          <a:lstStyle/>
           <a:p>
             <a:pPr algn="ctr">
               <a:lnSpc>
@@ -4698,7 +7049,7 @@
               </a:lnSpc>
             </a:pPr>
             <a:r>
-              <a:rPr b="0" lang="en-US" sz="4000" spc="-1" strike="noStrike">
+              <a:rPr lang="en-US" sz="4000" b="0" strike="noStrike" spc="-1">
                 <a:solidFill>
                   <a:srgbClr val="000000"/>
                 </a:solidFill>
@@ -4706,7 +7057,7 @@
               </a:rPr>
               <a:t>App Features</a:t>
             </a:r>
-            <a:endParaRPr b="0" lang="en-US" sz="4000" spc="-1" strike="noStrike">
+            <a:endParaRPr lang="en-US" sz="4000" b="0" strike="noStrike" spc="-1">
               <a:latin typeface="Arial"/>
             </a:endParaRPr>
           </a:p>
@@ -4732,13 +7083,20 @@
           </a:ln>
         </p:spPr>
         <p:style>
-          <a:lnRef idx="0"/>
-          <a:fillRef idx="0"/>
-          <a:effectRef idx="0"/>
+          <a:lnRef idx="0">
+            <a:scrgbClr r="0" g="0" b="0"/>
+          </a:lnRef>
+          <a:fillRef idx="0">
+            <a:scrgbClr r="0" g="0" b="0"/>
+          </a:fillRef>
+          <a:effectRef idx="0">
+            <a:scrgbClr r="0" g="0" b="0"/>
+          </a:effectRef>
           <a:fontRef idx="minor"/>
         </p:style>
         <p:txBody>
-          <a:bodyPr lIns="90000" rIns="90000" tIns="45000" bIns="45000" anchor="ctr"/>
+          <a:bodyPr lIns="90000" tIns="45000" rIns="90000" bIns="45000" anchor="ctr"/>
+          <a:lstStyle/>
           <a:p>
             <a:pPr marL="285840" indent="-285120">
               <a:lnSpc>
@@ -4751,14 +7109,14 @@
                 <a:spcPts val="601"/>
               </a:spcAft>
               <a:buClr>
-                <a:srgbClr val="1287c3"/>
+                <a:srgbClr val="1287C3"/>
               </a:buClr>
               <a:buSzPct val="145000"/>
               <a:buFont typeface="Arial"/>
               <a:buChar char="•"/>
             </a:pPr>
             <a:r>
-              <a:rPr b="0" lang="en-US" sz="2400" spc="-1" strike="noStrike">
+              <a:rPr lang="en-US" sz="2400" b="0" strike="noStrike" spc="-1">
                 <a:solidFill>
                   <a:srgbClr val="000000"/>
                 </a:solidFill>
@@ -4766,7 +7124,7 @@
               </a:rPr>
               <a:t>Home page with links </a:t>
             </a:r>
-            <a:endParaRPr b="0" lang="en-US" sz="2400" spc="-1" strike="noStrike">
+            <a:endParaRPr lang="en-US" sz="2400" b="0" strike="noStrike" spc="-1">
               <a:latin typeface="Arial"/>
             </a:endParaRPr>
           </a:p>
@@ -4782,14 +7140,14 @@
                 <a:spcPts val="601"/>
               </a:spcAft>
               <a:buClr>
-                <a:srgbClr val="1287c3"/>
+                <a:srgbClr val="1287C3"/>
               </a:buClr>
               <a:buSzPct val="145000"/>
               <a:buFont typeface="Arial"/>
               <a:buChar char="•"/>
             </a:pPr>
             <a:r>
-              <a:rPr b="0" lang="en-US" sz="2400" spc="-1" strike="noStrike">
+              <a:rPr lang="en-US" sz="2400" b="0" strike="noStrike" spc="-1">
                 <a:solidFill>
                   <a:srgbClr val="000000"/>
                 </a:solidFill>
@@ -4797,7 +7155,7 @@
               </a:rPr>
               <a:t>Link to weather page, link to hike trails page</a:t>
             </a:r>
-            <a:endParaRPr b="0" lang="en-US" sz="2400" spc="-1" strike="noStrike">
+            <a:endParaRPr lang="en-US" sz="2400" b="0" strike="noStrike" spc="-1">
               <a:latin typeface="Arial"/>
             </a:endParaRPr>
           </a:p>
@@ -4813,14 +7171,14 @@
                 <a:spcPts val="601"/>
               </a:spcAft>
               <a:buClr>
-                <a:srgbClr val="1287c3"/>
+                <a:srgbClr val="1287C3"/>
               </a:buClr>
               <a:buSzPct val="145000"/>
               <a:buFont typeface="Arial"/>
               <a:buChar char="•"/>
             </a:pPr>
             <a:r>
-              <a:rPr b="0" lang="en-US" sz="2400" spc="-1" strike="noStrike">
+              <a:rPr lang="en-US" sz="2400" b="0" strike="noStrike" spc="-1">
                 <a:solidFill>
                   <a:srgbClr val="000000"/>
                 </a:solidFill>
@@ -4828,7 +7186,7 @@
               </a:rPr>
               <a:t>Link to jump from one page to other page</a:t>
             </a:r>
-            <a:endParaRPr b="0" lang="en-US" sz="2400" spc="-1" strike="noStrike">
+            <a:endParaRPr lang="en-US" sz="2400" b="0" strike="noStrike" spc="-1">
               <a:latin typeface="Arial"/>
             </a:endParaRPr>
           </a:p>
@@ -4844,14 +7202,14 @@
                 <a:spcPts val="601"/>
               </a:spcAft>
               <a:buClr>
-                <a:srgbClr val="1287c3"/>
+                <a:srgbClr val="1287C3"/>
               </a:buClr>
               <a:buSzPct val="145000"/>
               <a:buFont typeface="Arial"/>
               <a:buChar char="•"/>
             </a:pPr>
             <a:r>
-              <a:rPr b="0" lang="en-US" sz="2400" spc="-1" strike="noStrike">
+              <a:rPr lang="en-US" sz="2400" b="0" strike="noStrike" spc="-1">
                 <a:solidFill>
                   <a:srgbClr val="000000"/>
                 </a:solidFill>
@@ -4859,7 +7217,7 @@
               </a:rPr>
               <a:t>Search box to search weather of particular place </a:t>
             </a:r>
-            <a:endParaRPr b="0" lang="en-US" sz="2400" spc="-1" strike="noStrike">
+            <a:endParaRPr lang="en-US" sz="2400" b="0" strike="noStrike" spc="-1">
               <a:latin typeface="Arial"/>
             </a:endParaRPr>
           </a:p>
@@ -4875,14 +7233,14 @@
                 <a:spcPts val="601"/>
               </a:spcAft>
               <a:buClr>
-                <a:srgbClr val="1287c3"/>
+                <a:srgbClr val="1287C3"/>
               </a:buClr>
               <a:buSzPct val="145000"/>
               <a:buFont typeface="Arial"/>
               <a:buChar char="•"/>
             </a:pPr>
             <a:r>
-              <a:rPr b="0" lang="en-US" sz="2400" spc="-1" strike="noStrike">
+              <a:rPr lang="en-US" sz="2400" b="0" strike="noStrike" spc="-1">
                 <a:solidFill>
                   <a:srgbClr val="000000"/>
                 </a:solidFill>
@@ -4890,7 +7248,7 @@
               </a:rPr>
               <a:t>Search box to search hike trail</a:t>
             </a:r>
-            <a:endParaRPr b="0" lang="en-US" sz="2400" spc="-1" strike="noStrike">
+            <a:endParaRPr lang="en-US" sz="2400" b="0" strike="noStrike" spc="-1">
               <a:latin typeface="Arial"/>
             </a:endParaRPr>
           </a:p>
@@ -4898,22 +7256,25 @@
       </p:sp>
     </p:spTree>
   </p:cSld>
+  <p:clrMapOvr>
+    <a:masterClrMapping/>
+  </p:clrMapOvr>
   <p:timing>
     <p:tnLst>
       <p:par>
-        <p:cTn id="5" dur="indefinite" restart="never" nodeType="tmRoot">
+        <p:cTn id="1" dur="indefinite" restart="never" nodeType="tmRoot">
           <p:childTnLst>
             <p:seq>
-              <p:cTn id="6" dur="indefinite" nodeType="mainSeq"/>
+              <p:cTn id="2" dur="indefinite" nodeType="mainSeq"/>
               <p:prevCondLst>
-                <p:cond delay="0" evt="onPrev">
+                <p:cond evt="onPrev" delay="0">
                   <p:tgtEl>
                     <p:sldTgt/>
                   </p:tgtEl>
                 </p:cond>
               </p:prevCondLst>
               <p:nextCondLst>
-                <p:cond delay="0" evt="onNext">
+                <p:cond evt="onNext" delay="0">
                   <p:tgtEl>
                     <p:sldTgt/>
                   </p:tgtEl>
@@ -4929,7 +7290,7 @@
 </file>
 
 <file path=ppt/slides/slide4.xml><?xml version="1.0" encoding="utf-8"?>
-<p:sld xmlns:a="http://schemas.openxmlformats.org/drawingml/2006/main" xmlns:p="http://schemas.openxmlformats.org/presentationml/2006/main" xmlns:r="http://schemas.openxmlformats.org/officeDocument/2006/relationships" xmlns:p14="http://schemas.microsoft.com/office/powerpoint/2010/main" xmlns:p15="http://schemas.microsoft.com/office/powerpoint/2012/main" xmlns:mc="http://schemas.openxmlformats.org/markup-compatibility/2006">
+<p:sld xmlns:a="http://schemas.openxmlformats.org/drawingml/2006/main" xmlns:r="http://schemas.openxmlformats.org/officeDocument/2006/relationships" xmlns:p="http://schemas.openxmlformats.org/presentationml/2006/main">
   <p:cSld>
     <p:spTree>
       <p:nvGrpSpPr>
@@ -4947,208 +7308,84 @@
       </p:grpSpPr>
       <p:sp>
         <p:nvSpPr>
-          <p:cNvPr id="103" name="CustomShape 1"/>
-          <p:cNvSpPr/>
+          <p:cNvPr id="2" name="Title 1">
+            <a:extLst>
+              <a:ext uri="{FF2B5EF4-FFF2-40B4-BE49-F238E27FC236}">
+                <a16:creationId xmlns:a16="http://schemas.microsoft.com/office/drawing/2014/main" id="{8143B9A7-9C84-4EB6-899A-DFF03E2DADE7}"/>
+              </a:ext>
+            </a:extLst>
+          </p:cNvPr>
+          <p:cNvSpPr>
+            <a:spLocks noGrp="1"/>
+          </p:cNvSpPr>
+          <p:nvPr>
+            <p:ph type="title"/>
+          </p:nvPr>
+        </p:nvSpPr>
+        <p:spPr/>
+        <p:txBody>
+          <a:bodyPr/>
+          <a:lstStyle/>
+          <a:p>
+            <a:pPr algn="ctr"/>
+            <a:r>
+              <a:rPr lang="en-US" dirty="0"/>
+              <a:t>Web Flow</a:t>
+            </a:r>
+          </a:p>
+        </p:txBody>
+      </p:sp>
+      <p:pic>
+        <p:nvPicPr>
+          <p:cNvPr id="7" name="Picture 6">
+            <a:extLst>
+              <a:ext uri="{FF2B5EF4-FFF2-40B4-BE49-F238E27FC236}">
+                <a16:creationId xmlns:a16="http://schemas.microsoft.com/office/drawing/2014/main" id="{40BD68B7-B5A6-43F5-A9A5-B6825248E6A5}"/>
+              </a:ext>
+            </a:extLst>
+          </p:cNvPr>
+          <p:cNvPicPr>
+            <a:picLocks noChangeAspect="1"/>
+          </p:cNvPicPr>
           <p:nvPr/>
-        </p:nvSpPr>
+        </p:nvPicPr>
+        <p:blipFill>
+          <a:blip r:embed="rId2">
+            <a:extLst>
+              <a:ext uri="{28A0092B-C50C-407E-A947-70E740481C1C}">
+                <a14:useLocalDpi xmlns:a14="http://schemas.microsoft.com/office/drawing/2010/main" val="0"/>
+              </a:ext>
+            </a:extLst>
+          </a:blip>
+          <a:stretch>
+            <a:fillRect/>
+          </a:stretch>
+        </p:blipFill>
         <p:spPr>
           <a:xfrm>
-            <a:off x="1484280" y="457200"/>
-            <a:ext cx="10018080" cy="1751760"/>
+            <a:off x="2162460" y="1418400"/>
+            <a:ext cx="7866480" cy="5329111"/>
           </a:xfrm>
           <a:prstGeom prst="rect">
             <a:avLst/>
           </a:prstGeom>
-          <a:noFill/>
-          <a:ln>
-            <a:noFill/>
-          </a:ln>
         </p:spPr>
-        <p:style>
-          <a:lnRef idx="0"/>
-          <a:fillRef idx="0"/>
-          <a:effectRef idx="0"/>
-          <a:fontRef idx="minor"/>
-        </p:style>
-        <p:txBody>
-          <a:bodyPr lIns="90000" rIns="90000" tIns="45000" bIns="45000" anchor="ctr"/>
-          <a:p>
-            <a:pPr algn="ctr">
-              <a:lnSpc>
-                <a:spcPct val="100000"/>
-              </a:lnSpc>
-            </a:pPr>
-            <a:r>
-              <a:rPr b="0" lang="en-US" sz="4000" spc="-1" strike="noStrike">
-                <a:solidFill>
-                  <a:srgbClr val="000000"/>
-                </a:solidFill>
-                <a:latin typeface="Corbel"/>
-              </a:rPr>
-              <a:t>Frameworks/Libraries</a:t>
-            </a:r>
-            <a:endParaRPr b="0" lang="en-US" sz="4000" spc="-1" strike="noStrike">
-              <a:latin typeface="Arial"/>
-            </a:endParaRPr>
-          </a:p>
-        </p:txBody>
-      </p:sp>
-      <p:sp>
-        <p:nvSpPr>
-          <p:cNvPr id="104" name="CustomShape 2"/>
-          <p:cNvSpPr/>
-          <p:nvPr/>
-        </p:nvSpPr>
-        <p:spPr>
-          <a:xfrm>
-            <a:off x="1594440" y="2377440"/>
-            <a:ext cx="10018080" cy="3657240"/>
-          </a:xfrm>
-          <a:prstGeom prst="rect">
-            <a:avLst/>
-          </a:prstGeom>
-          <a:noFill/>
-          <a:ln>
-            <a:noFill/>
-          </a:ln>
-        </p:spPr>
-        <p:style>
-          <a:lnRef idx="0"/>
-          <a:fillRef idx="0"/>
-          <a:effectRef idx="0"/>
-          <a:fontRef idx="minor"/>
-        </p:style>
-        <p:txBody>
-          <a:bodyPr lIns="90000" rIns="90000" tIns="45000" bIns="45000" anchor="ctr"/>
-          <a:p>
-            <a:pPr marL="285840" indent="-285120">
-              <a:lnSpc>
-                <a:spcPct val="100000"/>
-              </a:lnSpc>
-              <a:spcBef>
-                <a:spcPts val="479"/>
-              </a:spcBef>
-              <a:spcAft>
-                <a:spcPts val="601"/>
-              </a:spcAft>
-              <a:buClr>
-                <a:srgbClr val="1287c3"/>
-              </a:buClr>
-              <a:buSzPct val="145000"/>
-              <a:buFont typeface="Arial"/>
-              <a:buChar char="•"/>
-            </a:pPr>
-            <a:r>
-              <a:rPr b="0" lang="en-US" sz="2400" spc="-1" strike="noStrike">
-                <a:solidFill>
-                  <a:srgbClr val="000000"/>
-                </a:solidFill>
-                <a:latin typeface="Corbel"/>
-              </a:rPr>
-              <a:t>React Framework</a:t>
-            </a:r>
-            <a:endParaRPr b="0" lang="en-US" sz="2400" spc="-1" strike="noStrike">
-              <a:latin typeface="Arial"/>
-            </a:endParaRPr>
-          </a:p>
-          <a:p>
-            <a:pPr marL="285840" indent="-285120">
-              <a:lnSpc>
-                <a:spcPct val="100000"/>
-              </a:lnSpc>
-              <a:spcBef>
-                <a:spcPts val="479"/>
-              </a:spcBef>
-              <a:spcAft>
-                <a:spcPts val="601"/>
-              </a:spcAft>
-              <a:buClr>
-                <a:srgbClr val="1287c3"/>
-              </a:buClr>
-              <a:buSzPct val="145000"/>
-              <a:buFont typeface="Arial"/>
-              <a:buChar char="•"/>
-            </a:pPr>
-            <a:r>
-              <a:rPr b="0" lang="en-US" sz="2400" spc="-1" strike="noStrike">
-                <a:solidFill>
-                  <a:srgbClr val="000000"/>
-                </a:solidFill>
-                <a:latin typeface="Corbel"/>
-              </a:rPr>
-              <a:t>FetchAPI library</a:t>
-            </a:r>
-            <a:endParaRPr b="0" lang="en-US" sz="2400" spc="-1" strike="noStrike">
-              <a:latin typeface="Arial"/>
-            </a:endParaRPr>
-          </a:p>
-          <a:p>
-            <a:pPr marL="285840" indent="-285120">
-              <a:lnSpc>
-                <a:spcPct val="100000"/>
-              </a:lnSpc>
-              <a:spcBef>
-                <a:spcPts val="479"/>
-              </a:spcBef>
-              <a:spcAft>
-                <a:spcPts val="601"/>
-              </a:spcAft>
-              <a:buClr>
-                <a:srgbClr val="1287c3"/>
-              </a:buClr>
-              <a:buSzPct val="145000"/>
-              <a:buFont typeface="Arial"/>
-              <a:buChar char="•"/>
-            </a:pPr>
-            <a:r>
-              <a:rPr b="0" lang="en-US" sz="2400" spc="-1" strike="noStrike">
-                <a:solidFill>
-                  <a:srgbClr val="000000"/>
-                </a:solidFill>
-                <a:latin typeface="Corbel"/>
-              </a:rPr>
-              <a:t>Languages: HTML, CSS, JAVASCRIPT</a:t>
-            </a:r>
-            <a:endParaRPr b="0" lang="en-US" sz="2400" spc="-1" strike="noStrike">
-              <a:latin typeface="Arial"/>
-            </a:endParaRPr>
-          </a:p>
-        </p:txBody>
-      </p:sp>
+      </p:pic>
     </p:spTree>
+    <p:extLst>
+      <p:ext uri="{BB962C8B-B14F-4D97-AF65-F5344CB8AC3E}">
+        <p14:creationId xmlns:p14="http://schemas.microsoft.com/office/powerpoint/2010/main" val="1682127340"/>
+      </p:ext>
+    </p:extLst>
   </p:cSld>
-  <p:timing>
-    <p:tnLst>
-      <p:par>
-        <p:cTn id="7" dur="indefinite" restart="never" nodeType="tmRoot">
-          <p:childTnLst>
-            <p:seq>
-              <p:cTn id="8" dur="indefinite" nodeType="mainSeq"/>
-              <p:prevCondLst>
-                <p:cond delay="0" evt="onPrev">
-                  <p:tgtEl>
-                    <p:sldTgt/>
-                  </p:tgtEl>
-                </p:cond>
-              </p:prevCondLst>
-              <p:nextCondLst>
-                <p:cond delay="0" evt="onNext">
-                  <p:tgtEl>
-                    <p:sldTgt/>
-                  </p:tgtEl>
-                </p:cond>
-              </p:nextCondLst>
-            </p:seq>
-          </p:childTnLst>
-        </p:cTn>
-      </p:par>
-    </p:tnLst>
-  </p:timing>
+  <p:clrMapOvr>
+    <a:masterClrMapping/>
+  </p:clrMapOvr>
 </p:sld>
 </file>
 
 <file path=ppt/slides/slide5.xml><?xml version="1.0" encoding="utf-8"?>
-<p:sld xmlns:a="http://schemas.openxmlformats.org/drawingml/2006/main" xmlns:p="http://schemas.openxmlformats.org/presentationml/2006/main" xmlns:r="http://schemas.openxmlformats.org/officeDocument/2006/relationships" xmlns:p14="http://schemas.microsoft.com/office/powerpoint/2010/main" xmlns:p15="http://schemas.microsoft.com/office/powerpoint/2012/main" xmlns:mc="http://schemas.openxmlformats.org/markup-compatibility/2006">
+<p:sld xmlns:a="http://schemas.openxmlformats.org/drawingml/2006/main" xmlns:r="http://schemas.openxmlformats.org/officeDocument/2006/relationships" xmlns:p="http://schemas.openxmlformats.org/presentationml/2006/main">
   <p:cSld>
     <p:spTree>
       <p:nvGrpSpPr>
@@ -5166,13 +7403,13 @@
       </p:grpSpPr>
       <p:sp>
         <p:nvSpPr>
-          <p:cNvPr id="105" name="CustomShape 1"/>
+          <p:cNvPr id="103" name="CustomShape 1"/>
           <p:cNvSpPr/>
           <p:nvPr/>
         </p:nvSpPr>
         <p:spPr>
           <a:xfrm>
-            <a:off x="1503000" y="259560"/>
+            <a:off x="1484280" y="457200"/>
             <a:ext cx="10018080" cy="1751760"/>
           </a:xfrm>
           <a:prstGeom prst="rect">
@@ -5184,13 +7421,20 @@
           </a:ln>
         </p:spPr>
         <p:style>
-          <a:lnRef idx="0"/>
-          <a:fillRef idx="0"/>
-          <a:effectRef idx="0"/>
+          <a:lnRef idx="0">
+            <a:scrgbClr r="0" g="0" b="0"/>
+          </a:lnRef>
+          <a:fillRef idx="0">
+            <a:scrgbClr r="0" g="0" b="0"/>
+          </a:fillRef>
+          <a:effectRef idx="0">
+            <a:scrgbClr r="0" g="0" b="0"/>
+          </a:effectRef>
           <a:fontRef idx="minor"/>
         </p:style>
         <p:txBody>
-          <a:bodyPr lIns="90000" rIns="90000" tIns="45000" bIns="45000" anchor="ctr"/>
+          <a:bodyPr lIns="90000" tIns="45000" rIns="90000" bIns="45000" anchor="ctr"/>
+          <a:lstStyle/>
           <a:p>
             <a:pPr algn="ctr">
               <a:lnSpc>
@@ -5198,30 +7442,30 @@
               </a:lnSpc>
             </a:pPr>
             <a:r>
-              <a:rPr b="0" lang="en-US" sz="4000" spc="-1" strike="noStrike">
-                <a:solidFill>
-                  <a:srgbClr val="000000"/>
-                </a:solidFill>
-                <a:latin typeface="Corbel"/>
-              </a:rPr>
-              <a:t>API’s</a:t>
-            </a:r>
-            <a:endParaRPr b="0" lang="en-US" sz="4000" spc="-1" strike="noStrike">
-              <a:latin typeface="Arial"/>
-            </a:endParaRPr>
-          </a:p>
-        </p:txBody>
-      </p:sp>
-      <p:sp>
-        <p:nvSpPr>
-          <p:cNvPr id="106" name="CustomShape 2"/>
+              <a:rPr lang="en-US" sz="4000" b="0" strike="noStrike" spc="-1">
+                <a:solidFill>
+                  <a:srgbClr val="000000"/>
+                </a:solidFill>
+                <a:latin typeface="Corbel"/>
+              </a:rPr>
+              <a:t>Frameworks/Libraries</a:t>
+            </a:r>
+            <a:endParaRPr lang="en-US" sz="4000" b="0" strike="noStrike" spc="-1">
+              <a:latin typeface="Arial"/>
+            </a:endParaRPr>
+          </a:p>
+        </p:txBody>
+      </p:sp>
+      <p:sp>
+        <p:nvSpPr>
+          <p:cNvPr id="104" name="CustomShape 2"/>
           <p:cNvSpPr/>
           <p:nvPr/>
         </p:nvSpPr>
         <p:spPr>
           <a:xfrm>
-            <a:off x="1371600" y="2103120"/>
-            <a:ext cx="10018080" cy="4023000"/>
+            <a:off x="1594440" y="2377440"/>
+            <a:ext cx="10018080" cy="3657240"/>
           </a:xfrm>
           <a:prstGeom prst="rect">
             <a:avLst/>
@@ -5232,13 +7476,20 @@
           </a:ln>
         </p:spPr>
         <p:style>
-          <a:lnRef idx="0"/>
-          <a:fillRef idx="0"/>
-          <a:effectRef idx="0"/>
+          <a:lnRef idx="0">
+            <a:scrgbClr r="0" g="0" b="0"/>
+          </a:lnRef>
+          <a:fillRef idx="0">
+            <a:scrgbClr r="0" g="0" b="0"/>
+          </a:fillRef>
+          <a:effectRef idx="0">
+            <a:scrgbClr r="0" g="0" b="0"/>
+          </a:effectRef>
           <a:fontRef idx="minor"/>
         </p:style>
         <p:txBody>
-          <a:bodyPr lIns="90000" rIns="90000" tIns="45000" bIns="45000" anchor="ctr"/>
+          <a:bodyPr lIns="90000" tIns="45000" rIns="90000" bIns="45000" anchor="ctr"/>
+          <a:lstStyle/>
           <a:p>
             <a:pPr marL="285840" indent="-285120">
               <a:lnSpc>
@@ -5251,281 +7502,185 @@
                 <a:spcPts val="601"/>
               </a:spcAft>
               <a:buClr>
-                <a:srgbClr val="1287c3"/>
+                <a:srgbClr val="1287C3"/>
               </a:buClr>
               <a:buSzPct val="145000"/>
               <a:buFont typeface="Arial"/>
               <a:buChar char="•"/>
             </a:pPr>
             <a:r>
-              <a:rPr b="0" lang="en-US" sz="2400" spc="-1" strike="noStrike">
-                <a:solidFill>
-                  <a:srgbClr val="000000"/>
-                </a:solidFill>
-                <a:latin typeface="Corbel"/>
-              </a:rPr>
-              <a:t>Weather API:</a:t>
-            </a:r>
-            <a:endParaRPr b="0" lang="en-US" sz="2400" spc="-1" strike="noStrike">
-              <a:latin typeface="Arial"/>
-            </a:endParaRPr>
-          </a:p>
-          <a:p>
-            <a:pPr lvl="1" marL="864000" indent="-323640">
+              <a:rPr lang="en-US" sz="2400" b="0" strike="noStrike" spc="-1" dirty="0">
+                <a:solidFill>
+                  <a:srgbClr val="000000"/>
+                </a:solidFill>
+                <a:latin typeface="Corbel"/>
+              </a:rPr>
+              <a:t>React Framework</a:t>
+            </a:r>
+            <a:endParaRPr lang="en-US" sz="2400" b="0" strike="noStrike" spc="-1" dirty="0">
+              <a:latin typeface="Arial"/>
+            </a:endParaRPr>
+          </a:p>
+          <a:p>
+            <a:pPr marL="285840" indent="-285120">
               <a:lnSpc>
                 <a:spcPct val="100000"/>
               </a:lnSpc>
               <a:spcBef>
-                <a:spcPts val="1134"/>
+                <a:spcPts val="479"/>
               </a:spcBef>
+              <a:spcAft>
+                <a:spcPts val="601"/>
+              </a:spcAft>
               <a:buClr>
-                <a:srgbClr val="000000"/>
+                <a:srgbClr val="1287C3"/>
               </a:buClr>
-              <a:buSzPct val="45000"/>
-              <a:buFont typeface="Wingdings" charset="2"/>
-              <a:buChar char=""/>
+              <a:buSzPct val="145000"/>
+              <a:buFont typeface="Arial"/>
+              <a:buChar char="•"/>
             </a:pPr>
             <a:r>
-              <a:rPr b="0" lang="en-US" sz="1800" spc="-1" strike="noStrike">
-                <a:solidFill>
-                  <a:srgbClr val="000000"/>
-                </a:solidFill>
-                <a:latin typeface="Corbel"/>
-              </a:rPr>
-              <a:t>1) WeatherAPI.com</a:t>
-            </a:r>
-            <a:endParaRPr b="0" lang="en-US" sz="1800" spc="-1" strike="noStrike">
-              <a:latin typeface="Arial"/>
-            </a:endParaRPr>
-          </a:p>
-          <a:p>
-            <a:pPr lvl="2" marL="1296000" indent="-287640">
+              <a:rPr lang="en-US" sz="2400" b="0" strike="noStrike" spc="-1" dirty="0">
+                <a:solidFill>
+                  <a:srgbClr val="000000"/>
+                </a:solidFill>
+                <a:latin typeface="Corbel"/>
+              </a:rPr>
+              <a:t>FetchAPI library and possibly other API libraries,</a:t>
+            </a:r>
+            <a:endParaRPr lang="en-US" sz="2400" b="0" strike="noStrike" spc="-1" dirty="0">
+              <a:latin typeface="Arial"/>
+            </a:endParaRPr>
+          </a:p>
+          <a:p>
+            <a:pPr marL="285840" indent="-285120">
               <a:lnSpc>
                 <a:spcPct val="100000"/>
               </a:lnSpc>
               <a:spcBef>
-                <a:spcPts val="850"/>
+                <a:spcPts val="479"/>
               </a:spcBef>
+              <a:spcAft>
+                <a:spcPts val="601"/>
+              </a:spcAft>
               <a:buClr>
+                <a:srgbClr val="1287C3"/>
+              </a:buClr>
+              <a:buSzPct val="145000"/>
+              <a:buFont typeface="Arial"/>
+              <a:buChar char="•"/>
+            </a:pPr>
+            <a:r>
+              <a:rPr lang="en-US" sz="2400" b="0" strike="noStrike" spc="-1" dirty="0">
+                <a:solidFill>
+                  <a:srgbClr val="000000"/>
+                </a:solidFill>
+                <a:latin typeface="Corbel"/>
+              </a:rPr>
+              <a:t>Stack: </a:t>
+            </a:r>
+          </a:p>
+          <a:p>
+            <a:pPr marL="800820" lvl="1" indent="-342900">
+              <a:spcBef>
+                <a:spcPts val="479"/>
+              </a:spcBef>
+              <a:spcAft>
+                <a:spcPts val="601"/>
+              </a:spcAft>
+              <a:buClr>
+                <a:srgbClr val="1287C3"/>
+              </a:buClr>
+              <a:buSzPct val="145000"/>
+              <a:buFont typeface="Wingdings" panose="05000000000000000000" pitchFamily="2" charset="2"/>
+              <a:buChar char="ü"/>
+            </a:pPr>
+            <a:r>
+              <a:rPr lang="en-US" sz="2400" b="0" strike="noStrike" spc="-1" dirty="0">
+                <a:solidFill>
+                  <a:srgbClr val="000000"/>
+                </a:solidFill>
+                <a:latin typeface="Corbel"/>
+              </a:rPr>
+              <a:t>FRONT END </a:t>
+            </a:r>
+            <a:r>
+              <a:rPr lang="en-US" sz="2400" b="0" strike="noStrike" spc="-1" dirty="0">
+                <a:solidFill>
+                  <a:srgbClr val="000000"/>
+                </a:solidFill>
+                <a:latin typeface="Corbel"/>
+                <a:sym typeface="Wingdings" panose="05000000000000000000" pitchFamily="2" charset="2"/>
+              </a:rPr>
+              <a:t> </a:t>
+            </a:r>
+            <a:r>
+              <a:rPr lang="en-US" sz="2400" b="0" strike="noStrike" spc="-1" dirty="0">
+                <a:solidFill>
+                  <a:srgbClr val="000000"/>
+                </a:solidFill>
+                <a:latin typeface="Corbel"/>
+              </a:rPr>
+              <a:t>HTML5, CSS3, JAVASCRIPT, React, Node</a:t>
+            </a:r>
+          </a:p>
+          <a:p>
+            <a:pPr marL="800820" lvl="1" indent="-342900">
+              <a:spcBef>
+                <a:spcPts val="479"/>
+              </a:spcBef>
+              <a:spcAft>
+                <a:spcPts val="601"/>
+              </a:spcAft>
+              <a:buClr>
+                <a:srgbClr val="1287C3"/>
+              </a:buClr>
+              <a:buSzPct val="145000"/>
+              <a:buFont typeface="Wingdings" panose="05000000000000000000" pitchFamily="2" charset="2"/>
+              <a:buChar char="ü"/>
+            </a:pPr>
+            <a:r>
+              <a:rPr lang="en-US" sz="2400" spc="-1" dirty="0">
+                <a:solidFill>
+                  <a:srgbClr val="000000"/>
+                </a:solidFill>
+                <a:latin typeface="Corbel"/>
+              </a:rPr>
+              <a:t>BACK END </a:t>
+            </a:r>
+            <a:r>
+              <a:rPr lang="en-US" sz="2400" spc="-1" dirty="0">
+                <a:solidFill>
+                  <a:srgbClr val="000000"/>
+                </a:solidFill>
+                <a:latin typeface="Corbel"/>
+                <a:sym typeface="Wingdings" panose="05000000000000000000" pitchFamily="2" charset="2"/>
+              </a:rPr>
+              <a:t> API’s</a:t>
+            </a:r>
+            <a:endParaRPr lang="en-US" sz="2400" b="0" strike="noStrike" spc="-1" dirty="0">
+              <a:solidFill>
                 <a:srgbClr val="000000"/>
+              </a:solidFill>
+              <a:latin typeface="Corbel"/>
+            </a:endParaRPr>
+          </a:p>
+          <a:p>
+            <a:pPr marL="800820" lvl="1" indent="-342900">
+              <a:spcBef>
+                <a:spcPts val="479"/>
+              </a:spcBef>
+              <a:spcAft>
+                <a:spcPts val="601"/>
+              </a:spcAft>
+              <a:buClr>
+                <a:srgbClr val="1287C3"/>
               </a:buClr>
-              <a:buSzPct val="45000"/>
-              <a:buFont typeface="Wingdings" charset="2"/>
-              <a:buChar char=""/>
+              <a:buSzPct val="145000"/>
+              <a:buFont typeface="Wingdings" panose="05000000000000000000" pitchFamily="2" charset="2"/>
+              <a:buChar char="ü"/>
             </a:pPr>
-            <a:r>
-              <a:rPr b="1" lang="en-US" sz="1600" spc="-1" strike="noStrike">
-                <a:solidFill>
-                  <a:srgbClr val="000000"/>
-                </a:solidFill>
-                <a:latin typeface="Corbel"/>
-              </a:rPr>
-              <a:t>Limit</a:t>
-            </a:r>
-            <a:r>
-              <a:rPr b="0" lang="en-US" sz="1600" spc="-1" strike="noStrike">
-                <a:solidFill>
-                  <a:srgbClr val="000000"/>
-                </a:solidFill>
-                <a:latin typeface="Corbel"/>
-              </a:rPr>
-              <a:t>:  1000000 / month quotaHard Limit</a:t>
-            </a:r>
-            <a:endParaRPr b="0" lang="en-US" sz="1600" spc="-1" strike="noStrike">
-              <a:latin typeface="Arial"/>
-            </a:endParaRPr>
-          </a:p>
-          <a:p>
-            <a:pPr lvl="2" marL="1296000" indent="-287640">
-              <a:lnSpc>
-                <a:spcPct val="100000"/>
-              </a:lnSpc>
-              <a:spcBef>
-                <a:spcPts val="850"/>
-              </a:spcBef>
-              <a:buClr>
-                <a:srgbClr val="000000"/>
-              </a:buClr>
-              <a:buSzPct val="45000"/>
-              <a:buFont typeface="Wingdings" charset="2"/>
-              <a:buChar char=""/>
-            </a:pPr>
-            <a:r>
-              <a:rPr b="1" lang="en-US" sz="1600" spc="-1" strike="noStrike">
-                <a:solidFill>
-                  <a:srgbClr val="000000"/>
-                </a:solidFill>
-                <a:latin typeface="Corbel"/>
-              </a:rPr>
-              <a:t>Data Format</a:t>
-            </a:r>
-            <a:r>
-              <a:rPr b="0" lang="en-US" sz="1600" spc="-1" strike="noStrike">
-                <a:solidFill>
-                  <a:srgbClr val="000000"/>
-                </a:solidFill>
-                <a:latin typeface="Corbel"/>
-              </a:rPr>
-              <a:t>: FetchAPI</a:t>
-            </a:r>
-            <a:endParaRPr b="0" lang="en-US" sz="1600" spc="-1" strike="noStrike">
-              <a:latin typeface="Arial"/>
-            </a:endParaRPr>
-          </a:p>
-          <a:p>
-            <a:pPr lvl="2" marL="1296000" indent="-287640">
-              <a:lnSpc>
-                <a:spcPct val="100000"/>
-              </a:lnSpc>
-              <a:spcBef>
-                <a:spcPts val="850"/>
-              </a:spcBef>
-              <a:buClr>
-                <a:srgbClr val="000000"/>
-              </a:buClr>
-              <a:buSzPct val="45000"/>
-              <a:buFont typeface="Wingdings" charset="2"/>
-              <a:buChar char=""/>
-            </a:pPr>
-            <a:r>
-              <a:rPr b="1" lang="en-US" sz="1600" spc="-1" strike="noStrike">
-                <a:solidFill>
-                  <a:srgbClr val="000000"/>
-                </a:solidFill>
-                <a:latin typeface="Corbel"/>
-                <a:ea typeface="Noto Sans CJK SC"/>
-              </a:rPr>
-              <a:t>Type</a:t>
-            </a:r>
-            <a:r>
-              <a:rPr b="0" lang="en-US" sz="1600" spc="-1" strike="noStrike">
-                <a:solidFill>
-                  <a:srgbClr val="000000"/>
-                </a:solidFill>
-                <a:latin typeface="Corbel"/>
-                <a:ea typeface="Noto Sans CJK SC"/>
-              </a:rPr>
-              <a:t>: Free public API accessible via authentication key</a:t>
-            </a:r>
-            <a:endParaRPr b="0" lang="en-US" sz="1600" spc="-1" strike="noStrike">
-              <a:latin typeface="Arial"/>
-            </a:endParaRPr>
-          </a:p>
-          <a:p>
-            <a:pPr lvl="2" marL="1296000" indent="-287640">
-              <a:lnSpc>
-                <a:spcPct val="100000"/>
-              </a:lnSpc>
-              <a:spcBef>
-                <a:spcPts val="850"/>
-              </a:spcBef>
-              <a:buClr>
-                <a:srgbClr val="000000"/>
-              </a:buClr>
-              <a:buSzPct val="45000"/>
-              <a:buFont typeface="Wingdings" charset="2"/>
-              <a:buChar char=""/>
-            </a:pPr>
-            <a:r>
-              <a:rPr b="1" lang="en-US" sz="1600" spc="-1" strike="noStrike">
-                <a:solidFill>
-                  <a:srgbClr val="000000"/>
-                </a:solidFill>
-                <a:latin typeface="Corbel"/>
-                <a:ea typeface="Noto Sans CJK SC"/>
-              </a:rPr>
-              <a:t>Information </a:t>
-            </a:r>
-            <a:r>
-              <a:rPr b="0" lang="en-US" sz="1600" spc="-1" strike="noStrike">
-                <a:solidFill>
-                  <a:srgbClr val="000000"/>
-                </a:solidFill>
-                <a:latin typeface="Corbel"/>
-                <a:ea typeface="Noto Sans CJK SC"/>
-              </a:rPr>
-              <a:t>: Access to Search API, Sports API, Last 7 Days History, Hourly Weather, 3 Day Forecast, Realtime Weather, Astronomy API,Time Zone API features.</a:t>
-            </a:r>
-            <a:endParaRPr b="0" lang="en-US" sz="1600" spc="-1" strike="noStrike">
-              <a:latin typeface="Arial"/>
-            </a:endParaRPr>
-          </a:p>
-          <a:p>
-            <a:pPr lvl="2" marL="1296000" indent="-287640">
-              <a:lnSpc>
-                <a:spcPct val="100000"/>
-              </a:lnSpc>
-              <a:spcBef>
-                <a:spcPts val="850"/>
-              </a:spcBef>
-              <a:buClr>
-                <a:srgbClr val="000000"/>
-              </a:buClr>
-              <a:buSzPct val="45000"/>
-              <a:buFont typeface="Wingdings" charset="2"/>
-              <a:buChar char=""/>
-            </a:pPr>
-            <a:r>
-              <a:rPr b="1" lang="en-US" sz="1600" spc="-1" strike="noStrike">
-                <a:solidFill>
-                  <a:srgbClr val="000000"/>
-                </a:solidFill>
-                <a:latin typeface="Corbel"/>
-                <a:ea typeface="Noto Sans CJK SC"/>
-              </a:rPr>
-              <a:t>Popularity</a:t>
-            </a:r>
-            <a:r>
-              <a:rPr b="0" lang="en-US" sz="1600" spc="-1" strike="noStrike">
-                <a:solidFill>
-                  <a:srgbClr val="000000"/>
-                </a:solidFill>
-                <a:latin typeface="Corbel"/>
-                <a:ea typeface="Noto Sans CJK SC"/>
-              </a:rPr>
-              <a:t>: 9.8/10,</a:t>
-            </a:r>
-            <a:r>
-              <a:rPr b="1" lang="en-US" sz="1600" spc="-1" strike="noStrike">
-                <a:solidFill>
-                  <a:srgbClr val="000000"/>
-                </a:solidFill>
-                <a:latin typeface="Corbel"/>
-                <a:ea typeface="Noto Sans CJK SC"/>
-              </a:rPr>
-              <a:t> Latency</a:t>
-            </a:r>
-            <a:r>
-              <a:rPr b="0" lang="en-US" sz="1600" spc="-1" strike="noStrike">
-                <a:solidFill>
-                  <a:srgbClr val="000000"/>
-                </a:solidFill>
-                <a:latin typeface="Corbel"/>
-                <a:ea typeface="Noto Sans CJK SC"/>
-              </a:rPr>
-              <a:t>: 101ms,</a:t>
-            </a:r>
-            <a:r>
-              <a:rPr b="1" lang="en-US" sz="1600" spc="-1" strike="noStrike">
-                <a:solidFill>
-                  <a:srgbClr val="000000"/>
-                </a:solidFill>
-                <a:latin typeface="Corbel"/>
-                <a:ea typeface="Noto Sans CJK SC"/>
-              </a:rPr>
-              <a:t> Service Level</a:t>
-            </a:r>
-            <a:r>
-              <a:rPr b="0" lang="en-US" sz="1600" spc="-1" strike="noStrike">
-                <a:solidFill>
-                  <a:srgbClr val="000000"/>
-                </a:solidFill>
-                <a:latin typeface="Corbel"/>
-                <a:ea typeface="Noto Sans CJK SC"/>
-              </a:rPr>
-              <a:t>: 100%</a:t>
-            </a:r>
-            <a:endParaRPr b="0" lang="en-US" sz="1600" spc="-1" strike="noStrike">
+            <a:endParaRPr lang="en-US" sz="2400" b="0" strike="noStrike" spc="-1" dirty="0">
               <a:latin typeface="Arial"/>
             </a:endParaRPr>
           </a:p>
@@ -5533,22 +7688,25 @@
       </p:sp>
     </p:spTree>
   </p:cSld>
+  <p:clrMapOvr>
+    <a:masterClrMapping/>
+  </p:clrMapOvr>
   <p:timing>
     <p:tnLst>
       <p:par>
-        <p:cTn id="9" dur="indefinite" restart="never" nodeType="tmRoot">
+        <p:cTn id="1" dur="indefinite" restart="never" nodeType="tmRoot">
           <p:childTnLst>
             <p:seq>
-              <p:cTn id="10" dur="indefinite" nodeType="mainSeq"/>
+              <p:cTn id="2" dur="indefinite" nodeType="mainSeq"/>
               <p:prevCondLst>
-                <p:cond delay="0" evt="onPrev">
+                <p:cond evt="onPrev" delay="0">
                   <p:tgtEl>
                     <p:sldTgt/>
                   </p:tgtEl>
                 </p:cond>
               </p:prevCondLst>
               <p:nextCondLst>
-                <p:cond delay="0" evt="onNext">
+                <p:cond evt="onNext" delay="0">
                   <p:tgtEl>
                     <p:sldTgt/>
                   </p:tgtEl>
@@ -5564,7 +7722,7 @@
 </file>
 
 <file path=ppt/slides/slide6.xml><?xml version="1.0" encoding="utf-8"?>
-<p:sld xmlns:a="http://schemas.openxmlformats.org/drawingml/2006/main" xmlns:p="http://schemas.openxmlformats.org/presentationml/2006/main" xmlns:r="http://schemas.openxmlformats.org/officeDocument/2006/relationships" xmlns:p14="http://schemas.microsoft.com/office/powerpoint/2010/main" xmlns:p15="http://schemas.microsoft.com/office/powerpoint/2012/main" xmlns:mc="http://schemas.openxmlformats.org/markup-compatibility/2006">
+<p:sld xmlns:a="http://schemas.openxmlformats.org/drawingml/2006/main" xmlns:r="http://schemas.openxmlformats.org/officeDocument/2006/relationships" xmlns:p="http://schemas.openxmlformats.org/presentationml/2006/main">
   <p:cSld>
     <p:spTree>
       <p:nvGrpSpPr>
@@ -5582,14 +7740,14 @@
       </p:grpSpPr>
       <p:sp>
         <p:nvSpPr>
-          <p:cNvPr id="107" name="CustomShape 1"/>
+          <p:cNvPr id="105" name="CustomShape 1"/>
           <p:cNvSpPr/>
           <p:nvPr/>
         </p:nvSpPr>
         <p:spPr>
           <a:xfrm>
-            <a:off x="1503000" y="259560"/>
-            <a:ext cx="10018080" cy="1294560"/>
+            <a:off x="1512236" y="0"/>
+            <a:ext cx="10018080" cy="1751760"/>
           </a:xfrm>
           <a:prstGeom prst="rect">
             <a:avLst/>
@@ -5600,13 +7758,20 @@
           </a:ln>
         </p:spPr>
         <p:style>
-          <a:lnRef idx="0"/>
-          <a:fillRef idx="0"/>
-          <a:effectRef idx="0"/>
+          <a:lnRef idx="0">
+            <a:scrgbClr r="0" g="0" b="0"/>
+          </a:lnRef>
+          <a:fillRef idx="0">
+            <a:scrgbClr r="0" g="0" b="0"/>
+          </a:fillRef>
+          <a:effectRef idx="0">
+            <a:scrgbClr r="0" g="0" b="0"/>
+          </a:effectRef>
           <a:fontRef idx="minor"/>
         </p:style>
         <p:txBody>
-          <a:bodyPr lIns="90000" rIns="90000" tIns="45000" bIns="45000" anchor="ctr"/>
+          <a:bodyPr lIns="90000" tIns="45000" rIns="90000" bIns="45000" anchor="ctr"/>
+          <a:lstStyle/>
           <a:p>
             <a:pPr algn="ctr">
               <a:lnSpc>
@@ -5614,30 +7779,30 @@
               </a:lnSpc>
             </a:pPr>
             <a:r>
-              <a:rPr b="0" lang="en-US" sz="4000" spc="-1" strike="noStrike">
-                <a:solidFill>
-                  <a:srgbClr val="000000"/>
-                </a:solidFill>
-                <a:latin typeface="Corbel"/>
-              </a:rPr>
-              <a:t>API’s</a:t>
-            </a:r>
-            <a:endParaRPr b="0" lang="en-US" sz="4000" spc="-1" strike="noStrike">
-              <a:latin typeface="Arial"/>
-            </a:endParaRPr>
-          </a:p>
-        </p:txBody>
-      </p:sp>
-      <p:sp>
-        <p:nvSpPr>
-          <p:cNvPr id="108" name="CustomShape 2"/>
+              <a:rPr lang="en-US" sz="4400" b="0" strike="noStrike" spc="-1" dirty="0">
+                <a:solidFill>
+                  <a:srgbClr val="000000"/>
+                </a:solidFill>
+                <a:latin typeface="+mj-lt"/>
+              </a:rPr>
+              <a:t>WEATHER API’s</a:t>
+            </a:r>
+            <a:endParaRPr lang="en-US" sz="4000" b="0" strike="noStrike" spc="-1" dirty="0">
+              <a:latin typeface="Arial"/>
+            </a:endParaRPr>
+          </a:p>
+        </p:txBody>
+      </p:sp>
+      <p:sp>
+        <p:nvSpPr>
+          <p:cNvPr id="106" name="CustomShape 2"/>
           <p:cNvSpPr/>
           <p:nvPr/>
         </p:nvSpPr>
         <p:spPr>
           <a:xfrm>
-            <a:off x="1371600" y="1554480"/>
-            <a:ext cx="10018080" cy="4571640"/>
+            <a:off x="1371600" y="2103120"/>
+            <a:ext cx="10018080" cy="4023000"/>
           </a:xfrm>
           <a:prstGeom prst="rect">
             <a:avLst/>
@@ -5648,13 +7813,20 @@
           </a:ln>
         </p:spPr>
         <p:style>
-          <a:lnRef idx="0"/>
-          <a:fillRef idx="0"/>
-          <a:effectRef idx="0"/>
+          <a:lnRef idx="0">
+            <a:scrgbClr r="0" g="0" b="0"/>
+          </a:lnRef>
+          <a:fillRef idx="0">
+            <a:scrgbClr r="0" g="0" b="0"/>
+          </a:fillRef>
+          <a:effectRef idx="0">
+            <a:scrgbClr r="0" g="0" b="0"/>
+          </a:effectRef>
           <a:fontRef idx="minor"/>
         </p:style>
         <p:txBody>
-          <a:bodyPr lIns="90000" rIns="90000" tIns="45000" bIns="45000" anchor="ctr"/>
+          <a:bodyPr lIns="90000" tIns="45000" rIns="90000" bIns="45000" anchor="ctr"/>
+          <a:lstStyle/>
           <a:p>
             <a:pPr marL="285840" indent="-285120">
               <a:lnSpc>
@@ -5667,14 +7839,14 @@
                 <a:spcPts val="601"/>
               </a:spcAft>
               <a:buClr>
-                <a:srgbClr val="1287c3"/>
+                <a:srgbClr val="1287C3"/>
               </a:buClr>
               <a:buSzPct val="145000"/>
               <a:buFont typeface="Arial"/>
               <a:buChar char="•"/>
             </a:pPr>
             <a:r>
-              <a:rPr b="0" lang="en-US" sz="2400" spc="-1" strike="noStrike">
+              <a:rPr lang="en-US" sz="2400" b="0" strike="noStrike" spc="-1" dirty="0">
                 <a:solidFill>
                   <a:srgbClr val="000000"/>
                 </a:solidFill>
@@ -5682,12 +7854,12 @@
               </a:rPr>
               <a:t>Weather API:</a:t>
             </a:r>
-            <a:endParaRPr b="0" lang="en-US" sz="2400" spc="-1" strike="noStrike">
-              <a:latin typeface="Arial"/>
-            </a:endParaRPr>
-          </a:p>
-          <a:p>
-            <a:pPr lvl="1" marL="864000" indent="-323640">
+            <a:endParaRPr lang="en-US" sz="2400" b="0" strike="noStrike" spc="-1" dirty="0">
+              <a:latin typeface="Arial"/>
+            </a:endParaRPr>
+          </a:p>
+          <a:p>
+            <a:pPr marL="864000" lvl="1" indent="-323640">
               <a:lnSpc>
                 <a:spcPct val="100000"/>
               </a:lnSpc>
@@ -5697,25 +7869,25 @@
               <a:buClr>
                 <a:srgbClr val="000000"/>
               </a:buClr>
-              <a:buSzPct val="75000"/>
-              <a:buFont typeface="Symbol"/>
-              <a:buChar char=""/>
+              <a:buSzPct val="45000"/>
+              <a:buFont typeface="Wingdings" charset="2"/>
+              <a:buChar char=""/>
             </a:pPr>
             <a:r>
-              <a:rPr b="0" lang="en-US" sz="1800" spc="-1" strike="noStrike">
-                <a:solidFill>
-                  <a:srgbClr val="000000"/>
-                </a:solidFill>
-                <a:latin typeface="Corbel"/>
-              </a:rPr>
-              <a:t>2) ClimaCell</a:t>
-            </a:r>
-            <a:endParaRPr b="0" lang="en-US" sz="1800" spc="-1" strike="noStrike">
-              <a:latin typeface="Arial"/>
-            </a:endParaRPr>
-          </a:p>
-          <a:p>
-            <a:pPr lvl="2" marL="1296000" indent="-287640">
+              <a:rPr lang="en-US" sz="1800" b="0" strike="noStrike" spc="-1" dirty="0">
+                <a:solidFill>
+                  <a:srgbClr val="000000"/>
+                </a:solidFill>
+                <a:latin typeface="Corbel"/>
+              </a:rPr>
+              <a:t>1) WeatherAPI.com</a:t>
+            </a:r>
+            <a:endParaRPr lang="en-US" sz="1800" b="0" strike="noStrike" spc="-1" dirty="0">
+              <a:latin typeface="Arial"/>
+            </a:endParaRPr>
+          </a:p>
+          <a:p>
+            <a:pPr marL="1296000" lvl="2" indent="-287640">
               <a:lnSpc>
                 <a:spcPct val="100000"/>
               </a:lnSpc>
@@ -5730,7 +7902,7 @@
               <a:buChar char=""/>
             </a:pPr>
             <a:r>
-              <a:rPr b="1" lang="en-US" sz="1600" spc="-1" strike="noStrike">
+              <a:rPr lang="en-US" sz="1600" b="1" strike="noStrike" spc="-1" dirty="0">
                 <a:solidFill>
                   <a:srgbClr val="000000"/>
                 </a:solidFill>
@@ -5739,20 +7911,38 @@
               <a:t>Limit</a:t>
             </a:r>
             <a:r>
-              <a:rPr b="0" lang="en-US" sz="1600" spc="-1" strike="noStrike">
-                <a:solidFill>
-                  <a:srgbClr val="000000"/>
-                </a:solidFill>
-                <a:latin typeface="Corbel"/>
-              </a:rPr>
-              <a:t>:  100 / day quota Hard Limit</a:t>
-            </a:r>
-            <a:endParaRPr b="0" lang="en-US" sz="1600" spc="-1" strike="noStrike">
-              <a:latin typeface="Arial"/>
-            </a:endParaRPr>
-          </a:p>
-          <a:p>
-            <a:pPr lvl="2" marL="1296000" indent="-287640">
+              <a:rPr lang="en-US" sz="1600" b="0" strike="noStrike" spc="-1" dirty="0">
+                <a:solidFill>
+                  <a:srgbClr val="000000"/>
+                </a:solidFill>
+                <a:latin typeface="Corbel"/>
+              </a:rPr>
+              <a:t>:  1000000 / month </a:t>
+            </a:r>
+            <a:r>
+              <a:rPr lang="en-US" sz="1600" b="0" strike="noStrike" spc="-1" dirty="0" err="1">
+                <a:solidFill>
+                  <a:srgbClr val="000000"/>
+                </a:solidFill>
+                <a:latin typeface="Corbel"/>
+              </a:rPr>
+              <a:t>quotaHard</a:t>
+            </a:r>
+            <a:r>
+              <a:rPr lang="en-US" sz="1600" b="0" strike="noStrike" spc="-1" dirty="0">
+                <a:solidFill>
+                  <a:srgbClr val="000000"/>
+                </a:solidFill>
+                <a:latin typeface="Corbel"/>
+              </a:rPr>
+              <a:t> Limit</a:t>
+            </a:r>
+            <a:endParaRPr lang="en-US" sz="1600" b="0" strike="noStrike" spc="-1" dirty="0">
+              <a:latin typeface="Arial"/>
+            </a:endParaRPr>
+          </a:p>
+          <a:p>
+            <a:pPr marL="1296000" lvl="2" indent="-287640">
               <a:lnSpc>
                 <a:spcPct val="100000"/>
               </a:lnSpc>
@@ -5767,7 +7957,7 @@
               <a:buChar char=""/>
             </a:pPr>
             <a:r>
-              <a:rPr b="1" lang="en-US" sz="1600" spc="-1" strike="noStrike">
+              <a:rPr lang="en-US" sz="1600" b="1" strike="noStrike" spc="-1" dirty="0">
                 <a:solidFill>
                   <a:srgbClr val="000000"/>
                 </a:solidFill>
@@ -5776,7 +7966,7 @@
               <a:t>Data Format</a:t>
             </a:r>
             <a:r>
-              <a:rPr b="0" lang="en-US" sz="1600" spc="-1" strike="noStrike">
+              <a:rPr lang="en-US" sz="1600" b="0" strike="noStrike" spc="-1" dirty="0">
                 <a:solidFill>
                   <a:srgbClr val="000000"/>
                 </a:solidFill>
@@ -5784,12 +7974,12 @@
               </a:rPr>
               <a:t>: FetchAPI</a:t>
             </a:r>
-            <a:endParaRPr b="0" lang="en-US" sz="1600" spc="-1" strike="noStrike">
-              <a:latin typeface="Arial"/>
-            </a:endParaRPr>
-          </a:p>
-          <a:p>
-            <a:pPr lvl="2" marL="1296000" indent="-287640">
+            <a:endParaRPr lang="en-US" sz="1600" b="0" strike="noStrike" spc="-1" dirty="0">
+              <a:latin typeface="Arial"/>
+            </a:endParaRPr>
+          </a:p>
+          <a:p>
+            <a:pPr marL="1296000" lvl="2" indent="-287640">
               <a:lnSpc>
                 <a:spcPct val="100000"/>
               </a:lnSpc>
@@ -5804,29 +7994,31 @@
               <a:buChar char=""/>
             </a:pPr>
             <a:r>
-              <a:rPr b="1" lang="en-US" sz="1600" spc="-1" strike="noStrike">
-                <a:solidFill>
-                  <a:srgbClr val="000000"/>
-                </a:solidFill>
-                <a:latin typeface="Corbel"/>
+              <a:rPr lang="en-US" sz="1600" b="1" strike="noStrike" spc="-1" dirty="0">
+                <a:solidFill>
+                  <a:srgbClr val="000000"/>
+                </a:solidFill>
+                <a:latin typeface="Corbel"/>
+                <a:ea typeface="Noto Sans CJK SC"/>
               </a:rPr>
               <a:t>Type</a:t>
             </a:r>
             <a:r>
-              <a:rPr b="0" lang="en-US" sz="1600" spc="-1" strike="noStrike">
-                <a:solidFill>
-                  <a:srgbClr val="000000"/>
-                </a:solidFill>
-                <a:latin typeface="Corbel"/>
+              <a:rPr lang="en-US" sz="1600" b="0" strike="noStrike" spc="-1" dirty="0">
+                <a:solidFill>
+                  <a:srgbClr val="000000"/>
+                </a:solidFill>
+                <a:latin typeface="Corbel"/>
+                <a:ea typeface="Noto Sans CJK SC"/>
               </a:rPr>
               <a:t>: Free public API accessible via authentication key</a:t>
             </a:r>
-            <a:endParaRPr b="0" lang="en-US" sz="1600" spc="-1" strike="noStrike">
-              <a:latin typeface="Arial"/>
-            </a:endParaRPr>
-          </a:p>
-          <a:p>
-            <a:pPr lvl="2" marL="1296000" indent="-287640">
+            <a:endParaRPr lang="en-US" sz="1600" b="0" strike="noStrike" spc="-1" dirty="0">
+              <a:latin typeface="Arial"/>
+            </a:endParaRPr>
+          </a:p>
+          <a:p>
+            <a:pPr marL="1296000" lvl="2" indent="-287640">
               <a:lnSpc>
                 <a:spcPct val="100000"/>
               </a:lnSpc>
@@ -5841,29 +8033,51 @@
               <a:buChar char=""/>
             </a:pPr>
             <a:r>
-              <a:rPr b="1" lang="en-US" sz="1600" spc="-1" strike="noStrike">
-                <a:solidFill>
-                  <a:srgbClr val="000000"/>
-                </a:solidFill>
-                <a:latin typeface="Corbel"/>
+              <a:rPr lang="en-US" sz="1600" b="1" strike="noStrike" spc="-1" dirty="0">
+                <a:solidFill>
+                  <a:srgbClr val="000000"/>
+                </a:solidFill>
+                <a:latin typeface="Corbel"/>
+                <a:ea typeface="Noto Sans CJK SC"/>
               </a:rPr>
               <a:t>Information </a:t>
             </a:r>
             <a:r>
-              <a:rPr b="0" lang="en-US" sz="1600" spc="-1" strike="noStrike">
-                <a:solidFill>
-                  <a:srgbClr val="000000"/>
-                </a:solidFill>
-                <a:latin typeface="Corbel"/>
-              </a:rPr>
-              <a:t>: Access to  Short Term Forecast (Nowcast), Hourly Forecast and Realtime features.</a:t>
-            </a:r>
-            <a:endParaRPr b="0" lang="en-US" sz="1600" spc="-1" strike="noStrike">
-              <a:latin typeface="Arial"/>
-            </a:endParaRPr>
-          </a:p>
-          <a:p>
-            <a:pPr lvl="2" marL="1296000" indent="-287640">
+              <a:rPr lang="en-US" sz="1600" b="0" strike="noStrike" spc="-1" dirty="0">
+                <a:solidFill>
+                  <a:srgbClr val="000000"/>
+                </a:solidFill>
+                <a:latin typeface="Corbel"/>
+                <a:ea typeface="Noto Sans CJK SC"/>
+              </a:rPr>
+              <a:t>: Access to Search API, Sports API, Last 7 Days History, Hourly Weather, 3 Day Forecast, Realtime Weather, Astronomy </a:t>
+            </a:r>
+            <a:r>
+              <a:rPr lang="en-US" sz="1600" b="0" strike="noStrike" spc="-1" dirty="0" err="1">
+                <a:solidFill>
+                  <a:srgbClr val="000000"/>
+                </a:solidFill>
+                <a:latin typeface="Corbel"/>
+                <a:ea typeface="Noto Sans CJK SC"/>
+              </a:rPr>
+              <a:t>API,Time</a:t>
+            </a:r>
+            <a:r>
+              <a:rPr lang="en-US" sz="1600" b="0" strike="noStrike" spc="-1" dirty="0">
+                <a:solidFill>
+                  <a:srgbClr val="000000"/>
+                </a:solidFill>
+                <a:latin typeface="Corbel"/>
+                <a:ea typeface="Noto Sans CJK SC"/>
+              </a:rPr>
+              <a:t> Zone API features.</a:t>
+            </a:r>
+            <a:endParaRPr lang="en-US" sz="1600" b="0" strike="noStrike" spc="-1" dirty="0">
+              <a:latin typeface="Arial"/>
+            </a:endParaRPr>
+          </a:p>
+          <a:p>
+            <a:pPr marL="1296000" lvl="2" indent="-287640">
               <a:lnSpc>
                 <a:spcPct val="100000"/>
               </a:lnSpc>
@@ -5878,73 +8092,66 @@
               <a:buChar char=""/>
             </a:pPr>
             <a:r>
-              <a:rPr b="1" lang="en-US" sz="1600" spc="-1" strike="noStrike">
-                <a:solidFill>
-                  <a:srgbClr val="000000"/>
-                </a:solidFill>
-                <a:latin typeface="Corbel"/>
+              <a:rPr lang="en-US" sz="1600" b="1" strike="noStrike" spc="-1" dirty="0">
+                <a:solidFill>
+                  <a:srgbClr val="000000"/>
+                </a:solidFill>
+                <a:latin typeface="Corbel"/>
+                <a:ea typeface="Noto Sans CJK SC"/>
               </a:rPr>
               <a:t>Popularity</a:t>
             </a:r>
             <a:r>
-              <a:rPr b="0" lang="en-US" sz="1600" spc="-1" strike="noStrike">
-                <a:solidFill>
-                  <a:srgbClr val="000000"/>
-                </a:solidFill>
-                <a:latin typeface="Corbel"/>
-              </a:rPr>
-              <a:t>: 9.6/10,</a:t>
-            </a:r>
-            <a:r>
-              <a:rPr b="1" lang="en-US" sz="1600" spc="-1" strike="noStrike">
-                <a:solidFill>
-                  <a:srgbClr val="000000"/>
-                </a:solidFill>
-                <a:latin typeface="Corbel"/>
+              <a:rPr lang="en-US" sz="1600" b="0" strike="noStrike" spc="-1" dirty="0">
+                <a:solidFill>
+                  <a:srgbClr val="000000"/>
+                </a:solidFill>
+                <a:latin typeface="Corbel"/>
+                <a:ea typeface="Noto Sans CJK SC"/>
+              </a:rPr>
+              <a:t>: 9.8/10,</a:t>
+            </a:r>
+            <a:r>
+              <a:rPr lang="en-US" sz="1600" b="1" strike="noStrike" spc="-1" dirty="0">
+                <a:solidFill>
+                  <a:srgbClr val="000000"/>
+                </a:solidFill>
+                <a:latin typeface="Corbel"/>
+                <a:ea typeface="Noto Sans CJK SC"/>
               </a:rPr>
               <a:t> Latency</a:t>
             </a:r>
             <a:r>
-              <a:rPr b="0" lang="en-US" sz="1600" spc="-1" strike="noStrike">
-                <a:solidFill>
-                  <a:srgbClr val="000000"/>
-                </a:solidFill>
-                <a:latin typeface="Corbel"/>
-              </a:rPr>
-              <a:t>: 493ms,</a:t>
-            </a:r>
-            <a:r>
-              <a:rPr b="1" lang="en-US" sz="1600" spc="-1" strike="noStrike">
-                <a:solidFill>
-                  <a:srgbClr val="000000"/>
-                </a:solidFill>
-                <a:latin typeface="Corbel"/>
+              <a:rPr lang="en-US" sz="1600" b="0" strike="noStrike" spc="-1" dirty="0">
+                <a:solidFill>
+                  <a:srgbClr val="000000"/>
+                </a:solidFill>
+                <a:latin typeface="Corbel"/>
+                <a:ea typeface="Noto Sans CJK SC"/>
+              </a:rPr>
+              <a:t>: 101ms,</a:t>
+            </a:r>
+            <a:r>
+              <a:rPr lang="en-US" sz="1600" b="1" strike="noStrike" spc="-1" dirty="0">
+                <a:solidFill>
+                  <a:srgbClr val="000000"/>
+                </a:solidFill>
+                <a:latin typeface="Corbel"/>
+                <a:ea typeface="Noto Sans CJK SC"/>
               </a:rPr>
               <a:t> Service Level</a:t>
             </a:r>
             <a:r>
-              <a:rPr b="0" lang="en-US" sz="1600" spc="-1" strike="noStrike">
-                <a:solidFill>
-                  <a:srgbClr val="000000"/>
-                </a:solidFill>
-                <a:latin typeface="Corbel"/>
+              <a:rPr lang="en-US" sz="1600" b="0" strike="noStrike" spc="-1" dirty="0">
+                <a:solidFill>
+                  <a:srgbClr val="000000"/>
+                </a:solidFill>
+                <a:latin typeface="Corbel"/>
+                <a:ea typeface="Noto Sans CJK SC"/>
               </a:rPr>
               <a:t>: 100%</a:t>
             </a:r>
-            <a:endParaRPr b="0" lang="en-US" sz="1600" spc="-1" strike="noStrike">
-              <a:latin typeface="Arial"/>
-            </a:endParaRPr>
-          </a:p>
-          <a:p>
-            <a:pPr>
-              <a:lnSpc>
-                <a:spcPct val="100000"/>
-              </a:lnSpc>
-              <a:spcBef>
-                <a:spcPts val="850"/>
-              </a:spcBef>
-            </a:pPr>
-            <a:endParaRPr b="0" lang="en-US" sz="1600" spc="-1" strike="noStrike">
+            <a:endParaRPr lang="en-US" sz="1600" b="0" strike="noStrike" spc="-1" dirty="0">
               <a:latin typeface="Arial"/>
             </a:endParaRPr>
           </a:p>
@@ -5952,22 +8159,25 @@
       </p:sp>
     </p:spTree>
   </p:cSld>
+  <p:clrMapOvr>
+    <a:masterClrMapping/>
+  </p:clrMapOvr>
   <p:timing>
     <p:tnLst>
       <p:par>
-        <p:cTn id="11" dur="indefinite" restart="never" nodeType="tmRoot">
+        <p:cTn id="1" dur="indefinite" restart="never" nodeType="tmRoot">
           <p:childTnLst>
             <p:seq>
-              <p:cTn id="12" dur="indefinite" nodeType="mainSeq"/>
+              <p:cTn id="2" dur="indefinite" nodeType="mainSeq"/>
               <p:prevCondLst>
-                <p:cond delay="0" evt="onPrev">
+                <p:cond evt="onPrev" delay="0">
                   <p:tgtEl>
                     <p:sldTgt/>
                   </p:tgtEl>
                 </p:cond>
               </p:prevCondLst>
               <p:nextCondLst>
-                <p:cond delay="0" evt="onNext">
+                <p:cond evt="onNext" delay="0">
                   <p:tgtEl>
                     <p:sldTgt/>
                   </p:tgtEl>
@@ -5983,7 +8193,7 @@
 </file>
 
 <file path=ppt/slides/slide7.xml><?xml version="1.0" encoding="utf-8"?>
-<p:sld xmlns:a="http://schemas.openxmlformats.org/drawingml/2006/main" xmlns:p="http://schemas.openxmlformats.org/presentationml/2006/main" xmlns:r="http://schemas.openxmlformats.org/officeDocument/2006/relationships" xmlns:p14="http://schemas.microsoft.com/office/powerpoint/2010/main" xmlns:p15="http://schemas.microsoft.com/office/powerpoint/2012/main" xmlns:mc="http://schemas.openxmlformats.org/markup-compatibility/2006">
+<p:sld xmlns:a="http://schemas.openxmlformats.org/drawingml/2006/main" xmlns:r="http://schemas.openxmlformats.org/officeDocument/2006/relationships" xmlns:p="http://schemas.openxmlformats.org/presentationml/2006/main">
   <p:cSld>
     <p:spTree>
       <p:nvGrpSpPr>
@@ -6001,7 +8211,7 @@
       </p:grpSpPr>
       <p:sp>
         <p:nvSpPr>
-          <p:cNvPr id="109" name="CustomShape 1"/>
+          <p:cNvPr id="107" name="CustomShape 1"/>
           <p:cNvSpPr/>
           <p:nvPr/>
         </p:nvSpPr>
@@ -6019,13 +8229,20 @@
           </a:ln>
         </p:spPr>
         <p:style>
-          <a:lnRef idx="0"/>
-          <a:fillRef idx="0"/>
-          <a:effectRef idx="0"/>
+          <a:lnRef idx="0">
+            <a:scrgbClr r="0" g="0" b="0"/>
+          </a:lnRef>
+          <a:fillRef idx="0">
+            <a:scrgbClr r="0" g="0" b="0"/>
+          </a:fillRef>
+          <a:effectRef idx="0">
+            <a:scrgbClr r="0" g="0" b="0"/>
+          </a:effectRef>
           <a:fontRef idx="minor"/>
         </p:style>
         <p:txBody>
-          <a:bodyPr lIns="90000" rIns="90000" tIns="45000" bIns="45000" anchor="ctr"/>
+          <a:bodyPr lIns="90000" tIns="45000" rIns="90000" bIns="45000" anchor="ctr"/>
+          <a:lstStyle/>
           <a:p>
             <a:pPr algn="ctr">
               <a:lnSpc>
@@ -6033,29 +8250,29 @@
               </a:lnSpc>
             </a:pPr>
             <a:r>
-              <a:rPr b="0" lang="en-US" sz="4000" spc="-1" strike="noStrike">
-                <a:solidFill>
-                  <a:srgbClr val="000000"/>
-                </a:solidFill>
-                <a:latin typeface="Corbel"/>
-              </a:rPr>
-              <a:t>API’s</a:t>
-            </a:r>
-            <a:endParaRPr b="0" lang="en-US" sz="4000" spc="-1" strike="noStrike">
-              <a:latin typeface="Arial"/>
-            </a:endParaRPr>
-          </a:p>
-        </p:txBody>
-      </p:sp>
-      <p:sp>
-        <p:nvSpPr>
-          <p:cNvPr id="110" name="CustomShape 2"/>
+              <a:rPr lang="en-US" sz="4400" b="0" strike="noStrike" spc="-1" dirty="0">
+                <a:solidFill>
+                  <a:srgbClr val="000000"/>
+                </a:solidFill>
+                <a:latin typeface="+mj-lt"/>
+              </a:rPr>
+              <a:t>WEATHER API’s</a:t>
+            </a:r>
+            <a:endParaRPr lang="en-US" sz="4400" b="0" strike="noStrike" spc="-1" dirty="0">
+              <a:latin typeface="+mj-lt"/>
+            </a:endParaRPr>
+          </a:p>
+        </p:txBody>
+      </p:sp>
+      <p:sp>
+        <p:nvSpPr>
+          <p:cNvPr id="108" name="CustomShape 2"/>
           <p:cNvSpPr/>
           <p:nvPr/>
         </p:nvSpPr>
         <p:spPr>
           <a:xfrm>
-            <a:off x="1554480" y="1737360"/>
+            <a:off x="1503000" y="1554120"/>
             <a:ext cx="10018080" cy="4571640"/>
           </a:xfrm>
           <a:prstGeom prst="rect">
@@ -6067,13 +8284,20 @@
           </a:ln>
         </p:spPr>
         <p:style>
-          <a:lnRef idx="0"/>
-          <a:fillRef idx="0"/>
-          <a:effectRef idx="0"/>
+          <a:lnRef idx="0">
+            <a:scrgbClr r="0" g="0" b="0"/>
+          </a:lnRef>
+          <a:fillRef idx="0">
+            <a:scrgbClr r="0" g="0" b="0"/>
+          </a:fillRef>
+          <a:effectRef idx="0">
+            <a:scrgbClr r="0" g="0" b="0"/>
+          </a:effectRef>
           <a:fontRef idx="minor"/>
         </p:style>
         <p:txBody>
-          <a:bodyPr lIns="90000" rIns="90000" tIns="45000" bIns="45000" anchor="ctr"/>
+          <a:bodyPr lIns="90000" tIns="45000" rIns="90000" bIns="45000" anchor="ctr"/>
+          <a:lstStyle/>
           <a:p>
             <a:pPr marL="285840" indent="-285120">
               <a:lnSpc>
@@ -6086,14 +8310,14 @@
                 <a:spcPts val="601"/>
               </a:spcAft>
               <a:buClr>
-                <a:srgbClr val="1287c3"/>
+                <a:srgbClr val="1287C3"/>
               </a:buClr>
               <a:buSzPct val="145000"/>
               <a:buFont typeface="Arial"/>
               <a:buChar char="•"/>
             </a:pPr>
             <a:r>
-              <a:rPr b="0" lang="en-US" sz="2400" spc="-1" strike="noStrike">
+              <a:rPr lang="en-US" sz="2400" b="0" strike="noStrike" spc="-1" dirty="0">
                 <a:solidFill>
                   <a:srgbClr val="000000"/>
                 </a:solidFill>
@@ -6101,12 +8325,12 @@
               </a:rPr>
               <a:t>Weather API:</a:t>
             </a:r>
-            <a:endParaRPr b="0" lang="en-US" sz="2400" spc="-1" strike="noStrike">
-              <a:latin typeface="Arial"/>
-            </a:endParaRPr>
-          </a:p>
-          <a:p>
-            <a:pPr lvl="1" marL="864000" indent="-323640">
+            <a:endParaRPr lang="en-US" sz="2400" b="0" strike="noStrike" spc="-1" dirty="0">
+              <a:latin typeface="Arial"/>
+            </a:endParaRPr>
+          </a:p>
+          <a:p>
+            <a:pPr marL="864000" lvl="1" indent="-323640">
               <a:lnSpc>
                 <a:spcPct val="100000"/>
               </a:lnSpc>
@@ -6121,20 +8345,29 @@
               <a:buChar char=""/>
             </a:pPr>
             <a:r>
-              <a:rPr b="0" lang="en-US" sz="1800" spc="-1" strike="noStrike">
-                <a:solidFill>
-                  <a:srgbClr val="000000"/>
-                </a:solidFill>
-                <a:latin typeface="Corbel"/>
-              </a:rPr>
-              <a:t>3) OpenWeatherMap</a:t>
-            </a:r>
-            <a:endParaRPr b="0" lang="en-US" sz="1800" spc="-1" strike="noStrike">
-              <a:latin typeface="Arial"/>
-            </a:endParaRPr>
-          </a:p>
-          <a:p>
-            <a:pPr lvl="2" marL="1296000" indent="-287640">
+              <a:rPr lang="en-US" sz="1800" b="0" strike="noStrike" spc="-1" dirty="0">
+                <a:solidFill>
+                  <a:srgbClr val="000000"/>
+                </a:solidFill>
+                <a:latin typeface="Corbel"/>
+              </a:rPr>
+              <a:t>2) </a:t>
+            </a:r>
+            <a:r>
+              <a:rPr lang="en-US" sz="1800" b="0" strike="noStrike" spc="-1" dirty="0" err="1">
+                <a:solidFill>
+                  <a:srgbClr val="000000"/>
+                </a:solidFill>
+                <a:latin typeface="Corbel"/>
+              </a:rPr>
+              <a:t>ClimaCell</a:t>
+            </a:r>
+            <a:endParaRPr lang="en-US" sz="1800" b="0" strike="noStrike" spc="-1" dirty="0">
+              <a:latin typeface="Arial"/>
+            </a:endParaRPr>
+          </a:p>
+          <a:p>
+            <a:pPr marL="1296000" lvl="2" indent="-287640">
               <a:lnSpc>
                 <a:spcPct val="100000"/>
               </a:lnSpc>
@@ -6149,7 +8382,7 @@
               <a:buChar char=""/>
             </a:pPr>
             <a:r>
-              <a:rPr b="1" lang="en-US" sz="1600" spc="-1" strike="noStrike">
+              <a:rPr lang="en-US" sz="1600" b="1" strike="noStrike" spc="-1" dirty="0">
                 <a:solidFill>
                   <a:srgbClr val="000000"/>
                 </a:solidFill>
@@ -6158,20 +8391,20 @@
               <a:t>Limit</a:t>
             </a:r>
             <a:r>
-              <a:rPr b="0" lang="en-US" sz="1600" spc="-1" strike="noStrike">
-                <a:solidFill>
-                  <a:srgbClr val="000000"/>
-                </a:solidFill>
-                <a:latin typeface="Corbel"/>
-              </a:rPr>
-              <a:t>: 500 / month quota Hard Limit</a:t>
-            </a:r>
-            <a:endParaRPr b="0" lang="en-US" sz="1600" spc="-1" strike="noStrike">
-              <a:latin typeface="Arial"/>
-            </a:endParaRPr>
-          </a:p>
-          <a:p>
-            <a:pPr lvl="2" marL="1296000" indent="-287640">
+              <a:rPr lang="en-US" sz="1600" b="0" strike="noStrike" spc="-1" dirty="0">
+                <a:solidFill>
+                  <a:srgbClr val="000000"/>
+                </a:solidFill>
+                <a:latin typeface="Corbel"/>
+              </a:rPr>
+              <a:t>:  100 / day quota Hard Limit</a:t>
+            </a:r>
+            <a:endParaRPr lang="en-US" sz="1600" b="0" strike="noStrike" spc="-1" dirty="0">
+              <a:latin typeface="Arial"/>
+            </a:endParaRPr>
+          </a:p>
+          <a:p>
+            <a:pPr marL="1296000" lvl="2" indent="-287640">
               <a:lnSpc>
                 <a:spcPct val="100000"/>
               </a:lnSpc>
@@ -6186,7 +8419,7 @@
               <a:buChar char=""/>
             </a:pPr>
             <a:r>
-              <a:rPr b="1" lang="en-US" sz="1600" spc="-1" strike="noStrike">
+              <a:rPr lang="en-US" sz="1600" b="1" strike="noStrike" spc="-1" dirty="0">
                 <a:solidFill>
                   <a:srgbClr val="000000"/>
                 </a:solidFill>
@@ -6195,7 +8428,7 @@
               <a:t>Data Format</a:t>
             </a:r>
             <a:r>
-              <a:rPr b="0" lang="en-US" sz="1600" spc="-1" strike="noStrike">
+              <a:rPr lang="en-US" sz="1600" b="0" strike="noStrike" spc="-1" dirty="0">
                 <a:solidFill>
                   <a:srgbClr val="000000"/>
                 </a:solidFill>
@@ -6203,12 +8436,12 @@
               </a:rPr>
               <a:t>: FetchAPI</a:t>
             </a:r>
-            <a:endParaRPr b="0" lang="en-US" sz="1600" spc="-1" strike="noStrike">
-              <a:latin typeface="Arial"/>
-            </a:endParaRPr>
-          </a:p>
-          <a:p>
-            <a:pPr lvl="2" marL="1296000" indent="-287640">
+            <a:endParaRPr lang="en-US" sz="1600" b="0" strike="noStrike" spc="-1" dirty="0">
+              <a:latin typeface="Arial"/>
+            </a:endParaRPr>
+          </a:p>
+          <a:p>
+            <a:pPr marL="1296000" lvl="2" indent="-287640">
               <a:lnSpc>
                 <a:spcPct val="100000"/>
               </a:lnSpc>
@@ -6223,7 +8456,7 @@
               <a:buChar char=""/>
             </a:pPr>
             <a:r>
-              <a:rPr b="1" lang="en-US" sz="1600" spc="-1" strike="noStrike">
+              <a:rPr lang="en-US" sz="1600" b="1" strike="noStrike" spc="-1" dirty="0">
                 <a:solidFill>
                   <a:srgbClr val="000000"/>
                 </a:solidFill>
@@ -6232,7 +8465,7 @@
               <a:t>Type</a:t>
             </a:r>
             <a:r>
-              <a:rPr b="0" lang="en-US" sz="1600" spc="-1" strike="noStrike">
+              <a:rPr lang="en-US" sz="1600" b="0" strike="noStrike" spc="-1" dirty="0">
                 <a:solidFill>
                   <a:srgbClr val="000000"/>
                 </a:solidFill>
@@ -6240,12 +8473,12 @@
               </a:rPr>
               <a:t>: Free public API accessible via authentication key</a:t>
             </a:r>
-            <a:endParaRPr b="0" lang="en-US" sz="1600" spc="-1" strike="noStrike">
-              <a:latin typeface="Arial"/>
-            </a:endParaRPr>
-          </a:p>
-          <a:p>
-            <a:pPr lvl="2" marL="1296000" indent="-287640">
+            <a:endParaRPr lang="en-US" sz="1600" b="0" strike="noStrike" spc="-1" dirty="0">
+              <a:latin typeface="Arial"/>
+            </a:endParaRPr>
+          </a:p>
+          <a:p>
+            <a:pPr marL="1296000" lvl="2" indent="-287640">
               <a:lnSpc>
                 <a:spcPct val="100000"/>
               </a:lnSpc>
@@ -6260,7 +8493,7 @@
               <a:buChar char=""/>
             </a:pPr>
             <a:r>
-              <a:rPr b="1" lang="en-US" sz="1600" spc="-1" strike="noStrike">
+              <a:rPr lang="en-US" sz="1600" b="1" strike="noStrike" spc="-1" dirty="0">
                 <a:solidFill>
                   <a:srgbClr val="000000"/>
                 </a:solidFill>
@@ -6269,20 +8502,20 @@
               <a:t>Information </a:t>
             </a:r>
             <a:r>
-              <a:rPr b="0" lang="en-US" sz="1600" spc="-1" strike="noStrike">
-                <a:solidFill>
-                  <a:srgbClr val="000000"/>
-                </a:solidFill>
-                <a:latin typeface="Corbel"/>
-              </a:rPr>
-              <a:t>: Access to search Weather API, Historical Weather Data (5 Days), 5 days/3 hour forecast API, Current Weather API features.</a:t>
-            </a:r>
-            <a:endParaRPr b="0" lang="en-US" sz="1600" spc="-1" strike="noStrike">
-              <a:latin typeface="Arial"/>
-            </a:endParaRPr>
-          </a:p>
-          <a:p>
-            <a:pPr lvl="2" marL="1296000" indent="-287640">
+              <a:rPr lang="en-US" sz="1600" b="0" strike="noStrike" spc="-1" dirty="0">
+                <a:solidFill>
+                  <a:srgbClr val="000000"/>
+                </a:solidFill>
+                <a:latin typeface="Corbel"/>
+              </a:rPr>
+              <a:t>: Access to  Short Term Forecast (Nowcast), Hourly Forecast and Realtime features.</a:t>
+            </a:r>
+            <a:endParaRPr lang="en-US" sz="1600" b="0" strike="noStrike" spc="-1" dirty="0">
+              <a:latin typeface="Arial"/>
+            </a:endParaRPr>
+          </a:p>
+          <a:p>
+            <a:pPr marL="1296000" lvl="2" indent="-287640">
               <a:lnSpc>
                 <a:spcPct val="100000"/>
               </a:lnSpc>
@@ -6297,7 +8530,7 @@
               <a:buChar char=""/>
             </a:pPr>
             <a:r>
-              <a:rPr b="1" lang="en-US" sz="1600" spc="-1" strike="noStrike">
+              <a:rPr lang="en-US" sz="1600" b="1" strike="noStrike" spc="-1" dirty="0">
                 <a:solidFill>
                   <a:srgbClr val="000000"/>
                 </a:solidFill>
@@ -6306,16 +8539,16 @@
               <a:t>Popularity</a:t>
             </a:r>
             <a:r>
-              <a:rPr b="0" lang="en-US" sz="1600" spc="-1" strike="noStrike">
-                <a:solidFill>
-                  <a:srgbClr val="000000"/>
-                </a:solidFill>
-                <a:latin typeface="Corbel"/>
-              </a:rPr>
-              <a:t>: 9.9/10,</a:t>
-            </a:r>
-            <a:r>
-              <a:rPr b="1" lang="en-US" sz="1600" spc="-1" strike="noStrike">
+              <a:rPr lang="en-US" sz="1600" b="0" strike="noStrike" spc="-1" dirty="0">
+                <a:solidFill>
+                  <a:srgbClr val="000000"/>
+                </a:solidFill>
+                <a:latin typeface="Corbel"/>
+              </a:rPr>
+              <a:t>: 9.6/10,</a:t>
+            </a:r>
+            <a:r>
+              <a:rPr lang="en-US" sz="1600" b="1" strike="noStrike" spc="-1" dirty="0">
                 <a:solidFill>
                   <a:srgbClr val="000000"/>
                 </a:solidFill>
@@ -6324,16 +8557,16 @@
               <a:t> Latency</a:t>
             </a:r>
             <a:r>
-              <a:rPr b="0" lang="en-US" sz="1600" spc="-1" strike="noStrike">
-                <a:solidFill>
-                  <a:srgbClr val="000000"/>
-                </a:solidFill>
-                <a:latin typeface="Corbel"/>
-              </a:rPr>
-              <a:t>: 100ms,</a:t>
-            </a:r>
-            <a:r>
-              <a:rPr b="1" lang="en-US" sz="1600" spc="-1" strike="noStrike">
+              <a:rPr lang="en-US" sz="1600" b="0" strike="noStrike" spc="-1" dirty="0">
+                <a:solidFill>
+                  <a:srgbClr val="000000"/>
+                </a:solidFill>
+                <a:latin typeface="Corbel"/>
+              </a:rPr>
+              <a:t>: 493ms,</a:t>
+            </a:r>
+            <a:r>
+              <a:rPr lang="en-US" sz="1600" b="1" strike="noStrike" spc="-1" dirty="0">
                 <a:solidFill>
                   <a:srgbClr val="000000"/>
                 </a:solidFill>
@@ -6342,15 +8575,15 @@
               <a:t> Service Level</a:t>
             </a:r>
             <a:r>
-              <a:rPr b="0" lang="en-US" sz="1600" spc="-1" strike="noStrike">
-                <a:solidFill>
-                  <a:srgbClr val="000000"/>
-                </a:solidFill>
-                <a:latin typeface="Corbel"/>
-              </a:rPr>
-              <a:t>: 98%</a:t>
-            </a:r>
-            <a:endParaRPr b="0" lang="en-US" sz="1600" spc="-1" strike="noStrike">
+              <a:rPr lang="en-US" sz="1600" b="0" strike="noStrike" spc="-1" dirty="0">
+                <a:solidFill>
+                  <a:srgbClr val="000000"/>
+                </a:solidFill>
+                <a:latin typeface="Corbel"/>
+              </a:rPr>
+              <a:t>: 100%</a:t>
+            </a:r>
+            <a:endParaRPr lang="en-US" sz="1600" b="0" strike="noStrike" spc="-1" dirty="0">
               <a:latin typeface="Arial"/>
             </a:endParaRPr>
           </a:p>
@@ -6363,7 +8596,7 @@
                 <a:spcPts val="850"/>
               </a:spcBef>
             </a:pPr>
-            <a:endParaRPr b="0" lang="en-US" sz="1600" spc="-1" strike="noStrike">
+            <a:endParaRPr lang="en-US" sz="1600" b="0" strike="noStrike" spc="-1" dirty="0">
               <a:latin typeface="Arial"/>
             </a:endParaRPr>
           </a:p>
@@ -6371,22 +8604,25 @@
       </p:sp>
     </p:spTree>
   </p:cSld>
+  <p:clrMapOvr>
+    <a:masterClrMapping/>
+  </p:clrMapOvr>
   <p:timing>
     <p:tnLst>
       <p:par>
-        <p:cTn id="13" dur="indefinite" restart="never" nodeType="tmRoot">
+        <p:cTn id="1" dur="indefinite" restart="never" nodeType="tmRoot">
           <p:childTnLst>
             <p:seq>
-              <p:cTn id="14" dur="indefinite" nodeType="mainSeq"/>
+              <p:cTn id="2" dur="indefinite" nodeType="mainSeq"/>
               <p:prevCondLst>
-                <p:cond delay="0" evt="onPrev">
+                <p:cond evt="onPrev" delay="0">
                   <p:tgtEl>
                     <p:sldTgt/>
                   </p:tgtEl>
                 </p:cond>
               </p:prevCondLst>
               <p:nextCondLst>
-                <p:cond delay="0" evt="onNext">
+                <p:cond evt="onNext" delay="0">
                   <p:tgtEl>
                     <p:sldTgt/>
                   </p:tgtEl>
@@ -6402,7 +8638,7 @@
 </file>
 
 <file path=ppt/slides/slide8.xml><?xml version="1.0" encoding="utf-8"?>
-<p:sld xmlns:a="http://schemas.openxmlformats.org/drawingml/2006/main" xmlns:p="http://schemas.openxmlformats.org/presentationml/2006/main" xmlns:r="http://schemas.openxmlformats.org/officeDocument/2006/relationships" xmlns:p14="http://schemas.microsoft.com/office/powerpoint/2010/main" xmlns:p15="http://schemas.microsoft.com/office/powerpoint/2012/main" xmlns:mc="http://schemas.openxmlformats.org/markup-compatibility/2006">
+<p:sld xmlns:a="http://schemas.openxmlformats.org/drawingml/2006/main" xmlns:r="http://schemas.openxmlformats.org/officeDocument/2006/relationships" xmlns:p="http://schemas.openxmlformats.org/presentationml/2006/main">
   <p:cSld>
     <p:spTree>
       <p:nvGrpSpPr>
@@ -6420,7 +8656,7 @@
       </p:grpSpPr>
       <p:sp>
         <p:nvSpPr>
-          <p:cNvPr id="111" name="CustomShape 1"/>
+          <p:cNvPr id="109" name="CustomShape 1"/>
           <p:cNvSpPr/>
           <p:nvPr/>
         </p:nvSpPr>
@@ -6438,13 +8674,20 @@
           </a:ln>
         </p:spPr>
         <p:style>
-          <a:lnRef idx="0"/>
-          <a:fillRef idx="0"/>
-          <a:effectRef idx="0"/>
+          <a:lnRef idx="0">
+            <a:scrgbClr r="0" g="0" b="0"/>
+          </a:lnRef>
+          <a:fillRef idx="0">
+            <a:scrgbClr r="0" g="0" b="0"/>
+          </a:fillRef>
+          <a:effectRef idx="0">
+            <a:scrgbClr r="0" g="0" b="0"/>
+          </a:effectRef>
           <a:fontRef idx="minor"/>
         </p:style>
         <p:txBody>
-          <a:bodyPr lIns="90000" rIns="90000" tIns="45000" bIns="45000" anchor="ctr"/>
+          <a:bodyPr lIns="90000" tIns="45000" rIns="90000" bIns="45000" anchor="ctr"/>
+          <a:lstStyle/>
           <a:p>
             <a:pPr algn="ctr">
               <a:lnSpc>
@@ -6452,29 +8695,26 @@
               </a:lnSpc>
             </a:pPr>
             <a:r>
-              <a:rPr b="0" lang="en-US" sz="4000" spc="-1" strike="noStrike">
-                <a:solidFill>
-                  <a:srgbClr val="000000"/>
-                </a:solidFill>
-                <a:latin typeface="Corbel"/>
-              </a:rPr>
-              <a:t>API’s</a:t>
-            </a:r>
-            <a:endParaRPr b="0" lang="en-US" sz="4000" spc="-1" strike="noStrike">
-              <a:latin typeface="Arial"/>
-            </a:endParaRPr>
-          </a:p>
-        </p:txBody>
-      </p:sp>
-      <p:sp>
-        <p:nvSpPr>
-          <p:cNvPr id="112" name="CustomShape 2"/>
+              <a:rPr lang="en-US" sz="4400" dirty="0">
+                <a:latin typeface="+mj-lt"/>
+              </a:rPr>
+              <a:t>WEATHER API’s</a:t>
+            </a:r>
+            <a:endParaRPr lang="en-US" sz="4400" b="0" strike="noStrike" spc="-1" dirty="0">
+              <a:latin typeface="+mj-lt"/>
+            </a:endParaRPr>
+          </a:p>
+        </p:txBody>
+      </p:sp>
+      <p:sp>
+        <p:nvSpPr>
+          <p:cNvPr id="110" name="CustomShape 2"/>
           <p:cNvSpPr/>
           <p:nvPr/>
         </p:nvSpPr>
         <p:spPr>
           <a:xfrm>
-            <a:off x="1554480" y="1737360"/>
+            <a:off x="1503000" y="1554120"/>
             <a:ext cx="10018080" cy="4571640"/>
           </a:xfrm>
           <a:prstGeom prst="rect">
@@ -6486,13 +8726,20 @@
           </a:ln>
         </p:spPr>
         <p:style>
-          <a:lnRef idx="0"/>
-          <a:fillRef idx="0"/>
-          <a:effectRef idx="0"/>
+          <a:lnRef idx="0">
+            <a:scrgbClr r="0" g="0" b="0"/>
+          </a:lnRef>
+          <a:fillRef idx="0">
+            <a:scrgbClr r="0" g="0" b="0"/>
+          </a:fillRef>
+          <a:effectRef idx="0">
+            <a:scrgbClr r="0" g="0" b="0"/>
+          </a:effectRef>
           <a:fontRef idx="minor"/>
         </p:style>
         <p:txBody>
-          <a:bodyPr lIns="90000" rIns="90000" tIns="45000" bIns="45000" anchor="ctr"/>
+          <a:bodyPr lIns="90000" tIns="45000" rIns="90000" bIns="45000" anchor="ctr"/>
+          <a:lstStyle/>
           <a:p>
             <a:pPr marL="285840" indent="-285120">
               <a:lnSpc>
@@ -6505,27 +8752,27 @@
                 <a:spcPts val="601"/>
               </a:spcAft>
               <a:buClr>
-                <a:srgbClr val="1287c3"/>
+                <a:srgbClr val="1287C3"/>
               </a:buClr>
               <a:buSzPct val="145000"/>
               <a:buFont typeface="Arial"/>
               <a:buChar char="•"/>
             </a:pPr>
             <a:r>
-              <a:rPr b="0" lang="en-US" sz="2400" spc="-1" strike="noStrike">
-                <a:solidFill>
-                  <a:srgbClr val="000000"/>
-                </a:solidFill>
-                <a:latin typeface="Corbel"/>
-              </a:rPr>
-              <a:t>Hike trail API:</a:t>
-            </a:r>
-            <a:endParaRPr b="0" lang="en-US" sz="2400" spc="-1" strike="noStrike">
-              <a:latin typeface="Arial"/>
-            </a:endParaRPr>
-          </a:p>
-          <a:p>
-            <a:pPr lvl="1" marL="864000" indent="-323640">
+              <a:rPr lang="en-US" sz="2400" b="0" strike="noStrike" spc="-1" dirty="0">
+                <a:solidFill>
+                  <a:srgbClr val="000000"/>
+                </a:solidFill>
+                <a:latin typeface="Corbel"/>
+              </a:rPr>
+              <a:t>Weather API:</a:t>
+            </a:r>
+            <a:endParaRPr lang="en-US" sz="2400" b="0" strike="noStrike" spc="-1" dirty="0">
+              <a:latin typeface="Arial"/>
+            </a:endParaRPr>
+          </a:p>
+          <a:p>
+            <a:pPr marL="864000" lvl="1" indent="-323640">
               <a:lnSpc>
                 <a:spcPct val="100000"/>
               </a:lnSpc>
@@ -6540,20 +8787,29 @@
               <a:buChar char=""/>
             </a:pPr>
             <a:r>
-              <a:rPr b="0" lang="en-US" sz="1800" spc="-1" strike="noStrike">
-                <a:solidFill>
-                  <a:srgbClr val="000000"/>
-                </a:solidFill>
-                <a:latin typeface="Corbel"/>
-              </a:rPr>
-              <a:t>1) </a:t>
-            </a:r>
-            <a:endParaRPr b="0" lang="en-US" sz="1800" spc="-1" strike="noStrike">
-              <a:latin typeface="Arial"/>
-            </a:endParaRPr>
-          </a:p>
-          <a:p>
-            <a:pPr lvl="2" marL="1296000" indent="-287640">
+              <a:rPr lang="en-US" sz="1800" b="0" strike="noStrike" spc="-1" dirty="0">
+                <a:solidFill>
+                  <a:srgbClr val="000000"/>
+                </a:solidFill>
+                <a:latin typeface="Corbel"/>
+              </a:rPr>
+              <a:t>3) </a:t>
+            </a:r>
+            <a:r>
+              <a:rPr lang="en-US" sz="1800" b="0" strike="noStrike" spc="-1" dirty="0" err="1">
+                <a:solidFill>
+                  <a:srgbClr val="000000"/>
+                </a:solidFill>
+                <a:latin typeface="Corbel"/>
+              </a:rPr>
+              <a:t>OpenWeatherMap</a:t>
+            </a:r>
+            <a:endParaRPr lang="en-US" sz="1800" b="0" strike="noStrike" spc="-1" dirty="0">
+              <a:latin typeface="Arial"/>
+            </a:endParaRPr>
+          </a:p>
+          <a:p>
+            <a:pPr marL="1296000" lvl="2" indent="-287640">
               <a:lnSpc>
                 <a:spcPct val="100000"/>
               </a:lnSpc>
@@ -6568,7 +8824,7 @@
               <a:buChar char=""/>
             </a:pPr>
             <a:r>
-              <a:rPr b="1" lang="en-US" sz="1600" spc="-1" strike="noStrike">
+              <a:rPr lang="en-US" sz="1600" b="1" strike="noStrike" spc="-1" dirty="0">
                 <a:solidFill>
                   <a:srgbClr val="000000"/>
                 </a:solidFill>
@@ -6577,20 +8833,20 @@
               <a:t>Limit</a:t>
             </a:r>
             <a:r>
-              <a:rPr b="0" lang="en-US" sz="1600" spc="-1" strike="noStrike">
-                <a:solidFill>
-                  <a:srgbClr val="000000"/>
-                </a:solidFill>
-                <a:latin typeface="Corbel"/>
-              </a:rPr>
-              <a:t>: </a:t>
-            </a:r>
-            <a:endParaRPr b="0" lang="en-US" sz="1600" spc="-1" strike="noStrike">
-              <a:latin typeface="Arial"/>
-            </a:endParaRPr>
-          </a:p>
-          <a:p>
-            <a:pPr lvl="2" marL="1296000" indent="-287640">
+              <a:rPr lang="en-US" sz="1600" b="0" strike="noStrike" spc="-1" dirty="0">
+                <a:solidFill>
+                  <a:srgbClr val="000000"/>
+                </a:solidFill>
+                <a:latin typeface="Corbel"/>
+              </a:rPr>
+              <a:t>: 500 / month quota Hard Limit</a:t>
+            </a:r>
+            <a:endParaRPr lang="en-US" sz="1600" b="0" strike="noStrike" spc="-1" dirty="0">
+              <a:latin typeface="Arial"/>
+            </a:endParaRPr>
+          </a:p>
+          <a:p>
+            <a:pPr marL="1296000" lvl="2" indent="-287640">
               <a:lnSpc>
                 <a:spcPct val="100000"/>
               </a:lnSpc>
@@ -6605,7 +8861,7 @@
               <a:buChar char=""/>
             </a:pPr>
             <a:r>
-              <a:rPr b="1" lang="en-US" sz="1600" spc="-1" strike="noStrike">
+              <a:rPr lang="en-US" sz="1600" b="1" strike="noStrike" spc="-1" dirty="0">
                 <a:solidFill>
                   <a:srgbClr val="000000"/>
                 </a:solidFill>
@@ -6614,7 +8870,7 @@
               <a:t>Data Format</a:t>
             </a:r>
             <a:r>
-              <a:rPr b="0" lang="en-US" sz="1600" spc="-1" strike="noStrike">
+              <a:rPr lang="en-US" sz="1600" b="0" strike="noStrike" spc="-1" dirty="0">
                 <a:solidFill>
                   <a:srgbClr val="000000"/>
                 </a:solidFill>
@@ -6622,12 +8878,12 @@
               </a:rPr>
               <a:t>: FetchAPI</a:t>
             </a:r>
-            <a:endParaRPr b="0" lang="en-US" sz="1600" spc="-1" strike="noStrike">
-              <a:latin typeface="Arial"/>
-            </a:endParaRPr>
-          </a:p>
-          <a:p>
-            <a:pPr lvl="2" marL="1296000" indent="-287640">
+            <a:endParaRPr lang="en-US" sz="1600" b="0" strike="noStrike" spc="-1" dirty="0">
+              <a:latin typeface="Arial"/>
+            </a:endParaRPr>
+          </a:p>
+          <a:p>
+            <a:pPr marL="1296000" lvl="2" indent="-287640">
               <a:lnSpc>
                 <a:spcPct val="100000"/>
               </a:lnSpc>
@@ -6642,7 +8898,7 @@
               <a:buChar char=""/>
             </a:pPr>
             <a:r>
-              <a:rPr b="1" lang="en-US" sz="1600" spc="-1" strike="noStrike">
+              <a:rPr lang="en-US" sz="1600" b="1" strike="noStrike" spc="-1" dirty="0">
                 <a:solidFill>
                   <a:srgbClr val="000000"/>
                 </a:solidFill>
@@ -6651,7 +8907,7 @@
               <a:t>Type</a:t>
             </a:r>
             <a:r>
-              <a:rPr b="0" lang="en-US" sz="1600" spc="-1" strike="noStrike">
+              <a:rPr lang="en-US" sz="1600" b="0" strike="noStrike" spc="-1" dirty="0">
                 <a:solidFill>
                   <a:srgbClr val="000000"/>
                 </a:solidFill>
@@ -6659,12 +8915,12 @@
               </a:rPr>
               <a:t>: Free public API accessible via authentication key</a:t>
             </a:r>
-            <a:endParaRPr b="0" lang="en-US" sz="1600" spc="-1" strike="noStrike">
-              <a:latin typeface="Arial"/>
-            </a:endParaRPr>
-          </a:p>
-          <a:p>
-            <a:pPr lvl="2" marL="1296000" indent="-287640">
+            <a:endParaRPr lang="en-US" sz="1600" b="0" strike="noStrike" spc="-1" dirty="0">
+              <a:latin typeface="Arial"/>
+            </a:endParaRPr>
+          </a:p>
+          <a:p>
+            <a:pPr marL="1296000" lvl="2" indent="-287640">
               <a:lnSpc>
                 <a:spcPct val="100000"/>
               </a:lnSpc>
@@ -6679,7 +8935,7 @@
               <a:buChar char=""/>
             </a:pPr>
             <a:r>
-              <a:rPr b="1" lang="en-US" sz="1600" spc="-1" strike="noStrike">
+              <a:rPr lang="en-US" sz="1600" b="1" strike="noStrike" spc="-1" dirty="0">
                 <a:solidFill>
                   <a:srgbClr val="000000"/>
                 </a:solidFill>
@@ -6688,20 +8944,20 @@
               <a:t>Information </a:t>
             </a:r>
             <a:r>
-              <a:rPr b="0" lang="en-US" sz="1600" spc="-1" strike="noStrike">
-                <a:solidFill>
-                  <a:srgbClr val="000000"/>
-                </a:solidFill>
-                <a:latin typeface="Corbel"/>
-              </a:rPr>
-              <a:t>: </a:t>
-            </a:r>
-            <a:endParaRPr b="0" lang="en-US" sz="1600" spc="-1" strike="noStrike">
-              <a:latin typeface="Arial"/>
-            </a:endParaRPr>
-          </a:p>
-          <a:p>
-            <a:pPr lvl="2" marL="1296000" indent="-287640">
+              <a:rPr lang="en-US" sz="1600" b="0" strike="noStrike" spc="-1" dirty="0">
+                <a:solidFill>
+                  <a:srgbClr val="000000"/>
+                </a:solidFill>
+                <a:latin typeface="Corbel"/>
+              </a:rPr>
+              <a:t>: Access to search Weather API, Historical Weather Data (5 Days), 5 days/3 hour forecast API, Current Weather API features.</a:t>
+            </a:r>
+            <a:endParaRPr lang="en-US" sz="1600" b="0" strike="noStrike" spc="-1" dirty="0">
+              <a:latin typeface="Arial"/>
+            </a:endParaRPr>
+          </a:p>
+          <a:p>
+            <a:pPr marL="1296000" lvl="2" indent="-287640">
               <a:lnSpc>
                 <a:spcPct val="100000"/>
               </a:lnSpc>
@@ -6716,7 +8972,7 @@
               <a:buChar char=""/>
             </a:pPr>
             <a:r>
-              <a:rPr b="1" lang="en-US" sz="1600" spc="-1" strike="noStrike">
+              <a:rPr lang="en-US" sz="1600" b="1" strike="noStrike" spc="-1" dirty="0">
                 <a:solidFill>
                   <a:srgbClr val="000000"/>
                 </a:solidFill>
@@ -6725,16 +8981,16 @@
               <a:t>Popularity</a:t>
             </a:r>
             <a:r>
-              <a:rPr b="0" lang="en-US" sz="1600" spc="-1" strike="noStrike">
-                <a:solidFill>
-                  <a:srgbClr val="000000"/>
-                </a:solidFill>
-                <a:latin typeface="Corbel"/>
-              </a:rPr>
-              <a:t>: ,</a:t>
-            </a:r>
-            <a:r>
-              <a:rPr b="1" lang="en-US" sz="1600" spc="-1" strike="noStrike">
+              <a:rPr lang="en-US" sz="1600" b="0" strike="noStrike" spc="-1" dirty="0">
+                <a:solidFill>
+                  <a:srgbClr val="000000"/>
+                </a:solidFill>
+                <a:latin typeface="Corbel"/>
+              </a:rPr>
+              <a:t>: 9.9/10,</a:t>
+            </a:r>
+            <a:r>
+              <a:rPr lang="en-US" sz="1600" b="1" strike="noStrike" spc="-1" dirty="0">
                 <a:solidFill>
                   <a:srgbClr val="000000"/>
                 </a:solidFill>
@@ -6743,33 +8999,33 @@
               <a:t> Latency</a:t>
             </a:r>
             <a:r>
-              <a:rPr b="0" lang="en-US" sz="1600" spc="-1" strike="noStrike">
-                <a:solidFill>
-                  <a:srgbClr val="000000"/>
-                </a:solidFill>
-                <a:latin typeface="Corbel"/>
-              </a:rPr>
-              <a:t>: </a:t>
-            </a:r>
-            <a:r>
-              <a:rPr b="1" lang="en-US" sz="1600" spc="-1" strike="noStrike">
-                <a:solidFill>
-                  <a:srgbClr val="000000"/>
-                </a:solidFill>
-                <a:latin typeface="Corbel"/>
-              </a:rPr>
-              <a:t> , Service Level</a:t>
-            </a:r>
-            <a:r>
-              <a:rPr b="0" lang="en-US" sz="1600" spc="-1" strike="noStrike">
-                <a:solidFill>
-                  <a:srgbClr val="000000"/>
-                </a:solidFill>
-                <a:latin typeface="Corbel"/>
-              </a:rPr>
-              <a:t>:</a:t>
-            </a:r>
-            <a:endParaRPr b="0" lang="en-US" sz="1600" spc="-1" strike="noStrike">
+              <a:rPr lang="en-US" sz="1600" b="0" strike="noStrike" spc="-1" dirty="0">
+                <a:solidFill>
+                  <a:srgbClr val="000000"/>
+                </a:solidFill>
+                <a:latin typeface="Corbel"/>
+              </a:rPr>
+              <a:t>: 100ms,</a:t>
+            </a:r>
+            <a:r>
+              <a:rPr lang="en-US" sz="1600" b="1" strike="noStrike" spc="-1" dirty="0">
+                <a:solidFill>
+                  <a:srgbClr val="000000"/>
+                </a:solidFill>
+                <a:latin typeface="Corbel"/>
+              </a:rPr>
+              <a:t> Service Level</a:t>
+            </a:r>
+            <a:r>
+              <a:rPr lang="en-US" sz="1600" b="0" strike="noStrike" spc="-1" dirty="0">
+                <a:solidFill>
+                  <a:srgbClr val="000000"/>
+                </a:solidFill>
+                <a:latin typeface="Corbel"/>
+              </a:rPr>
+              <a:t>: 98%</a:t>
+            </a:r>
+            <a:endParaRPr lang="en-US" sz="1600" b="0" strike="noStrike" spc="-1" dirty="0">
               <a:latin typeface="Arial"/>
             </a:endParaRPr>
           </a:p>
@@ -6782,7 +9038,7 @@
                 <a:spcPts val="850"/>
               </a:spcBef>
             </a:pPr>
-            <a:endParaRPr b="0" lang="en-US" sz="1600" spc="-1" strike="noStrike">
+            <a:endParaRPr lang="en-US" sz="1600" b="0" strike="noStrike" spc="-1" dirty="0">
               <a:latin typeface="Arial"/>
             </a:endParaRPr>
           </a:p>
@@ -6790,22 +9046,440 @@
       </p:sp>
     </p:spTree>
   </p:cSld>
+  <p:clrMapOvr>
+    <a:masterClrMapping/>
+  </p:clrMapOvr>
   <p:timing>
     <p:tnLst>
       <p:par>
-        <p:cTn id="15" dur="indefinite" restart="never" nodeType="tmRoot">
+        <p:cTn id="1" dur="indefinite" restart="never" nodeType="tmRoot">
           <p:childTnLst>
             <p:seq>
-              <p:cTn id="16" dur="indefinite" nodeType="mainSeq"/>
+              <p:cTn id="2" dur="indefinite" nodeType="mainSeq"/>
               <p:prevCondLst>
-                <p:cond delay="0" evt="onPrev">
+                <p:cond evt="onPrev" delay="0">
                   <p:tgtEl>
                     <p:sldTgt/>
                   </p:tgtEl>
                 </p:cond>
               </p:prevCondLst>
               <p:nextCondLst>
-                <p:cond delay="0" evt="onNext">
+                <p:cond evt="onNext" delay="0">
+                  <p:tgtEl>
+                    <p:sldTgt/>
+                  </p:tgtEl>
+                </p:cond>
+              </p:nextCondLst>
+            </p:seq>
+          </p:childTnLst>
+        </p:cTn>
+      </p:par>
+    </p:tnLst>
+  </p:timing>
+</p:sld>
+</file>
+
+<file path=ppt/slides/slide9.xml><?xml version="1.0" encoding="utf-8"?>
+<p:sld xmlns:a="http://schemas.openxmlformats.org/drawingml/2006/main" xmlns:r="http://schemas.openxmlformats.org/officeDocument/2006/relationships" xmlns:p="http://schemas.openxmlformats.org/presentationml/2006/main">
+  <p:cSld>
+    <p:spTree>
+      <p:nvGrpSpPr>
+        <p:cNvPr id="1" name=""/>
+        <p:cNvGrpSpPr/>
+        <p:nvPr/>
+      </p:nvGrpSpPr>
+      <p:grpSpPr>
+        <a:xfrm>
+          <a:off x="0" y="0"/>
+          <a:ext cx="0" cy="0"/>
+          <a:chOff x="0" y="0"/>
+          <a:chExt cx="0" cy="0"/>
+        </a:xfrm>
+      </p:grpSpPr>
+      <p:sp>
+        <p:nvSpPr>
+          <p:cNvPr id="111" name="CustomShape 1"/>
+          <p:cNvSpPr/>
+          <p:nvPr/>
+        </p:nvSpPr>
+        <p:spPr>
+          <a:xfrm>
+            <a:off x="1503000" y="259560"/>
+            <a:ext cx="10018080" cy="1294560"/>
+          </a:xfrm>
+          <a:prstGeom prst="rect">
+            <a:avLst/>
+          </a:prstGeom>
+          <a:noFill/>
+          <a:ln>
+            <a:noFill/>
+          </a:ln>
+        </p:spPr>
+        <p:style>
+          <a:lnRef idx="0">
+            <a:scrgbClr r="0" g="0" b="0"/>
+          </a:lnRef>
+          <a:fillRef idx="0">
+            <a:scrgbClr r="0" g="0" b="0"/>
+          </a:fillRef>
+          <a:effectRef idx="0">
+            <a:scrgbClr r="0" g="0" b="0"/>
+          </a:effectRef>
+          <a:fontRef idx="minor"/>
+        </p:style>
+        <p:txBody>
+          <a:bodyPr lIns="90000" tIns="45000" rIns="90000" bIns="45000" anchor="ctr"/>
+          <a:lstStyle/>
+          <a:p>
+            <a:pPr algn="ctr">
+              <a:lnSpc>
+                <a:spcPct val="100000"/>
+              </a:lnSpc>
+            </a:pPr>
+            <a:r>
+              <a:rPr lang="en-US" sz="4400" dirty="0">
+                <a:latin typeface="+mj-lt"/>
+              </a:rPr>
+              <a:t>HIKE TRAIL API’s</a:t>
+            </a:r>
+            <a:endParaRPr lang="en-US" sz="4400" b="0" strike="noStrike" spc="-1" dirty="0">
+              <a:latin typeface="+mj-lt"/>
+            </a:endParaRPr>
+          </a:p>
+        </p:txBody>
+      </p:sp>
+      <p:sp>
+        <p:nvSpPr>
+          <p:cNvPr id="112" name="CustomShape 2"/>
+          <p:cNvSpPr/>
+          <p:nvPr/>
+        </p:nvSpPr>
+        <p:spPr>
+          <a:xfrm>
+            <a:off x="1503000" y="1554120"/>
+            <a:ext cx="10018080" cy="4571640"/>
+          </a:xfrm>
+          <a:prstGeom prst="rect">
+            <a:avLst/>
+          </a:prstGeom>
+          <a:noFill/>
+          <a:ln>
+            <a:noFill/>
+          </a:ln>
+        </p:spPr>
+        <p:style>
+          <a:lnRef idx="0">
+            <a:scrgbClr r="0" g="0" b="0"/>
+          </a:lnRef>
+          <a:fillRef idx="0">
+            <a:scrgbClr r="0" g="0" b="0"/>
+          </a:fillRef>
+          <a:effectRef idx="0">
+            <a:scrgbClr r="0" g="0" b="0"/>
+          </a:effectRef>
+          <a:fontRef idx="minor"/>
+        </p:style>
+        <p:txBody>
+          <a:bodyPr lIns="90000" tIns="45000" rIns="90000" bIns="45000" anchor="ctr"/>
+          <a:lstStyle/>
+          <a:p>
+            <a:pPr marL="285840" indent="-285120">
+              <a:lnSpc>
+                <a:spcPct val="100000"/>
+              </a:lnSpc>
+              <a:spcBef>
+                <a:spcPts val="479"/>
+              </a:spcBef>
+              <a:spcAft>
+                <a:spcPts val="601"/>
+              </a:spcAft>
+              <a:buClr>
+                <a:srgbClr val="1287C3"/>
+              </a:buClr>
+              <a:buSzPct val="145000"/>
+              <a:buFont typeface="Arial"/>
+              <a:buChar char="•"/>
+            </a:pPr>
+            <a:r>
+              <a:rPr lang="en-US" sz="2400" b="0" strike="noStrike" spc="-1" dirty="0">
+                <a:solidFill>
+                  <a:srgbClr val="000000"/>
+                </a:solidFill>
+                <a:latin typeface="Corbel"/>
+              </a:rPr>
+              <a:t>Hike trail API:</a:t>
+            </a:r>
+            <a:endParaRPr lang="en-US" sz="2400" b="0" strike="noStrike" spc="-1" dirty="0">
+              <a:latin typeface="Arial"/>
+            </a:endParaRPr>
+          </a:p>
+          <a:p>
+            <a:pPr marL="864000" lvl="1" indent="-323640">
+              <a:lnSpc>
+                <a:spcPct val="100000"/>
+              </a:lnSpc>
+              <a:spcBef>
+                <a:spcPts val="1134"/>
+              </a:spcBef>
+              <a:buClr>
+                <a:srgbClr val="000000"/>
+              </a:buClr>
+              <a:buSzPct val="75000"/>
+              <a:buFont typeface="Symbol"/>
+              <a:buChar char=""/>
+            </a:pPr>
+            <a:r>
+              <a:rPr lang="en-US" sz="1800" b="0" strike="noStrike" spc="-1" dirty="0">
+                <a:solidFill>
+                  <a:srgbClr val="000000"/>
+                </a:solidFill>
+                <a:latin typeface="Corbel"/>
+              </a:rPr>
+              <a:t>1)  </a:t>
+            </a:r>
+            <a:r>
+              <a:rPr lang="en-US" sz="1800" b="0" strike="noStrike" spc="-1" dirty="0" err="1">
+                <a:solidFill>
+                  <a:srgbClr val="000000"/>
+                </a:solidFill>
+                <a:latin typeface="Corbel"/>
+              </a:rPr>
+              <a:t>TrailAPI</a:t>
+            </a:r>
+            <a:endParaRPr lang="en-US" sz="1600" b="0" strike="noStrike" spc="-1" dirty="0">
+              <a:latin typeface="Arial"/>
+            </a:endParaRPr>
+          </a:p>
+          <a:p>
+            <a:pPr marL="1296000" lvl="2" indent="-287640">
+              <a:lnSpc>
+                <a:spcPct val="100000"/>
+              </a:lnSpc>
+              <a:spcBef>
+                <a:spcPts val="850"/>
+              </a:spcBef>
+              <a:buClr>
+                <a:srgbClr val="000000"/>
+              </a:buClr>
+              <a:buSzPct val="45000"/>
+              <a:buFont typeface="Wingdings" charset="2"/>
+              <a:buChar char=""/>
+            </a:pPr>
+            <a:r>
+              <a:rPr lang="en-US" sz="1600" b="1" strike="noStrike" spc="-1" dirty="0">
+                <a:solidFill>
+                  <a:srgbClr val="000000"/>
+                </a:solidFill>
+                <a:latin typeface="Corbel"/>
+              </a:rPr>
+              <a:t>Data Format</a:t>
+            </a:r>
+            <a:r>
+              <a:rPr lang="en-US" sz="1600" b="0" strike="noStrike" spc="-1" dirty="0">
+                <a:solidFill>
+                  <a:srgbClr val="000000"/>
+                </a:solidFill>
+                <a:latin typeface="Corbel"/>
+              </a:rPr>
+              <a:t>: FetchAPI</a:t>
+            </a:r>
+            <a:endParaRPr lang="en-US" sz="1600" b="0" strike="noStrike" spc="-1" dirty="0">
+              <a:latin typeface="Arial"/>
+            </a:endParaRPr>
+          </a:p>
+          <a:p>
+            <a:pPr marL="1296000" lvl="2" indent="-287640">
+              <a:lnSpc>
+                <a:spcPct val="100000"/>
+              </a:lnSpc>
+              <a:spcBef>
+                <a:spcPts val="850"/>
+              </a:spcBef>
+              <a:buClr>
+                <a:srgbClr val="000000"/>
+              </a:buClr>
+              <a:buSzPct val="45000"/>
+              <a:buFont typeface="Wingdings" charset="2"/>
+              <a:buChar char=""/>
+            </a:pPr>
+            <a:r>
+              <a:rPr lang="en-US" sz="1600" b="1" strike="noStrike" spc="-1" dirty="0">
+                <a:solidFill>
+                  <a:srgbClr val="000000"/>
+                </a:solidFill>
+                <a:latin typeface="Corbel"/>
+              </a:rPr>
+              <a:t>Type</a:t>
+            </a:r>
+            <a:r>
+              <a:rPr lang="en-US" sz="1600" b="0" strike="noStrike" spc="-1" dirty="0">
+                <a:solidFill>
+                  <a:srgbClr val="000000"/>
+                </a:solidFill>
+                <a:latin typeface="Corbel"/>
+              </a:rPr>
+              <a:t>: Free public API accessible via authentication key</a:t>
+            </a:r>
+            <a:endParaRPr lang="en-US" sz="1600" b="0" strike="noStrike" spc="-1" dirty="0">
+              <a:latin typeface="Arial"/>
+            </a:endParaRPr>
+          </a:p>
+          <a:p>
+            <a:pPr marL="1296000" lvl="2" indent="-287640">
+              <a:lnSpc>
+                <a:spcPct val="100000"/>
+              </a:lnSpc>
+              <a:spcBef>
+                <a:spcPts val="850"/>
+              </a:spcBef>
+              <a:buClr>
+                <a:srgbClr val="000000"/>
+              </a:buClr>
+              <a:buSzPct val="45000"/>
+              <a:buFont typeface="Wingdings" charset="2"/>
+              <a:buChar char=""/>
+            </a:pPr>
+            <a:r>
+              <a:rPr lang="en-US" sz="1600" b="1" strike="noStrike" spc="-1" dirty="0">
+                <a:solidFill>
+                  <a:srgbClr val="000000"/>
+                </a:solidFill>
+                <a:latin typeface="Corbel"/>
+              </a:rPr>
+              <a:t>Information </a:t>
+            </a:r>
+            <a:r>
+              <a:rPr lang="en-US" sz="1600" b="0" strike="noStrike" spc="-1" dirty="0">
+                <a:solidFill>
+                  <a:srgbClr val="000000"/>
+                </a:solidFill>
+                <a:latin typeface="Corbel"/>
+              </a:rPr>
+              <a:t>: </a:t>
+            </a:r>
+            <a:r>
+              <a:rPr lang="en-US" sz="1600" b="0" i="0" dirty="0">
+                <a:solidFill>
+                  <a:srgbClr val="4E4E4E"/>
+                </a:solidFill>
+                <a:effectLst/>
+                <a:latin typeface="Corbel" panose="020B0503020204020204" pitchFamily="34" charset="0"/>
+              </a:rPr>
+              <a:t>Information and photos for tens of thousands of outdoor recreation locations including hiking and mountain biking trails, campgrounds, ski resorts, ATV trails, and more.</a:t>
+            </a:r>
+            <a:endParaRPr lang="en-US" sz="1600" b="0" strike="noStrike" spc="-1" dirty="0">
+              <a:latin typeface="Corbel" panose="020B0503020204020204" pitchFamily="34" charset="0"/>
+            </a:endParaRPr>
+          </a:p>
+          <a:p>
+            <a:pPr marL="1296000" lvl="2" indent="-287640">
+              <a:lnSpc>
+                <a:spcPct val="100000"/>
+              </a:lnSpc>
+              <a:spcBef>
+                <a:spcPts val="850"/>
+              </a:spcBef>
+              <a:buClr>
+                <a:srgbClr val="000000"/>
+              </a:buClr>
+              <a:buSzPct val="45000"/>
+              <a:buFont typeface="Wingdings" charset="2"/>
+              <a:buChar char=""/>
+            </a:pPr>
+            <a:r>
+              <a:rPr lang="en-US" sz="1600" b="1" strike="noStrike" spc="-1" dirty="0">
+                <a:solidFill>
+                  <a:srgbClr val="000000"/>
+                </a:solidFill>
+                <a:latin typeface="Corbel"/>
+              </a:rPr>
+              <a:t>Popularity</a:t>
+            </a:r>
+            <a:r>
+              <a:rPr lang="en-US" sz="1600" b="0" strike="noStrike" spc="-1" dirty="0">
+                <a:solidFill>
+                  <a:srgbClr val="000000"/>
+                </a:solidFill>
+                <a:latin typeface="Corbel"/>
+              </a:rPr>
+              <a:t>: 9.3/10,</a:t>
+            </a:r>
+            <a:r>
+              <a:rPr lang="en-US" sz="1600" b="1" strike="noStrike" spc="-1" dirty="0">
+                <a:solidFill>
+                  <a:srgbClr val="000000"/>
+                </a:solidFill>
+                <a:latin typeface="Corbel"/>
+              </a:rPr>
+              <a:t> Latency</a:t>
+            </a:r>
+            <a:r>
+              <a:rPr lang="en-US" sz="1600" b="0" strike="noStrike" spc="-1" dirty="0">
+                <a:solidFill>
+                  <a:srgbClr val="000000"/>
+                </a:solidFill>
+                <a:latin typeface="Corbel"/>
+              </a:rPr>
+              <a:t>: 840ms</a:t>
+            </a:r>
+            <a:r>
+              <a:rPr lang="en-US" sz="1600" b="1" strike="noStrike" spc="-1" dirty="0">
+                <a:solidFill>
+                  <a:srgbClr val="000000"/>
+                </a:solidFill>
+                <a:latin typeface="Corbel"/>
+              </a:rPr>
+              <a:t> , Service Level</a:t>
+            </a:r>
+            <a:r>
+              <a:rPr lang="en-US" sz="1600" b="0" strike="noStrike" spc="-1" dirty="0">
+                <a:solidFill>
+                  <a:srgbClr val="000000"/>
+                </a:solidFill>
+                <a:latin typeface="Corbel"/>
+              </a:rPr>
+              <a:t>: 100%</a:t>
+            </a:r>
+            <a:endParaRPr lang="en-US" sz="1600" b="0" strike="noStrike" spc="-1" dirty="0">
+              <a:latin typeface="Arial"/>
+            </a:endParaRPr>
+          </a:p>
+          <a:p>
+            <a:pPr>
+              <a:lnSpc>
+                <a:spcPct val="100000"/>
+              </a:lnSpc>
+              <a:spcBef>
+                <a:spcPts val="850"/>
+              </a:spcBef>
+            </a:pPr>
+            <a:endParaRPr lang="en-US" sz="1600" b="0" strike="noStrike" spc="-1" dirty="0">
+              <a:latin typeface="Arial"/>
+            </a:endParaRPr>
+          </a:p>
+        </p:txBody>
+      </p:sp>
+    </p:spTree>
+  </p:cSld>
+  <p:clrMapOvr>
+    <a:masterClrMapping/>
+  </p:clrMapOvr>
+  <p:timing>
+    <p:tnLst>
+      <p:par>
+        <p:cTn id="1" dur="indefinite" restart="never" nodeType="tmRoot">
+          <p:childTnLst>
+            <p:seq>
+              <p:cTn id="2" dur="indefinite" nodeType="mainSeq"/>
+              <p:prevCondLst>
+                <p:cond evt="onPrev" delay="0">
+                  <p:tgtEl>
+                    <p:sldTgt/>
+                  </p:tgtEl>
+                </p:cond>
+              </p:prevCondLst>
+              <p:nextCondLst>
+                <p:cond evt="onNext" delay="0">
                   <p:tgtEl>
                     <p:sldTgt/>
                   </p:tgtEl>
@@ -6834,31 +9508,31 @@
         <a:srgbClr val="212121"/>
       </a:dk2>
       <a:lt2>
-        <a:srgbClr val="cdd0d1"/>
+        <a:srgbClr val="CDD0D1"/>
       </a:lt2>
       <a:accent1>
-        <a:srgbClr val="30acec"/>
+        <a:srgbClr val="30ACEC"/>
       </a:accent1>
       <a:accent2>
-        <a:srgbClr val="80c34f"/>
+        <a:srgbClr val="80C34F"/>
       </a:accent2>
       <a:accent3>
-        <a:srgbClr val="e29d3e"/>
+        <a:srgbClr val="E29D3E"/>
       </a:accent3>
       <a:accent4>
-        <a:srgbClr val="d64a3b"/>
+        <a:srgbClr val="D64A3B"/>
       </a:accent4>
       <a:accent5>
-        <a:srgbClr val="d64787"/>
+        <a:srgbClr val="D64787"/>
       </a:accent5>
       <a:accent6>
-        <a:srgbClr val="a666e1"/>
+        <a:srgbClr val="A666E1"/>
       </a:accent6>
       <a:hlink>
-        <a:srgbClr val="3085ed"/>
+        <a:srgbClr val="3085ED"/>
       </a:hlink>
       <a:folHlink>
-        <a:srgbClr val="82b6f4"/>
+        <a:srgbClr val="82B6F4"/>
       </a:folHlink>
     </a:clrScheme>
     <a:fontScheme name="Office">
@@ -7040,6 +9714,8 @@
       </a:bgFillStyleLst>
     </a:fmtScheme>
   </a:themeElements>
+  <a:objectDefaults/>
+  <a:extraClrSchemeLst/>
 </a:theme>
 </file>
 
@@ -7057,31 +9733,31 @@
         <a:srgbClr val="212121"/>
       </a:dk2>
       <a:lt2>
-        <a:srgbClr val="cdd0d1"/>
+        <a:srgbClr val="CDD0D1"/>
       </a:lt2>
       <a:accent1>
-        <a:srgbClr val="30acec"/>
+        <a:srgbClr val="30ACEC"/>
       </a:accent1>
       <a:accent2>
-        <a:srgbClr val="80c34f"/>
+        <a:srgbClr val="80C34F"/>
       </a:accent2>
       <a:accent3>
-        <a:srgbClr val="e29d3e"/>
+        <a:srgbClr val="E29D3E"/>
       </a:accent3>
       <a:accent4>
-        <a:srgbClr val="d64a3b"/>
+        <a:srgbClr val="D64A3B"/>
       </a:accent4>
       <a:accent5>
-        <a:srgbClr val="d64787"/>
+        <a:srgbClr val="D64787"/>
       </a:accent5>
       <a:accent6>
-        <a:srgbClr val="a666e1"/>
+        <a:srgbClr val="A666E1"/>
       </a:accent6>
       <a:hlink>
-        <a:srgbClr val="3085ed"/>
+        <a:srgbClr val="3085ED"/>
       </a:hlink>
       <a:folHlink>
-        <a:srgbClr val="82b6f4"/>
+        <a:srgbClr val="82B6F4"/>
       </a:folHlink>
     </a:clrScheme>
     <a:fontScheme name="Office">
@@ -7263,5 +9939,7 @@
       </a:bgFillStyleLst>
     </a:fmtScheme>
   </a:themeElements>
+  <a:objectDefaults/>
+  <a:extraClrSchemeLst/>
 </a:theme>
 </file>
--- a/Project proposal.pptx
+++ b/Project proposal.pptx
@@ -11,14 +11,15 @@
     <p:sldId id="258" r:id="rId5"/>
     <p:sldId id="268" r:id="rId6"/>
     <p:sldId id="259" r:id="rId7"/>
-    <p:sldId id="260" r:id="rId8"/>
-    <p:sldId id="261" r:id="rId9"/>
-    <p:sldId id="262" r:id="rId10"/>
-    <p:sldId id="263" r:id="rId11"/>
-    <p:sldId id="264" r:id="rId12"/>
-    <p:sldId id="265" r:id="rId13"/>
-    <p:sldId id="266" r:id="rId14"/>
-    <p:sldId id="267" r:id="rId15"/>
+    <p:sldId id="269" r:id="rId8"/>
+    <p:sldId id="260" r:id="rId9"/>
+    <p:sldId id="261" r:id="rId10"/>
+    <p:sldId id="262" r:id="rId11"/>
+    <p:sldId id="263" r:id="rId12"/>
+    <p:sldId id="264" r:id="rId13"/>
+    <p:sldId id="265" r:id="rId14"/>
+    <p:sldId id="266" r:id="rId15"/>
+    <p:sldId id="267" r:id="rId16"/>
   </p:sldIdLst>
   <p:sldSz cx="12192000" cy="6858000"/>
   <p:notesSz cx="7772400" cy="10058400"/>
@@ -117,6 +118,11 @@
       </a:defRPr>
     </a:lvl9pPr>
   </p:defaultTextStyle>
+  <p:extLst>
+    <p:ext uri="{EFAFB233-063F-42B5-8137-9DF3F51BA10A}">
+      <p15:sldGuideLst xmlns:p15="http://schemas.microsoft.com/office/powerpoint/2012/main"/>
+    </p:ext>
+  </p:extLst>
 </p:presentation>
 </file>
 
@@ -5352,62 +5358,89 @@
       </p:grpSpPr>
       <p:sp>
         <p:nvSpPr>
-          <p:cNvPr id="2" name="Title 1">
-            <a:extLst>
-              <a:ext uri="{FF2B5EF4-FFF2-40B4-BE49-F238E27FC236}">
-                <a16:creationId xmlns:a16="http://schemas.microsoft.com/office/drawing/2014/main" id="{FC42C3B0-E429-49DF-B651-86EE26265412}"/>
-              </a:ext>
-            </a:extLst>
-          </p:cNvPr>
-          <p:cNvSpPr>
-            <a:spLocks noGrp="1"/>
-          </p:cNvSpPr>
-          <p:nvPr>
-            <p:ph type="title"/>
-          </p:nvPr>
+          <p:cNvPr id="111" name="CustomShape 1"/>
+          <p:cNvSpPr/>
+          <p:nvPr/>
         </p:nvSpPr>
         <p:spPr>
           <a:xfrm>
-            <a:off x="1006944" y="399000"/>
-            <a:ext cx="10972440" cy="1144800"/>
+            <a:off x="1503000" y="259560"/>
+            <a:ext cx="10018080" cy="1294560"/>
           </a:xfrm>
+          <a:prstGeom prst="rect">
+            <a:avLst/>
+          </a:prstGeom>
+          <a:noFill/>
+          <a:ln>
+            <a:noFill/>
+          </a:ln>
         </p:spPr>
-        <p:txBody>
-          <a:bodyPr/>
-          <a:lstStyle/>
-          <a:p>
-            <a:pPr algn="ctr"/>
-            <a:r>
-              <a:rPr lang="en-US" dirty="0"/>
+        <p:style>
+          <a:lnRef idx="0">
+            <a:scrgbClr r="0" g="0" b="0"/>
+          </a:lnRef>
+          <a:fillRef idx="0">
+            <a:scrgbClr r="0" g="0" b="0"/>
+          </a:fillRef>
+          <a:effectRef idx="0">
+            <a:scrgbClr r="0" g="0" b="0"/>
+          </a:effectRef>
+          <a:fontRef idx="minor"/>
+        </p:style>
+        <p:txBody>
+          <a:bodyPr lIns="90000" tIns="45000" rIns="90000" bIns="45000" anchor="ctr"/>
+          <a:lstStyle/>
+          <a:p>
+            <a:pPr algn="ctr">
+              <a:lnSpc>
+                <a:spcPct val="100000"/>
+              </a:lnSpc>
+            </a:pPr>
+            <a:r>
+              <a:rPr lang="en-US" sz="4400" dirty="0">
+                <a:latin typeface="+mj-lt"/>
+              </a:rPr>
               <a:t>HIKE TRAIL API’s</a:t>
             </a:r>
-          </a:p>
-        </p:txBody>
-      </p:sp>
-      <p:sp>
-        <p:nvSpPr>
-          <p:cNvPr id="3" name="Subtitle 2">
-            <a:extLst>
-              <a:ext uri="{FF2B5EF4-FFF2-40B4-BE49-F238E27FC236}">
-                <a16:creationId xmlns:a16="http://schemas.microsoft.com/office/drawing/2014/main" id="{2C0F801E-7436-44E2-853F-225AC8E78CBC}"/>
-              </a:ext>
-            </a:extLst>
-          </p:cNvPr>
-          <p:cNvSpPr>
-            <a:spLocks noGrp="1"/>
-          </p:cNvSpPr>
-          <p:nvPr>
-            <p:ph type="subTitle"/>
-          </p:nvPr>
+            <a:endParaRPr lang="en-US" sz="4400" b="0" strike="noStrike" spc="-1" dirty="0">
+              <a:latin typeface="+mj-lt"/>
+            </a:endParaRPr>
+          </a:p>
+        </p:txBody>
+      </p:sp>
+      <p:sp>
+        <p:nvSpPr>
+          <p:cNvPr id="112" name="CustomShape 2"/>
+          <p:cNvSpPr/>
+          <p:nvPr/>
         </p:nvSpPr>
         <p:spPr>
           <a:xfrm>
-            <a:off x="1579299" y="1543800"/>
-            <a:ext cx="10972440" cy="3977280"/>
+            <a:off x="1503000" y="1554120"/>
+            <a:ext cx="10018080" cy="4571640"/>
           </a:xfrm>
+          <a:prstGeom prst="rect">
+            <a:avLst/>
+          </a:prstGeom>
+          <a:noFill/>
+          <a:ln>
+            <a:noFill/>
+          </a:ln>
         </p:spPr>
-        <p:txBody>
-          <a:bodyPr/>
+        <p:style>
+          <a:lnRef idx="0">
+            <a:scrgbClr r="0" g="0" b="0"/>
+          </a:lnRef>
+          <a:fillRef idx="0">
+            <a:scrgbClr r="0" g="0" b="0"/>
+          </a:fillRef>
+          <a:effectRef idx="0">
+            <a:scrgbClr r="0" g="0" b="0"/>
+          </a:effectRef>
+          <a:fontRef idx="minor"/>
+        </p:style>
+        <p:txBody>
+          <a:bodyPr lIns="90000" tIns="45000" rIns="90000" bIns="45000" anchor="ctr"/>
           <a:lstStyle/>
           <a:p>
             <a:pPr marL="285840" indent="-285120">
@@ -5456,31 +5489,22 @@
               <a:buChar char=""/>
             </a:pPr>
             <a:r>
-              <a:rPr lang="en-US" sz="1800" spc="-1" dirty="0">
-                <a:solidFill>
-                  <a:srgbClr val="000000"/>
-                </a:solidFill>
-                <a:latin typeface="Corbel"/>
-              </a:rPr>
-              <a:t>2</a:t>
-            </a:r>
-            <a:r>
               <a:rPr lang="en-US" sz="1800" b="0" strike="noStrike" spc="-1" dirty="0">
                 <a:solidFill>
                   <a:srgbClr val="000000"/>
                 </a:solidFill>
                 <a:latin typeface="Corbel"/>
               </a:rPr>
-              <a:t>)  Hiking Trails</a:t>
-            </a:r>
-            <a:r>
-              <a:rPr lang="en-US" sz="1600" b="0" strike="noStrike" spc="-1" dirty="0">
-                <a:solidFill>
-                  <a:srgbClr val="000000"/>
-                </a:solidFill>
-                <a:latin typeface="Corbel"/>
-              </a:rPr>
-              <a:t> (from data.ny.gov)</a:t>
+              <a:t>1)  </a:t>
+            </a:r>
+            <a:r>
+              <a:rPr lang="en-US" sz="1800" b="0" strike="noStrike" spc="-1" dirty="0" err="1">
+                <a:solidFill>
+                  <a:srgbClr val="000000"/>
+                </a:solidFill>
+                <a:latin typeface="Corbel"/>
+              </a:rPr>
+              <a:t>TrailAPI</a:t>
             </a:r>
             <a:endParaRPr lang="en-US" sz="1600" b="0" strike="noStrike" spc="-1" dirty="0">
               <a:latin typeface="Arial"/>
@@ -5508,7 +5532,7 @@
                 </a:solidFill>
                 <a:latin typeface="Corbel"/>
               </a:rPr>
-              <a:t>Access Data</a:t>
+              <a:t>Data Format</a:t>
             </a:r>
             <a:r>
               <a:rPr lang="en-US" sz="1600" b="0" strike="noStrike" spc="-1" dirty="0">
@@ -5517,7 +5541,7 @@
                 </a:solidFill>
                 <a:latin typeface="Corbel"/>
               </a:rPr>
-              <a:t>: https://gisservices.dec.ny.gov/gis/dil/</a:t>
+              <a:t>: FetchAPI</a:t>
             </a:r>
             <a:endParaRPr lang="en-US" sz="1600" b="0" strike="noStrike" spc="-1" dirty="0">
               <a:latin typeface="Arial"/>
@@ -5554,7 +5578,7 @@
                 </a:solidFill>
                 <a:latin typeface="Corbel"/>
               </a:rPr>
-              <a:t>: Free public access dataset</a:t>
+              <a:t>: Free public API accessible via authentication key</a:t>
             </a:r>
             <a:endParaRPr lang="en-US" sz="1600" b="0" strike="noStrike" spc="-1" dirty="0">
               <a:latin typeface="Arial"/>
@@ -5589,31 +5613,144 @@
                 <a:solidFill>
                   <a:srgbClr val="000000"/>
                 </a:solidFill>
-                <a:latin typeface="Corbel" panose="020B0503020204020204" pitchFamily="34" charset="0"/>
+                <a:latin typeface="Corbel"/>
               </a:rPr>
               <a:t>: </a:t>
             </a:r>
             <a:r>
               <a:rPr lang="en-US" sz="1600" b="0" i="0" dirty="0">
+                <a:solidFill>
+                  <a:srgbClr val="4E4E4E"/>
+                </a:solidFill>
                 <a:effectLst/>
                 <a:latin typeface="Corbel" panose="020B0503020204020204" pitchFamily="34" charset="0"/>
               </a:rPr>
-              <a:t>This data shows the location of transportation corridors on Department of Environmental Conservation state lands that are approved for foot travel.</a:t>
-            </a:r>
-            <a:endParaRPr lang="en-US" dirty="0"/>
+              <a:t>Information and photos for tens of thousands of outdoor recreation locations including hiking and mountain biking trails, campgrounds, ski resorts, ATV trails, and more.</a:t>
+            </a:r>
+            <a:endParaRPr lang="en-US" sz="1600" b="0" strike="noStrike" spc="-1" dirty="0">
+              <a:latin typeface="Corbel" panose="020B0503020204020204" pitchFamily="34" charset="0"/>
+            </a:endParaRPr>
+          </a:p>
+          <a:p>
+            <a:pPr marL="1296000" lvl="2" indent="-287640">
+              <a:lnSpc>
+                <a:spcPct val="100000"/>
+              </a:lnSpc>
+              <a:spcBef>
+                <a:spcPts val="850"/>
+              </a:spcBef>
+              <a:buClr>
+                <a:srgbClr val="000000"/>
+              </a:buClr>
+              <a:buSzPct val="45000"/>
+              <a:buFont typeface="Wingdings" charset="2"/>
+              <a:buChar char=""/>
+            </a:pPr>
+            <a:r>
+              <a:rPr lang="en-US" sz="1600" b="1" strike="noStrike" spc="-1" dirty="0">
+                <a:solidFill>
+                  <a:srgbClr val="000000"/>
+                </a:solidFill>
+                <a:latin typeface="Corbel"/>
+              </a:rPr>
+              <a:t>Popularity</a:t>
+            </a:r>
+            <a:r>
+              <a:rPr lang="en-US" sz="1600" b="0" strike="noStrike" spc="-1" dirty="0">
+                <a:solidFill>
+                  <a:srgbClr val="000000"/>
+                </a:solidFill>
+                <a:latin typeface="Corbel"/>
+              </a:rPr>
+              <a:t>: 9.3/10,</a:t>
+            </a:r>
+            <a:r>
+              <a:rPr lang="en-US" sz="1600" b="1" strike="noStrike" spc="-1" dirty="0">
+                <a:solidFill>
+                  <a:srgbClr val="000000"/>
+                </a:solidFill>
+                <a:latin typeface="Corbel"/>
+              </a:rPr>
+              <a:t> Latency</a:t>
+            </a:r>
+            <a:r>
+              <a:rPr lang="en-US" sz="1600" b="0" strike="noStrike" spc="-1" dirty="0">
+                <a:solidFill>
+                  <a:srgbClr val="000000"/>
+                </a:solidFill>
+                <a:latin typeface="Corbel"/>
+              </a:rPr>
+              <a:t>: 840ms</a:t>
+            </a:r>
+            <a:r>
+              <a:rPr lang="en-US" sz="1600" b="1" strike="noStrike" spc="-1" dirty="0">
+                <a:solidFill>
+                  <a:srgbClr val="000000"/>
+                </a:solidFill>
+                <a:latin typeface="Corbel"/>
+              </a:rPr>
+              <a:t> , Service Level</a:t>
+            </a:r>
+            <a:r>
+              <a:rPr lang="en-US" sz="1600" b="0" strike="noStrike" spc="-1" dirty="0">
+                <a:solidFill>
+                  <a:srgbClr val="000000"/>
+                </a:solidFill>
+                <a:latin typeface="Corbel"/>
+              </a:rPr>
+              <a:t>: 100%</a:t>
+            </a:r>
+            <a:endParaRPr lang="en-US" sz="1600" b="0" strike="noStrike" spc="-1" dirty="0">
+              <a:latin typeface="Arial"/>
+            </a:endParaRPr>
+          </a:p>
+          <a:p>
+            <a:pPr>
+              <a:lnSpc>
+                <a:spcPct val="100000"/>
+              </a:lnSpc>
+              <a:spcBef>
+                <a:spcPts val="850"/>
+              </a:spcBef>
+            </a:pPr>
+            <a:endParaRPr lang="en-US" sz="1600" b="0" strike="noStrike" spc="-1" dirty="0">
+              <a:latin typeface="Arial"/>
+            </a:endParaRPr>
           </a:p>
         </p:txBody>
       </p:sp>
     </p:spTree>
-    <p:extLst>
-      <p:ext uri="{BB962C8B-B14F-4D97-AF65-F5344CB8AC3E}">
-        <p14:creationId xmlns:p14="http://schemas.microsoft.com/office/powerpoint/2010/main" val="1203121763"/>
-      </p:ext>
-    </p:extLst>
   </p:cSld>
   <p:clrMapOvr>
     <a:masterClrMapping/>
   </p:clrMapOvr>
+  <p:timing>
+    <p:tnLst>
+      <p:par>
+        <p:cTn id="1" dur="indefinite" restart="never" nodeType="tmRoot">
+          <p:childTnLst>
+            <p:seq>
+              <p:cTn id="2" dur="indefinite" nodeType="mainSeq"/>
+              <p:prevCondLst>
+                <p:cond evt="onPrev" delay="0">
+                  <p:tgtEl>
+                    <p:sldTgt/>
+                  </p:tgtEl>
+                </p:cond>
+              </p:prevCondLst>
+              <p:nextCondLst>
+                <p:cond evt="onNext" delay="0">
+                  <p:tgtEl>
+                    <p:sldTgt/>
+                  </p:tgtEl>
+                </p:cond>
+              </p:nextCondLst>
+            </p:seq>
+          </p:childTnLst>
+        </p:cTn>
+      </p:par>
+    </p:tnLst>
+  </p:timing>
 </p:sld>
 </file>
 
@@ -5639,7 +5776,7 @@
           <p:cNvPr id="2" name="Title 1">
             <a:extLst>
               <a:ext uri="{FF2B5EF4-FFF2-40B4-BE49-F238E27FC236}">
-                <a16:creationId xmlns:a16="http://schemas.microsoft.com/office/drawing/2014/main" id="{B77080D4-5263-46F9-9939-828C7C18E3D1}"/>
+                <a16:creationId xmlns:a16="http://schemas.microsoft.com/office/drawing/2014/main" id="{FC42C3B0-E429-49DF-B651-86EE26265412}"/>
               </a:ext>
             </a:extLst>
           </p:cNvPr>
@@ -5650,7 +5787,12 @@
             <p:ph type="title"/>
           </p:nvPr>
         </p:nvSpPr>
-        <p:spPr/>
+        <p:spPr>
+          <a:xfrm>
+            <a:off x="1006944" y="399000"/>
+            <a:ext cx="10972440" cy="1144800"/>
+          </a:xfrm>
+        </p:spPr>
         <p:txBody>
           <a:bodyPr/>
           <a:lstStyle/>
@@ -5658,7 +5800,7 @@
             <a:pPr algn="ctr"/>
             <a:r>
               <a:rPr lang="en-US" dirty="0"/>
-              <a:t>MAP API’s</a:t>
+              <a:t>HIKE TRAIL API’s</a:t>
             </a:r>
           </a:p>
         </p:txBody>
@@ -5668,7 +5810,7 @@
           <p:cNvPr id="3" name="Subtitle 2">
             <a:extLst>
               <a:ext uri="{FF2B5EF4-FFF2-40B4-BE49-F238E27FC236}">
-                <a16:creationId xmlns:a16="http://schemas.microsoft.com/office/drawing/2014/main" id="{F56DE72D-898F-48FA-A767-69B1ECB6835E}"/>
+                <a16:creationId xmlns:a16="http://schemas.microsoft.com/office/drawing/2014/main" id="{2C0F801E-7436-44E2-853F-225AC8E78CBC}"/>
               </a:ext>
             </a:extLst>
           </p:cNvPr>
@@ -5681,7 +5823,7 @@
         </p:nvSpPr>
         <p:spPr>
           <a:xfrm>
-            <a:off x="1598252" y="1418400"/>
+            <a:off x="1579299" y="1543800"/>
             <a:ext cx="10972440" cy="3977280"/>
           </a:xfrm>
         </p:spPr>
@@ -5713,7 +5855,7 @@
                 </a:solidFill>
                 <a:latin typeface="Corbel"/>
               </a:rPr>
-              <a:t>Map API:</a:t>
+              <a:t>Hike trail API:</a:t>
             </a:r>
             <a:endParaRPr lang="en-US" sz="2400" b="0" strike="noStrike" spc="-1" dirty="0">
               <a:latin typeface="Arial"/>
@@ -5730,38 +5872,38 @@
               <a:buClr>
                 <a:srgbClr val="000000"/>
               </a:buClr>
-              <a:buSzPct val="45000"/>
-              <a:buFont typeface="Wingdings" charset="2"/>
-              <a:buChar char=""/>
+              <a:buSzPct val="75000"/>
+              <a:buFont typeface="Symbol"/>
+              <a:buChar char=""/>
             </a:pPr>
             <a:r>
+              <a:rPr lang="en-US" sz="1800" spc="-1" dirty="0">
+                <a:solidFill>
+                  <a:srgbClr val="000000"/>
+                </a:solidFill>
+                <a:latin typeface="Corbel"/>
+              </a:rPr>
+              <a:t>2</a:t>
+            </a:r>
+            <a:r>
               <a:rPr lang="en-US" sz="1800" b="0" strike="noStrike" spc="-1" dirty="0">
                 <a:solidFill>
                   <a:srgbClr val="000000"/>
                 </a:solidFill>
                 <a:latin typeface="Corbel"/>
               </a:rPr>
-              <a:t>1) </a:t>
-            </a:r>
-            <a:r>
-              <a:rPr lang="en-US" sz="1800" b="0" strike="noStrike" spc="-1" dirty="0" err="1">
-                <a:solidFill>
-                  <a:srgbClr val="000000"/>
-                </a:solidFill>
-                <a:latin typeface="Corbel"/>
-              </a:rPr>
-              <a:t>MapTiles</a:t>
-            </a:r>
-            <a:r>
-              <a:rPr lang="en-US" sz="1800" b="0" strike="noStrike" spc="-1" dirty="0">
-                <a:solidFill>
-                  <a:srgbClr val="000000"/>
-                </a:solidFill>
-                <a:latin typeface="Corbel"/>
-              </a:rPr>
-              <a:t> API</a:t>
-            </a:r>
-            <a:endParaRPr lang="en-US" sz="1800" b="0" strike="noStrike" spc="-1" dirty="0">
+              <a:t>)  Hiking Trails</a:t>
+            </a:r>
+            <a:r>
+              <a:rPr lang="en-US" sz="1600" b="0" strike="noStrike" spc="-1" dirty="0">
+                <a:solidFill>
+                  <a:srgbClr val="000000"/>
+                </a:solidFill>
+                <a:latin typeface="Corbel"/>
+              </a:rPr>
+              <a:t> (from data.ny.gov)</a:t>
+            </a:r>
+            <a:endParaRPr lang="en-US" sz="1600" b="0" strike="noStrike" spc="-1" dirty="0">
               <a:latin typeface="Arial"/>
             </a:endParaRPr>
           </a:p>
@@ -5787,7 +5929,7 @@
                 </a:solidFill>
                 <a:latin typeface="Corbel"/>
               </a:rPr>
-              <a:t>Data Format</a:t>
+              <a:t>Access Data</a:t>
             </a:r>
             <a:r>
               <a:rPr lang="en-US" sz="1600" b="0" strike="noStrike" spc="-1" dirty="0">
@@ -5796,7 +5938,7 @@
                 </a:solidFill>
                 <a:latin typeface="Corbel"/>
               </a:rPr>
-              <a:t>: FetchAPI</a:t>
+              <a:t>: https://gisservices.dec.ny.gov/gis/dil/</a:t>
             </a:r>
             <a:endParaRPr lang="en-US" sz="1600" b="0" strike="noStrike" spc="-1" dirty="0">
               <a:latin typeface="Arial"/>
@@ -5823,7 +5965,6 @@
                   <a:srgbClr val="000000"/>
                 </a:solidFill>
                 <a:latin typeface="Corbel"/>
-                <a:ea typeface="Noto Sans CJK SC"/>
               </a:rPr>
               <a:t>Type</a:t>
             </a:r>
@@ -5833,9 +5974,8 @@
                   <a:srgbClr val="000000"/>
                 </a:solidFill>
                 <a:latin typeface="Corbel"/>
-                <a:ea typeface="Noto Sans CJK SC"/>
-              </a:rPr>
-              <a:t>: Free public API accessible via authentication key</a:t>
+              </a:rPr>
+              <a:t>: Free public access dataset</a:t>
             </a:r>
             <a:endParaRPr lang="en-US" sz="1600" b="0" strike="noStrike" spc="-1" dirty="0">
               <a:latin typeface="Arial"/>
@@ -5862,7 +6002,6 @@
                   <a:srgbClr val="000000"/>
                 </a:solidFill>
                 <a:latin typeface="Corbel"/>
-                <a:ea typeface="Noto Sans CJK SC"/>
               </a:rPr>
               <a:t>Information </a:t>
             </a:r>
@@ -5871,8 +6010,7 @@
                 <a:solidFill>
                   <a:srgbClr val="000000"/>
                 </a:solidFill>
-                <a:latin typeface="Corbel"/>
-                <a:ea typeface="Noto Sans CJK SC"/>
+                <a:latin typeface="Corbel" panose="020B0503020204020204" pitchFamily="34" charset="0"/>
               </a:rPr>
               <a:t>: </a:t>
             </a:r>
@@ -5881,93 +6019,7 @@
                 <a:effectLst/>
                 <a:latin typeface="Corbel" panose="020B0503020204020204" pitchFamily="34" charset="0"/>
               </a:rPr>
-              <a:t>Use our Map Tiles with English, French or Spanish labels based on OpenStreetMap data for your online map or your app map or your desktop software application like QGIS et al</a:t>
-            </a:r>
-            <a:r>
-              <a:rPr lang="en-US" sz="1400" b="0" i="0" dirty="0">
-                <a:solidFill>
-                  <a:srgbClr val="4E4E4E"/>
-                </a:solidFill>
-                <a:effectLst/>
-                <a:latin typeface="Lato"/>
-              </a:rPr>
-              <a:t>. </a:t>
-            </a:r>
-          </a:p>
-          <a:p>
-            <a:pPr marL="1296000" lvl="2" indent="-287640">
-              <a:lnSpc>
-                <a:spcPct val="100000"/>
-              </a:lnSpc>
-              <a:spcBef>
-                <a:spcPts val="850"/>
-              </a:spcBef>
-              <a:buClr>
-                <a:srgbClr val="000000"/>
-              </a:buClr>
-              <a:buSzPct val="45000"/>
-              <a:buFont typeface="Wingdings" charset="2"/>
-              <a:buChar char=""/>
-            </a:pPr>
-            <a:r>
-              <a:rPr lang="en-US" sz="1600" b="1" strike="noStrike" spc="-1" dirty="0">
-                <a:solidFill>
-                  <a:srgbClr val="000000"/>
-                </a:solidFill>
-                <a:latin typeface="Corbel"/>
-                <a:ea typeface="Noto Sans CJK SC"/>
-              </a:rPr>
-              <a:t>Popularity</a:t>
-            </a:r>
-            <a:r>
-              <a:rPr lang="en-US" sz="1600" b="0" strike="noStrike" spc="-1" dirty="0">
-                <a:solidFill>
-                  <a:srgbClr val="000000"/>
-                </a:solidFill>
-                <a:latin typeface="Corbel"/>
-                <a:ea typeface="Noto Sans CJK SC"/>
-              </a:rPr>
-              <a:t>: 9.6/10,</a:t>
-            </a:r>
-            <a:r>
-              <a:rPr lang="en-US" sz="1600" b="1" strike="noStrike" spc="-1" dirty="0">
-                <a:solidFill>
-                  <a:srgbClr val="000000"/>
-                </a:solidFill>
-                <a:latin typeface="Corbel"/>
-                <a:ea typeface="Noto Sans CJK SC"/>
-              </a:rPr>
-              <a:t> Latency</a:t>
-            </a:r>
-            <a:r>
-              <a:rPr lang="en-US" sz="1600" b="0" strike="noStrike" spc="-1" dirty="0">
-                <a:solidFill>
-                  <a:srgbClr val="000000"/>
-                </a:solidFill>
-                <a:latin typeface="Corbel"/>
-                <a:ea typeface="Noto Sans CJK SC"/>
-              </a:rPr>
-              <a:t>: 171ms,</a:t>
-            </a:r>
-            <a:r>
-              <a:rPr lang="en-US" sz="1600" b="1" strike="noStrike" spc="-1" dirty="0">
-                <a:solidFill>
-                  <a:srgbClr val="000000"/>
-                </a:solidFill>
-                <a:latin typeface="Corbel"/>
-                <a:ea typeface="Noto Sans CJK SC"/>
-              </a:rPr>
-              <a:t> Service Level</a:t>
-            </a:r>
-            <a:r>
-              <a:rPr lang="en-US" sz="1600" b="0" strike="noStrike" spc="-1" dirty="0">
-                <a:solidFill>
-                  <a:srgbClr val="000000"/>
-                </a:solidFill>
-                <a:latin typeface="Corbel"/>
-                <a:ea typeface="Noto Sans CJK SC"/>
-              </a:rPr>
-              <a:t>: 100%</a:t>
+              <a:t>This data shows the location of transportation corridors on Department of Environmental Conservation state lands that are approved for foot travel.</a:t>
             </a:r>
             <a:endParaRPr lang="en-US" dirty="0"/>
           </a:p>
@@ -5976,7 +6028,7 @@
     </p:spTree>
     <p:extLst>
       <p:ext uri="{BB962C8B-B14F-4D97-AF65-F5344CB8AC3E}">
-        <p14:creationId xmlns:p14="http://schemas.microsoft.com/office/powerpoint/2010/main" val="80881175"/>
+        <p14:creationId xmlns:p14="http://schemas.microsoft.com/office/powerpoint/2010/main" val="1203121763"/>
       </p:ext>
     </p:extLst>
   </p:cSld>
@@ -6008,7 +6060,7 @@
           <p:cNvPr id="2" name="Title 1">
             <a:extLst>
               <a:ext uri="{FF2B5EF4-FFF2-40B4-BE49-F238E27FC236}">
-                <a16:creationId xmlns:a16="http://schemas.microsoft.com/office/drawing/2014/main" id="{18583D5A-E3EF-4138-94A4-5EA12952BE68}"/>
+                <a16:creationId xmlns:a16="http://schemas.microsoft.com/office/drawing/2014/main" id="{B77080D4-5263-46F9-9939-828C7C18E3D1}"/>
               </a:ext>
             </a:extLst>
           </p:cNvPr>
@@ -6037,7 +6089,7 @@
           <p:cNvPr id="3" name="Subtitle 2">
             <a:extLst>
               <a:ext uri="{FF2B5EF4-FFF2-40B4-BE49-F238E27FC236}">
-                <a16:creationId xmlns:a16="http://schemas.microsoft.com/office/drawing/2014/main" id="{E4F0E45D-D617-4397-B366-A34FF5932003}"/>
+                <a16:creationId xmlns:a16="http://schemas.microsoft.com/office/drawing/2014/main" id="{F56DE72D-898F-48FA-A767-69B1ECB6835E}"/>
               </a:ext>
             </a:extLst>
           </p:cNvPr>
@@ -6050,7 +6102,7 @@
         </p:nvSpPr>
         <p:spPr>
           <a:xfrm>
-            <a:off x="1579777" y="1418400"/>
+            <a:off x="1598252" y="1418400"/>
             <a:ext cx="10972440" cy="3977280"/>
           </a:xfrm>
         </p:spPr>
@@ -6110,7 +6162,25 @@
                 </a:solidFill>
                 <a:latin typeface="Corbel"/>
               </a:rPr>
-              <a:t>2) Google Maps Geocoding API</a:t>
+              <a:t>1) </a:t>
+            </a:r>
+            <a:r>
+              <a:rPr lang="en-US" sz="1800" b="0" strike="noStrike" spc="-1" dirty="0" err="1">
+                <a:solidFill>
+                  <a:srgbClr val="000000"/>
+                </a:solidFill>
+                <a:latin typeface="Corbel"/>
+              </a:rPr>
+              <a:t>MapTiles</a:t>
+            </a:r>
+            <a:r>
+              <a:rPr lang="en-US" sz="1800" b="0" strike="noStrike" spc="-1" dirty="0">
+                <a:solidFill>
+                  <a:srgbClr val="000000"/>
+                </a:solidFill>
+                <a:latin typeface="Corbel"/>
+              </a:rPr>
+              <a:t> API</a:t>
             </a:r>
             <a:endParaRPr lang="en-US" sz="1800" b="0" strike="noStrike" spc="-1" dirty="0">
               <a:latin typeface="Arial"/>
@@ -6232,7 +6302,7 @@
                 <a:effectLst/>
                 <a:latin typeface="Corbel" panose="020B0503020204020204" pitchFamily="34" charset="0"/>
               </a:rPr>
-              <a:t>Geocoding is the process of converting addresses (like "1600 Amphitheatre Parkway, Mountain     View, CA") into geographic coordinates (like latitude 37.423021 and longitude -122.083739), which you can use          to place markers on a map, or position the map</a:t>
+              <a:t>Use our Map Tiles with English, French or Spanish labels based on OpenStreetMap data for your online map or your app map or your desktop software application like QGIS et al</a:t>
             </a:r>
             <a:r>
               <a:rPr lang="en-US" sz="1400" b="0" i="0" dirty="0">
@@ -6242,7 +6312,7 @@
                 <a:effectLst/>
                 <a:latin typeface="Lato"/>
               </a:rPr>
-              <a:t>.</a:t>
+              <a:t>. </a:t>
             </a:r>
           </a:p>
           <a:p>
@@ -6278,7 +6348,7 @@
                 <a:latin typeface="Corbel"/>
                 <a:ea typeface="Noto Sans CJK SC"/>
               </a:rPr>
-              <a:t>: 9.5/10,</a:t>
+              <a:t>: 9.6/10,</a:t>
             </a:r>
             <a:r>
               <a:rPr lang="en-US" sz="1600" b="1" strike="noStrike" spc="-1" dirty="0">
@@ -6298,7 +6368,7 @@
                 <a:latin typeface="Corbel"/>
                 <a:ea typeface="Noto Sans CJK SC"/>
               </a:rPr>
-              <a:t>: 132ms,</a:t>
+              <a:t>: 171ms,</a:t>
             </a:r>
             <a:r>
               <a:rPr lang="en-US" sz="1600" b="1" strike="noStrike" spc="-1" dirty="0">
@@ -6320,9 +6390,6 @@
               </a:rPr>
               <a:t>: 100%</a:t>
             </a:r>
-            <a:endParaRPr lang="en-US" dirty="0"/>
-          </a:p>
-          <a:p>
             <a:endParaRPr lang="en-US" dirty="0"/>
           </a:p>
         </p:txBody>
@@ -6330,7 +6397,7 @@
     </p:spTree>
     <p:extLst>
       <p:ext uri="{BB962C8B-B14F-4D97-AF65-F5344CB8AC3E}">
-        <p14:creationId xmlns:p14="http://schemas.microsoft.com/office/powerpoint/2010/main" val="2523952342"/>
+        <p14:creationId xmlns:p14="http://schemas.microsoft.com/office/powerpoint/2010/main" val="80881175"/>
       </p:ext>
     </p:extLst>
   </p:cSld>
@@ -6362,7 +6429,7 @@
           <p:cNvPr id="2" name="Title 1">
             <a:extLst>
               <a:ext uri="{FF2B5EF4-FFF2-40B4-BE49-F238E27FC236}">
-                <a16:creationId xmlns:a16="http://schemas.microsoft.com/office/drawing/2014/main" id="{84584CDC-F0B4-47FE-A325-0F52EF9D0632}"/>
+                <a16:creationId xmlns:a16="http://schemas.microsoft.com/office/drawing/2014/main" id="{18583D5A-E3EF-4138-94A4-5EA12952BE68}"/>
               </a:ext>
             </a:extLst>
           </p:cNvPr>
@@ -6391,7 +6458,7 @@
           <p:cNvPr id="3" name="Subtitle 2">
             <a:extLst>
               <a:ext uri="{FF2B5EF4-FFF2-40B4-BE49-F238E27FC236}">
-                <a16:creationId xmlns:a16="http://schemas.microsoft.com/office/drawing/2014/main" id="{6B265DA9-991A-46BE-8951-CA5E22F22561}"/>
+                <a16:creationId xmlns:a16="http://schemas.microsoft.com/office/drawing/2014/main" id="{E4F0E45D-D617-4397-B366-A34FF5932003}"/>
               </a:ext>
             </a:extLst>
           </p:cNvPr>
@@ -6404,7 +6471,7 @@
         </p:nvSpPr>
         <p:spPr>
           <a:xfrm>
-            <a:off x="1589015" y="1418400"/>
+            <a:off x="1579777" y="1418400"/>
             <a:ext cx="10972440" cy="3977280"/>
           </a:xfrm>
         </p:spPr>
@@ -6464,7 +6531,370 @@
                 </a:solidFill>
                 <a:latin typeface="Corbel"/>
               </a:rPr>
-              <a:t>1) WeatherAPI.com</a:t>
+              <a:t>2) Google Maps Geocoding API</a:t>
+            </a:r>
+            <a:endParaRPr lang="en-US" sz="1800" b="0" strike="noStrike" spc="-1" dirty="0">
+              <a:latin typeface="Arial"/>
+            </a:endParaRPr>
+          </a:p>
+          <a:p>
+            <a:pPr marL="1296000" lvl="2" indent="-287640">
+              <a:lnSpc>
+                <a:spcPct val="100000"/>
+              </a:lnSpc>
+              <a:spcBef>
+                <a:spcPts val="850"/>
+              </a:spcBef>
+              <a:buClr>
+                <a:srgbClr val="000000"/>
+              </a:buClr>
+              <a:buSzPct val="45000"/>
+              <a:buFont typeface="Wingdings" charset="2"/>
+              <a:buChar char=""/>
+            </a:pPr>
+            <a:r>
+              <a:rPr lang="en-US" sz="1600" b="1" strike="noStrike" spc="-1" dirty="0">
+                <a:solidFill>
+                  <a:srgbClr val="000000"/>
+                </a:solidFill>
+                <a:latin typeface="Corbel"/>
+              </a:rPr>
+              <a:t>Data Format</a:t>
+            </a:r>
+            <a:r>
+              <a:rPr lang="en-US" sz="1600" b="0" strike="noStrike" spc="-1" dirty="0">
+                <a:solidFill>
+                  <a:srgbClr val="000000"/>
+                </a:solidFill>
+                <a:latin typeface="Corbel"/>
+              </a:rPr>
+              <a:t>: FetchAPI</a:t>
+            </a:r>
+            <a:endParaRPr lang="en-US" sz="1600" b="0" strike="noStrike" spc="-1" dirty="0">
+              <a:latin typeface="Arial"/>
+            </a:endParaRPr>
+          </a:p>
+          <a:p>
+            <a:pPr marL="1296000" lvl="2" indent="-287640">
+              <a:lnSpc>
+                <a:spcPct val="100000"/>
+              </a:lnSpc>
+              <a:spcBef>
+                <a:spcPts val="850"/>
+              </a:spcBef>
+              <a:buClr>
+                <a:srgbClr val="000000"/>
+              </a:buClr>
+              <a:buSzPct val="45000"/>
+              <a:buFont typeface="Wingdings" charset="2"/>
+              <a:buChar char=""/>
+            </a:pPr>
+            <a:r>
+              <a:rPr lang="en-US" sz="1600" b="1" strike="noStrike" spc="-1" dirty="0">
+                <a:solidFill>
+                  <a:srgbClr val="000000"/>
+                </a:solidFill>
+                <a:latin typeface="Corbel"/>
+                <a:ea typeface="Noto Sans CJK SC"/>
+              </a:rPr>
+              <a:t>Type</a:t>
+            </a:r>
+            <a:r>
+              <a:rPr lang="en-US" sz="1600" b="0" strike="noStrike" spc="-1" dirty="0">
+                <a:solidFill>
+                  <a:srgbClr val="000000"/>
+                </a:solidFill>
+                <a:latin typeface="Corbel"/>
+                <a:ea typeface="Noto Sans CJK SC"/>
+              </a:rPr>
+              <a:t>: Free public API accessible via authentication key</a:t>
+            </a:r>
+            <a:endParaRPr lang="en-US" sz="1600" b="0" strike="noStrike" spc="-1" dirty="0">
+              <a:latin typeface="Arial"/>
+            </a:endParaRPr>
+          </a:p>
+          <a:p>
+            <a:pPr marL="1296000" lvl="2" indent="-287640">
+              <a:lnSpc>
+                <a:spcPct val="100000"/>
+              </a:lnSpc>
+              <a:spcBef>
+                <a:spcPts val="850"/>
+              </a:spcBef>
+              <a:buClr>
+                <a:srgbClr val="000000"/>
+              </a:buClr>
+              <a:buSzPct val="45000"/>
+              <a:buFont typeface="Wingdings" charset="2"/>
+              <a:buChar char=""/>
+            </a:pPr>
+            <a:r>
+              <a:rPr lang="en-US" sz="1600" b="1" strike="noStrike" spc="-1" dirty="0">
+                <a:solidFill>
+                  <a:srgbClr val="000000"/>
+                </a:solidFill>
+                <a:latin typeface="Corbel"/>
+                <a:ea typeface="Noto Sans CJK SC"/>
+              </a:rPr>
+              <a:t>Information </a:t>
+            </a:r>
+            <a:r>
+              <a:rPr lang="en-US" sz="1600" b="0" strike="noStrike" spc="-1" dirty="0">
+                <a:solidFill>
+                  <a:srgbClr val="000000"/>
+                </a:solidFill>
+                <a:latin typeface="Corbel"/>
+                <a:ea typeface="Noto Sans CJK SC"/>
+              </a:rPr>
+              <a:t>: </a:t>
+            </a:r>
+            <a:r>
+              <a:rPr lang="en-US" sz="1600" b="0" i="0" dirty="0">
+                <a:effectLst/>
+                <a:latin typeface="Corbel" panose="020B0503020204020204" pitchFamily="34" charset="0"/>
+              </a:rPr>
+              <a:t>Geocoding is the process of converting addresses (like "1600 Amphitheatre Parkway, Mountain     View, CA") into geographic coordinates (like latitude 37.423021 and longitude -122.083739), which you can use          to place markers on a map, or position the map</a:t>
+            </a:r>
+            <a:r>
+              <a:rPr lang="en-US" sz="1400" b="0" i="0" dirty="0">
+                <a:solidFill>
+                  <a:srgbClr val="4E4E4E"/>
+                </a:solidFill>
+                <a:effectLst/>
+                <a:latin typeface="Lato"/>
+              </a:rPr>
+              <a:t>.</a:t>
+            </a:r>
+          </a:p>
+          <a:p>
+            <a:pPr marL="1296000" lvl="2" indent="-287640">
+              <a:lnSpc>
+                <a:spcPct val="100000"/>
+              </a:lnSpc>
+              <a:spcBef>
+                <a:spcPts val="850"/>
+              </a:spcBef>
+              <a:buClr>
+                <a:srgbClr val="000000"/>
+              </a:buClr>
+              <a:buSzPct val="45000"/>
+              <a:buFont typeface="Wingdings" charset="2"/>
+              <a:buChar char=""/>
+            </a:pPr>
+            <a:r>
+              <a:rPr lang="en-US" sz="1600" b="1" strike="noStrike" spc="-1" dirty="0">
+                <a:solidFill>
+                  <a:srgbClr val="000000"/>
+                </a:solidFill>
+                <a:latin typeface="Corbel"/>
+                <a:ea typeface="Noto Sans CJK SC"/>
+              </a:rPr>
+              <a:t>Popularity</a:t>
+            </a:r>
+            <a:r>
+              <a:rPr lang="en-US" sz="1600" b="0" strike="noStrike" spc="-1" dirty="0">
+                <a:solidFill>
+                  <a:srgbClr val="000000"/>
+                </a:solidFill>
+                <a:latin typeface="Corbel"/>
+                <a:ea typeface="Noto Sans CJK SC"/>
+              </a:rPr>
+              <a:t>: 9.5/10,</a:t>
+            </a:r>
+            <a:r>
+              <a:rPr lang="en-US" sz="1600" b="1" strike="noStrike" spc="-1" dirty="0">
+                <a:solidFill>
+                  <a:srgbClr val="000000"/>
+                </a:solidFill>
+                <a:latin typeface="Corbel"/>
+                <a:ea typeface="Noto Sans CJK SC"/>
+              </a:rPr>
+              <a:t> Latency</a:t>
+            </a:r>
+            <a:r>
+              <a:rPr lang="en-US" sz="1600" b="0" strike="noStrike" spc="-1" dirty="0">
+                <a:solidFill>
+                  <a:srgbClr val="000000"/>
+                </a:solidFill>
+                <a:latin typeface="Corbel"/>
+                <a:ea typeface="Noto Sans CJK SC"/>
+              </a:rPr>
+              <a:t>: 132ms,</a:t>
+            </a:r>
+            <a:r>
+              <a:rPr lang="en-US" sz="1600" b="1" strike="noStrike" spc="-1" dirty="0">
+                <a:solidFill>
+                  <a:srgbClr val="000000"/>
+                </a:solidFill>
+                <a:latin typeface="Corbel"/>
+                <a:ea typeface="Noto Sans CJK SC"/>
+              </a:rPr>
+              <a:t> Service Level</a:t>
+            </a:r>
+            <a:r>
+              <a:rPr lang="en-US" sz="1600" b="0" strike="noStrike" spc="-1" dirty="0">
+                <a:solidFill>
+                  <a:srgbClr val="000000"/>
+                </a:solidFill>
+                <a:latin typeface="Corbel"/>
+                <a:ea typeface="Noto Sans CJK SC"/>
+              </a:rPr>
+              <a:t>: 100%</a:t>
+            </a:r>
+            <a:endParaRPr lang="en-US" dirty="0"/>
+          </a:p>
+          <a:p>
+            <a:endParaRPr lang="en-US" dirty="0"/>
+          </a:p>
+        </p:txBody>
+      </p:sp>
+    </p:spTree>
+    <p:extLst>
+      <p:ext uri="{BB962C8B-B14F-4D97-AF65-F5344CB8AC3E}">
+        <p14:creationId xmlns:p14="http://schemas.microsoft.com/office/powerpoint/2010/main" val="2523952342"/>
+      </p:ext>
+    </p:extLst>
+  </p:cSld>
+  <p:clrMapOvr>
+    <a:masterClrMapping/>
+  </p:clrMapOvr>
+</p:sld>
+</file>
+
+<file path=ppt/slides/slide14.xml><?xml version="1.0" encoding="utf-8"?>
+<p:sld xmlns:a="http://schemas.openxmlformats.org/drawingml/2006/main" xmlns:r="http://schemas.openxmlformats.org/officeDocument/2006/relationships" xmlns:p="http://schemas.openxmlformats.org/presentationml/2006/main">
+  <p:cSld>
+    <p:spTree>
+      <p:nvGrpSpPr>
+        <p:cNvPr id="1" name=""/>
+        <p:cNvGrpSpPr/>
+        <p:nvPr/>
+      </p:nvGrpSpPr>
+      <p:grpSpPr>
+        <a:xfrm>
+          <a:off x="0" y="0"/>
+          <a:ext cx="0" cy="0"/>
+          <a:chOff x="0" y="0"/>
+          <a:chExt cx="0" cy="0"/>
+        </a:xfrm>
+      </p:grpSpPr>
+      <p:sp>
+        <p:nvSpPr>
+          <p:cNvPr id="2" name="Title 1">
+            <a:extLst>
+              <a:ext uri="{FF2B5EF4-FFF2-40B4-BE49-F238E27FC236}">
+                <a16:creationId xmlns:a16="http://schemas.microsoft.com/office/drawing/2014/main" id="{84584CDC-F0B4-47FE-A325-0F52EF9D0632}"/>
+              </a:ext>
+            </a:extLst>
+          </p:cNvPr>
+          <p:cNvSpPr>
+            <a:spLocks noGrp="1"/>
+          </p:cNvSpPr>
+          <p:nvPr>
+            <p:ph type="title"/>
+          </p:nvPr>
+        </p:nvSpPr>
+        <p:spPr/>
+        <p:txBody>
+          <a:bodyPr/>
+          <a:lstStyle/>
+          <a:p>
+            <a:pPr algn="ctr"/>
+            <a:r>
+              <a:rPr lang="en-US" dirty="0"/>
+              <a:t>MAP API’s</a:t>
+            </a:r>
+          </a:p>
+        </p:txBody>
+      </p:sp>
+      <p:sp>
+        <p:nvSpPr>
+          <p:cNvPr id="3" name="Subtitle 2">
+            <a:extLst>
+              <a:ext uri="{FF2B5EF4-FFF2-40B4-BE49-F238E27FC236}">
+                <a16:creationId xmlns:a16="http://schemas.microsoft.com/office/drawing/2014/main" id="{6B265DA9-991A-46BE-8951-CA5E22F22561}"/>
+              </a:ext>
+            </a:extLst>
+          </p:cNvPr>
+          <p:cNvSpPr>
+            <a:spLocks noGrp="1"/>
+          </p:cNvSpPr>
+          <p:nvPr>
+            <p:ph type="subTitle"/>
+          </p:nvPr>
+        </p:nvSpPr>
+        <p:spPr>
+          <a:xfrm>
+            <a:off x="1589015" y="1418400"/>
+            <a:ext cx="10972440" cy="3977280"/>
+          </a:xfrm>
+        </p:spPr>
+        <p:txBody>
+          <a:bodyPr/>
+          <a:lstStyle/>
+          <a:p>
+            <a:pPr marL="285840" indent="-285120">
+              <a:lnSpc>
+                <a:spcPct val="100000"/>
+              </a:lnSpc>
+              <a:spcBef>
+                <a:spcPts val="479"/>
+              </a:spcBef>
+              <a:spcAft>
+                <a:spcPts val="601"/>
+              </a:spcAft>
+              <a:buClr>
+                <a:srgbClr val="1287C3"/>
+              </a:buClr>
+              <a:buSzPct val="145000"/>
+              <a:buFont typeface="Arial"/>
+              <a:buChar char="•"/>
+            </a:pPr>
+            <a:r>
+              <a:rPr lang="en-US" sz="2400" b="0" strike="noStrike" spc="-1" dirty="0">
+                <a:solidFill>
+                  <a:srgbClr val="000000"/>
+                </a:solidFill>
+                <a:latin typeface="Corbel"/>
+              </a:rPr>
+              <a:t>Map API:</a:t>
+            </a:r>
+            <a:endParaRPr lang="en-US" sz="2400" b="0" strike="noStrike" spc="-1" dirty="0">
+              <a:latin typeface="Arial"/>
+            </a:endParaRPr>
+          </a:p>
+          <a:p>
+            <a:pPr marL="864000" lvl="1" indent="-323640">
+              <a:lnSpc>
+                <a:spcPct val="100000"/>
+              </a:lnSpc>
+              <a:spcBef>
+                <a:spcPts val="1134"/>
+              </a:spcBef>
+              <a:buClr>
+                <a:srgbClr val="000000"/>
+              </a:buClr>
+              <a:buSzPct val="45000"/>
+              <a:buFont typeface="Wingdings" charset="2"/>
+              <a:buChar char=""/>
+            </a:pPr>
+            <a:r>
+              <a:rPr lang="en-US" sz="1800" b="0" strike="noStrike" spc="-1">
+                <a:solidFill>
+                  <a:srgbClr val="000000"/>
+                </a:solidFill>
+                <a:latin typeface="Corbel"/>
+              </a:rPr>
+              <a:t>3) </a:t>
+            </a:r>
+            <a:r>
+              <a:rPr lang="en-US" sz="1800" b="0" strike="noStrike" spc="-1" dirty="0">
+                <a:solidFill>
+                  <a:srgbClr val="000000"/>
+                </a:solidFill>
+                <a:latin typeface="Corbel"/>
+              </a:rPr>
+              <a:t>WeatherAPI.com</a:t>
             </a:r>
             <a:endParaRPr lang="en-US" sz="1800" b="0" strike="noStrike" spc="-1" dirty="0">
               <a:latin typeface="Arial"/>
@@ -6877,7 +7307,7 @@
                 </a:solidFill>
                 <a:latin typeface="Corbel"/>
               </a:rPr>
-              <a:t>Weather and hike tails web application</a:t>
+              <a:t>Weather and hike trails web application</a:t>
             </a:r>
             <a:endParaRPr lang="en-US" sz="2400" b="0" strike="noStrike" spc="-1" dirty="0">
               <a:latin typeface="Arial"/>
@@ -6908,7 +7338,7 @@
                 </a:solidFill>
                 <a:latin typeface="Corbel"/>
               </a:rPr>
-              <a:t>Check weather and go for hike. All information can be navigable.</a:t>
+              <a:t>Check weather, check for hikes. All information can be navigable.</a:t>
             </a:r>
             <a:endParaRPr lang="en-US" sz="2400" b="0" strike="noStrike" spc="-1" dirty="0">
               <a:latin typeface="Arial"/>
@@ -7116,7 +7546,7 @@
               <a:buChar char="•"/>
             </a:pPr>
             <a:r>
-              <a:rPr lang="en-US" sz="2400" b="0" strike="noStrike" spc="-1">
+              <a:rPr lang="en-US" sz="2400" b="0" strike="noStrike" spc="-1" dirty="0">
                 <a:solidFill>
                   <a:srgbClr val="000000"/>
                 </a:solidFill>
@@ -7124,7 +7554,7 @@
               </a:rPr>
               <a:t>Home page with links </a:t>
             </a:r>
-            <a:endParaRPr lang="en-US" sz="2400" b="0" strike="noStrike" spc="-1">
+            <a:endParaRPr lang="en-US" sz="2400" b="0" strike="noStrike" spc="-1" dirty="0">
               <a:latin typeface="Arial"/>
             </a:endParaRPr>
           </a:p>
@@ -7147,7 +7577,7 @@
               <a:buChar char="•"/>
             </a:pPr>
             <a:r>
-              <a:rPr lang="en-US" sz="2400" b="0" strike="noStrike" spc="-1">
+              <a:rPr lang="en-US" sz="2400" b="0" strike="noStrike" spc="-1" dirty="0">
                 <a:solidFill>
                   <a:srgbClr val="000000"/>
                 </a:solidFill>
@@ -7155,7 +7585,7 @@
               </a:rPr>
               <a:t>Link to weather page, link to hike trails page</a:t>
             </a:r>
-            <a:endParaRPr lang="en-US" sz="2400" b="0" strike="noStrike" spc="-1">
+            <a:endParaRPr lang="en-US" sz="2400" b="0" strike="noStrike" spc="-1" dirty="0">
               <a:latin typeface="Arial"/>
             </a:endParaRPr>
           </a:p>
@@ -7178,15 +7608,15 @@
               <a:buChar char="•"/>
             </a:pPr>
             <a:r>
-              <a:rPr lang="en-US" sz="2400" b="0" strike="noStrike" spc="-1">
-                <a:solidFill>
-                  <a:srgbClr val="000000"/>
-                </a:solidFill>
-                <a:latin typeface="Corbel"/>
-              </a:rPr>
-              <a:t>Link to jump from one page to other page</a:t>
-            </a:r>
-            <a:endParaRPr lang="en-US" sz="2400" b="0" strike="noStrike" spc="-1">
+              <a:rPr lang="en-US" sz="2400" b="0" strike="noStrike" spc="-1" dirty="0">
+                <a:solidFill>
+                  <a:srgbClr val="000000"/>
+                </a:solidFill>
+                <a:latin typeface="Corbel"/>
+              </a:rPr>
+              <a:t>Links to jump from one page to other page</a:t>
+            </a:r>
+            <a:endParaRPr lang="en-US" sz="2400" b="0" strike="noStrike" spc="-1" dirty="0">
               <a:latin typeface="Arial"/>
             </a:endParaRPr>
           </a:p>
@@ -7209,15 +7639,15 @@
               <a:buChar char="•"/>
             </a:pPr>
             <a:r>
-              <a:rPr lang="en-US" sz="2400" b="0" strike="noStrike" spc="-1">
-                <a:solidFill>
-                  <a:srgbClr val="000000"/>
-                </a:solidFill>
-                <a:latin typeface="Corbel"/>
-              </a:rPr>
-              <a:t>Search box to search weather of particular place </a:t>
-            </a:r>
-            <a:endParaRPr lang="en-US" sz="2400" b="0" strike="noStrike" spc="-1">
+              <a:rPr lang="en-US" sz="2400" b="0" strike="noStrike" spc="-1" dirty="0">
+                <a:solidFill>
+                  <a:srgbClr val="000000"/>
+                </a:solidFill>
+                <a:latin typeface="Corbel"/>
+              </a:rPr>
+              <a:t>Search box to search weather of particular place(s)</a:t>
+            </a:r>
+            <a:endParaRPr lang="en-US" sz="2400" b="0" strike="noStrike" spc="-1" dirty="0">
               <a:latin typeface="Arial"/>
             </a:endParaRPr>
           </a:p>
@@ -7240,15 +7670,43 @@
               <a:buChar char="•"/>
             </a:pPr>
             <a:r>
-              <a:rPr lang="en-US" sz="2400" b="0" strike="noStrike" spc="-1">
-                <a:solidFill>
-                  <a:srgbClr val="000000"/>
-                </a:solidFill>
-                <a:latin typeface="Corbel"/>
-              </a:rPr>
-              <a:t>Search box to search hike trail</a:t>
-            </a:r>
-            <a:endParaRPr lang="en-US" sz="2400" b="0" strike="noStrike" spc="-1">
+              <a:rPr lang="en-US" sz="2400" b="0" strike="noStrike" spc="-1" dirty="0">
+                <a:solidFill>
+                  <a:srgbClr val="000000"/>
+                </a:solidFill>
+                <a:latin typeface="Corbel"/>
+              </a:rPr>
+              <a:t>Search box to search for hike trails</a:t>
+            </a:r>
+          </a:p>
+          <a:p>
+            <a:pPr marL="285840" indent="-285120">
+              <a:lnSpc>
+                <a:spcPct val="100000"/>
+              </a:lnSpc>
+              <a:spcBef>
+                <a:spcPts val="479"/>
+              </a:spcBef>
+              <a:spcAft>
+                <a:spcPts val="601"/>
+              </a:spcAft>
+              <a:buClr>
+                <a:srgbClr val="1287C3"/>
+              </a:buClr>
+              <a:buSzPct val="145000"/>
+              <a:buFont typeface="Arial"/>
+              <a:buChar char="•"/>
+            </a:pPr>
+            <a:r>
+              <a:rPr lang="en-US" sz="2400" spc="-1" dirty="0">
+                <a:solidFill>
+                  <a:srgbClr val="000000"/>
+                </a:solidFill>
+                <a:latin typeface="Corbel"/>
+              </a:rPr>
+              <a:t>Etc.</a:t>
+            </a:r>
+            <a:endParaRPr lang="en-US" sz="2400" b="0" strike="noStrike" spc="-1" dirty="0">
               <a:latin typeface="Arial"/>
             </a:endParaRPr>
           </a:p>
@@ -7740,6 +8198,138 @@
       </p:grpSpPr>
       <p:sp>
         <p:nvSpPr>
+          <p:cNvPr id="2" name="Title 1">
+            <a:extLst>
+              <a:ext uri="{FF2B5EF4-FFF2-40B4-BE49-F238E27FC236}">
+                <a16:creationId xmlns:a16="http://schemas.microsoft.com/office/drawing/2014/main" id="{33016A12-DE84-4EFD-9FD6-E12672261C9B}"/>
+              </a:ext>
+            </a:extLst>
+          </p:cNvPr>
+          <p:cNvSpPr>
+            <a:spLocks noGrp="1"/>
+          </p:cNvSpPr>
+          <p:nvPr>
+            <p:ph type="title"/>
+          </p:nvPr>
+        </p:nvSpPr>
+        <p:spPr/>
+        <p:txBody>
+          <a:bodyPr/>
+          <a:lstStyle/>
+          <a:p>
+            <a:pPr algn="ctr"/>
+            <a:r>
+              <a:rPr lang="en-US" dirty="0"/>
+              <a:t>API’s</a:t>
+            </a:r>
+          </a:p>
+        </p:txBody>
+      </p:sp>
+      <p:sp>
+        <p:nvSpPr>
+          <p:cNvPr id="3" name="Subtitle 2">
+            <a:extLst>
+              <a:ext uri="{FF2B5EF4-FFF2-40B4-BE49-F238E27FC236}">
+                <a16:creationId xmlns:a16="http://schemas.microsoft.com/office/drawing/2014/main" id="{F306A230-B54E-4F28-BB31-EB9D7DD4FE9F}"/>
+              </a:ext>
+            </a:extLst>
+          </p:cNvPr>
+          <p:cNvSpPr>
+            <a:spLocks noGrp="1"/>
+          </p:cNvSpPr>
+          <p:nvPr>
+            <p:ph type="subTitle"/>
+          </p:nvPr>
+        </p:nvSpPr>
+        <p:spPr>
+          <a:xfrm>
+            <a:off x="2086587" y="1412446"/>
+            <a:ext cx="10972440" cy="3977280"/>
+          </a:xfrm>
+        </p:spPr>
+        <p:txBody>
+          <a:bodyPr>
+            <a:normAutofit/>
+          </a:bodyPr>
+          <a:lstStyle/>
+          <a:p>
+            <a:r>
+              <a:rPr lang="en-US" sz="2400" dirty="0">
+                <a:latin typeface="Corbel" panose="020B0503020204020204" pitchFamily="34" charset="0"/>
+              </a:rPr>
+              <a:t>Our choices of API’s</a:t>
+            </a:r>
+          </a:p>
+          <a:p>
+            <a:pPr lvl="1">
+              <a:buFont typeface="Wingdings" panose="05000000000000000000" pitchFamily="2" charset="2"/>
+              <a:buChar char="ü"/>
+            </a:pPr>
+            <a:r>
+              <a:rPr lang="en-US" sz="2000" dirty="0">
+                <a:latin typeface="Corbel" panose="020B0503020204020204" pitchFamily="34" charset="0"/>
+              </a:rPr>
+              <a:t>Weather APIs</a:t>
+            </a:r>
+          </a:p>
+          <a:p>
+            <a:pPr lvl="1">
+              <a:buFont typeface="Wingdings" panose="05000000000000000000" pitchFamily="2" charset="2"/>
+              <a:buChar char="ü"/>
+            </a:pPr>
+            <a:r>
+              <a:rPr lang="en-US" sz="2000" dirty="0">
+                <a:latin typeface="Corbel" panose="020B0503020204020204" pitchFamily="34" charset="0"/>
+              </a:rPr>
+              <a:t>Hike Trail APIs</a:t>
+            </a:r>
+          </a:p>
+          <a:p>
+            <a:pPr lvl="1">
+              <a:buFont typeface="Wingdings" panose="05000000000000000000" pitchFamily="2" charset="2"/>
+              <a:buChar char="ü"/>
+            </a:pPr>
+            <a:r>
+              <a:rPr lang="en-US" sz="2000" dirty="0">
+                <a:latin typeface="Corbel" panose="020B0503020204020204" pitchFamily="34" charset="0"/>
+              </a:rPr>
+              <a:t>Map APIs</a:t>
+            </a:r>
+          </a:p>
+        </p:txBody>
+      </p:sp>
+    </p:spTree>
+    <p:extLst>
+      <p:ext uri="{BB962C8B-B14F-4D97-AF65-F5344CB8AC3E}">
+        <p14:creationId xmlns:p14="http://schemas.microsoft.com/office/powerpoint/2010/main" val="3831254791"/>
+      </p:ext>
+    </p:extLst>
+  </p:cSld>
+  <p:clrMapOvr>
+    <a:masterClrMapping/>
+  </p:clrMapOvr>
+</p:sld>
+</file>
+
+<file path=ppt/slides/slide7.xml><?xml version="1.0" encoding="utf-8"?>
+<p:sld xmlns:a="http://schemas.openxmlformats.org/drawingml/2006/main" xmlns:r="http://schemas.openxmlformats.org/officeDocument/2006/relationships" xmlns:p="http://schemas.openxmlformats.org/presentationml/2006/main">
+  <p:cSld>
+    <p:spTree>
+      <p:nvGrpSpPr>
+        <p:cNvPr id="1" name=""/>
+        <p:cNvGrpSpPr/>
+        <p:nvPr/>
+      </p:nvGrpSpPr>
+      <p:grpSpPr>
+        <a:xfrm>
+          <a:off x="0" y="0"/>
+          <a:ext cx="0" cy="0"/>
+          <a:chOff x="0" y="0"/>
+          <a:chExt cx="0" cy="0"/>
+        </a:xfrm>
+      </p:grpSpPr>
+      <p:sp>
+        <p:nvSpPr>
           <p:cNvPr id="105" name="CustomShape 1"/>
           <p:cNvSpPr/>
           <p:nvPr/>
@@ -8151,451 +8741,6 @@
               </a:rPr>
               <a:t>: 100%</a:t>
             </a:r>
-            <a:endParaRPr lang="en-US" sz="1600" b="0" strike="noStrike" spc="-1" dirty="0">
-              <a:latin typeface="Arial"/>
-            </a:endParaRPr>
-          </a:p>
-        </p:txBody>
-      </p:sp>
-    </p:spTree>
-  </p:cSld>
-  <p:clrMapOvr>
-    <a:masterClrMapping/>
-  </p:clrMapOvr>
-  <p:timing>
-    <p:tnLst>
-      <p:par>
-        <p:cTn id="1" dur="indefinite" restart="never" nodeType="tmRoot">
-          <p:childTnLst>
-            <p:seq>
-              <p:cTn id="2" dur="indefinite" nodeType="mainSeq"/>
-              <p:prevCondLst>
-                <p:cond evt="onPrev" delay="0">
-                  <p:tgtEl>
-                    <p:sldTgt/>
-                  </p:tgtEl>
-                </p:cond>
-              </p:prevCondLst>
-              <p:nextCondLst>
-                <p:cond evt="onNext" delay="0">
-                  <p:tgtEl>
-                    <p:sldTgt/>
-                  </p:tgtEl>
-                </p:cond>
-              </p:nextCondLst>
-            </p:seq>
-          </p:childTnLst>
-        </p:cTn>
-      </p:par>
-    </p:tnLst>
-  </p:timing>
-</p:sld>
-</file>
-
-<file path=ppt/slides/slide7.xml><?xml version="1.0" encoding="utf-8"?>
-<p:sld xmlns:a="http://schemas.openxmlformats.org/drawingml/2006/main" xmlns:r="http://schemas.openxmlformats.org/officeDocument/2006/relationships" xmlns:p="http://schemas.openxmlformats.org/presentationml/2006/main">
-  <p:cSld>
-    <p:spTree>
-      <p:nvGrpSpPr>
-        <p:cNvPr id="1" name=""/>
-        <p:cNvGrpSpPr/>
-        <p:nvPr/>
-      </p:nvGrpSpPr>
-      <p:grpSpPr>
-        <a:xfrm>
-          <a:off x="0" y="0"/>
-          <a:ext cx="0" cy="0"/>
-          <a:chOff x="0" y="0"/>
-          <a:chExt cx="0" cy="0"/>
-        </a:xfrm>
-      </p:grpSpPr>
-      <p:sp>
-        <p:nvSpPr>
-          <p:cNvPr id="107" name="CustomShape 1"/>
-          <p:cNvSpPr/>
-          <p:nvPr/>
-        </p:nvSpPr>
-        <p:spPr>
-          <a:xfrm>
-            <a:off x="1503000" y="259560"/>
-            <a:ext cx="10018080" cy="1294560"/>
-          </a:xfrm>
-          <a:prstGeom prst="rect">
-            <a:avLst/>
-          </a:prstGeom>
-          <a:noFill/>
-          <a:ln>
-            <a:noFill/>
-          </a:ln>
-        </p:spPr>
-        <p:style>
-          <a:lnRef idx="0">
-            <a:scrgbClr r="0" g="0" b="0"/>
-          </a:lnRef>
-          <a:fillRef idx="0">
-            <a:scrgbClr r="0" g="0" b="0"/>
-          </a:fillRef>
-          <a:effectRef idx="0">
-            <a:scrgbClr r="0" g="0" b="0"/>
-          </a:effectRef>
-          <a:fontRef idx="minor"/>
-        </p:style>
-        <p:txBody>
-          <a:bodyPr lIns="90000" tIns="45000" rIns="90000" bIns="45000" anchor="ctr"/>
-          <a:lstStyle/>
-          <a:p>
-            <a:pPr algn="ctr">
-              <a:lnSpc>
-                <a:spcPct val="100000"/>
-              </a:lnSpc>
-            </a:pPr>
-            <a:r>
-              <a:rPr lang="en-US" sz="4400" b="0" strike="noStrike" spc="-1" dirty="0">
-                <a:solidFill>
-                  <a:srgbClr val="000000"/>
-                </a:solidFill>
-                <a:latin typeface="+mj-lt"/>
-              </a:rPr>
-              <a:t>WEATHER API’s</a:t>
-            </a:r>
-            <a:endParaRPr lang="en-US" sz="4400" b="0" strike="noStrike" spc="-1" dirty="0">
-              <a:latin typeface="+mj-lt"/>
-            </a:endParaRPr>
-          </a:p>
-        </p:txBody>
-      </p:sp>
-      <p:sp>
-        <p:nvSpPr>
-          <p:cNvPr id="108" name="CustomShape 2"/>
-          <p:cNvSpPr/>
-          <p:nvPr/>
-        </p:nvSpPr>
-        <p:spPr>
-          <a:xfrm>
-            <a:off x="1503000" y="1554120"/>
-            <a:ext cx="10018080" cy="4571640"/>
-          </a:xfrm>
-          <a:prstGeom prst="rect">
-            <a:avLst/>
-          </a:prstGeom>
-          <a:noFill/>
-          <a:ln>
-            <a:noFill/>
-          </a:ln>
-        </p:spPr>
-        <p:style>
-          <a:lnRef idx="0">
-            <a:scrgbClr r="0" g="0" b="0"/>
-          </a:lnRef>
-          <a:fillRef idx="0">
-            <a:scrgbClr r="0" g="0" b="0"/>
-          </a:fillRef>
-          <a:effectRef idx="0">
-            <a:scrgbClr r="0" g="0" b="0"/>
-          </a:effectRef>
-          <a:fontRef idx="minor"/>
-        </p:style>
-        <p:txBody>
-          <a:bodyPr lIns="90000" tIns="45000" rIns="90000" bIns="45000" anchor="ctr"/>
-          <a:lstStyle/>
-          <a:p>
-            <a:pPr marL="285840" indent="-285120">
-              <a:lnSpc>
-                <a:spcPct val="100000"/>
-              </a:lnSpc>
-              <a:spcBef>
-                <a:spcPts val="479"/>
-              </a:spcBef>
-              <a:spcAft>
-                <a:spcPts val="601"/>
-              </a:spcAft>
-              <a:buClr>
-                <a:srgbClr val="1287C3"/>
-              </a:buClr>
-              <a:buSzPct val="145000"/>
-              <a:buFont typeface="Arial"/>
-              <a:buChar char="•"/>
-            </a:pPr>
-            <a:r>
-              <a:rPr lang="en-US" sz="2400" b="0" strike="noStrike" spc="-1" dirty="0">
-                <a:solidFill>
-                  <a:srgbClr val="000000"/>
-                </a:solidFill>
-                <a:latin typeface="Corbel"/>
-              </a:rPr>
-              <a:t>Weather API:</a:t>
-            </a:r>
-            <a:endParaRPr lang="en-US" sz="2400" b="0" strike="noStrike" spc="-1" dirty="0">
-              <a:latin typeface="Arial"/>
-            </a:endParaRPr>
-          </a:p>
-          <a:p>
-            <a:pPr marL="864000" lvl="1" indent="-323640">
-              <a:lnSpc>
-                <a:spcPct val="100000"/>
-              </a:lnSpc>
-              <a:spcBef>
-                <a:spcPts val="1134"/>
-              </a:spcBef>
-              <a:buClr>
-                <a:srgbClr val="000000"/>
-              </a:buClr>
-              <a:buSzPct val="75000"/>
-              <a:buFont typeface="Symbol"/>
-              <a:buChar char=""/>
-            </a:pPr>
-            <a:r>
-              <a:rPr lang="en-US" sz="1800" b="0" strike="noStrike" spc="-1" dirty="0">
-                <a:solidFill>
-                  <a:srgbClr val="000000"/>
-                </a:solidFill>
-                <a:latin typeface="Corbel"/>
-              </a:rPr>
-              <a:t>2) </a:t>
-            </a:r>
-            <a:r>
-              <a:rPr lang="en-US" sz="1800" b="0" strike="noStrike" spc="-1" dirty="0" err="1">
-                <a:solidFill>
-                  <a:srgbClr val="000000"/>
-                </a:solidFill>
-                <a:latin typeface="Corbel"/>
-              </a:rPr>
-              <a:t>ClimaCell</a:t>
-            </a:r>
-            <a:endParaRPr lang="en-US" sz="1800" b="0" strike="noStrike" spc="-1" dirty="0">
-              <a:latin typeface="Arial"/>
-            </a:endParaRPr>
-          </a:p>
-          <a:p>
-            <a:pPr marL="1296000" lvl="2" indent="-287640">
-              <a:lnSpc>
-                <a:spcPct val="100000"/>
-              </a:lnSpc>
-              <a:spcBef>
-                <a:spcPts val="850"/>
-              </a:spcBef>
-              <a:buClr>
-                <a:srgbClr val="000000"/>
-              </a:buClr>
-              <a:buSzPct val="45000"/>
-              <a:buFont typeface="Wingdings" charset="2"/>
-              <a:buChar char=""/>
-            </a:pPr>
-            <a:r>
-              <a:rPr lang="en-US" sz="1600" b="1" strike="noStrike" spc="-1" dirty="0">
-                <a:solidFill>
-                  <a:srgbClr val="000000"/>
-                </a:solidFill>
-                <a:latin typeface="Corbel"/>
-              </a:rPr>
-              <a:t>Limit</a:t>
-            </a:r>
-            <a:r>
-              <a:rPr lang="en-US" sz="1600" b="0" strike="noStrike" spc="-1" dirty="0">
-                <a:solidFill>
-                  <a:srgbClr val="000000"/>
-                </a:solidFill>
-                <a:latin typeface="Corbel"/>
-              </a:rPr>
-              <a:t>:  100 / day quota Hard Limit</a:t>
-            </a:r>
-            <a:endParaRPr lang="en-US" sz="1600" b="0" strike="noStrike" spc="-1" dirty="0">
-              <a:latin typeface="Arial"/>
-            </a:endParaRPr>
-          </a:p>
-          <a:p>
-            <a:pPr marL="1296000" lvl="2" indent="-287640">
-              <a:lnSpc>
-                <a:spcPct val="100000"/>
-              </a:lnSpc>
-              <a:spcBef>
-                <a:spcPts val="850"/>
-              </a:spcBef>
-              <a:buClr>
-                <a:srgbClr val="000000"/>
-              </a:buClr>
-              <a:buSzPct val="45000"/>
-              <a:buFont typeface="Wingdings" charset="2"/>
-              <a:buChar char=""/>
-            </a:pPr>
-            <a:r>
-              <a:rPr lang="en-US" sz="1600" b="1" strike="noStrike" spc="-1" dirty="0">
-                <a:solidFill>
-                  <a:srgbClr val="000000"/>
-                </a:solidFill>
-                <a:latin typeface="Corbel"/>
-              </a:rPr>
-              <a:t>Data Format</a:t>
-            </a:r>
-            <a:r>
-              <a:rPr lang="en-US" sz="1600" b="0" strike="noStrike" spc="-1" dirty="0">
-                <a:solidFill>
-                  <a:srgbClr val="000000"/>
-                </a:solidFill>
-                <a:latin typeface="Corbel"/>
-              </a:rPr>
-              <a:t>: FetchAPI</a:t>
-            </a:r>
-            <a:endParaRPr lang="en-US" sz="1600" b="0" strike="noStrike" spc="-1" dirty="0">
-              <a:latin typeface="Arial"/>
-            </a:endParaRPr>
-          </a:p>
-          <a:p>
-            <a:pPr marL="1296000" lvl="2" indent="-287640">
-              <a:lnSpc>
-                <a:spcPct val="100000"/>
-              </a:lnSpc>
-              <a:spcBef>
-                <a:spcPts val="850"/>
-              </a:spcBef>
-              <a:buClr>
-                <a:srgbClr val="000000"/>
-              </a:buClr>
-              <a:buSzPct val="45000"/>
-              <a:buFont typeface="Wingdings" charset="2"/>
-              <a:buChar char=""/>
-            </a:pPr>
-            <a:r>
-              <a:rPr lang="en-US" sz="1600" b="1" strike="noStrike" spc="-1" dirty="0">
-                <a:solidFill>
-                  <a:srgbClr val="000000"/>
-                </a:solidFill>
-                <a:latin typeface="Corbel"/>
-              </a:rPr>
-              <a:t>Type</a:t>
-            </a:r>
-            <a:r>
-              <a:rPr lang="en-US" sz="1600" b="0" strike="noStrike" spc="-1" dirty="0">
-                <a:solidFill>
-                  <a:srgbClr val="000000"/>
-                </a:solidFill>
-                <a:latin typeface="Corbel"/>
-              </a:rPr>
-              <a:t>: Free public API accessible via authentication key</a:t>
-            </a:r>
-            <a:endParaRPr lang="en-US" sz="1600" b="0" strike="noStrike" spc="-1" dirty="0">
-              <a:latin typeface="Arial"/>
-            </a:endParaRPr>
-          </a:p>
-          <a:p>
-            <a:pPr marL="1296000" lvl="2" indent="-287640">
-              <a:lnSpc>
-                <a:spcPct val="100000"/>
-              </a:lnSpc>
-              <a:spcBef>
-                <a:spcPts val="850"/>
-              </a:spcBef>
-              <a:buClr>
-                <a:srgbClr val="000000"/>
-              </a:buClr>
-              <a:buSzPct val="45000"/>
-              <a:buFont typeface="Wingdings" charset="2"/>
-              <a:buChar char=""/>
-            </a:pPr>
-            <a:r>
-              <a:rPr lang="en-US" sz="1600" b="1" strike="noStrike" spc="-1" dirty="0">
-                <a:solidFill>
-                  <a:srgbClr val="000000"/>
-                </a:solidFill>
-                <a:latin typeface="Corbel"/>
-              </a:rPr>
-              <a:t>Information </a:t>
-            </a:r>
-            <a:r>
-              <a:rPr lang="en-US" sz="1600" b="0" strike="noStrike" spc="-1" dirty="0">
-                <a:solidFill>
-                  <a:srgbClr val="000000"/>
-                </a:solidFill>
-                <a:latin typeface="Corbel"/>
-              </a:rPr>
-              <a:t>: Access to  Short Term Forecast (Nowcast), Hourly Forecast and Realtime features.</a:t>
-            </a:r>
-            <a:endParaRPr lang="en-US" sz="1600" b="0" strike="noStrike" spc="-1" dirty="0">
-              <a:latin typeface="Arial"/>
-            </a:endParaRPr>
-          </a:p>
-          <a:p>
-            <a:pPr marL="1296000" lvl="2" indent="-287640">
-              <a:lnSpc>
-                <a:spcPct val="100000"/>
-              </a:lnSpc>
-              <a:spcBef>
-                <a:spcPts val="850"/>
-              </a:spcBef>
-              <a:buClr>
-                <a:srgbClr val="000000"/>
-              </a:buClr>
-              <a:buSzPct val="45000"/>
-              <a:buFont typeface="Wingdings" charset="2"/>
-              <a:buChar char=""/>
-            </a:pPr>
-            <a:r>
-              <a:rPr lang="en-US" sz="1600" b="1" strike="noStrike" spc="-1" dirty="0">
-                <a:solidFill>
-                  <a:srgbClr val="000000"/>
-                </a:solidFill>
-                <a:latin typeface="Corbel"/>
-              </a:rPr>
-              <a:t>Popularity</a:t>
-            </a:r>
-            <a:r>
-              <a:rPr lang="en-US" sz="1600" b="0" strike="noStrike" spc="-1" dirty="0">
-                <a:solidFill>
-                  <a:srgbClr val="000000"/>
-                </a:solidFill>
-                <a:latin typeface="Corbel"/>
-              </a:rPr>
-              <a:t>: 9.6/10,</a:t>
-            </a:r>
-            <a:r>
-              <a:rPr lang="en-US" sz="1600" b="1" strike="noStrike" spc="-1" dirty="0">
-                <a:solidFill>
-                  <a:srgbClr val="000000"/>
-                </a:solidFill>
-                <a:latin typeface="Corbel"/>
-              </a:rPr>
-              <a:t> Latency</a:t>
-            </a:r>
-            <a:r>
-              <a:rPr lang="en-US" sz="1600" b="0" strike="noStrike" spc="-1" dirty="0">
-                <a:solidFill>
-                  <a:srgbClr val="000000"/>
-                </a:solidFill>
-                <a:latin typeface="Corbel"/>
-              </a:rPr>
-              <a:t>: 493ms,</a:t>
-            </a:r>
-            <a:r>
-              <a:rPr lang="en-US" sz="1600" b="1" strike="noStrike" spc="-1" dirty="0">
-                <a:solidFill>
-                  <a:srgbClr val="000000"/>
-                </a:solidFill>
-                <a:latin typeface="Corbel"/>
-              </a:rPr>
-              <a:t> Service Level</a:t>
-            </a:r>
-            <a:r>
-              <a:rPr lang="en-US" sz="1600" b="0" strike="noStrike" spc="-1" dirty="0">
-                <a:solidFill>
-                  <a:srgbClr val="000000"/>
-                </a:solidFill>
-                <a:latin typeface="Corbel"/>
-              </a:rPr>
-              <a:t>: 100%</a:t>
-            </a:r>
-            <a:endParaRPr lang="en-US" sz="1600" b="0" strike="noStrike" spc="-1" dirty="0">
-              <a:latin typeface="Arial"/>
-            </a:endParaRPr>
-          </a:p>
-          <a:p>
-            <a:pPr>
-              <a:lnSpc>
-                <a:spcPct val="100000"/>
-              </a:lnSpc>
-              <a:spcBef>
-                <a:spcPts val="850"/>
-              </a:spcBef>
-            </a:pPr>
             <a:endParaRPr lang="en-US" sz="1600" b="0" strike="noStrike" spc="-1" dirty="0">
               <a:latin typeface="Arial"/>
             </a:endParaRPr>
@@ -8656,7 +8801,7 @@
       </p:grpSpPr>
       <p:sp>
         <p:nvSpPr>
-          <p:cNvPr id="109" name="CustomShape 1"/>
+          <p:cNvPr id="107" name="CustomShape 1"/>
           <p:cNvSpPr/>
           <p:nvPr/>
         </p:nvSpPr>
@@ -8695,7 +8840,10 @@
               </a:lnSpc>
             </a:pPr>
             <a:r>
-              <a:rPr lang="en-US" sz="4400" dirty="0">
+              <a:rPr lang="en-US" sz="4400" b="0" strike="noStrike" spc="-1" dirty="0">
+                <a:solidFill>
+                  <a:srgbClr val="000000"/>
+                </a:solidFill>
                 <a:latin typeface="+mj-lt"/>
               </a:rPr>
               <a:t>WEATHER API’s</a:t>
@@ -8708,7 +8856,7 @@
       </p:sp>
       <p:sp>
         <p:nvSpPr>
-          <p:cNvPr id="110" name="CustomShape 2"/>
+          <p:cNvPr id="108" name="CustomShape 2"/>
           <p:cNvSpPr/>
           <p:nvPr/>
         </p:nvSpPr>
@@ -8793,7 +8941,7 @@
                 </a:solidFill>
                 <a:latin typeface="Corbel"/>
               </a:rPr>
-              <a:t>3) </a:t>
+              <a:t>2) </a:t>
             </a:r>
             <a:r>
               <a:rPr lang="en-US" sz="1800" b="0" strike="noStrike" spc="-1" dirty="0" err="1">
@@ -8802,7 +8950,7 @@
                 </a:solidFill>
                 <a:latin typeface="Corbel"/>
               </a:rPr>
-              <a:t>OpenWeatherMap</a:t>
+              <a:t>ClimaCell</a:t>
             </a:r>
             <a:endParaRPr lang="en-US" sz="1800" b="0" strike="noStrike" spc="-1" dirty="0">
               <a:latin typeface="Arial"/>
@@ -8839,7 +8987,7 @@
                 </a:solidFill>
                 <a:latin typeface="Corbel"/>
               </a:rPr>
-              <a:t>: 500 / month quota Hard Limit</a:t>
+              <a:t>:  100 / day quota Hard Limit</a:t>
             </a:r>
             <a:endParaRPr lang="en-US" sz="1600" b="0" strike="noStrike" spc="-1" dirty="0">
               <a:latin typeface="Arial"/>
@@ -8950,7 +9098,7 @@
                 </a:solidFill>
                 <a:latin typeface="Corbel"/>
               </a:rPr>
-              <a:t>: Access to search Weather API, Historical Weather Data (5 Days), 5 days/3 hour forecast API, Current Weather API features.</a:t>
+              <a:t>: Access to  Short Term Forecast (Nowcast), Hourly Forecast and Realtime features.</a:t>
             </a:r>
             <a:endParaRPr lang="en-US" sz="1600" b="0" strike="noStrike" spc="-1" dirty="0">
               <a:latin typeface="Arial"/>
@@ -8987,7 +9135,7 @@
                 </a:solidFill>
                 <a:latin typeface="Corbel"/>
               </a:rPr>
-              <a:t>: 9.9/10,</a:t>
+              <a:t>: 9.6/10,</a:t>
             </a:r>
             <a:r>
               <a:rPr lang="en-US" sz="1600" b="1" strike="noStrike" spc="-1" dirty="0">
@@ -9005,7 +9153,7 @@
                 </a:solidFill>
                 <a:latin typeface="Corbel"/>
               </a:rPr>
-              <a:t>: 100ms,</a:t>
+              <a:t>: 493ms,</a:t>
             </a:r>
             <a:r>
               <a:rPr lang="en-US" sz="1600" b="1" strike="noStrike" spc="-1" dirty="0">
@@ -9023,7 +9171,7 @@
                 </a:solidFill>
                 <a:latin typeface="Corbel"/>
               </a:rPr>
-              <a:t>: 98%</a:t>
+              <a:t>: 100%</a:t>
             </a:r>
             <a:endParaRPr lang="en-US" sz="1600" b="0" strike="noStrike" spc="-1" dirty="0">
               <a:latin typeface="Arial"/>
@@ -9098,7 +9246,7 @@
       </p:grpSpPr>
       <p:sp>
         <p:nvSpPr>
-          <p:cNvPr id="111" name="CustomShape 1"/>
+          <p:cNvPr id="109" name="CustomShape 1"/>
           <p:cNvSpPr/>
           <p:nvPr/>
         </p:nvSpPr>
@@ -9140,7 +9288,7 @@
               <a:rPr lang="en-US" sz="4400" dirty="0">
                 <a:latin typeface="+mj-lt"/>
               </a:rPr>
-              <a:t>HIKE TRAIL API’s</a:t>
+              <a:t>WEATHER API’s</a:t>
             </a:r>
             <a:endParaRPr lang="en-US" sz="4400" b="0" strike="noStrike" spc="-1" dirty="0">
               <a:latin typeface="+mj-lt"/>
@@ -9150,7 +9298,7 @@
       </p:sp>
       <p:sp>
         <p:nvSpPr>
-          <p:cNvPr id="112" name="CustomShape 2"/>
+          <p:cNvPr id="110" name="CustomShape 2"/>
           <p:cNvSpPr/>
           <p:nvPr/>
         </p:nvSpPr>
@@ -9207,7 +9355,7 @@
                 </a:solidFill>
                 <a:latin typeface="Corbel"/>
               </a:rPr>
-              <a:t>Hike trail API:</a:t>
+              <a:t>Weather API:</a:t>
             </a:r>
             <a:endParaRPr lang="en-US" sz="2400" b="0" strike="noStrike" spc="-1" dirty="0">
               <a:latin typeface="Arial"/>
@@ -9235,7 +9383,7 @@
                 </a:solidFill>
                 <a:latin typeface="Corbel"/>
               </a:rPr>
-              <a:t>1)  </a:t>
+              <a:t>3) </a:t>
             </a:r>
             <a:r>
               <a:rPr lang="en-US" sz="1800" b="0" strike="noStrike" spc="-1" dirty="0" err="1">
@@ -9244,9 +9392,9 @@
                 </a:solidFill>
                 <a:latin typeface="Corbel"/>
               </a:rPr>
-              <a:t>TrailAPI</a:t>
-            </a:r>
-            <a:endParaRPr lang="en-US" sz="1600" b="0" strike="noStrike" spc="-1" dirty="0">
+              <a:t>OpenWeatherMap</a:t>
+            </a:r>
+            <a:endParaRPr lang="en-US" sz="1800" b="0" strike="noStrike" spc="-1" dirty="0">
               <a:latin typeface="Arial"/>
             </a:endParaRPr>
           </a:p>
@@ -9272,7 +9420,7 @@
                 </a:solidFill>
                 <a:latin typeface="Corbel"/>
               </a:rPr>
-              <a:t>Data Format</a:t>
+              <a:t>Limit</a:t>
             </a:r>
             <a:r>
               <a:rPr lang="en-US" sz="1600" b="0" strike="noStrike" spc="-1" dirty="0">
@@ -9281,7 +9429,7 @@
                 </a:solidFill>
                 <a:latin typeface="Corbel"/>
               </a:rPr>
-              <a:t>: FetchAPI</a:t>
+              <a:t>: 500 / month quota Hard Limit</a:t>
             </a:r>
             <a:endParaRPr lang="en-US" sz="1600" b="0" strike="noStrike" spc="-1" dirty="0">
               <a:latin typeface="Arial"/>
@@ -9309,7 +9457,7 @@
                 </a:solidFill>
                 <a:latin typeface="Corbel"/>
               </a:rPr>
-              <a:t>Type</a:t>
+              <a:t>Data Format</a:t>
             </a:r>
             <a:r>
               <a:rPr lang="en-US" sz="1600" b="0" strike="noStrike" spc="-1" dirty="0">
@@ -9318,7 +9466,7 @@
                 </a:solidFill>
                 <a:latin typeface="Corbel"/>
               </a:rPr>
-              <a:t>: Free public API accessible via authentication key</a:t>
+              <a:t>: FetchAPI</a:t>
             </a:r>
             <a:endParaRPr lang="en-US" sz="1600" b="0" strike="noStrike" spc="-1" dirty="0">
               <a:latin typeface="Arial"/>
@@ -9346,7 +9494,7 @@
                 </a:solidFill>
                 <a:latin typeface="Corbel"/>
               </a:rPr>
-              <a:t>Information </a:t>
+              <a:t>Type</a:t>
             </a:r>
             <a:r>
               <a:rPr lang="en-US" sz="1600" b="0" strike="noStrike" spc="-1" dirty="0">
@@ -9355,20 +9503,10 @@
                 </a:solidFill>
                 <a:latin typeface="Corbel"/>
               </a:rPr>
-              <a:t>: </a:t>
-            </a:r>
-            <a:r>
-              <a:rPr lang="en-US" sz="1600" b="0" i="0" dirty="0">
-                <a:solidFill>
-                  <a:srgbClr val="4E4E4E"/>
-                </a:solidFill>
-                <a:effectLst/>
-                <a:latin typeface="Corbel" panose="020B0503020204020204" pitchFamily="34" charset="0"/>
-              </a:rPr>
-              <a:t>Information and photos for tens of thousands of outdoor recreation locations including hiking and mountain biking trails, campgrounds, ski resorts, ATV trails, and more.</a:t>
+              <a:t>: Free public API accessible via authentication key</a:t>
             </a:r>
             <a:endParaRPr lang="en-US" sz="1600" b="0" strike="noStrike" spc="-1" dirty="0">
-              <a:latin typeface="Corbel" panose="020B0503020204020204" pitchFamily="34" charset="0"/>
+              <a:latin typeface="Arial"/>
             </a:endParaRPr>
           </a:p>
           <a:p>
@@ -9393,6 +9531,43 @@
                 </a:solidFill>
                 <a:latin typeface="Corbel"/>
               </a:rPr>
+              <a:t>Information </a:t>
+            </a:r>
+            <a:r>
+              <a:rPr lang="en-US" sz="1600" b="0" strike="noStrike" spc="-1" dirty="0">
+                <a:solidFill>
+                  <a:srgbClr val="000000"/>
+                </a:solidFill>
+                <a:latin typeface="Corbel"/>
+              </a:rPr>
+              <a:t>: Access to search Weather API, Historical Weather Data (5 Days), 5 days/3 hour forecast API, Current Weather API features.</a:t>
+            </a:r>
+            <a:endParaRPr lang="en-US" sz="1600" b="0" strike="noStrike" spc="-1" dirty="0">
+              <a:latin typeface="Arial"/>
+            </a:endParaRPr>
+          </a:p>
+          <a:p>
+            <a:pPr marL="1296000" lvl="2" indent="-287640">
+              <a:lnSpc>
+                <a:spcPct val="100000"/>
+              </a:lnSpc>
+              <a:spcBef>
+                <a:spcPts val="850"/>
+              </a:spcBef>
+              <a:buClr>
+                <a:srgbClr val="000000"/>
+              </a:buClr>
+              <a:buSzPct val="45000"/>
+              <a:buFont typeface="Wingdings" charset="2"/>
+              <a:buChar char=""/>
+            </a:pPr>
+            <a:r>
+              <a:rPr lang="en-US" sz="1600" b="1" strike="noStrike" spc="-1" dirty="0">
+                <a:solidFill>
+                  <a:srgbClr val="000000"/>
+                </a:solidFill>
+                <a:latin typeface="Corbel"/>
+              </a:rPr>
               <a:t>Popularity</a:t>
             </a:r>
             <a:r>
@@ -9402,7 +9577,7 @@
                 </a:solidFill>
                 <a:latin typeface="Corbel"/>
               </a:rPr>
-              <a:t>: 9.3/10,</a:t>
+              <a:t>: 9.9/10,</a:t>
             </a:r>
             <a:r>
               <a:rPr lang="en-US" sz="1600" b="1" strike="noStrike" spc="-1" dirty="0">
@@ -9420,7 +9595,7 @@
                 </a:solidFill>
                 <a:latin typeface="Corbel"/>
               </a:rPr>
-              <a:t>: 840ms</a:t>
+              <a:t>: 100ms,</a:t>
             </a:r>
             <a:r>
               <a:rPr lang="en-US" sz="1600" b="1" strike="noStrike" spc="-1" dirty="0">
@@ -9429,7 +9604,7 @@
                 </a:solidFill>
                 <a:latin typeface="Corbel"/>
               </a:rPr>
-              <a:t> , Service Level</a:t>
+              <a:t> Service Level</a:t>
             </a:r>
             <a:r>
               <a:rPr lang="en-US" sz="1600" b="0" strike="noStrike" spc="-1" dirty="0">
@@ -9438,7 +9613,7 @@
                 </a:solidFill>
                 <a:latin typeface="Corbel"/>
               </a:rPr>
-              <a:t>: 100%</a:t>
+              <a:t>: 98%</a:t>
             </a:r>
             <a:endParaRPr lang="en-US" sz="1600" b="0" strike="noStrike" spc="-1" dirty="0">
               <a:latin typeface="Arial"/>

--- a/Project proposal.pptx
+++ b/Project proposal.pptx
@@ -8079,7 +8079,7 @@
                 </a:solidFill>
                 <a:latin typeface="Corbel"/>
               </a:rPr>
-              <a:t>HTML5, CSS3, JAVASCRIPT, React, Node</a:t>
+              <a:t>HTML5, CSS3, JAVASCRIPT, React</a:t>
             </a:r>
           </a:p>
           <a:p>
@@ -8114,7 +8114,17 @@
                 <a:latin typeface="Corbel"/>
                 <a:sym typeface="Wingdings" panose="05000000000000000000" pitchFamily="2" charset="2"/>
               </a:rPr>
-              <a:t> API’s</a:t>
+              <a:t> </a:t>
+            </a:r>
+            <a:r>
+              <a:rPr lang="en-US" sz="2400" spc="-1">
+                <a:solidFill>
+                  <a:srgbClr val="000000"/>
+                </a:solidFill>
+                <a:latin typeface="Corbel"/>
+                <a:sym typeface="Wingdings" panose="05000000000000000000" pitchFamily="2" charset="2"/>
+              </a:rPr>
+              <a:t>NodeJS, API’s</a:t>
             </a:r>
             <a:endParaRPr lang="en-US" sz="2400" b="0" strike="noStrike" spc="-1" dirty="0">
               <a:solidFill>

--- a/Project proposal.pptx
+++ b/Project proposal.pptx
@@ -8079,8 +8079,24 @@
                 </a:solidFill>
                 <a:latin typeface="Corbel"/>
               </a:rPr>
-              <a:t>HTML5, CSS3, JAVASCRIPT, React</a:t>
-            </a:r>
+              <a:t>HTML5, CSS3, JAVASCRIPT, </a:t>
+            </a:r>
+            <a:r>
+              <a:rPr lang="en-US" sz="2400" spc="-1" dirty="0">
+                <a:solidFill>
+                  <a:srgbClr val="000000"/>
+                </a:solidFill>
+                <a:latin typeface="Corbel"/>
+                <a:sym typeface="Wingdings" panose="05000000000000000000" pitchFamily="2" charset="2"/>
+              </a:rPr>
+              <a:t>ReactJS</a:t>
+            </a:r>
+            <a:endParaRPr lang="en-US" sz="2400" spc="-1" dirty="0">
+              <a:solidFill>
+                <a:srgbClr val="000000"/>
+              </a:solidFill>
+              <a:latin typeface="Corbel"/>
+            </a:endParaRPr>
           </a:p>
           <a:p>
             <a:pPr marL="800820" lvl="1" indent="-342900">
@@ -8117,6 +8133,16 @@
               <a:t> </a:t>
             </a:r>
             <a:r>
+              <a:rPr lang="en-US" sz="2400" spc="-1" dirty="0" err="1">
+                <a:solidFill>
+                  <a:srgbClr val="000000"/>
+                </a:solidFill>
+                <a:latin typeface="Corbel"/>
+                <a:sym typeface="Wingdings" panose="05000000000000000000" pitchFamily="2" charset="2"/>
+              </a:rPr>
+              <a:t>ExpressJS</a:t>
+            </a:r>
+            <a:r>
               <a:rPr lang="en-US" sz="2400" spc="-1">
                 <a:solidFill>
                   <a:srgbClr val="000000"/>
@@ -8124,7 +8150,17 @@
                 <a:latin typeface="Corbel"/>
                 <a:sym typeface="Wingdings" panose="05000000000000000000" pitchFamily="2" charset="2"/>
               </a:rPr>
-              <a:t>NodeJS, API’s</a:t>
+              <a:t>, Node</a:t>
+            </a:r>
+            <a:r>
+              <a:rPr lang="en-US" sz="2400" spc="-1" dirty="0">
+                <a:solidFill>
+                  <a:srgbClr val="000000"/>
+                </a:solidFill>
+                <a:latin typeface="Corbel"/>
+                <a:sym typeface="Wingdings" panose="05000000000000000000" pitchFamily="2" charset="2"/>
+              </a:rPr>
+              <a:t>.js, REST API’s</a:t>
             </a:r>
             <a:endParaRPr lang="en-US" sz="2400" b="0" strike="noStrike" spc="-1" dirty="0">
               <a:solidFill>
